--- a/_Organisation/Präsentation/Voodoo.pptx
+++ b/_Organisation/Präsentation/Voodoo.pptx
@@ -2,7 +2,7 @@
 <file path=ppt/presentation.xml><?xml version="1.0" encoding="utf-8"?>
 <p:presentation xmlns:a="http://schemas.openxmlformats.org/drawingml/2006/main" xmlns:r="http://schemas.openxmlformats.org/officeDocument/2006/relationships" xmlns:p="http://schemas.openxmlformats.org/presentationml/2006/main" saveSubsetFonts="1">
   <p:sldMasterIdLst>
-    <p:sldMasterId id="2147483648" r:id="rId1"/>
+    <p:sldMasterId id="2147483924" r:id="rId1"/>
   </p:sldMasterIdLst>
   <p:sldIdLst>
     <p:sldId id="256" r:id="rId2"/>
@@ -13,7 +13,7 @@
     <p:sldId id="260" r:id="rId7"/>
     <p:sldId id="261" r:id="rId8"/>
   </p:sldIdLst>
-  <p:sldSz cx="9144000" cy="6858000" type="screen4x3"/>
+  <p:sldSz cx="9144000" cy="5143500" type="screen16x9"/>
   <p:notesSz cx="6858000" cy="9144000"/>
   <p:defaultTextStyle>
     <a:defPPr>
@@ -132,7 +132,7 @@
       </p:grpSpPr>
       <p:sp>
         <p:nvSpPr>
-          <p:cNvPr id="2" name="Titel 1"/>
+          <p:cNvPr id="2" name="Title 1"/>
           <p:cNvSpPr>
             <a:spLocks noGrp="1"/>
           </p:cNvSpPr>
@@ -142,25 +142,29 @@
         </p:nvSpPr>
         <p:spPr>
           <a:xfrm>
-            <a:off x="685800" y="2130425"/>
-            <a:ext cx="7772400" cy="1470025"/>
-          </a:xfrm>
-        </p:spPr>
-        <p:txBody>
-          <a:bodyPr/>
-          <a:lstStyle/>
+            <a:off x="1009442" y="2480517"/>
+            <a:ext cx="7117180" cy="1102519"/>
+          </a:xfrm>
+        </p:spPr>
+        <p:txBody>
+          <a:bodyPr anchor="b"/>
+          <a:lstStyle>
+            <a:lvl1pPr>
+              <a:defRPr sz="4000"/>
+            </a:lvl1pPr>
+          </a:lstStyle>
           <a:p>
             <a:r>
               <a:rPr lang="de-DE" smtClean="0"/>
               <a:t>Titelmasterformat durch Klicken bearbeiten</a:t>
             </a:r>
-            <a:endParaRPr lang="de-DE"/>
-          </a:p>
-        </p:txBody>
-      </p:sp>
-      <p:sp>
-        <p:nvSpPr>
-          <p:cNvPr id="3" name="Untertitel 2"/>
+            <a:endParaRPr lang="en-US" dirty="0"/>
+          </a:p>
+        </p:txBody>
+      </p:sp>
+      <p:sp>
+        <p:nvSpPr>
+          <p:cNvPr id="3" name="Subtitle 2"/>
           <p:cNvSpPr>
             <a:spLocks noGrp="1"/>
           </p:cNvSpPr>
@@ -170,20 +174,20 @@
         </p:nvSpPr>
         <p:spPr>
           <a:xfrm>
-            <a:off x="1371600" y="3886200"/>
-            <a:ext cx="6400800" cy="1752600"/>
-          </a:xfrm>
-        </p:spPr>
-        <p:txBody>
-          <a:bodyPr/>
+            <a:off x="1009442" y="3583035"/>
+            <a:ext cx="7117180" cy="646065"/>
+          </a:xfrm>
+        </p:spPr>
+        <p:txBody>
+          <a:bodyPr anchor="t">
+            <a:normAutofit/>
+          </a:bodyPr>
           <a:lstStyle>
-            <a:lvl1pPr marL="0" indent="0" algn="ctr">
+            <a:lvl1pPr marL="0" indent="0" algn="l">
               <a:buNone/>
-              <a:defRPr>
+              <a:defRPr sz="2000">
                 <a:solidFill>
-                  <a:schemeClr val="tx1">
-                    <a:tint val="75000"/>
-                  </a:schemeClr>
+                  <a:schemeClr val="tx2"/>
                 </a:solidFill>
               </a:defRPr>
             </a:lvl1pPr>
@@ -273,13 +277,13 @@
               <a:rPr lang="de-DE" smtClean="0"/>
               <a:t>Formatvorlage des Untertitelmasters durch Klicken bearbeiten</a:t>
             </a:r>
-            <a:endParaRPr lang="de-DE"/>
-          </a:p>
-        </p:txBody>
-      </p:sp>
-      <p:sp>
-        <p:nvSpPr>
-          <p:cNvPr id="4" name="Datumsplatzhalter 3"/>
+            <a:endParaRPr lang="en-US" dirty="0"/>
+          </a:p>
+        </p:txBody>
+      </p:sp>
+      <p:sp>
+        <p:nvSpPr>
+          <p:cNvPr id="4" name="Date Placeholder 3"/>
           <p:cNvSpPr>
             <a:spLocks noGrp="1"/>
           </p:cNvSpPr>
@@ -302,7 +306,7 @@
       </p:sp>
       <p:sp>
         <p:nvSpPr>
-          <p:cNvPr id="5" name="Fußzeilenplatzhalter 4"/>
+          <p:cNvPr id="5" name="Footer Placeholder 4"/>
           <p:cNvSpPr>
             <a:spLocks noGrp="1"/>
           </p:cNvSpPr>
@@ -321,7 +325,7 @@
       </p:sp>
       <p:sp>
         <p:nvSpPr>
-          <p:cNvPr id="6" name="Foliennummernplatzhalter 5"/>
+          <p:cNvPr id="6" name="Slide Number Placeholder 5"/>
           <p:cNvSpPr>
             <a:spLocks noGrp="1"/>
           </p:cNvSpPr>
@@ -343,15 +347,17 @@
         </p:txBody>
       </p:sp>
     </p:spTree>
-    <p:extLst>
-      <p:ext uri="{BB962C8B-B14F-4D97-AF65-F5344CB8AC3E}">
-        <p14:creationId xmlns:p14="http://schemas.microsoft.com/office/powerpoint/2010/main" val="1941098967"/>
-      </p:ext>
-    </p:extLst>
   </p:cSld>
   <p:clrMapOvr>
     <a:masterClrMapping/>
   </p:clrMapOvr>
+  <p:timing>
+    <p:tnLst>
+      <p:par>
+        <p:cTn id="1" dur="indefinite" restart="never" nodeType="tmRoot"/>
+      </p:par>
+    </p:tnLst>
+  </p:timing>
 </p:sldLayout>
 </file>
 
@@ -374,7 +380,7 @@
       </p:grpSpPr>
       <p:sp>
         <p:nvSpPr>
-          <p:cNvPr id="2" name="Titel 1"/>
+          <p:cNvPr id="2" name="Title 1"/>
           <p:cNvSpPr>
             <a:spLocks noGrp="1"/>
           </p:cNvSpPr>
@@ -391,13 +397,13 @@
               <a:rPr lang="de-DE" smtClean="0"/>
               <a:t>Titelmasterformat durch Klicken bearbeiten</a:t>
             </a:r>
-            <a:endParaRPr lang="de-DE"/>
-          </a:p>
-        </p:txBody>
-      </p:sp>
-      <p:sp>
-        <p:nvSpPr>
-          <p:cNvPr id="3" name="Vertikaler Textplatzhalter 2"/>
+            <a:endParaRPr lang="en-US"/>
+          </a:p>
+        </p:txBody>
+      </p:sp>
+      <p:sp>
+        <p:nvSpPr>
+          <p:cNvPr id="3" name="Vertical Text Placeholder 2"/>
           <p:cNvSpPr>
             <a:spLocks noGrp="1"/>
           </p:cNvSpPr>
@@ -405,7 +411,12 @@
             <p:ph type="body" orient="vert" idx="1"/>
           </p:nvPr>
         </p:nvSpPr>
-        <p:spPr/>
+        <p:spPr>
+          <a:xfrm>
+            <a:off x="1009443" y="1355521"/>
+            <a:ext cx="7123080" cy="3038578"/>
+          </a:xfrm>
+        </p:spPr>
         <p:txBody>
           <a:bodyPr vert="eaVert"/>
           <a:lstStyle/>
@@ -443,13 +454,13 @@
               <a:rPr lang="de-DE" smtClean="0"/>
               <a:t>Fünfte Ebene</a:t>
             </a:r>
-            <a:endParaRPr lang="de-DE"/>
-          </a:p>
-        </p:txBody>
-      </p:sp>
-      <p:sp>
-        <p:nvSpPr>
-          <p:cNvPr id="4" name="Datumsplatzhalter 3"/>
+            <a:endParaRPr lang="en-US"/>
+          </a:p>
+        </p:txBody>
+      </p:sp>
+      <p:sp>
+        <p:nvSpPr>
+          <p:cNvPr id="4" name="Date Placeholder 3"/>
           <p:cNvSpPr>
             <a:spLocks noGrp="1"/>
           </p:cNvSpPr>
@@ -472,7 +483,7 @@
       </p:sp>
       <p:sp>
         <p:nvSpPr>
-          <p:cNvPr id="5" name="Fußzeilenplatzhalter 4"/>
+          <p:cNvPr id="5" name="Footer Placeholder 4"/>
           <p:cNvSpPr>
             <a:spLocks noGrp="1"/>
           </p:cNvSpPr>
@@ -491,7 +502,7 @@
       </p:sp>
       <p:sp>
         <p:nvSpPr>
-          <p:cNvPr id="6" name="Foliennummernplatzhalter 5"/>
+          <p:cNvPr id="6" name="Slide Number Placeholder 5"/>
           <p:cNvSpPr>
             <a:spLocks noGrp="1"/>
           </p:cNvSpPr>
@@ -513,15 +524,17 @@
         </p:txBody>
       </p:sp>
     </p:spTree>
-    <p:extLst>
-      <p:ext uri="{BB962C8B-B14F-4D97-AF65-F5344CB8AC3E}">
-        <p14:creationId xmlns:p14="http://schemas.microsoft.com/office/powerpoint/2010/main" val="1002763428"/>
-      </p:ext>
-    </p:extLst>
   </p:cSld>
   <p:clrMapOvr>
     <a:masterClrMapping/>
   </p:clrMapOvr>
+  <p:timing>
+    <p:tnLst>
+      <p:par>
+        <p:cTn id="1" dur="indefinite" restart="never" nodeType="tmRoot"/>
+      </p:par>
+    </p:tnLst>
+  </p:timing>
 </p:sldLayout>
 </file>
 
@@ -544,7 +557,7 @@
       </p:grpSpPr>
       <p:sp>
         <p:nvSpPr>
-          <p:cNvPr id="2" name="Vertikaler Titel 1"/>
+          <p:cNvPr id="2" name="Vertical Title 1"/>
           <p:cNvSpPr>
             <a:spLocks noGrp="1"/>
           </p:cNvSpPr>
@@ -554,8 +567,8 @@
         </p:nvSpPr>
         <p:spPr>
           <a:xfrm>
-            <a:off x="6629400" y="274638"/>
-            <a:ext cx="2057400" cy="5851525"/>
+            <a:off x="6659561" y="506792"/>
+            <a:ext cx="1472962" cy="3888996"/>
           </a:xfrm>
         </p:spPr>
         <p:txBody>
@@ -566,13 +579,13 @@
               <a:rPr lang="de-DE" smtClean="0"/>
               <a:t>Titelmasterformat durch Klicken bearbeiten</a:t>
             </a:r>
-            <a:endParaRPr lang="de-DE"/>
-          </a:p>
-        </p:txBody>
-      </p:sp>
-      <p:sp>
-        <p:nvSpPr>
-          <p:cNvPr id="3" name="Vertikaler Textplatzhalter 2"/>
+            <a:endParaRPr lang="en-US"/>
+          </a:p>
+        </p:txBody>
+      </p:sp>
+      <p:sp>
+        <p:nvSpPr>
+          <p:cNvPr id="3" name="Vertical Text Placeholder 2"/>
           <p:cNvSpPr>
             <a:spLocks noGrp="1"/>
           </p:cNvSpPr>
@@ -582,8 +595,8 @@
         </p:nvSpPr>
         <p:spPr>
           <a:xfrm>
-            <a:off x="457200" y="274638"/>
-            <a:ext cx="6019800" cy="5851525"/>
+            <a:off x="1009443" y="506793"/>
+            <a:ext cx="5467557" cy="3888995"/>
           </a:xfrm>
         </p:spPr>
         <p:txBody>
@@ -623,13 +636,13 @@
               <a:rPr lang="de-DE" smtClean="0"/>
               <a:t>Fünfte Ebene</a:t>
             </a:r>
-            <a:endParaRPr lang="de-DE"/>
-          </a:p>
-        </p:txBody>
-      </p:sp>
-      <p:sp>
-        <p:nvSpPr>
-          <p:cNvPr id="4" name="Datumsplatzhalter 3"/>
+            <a:endParaRPr lang="en-US"/>
+          </a:p>
+        </p:txBody>
+      </p:sp>
+      <p:sp>
+        <p:nvSpPr>
+          <p:cNvPr id="4" name="Date Placeholder 3"/>
           <p:cNvSpPr>
             <a:spLocks noGrp="1"/>
           </p:cNvSpPr>
@@ -652,7 +665,7 @@
       </p:sp>
       <p:sp>
         <p:nvSpPr>
-          <p:cNvPr id="5" name="Fußzeilenplatzhalter 4"/>
+          <p:cNvPr id="5" name="Footer Placeholder 4"/>
           <p:cNvSpPr>
             <a:spLocks noGrp="1"/>
           </p:cNvSpPr>
@@ -671,7 +684,7 @@
       </p:sp>
       <p:sp>
         <p:nvSpPr>
-          <p:cNvPr id="6" name="Foliennummernplatzhalter 5"/>
+          <p:cNvPr id="6" name="Slide Number Placeholder 5"/>
           <p:cNvSpPr>
             <a:spLocks noGrp="1"/>
           </p:cNvSpPr>
@@ -693,15 +706,17 @@
         </p:txBody>
       </p:sp>
     </p:spTree>
-    <p:extLst>
-      <p:ext uri="{BB962C8B-B14F-4D97-AF65-F5344CB8AC3E}">
-        <p14:creationId xmlns:p14="http://schemas.microsoft.com/office/powerpoint/2010/main" val="1160313441"/>
-      </p:ext>
-    </p:extLst>
   </p:cSld>
   <p:clrMapOvr>
     <a:masterClrMapping/>
   </p:clrMapOvr>
+  <p:timing>
+    <p:tnLst>
+      <p:par>
+        <p:cTn id="1" dur="indefinite" restart="never" nodeType="tmRoot"/>
+      </p:par>
+    </p:tnLst>
+  </p:timing>
 </p:sldLayout>
 </file>
 
@@ -724,7 +739,7 @@
       </p:grpSpPr>
       <p:sp>
         <p:nvSpPr>
-          <p:cNvPr id="2" name="Titel 1"/>
+          <p:cNvPr id="2" name="Title 1"/>
           <p:cNvSpPr>
             <a:spLocks noGrp="1"/>
           </p:cNvSpPr>
@@ -741,13 +756,13 @@
               <a:rPr lang="de-DE" smtClean="0"/>
               <a:t>Titelmasterformat durch Klicken bearbeiten</a:t>
             </a:r>
-            <a:endParaRPr lang="de-DE"/>
-          </a:p>
-        </p:txBody>
-      </p:sp>
-      <p:sp>
-        <p:nvSpPr>
-          <p:cNvPr id="3" name="Inhaltsplatzhalter 2"/>
+            <a:endParaRPr lang="en-US"/>
+          </a:p>
+        </p:txBody>
+      </p:sp>
+      <p:sp>
+        <p:nvSpPr>
+          <p:cNvPr id="3" name="Content Placeholder 2"/>
           <p:cNvSpPr>
             <a:spLocks noGrp="1"/>
           </p:cNvSpPr>
@@ -758,7 +773,44 @@
         <p:spPr/>
         <p:txBody>
           <a:bodyPr/>
-          <a:lstStyle/>
+          <a:lstStyle>
+            <a:lvl5pPr>
+              <a:defRPr/>
+            </a:lvl5pPr>
+            <a:lvl6pPr marL="2514600" indent="-228600">
+              <a:buClr>
+                <a:schemeClr val="tx2"/>
+              </a:buClr>
+              <a:buSzPct val="101000"/>
+              <a:buFont typeface="Courier New" pitchFamily="49" charset="0"/>
+              <a:buChar char="o"/>
+              <a:defRPr sz="1200"/>
+            </a:lvl6pPr>
+            <a:lvl7pPr marL="2971800" indent="-228600">
+              <a:buClr>
+                <a:schemeClr val="tx2"/>
+              </a:buClr>
+              <a:buFont typeface="Courier New" pitchFamily="49" charset="0"/>
+              <a:buChar char="o"/>
+              <a:defRPr sz="1200" baseline="0"/>
+            </a:lvl7pPr>
+            <a:lvl8pPr marL="3429000" indent="-228600">
+              <a:buClr>
+                <a:schemeClr val="tx2"/>
+              </a:buClr>
+              <a:buFont typeface="Courier New" pitchFamily="49" charset="0"/>
+              <a:buChar char="o"/>
+              <a:defRPr sz="1200" baseline="0"/>
+            </a:lvl8pPr>
+            <a:lvl9pPr marL="3886200" indent="-228600">
+              <a:buClr>
+                <a:schemeClr val="tx2"/>
+              </a:buClr>
+              <a:buFont typeface="Courier New" pitchFamily="49" charset="0"/>
+              <a:buChar char="o"/>
+              <a:defRPr sz="1200" baseline="0"/>
+            </a:lvl9pPr>
+          </a:lstStyle>
           <a:p>
             <a:pPr lvl="0"/>
             <a:r>
@@ -793,13 +845,13 @@
               <a:rPr lang="de-DE" smtClean="0"/>
               <a:t>Fünfte Ebene</a:t>
             </a:r>
-            <a:endParaRPr lang="de-DE"/>
-          </a:p>
-        </p:txBody>
-      </p:sp>
-      <p:sp>
-        <p:nvSpPr>
-          <p:cNvPr id="4" name="Datumsplatzhalter 3"/>
+            <a:endParaRPr lang="en-US" dirty="0" smtClean="0"/>
+          </a:p>
+        </p:txBody>
+      </p:sp>
+      <p:sp>
+        <p:nvSpPr>
+          <p:cNvPr id="4" name="Date Placeholder 3"/>
           <p:cNvSpPr>
             <a:spLocks noGrp="1"/>
           </p:cNvSpPr>
@@ -822,7 +874,7 @@
       </p:sp>
       <p:sp>
         <p:nvSpPr>
-          <p:cNvPr id="5" name="Fußzeilenplatzhalter 4"/>
+          <p:cNvPr id="5" name="Footer Placeholder 4"/>
           <p:cNvSpPr>
             <a:spLocks noGrp="1"/>
           </p:cNvSpPr>
@@ -841,7 +893,7 @@
       </p:sp>
       <p:sp>
         <p:nvSpPr>
-          <p:cNvPr id="6" name="Foliennummernplatzhalter 5"/>
+          <p:cNvPr id="6" name="Slide Number Placeholder 5"/>
           <p:cNvSpPr>
             <a:spLocks noGrp="1"/>
           </p:cNvSpPr>
@@ -863,15 +915,17 @@
         </p:txBody>
       </p:sp>
     </p:spTree>
-    <p:extLst>
-      <p:ext uri="{BB962C8B-B14F-4D97-AF65-F5344CB8AC3E}">
-        <p14:creationId xmlns:p14="http://schemas.microsoft.com/office/powerpoint/2010/main" val="3752150373"/>
-      </p:ext>
-    </p:extLst>
   </p:cSld>
   <p:clrMapOvr>
     <a:masterClrMapping/>
   </p:clrMapOvr>
+  <p:timing>
+    <p:tnLst>
+      <p:par>
+        <p:cTn id="1" dur="indefinite" restart="never" nodeType="tmRoot"/>
+      </p:par>
+    </p:tnLst>
+  </p:timing>
 </p:sldLayout>
 </file>
 
@@ -894,7 +948,7 @@
       </p:grpSpPr>
       <p:sp>
         <p:nvSpPr>
-          <p:cNvPr id="2" name="Titel 1"/>
+          <p:cNvPr id="2" name="Title 1"/>
           <p:cNvSpPr>
             <a:spLocks noGrp="1"/>
           </p:cNvSpPr>
@@ -904,15 +958,15 @@
         </p:nvSpPr>
         <p:spPr>
           <a:xfrm>
-            <a:off x="722313" y="4406900"/>
-            <a:ext cx="7772400" cy="1362075"/>
-          </a:xfrm>
-        </p:spPr>
-        <p:txBody>
-          <a:bodyPr anchor="t"/>
+            <a:off x="1009443" y="2481436"/>
+            <a:ext cx="7117178" cy="1101600"/>
+          </a:xfrm>
+        </p:spPr>
+        <p:txBody>
+          <a:bodyPr anchor="b"/>
           <a:lstStyle>
-            <a:lvl1pPr algn="l">
-              <a:defRPr sz="4000" b="1" cap="all"/>
+            <a:lvl1pPr algn="r">
+              <a:defRPr sz="3200" b="0" cap="none"/>
             </a:lvl1pPr>
           </a:lstStyle>
           <a:p>
@@ -920,13 +974,13 @@
               <a:rPr lang="de-DE" smtClean="0"/>
               <a:t>Titelmasterformat durch Klicken bearbeiten</a:t>
             </a:r>
-            <a:endParaRPr lang="de-DE"/>
-          </a:p>
-        </p:txBody>
-      </p:sp>
-      <p:sp>
-        <p:nvSpPr>
-          <p:cNvPr id="3" name="Textplatzhalter 2"/>
+            <a:endParaRPr lang="en-US"/>
+          </a:p>
+        </p:txBody>
+      </p:sp>
+      <p:sp>
+        <p:nvSpPr>
+          <p:cNvPr id="3" name="Text Placeholder 2"/>
           <p:cNvSpPr>
             <a:spLocks noGrp="1"/>
           </p:cNvSpPr>
@@ -936,20 +990,20 @@
         </p:nvSpPr>
         <p:spPr>
           <a:xfrm>
-            <a:off x="722313" y="2906713"/>
-            <a:ext cx="7772400" cy="1500187"/>
-          </a:xfrm>
-        </p:spPr>
-        <p:txBody>
-          <a:bodyPr anchor="b"/>
+            <a:off x="1009443" y="3583036"/>
+            <a:ext cx="7117178" cy="645300"/>
+          </a:xfrm>
+        </p:spPr>
+        <p:txBody>
+          <a:bodyPr anchor="t">
+            <a:normAutofit/>
+          </a:bodyPr>
           <a:lstStyle>
-            <a:lvl1pPr marL="0" indent="0">
+            <a:lvl1pPr marL="0" indent="0" algn="r">
               <a:buNone/>
-              <a:defRPr sz="2000">
+              <a:defRPr sz="1800">
                 <a:solidFill>
-                  <a:schemeClr val="tx1">
-                    <a:tint val="75000"/>
-                  </a:schemeClr>
+                  <a:schemeClr val="tx2"/>
                 </a:solidFill>
               </a:defRPr>
             </a:lvl1pPr>
@@ -1045,7 +1099,7 @@
       </p:sp>
       <p:sp>
         <p:nvSpPr>
-          <p:cNvPr id="4" name="Datumsplatzhalter 3"/>
+          <p:cNvPr id="4" name="Date Placeholder 3"/>
           <p:cNvSpPr>
             <a:spLocks noGrp="1"/>
           </p:cNvSpPr>
@@ -1068,7 +1122,7 @@
       </p:sp>
       <p:sp>
         <p:nvSpPr>
-          <p:cNvPr id="5" name="Fußzeilenplatzhalter 4"/>
+          <p:cNvPr id="5" name="Footer Placeholder 4"/>
           <p:cNvSpPr>
             <a:spLocks noGrp="1"/>
           </p:cNvSpPr>
@@ -1087,7 +1141,7 @@
       </p:sp>
       <p:sp>
         <p:nvSpPr>
-          <p:cNvPr id="6" name="Foliennummernplatzhalter 5"/>
+          <p:cNvPr id="6" name="Slide Number Placeholder 5"/>
           <p:cNvSpPr>
             <a:spLocks noGrp="1"/>
           </p:cNvSpPr>
@@ -1109,15 +1163,17 @@
         </p:txBody>
       </p:sp>
     </p:spTree>
-    <p:extLst>
-      <p:ext uri="{BB962C8B-B14F-4D97-AF65-F5344CB8AC3E}">
-        <p14:creationId xmlns:p14="http://schemas.microsoft.com/office/powerpoint/2010/main" val="3424384045"/>
-      </p:ext>
-    </p:extLst>
   </p:cSld>
   <p:clrMapOvr>
     <a:masterClrMapping/>
   </p:clrMapOvr>
+  <p:timing>
+    <p:tnLst>
+      <p:par>
+        <p:cTn id="1" dur="indefinite" restart="never" nodeType="tmRoot"/>
+      </p:par>
+    </p:tnLst>
+  </p:timing>
 </p:sldLayout>
 </file>
 
@@ -1140,7 +1196,7 @@
       </p:grpSpPr>
       <p:sp>
         <p:nvSpPr>
-          <p:cNvPr id="2" name="Titel 1"/>
+          <p:cNvPr id="2" name="Title 1"/>
           <p:cNvSpPr>
             <a:spLocks noGrp="1"/>
           </p:cNvSpPr>
@@ -1148,7 +1204,12 @@
             <p:ph type="title"/>
           </p:nvPr>
         </p:nvSpPr>
-        <p:spPr/>
+        <p:spPr>
+          <a:xfrm>
+            <a:off x="1009443" y="506794"/>
+            <a:ext cx="7123080" cy="693356"/>
+          </a:xfrm>
+        </p:spPr>
         <p:txBody>
           <a:bodyPr/>
           <a:lstStyle/>
@@ -1157,13 +1218,13 @@
               <a:rPr lang="de-DE" smtClean="0"/>
               <a:t>Titelmasterformat durch Klicken bearbeiten</a:t>
             </a:r>
-            <a:endParaRPr lang="de-DE"/>
-          </a:p>
-        </p:txBody>
-      </p:sp>
-      <p:sp>
-        <p:nvSpPr>
-          <p:cNvPr id="3" name="Inhaltsplatzhalter 2"/>
+            <a:endParaRPr lang="en-US"/>
+          </a:p>
+        </p:txBody>
+      </p:sp>
+      <p:sp>
+        <p:nvSpPr>
+          <p:cNvPr id="3" name="Content Placeholder 2"/>
           <p:cNvSpPr>
             <a:spLocks noGrp="1"/>
           </p:cNvSpPr>
@@ -1173,39 +1234,50 @@
         </p:nvSpPr>
         <p:spPr>
           <a:xfrm>
-            <a:off x="457200" y="1600200"/>
-            <a:ext cx="4038600" cy="4525963"/>
-          </a:xfrm>
-        </p:spPr>
-        <p:txBody>
-          <a:bodyPr/>
+            <a:off x="1009443" y="1357312"/>
+            <a:ext cx="3471277" cy="3038476"/>
+          </a:xfrm>
+        </p:spPr>
+        <p:txBody>
+          <a:bodyPr>
+            <a:normAutofit/>
+          </a:bodyPr>
           <a:lstStyle>
-            <a:lvl1pPr>
-              <a:defRPr sz="2800"/>
-            </a:lvl1pPr>
-            <a:lvl2pPr>
-              <a:defRPr sz="2400"/>
-            </a:lvl2pPr>
-            <a:lvl3pPr>
-              <a:defRPr sz="2000"/>
-            </a:lvl3pPr>
-            <a:lvl4pPr>
-              <a:defRPr sz="1800"/>
-            </a:lvl4pPr>
             <a:lvl5pPr>
-              <a:defRPr sz="1800"/>
+              <a:defRPr/>
             </a:lvl5pPr>
-            <a:lvl6pPr>
-              <a:defRPr sz="1800"/>
+            <a:lvl6pPr marL="2514600" indent="-228600">
+              <a:buClr>
+                <a:schemeClr val="tx2"/>
+              </a:buClr>
+              <a:buSzPct val="101000"/>
+              <a:buFont typeface="Courier New" pitchFamily="49" charset="0"/>
+              <a:buChar char="o"/>
+              <a:defRPr sz="1200"/>
             </a:lvl6pPr>
-            <a:lvl7pPr>
-              <a:defRPr sz="1800"/>
+            <a:lvl7pPr marL="2971800" indent="-228600">
+              <a:buClr>
+                <a:schemeClr val="tx2"/>
+              </a:buClr>
+              <a:buFont typeface="Courier New" pitchFamily="49" charset="0"/>
+              <a:buChar char="o"/>
+              <a:defRPr sz="1200" baseline="0"/>
             </a:lvl7pPr>
-            <a:lvl8pPr>
-              <a:defRPr sz="1800"/>
+            <a:lvl8pPr marL="3429000" indent="-228600">
+              <a:buClr>
+                <a:schemeClr val="tx2"/>
+              </a:buClr>
+              <a:buFont typeface="Courier New" pitchFamily="49" charset="0"/>
+              <a:buChar char="o"/>
+              <a:defRPr sz="1200" baseline="0"/>
             </a:lvl8pPr>
-            <a:lvl9pPr>
-              <a:defRPr sz="1800"/>
+            <a:lvl9pPr marL="3886200" indent="-228600">
+              <a:buClr>
+                <a:schemeClr val="tx2"/>
+              </a:buClr>
+              <a:buFont typeface="Courier New" pitchFamily="49" charset="0"/>
+              <a:buChar char="o"/>
+              <a:defRPr sz="1200" baseline="0"/>
             </a:lvl9pPr>
           </a:lstStyle>
           <a:p>
@@ -1242,13 +1314,13 @@
               <a:rPr lang="de-DE" smtClean="0"/>
               <a:t>Fünfte Ebene</a:t>
             </a:r>
-            <a:endParaRPr lang="de-DE"/>
-          </a:p>
-        </p:txBody>
-      </p:sp>
-      <p:sp>
-        <p:nvSpPr>
-          <p:cNvPr id="4" name="Inhaltsplatzhalter 3"/>
+            <a:endParaRPr lang="en-US"/>
+          </a:p>
+        </p:txBody>
+      </p:sp>
+      <p:sp>
+        <p:nvSpPr>
+          <p:cNvPr id="4" name="Content Placeholder 3"/>
           <p:cNvSpPr>
             <a:spLocks noGrp="1"/>
           </p:cNvSpPr>
@@ -1258,39 +1330,50 @@
         </p:nvSpPr>
         <p:spPr>
           <a:xfrm>
-            <a:off x="4648200" y="1600200"/>
-            <a:ext cx="4038600" cy="4525963"/>
-          </a:xfrm>
-        </p:spPr>
-        <p:txBody>
-          <a:bodyPr/>
+            <a:off x="4663281" y="1357312"/>
+            <a:ext cx="3469242" cy="3038477"/>
+          </a:xfrm>
+        </p:spPr>
+        <p:txBody>
+          <a:bodyPr>
+            <a:normAutofit/>
+          </a:bodyPr>
           <a:lstStyle>
-            <a:lvl1pPr>
-              <a:defRPr sz="2800"/>
-            </a:lvl1pPr>
-            <a:lvl2pPr>
-              <a:defRPr sz="2400"/>
-            </a:lvl2pPr>
-            <a:lvl3pPr>
-              <a:defRPr sz="2000"/>
-            </a:lvl3pPr>
-            <a:lvl4pPr>
-              <a:defRPr sz="1800"/>
-            </a:lvl4pPr>
             <a:lvl5pPr>
-              <a:defRPr sz="1800"/>
+              <a:defRPr/>
             </a:lvl5pPr>
-            <a:lvl6pPr>
-              <a:defRPr sz="1800"/>
+            <a:lvl6pPr marL="2514600" indent="-228600">
+              <a:buClr>
+                <a:schemeClr val="tx2"/>
+              </a:buClr>
+              <a:buSzPct val="101000"/>
+              <a:buFont typeface="Courier New" pitchFamily="49" charset="0"/>
+              <a:buChar char="o"/>
+              <a:defRPr sz="1200"/>
             </a:lvl6pPr>
-            <a:lvl7pPr>
-              <a:defRPr sz="1800"/>
+            <a:lvl7pPr marL="2971800" indent="-228600">
+              <a:buClr>
+                <a:schemeClr val="tx2"/>
+              </a:buClr>
+              <a:buFont typeface="Courier New" pitchFamily="49" charset="0"/>
+              <a:buChar char="o"/>
+              <a:defRPr sz="1200" baseline="0"/>
             </a:lvl7pPr>
-            <a:lvl8pPr>
-              <a:defRPr sz="1800"/>
+            <a:lvl8pPr marL="3429000" indent="-228600">
+              <a:buClr>
+                <a:schemeClr val="tx2"/>
+              </a:buClr>
+              <a:buFont typeface="Courier New" pitchFamily="49" charset="0"/>
+              <a:buChar char="o"/>
+              <a:defRPr sz="1200" baseline="0"/>
             </a:lvl8pPr>
-            <a:lvl9pPr>
-              <a:defRPr sz="1800"/>
+            <a:lvl9pPr marL="3886200" indent="-228600">
+              <a:buClr>
+                <a:schemeClr val="tx2"/>
+              </a:buClr>
+              <a:buFont typeface="Courier New" pitchFamily="49" charset="0"/>
+              <a:buChar char="o"/>
+              <a:defRPr sz="1200" baseline="0"/>
             </a:lvl9pPr>
           </a:lstStyle>
           <a:p>
@@ -1327,13 +1410,13 @@
               <a:rPr lang="de-DE" smtClean="0"/>
               <a:t>Fünfte Ebene</a:t>
             </a:r>
-            <a:endParaRPr lang="de-DE"/>
-          </a:p>
-        </p:txBody>
-      </p:sp>
-      <p:sp>
-        <p:nvSpPr>
-          <p:cNvPr id="5" name="Datumsplatzhalter 4"/>
+            <a:endParaRPr lang="en-US" dirty="0"/>
+          </a:p>
+        </p:txBody>
+      </p:sp>
+      <p:sp>
+        <p:nvSpPr>
+          <p:cNvPr id="5" name="Date Placeholder 4"/>
           <p:cNvSpPr>
             <a:spLocks noGrp="1"/>
           </p:cNvSpPr>
@@ -1356,7 +1439,7 @@
       </p:sp>
       <p:sp>
         <p:nvSpPr>
-          <p:cNvPr id="6" name="Fußzeilenplatzhalter 5"/>
+          <p:cNvPr id="6" name="Footer Placeholder 5"/>
           <p:cNvSpPr>
             <a:spLocks noGrp="1"/>
           </p:cNvSpPr>
@@ -1375,7 +1458,7 @@
       </p:sp>
       <p:sp>
         <p:nvSpPr>
-          <p:cNvPr id="7" name="Foliennummernplatzhalter 6"/>
+          <p:cNvPr id="7" name="Slide Number Placeholder 6"/>
           <p:cNvSpPr>
             <a:spLocks noGrp="1"/>
           </p:cNvSpPr>
@@ -1397,15 +1480,17 @@
         </p:txBody>
       </p:sp>
     </p:spTree>
-    <p:extLst>
-      <p:ext uri="{BB962C8B-B14F-4D97-AF65-F5344CB8AC3E}">
-        <p14:creationId xmlns:p14="http://schemas.microsoft.com/office/powerpoint/2010/main" val="4163678956"/>
-      </p:ext>
-    </p:extLst>
   </p:cSld>
   <p:clrMapOvr>
     <a:masterClrMapping/>
   </p:clrMapOvr>
+  <p:timing>
+    <p:tnLst>
+      <p:par>
+        <p:cTn id="1" dur="indefinite" restart="never" nodeType="tmRoot"/>
+      </p:par>
+    </p:tnLst>
+  </p:timing>
 </p:sldLayout>
 </file>
 
@@ -1428,7 +1513,7 @@
       </p:grpSpPr>
       <p:sp>
         <p:nvSpPr>
-          <p:cNvPr id="2" name="Titel 1"/>
+          <p:cNvPr id="2" name="Title 1"/>
           <p:cNvSpPr>
             <a:spLocks noGrp="1"/>
           </p:cNvSpPr>
@@ -1449,13 +1534,13 @@
               <a:rPr lang="de-DE" smtClean="0"/>
               <a:t>Titelmasterformat durch Klicken bearbeiten</a:t>
             </a:r>
-            <a:endParaRPr lang="de-DE"/>
-          </a:p>
-        </p:txBody>
-      </p:sp>
-      <p:sp>
-        <p:nvSpPr>
-          <p:cNvPr id="3" name="Textplatzhalter 2"/>
+            <a:endParaRPr lang="en-US"/>
+          </a:p>
+        </p:txBody>
+      </p:sp>
+      <p:sp>
+        <p:nvSpPr>
+          <p:cNvPr id="3" name="Text Placeholder 2"/>
           <p:cNvSpPr>
             <a:spLocks noGrp="1"/>
           </p:cNvSpPr>
@@ -1465,16 +1550,18 @@
         </p:nvSpPr>
         <p:spPr>
           <a:xfrm>
-            <a:off x="457200" y="1535113"/>
-            <a:ext cx="4040188" cy="639762"/>
-          </a:xfrm>
-        </p:spPr>
-        <p:txBody>
-          <a:bodyPr anchor="b"/>
+            <a:off x="1009443" y="1359695"/>
+            <a:ext cx="3471277" cy="432197"/>
+          </a:xfrm>
+        </p:spPr>
+        <p:txBody>
+          <a:bodyPr anchor="b">
+            <a:noAutofit/>
+          </a:bodyPr>
           <a:lstStyle>
             <a:lvl1pPr marL="0" indent="0">
               <a:buNone/>
-              <a:defRPr sz="2400" b="1"/>
+              <a:defRPr sz="2400" b="0"/>
             </a:lvl1pPr>
             <a:lvl2pPr marL="457200" indent="0">
               <a:buNone/>
@@ -1520,7 +1607,7 @@
       </p:sp>
       <p:sp>
         <p:nvSpPr>
-          <p:cNvPr id="4" name="Inhaltsplatzhalter 3"/>
+          <p:cNvPr id="4" name="Content Placeholder 3"/>
           <p:cNvSpPr>
             <a:spLocks noGrp="1"/>
           </p:cNvSpPr>
@@ -1530,39 +1617,50 @@
         </p:nvSpPr>
         <p:spPr>
           <a:xfrm>
-            <a:off x="457200" y="2174875"/>
-            <a:ext cx="4040188" cy="3951288"/>
-          </a:xfrm>
-        </p:spPr>
-        <p:txBody>
-          <a:bodyPr/>
+            <a:off x="1009443" y="1791892"/>
+            <a:ext cx="3471277" cy="2603896"/>
+          </a:xfrm>
+        </p:spPr>
+        <p:txBody>
+          <a:bodyPr>
+            <a:normAutofit/>
+          </a:bodyPr>
           <a:lstStyle>
-            <a:lvl1pPr>
-              <a:defRPr sz="2400"/>
-            </a:lvl1pPr>
-            <a:lvl2pPr>
-              <a:defRPr sz="2000"/>
-            </a:lvl2pPr>
-            <a:lvl3pPr>
-              <a:defRPr sz="1800"/>
-            </a:lvl3pPr>
-            <a:lvl4pPr>
-              <a:defRPr sz="1600"/>
-            </a:lvl4pPr>
             <a:lvl5pPr>
-              <a:defRPr sz="1600"/>
+              <a:defRPr/>
             </a:lvl5pPr>
-            <a:lvl6pPr>
-              <a:defRPr sz="1600"/>
+            <a:lvl6pPr marL="2514600" indent="-228600">
+              <a:buClr>
+                <a:schemeClr val="tx2"/>
+              </a:buClr>
+              <a:buSzPct val="101000"/>
+              <a:buFont typeface="Courier New" pitchFamily="49" charset="0"/>
+              <a:buChar char="o"/>
+              <a:defRPr sz="1200"/>
             </a:lvl6pPr>
-            <a:lvl7pPr>
-              <a:defRPr sz="1600"/>
+            <a:lvl7pPr marL="2971800" indent="-228600">
+              <a:buClr>
+                <a:schemeClr val="tx2"/>
+              </a:buClr>
+              <a:buFont typeface="Courier New" pitchFamily="49" charset="0"/>
+              <a:buChar char="o"/>
+              <a:defRPr sz="1200" baseline="0"/>
             </a:lvl7pPr>
-            <a:lvl8pPr>
-              <a:defRPr sz="1600"/>
+            <a:lvl8pPr marL="3429000" indent="-228600">
+              <a:buClr>
+                <a:schemeClr val="tx2"/>
+              </a:buClr>
+              <a:buFont typeface="Courier New" pitchFamily="49" charset="0"/>
+              <a:buChar char="o"/>
+              <a:defRPr sz="1200" baseline="0"/>
             </a:lvl8pPr>
-            <a:lvl9pPr>
-              <a:defRPr sz="1600"/>
+            <a:lvl9pPr marL="3886200" indent="-228600">
+              <a:buClr>
+                <a:schemeClr val="tx2"/>
+              </a:buClr>
+              <a:buFont typeface="Courier New" pitchFamily="49" charset="0"/>
+              <a:buChar char="o"/>
+              <a:defRPr sz="1200" baseline="0"/>
             </a:lvl9pPr>
           </a:lstStyle>
           <a:p>
@@ -1599,13 +1697,13 @@
               <a:rPr lang="de-DE" smtClean="0"/>
               <a:t>Fünfte Ebene</a:t>
             </a:r>
-            <a:endParaRPr lang="de-DE"/>
-          </a:p>
-        </p:txBody>
-      </p:sp>
-      <p:sp>
-        <p:nvSpPr>
-          <p:cNvPr id="5" name="Textplatzhalter 4"/>
+            <a:endParaRPr lang="en-US"/>
+          </a:p>
+        </p:txBody>
+      </p:sp>
+      <p:sp>
+        <p:nvSpPr>
+          <p:cNvPr id="5" name="Text Placeholder 4"/>
           <p:cNvSpPr>
             <a:spLocks noGrp="1"/>
           </p:cNvSpPr>
@@ -1615,16 +1713,18 @@
         </p:nvSpPr>
         <p:spPr>
           <a:xfrm>
-            <a:off x="4645025" y="1535113"/>
-            <a:ext cx="4041775" cy="639762"/>
-          </a:xfrm>
-        </p:spPr>
-        <p:txBody>
-          <a:bodyPr anchor="b"/>
+            <a:off x="4663281" y="1359695"/>
+            <a:ext cx="3471275" cy="432197"/>
+          </a:xfrm>
+        </p:spPr>
+        <p:txBody>
+          <a:bodyPr anchor="b">
+            <a:noAutofit/>
+          </a:bodyPr>
           <a:lstStyle>
             <a:lvl1pPr marL="0" indent="0">
               <a:buNone/>
-              <a:defRPr sz="2400" b="1"/>
+              <a:defRPr sz="2400" b="0"/>
             </a:lvl1pPr>
             <a:lvl2pPr marL="457200" indent="0">
               <a:buNone/>
@@ -1670,7 +1770,7 @@
       </p:sp>
       <p:sp>
         <p:nvSpPr>
-          <p:cNvPr id="6" name="Inhaltsplatzhalter 5"/>
+          <p:cNvPr id="6" name="Content Placeholder 5"/>
           <p:cNvSpPr>
             <a:spLocks noGrp="1"/>
           </p:cNvSpPr>
@@ -1680,39 +1780,50 @@
         </p:nvSpPr>
         <p:spPr>
           <a:xfrm>
-            <a:off x="4645025" y="2174875"/>
-            <a:ext cx="4041775" cy="3951288"/>
-          </a:xfrm>
-        </p:spPr>
-        <p:txBody>
-          <a:bodyPr/>
+            <a:off x="4663281" y="1791892"/>
+            <a:ext cx="3471275" cy="2603896"/>
+          </a:xfrm>
+        </p:spPr>
+        <p:txBody>
+          <a:bodyPr>
+            <a:normAutofit/>
+          </a:bodyPr>
           <a:lstStyle>
-            <a:lvl1pPr>
-              <a:defRPr sz="2400"/>
-            </a:lvl1pPr>
-            <a:lvl2pPr>
-              <a:defRPr sz="2000"/>
-            </a:lvl2pPr>
-            <a:lvl3pPr>
-              <a:defRPr sz="1800"/>
-            </a:lvl3pPr>
-            <a:lvl4pPr>
-              <a:defRPr sz="1600"/>
-            </a:lvl4pPr>
             <a:lvl5pPr>
-              <a:defRPr sz="1600"/>
+              <a:defRPr/>
             </a:lvl5pPr>
-            <a:lvl6pPr>
-              <a:defRPr sz="1600"/>
+            <a:lvl6pPr marL="2514600" indent="-228600">
+              <a:buClr>
+                <a:schemeClr val="tx2"/>
+              </a:buClr>
+              <a:buSzPct val="101000"/>
+              <a:buFont typeface="Courier New" pitchFamily="49" charset="0"/>
+              <a:buChar char="o"/>
+              <a:defRPr sz="1200"/>
             </a:lvl6pPr>
-            <a:lvl7pPr>
-              <a:defRPr sz="1600"/>
+            <a:lvl7pPr marL="2971800" indent="-228600">
+              <a:buClr>
+                <a:schemeClr val="tx2"/>
+              </a:buClr>
+              <a:buFont typeface="Courier New" pitchFamily="49" charset="0"/>
+              <a:buChar char="o"/>
+              <a:defRPr sz="1200" baseline="0"/>
             </a:lvl7pPr>
-            <a:lvl8pPr>
-              <a:defRPr sz="1600"/>
+            <a:lvl8pPr marL="3429000" indent="-228600">
+              <a:buClr>
+                <a:schemeClr val="tx2"/>
+              </a:buClr>
+              <a:buFont typeface="Courier New" pitchFamily="49" charset="0"/>
+              <a:buChar char="o"/>
+              <a:defRPr sz="1200" baseline="0"/>
             </a:lvl8pPr>
-            <a:lvl9pPr>
-              <a:defRPr sz="1600"/>
+            <a:lvl9pPr marL="3886200" indent="-228600">
+              <a:buClr>
+                <a:schemeClr val="tx2"/>
+              </a:buClr>
+              <a:buFont typeface="Courier New" pitchFamily="49" charset="0"/>
+              <a:buChar char="o"/>
+              <a:defRPr sz="1200" baseline="0"/>
             </a:lvl9pPr>
           </a:lstStyle>
           <a:p>
@@ -1749,13 +1860,13 @@
               <a:rPr lang="de-DE" smtClean="0"/>
               <a:t>Fünfte Ebene</a:t>
             </a:r>
-            <a:endParaRPr lang="de-DE"/>
-          </a:p>
-        </p:txBody>
-      </p:sp>
-      <p:sp>
-        <p:nvSpPr>
-          <p:cNvPr id="7" name="Datumsplatzhalter 6"/>
+            <a:endParaRPr lang="en-US"/>
+          </a:p>
+        </p:txBody>
+      </p:sp>
+      <p:sp>
+        <p:nvSpPr>
+          <p:cNvPr id="7" name="Date Placeholder 6"/>
           <p:cNvSpPr>
             <a:spLocks noGrp="1"/>
           </p:cNvSpPr>
@@ -1778,7 +1889,7 @@
       </p:sp>
       <p:sp>
         <p:nvSpPr>
-          <p:cNvPr id="8" name="Fußzeilenplatzhalter 7"/>
+          <p:cNvPr id="8" name="Footer Placeholder 7"/>
           <p:cNvSpPr>
             <a:spLocks noGrp="1"/>
           </p:cNvSpPr>
@@ -1797,7 +1908,7 @@
       </p:sp>
       <p:sp>
         <p:nvSpPr>
-          <p:cNvPr id="9" name="Foliennummernplatzhalter 8"/>
+          <p:cNvPr id="9" name="Slide Number Placeholder 8"/>
           <p:cNvSpPr>
             <a:spLocks noGrp="1"/>
           </p:cNvSpPr>
@@ -1819,15 +1930,17 @@
         </p:txBody>
       </p:sp>
     </p:spTree>
-    <p:extLst>
-      <p:ext uri="{BB962C8B-B14F-4D97-AF65-F5344CB8AC3E}">
-        <p14:creationId xmlns:p14="http://schemas.microsoft.com/office/powerpoint/2010/main" val="2585398351"/>
-      </p:ext>
-    </p:extLst>
   </p:cSld>
   <p:clrMapOvr>
     <a:masterClrMapping/>
   </p:clrMapOvr>
+  <p:timing>
+    <p:tnLst>
+      <p:par>
+        <p:cTn id="1" dur="indefinite" restart="never" nodeType="tmRoot"/>
+      </p:par>
+    </p:tnLst>
+  </p:timing>
 </p:sldLayout>
 </file>
 
@@ -1850,7 +1963,7 @@
       </p:grpSpPr>
       <p:sp>
         <p:nvSpPr>
-          <p:cNvPr id="2" name="Titel 1"/>
+          <p:cNvPr id="2" name="Title 1"/>
           <p:cNvSpPr>
             <a:spLocks noGrp="1"/>
           </p:cNvSpPr>
@@ -1867,13 +1980,13 @@
               <a:rPr lang="de-DE" smtClean="0"/>
               <a:t>Titelmasterformat durch Klicken bearbeiten</a:t>
             </a:r>
-            <a:endParaRPr lang="de-DE"/>
-          </a:p>
-        </p:txBody>
-      </p:sp>
-      <p:sp>
-        <p:nvSpPr>
-          <p:cNvPr id="3" name="Datumsplatzhalter 2"/>
+            <a:endParaRPr lang="en-US"/>
+          </a:p>
+        </p:txBody>
+      </p:sp>
+      <p:sp>
+        <p:nvSpPr>
+          <p:cNvPr id="3" name="Date Placeholder 2"/>
           <p:cNvSpPr>
             <a:spLocks noGrp="1"/>
           </p:cNvSpPr>
@@ -1896,7 +2009,7 @@
       </p:sp>
       <p:sp>
         <p:nvSpPr>
-          <p:cNvPr id="4" name="Fußzeilenplatzhalter 3"/>
+          <p:cNvPr id="4" name="Footer Placeholder 3"/>
           <p:cNvSpPr>
             <a:spLocks noGrp="1"/>
           </p:cNvSpPr>
@@ -1915,7 +2028,7 @@
       </p:sp>
       <p:sp>
         <p:nvSpPr>
-          <p:cNvPr id="5" name="Foliennummernplatzhalter 4"/>
+          <p:cNvPr id="5" name="Slide Number Placeholder 4"/>
           <p:cNvSpPr>
             <a:spLocks noGrp="1"/>
           </p:cNvSpPr>
@@ -1937,15 +2050,17 @@
         </p:txBody>
       </p:sp>
     </p:spTree>
-    <p:extLst>
-      <p:ext uri="{BB962C8B-B14F-4D97-AF65-F5344CB8AC3E}">
-        <p14:creationId xmlns:p14="http://schemas.microsoft.com/office/powerpoint/2010/main" val="2476027623"/>
-      </p:ext>
-    </p:extLst>
   </p:cSld>
   <p:clrMapOvr>
     <a:masterClrMapping/>
   </p:clrMapOvr>
+  <p:timing>
+    <p:tnLst>
+      <p:par>
+        <p:cTn id="1" dur="indefinite" restart="never" nodeType="tmRoot"/>
+      </p:par>
+    </p:tnLst>
+  </p:timing>
 </p:sldLayout>
 </file>
 
@@ -1968,7 +2083,7 @@
       </p:grpSpPr>
       <p:sp>
         <p:nvSpPr>
-          <p:cNvPr id="2" name="Datumsplatzhalter 1"/>
+          <p:cNvPr id="2" name="Date Placeholder 1"/>
           <p:cNvSpPr>
             <a:spLocks noGrp="1"/>
           </p:cNvSpPr>
@@ -1991,7 +2106,7 @@
       </p:sp>
       <p:sp>
         <p:nvSpPr>
-          <p:cNvPr id="3" name="Fußzeilenplatzhalter 2"/>
+          <p:cNvPr id="3" name="Footer Placeholder 2"/>
           <p:cNvSpPr>
             <a:spLocks noGrp="1"/>
           </p:cNvSpPr>
@@ -2010,7 +2125,7 @@
       </p:sp>
       <p:sp>
         <p:nvSpPr>
-          <p:cNvPr id="4" name="Foliennummernplatzhalter 3"/>
+          <p:cNvPr id="4" name="Slide Number Placeholder 3"/>
           <p:cNvSpPr>
             <a:spLocks noGrp="1"/>
           </p:cNvSpPr>
@@ -2032,15 +2147,17 @@
         </p:txBody>
       </p:sp>
     </p:spTree>
-    <p:extLst>
-      <p:ext uri="{BB962C8B-B14F-4D97-AF65-F5344CB8AC3E}">
-        <p14:creationId xmlns:p14="http://schemas.microsoft.com/office/powerpoint/2010/main" val="2620222999"/>
-      </p:ext>
-    </p:extLst>
   </p:cSld>
   <p:clrMapOvr>
     <a:masterClrMapping/>
   </p:clrMapOvr>
+  <p:timing>
+    <p:tnLst>
+      <p:par>
+        <p:cTn id="1" dur="indefinite" restart="never" nodeType="tmRoot"/>
+      </p:par>
+    </p:tnLst>
+  </p:timing>
 </p:sldLayout>
 </file>
 
@@ -2063,7 +2180,7 @@
       </p:grpSpPr>
       <p:sp>
         <p:nvSpPr>
-          <p:cNvPr id="2" name="Titel 1"/>
+          <p:cNvPr id="2" name="Title 1"/>
           <p:cNvSpPr>
             <a:spLocks noGrp="1"/>
           </p:cNvSpPr>
@@ -2073,15 +2190,15 @@
         </p:nvSpPr>
         <p:spPr>
           <a:xfrm>
-            <a:off x="457200" y="273050"/>
-            <a:ext cx="3008313" cy="1162050"/>
+            <a:off x="1009442" y="334566"/>
+            <a:ext cx="2660650" cy="889396"/>
           </a:xfrm>
         </p:spPr>
         <p:txBody>
           <a:bodyPr anchor="b"/>
           <a:lstStyle>
             <a:lvl1pPr algn="l">
-              <a:defRPr sz="2000" b="1"/>
+              <a:defRPr sz="2400" b="0"/>
             </a:lvl1pPr>
           </a:lstStyle>
           <a:p>
@@ -2089,13 +2206,13 @@
               <a:rPr lang="de-DE" smtClean="0"/>
               <a:t>Titelmasterformat durch Klicken bearbeiten</a:t>
             </a:r>
-            <a:endParaRPr lang="de-DE"/>
-          </a:p>
-        </p:txBody>
-      </p:sp>
-      <p:sp>
-        <p:nvSpPr>
-          <p:cNvPr id="3" name="Inhaltsplatzhalter 2"/>
+            <a:endParaRPr lang="en-US"/>
+          </a:p>
+        </p:txBody>
+      </p:sp>
+      <p:sp>
+        <p:nvSpPr>
+          <p:cNvPr id="3" name="Content Placeholder 2"/>
           <p:cNvSpPr>
             <a:spLocks noGrp="1"/>
           </p:cNvSpPr>
@@ -2105,39 +2222,50 @@
         </p:nvSpPr>
         <p:spPr>
           <a:xfrm>
-            <a:off x="3575050" y="273050"/>
-            <a:ext cx="5111750" cy="5853113"/>
-          </a:xfrm>
-        </p:spPr>
-        <p:txBody>
-          <a:bodyPr/>
+            <a:off x="3852655" y="334566"/>
+            <a:ext cx="4279869" cy="4061222"/>
+          </a:xfrm>
+        </p:spPr>
+        <p:txBody>
+          <a:bodyPr>
+            <a:normAutofit/>
+          </a:bodyPr>
           <a:lstStyle>
-            <a:lvl1pPr>
-              <a:defRPr sz="3200"/>
-            </a:lvl1pPr>
-            <a:lvl2pPr>
-              <a:defRPr sz="2800"/>
-            </a:lvl2pPr>
-            <a:lvl3pPr>
-              <a:defRPr sz="2400"/>
-            </a:lvl3pPr>
-            <a:lvl4pPr>
-              <a:defRPr sz="2000"/>
-            </a:lvl4pPr>
             <a:lvl5pPr>
-              <a:defRPr sz="2000"/>
+              <a:defRPr/>
             </a:lvl5pPr>
-            <a:lvl6pPr>
-              <a:defRPr sz="2000"/>
+            <a:lvl6pPr marL="2514600" indent="-228600">
+              <a:buClr>
+                <a:schemeClr val="tx2"/>
+              </a:buClr>
+              <a:buSzPct val="101000"/>
+              <a:buFont typeface="Courier New" pitchFamily="49" charset="0"/>
+              <a:buChar char="o"/>
+              <a:defRPr sz="1200"/>
             </a:lvl6pPr>
-            <a:lvl7pPr>
-              <a:defRPr sz="2000"/>
+            <a:lvl7pPr marL="2971800" indent="-228600">
+              <a:buClr>
+                <a:schemeClr val="tx2"/>
+              </a:buClr>
+              <a:buFont typeface="Courier New" pitchFamily="49" charset="0"/>
+              <a:buChar char="o"/>
+              <a:defRPr sz="1200" baseline="0"/>
             </a:lvl7pPr>
-            <a:lvl8pPr>
-              <a:defRPr sz="2000"/>
+            <a:lvl8pPr marL="3429000" indent="-228600">
+              <a:buClr>
+                <a:schemeClr val="tx2"/>
+              </a:buClr>
+              <a:buFont typeface="Courier New" pitchFamily="49" charset="0"/>
+              <a:buChar char="o"/>
+              <a:defRPr sz="1200" baseline="0"/>
             </a:lvl8pPr>
-            <a:lvl9pPr>
-              <a:defRPr sz="2000"/>
+            <a:lvl9pPr marL="3886200" indent="-228600">
+              <a:buClr>
+                <a:schemeClr val="tx2"/>
+              </a:buClr>
+              <a:buFont typeface="Courier New" pitchFamily="49" charset="0"/>
+              <a:buChar char="o"/>
+              <a:defRPr sz="1200" baseline="0"/>
             </a:lvl9pPr>
           </a:lstStyle>
           <a:p>
@@ -2174,13 +2302,13 @@
               <a:rPr lang="de-DE" smtClean="0"/>
               <a:t>Fünfte Ebene</a:t>
             </a:r>
-            <a:endParaRPr lang="de-DE"/>
-          </a:p>
-        </p:txBody>
-      </p:sp>
-      <p:sp>
-        <p:nvSpPr>
-          <p:cNvPr id="4" name="Textplatzhalter 3"/>
+            <a:endParaRPr lang="en-US"/>
+          </a:p>
+        </p:txBody>
+      </p:sp>
+      <p:sp>
+        <p:nvSpPr>
+          <p:cNvPr id="4" name="Text Placeholder 3"/>
           <p:cNvSpPr>
             <a:spLocks noGrp="1"/>
           </p:cNvSpPr>
@@ -2190,16 +2318,18 @@
         </p:nvSpPr>
         <p:spPr>
           <a:xfrm>
-            <a:off x="457200" y="1435100"/>
-            <a:ext cx="3008313" cy="4691063"/>
-          </a:xfrm>
-        </p:spPr>
-        <p:txBody>
-          <a:bodyPr/>
+            <a:off x="1009442" y="1223962"/>
+            <a:ext cx="2660650" cy="3171824"/>
+          </a:xfrm>
+        </p:spPr>
+        <p:txBody>
+          <a:bodyPr anchor="t">
+            <a:normAutofit/>
+          </a:bodyPr>
           <a:lstStyle>
             <a:lvl1pPr marL="0" indent="0">
               <a:buNone/>
-              <a:defRPr sz="1400"/>
+              <a:defRPr sz="1200"/>
             </a:lvl1pPr>
             <a:lvl2pPr marL="457200" indent="0">
               <a:buNone/>
@@ -2245,7 +2375,7 @@
       </p:sp>
       <p:sp>
         <p:nvSpPr>
-          <p:cNvPr id="5" name="Datumsplatzhalter 4"/>
+          <p:cNvPr id="5" name="Date Placeholder 4"/>
           <p:cNvSpPr>
             <a:spLocks noGrp="1"/>
           </p:cNvSpPr>
@@ -2268,7 +2398,7 @@
       </p:sp>
       <p:sp>
         <p:nvSpPr>
-          <p:cNvPr id="6" name="Fußzeilenplatzhalter 5"/>
+          <p:cNvPr id="6" name="Footer Placeholder 5"/>
           <p:cNvSpPr>
             <a:spLocks noGrp="1"/>
           </p:cNvSpPr>
@@ -2287,7 +2417,7 @@
       </p:sp>
       <p:sp>
         <p:nvSpPr>
-          <p:cNvPr id="7" name="Foliennummernplatzhalter 6"/>
+          <p:cNvPr id="7" name="Slide Number Placeholder 6"/>
           <p:cNvSpPr>
             <a:spLocks noGrp="1"/>
           </p:cNvSpPr>
@@ -2309,15 +2439,17 @@
         </p:txBody>
       </p:sp>
     </p:spTree>
-    <p:extLst>
-      <p:ext uri="{BB962C8B-B14F-4D97-AF65-F5344CB8AC3E}">
-        <p14:creationId xmlns:p14="http://schemas.microsoft.com/office/powerpoint/2010/main" val="1036762903"/>
-      </p:ext>
-    </p:extLst>
   </p:cSld>
   <p:clrMapOvr>
     <a:masterClrMapping/>
   </p:clrMapOvr>
+  <p:timing>
+    <p:tnLst>
+      <p:par>
+        <p:cTn id="1" dur="indefinite" restart="never" nodeType="tmRoot"/>
+      </p:par>
+    </p:tnLst>
+  </p:timing>
 </p:sldLayout>
 </file>
 
@@ -2340,7 +2472,7 @@
       </p:grpSpPr>
       <p:sp>
         <p:nvSpPr>
-          <p:cNvPr id="2" name="Titel 1"/>
+          <p:cNvPr id="2" name="Title 1"/>
           <p:cNvSpPr>
             <a:spLocks noGrp="1"/>
           </p:cNvSpPr>
@@ -2350,15 +2482,17 @@
         </p:nvSpPr>
         <p:spPr>
           <a:xfrm>
-            <a:off x="1792288" y="4800600"/>
-            <a:ext cx="5486400" cy="566738"/>
-          </a:xfrm>
-        </p:spPr>
-        <p:txBody>
-          <a:bodyPr anchor="b"/>
+            <a:off x="1009444" y="1040293"/>
+            <a:ext cx="3297953" cy="834941"/>
+          </a:xfrm>
+        </p:spPr>
+        <p:txBody>
+          <a:bodyPr anchor="b">
+            <a:normAutofit/>
+          </a:bodyPr>
           <a:lstStyle>
             <a:lvl1pPr algn="l">
-              <a:defRPr sz="2000" b="1"/>
+              <a:defRPr sz="2400" b="0"/>
             </a:lvl1pPr>
           </a:lstStyle>
           <a:p>
@@ -2366,93 +2500,34 @@
               <a:rPr lang="de-DE" smtClean="0"/>
               <a:t>Titelmasterformat durch Klicken bearbeiten</a:t>
             </a:r>
-            <a:endParaRPr lang="de-DE"/>
-          </a:p>
-        </p:txBody>
-      </p:sp>
-      <p:sp>
-        <p:nvSpPr>
-          <p:cNvPr id="3" name="Bildplatzhalter 2"/>
+            <a:endParaRPr lang="en-US"/>
+          </a:p>
+        </p:txBody>
+      </p:sp>
+      <p:sp>
+        <p:nvSpPr>
+          <p:cNvPr id="4" name="Text Placeholder 3"/>
           <p:cNvSpPr>
             <a:spLocks noGrp="1"/>
           </p:cNvSpPr>
           <p:nvPr>
-            <p:ph type="pic" idx="1"/>
+            <p:ph type="body" sz="half" idx="2"/>
           </p:nvPr>
         </p:nvSpPr>
         <p:spPr>
           <a:xfrm>
-            <a:off x="1792288" y="612775"/>
-            <a:ext cx="5486400" cy="4114800"/>
-          </a:xfrm>
-        </p:spPr>
-        <p:txBody>
-          <a:bodyPr/>
+            <a:off x="1009443" y="1875234"/>
+            <a:ext cx="3297954" cy="1897650"/>
+          </a:xfrm>
+        </p:spPr>
+        <p:txBody>
+          <a:bodyPr anchor="t">
+            <a:normAutofit/>
+          </a:bodyPr>
           <a:lstStyle>
             <a:lvl1pPr marL="0" indent="0">
               <a:buNone/>
-              <a:defRPr sz="3200"/>
-            </a:lvl1pPr>
-            <a:lvl2pPr marL="457200" indent="0">
-              <a:buNone/>
-              <a:defRPr sz="2800"/>
-            </a:lvl2pPr>
-            <a:lvl3pPr marL="914400" indent="0">
-              <a:buNone/>
-              <a:defRPr sz="2400"/>
-            </a:lvl3pPr>
-            <a:lvl4pPr marL="1371600" indent="0">
-              <a:buNone/>
-              <a:defRPr sz="2000"/>
-            </a:lvl4pPr>
-            <a:lvl5pPr marL="1828800" indent="0">
-              <a:buNone/>
-              <a:defRPr sz="2000"/>
-            </a:lvl5pPr>
-            <a:lvl6pPr marL="2286000" indent="0">
-              <a:buNone/>
-              <a:defRPr sz="2000"/>
-            </a:lvl6pPr>
-            <a:lvl7pPr marL="2743200" indent="0">
-              <a:buNone/>
-              <a:defRPr sz="2000"/>
-            </a:lvl7pPr>
-            <a:lvl8pPr marL="3200400" indent="0">
-              <a:buNone/>
-              <a:defRPr sz="2000"/>
-            </a:lvl8pPr>
-            <a:lvl9pPr marL="3657600" indent="0">
-              <a:buNone/>
-              <a:defRPr sz="2000"/>
-            </a:lvl9pPr>
-          </a:lstStyle>
-          <a:p>
-            <a:endParaRPr lang="de-DE"/>
-          </a:p>
-        </p:txBody>
-      </p:sp>
-      <p:sp>
-        <p:nvSpPr>
-          <p:cNvPr id="4" name="Textplatzhalter 3"/>
-          <p:cNvSpPr>
-            <a:spLocks noGrp="1"/>
-          </p:cNvSpPr>
-          <p:nvPr>
-            <p:ph type="body" sz="half" idx="2"/>
-          </p:nvPr>
-        </p:nvSpPr>
-        <p:spPr>
-          <a:xfrm>
-            <a:off x="1792288" y="5367338"/>
-            <a:ext cx="5486400" cy="804862"/>
-          </a:xfrm>
-        </p:spPr>
-        <p:txBody>
-          <a:bodyPr/>
-          <a:lstStyle>
-            <a:lvl1pPr marL="0" indent="0">
-              <a:buNone/>
-              <a:defRPr sz="1400"/>
+              <a:defRPr sz="1200"/>
             </a:lvl1pPr>
             <a:lvl2pPr marL="457200" indent="0">
               <a:buNone/>
@@ -2498,7 +2573,7 @@
       </p:sp>
       <p:sp>
         <p:nvSpPr>
-          <p:cNvPr id="5" name="Datumsplatzhalter 4"/>
+          <p:cNvPr id="5" name="Date Placeholder 4"/>
           <p:cNvSpPr>
             <a:spLocks noGrp="1"/>
           </p:cNvSpPr>
@@ -2521,7 +2596,7 @@
       </p:sp>
       <p:sp>
         <p:nvSpPr>
-          <p:cNvPr id="6" name="Fußzeilenplatzhalter 5"/>
+          <p:cNvPr id="6" name="Footer Placeholder 5"/>
           <p:cNvSpPr>
             <a:spLocks noGrp="1"/>
           </p:cNvSpPr>
@@ -2540,7 +2615,7 @@
       </p:sp>
       <p:sp>
         <p:nvSpPr>
-          <p:cNvPr id="7" name="Foliennummernplatzhalter 6"/>
+          <p:cNvPr id="7" name="Slide Number Placeholder 6"/>
           <p:cNvSpPr>
             <a:spLocks noGrp="1"/>
           </p:cNvSpPr>
@@ -2561,16 +2636,519 @@
           </a:p>
         </p:txBody>
       </p:sp>
+      <p:grpSp>
+        <p:nvGrpSpPr>
+          <p:cNvPr id="16" name="Group 15"/>
+          <p:cNvGrpSpPr/>
+          <p:nvPr/>
+        </p:nvGrpSpPr>
+        <p:grpSpPr>
+          <a:xfrm>
+            <a:off x="4516154" y="745791"/>
+            <a:ext cx="1847138" cy="1147829"/>
+            <a:chOff x="4718762" y="993075"/>
+            <a:chExt cx="1847138" cy="1530439"/>
+          </a:xfrm>
+        </p:grpSpPr>
+        <p:sp>
+          <p:nvSpPr>
+            <p:cNvPr id="32" name="Oval 31"/>
+            <p:cNvSpPr/>
+            <p:nvPr/>
+          </p:nvSpPr>
+          <p:spPr>
+            <a:xfrm>
+              <a:off x="5479247" y="1436861"/>
+              <a:ext cx="1086653" cy="1086653"/>
+            </a:xfrm>
+            <a:prstGeom prst="ellipse">
+              <a:avLst/>
+            </a:prstGeom>
+            <a:noFill/>
+            <a:ln>
+              <a:solidFill>
+                <a:schemeClr val="tx2">
+                  <a:lumMod val="75000"/>
+                </a:schemeClr>
+              </a:solidFill>
+            </a:ln>
+            <a:effectLst/>
+            <a:scene3d>
+              <a:camera prst="orthographicFront">
+                <a:rot lat="0" lon="0" rev="0"/>
+              </a:camera>
+              <a:lightRig rig="threePt" dir="tl"/>
+            </a:scene3d>
+            <a:sp3d extrusionH="25400"/>
+          </p:spPr>
+          <p:style>
+            <a:lnRef idx="1">
+              <a:schemeClr val="accent1"/>
+            </a:lnRef>
+            <a:fillRef idx="3">
+              <a:schemeClr val="accent1"/>
+            </a:fillRef>
+            <a:effectRef idx="2">
+              <a:schemeClr val="accent1"/>
+            </a:effectRef>
+            <a:fontRef idx="minor">
+              <a:schemeClr val="lt1"/>
+            </a:fontRef>
+          </p:style>
+          <p:txBody>
+            <a:bodyPr rtlCol="0" anchor="ctr"/>
+            <a:lstStyle/>
+            <a:p>
+              <a:pPr algn="ctr"/>
+              <a:endParaRPr lang="en-US"/>
+            </a:p>
+          </p:txBody>
+        </p:sp>
+        <p:sp>
+          <p:nvSpPr>
+            <p:cNvPr id="33" name="Oval 32"/>
+            <p:cNvSpPr/>
+            <p:nvPr/>
+          </p:nvSpPr>
+          <p:spPr>
+            <a:xfrm>
+              <a:off x="5650541" y="1411791"/>
+              <a:ext cx="830365" cy="830365"/>
+            </a:xfrm>
+            <a:prstGeom prst="ellipse">
+              <a:avLst/>
+            </a:prstGeom>
+            <a:solidFill>
+              <a:schemeClr val="tx2">
+                <a:lumMod val="75000"/>
+              </a:schemeClr>
+            </a:solidFill>
+            <a:ln>
+              <a:solidFill>
+                <a:schemeClr val="tx2">
+                  <a:lumMod val="75000"/>
+                </a:schemeClr>
+              </a:solidFill>
+            </a:ln>
+            <a:effectLst/>
+            <a:scene3d>
+              <a:camera prst="orthographicFront">
+                <a:rot lat="0" lon="0" rev="0"/>
+              </a:camera>
+              <a:lightRig rig="threePt" dir="tl"/>
+            </a:scene3d>
+            <a:sp3d extrusionH="25400"/>
+          </p:spPr>
+          <p:style>
+            <a:lnRef idx="1">
+              <a:schemeClr val="accent1"/>
+            </a:lnRef>
+            <a:fillRef idx="3">
+              <a:schemeClr val="accent1"/>
+            </a:fillRef>
+            <a:effectRef idx="2">
+              <a:schemeClr val="accent1"/>
+            </a:effectRef>
+            <a:fontRef idx="minor">
+              <a:schemeClr val="lt1"/>
+            </a:fontRef>
+          </p:style>
+          <p:txBody>
+            <a:bodyPr rtlCol="0" anchor="ctr"/>
+            <a:lstStyle/>
+            <a:p>
+              <a:pPr algn="ctr"/>
+              <a:endParaRPr lang="en-US"/>
+            </a:p>
+          </p:txBody>
+        </p:sp>
+        <p:sp>
+          <p:nvSpPr>
+            <p:cNvPr id="29" name="Oval 28"/>
+            <p:cNvSpPr/>
+            <p:nvPr/>
+          </p:nvSpPr>
+          <p:spPr>
+            <a:xfrm>
+              <a:off x="5256184" y="1894454"/>
+              <a:ext cx="602364" cy="602364"/>
+            </a:xfrm>
+            <a:prstGeom prst="ellipse">
+              <a:avLst/>
+            </a:prstGeom>
+            <a:noFill/>
+            <a:ln>
+              <a:solidFill>
+                <a:schemeClr val="tx2">
+                  <a:lumMod val="75000"/>
+                </a:schemeClr>
+              </a:solidFill>
+            </a:ln>
+            <a:effectLst/>
+            <a:scene3d>
+              <a:camera prst="orthographicFront">
+                <a:rot lat="0" lon="0" rev="0"/>
+              </a:camera>
+              <a:lightRig rig="threePt" dir="tl"/>
+            </a:scene3d>
+            <a:sp3d extrusionH="25400"/>
+          </p:spPr>
+          <p:style>
+            <a:lnRef idx="1">
+              <a:schemeClr val="accent1"/>
+            </a:lnRef>
+            <a:fillRef idx="3">
+              <a:schemeClr val="accent1"/>
+            </a:fillRef>
+            <a:effectRef idx="2">
+              <a:schemeClr val="accent1"/>
+            </a:effectRef>
+            <a:fontRef idx="minor">
+              <a:schemeClr val="lt1"/>
+            </a:fontRef>
+          </p:style>
+          <p:txBody>
+            <a:bodyPr rtlCol="0" anchor="ctr"/>
+            <a:lstStyle/>
+            <a:p>
+              <a:pPr algn="ctr"/>
+              <a:endParaRPr lang="en-US"/>
+            </a:p>
+          </p:txBody>
+        </p:sp>
+        <p:sp>
+          <p:nvSpPr>
+            <p:cNvPr id="31" name="Oval 30"/>
+            <p:cNvSpPr/>
+            <p:nvPr/>
+          </p:nvSpPr>
+          <p:spPr>
+            <a:xfrm>
+              <a:off x="5424145" y="1811313"/>
+              <a:ext cx="489588" cy="489588"/>
+            </a:xfrm>
+            <a:prstGeom prst="ellipse">
+              <a:avLst/>
+            </a:prstGeom>
+            <a:solidFill>
+              <a:schemeClr val="tx2">
+                <a:lumMod val="75000"/>
+              </a:schemeClr>
+            </a:solidFill>
+            <a:ln>
+              <a:solidFill>
+                <a:schemeClr val="tx2">
+                  <a:lumMod val="75000"/>
+                </a:schemeClr>
+              </a:solidFill>
+            </a:ln>
+            <a:effectLst/>
+            <a:scene3d>
+              <a:camera prst="orthographicFront">
+                <a:rot lat="0" lon="0" rev="0"/>
+              </a:camera>
+              <a:lightRig rig="threePt" dir="tl"/>
+            </a:scene3d>
+            <a:sp3d extrusionH="25400"/>
+          </p:spPr>
+          <p:style>
+            <a:lnRef idx="1">
+              <a:schemeClr val="accent1"/>
+            </a:lnRef>
+            <a:fillRef idx="3">
+              <a:schemeClr val="accent1"/>
+            </a:fillRef>
+            <a:effectRef idx="2">
+              <a:schemeClr val="accent1"/>
+            </a:effectRef>
+            <a:fontRef idx="minor">
+              <a:schemeClr val="lt1"/>
+            </a:fontRef>
+          </p:style>
+          <p:txBody>
+            <a:bodyPr rtlCol="0" anchor="ctr"/>
+            <a:lstStyle/>
+            <a:p>
+              <a:pPr algn="ctr"/>
+              <a:endParaRPr lang="en-US"/>
+            </a:p>
+          </p:txBody>
+        </p:sp>
+        <p:sp>
+          <p:nvSpPr>
+            <p:cNvPr id="28" name="Oval 27"/>
+            <p:cNvSpPr/>
+            <p:nvPr/>
+          </p:nvSpPr>
+          <p:spPr>
+            <a:xfrm>
+              <a:off x="4718762" y="2083426"/>
+              <a:ext cx="256601" cy="256601"/>
+            </a:xfrm>
+            <a:prstGeom prst="ellipse">
+              <a:avLst/>
+            </a:prstGeom>
+            <a:noFill/>
+            <a:ln>
+              <a:solidFill>
+                <a:schemeClr val="tx2">
+                  <a:lumMod val="75000"/>
+                </a:schemeClr>
+              </a:solidFill>
+            </a:ln>
+            <a:effectLst/>
+            <a:scene3d>
+              <a:camera prst="orthographicFront">
+                <a:rot lat="0" lon="0" rev="0"/>
+              </a:camera>
+              <a:lightRig rig="threePt" dir="tl"/>
+            </a:scene3d>
+            <a:sp3d extrusionH="25400"/>
+          </p:spPr>
+          <p:style>
+            <a:lnRef idx="1">
+              <a:schemeClr val="accent1"/>
+            </a:lnRef>
+            <a:fillRef idx="3">
+              <a:schemeClr val="accent1"/>
+            </a:fillRef>
+            <a:effectRef idx="2">
+              <a:schemeClr val="accent1"/>
+            </a:effectRef>
+            <a:fontRef idx="minor">
+              <a:schemeClr val="lt1"/>
+            </a:fontRef>
+          </p:style>
+          <p:txBody>
+            <a:bodyPr rtlCol="0" anchor="ctr"/>
+            <a:lstStyle/>
+            <a:p>
+              <a:pPr algn="ctr"/>
+              <a:endParaRPr lang="en-US"/>
+            </a:p>
+          </p:txBody>
+        </p:sp>
+        <p:sp>
+          <p:nvSpPr>
+            <p:cNvPr id="30" name="Oval 29"/>
+            <p:cNvSpPr/>
+            <p:nvPr/>
+          </p:nvSpPr>
+          <p:spPr>
+            <a:xfrm>
+              <a:off x="6132091" y="993075"/>
+              <a:ext cx="256601" cy="256601"/>
+            </a:xfrm>
+            <a:prstGeom prst="ellipse">
+              <a:avLst/>
+            </a:prstGeom>
+            <a:noFill/>
+            <a:ln>
+              <a:solidFill>
+                <a:schemeClr val="tx2">
+                  <a:lumMod val="75000"/>
+                </a:schemeClr>
+              </a:solidFill>
+            </a:ln>
+            <a:effectLst/>
+            <a:scene3d>
+              <a:camera prst="orthographicFront">
+                <a:rot lat="0" lon="0" rev="0"/>
+              </a:camera>
+              <a:lightRig rig="threePt" dir="tl"/>
+            </a:scene3d>
+            <a:sp3d extrusionH="25400"/>
+          </p:spPr>
+          <p:style>
+            <a:lnRef idx="1">
+              <a:schemeClr val="accent1"/>
+            </a:lnRef>
+            <a:fillRef idx="3">
+              <a:schemeClr val="accent1"/>
+            </a:fillRef>
+            <a:effectRef idx="2">
+              <a:schemeClr val="accent1"/>
+            </a:effectRef>
+            <a:fontRef idx="minor">
+              <a:schemeClr val="lt1"/>
+            </a:fontRef>
+          </p:style>
+          <p:txBody>
+            <a:bodyPr rtlCol="0" anchor="ctr"/>
+            <a:lstStyle/>
+            <a:p>
+              <a:pPr algn="ctr"/>
+              <a:endParaRPr lang="en-US"/>
+            </a:p>
+          </p:txBody>
+        </p:sp>
+        <p:sp>
+          <p:nvSpPr>
+            <p:cNvPr id="34" name="Oval 33"/>
+            <p:cNvSpPr/>
+            <p:nvPr/>
+          </p:nvSpPr>
+          <p:spPr>
+            <a:xfrm>
+              <a:off x="5059596" y="1894454"/>
+              <a:ext cx="197439" cy="197439"/>
+            </a:xfrm>
+            <a:prstGeom prst="ellipse">
+              <a:avLst/>
+            </a:prstGeom>
+            <a:solidFill>
+              <a:schemeClr val="tx2">
+                <a:lumMod val="75000"/>
+              </a:schemeClr>
+            </a:solidFill>
+            <a:ln>
+              <a:solidFill>
+                <a:schemeClr val="tx2">
+                  <a:lumMod val="75000"/>
+                </a:schemeClr>
+              </a:solidFill>
+            </a:ln>
+            <a:effectLst/>
+            <a:scene3d>
+              <a:camera prst="orthographicFront">
+                <a:rot lat="0" lon="0" rev="0"/>
+              </a:camera>
+              <a:lightRig rig="threePt" dir="tl"/>
+            </a:scene3d>
+            <a:sp3d extrusionH="25400"/>
+          </p:spPr>
+          <p:style>
+            <a:lnRef idx="1">
+              <a:schemeClr val="accent1"/>
+            </a:lnRef>
+            <a:fillRef idx="3">
+              <a:schemeClr val="accent1"/>
+            </a:fillRef>
+            <a:effectRef idx="2">
+              <a:schemeClr val="accent1"/>
+            </a:effectRef>
+            <a:fontRef idx="minor">
+              <a:schemeClr val="lt1"/>
+            </a:fontRef>
+          </p:style>
+          <p:txBody>
+            <a:bodyPr rtlCol="0" anchor="ctr"/>
+            <a:lstStyle/>
+            <a:p>
+              <a:pPr algn="ctr"/>
+              <a:endParaRPr lang="en-US"/>
+            </a:p>
+          </p:txBody>
+        </p:sp>
+        <p:sp>
+          <p:nvSpPr>
+            <p:cNvPr id="35" name="Oval 34"/>
+            <p:cNvSpPr/>
+            <p:nvPr/>
+          </p:nvSpPr>
+          <p:spPr>
+            <a:xfrm>
+              <a:off x="6148801" y="1060593"/>
+              <a:ext cx="197439" cy="197439"/>
+            </a:xfrm>
+            <a:prstGeom prst="ellipse">
+              <a:avLst/>
+            </a:prstGeom>
+            <a:solidFill>
+              <a:schemeClr val="tx2">
+                <a:lumMod val="75000"/>
+              </a:schemeClr>
+            </a:solidFill>
+            <a:ln>
+              <a:solidFill>
+                <a:schemeClr val="tx2">
+                  <a:lumMod val="75000"/>
+                </a:schemeClr>
+              </a:solidFill>
+            </a:ln>
+            <a:effectLst/>
+            <a:scene3d>
+              <a:camera prst="orthographicFront">
+                <a:rot lat="0" lon="0" rev="0"/>
+              </a:camera>
+              <a:lightRig rig="threePt" dir="tl"/>
+            </a:scene3d>
+            <a:sp3d extrusionH="25400"/>
+          </p:spPr>
+          <p:style>
+            <a:lnRef idx="1">
+              <a:schemeClr val="accent1"/>
+            </a:lnRef>
+            <a:fillRef idx="3">
+              <a:schemeClr val="accent1"/>
+            </a:fillRef>
+            <a:effectRef idx="2">
+              <a:schemeClr val="accent1"/>
+            </a:effectRef>
+            <a:fontRef idx="minor">
+              <a:schemeClr val="lt1"/>
+            </a:fontRef>
+          </p:style>
+          <p:txBody>
+            <a:bodyPr rtlCol="0" anchor="ctr"/>
+            <a:lstStyle/>
+            <a:p>
+              <a:pPr algn="ctr"/>
+              <a:endParaRPr lang="en-US"/>
+            </a:p>
+          </p:txBody>
+        </p:sp>
+      </p:grpSp>
+      <p:sp>
+        <p:nvSpPr>
+          <p:cNvPr id="18" name="Picture Placeholder 17"/>
+          <p:cNvSpPr>
+            <a:spLocks noGrp="1"/>
+          </p:cNvSpPr>
+          <p:nvPr>
+            <p:ph type="pic" sz="quarter" idx="14"/>
+          </p:nvPr>
+        </p:nvSpPr>
+        <p:spPr>
+          <a:xfrm>
+            <a:off x="4674192" y="1201134"/>
+            <a:ext cx="3429000" cy="2571750"/>
+          </a:xfrm>
+          <a:prstGeom prst="ellipse">
+            <a:avLst/>
+          </a:prstGeom>
+          <a:ln w="76200">
+            <a:solidFill>
+              <a:schemeClr val="tx2">
+                <a:lumMod val="75000"/>
+              </a:schemeClr>
+            </a:solidFill>
+          </a:ln>
+        </p:spPr>
+        <p:txBody>
+          <a:bodyPr/>
+          <a:lstStyle/>
+          <a:p>
+            <a:r>
+              <a:rPr lang="de-DE" smtClean="0"/>
+              <a:t>Bild durch Klicken auf Symbol hinzufügen</a:t>
+            </a:r>
+            <a:endParaRPr lang="en-US"/>
+          </a:p>
+        </p:txBody>
+      </p:sp>
     </p:spTree>
-    <p:extLst>
-      <p:ext uri="{BB962C8B-B14F-4D97-AF65-F5344CB8AC3E}">
-        <p14:creationId xmlns:p14="http://schemas.microsoft.com/office/powerpoint/2010/main" val="3072938117"/>
-      </p:ext>
-    </p:extLst>
   </p:cSld>
   <p:clrMapOvr>
     <a:masterClrMapping/>
   </p:clrMapOvr>
+  <p:timing>
+    <p:tnLst>
+      <p:par>
+        <p:cTn id="1" dur="indefinite" restart="never" nodeType="tmRoot"/>
+      </p:par>
+    </p:tnLst>
+  </p:timing>
 </p:sldLayout>
 </file>
 
@@ -2578,8 +3156,8 @@
 <p:sldMaster xmlns:a="http://schemas.openxmlformats.org/drawingml/2006/main" xmlns:r="http://schemas.openxmlformats.org/officeDocument/2006/relationships" xmlns:p="http://schemas.openxmlformats.org/presentationml/2006/main">
   <p:cSld>
     <p:bg>
-      <p:bgRef idx="1001">
-        <a:schemeClr val="bg1"/>
+      <p:bgRef idx="1002">
+        <a:schemeClr val="bg2"/>
       </p:bgRef>
     </p:bg>
     <p:spTree>
@@ -2598,7 +3176,3849 @@
       </p:grpSpPr>
       <p:sp>
         <p:nvSpPr>
-          <p:cNvPr id="2" name="Titelplatzhalter 1"/>
+          <p:cNvPr id="56" name="Oval 55"/>
+          <p:cNvSpPr>
+            <a:spLocks noChangeAspect="1"/>
+          </p:cNvSpPr>
+          <p:nvPr/>
+        </p:nvSpPr>
+        <p:spPr>
+          <a:xfrm>
+            <a:off x="-69625" y="3031932"/>
+            <a:ext cx="1743945" cy="1431926"/>
+          </a:xfrm>
+          <a:custGeom>
+            <a:avLst/>
+            <a:gdLst/>
+            <a:ahLst/>
+            <a:cxnLst/>
+            <a:rect l="l" t="t" r="r" b="b"/>
+            <a:pathLst>
+              <a:path w="1743945" h="1909234">
+                <a:moveTo>
+                  <a:pt x="789328" y="0"/>
+                </a:moveTo>
+                <a:cubicBezTo>
+                  <a:pt x="1316548" y="0"/>
+                  <a:pt x="1743945" y="427397"/>
+                  <a:pt x="1743945" y="954617"/>
+                </a:cubicBezTo>
+                <a:cubicBezTo>
+                  <a:pt x="1743945" y="1481837"/>
+                  <a:pt x="1316548" y="1909234"/>
+                  <a:pt x="789328" y="1909234"/>
+                </a:cubicBezTo>
+                <a:cubicBezTo>
+                  <a:pt x="461080" y="1909234"/>
+                  <a:pt x="171527" y="1743562"/>
+                  <a:pt x="0" y="1491086"/>
+                </a:cubicBezTo>
+                <a:lnTo>
+                  <a:pt x="0" y="418149"/>
+                </a:lnTo>
+                <a:cubicBezTo>
+                  <a:pt x="171527" y="165673"/>
+                  <a:pt x="461080" y="0"/>
+                  <a:pt x="789328" y="0"/>
+                </a:cubicBezTo>
+                <a:close/>
+              </a:path>
+            </a:pathLst>
+          </a:custGeom>
+          <a:solidFill>
+            <a:schemeClr val="tx2">
+              <a:lumMod val="75000"/>
+              <a:alpha val="8000"/>
+            </a:schemeClr>
+          </a:solidFill>
+          <a:ln w="330200" cap="rnd" cmpd="sng" algn="ctr">
+            <a:solidFill>
+              <a:schemeClr val="accent3">
+                <a:lumMod val="60000"/>
+                <a:lumOff val="40000"/>
+                <a:alpha val="0"/>
+              </a:schemeClr>
+            </a:solidFill>
+            <a:prstDash val="solid"/>
+            <a:round/>
+            <a:headEnd type="none" w="med" len="med"/>
+            <a:tailEnd type="none" w="med" len="med"/>
+          </a:ln>
+          <a:effectLst>
+            <a:softEdge rad="317500"/>
+          </a:effectLst>
+        </p:spPr>
+        <p:style>
+          <a:lnRef idx="3">
+            <a:schemeClr val="lt1"/>
+          </a:lnRef>
+          <a:fillRef idx="1">
+            <a:schemeClr val="accent3"/>
+          </a:fillRef>
+          <a:effectRef idx="1">
+            <a:schemeClr val="accent3"/>
+          </a:effectRef>
+          <a:fontRef idx="minor">
+            <a:schemeClr val="lt1"/>
+          </a:fontRef>
+        </p:style>
+        <p:txBody>
+          <a:bodyPr rtlCol="0" anchor="ctr"/>
+          <a:lstStyle/>
+          <a:p>
+            <a:pPr algn="ctr"/>
+            <a:endParaRPr lang="en-US">
+              <a:ln w="317500">
+                <a:solidFill>
+                  <a:schemeClr val="tx1"/>
+                </a:solidFill>
+              </a:ln>
+            </a:endParaRPr>
+          </a:p>
+        </p:txBody>
+      </p:sp>
+      <p:sp>
+        <p:nvSpPr>
+          <p:cNvPr id="53" name="Oval 52"/>
+          <p:cNvSpPr>
+            <a:spLocks noChangeAspect="1"/>
+          </p:cNvSpPr>
+          <p:nvPr/>
+        </p:nvSpPr>
+        <p:spPr>
+          <a:xfrm>
+            <a:off x="520639" y="821483"/>
+            <a:ext cx="1909233" cy="1431925"/>
+          </a:xfrm>
+          <a:prstGeom prst="ellipse">
+            <a:avLst/>
+          </a:prstGeom>
+          <a:solidFill>
+            <a:schemeClr val="tx2">
+              <a:lumMod val="75000"/>
+              <a:alpha val="10000"/>
+            </a:schemeClr>
+          </a:solidFill>
+          <a:ln w="330200" cap="rnd" cmpd="sng" algn="ctr">
+            <a:solidFill>
+              <a:schemeClr val="accent3">
+                <a:lumMod val="60000"/>
+                <a:lumOff val="40000"/>
+                <a:alpha val="0"/>
+              </a:schemeClr>
+            </a:solidFill>
+            <a:prstDash val="solid"/>
+            <a:round/>
+            <a:headEnd type="none" w="med" len="med"/>
+            <a:tailEnd type="none" w="med" len="med"/>
+          </a:ln>
+          <a:effectLst>
+            <a:softEdge rad="317500"/>
+          </a:effectLst>
+        </p:spPr>
+        <p:style>
+          <a:lnRef idx="3">
+            <a:schemeClr val="lt1"/>
+          </a:lnRef>
+          <a:fillRef idx="1">
+            <a:schemeClr val="accent3"/>
+          </a:fillRef>
+          <a:effectRef idx="1">
+            <a:schemeClr val="accent3"/>
+          </a:effectRef>
+          <a:fontRef idx="minor">
+            <a:schemeClr val="lt1"/>
+          </a:fontRef>
+        </p:style>
+        <p:txBody>
+          <a:bodyPr rtlCol="0" anchor="ctr"/>
+          <a:lstStyle/>
+          <a:p>
+            <a:pPr algn="ctr"/>
+            <a:endParaRPr lang="en-US">
+              <a:ln w="317500">
+                <a:solidFill>
+                  <a:schemeClr val="tx1"/>
+                </a:solidFill>
+              </a:ln>
+            </a:endParaRPr>
+          </a:p>
+        </p:txBody>
+      </p:sp>
+      <p:sp>
+        <p:nvSpPr>
+          <p:cNvPr id="52" name="Oval 51"/>
+          <p:cNvSpPr>
+            <a:spLocks noChangeAspect="1"/>
+          </p:cNvSpPr>
+          <p:nvPr/>
+        </p:nvSpPr>
+        <p:spPr>
+          <a:xfrm>
+            <a:off x="1878730" y="212200"/>
+            <a:ext cx="1909233" cy="1431925"/>
+          </a:xfrm>
+          <a:prstGeom prst="ellipse">
+            <a:avLst/>
+          </a:prstGeom>
+          <a:solidFill>
+            <a:schemeClr val="tx2">
+              <a:lumMod val="75000"/>
+              <a:alpha val="10000"/>
+            </a:schemeClr>
+          </a:solidFill>
+          <a:ln w="330200" cap="rnd" cmpd="sng" algn="ctr">
+            <a:solidFill>
+              <a:schemeClr val="accent3">
+                <a:lumMod val="60000"/>
+                <a:lumOff val="40000"/>
+                <a:alpha val="0"/>
+              </a:schemeClr>
+            </a:solidFill>
+            <a:prstDash val="solid"/>
+            <a:round/>
+            <a:headEnd type="none" w="med" len="med"/>
+            <a:tailEnd type="none" w="med" len="med"/>
+          </a:ln>
+          <a:effectLst>
+            <a:softEdge rad="317500"/>
+          </a:effectLst>
+        </p:spPr>
+        <p:style>
+          <a:lnRef idx="3">
+            <a:schemeClr val="lt1"/>
+          </a:lnRef>
+          <a:fillRef idx="1">
+            <a:schemeClr val="accent3"/>
+          </a:fillRef>
+          <a:effectRef idx="1">
+            <a:schemeClr val="accent3"/>
+          </a:effectRef>
+          <a:fontRef idx="minor">
+            <a:schemeClr val="lt1"/>
+          </a:fontRef>
+        </p:style>
+        <p:txBody>
+          <a:bodyPr rtlCol="0" anchor="ctr"/>
+          <a:lstStyle/>
+          <a:p>
+            <a:pPr algn="ctr"/>
+            <a:endParaRPr lang="en-US">
+              <a:ln w="317500">
+                <a:solidFill>
+                  <a:schemeClr val="tx1"/>
+                </a:solidFill>
+              </a:ln>
+            </a:endParaRPr>
+          </a:p>
+        </p:txBody>
+      </p:sp>
+      <p:sp>
+        <p:nvSpPr>
+          <p:cNvPr id="54" name="Oval 53"/>
+          <p:cNvSpPr>
+            <a:spLocks noChangeAspect="1"/>
+          </p:cNvSpPr>
+          <p:nvPr/>
+        </p:nvSpPr>
+        <p:spPr>
+          <a:xfrm>
+            <a:off x="520637" y="4296851"/>
+            <a:ext cx="1909234" cy="895317"/>
+          </a:xfrm>
+          <a:custGeom>
+            <a:avLst/>
+            <a:gdLst/>
+            <a:ahLst/>
+            <a:cxnLst/>
+            <a:rect l="l" t="t" r="r" b="b"/>
+            <a:pathLst>
+              <a:path w="1909234" h="1193756">
+                <a:moveTo>
+                  <a:pt x="954617" y="0"/>
+                </a:moveTo>
+                <a:cubicBezTo>
+                  <a:pt x="1481837" y="0"/>
+                  <a:pt x="1909234" y="427397"/>
+                  <a:pt x="1909234" y="954617"/>
+                </a:cubicBezTo>
+                <a:cubicBezTo>
+                  <a:pt x="1909234" y="1037305"/>
+                  <a:pt x="1898721" y="1117537"/>
+                  <a:pt x="1877819" y="1193756"/>
+                </a:cubicBezTo>
+                <a:lnTo>
+                  <a:pt x="31415" y="1193756"/>
+                </a:lnTo>
+                <a:cubicBezTo>
+                  <a:pt x="10513" y="1117537"/>
+                  <a:pt x="0" y="1037305"/>
+                  <a:pt x="0" y="954617"/>
+                </a:cubicBezTo>
+                <a:cubicBezTo>
+                  <a:pt x="0" y="427397"/>
+                  <a:pt x="427397" y="0"/>
+                  <a:pt x="954617" y="0"/>
+                </a:cubicBezTo>
+                <a:close/>
+              </a:path>
+            </a:pathLst>
+          </a:custGeom>
+          <a:solidFill>
+            <a:schemeClr val="tx2">
+              <a:lumMod val="75000"/>
+              <a:alpha val="16000"/>
+            </a:schemeClr>
+          </a:solidFill>
+          <a:ln w="330200" cap="rnd" cmpd="sng" algn="ctr">
+            <a:solidFill>
+              <a:schemeClr val="accent3">
+                <a:lumMod val="60000"/>
+                <a:lumOff val="40000"/>
+                <a:alpha val="0"/>
+              </a:schemeClr>
+            </a:solidFill>
+            <a:prstDash val="solid"/>
+            <a:round/>
+            <a:headEnd type="none" w="med" len="med"/>
+            <a:tailEnd type="none" w="med" len="med"/>
+          </a:ln>
+          <a:effectLst>
+            <a:softEdge rad="317500"/>
+          </a:effectLst>
+        </p:spPr>
+        <p:style>
+          <a:lnRef idx="3">
+            <a:schemeClr val="lt1"/>
+          </a:lnRef>
+          <a:fillRef idx="1">
+            <a:schemeClr val="accent3"/>
+          </a:fillRef>
+          <a:effectRef idx="1">
+            <a:schemeClr val="accent3"/>
+          </a:effectRef>
+          <a:fontRef idx="minor">
+            <a:schemeClr val="lt1"/>
+          </a:fontRef>
+        </p:style>
+        <p:txBody>
+          <a:bodyPr rtlCol="0" anchor="ctr"/>
+          <a:lstStyle/>
+          <a:p>
+            <a:pPr algn="ctr"/>
+            <a:endParaRPr lang="en-US">
+              <a:ln w="317500">
+                <a:solidFill>
+                  <a:schemeClr val="tx1"/>
+                </a:solidFill>
+              </a:ln>
+            </a:endParaRPr>
+          </a:p>
+        </p:txBody>
+      </p:sp>
+      <p:sp>
+        <p:nvSpPr>
+          <p:cNvPr id="130" name="Oval 129"/>
+          <p:cNvSpPr>
+            <a:spLocks noChangeAspect="1"/>
+          </p:cNvSpPr>
+          <p:nvPr/>
+        </p:nvSpPr>
+        <p:spPr>
+          <a:xfrm>
+            <a:off x="-46711" y="-46282"/>
+            <a:ext cx="1449107" cy="1257798"/>
+          </a:xfrm>
+          <a:custGeom>
+            <a:avLst/>
+            <a:gdLst/>
+            <a:ahLst/>
+            <a:cxnLst/>
+            <a:rect l="l" t="t" r="r" b="b"/>
+            <a:pathLst>
+              <a:path w="1449107" h="1677064">
+                <a:moveTo>
+                  <a:pt x="0" y="0"/>
+                </a:moveTo>
+                <a:lnTo>
+                  <a:pt x="1112019" y="0"/>
+                </a:lnTo>
+                <a:cubicBezTo>
+                  <a:pt x="1319407" y="171874"/>
+                  <a:pt x="1449107" y="432014"/>
+                  <a:pt x="1449107" y="722447"/>
+                </a:cubicBezTo>
+                <a:cubicBezTo>
+                  <a:pt x="1449107" y="1249667"/>
+                  <a:pt x="1021710" y="1677064"/>
+                  <a:pt x="494490" y="1677064"/>
+                </a:cubicBezTo>
+                <a:cubicBezTo>
+                  <a:pt x="313232" y="1677064"/>
+                  <a:pt x="143772" y="1626546"/>
+                  <a:pt x="0" y="1537872"/>
+                </a:cubicBezTo>
+                <a:close/>
+              </a:path>
+            </a:pathLst>
+          </a:custGeom>
+          <a:solidFill>
+            <a:schemeClr val="tx2">
+              <a:lumMod val="75000"/>
+              <a:alpha val="14000"/>
+            </a:schemeClr>
+          </a:solidFill>
+          <a:ln w="330200" cap="rnd" cmpd="sng" algn="ctr">
+            <a:solidFill>
+              <a:schemeClr val="accent3">
+                <a:lumMod val="60000"/>
+                <a:lumOff val="40000"/>
+                <a:alpha val="0"/>
+              </a:schemeClr>
+            </a:solidFill>
+            <a:prstDash val="solid"/>
+            <a:round/>
+            <a:headEnd type="none" w="med" len="med"/>
+            <a:tailEnd type="none" w="med" len="med"/>
+          </a:ln>
+          <a:effectLst>
+            <a:softEdge rad="317500"/>
+          </a:effectLst>
+        </p:spPr>
+        <p:style>
+          <a:lnRef idx="3">
+            <a:schemeClr val="lt1"/>
+          </a:lnRef>
+          <a:fillRef idx="1">
+            <a:schemeClr val="accent3"/>
+          </a:fillRef>
+          <a:effectRef idx="1">
+            <a:schemeClr val="accent3"/>
+          </a:effectRef>
+          <a:fontRef idx="minor">
+            <a:schemeClr val="lt1"/>
+          </a:fontRef>
+        </p:style>
+        <p:txBody>
+          <a:bodyPr rtlCol="0" anchor="ctr"/>
+          <a:lstStyle/>
+          <a:p>
+            <a:pPr algn="ctr"/>
+            <a:endParaRPr lang="en-US">
+              <a:ln w="317500">
+                <a:solidFill>
+                  <a:schemeClr val="tx1"/>
+                </a:solidFill>
+              </a:ln>
+            </a:endParaRPr>
+          </a:p>
+        </p:txBody>
+      </p:sp>
+      <p:sp>
+        <p:nvSpPr>
+          <p:cNvPr id="131" name="Oval 130"/>
+          <p:cNvSpPr>
+            <a:spLocks noChangeAspect="1"/>
+          </p:cNvSpPr>
+          <p:nvPr/>
+        </p:nvSpPr>
+        <p:spPr>
+          <a:xfrm>
+            <a:off x="924114" y="-121217"/>
+            <a:ext cx="1909233" cy="1431925"/>
+          </a:xfrm>
+          <a:prstGeom prst="ellipse">
+            <a:avLst/>
+          </a:prstGeom>
+          <a:solidFill>
+            <a:schemeClr val="tx2">
+              <a:lumMod val="75000"/>
+              <a:alpha val="20000"/>
+            </a:schemeClr>
+          </a:solidFill>
+          <a:ln w="330200" cap="rnd" cmpd="sng" algn="ctr">
+            <a:solidFill>
+              <a:schemeClr val="accent3">
+                <a:lumMod val="60000"/>
+                <a:lumOff val="40000"/>
+                <a:alpha val="0"/>
+              </a:schemeClr>
+            </a:solidFill>
+            <a:prstDash val="solid"/>
+            <a:round/>
+            <a:headEnd type="none" w="med" len="med"/>
+            <a:tailEnd type="none" w="med" len="med"/>
+          </a:ln>
+          <a:effectLst>
+            <a:softEdge rad="317500"/>
+          </a:effectLst>
+        </p:spPr>
+        <p:style>
+          <a:lnRef idx="3">
+            <a:schemeClr val="lt1"/>
+          </a:lnRef>
+          <a:fillRef idx="1">
+            <a:schemeClr val="accent3"/>
+          </a:fillRef>
+          <a:effectRef idx="1">
+            <a:schemeClr val="accent3"/>
+          </a:effectRef>
+          <a:fontRef idx="minor">
+            <a:schemeClr val="lt1"/>
+          </a:fontRef>
+        </p:style>
+        <p:txBody>
+          <a:bodyPr rtlCol="0" anchor="ctr"/>
+          <a:lstStyle/>
+          <a:p>
+            <a:pPr algn="ctr"/>
+            <a:endParaRPr lang="en-US">
+              <a:ln w="317500">
+                <a:solidFill>
+                  <a:schemeClr val="tx1"/>
+                </a:solidFill>
+              </a:ln>
+            </a:endParaRPr>
+          </a:p>
+        </p:txBody>
+      </p:sp>
+      <p:sp>
+        <p:nvSpPr>
+          <p:cNvPr id="132" name="Oval 131"/>
+          <p:cNvSpPr>
+            <a:spLocks noChangeAspect="1"/>
+          </p:cNvSpPr>
+          <p:nvPr/>
+        </p:nvSpPr>
+        <p:spPr>
+          <a:xfrm>
+            <a:off x="1" y="495554"/>
+            <a:ext cx="1909233" cy="1431925"/>
+          </a:xfrm>
+          <a:prstGeom prst="ellipse">
+            <a:avLst/>
+          </a:prstGeom>
+          <a:solidFill>
+            <a:schemeClr val="tx2">
+              <a:lumMod val="75000"/>
+              <a:alpha val="15000"/>
+            </a:schemeClr>
+          </a:solidFill>
+          <a:ln w="330200" cap="rnd" cmpd="sng" algn="ctr">
+            <a:solidFill>
+              <a:schemeClr val="accent3">
+                <a:lumMod val="60000"/>
+                <a:lumOff val="40000"/>
+                <a:alpha val="0"/>
+              </a:schemeClr>
+            </a:solidFill>
+            <a:prstDash val="solid"/>
+            <a:round/>
+            <a:headEnd type="none" w="med" len="med"/>
+            <a:tailEnd type="none" w="med" len="med"/>
+          </a:ln>
+          <a:effectLst>
+            <a:softEdge rad="317500"/>
+          </a:effectLst>
+        </p:spPr>
+        <p:style>
+          <a:lnRef idx="3">
+            <a:schemeClr val="lt1"/>
+          </a:lnRef>
+          <a:fillRef idx="1">
+            <a:schemeClr val="accent3"/>
+          </a:fillRef>
+          <a:effectRef idx="1">
+            <a:schemeClr val="accent3"/>
+          </a:effectRef>
+          <a:fontRef idx="minor">
+            <a:schemeClr val="lt1"/>
+          </a:fontRef>
+        </p:style>
+        <p:txBody>
+          <a:bodyPr rtlCol="0" anchor="ctr"/>
+          <a:lstStyle/>
+          <a:p>
+            <a:pPr algn="ctr"/>
+            <a:endParaRPr lang="en-US">
+              <a:ln w="317500">
+                <a:solidFill>
+                  <a:schemeClr val="tx1"/>
+                </a:solidFill>
+              </a:ln>
+            </a:endParaRPr>
+          </a:p>
+        </p:txBody>
+      </p:sp>
+      <p:sp>
+        <p:nvSpPr>
+          <p:cNvPr id="133" name="Oval 132"/>
+          <p:cNvSpPr>
+            <a:spLocks noChangeAspect="1"/>
+          </p:cNvSpPr>
+          <p:nvPr/>
+        </p:nvSpPr>
+        <p:spPr>
+          <a:xfrm>
+            <a:off x="7497532" y="-46282"/>
+            <a:ext cx="1694467" cy="1257798"/>
+          </a:xfrm>
+          <a:custGeom>
+            <a:avLst/>
+            <a:gdLst/>
+            <a:ahLst/>
+            <a:cxnLst/>
+            <a:rect l="l" t="t" r="r" b="b"/>
+            <a:pathLst>
+              <a:path w="1694467" h="1677064">
+                <a:moveTo>
+                  <a:pt x="337088" y="0"/>
+                </a:moveTo>
+                <a:lnTo>
+                  <a:pt x="1573463" y="0"/>
+                </a:lnTo>
+                <a:cubicBezTo>
+                  <a:pt x="1618202" y="37449"/>
+                  <a:pt x="1658454" y="79950"/>
+                  <a:pt x="1694467" y="126010"/>
+                </a:cubicBezTo>
+                <a:lnTo>
+                  <a:pt x="1694467" y="1318884"/>
+                </a:lnTo>
+                <a:cubicBezTo>
+                  <a:pt x="1522840" y="1538397"/>
+                  <a:pt x="1254922" y="1677064"/>
+                  <a:pt x="954617" y="1677064"/>
+                </a:cubicBezTo>
+                <a:cubicBezTo>
+                  <a:pt x="427397" y="1677064"/>
+                  <a:pt x="0" y="1249667"/>
+                  <a:pt x="0" y="722447"/>
+                </a:cubicBezTo>
+                <a:cubicBezTo>
+                  <a:pt x="0" y="432014"/>
+                  <a:pt x="129700" y="171874"/>
+                  <a:pt x="337088" y="0"/>
+                </a:cubicBezTo>
+                <a:close/>
+              </a:path>
+            </a:pathLst>
+          </a:custGeom>
+          <a:solidFill>
+            <a:schemeClr val="accent3">
+              <a:lumMod val="60000"/>
+              <a:lumOff val="40000"/>
+              <a:alpha val="10000"/>
+            </a:schemeClr>
+          </a:solidFill>
+          <a:ln w="330200" cap="rnd" cmpd="sng" algn="ctr">
+            <a:solidFill>
+              <a:schemeClr val="accent3">
+                <a:lumMod val="60000"/>
+                <a:lumOff val="40000"/>
+                <a:alpha val="0"/>
+              </a:schemeClr>
+            </a:solidFill>
+            <a:prstDash val="solid"/>
+            <a:round/>
+            <a:headEnd type="none" w="med" len="med"/>
+            <a:tailEnd type="none" w="med" len="med"/>
+          </a:ln>
+          <a:effectLst>
+            <a:softEdge rad="317500"/>
+          </a:effectLst>
+        </p:spPr>
+        <p:style>
+          <a:lnRef idx="3">
+            <a:schemeClr val="lt1"/>
+          </a:lnRef>
+          <a:fillRef idx="1">
+            <a:schemeClr val="accent3"/>
+          </a:fillRef>
+          <a:effectRef idx="1">
+            <a:schemeClr val="accent3"/>
+          </a:effectRef>
+          <a:fontRef idx="minor">
+            <a:schemeClr val="lt1"/>
+          </a:fontRef>
+        </p:style>
+        <p:txBody>
+          <a:bodyPr rtlCol="0" anchor="ctr"/>
+          <a:lstStyle/>
+          <a:p>
+            <a:pPr algn="ctr"/>
+            <a:endParaRPr lang="en-US">
+              <a:ln w="317500">
+                <a:solidFill>
+                  <a:schemeClr val="tx1"/>
+                </a:solidFill>
+              </a:ln>
+            </a:endParaRPr>
+          </a:p>
+        </p:txBody>
+      </p:sp>
+      <p:sp>
+        <p:nvSpPr>
+          <p:cNvPr id="134" name="Oval 133"/>
+          <p:cNvSpPr>
+            <a:spLocks noChangeAspect="1"/>
+          </p:cNvSpPr>
+          <p:nvPr/>
+        </p:nvSpPr>
+        <p:spPr>
+          <a:xfrm>
+            <a:off x="6117502" y="-46281"/>
+            <a:ext cx="1909234" cy="1279086"/>
+          </a:xfrm>
+          <a:custGeom>
+            <a:avLst/>
+            <a:gdLst/>
+            <a:ahLst/>
+            <a:cxnLst/>
+            <a:rect l="l" t="t" r="r" b="b"/>
+            <a:pathLst>
+              <a:path w="1909234" h="1705448">
+                <a:moveTo>
+                  <a:pt x="371490" y="0"/>
+                </a:moveTo>
+                <a:lnTo>
+                  <a:pt x="1537745" y="0"/>
+                </a:lnTo>
+                <a:cubicBezTo>
+                  <a:pt x="1764760" y="171517"/>
+                  <a:pt x="1909234" y="444302"/>
+                  <a:pt x="1909234" y="750831"/>
+                </a:cubicBezTo>
+                <a:cubicBezTo>
+                  <a:pt x="1909234" y="1278051"/>
+                  <a:pt x="1481837" y="1705448"/>
+                  <a:pt x="954617" y="1705448"/>
+                </a:cubicBezTo>
+                <a:cubicBezTo>
+                  <a:pt x="427397" y="1705448"/>
+                  <a:pt x="0" y="1278051"/>
+                  <a:pt x="0" y="750831"/>
+                </a:cubicBezTo>
+                <a:cubicBezTo>
+                  <a:pt x="0" y="444302"/>
+                  <a:pt x="144474" y="171517"/>
+                  <a:pt x="371490" y="0"/>
+                </a:cubicBezTo>
+                <a:close/>
+              </a:path>
+            </a:pathLst>
+          </a:custGeom>
+          <a:solidFill>
+            <a:schemeClr val="tx2">
+              <a:lumMod val="75000"/>
+              <a:alpha val="10000"/>
+            </a:schemeClr>
+          </a:solidFill>
+          <a:ln w="330200" cap="rnd" cmpd="sng" algn="ctr">
+            <a:solidFill>
+              <a:schemeClr val="accent3">
+                <a:lumMod val="60000"/>
+                <a:lumOff val="40000"/>
+                <a:alpha val="0"/>
+              </a:schemeClr>
+            </a:solidFill>
+            <a:prstDash val="solid"/>
+            <a:round/>
+            <a:headEnd type="none" w="med" len="med"/>
+            <a:tailEnd type="none" w="med" len="med"/>
+          </a:ln>
+          <a:effectLst>
+            <a:softEdge rad="317500"/>
+          </a:effectLst>
+        </p:spPr>
+        <p:style>
+          <a:lnRef idx="3">
+            <a:schemeClr val="lt1"/>
+          </a:lnRef>
+          <a:fillRef idx="1">
+            <a:schemeClr val="accent3"/>
+          </a:fillRef>
+          <a:effectRef idx="1">
+            <a:schemeClr val="accent3"/>
+          </a:effectRef>
+          <a:fontRef idx="minor">
+            <a:schemeClr val="lt1"/>
+          </a:fontRef>
+        </p:style>
+        <p:txBody>
+          <a:bodyPr rtlCol="0" anchor="ctr"/>
+          <a:lstStyle/>
+          <a:p>
+            <a:pPr algn="ctr"/>
+            <a:endParaRPr lang="en-US">
+              <a:ln w="317500">
+                <a:solidFill>
+                  <a:schemeClr val="tx1"/>
+                </a:solidFill>
+              </a:ln>
+            </a:endParaRPr>
+          </a:p>
+        </p:txBody>
+      </p:sp>
+      <p:sp>
+        <p:nvSpPr>
+          <p:cNvPr id="135" name="Oval 134"/>
+          <p:cNvSpPr>
+            <a:spLocks noChangeAspect="1"/>
+          </p:cNvSpPr>
+          <p:nvPr/>
+        </p:nvSpPr>
+        <p:spPr>
+          <a:xfrm>
+            <a:off x="7494454" y="821482"/>
+            <a:ext cx="1697544" cy="1431926"/>
+          </a:xfrm>
+          <a:custGeom>
+            <a:avLst/>
+            <a:gdLst/>
+            <a:ahLst/>
+            <a:cxnLst/>
+            <a:rect l="l" t="t" r="r" b="b"/>
+            <a:pathLst>
+              <a:path w="1697544" h="1909234">
+                <a:moveTo>
+                  <a:pt x="954617" y="0"/>
+                </a:moveTo>
+                <a:cubicBezTo>
+                  <a:pt x="1256666" y="0"/>
+                  <a:pt x="1525952" y="140283"/>
+                  <a:pt x="1697544" y="361910"/>
+                </a:cubicBezTo>
+                <a:lnTo>
+                  <a:pt x="1697544" y="1547324"/>
+                </a:lnTo>
+                <a:cubicBezTo>
+                  <a:pt x="1525952" y="1768951"/>
+                  <a:pt x="1256666" y="1909234"/>
+                  <a:pt x="954617" y="1909234"/>
+                </a:cubicBezTo>
+                <a:cubicBezTo>
+                  <a:pt x="427397" y="1909234"/>
+                  <a:pt x="0" y="1481837"/>
+                  <a:pt x="0" y="954617"/>
+                </a:cubicBezTo>
+                <a:cubicBezTo>
+                  <a:pt x="0" y="427397"/>
+                  <a:pt x="427397" y="0"/>
+                  <a:pt x="954617" y="0"/>
+                </a:cubicBezTo>
+                <a:close/>
+              </a:path>
+            </a:pathLst>
+          </a:custGeom>
+          <a:solidFill>
+            <a:schemeClr val="tx2">
+              <a:lumMod val="75000"/>
+              <a:alpha val="15000"/>
+            </a:schemeClr>
+          </a:solidFill>
+          <a:ln w="330200" cap="rnd" cmpd="sng" algn="ctr">
+            <a:solidFill>
+              <a:schemeClr val="accent3">
+                <a:lumMod val="60000"/>
+                <a:lumOff val="40000"/>
+                <a:alpha val="0"/>
+              </a:schemeClr>
+            </a:solidFill>
+            <a:prstDash val="solid"/>
+            <a:round/>
+            <a:headEnd type="none" w="med" len="med"/>
+            <a:tailEnd type="none" w="med" len="med"/>
+          </a:ln>
+          <a:effectLst>
+            <a:softEdge rad="317500"/>
+          </a:effectLst>
+        </p:spPr>
+        <p:style>
+          <a:lnRef idx="3">
+            <a:schemeClr val="lt1"/>
+          </a:lnRef>
+          <a:fillRef idx="1">
+            <a:schemeClr val="accent3"/>
+          </a:fillRef>
+          <a:effectRef idx="1">
+            <a:schemeClr val="accent3"/>
+          </a:effectRef>
+          <a:fontRef idx="minor">
+            <a:schemeClr val="lt1"/>
+          </a:fontRef>
+        </p:style>
+        <p:txBody>
+          <a:bodyPr rtlCol="0" anchor="ctr"/>
+          <a:lstStyle/>
+          <a:p>
+            <a:pPr algn="ctr"/>
+            <a:endParaRPr lang="en-US">
+              <a:ln w="317500">
+                <a:solidFill>
+                  <a:schemeClr val="tx1"/>
+                </a:solidFill>
+              </a:ln>
+            </a:endParaRPr>
+          </a:p>
+        </p:txBody>
+      </p:sp>
+      <p:sp>
+        <p:nvSpPr>
+          <p:cNvPr id="136" name="Oval 135"/>
+          <p:cNvSpPr>
+            <a:spLocks noChangeAspect="1"/>
+          </p:cNvSpPr>
+          <p:nvPr/>
+        </p:nvSpPr>
+        <p:spPr>
+          <a:xfrm>
+            <a:off x="8056674" y="3855260"/>
+            <a:ext cx="1137194" cy="1319797"/>
+          </a:xfrm>
+          <a:custGeom>
+            <a:avLst/>
+            <a:gdLst/>
+            <a:ahLst/>
+            <a:cxnLst/>
+            <a:rect l="l" t="t" r="r" b="b"/>
+            <a:pathLst>
+              <a:path w="1137194" h="1759729">
+                <a:moveTo>
+                  <a:pt x="954617" y="0"/>
+                </a:moveTo>
+                <a:cubicBezTo>
+                  <a:pt x="1017088" y="0"/>
+                  <a:pt x="1078157" y="6001"/>
+                  <a:pt x="1137194" y="17897"/>
+                </a:cubicBezTo>
+                <a:lnTo>
+                  <a:pt x="1137194" y="1759729"/>
+                </a:lnTo>
+                <a:lnTo>
+                  <a:pt x="443151" y="1759729"/>
+                </a:lnTo>
+                <a:cubicBezTo>
+                  <a:pt x="176544" y="1591075"/>
+                  <a:pt x="0" y="1293463"/>
+                  <a:pt x="0" y="954617"/>
+                </a:cubicBezTo>
+                <a:cubicBezTo>
+                  <a:pt x="0" y="427397"/>
+                  <a:pt x="427397" y="0"/>
+                  <a:pt x="954617" y="0"/>
+                </a:cubicBezTo>
+                <a:close/>
+              </a:path>
+            </a:pathLst>
+          </a:custGeom>
+          <a:solidFill>
+            <a:schemeClr val="tx2">
+              <a:lumMod val="75000"/>
+              <a:alpha val="16000"/>
+            </a:schemeClr>
+          </a:solidFill>
+          <a:ln w="330200" cap="rnd" cmpd="sng" algn="ctr">
+            <a:solidFill>
+              <a:schemeClr val="accent3">
+                <a:lumMod val="60000"/>
+                <a:lumOff val="40000"/>
+                <a:alpha val="0"/>
+              </a:schemeClr>
+            </a:solidFill>
+            <a:prstDash val="solid"/>
+            <a:round/>
+            <a:headEnd type="none" w="med" len="med"/>
+            <a:tailEnd type="none" w="med" len="med"/>
+          </a:ln>
+          <a:effectLst>
+            <a:softEdge rad="317500"/>
+          </a:effectLst>
+        </p:spPr>
+        <p:style>
+          <a:lnRef idx="3">
+            <a:schemeClr val="lt1"/>
+          </a:lnRef>
+          <a:fillRef idx="1">
+            <a:schemeClr val="accent3"/>
+          </a:fillRef>
+          <a:effectRef idx="1">
+            <a:schemeClr val="accent3"/>
+          </a:effectRef>
+          <a:fontRef idx="minor">
+            <a:schemeClr val="lt1"/>
+          </a:fontRef>
+        </p:style>
+        <p:txBody>
+          <a:bodyPr rtlCol="0" anchor="ctr"/>
+          <a:lstStyle/>
+          <a:p>
+            <a:pPr algn="ctr"/>
+            <a:endParaRPr lang="en-US">
+              <a:ln w="317500">
+                <a:solidFill>
+                  <a:schemeClr val="tx1"/>
+                </a:solidFill>
+              </a:ln>
+            </a:endParaRPr>
+          </a:p>
+        </p:txBody>
+      </p:sp>
+      <p:sp>
+        <p:nvSpPr>
+          <p:cNvPr id="137" name="Oval 136"/>
+          <p:cNvSpPr>
+            <a:spLocks noChangeAspect="1"/>
+          </p:cNvSpPr>
+          <p:nvPr/>
+        </p:nvSpPr>
+        <p:spPr>
+          <a:xfrm>
+            <a:off x="6661712" y="3272184"/>
+            <a:ext cx="1909233" cy="1431925"/>
+          </a:xfrm>
+          <a:prstGeom prst="ellipse">
+            <a:avLst/>
+          </a:prstGeom>
+          <a:solidFill>
+            <a:schemeClr val="tx2">
+              <a:lumMod val="75000"/>
+              <a:alpha val="5000"/>
+            </a:schemeClr>
+          </a:solidFill>
+          <a:ln w="330200" cap="rnd" cmpd="sng" algn="ctr">
+            <a:solidFill>
+              <a:schemeClr val="accent3">
+                <a:lumMod val="60000"/>
+                <a:lumOff val="40000"/>
+                <a:alpha val="0"/>
+              </a:schemeClr>
+            </a:solidFill>
+            <a:prstDash val="solid"/>
+            <a:round/>
+            <a:headEnd type="none" w="med" len="med"/>
+            <a:tailEnd type="none" w="med" len="med"/>
+          </a:ln>
+          <a:effectLst>
+            <a:softEdge rad="317500"/>
+          </a:effectLst>
+        </p:spPr>
+        <p:style>
+          <a:lnRef idx="3">
+            <a:schemeClr val="lt1"/>
+          </a:lnRef>
+          <a:fillRef idx="1">
+            <a:schemeClr val="accent3"/>
+          </a:fillRef>
+          <a:effectRef idx="1">
+            <a:schemeClr val="accent3"/>
+          </a:effectRef>
+          <a:fontRef idx="minor">
+            <a:schemeClr val="lt1"/>
+          </a:fontRef>
+        </p:style>
+        <p:txBody>
+          <a:bodyPr rtlCol="0" anchor="ctr"/>
+          <a:lstStyle/>
+          <a:p>
+            <a:pPr algn="ctr"/>
+            <a:endParaRPr lang="en-US">
+              <a:ln w="317500">
+                <a:solidFill>
+                  <a:schemeClr val="tx1"/>
+                </a:solidFill>
+              </a:ln>
+            </a:endParaRPr>
+          </a:p>
+        </p:txBody>
+      </p:sp>
+      <p:sp>
+        <p:nvSpPr>
+          <p:cNvPr id="138" name="Oval 137"/>
+          <p:cNvSpPr>
+            <a:spLocks noChangeAspect="1"/>
+          </p:cNvSpPr>
+          <p:nvPr/>
+        </p:nvSpPr>
+        <p:spPr>
+          <a:xfrm>
+            <a:off x="-69625" y="3711574"/>
+            <a:ext cx="1353860" cy="1431926"/>
+          </a:xfrm>
+          <a:custGeom>
+            <a:avLst/>
+            <a:gdLst/>
+            <a:ahLst/>
+            <a:cxnLst/>
+            <a:rect l="l" t="t" r="r" b="b"/>
+            <a:pathLst>
+              <a:path w="1353860" h="1909234">
+                <a:moveTo>
+                  <a:pt x="399243" y="0"/>
+                </a:moveTo>
+                <a:cubicBezTo>
+                  <a:pt x="926463" y="0"/>
+                  <a:pt x="1353860" y="427397"/>
+                  <a:pt x="1353860" y="954617"/>
+                </a:cubicBezTo>
+                <a:cubicBezTo>
+                  <a:pt x="1353860" y="1481837"/>
+                  <a:pt x="926463" y="1909234"/>
+                  <a:pt x="399243" y="1909234"/>
+                </a:cubicBezTo>
+                <a:cubicBezTo>
+                  <a:pt x="256544" y="1909234"/>
+                  <a:pt x="121158" y="1877924"/>
+                  <a:pt x="0" y="1820890"/>
+                </a:cubicBezTo>
+                <a:lnTo>
+                  <a:pt x="0" y="88345"/>
+                </a:lnTo>
+                <a:cubicBezTo>
+                  <a:pt x="121158" y="31311"/>
+                  <a:pt x="256544" y="0"/>
+                  <a:pt x="399243" y="0"/>
+                </a:cubicBezTo>
+                <a:close/>
+              </a:path>
+            </a:pathLst>
+          </a:custGeom>
+          <a:solidFill>
+            <a:schemeClr val="tx2">
+              <a:lumMod val="75000"/>
+              <a:alpha val="16000"/>
+            </a:schemeClr>
+          </a:solidFill>
+          <a:ln w="330200" cap="rnd" cmpd="sng" algn="ctr">
+            <a:solidFill>
+              <a:schemeClr val="accent3">
+                <a:lumMod val="60000"/>
+                <a:lumOff val="40000"/>
+                <a:alpha val="0"/>
+              </a:schemeClr>
+            </a:solidFill>
+            <a:prstDash val="solid"/>
+            <a:round/>
+            <a:headEnd type="none" w="med" len="med"/>
+            <a:tailEnd type="none" w="med" len="med"/>
+          </a:ln>
+          <a:effectLst>
+            <a:softEdge rad="317500"/>
+          </a:effectLst>
+        </p:spPr>
+        <p:style>
+          <a:lnRef idx="3">
+            <a:schemeClr val="lt1"/>
+          </a:lnRef>
+          <a:fillRef idx="1">
+            <a:schemeClr val="accent3"/>
+          </a:fillRef>
+          <a:effectRef idx="1">
+            <a:schemeClr val="accent3"/>
+          </a:effectRef>
+          <a:fontRef idx="minor">
+            <a:schemeClr val="lt1"/>
+          </a:fontRef>
+        </p:style>
+        <p:txBody>
+          <a:bodyPr rtlCol="0" anchor="ctr"/>
+          <a:lstStyle/>
+          <a:p>
+            <a:pPr algn="ctr"/>
+            <a:endParaRPr lang="en-US">
+              <a:ln w="317500">
+                <a:solidFill>
+                  <a:schemeClr val="tx1"/>
+                </a:solidFill>
+              </a:ln>
+            </a:endParaRPr>
+          </a:p>
+        </p:txBody>
+      </p:sp>
+      <p:sp>
+        <p:nvSpPr>
+          <p:cNvPr id="139" name="Oval 138"/>
+          <p:cNvSpPr>
+            <a:spLocks noChangeAspect="1"/>
+          </p:cNvSpPr>
+          <p:nvPr/>
+        </p:nvSpPr>
+        <p:spPr>
+          <a:xfrm>
+            <a:off x="708472" y="3592752"/>
+            <a:ext cx="1909233" cy="1431925"/>
+          </a:xfrm>
+          <a:prstGeom prst="ellipse">
+            <a:avLst/>
+          </a:prstGeom>
+          <a:solidFill>
+            <a:schemeClr val="tx2">
+              <a:lumMod val="75000"/>
+              <a:alpha val="8000"/>
+            </a:schemeClr>
+          </a:solidFill>
+          <a:ln w="330200" cap="rnd" cmpd="sng" algn="ctr">
+            <a:solidFill>
+              <a:schemeClr val="accent3">
+                <a:lumMod val="60000"/>
+                <a:lumOff val="40000"/>
+                <a:alpha val="0"/>
+              </a:schemeClr>
+            </a:solidFill>
+            <a:prstDash val="solid"/>
+            <a:round/>
+            <a:headEnd type="none" w="med" len="med"/>
+            <a:tailEnd type="none" w="med" len="med"/>
+          </a:ln>
+          <a:effectLst>
+            <a:softEdge rad="317500"/>
+          </a:effectLst>
+        </p:spPr>
+        <p:style>
+          <a:lnRef idx="3">
+            <a:schemeClr val="lt1"/>
+          </a:lnRef>
+          <a:fillRef idx="1">
+            <a:schemeClr val="accent3"/>
+          </a:fillRef>
+          <a:effectRef idx="1">
+            <a:schemeClr val="accent3"/>
+          </a:effectRef>
+          <a:fontRef idx="minor">
+            <a:schemeClr val="lt1"/>
+          </a:fontRef>
+        </p:style>
+        <p:txBody>
+          <a:bodyPr rtlCol="0" anchor="ctr"/>
+          <a:lstStyle/>
+          <a:p>
+            <a:pPr algn="ctr"/>
+            <a:endParaRPr lang="en-US">
+              <a:ln w="317500">
+                <a:solidFill>
+                  <a:schemeClr val="tx1"/>
+                </a:solidFill>
+              </a:ln>
+            </a:endParaRPr>
+          </a:p>
+        </p:txBody>
+      </p:sp>
+      <p:sp>
+        <p:nvSpPr>
+          <p:cNvPr id="140" name="Oval 139"/>
+          <p:cNvSpPr>
+            <a:spLocks noChangeAspect="1"/>
+          </p:cNvSpPr>
+          <p:nvPr/>
+        </p:nvSpPr>
+        <p:spPr>
+          <a:xfrm>
+            <a:off x="6117504" y="587991"/>
+            <a:ext cx="1909233" cy="1431925"/>
+          </a:xfrm>
+          <a:prstGeom prst="ellipse">
+            <a:avLst/>
+          </a:prstGeom>
+          <a:solidFill>
+            <a:schemeClr val="tx2">
+              <a:lumMod val="75000"/>
+              <a:alpha val="15000"/>
+            </a:schemeClr>
+          </a:solidFill>
+          <a:ln w="330200" cap="rnd" cmpd="sng" algn="ctr">
+            <a:solidFill>
+              <a:schemeClr val="accent3">
+                <a:lumMod val="60000"/>
+                <a:lumOff val="40000"/>
+                <a:alpha val="0"/>
+              </a:schemeClr>
+            </a:solidFill>
+            <a:prstDash val="solid"/>
+            <a:round/>
+            <a:headEnd type="none" w="med" len="med"/>
+            <a:tailEnd type="none" w="med" len="med"/>
+          </a:ln>
+          <a:effectLst>
+            <a:softEdge rad="317500"/>
+          </a:effectLst>
+        </p:spPr>
+        <p:style>
+          <a:lnRef idx="3">
+            <a:schemeClr val="lt1"/>
+          </a:lnRef>
+          <a:fillRef idx="1">
+            <a:schemeClr val="accent3"/>
+          </a:fillRef>
+          <a:effectRef idx="1">
+            <a:schemeClr val="accent3"/>
+          </a:effectRef>
+          <a:fontRef idx="minor">
+            <a:schemeClr val="lt1"/>
+          </a:fontRef>
+        </p:style>
+        <p:txBody>
+          <a:bodyPr rtlCol="0" anchor="ctr"/>
+          <a:lstStyle/>
+          <a:p>
+            <a:pPr algn="ctr"/>
+            <a:endParaRPr lang="en-US">
+              <a:ln w="317500">
+                <a:solidFill>
+                  <a:schemeClr val="tx1"/>
+                </a:solidFill>
+              </a:ln>
+            </a:endParaRPr>
+          </a:p>
+        </p:txBody>
+      </p:sp>
+      <p:sp>
+        <p:nvSpPr>
+          <p:cNvPr id="141" name="Oval 140"/>
+          <p:cNvSpPr>
+            <a:spLocks noChangeAspect="1"/>
+          </p:cNvSpPr>
+          <p:nvPr/>
+        </p:nvSpPr>
+        <p:spPr>
+          <a:xfrm>
+            <a:off x="6459054" y="3855260"/>
+            <a:ext cx="1909233" cy="1431925"/>
+          </a:xfrm>
+          <a:prstGeom prst="ellipse">
+            <a:avLst/>
+          </a:prstGeom>
+          <a:solidFill>
+            <a:schemeClr val="tx2">
+              <a:lumMod val="75000"/>
+              <a:alpha val="10000"/>
+            </a:schemeClr>
+          </a:solidFill>
+          <a:ln w="330200" cap="rnd" cmpd="sng" algn="ctr">
+            <a:solidFill>
+              <a:schemeClr val="accent3">
+                <a:lumMod val="60000"/>
+                <a:lumOff val="40000"/>
+                <a:alpha val="0"/>
+              </a:schemeClr>
+            </a:solidFill>
+            <a:prstDash val="solid"/>
+            <a:round/>
+            <a:headEnd type="none" w="med" len="med"/>
+            <a:tailEnd type="none" w="med" len="med"/>
+          </a:ln>
+          <a:effectLst>
+            <a:softEdge rad="317500"/>
+          </a:effectLst>
+        </p:spPr>
+        <p:style>
+          <a:lnRef idx="3">
+            <a:schemeClr val="lt1"/>
+          </a:lnRef>
+          <a:fillRef idx="1">
+            <a:schemeClr val="accent3"/>
+          </a:fillRef>
+          <a:effectRef idx="1">
+            <a:schemeClr val="accent3"/>
+          </a:effectRef>
+          <a:fontRef idx="minor">
+            <a:schemeClr val="lt1"/>
+          </a:fontRef>
+        </p:style>
+        <p:txBody>
+          <a:bodyPr rtlCol="0" anchor="ctr"/>
+          <a:lstStyle/>
+          <a:p>
+            <a:pPr algn="ctr"/>
+            <a:endParaRPr lang="en-US">
+              <a:ln w="317500">
+                <a:solidFill>
+                  <a:schemeClr val="tx1"/>
+                </a:solidFill>
+              </a:ln>
+            </a:endParaRPr>
+          </a:p>
+        </p:txBody>
+      </p:sp>
+      <p:sp>
+        <p:nvSpPr>
+          <p:cNvPr id="118" name="Oval 117"/>
+          <p:cNvSpPr>
+            <a:spLocks noChangeAspect="1"/>
+          </p:cNvSpPr>
+          <p:nvPr/>
+        </p:nvSpPr>
+        <p:spPr>
+          <a:xfrm>
+            <a:off x="8398204" y="448396"/>
+            <a:ext cx="793794" cy="939689"/>
+          </a:xfrm>
+          <a:custGeom>
+            <a:avLst/>
+            <a:gdLst/>
+            <a:ahLst/>
+            <a:cxnLst/>
+            <a:rect l="l" t="t" r="r" b="b"/>
+            <a:pathLst>
+              <a:path w="793794" h="1252918">
+                <a:moveTo>
+                  <a:pt x="626459" y="0"/>
+                </a:moveTo>
+                <a:cubicBezTo>
+                  <a:pt x="684682" y="0"/>
+                  <a:pt x="741049" y="7943"/>
+                  <a:pt x="793794" y="25480"/>
+                </a:cubicBezTo>
+                <a:lnTo>
+                  <a:pt x="793794" y="1227438"/>
+                </a:lnTo>
+                <a:cubicBezTo>
+                  <a:pt x="741049" y="1244975"/>
+                  <a:pt x="684682" y="1252918"/>
+                  <a:pt x="626459" y="1252918"/>
+                </a:cubicBezTo>
+                <a:cubicBezTo>
+                  <a:pt x="280475" y="1252918"/>
+                  <a:pt x="0" y="972443"/>
+                  <a:pt x="0" y="626459"/>
+                </a:cubicBezTo>
+                <a:cubicBezTo>
+                  <a:pt x="0" y="280475"/>
+                  <a:pt x="280475" y="0"/>
+                  <a:pt x="626459" y="0"/>
+                </a:cubicBezTo>
+                <a:close/>
+              </a:path>
+            </a:pathLst>
+          </a:custGeom>
+          <a:solidFill>
+            <a:schemeClr val="tx2">
+              <a:lumMod val="75000"/>
+              <a:alpha val="10000"/>
+            </a:schemeClr>
+          </a:solidFill>
+          <a:ln w="177800" cap="rnd" cmpd="sng" algn="ctr">
+            <a:solidFill>
+              <a:schemeClr val="tx2">
+                <a:lumMod val="60000"/>
+                <a:lumOff val="40000"/>
+                <a:alpha val="6000"/>
+              </a:schemeClr>
+            </a:solidFill>
+            <a:prstDash val="solid"/>
+            <a:round/>
+            <a:headEnd type="none" w="med" len="med"/>
+            <a:tailEnd type="none" w="med" len="med"/>
+          </a:ln>
+          <a:effectLst>
+            <a:softEdge rad="152400"/>
+          </a:effectLst>
+        </p:spPr>
+        <p:style>
+          <a:lnRef idx="3">
+            <a:schemeClr val="lt1"/>
+          </a:lnRef>
+          <a:fillRef idx="1">
+            <a:schemeClr val="accent3"/>
+          </a:fillRef>
+          <a:effectRef idx="1">
+            <a:schemeClr val="accent3"/>
+          </a:effectRef>
+          <a:fontRef idx="minor">
+            <a:schemeClr val="lt1"/>
+          </a:fontRef>
+        </p:style>
+        <p:txBody>
+          <a:bodyPr rtlCol="0" anchor="ctr"/>
+          <a:lstStyle/>
+          <a:p>
+            <a:pPr algn="ctr"/>
+            <a:endParaRPr lang="en-US"/>
+          </a:p>
+        </p:txBody>
+      </p:sp>
+      <p:sp>
+        <p:nvSpPr>
+          <p:cNvPr id="119" name="Oval 118"/>
+          <p:cNvSpPr>
+            <a:spLocks noChangeAspect="1"/>
+          </p:cNvSpPr>
+          <p:nvPr/>
+        </p:nvSpPr>
+        <p:spPr>
+          <a:xfrm>
+            <a:off x="6350100" y="154884"/>
+            <a:ext cx="1041276" cy="780957"/>
+          </a:xfrm>
+          <a:prstGeom prst="ellipse">
+            <a:avLst/>
+          </a:prstGeom>
+          <a:solidFill>
+            <a:schemeClr val="tx2">
+              <a:lumMod val="75000"/>
+              <a:alpha val="10000"/>
+            </a:schemeClr>
+          </a:solidFill>
+          <a:ln w="177800" cap="rnd" cmpd="sng" algn="ctr">
+            <a:solidFill>
+              <a:schemeClr val="tx2">
+                <a:lumMod val="60000"/>
+                <a:lumOff val="40000"/>
+                <a:alpha val="6000"/>
+              </a:schemeClr>
+            </a:solidFill>
+            <a:prstDash val="solid"/>
+            <a:round/>
+            <a:headEnd type="none" w="med" len="med"/>
+            <a:tailEnd type="none" w="med" len="med"/>
+          </a:ln>
+          <a:effectLst>
+            <a:softEdge rad="152400"/>
+          </a:effectLst>
+        </p:spPr>
+        <p:style>
+          <a:lnRef idx="3">
+            <a:schemeClr val="lt1"/>
+          </a:lnRef>
+          <a:fillRef idx="1">
+            <a:schemeClr val="accent3"/>
+          </a:fillRef>
+          <a:effectRef idx="1">
+            <a:schemeClr val="accent3"/>
+          </a:effectRef>
+          <a:fontRef idx="minor">
+            <a:schemeClr val="lt1"/>
+          </a:fontRef>
+        </p:style>
+        <p:txBody>
+          <a:bodyPr rtlCol="0" anchor="ctr"/>
+          <a:lstStyle/>
+          <a:p>
+            <a:pPr algn="ctr"/>
+            <a:endParaRPr lang="en-US"/>
+          </a:p>
+        </p:txBody>
+      </p:sp>
+      <p:sp>
+        <p:nvSpPr>
+          <p:cNvPr id="120" name="Oval 119"/>
+          <p:cNvSpPr>
+            <a:spLocks noChangeAspect="1"/>
+          </p:cNvSpPr>
+          <p:nvPr/>
+        </p:nvSpPr>
+        <p:spPr>
+          <a:xfrm>
+            <a:off x="6872128" y="1087984"/>
+            <a:ext cx="1218253" cy="913690"/>
+          </a:xfrm>
+          <a:prstGeom prst="ellipse">
+            <a:avLst/>
+          </a:prstGeom>
+          <a:solidFill>
+            <a:schemeClr val="tx2">
+              <a:lumMod val="75000"/>
+              <a:alpha val="10000"/>
+            </a:schemeClr>
+          </a:solidFill>
+          <a:ln w="177800" cap="rnd" cmpd="sng" algn="ctr">
+            <a:solidFill>
+              <a:schemeClr val="tx2">
+                <a:lumMod val="60000"/>
+                <a:lumOff val="40000"/>
+                <a:alpha val="6000"/>
+              </a:schemeClr>
+            </a:solidFill>
+            <a:prstDash val="solid"/>
+            <a:round/>
+            <a:headEnd type="none" w="med" len="med"/>
+            <a:tailEnd type="none" w="med" len="med"/>
+          </a:ln>
+          <a:effectLst>
+            <a:softEdge rad="152400"/>
+          </a:effectLst>
+        </p:spPr>
+        <p:style>
+          <a:lnRef idx="3">
+            <a:schemeClr val="lt1"/>
+          </a:lnRef>
+          <a:fillRef idx="1">
+            <a:schemeClr val="accent3"/>
+          </a:fillRef>
+          <a:effectRef idx="1">
+            <a:schemeClr val="accent3"/>
+          </a:effectRef>
+          <a:fontRef idx="minor">
+            <a:schemeClr val="lt1"/>
+          </a:fontRef>
+        </p:style>
+        <p:txBody>
+          <a:bodyPr rtlCol="0" anchor="ctr"/>
+          <a:lstStyle/>
+          <a:p>
+            <a:pPr algn="ctr"/>
+            <a:endParaRPr lang="en-US"/>
+          </a:p>
+        </p:txBody>
+      </p:sp>
+      <p:sp>
+        <p:nvSpPr>
+          <p:cNvPr id="121" name="Oval 120"/>
+          <p:cNvSpPr>
+            <a:spLocks noChangeAspect="1"/>
+          </p:cNvSpPr>
+          <p:nvPr/>
+        </p:nvSpPr>
+        <p:spPr>
+          <a:xfrm>
+            <a:off x="7219068" y="1537445"/>
+            <a:ext cx="1041276" cy="780957"/>
+          </a:xfrm>
+          <a:prstGeom prst="ellipse">
+            <a:avLst/>
+          </a:prstGeom>
+          <a:solidFill>
+            <a:schemeClr val="tx2">
+              <a:lumMod val="75000"/>
+              <a:alpha val="10000"/>
+            </a:schemeClr>
+          </a:solidFill>
+          <a:ln w="177800" cap="rnd" cmpd="sng" algn="ctr">
+            <a:solidFill>
+              <a:schemeClr val="tx2">
+                <a:lumMod val="60000"/>
+                <a:lumOff val="40000"/>
+                <a:alpha val="6000"/>
+              </a:schemeClr>
+            </a:solidFill>
+            <a:prstDash val="solid"/>
+            <a:round/>
+            <a:headEnd type="none" w="med" len="med"/>
+            <a:tailEnd type="none" w="med" len="med"/>
+          </a:ln>
+          <a:effectLst>
+            <a:softEdge rad="152400"/>
+          </a:effectLst>
+        </p:spPr>
+        <p:style>
+          <a:lnRef idx="3">
+            <a:schemeClr val="lt1"/>
+          </a:lnRef>
+          <a:fillRef idx="1">
+            <a:schemeClr val="accent3"/>
+          </a:fillRef>
+          <a:effectRef idx="1">
+            <a:schemeClr val="accent3"/>
+          </a:effectRef>
+          <a:fontRef idx="minor">
+            <a:schemeClr val="lt1"/>
+          </a:fontRef>
+        </p:style>
+        <p:txBody>
+          <a:bodyPr rtlCol="0" anchor="ctr"/>
+          <a:lstStyle/>
+          <a:p>
+            <a:pPr algn="ctr"/>
+            <a:endParaRPr lang="en-US"/>
+          </a:p>
+        </p:txBody>
+      </p:sp>
+      <p:sp>
+        <p:nvSpPr>
+          <p:cNvPr id="122" name="Oval 121"/>
+          <p:cNvSpPr>
+            <a:spLocks noChangeAspect="1"/>
+          </p:cNvSpPr>
+          <p:nvPr/>
+        </p:nvSpPr>
+        <p:spPr>
+          <a:xfrm>
+            <a:off x="7749416" y="1996226"/>
+            <a:ext cx="721308" cy="540981"/>
+          </a:xfrm>
+          <a:prstGeom prst="ellipse">
+            <a:avLst/>
+          </a:prstGeom>
+          <a:solidFill>
+            <a:schemeClr val="tx2">
+              <a:lumMod val="75000"/>
+              <a:alpha val="10000"/>
+            </a:schemeClr>
+          </a:solidFill>
+          <a:ln w="177800" cap="rnd" cmpd="sng" algn="ctr">
+            <a:solidFill>
+              <a:schemeClr val="tx2">
+                <a:lumMod val="60000"/>
+                <a:lumOff val="40000"/>
+                <a:alpha val="6000"/>
+              </a:schemeClr>
+            </a:solidFill>
+            <a:prstDash val="solid"/>
+            <a:round/>
+            <a:headEnd type="none" w="med" len="med"/>
+            <a:tailEnd type="none" w="med" len="med"/>
+          </a:ln>
+          <a:effectLst>
+            <a:softEdge rad="152400"/>
+          </a:effectLst>
+        </p:spPr>
+        <p:style>
+          <a:lnRef idx="3">
+            <a:schemeClr val="lt1"/>
+          </a:lnRef>
+          <a:fillRef idx="1">
+            <a:schemeClr val="accent3"/>
+          </a:fillRef>
+          <a:effectRef idx="1">
+            <a:schemeClr val="accent3"/>
+          </a:effectRef>
+          <a:fontRef idx="minor">
+            <a:schemeClr val="lt1"/>
+          </a:fontRef>
+        </p:style>
+        <p:txBody>
+          <a:bodyPr rtlCol="0" anchor="ctr"/>
+          <a:lstStyle/>
+          <a:p>
+            <a:pPr algn="ctr"/>
+            <a:endParaRPr lang="en-US"/>
+          </a:p>
+        </p:txBody>
+      </p:sp>
+      <p:sp>
+        <p:nvSpPr>
+          <p:cNvPr id="123" name="Oval 122"/>
+          <p:cNvSpPr>
+            <a:spLocks noChangeAspect="1"/>
+          </p:cNvSpPr>
+          <p:nvPr/>
+        </p:nvSpPr>
+        <p:spPr>
+          <a:xfrm>
+            <a:off x="685054" y="-75732"/>
+            <a:ext cx="1193676" cy="523361"/>
+          </a:xfrm>
+          <a:custGeom>
+            <a:avLst/>
+            <a:gdLst/>
+            <a:ahLst/>
+            <a:cxnLst/>
+            <a:rect l="l" t="t" r="r" b="b"/>
+            <a:pathLst>
+              <a:path w="1193676" h="697815">
+                <a:moveTo>
+                  <a:pt x="10179" y="0"/>
+                </a:moveTo>
+                <a:lnTo>
+                  <a:pt x="1183497" y="0"/>
+                </a:lnTo>
+                <a:cubicBezTo>
+                  <a:pt x="1190746" y="32633"/>
+                  <a:pt x="1193676" y="66463"/>
+                  <a:pt x="1193676" y="100977"/>
+                </a:cubicBezTo>
+                <a:cubicBezTo>
+                  <a:pt x="1193676" y="430602"/>
+                  <a:pt x="926463" y="697815"/>
+                  <a:pt x="596838" y="697815"/>
+                </a:cubicBezTo>
+                <a:cubicBezTo>
+                  <a:pt x="267213" y="697815"/>
+                  <a:pt x="0" y="430602"/>
+                  <a:pt x="0" y="100977"/>
+                </a:cubicBezTo>
+                <a:close/>
+              </a:path>
+            </a:pathLst>
+          </a:custGeom>
+          <a:solidFill>
+            <a:schemeClr val="tx2">
+              <a:lumMod val="75000"/>
+              <a:alpha val="10000"/>
+            </a:schemeClr>
+          </a:solidFill>
+          <a:ln w="177800" cap="rnd" cmpd="sng" algn="ctr">
+            <a:solidFill>
+              <a:schemeClr val="tx2">
+                <a:lumMod val="60000"/>
+                <a:lumOff val="40000"/>
+                <a:alpha val="6000"/>
+              </a:schemeClr>
+            </a:solidFill>
+            <a:prstDash val="solid"/>
+            <a:round/>
+            <a:headEnd type="none" w="med" len="med"/>
+            <a:tailEnd type="none" w="med" len="med"/>
+          </a:ln>
+          <a:effectLst>
+            <a:softEdge rad="152400"/>
+          </a:effectLst>
+        </p:spPr>
+        <p:style>
+          <a:lnRef idx="3">
+            <a:schemeClr val="lt1"/>
+          </a:lnRef>
+          <a:fillRef idx="1">
+            <a:schemeClr val="accent3"/>
+          </a:fillRef>
+          <a:effectRef idx="1">
+            <a:schemeClr val="accent3"/>
+          </a:effectRef>
+          <a:fontRef idx="minor">
+            <a:schemeClr val="lt1"/>
+          </a:fontRef>
+        </p:style>
+        <p:txBody>
+          <a:bodyPr rtlCol="0" anchor="ctr"/>
+          <a:lstStyle/>
+          <a:p>
+            <a:pPr algn="ctr"/>
+            <a:endParaRPr lang="en-US"/>
+          </a:p>
+        </p:txBody>
+      </p:sp>
+      <p:sp>
+        <p:nvSpPr>
+          <p:cNvPr id="124" name="Oval 123"/>
+          <p:cNvSpPr>
+            <a:spLocks noChangeAspect="1"/>
+          </p:cNvSpPr>
+          <p:nvPr/>
+        </p:nvSpPr>
+        <p:spPr>
+          <a:xfrm>
+            <a:off x="1502638" y="-75732"/>
+            <a:ext cx="1029028" cy="344917"/>
+          </a:xfrm>
+          <a:custGeom>
+            <a:avLst/>
+            <a:gdLst/>
+            <a:ahLst/>
+            <a:cxnLst/>
+            <a:rect l="l" t="t" r="r" b="b"/>
+            <a:pathLst>
+              <a:path w="1029028" h="459889">
+                <a:moveTo>
+                  <a:pt x="0" y="0"/>
+                </a:moveTo>
+                <a:lnTo>
+                  <a:pt x="1029028" y="0"/>
+                </a:lnTo>
+                <a:cubicBezTo>
+                  <a:pt x="1001386" y="259074"/>
+                  <a:pt x="781401" y="459889"/>
+                  <a:pt x="514514" y="459889"/>
+                </a:cubicBezTo>
+                <a:cubicBezTo>
+                  <a:pt x="247627" y="459889"/>
+                  <a:pt x="27642" y="259074"/>
+                  <a:pt x="0" y="0"/>
+                </a:cubicBezTo>
+                <a:close/>
+              </a:path>
+            </a:pathLst>
+          </a:custGeom>
+          <a:solidFill>
+            <a:schemeClr val="tx2">
+              <a:lumMod val="75000"/>
+              <a:alpha val="10000"/>
+            </a:schemeClr>
+          </a:solidFill>
+          <a:ln w="177800" cap="rnd" cmpd="sng" algn="ctr">
+            <a:solidFill>
+              <a:schemeClr val="tx2">
+                <a:lumMod val="60000"/>
+                <a:lumOff val="40000"/>
+                <a:alpha val="6000"/>
+              </a:schemeClr>
+            </a:solidFill>
+            <a:prstDash val="solid"/>
+            <a:round/>
+            <a:headEnd type="none" w="med" len="med"/>
+            <a:tailEnd type="none" w="med" len="med"/>
+          </a:ln>
+          <a:effectLst>
+            <a:softEdge rad="152400"/>
+          </a:effectLst>
+        </p:spPr>
+        <p:style>
+          <a:lnRef idx="3">
+            <a:schemeClr val="lt1"/>
+          </a:lnRef>
+          <a:fillRef idx="1">
+            <a:schemeClr val="accent3"/>
+          </a:fillRef>
+          <a:effectRef idx="1">
+            <a:schemeClr val="accent3"/>
+          </a:effectRef>
+          <a:fontRef idx="minor">
+            <a:schemeClr val="lt1"/>
+          </a:fontRef>
+        </p:style>
+        <p:txBody>
+          <a:bodyPr rtlCol="0" anchor="ctr"/>
+          <a:lstStyle/>
+          <a:p>
+            <a:pPr algn="ctr"/>
+            <a:endParaRPr lang="en-US"/>
+          </a:p>
+        </p:txBody>
+      </p:sp>
+      <p:sp>
+        <p:nvSpPr>
+          <p:cNvPr id="125" name="Oval 124"/>
+          <p:cNvSpPr>
+            <a:spLocks noChangeAspect="1"/>
+          </p:cNvSpPr>
+          <p:nvPr/>
+        </p:nvSpPr>
+        <p:spPr>
+          <a:xfrm>
+            <a:off x="-69624" y="-75732"/>
+            <a:ext cx="590263" cy="459217"/>
+          </a:xfrm>
+          <a:custGeom>
+            <a:avLst/>
+            <a:gdLst/>
+            <a:ahLst/>
+            <a:cxnLst/>
+            <a:rect l="l" t="t" r="r" b="b"/>
+            <a:pathLst>
+              <a:path w="590263" h="612289">
+                <a:moveTo>
+                  <a:pt x="0" y="0"/>
+                </a:moveTo>
+                <a:lnTo>
+                  <a:pt x="581024" y="0"/>
+                </a:lnTo>
+                <a:cubicBezTo>
+                  <a:pt x="587493" y="29611"/>
+                  <a:pt x="590263" y="60308"/>
+                  <a:pt x="590263" y="91651"/>
+                </a:cubicBezTo>
+                <a:cubicBezTo>
+                  <a:pt x="590263" y="379191"/>
+                  <a:pt x="357165" y="612289"/>
+                  <a:pt x="69625" y="612289"/>
+                </a:cubicBezTo>
+                <a:lnTo>
+                  <a:pt x="0" y="605270"/>
+                </a:lnTo>
+                <a:close/>
+              </a:path>
+            </a:pathLst>
+          </a:custGeom>
+          <a:solidFill>
+            <a:schemeClr val="tx2">
+              <a:lumMod val="75000"/>
+              <a:alpha val="10000"/>
+            </a:schemeClr>
+          </a:solidFill>
+          <a:ln w="177800" cap="rnd" cmpd="sng" algn="ctr">
+            <a:solidFill>
+              <a:schemeClr val="tx2">
+                <a:lumMod val="60000"/>
+                <a:lumOff val="40000"/>
+                <a:alpha val="6000"/>
+              </a:schemeClr>
+            </a:solidFill>
+            <a:prstDash val="solid"/>
+            <a:round/>
+            <a:headEnd type="none" w="med" len="med"/>
+            <a:tailEnd type="none" w="med" len="med"/>
+          </a:ln>
+          <a:effectLst>
+            <a:softEdge rad="152400"/>
+          </a:effectLst>
+        </p:spPr>
+        <p:style>
+          <a:lnRef idx="3">
+            <a:schemeClr val="lt1"/>
+          </a:lnRef>
+          <a:fillRef idx="1">
+            <a:schemeClr val="accent3"/>
+          </a:fillRef>
+          <a:effectRef idx="1">
+            <a:schemeClr val="accent3"/>
+          </a:effectRef>
+          <a:fontRef idx="minor">
+            <a:schemeClr val="lt1"/>
+          </a:fontRef>
+        </p:style>
+        <p:txBody>
+          <a:bodyPr rtlCol="0" anchor="ctr"/>
+          <a:lstStyle/>
+          <a:p>
+            <a:pPr algn="ctr"/>
+            <a:endParaRPr lang="en-US"/>
+          </a:p>
+        </p:txBody>
+      </p:sp>
+      <p:sp>
+        <p:nvSpPr>
+          <p:cNvPr id="126" name="Oval 125"/>
+          <p:cNvSpPr>
+            <a:spLocks noChangeAspect="1"/>
+          </p:cNvSpPr>
+          <p:nvPr/>
+        </p:nvSpPr>
+        <p:spPr>
+          <a:xfrm>
+            <a:off x="277433" y="3241338"/>
+            <a:ext cx="1396887" cy="1047665"/>
+          </a:xfrm>
+          <a:prstGeom prst="ellipse">
+            <a:avLst/>
+          </a:prstGeom>
+          <a:solidFill>
+            <a:schemeClr val="tx2">
+              <a:lumMod val="75000"/>
+              <a:alpha val="6000"/>
+            </a:schemeClr>
+          </a:solidFill>
+          <a:ln w="177800" cap="rnd" cmpd="sng" algn="ctr">
+            <a:solidFill>
+              <a:schemeClr val="tx2">
+                <a:lumMod val="60000"/>
+                <a:lumOff val="40000"/>
+                <a:alpha val="4000"/>
+              </a:schemeClr>
+            </a:solidFill>
+            <a:prstDash val="solid"/>
+            <a:round/>
+            <a:headEnd type="none" w="med" len="med"/>
+            <a:tailEnd type="none" w="med" len="med"/>
+          </a:ln>
+          <a:effectLst>
+            <a:softEdge rad="152400"/>
+          </a:effectLst>
+        </p:spPr>
+        <p:style>
+          <a:lnRef idx="3">
+            <a:schemeClr val="lt1"/>
+          </a:lnRef>
+          <a:fillRef idx="1">
+            <a:schemeClr val="accent3"/>
+          </a:fillRef>
+          <a:effectRef idx="1">
+            <a:schemeClr val="accent3"/>
+          </a:effectRef>
+          <a:fontRef idx="minor">
+            <a:schemeClr val="lt1"/>
+          </a:fontRef>
+        </p:style>
+        <p:txBody>
+          <a:bodyPr rtlCol="0" anchor="ctr"/>
+          <a:lstStyle/>
+          <a:p>
+            <a:pPr algn="ctr"/>
+            <a:endParaRPr lang="en-US"/>
+          </a:p>
+        </p:txBody>
+      </p:sp>
+      <p:sp>
+        <p:nvSpPr>
+          <p:cNvPr id="127" name="Oval 126"/>
+          <p:cNvSpPr>
+            <a:spLocks noChangeAspect="1"/>
+          </p:cNvSpPr>
+          <p:nvPr/>
+        </p:nvSpPr>
+        <p:spPr>
+          <a:xfrm>
+            <a:off x="5792132" y="4867474"/>
+            <a:ext cx="1115939" cy="332827"/>
+          </a:xfrm>
+          <a:custGeom>
+            <a:avLst/>
+            <a:gdLst/>
+            <a:ahLst/>
+            <a:cxnLst/>
+            <a:rect l="l" t="t" r="r" b="b"/>
+            <a:pathLst>
+              <a:path w="1115939" h="443769">
+                <a:moveTo>
+                  <a:pt x="557969" y="0"/>
+                </a:moveTo>
+                <a:cubicBezTo>
+                  <a:pt x="830120" y="0"/>
+                  <a:pt x="1058049" y="189335"/>
+                  <a:pt x="1115939" y="443769"/>
+                </a:cubicBezTo>
+                <a:lnTo>
+                  <a:pt x="0" y="443769"/>
+                </a:lnTo>
+                <a:cubicBezTo>
+                  <a:pt x="57889" y="189335"/>
+                  <a:pt x="285818" y="0"/>
+                  <a:pt x="557969" y="0"/>
+                </a:cubicBezTo>
+                <a:close/>
+              </a:path>
+            </a:pathLst>
+          </a:custGeom>
+          <a:solidFill>
+            <a:schemeClr val="tx2">
+              <a:lumMod val="75000"/>
+              <a:alpha val="6000"/>
+            </a:schemeClr>
+          </a:solidFill>
+          <a:ln w="177800" cap="rnd" cmpd="sng" algn="ctr">
+            <a:solidFill>
+              <a:schemeClr val="tx2">
+                <a:lumMod val="60000"/>
+                <a:lumOff val="40000"/>
+                <a:alpha val="4000"/>
+              </a:schemeClr>
+            </a:solidFill>
+            <a:prstDash val="solid"/>
+            <a:round/>
+            <a:headEnd type="none" w="med" len="med"/>
+            <a:tailEnd type="none" w="med" len="med"/>
+          </a:ln>
+          <a:effectLst>
+            <a:softEdge rad="152400"/>
+          </a:effectLst>
+        </p:spPr>
+        <p:style>
+          <a:lnRef idx="3">
+            <a:schemeClr val="lt1"/>
+          </a:lnRef>
+          <a:fillRef idx="1">
+            <a:schemeClr val="accent3"/>
+          </a:fillRef>
+          <a:effectRef idx="1">
+            <a:schemeClr val="accent3"/>
+          </a:effectRef>
+          <a:fontRef idx="minor">
+            <a:schemeClr val="lt1"/>
+          </a:fontRef>
+        </p:style>
+        <p:txBody>
+          <a:bodyPr rtlCol="0" anchor="ctr"/>
+          <a:lstStyle/>
+          <a:p>
+            <a:pPr algn="ctr"/>
+            <a:endParaRPr lang="en-US"/>
+          </a:p>
+        </p:txBody>
+      </p:sp>
+      <p:sp>
+        <p:nvSpPr>
+          <p:cNvPr id="128" name="Oval 127"/>
+          <p:cNvSpPr>
+            <a:spLocks noChangeAspect="1"/>
+          </p:cNvSpPr>
+          <p:nvPr/>
+        </p:nvSpPr>
+        <p:spPr>
+          <a:xfrm>
+            <a:off x="6128000" y="4806630"/>
+            <a:ext cx="1237019" cy="393671"/>
+          </a:xfrm>
+          <a:custGeom>
+            <a:avLst/>
+            <a:gdLst/>
+            <a:ahLst/>
+            <a:cxnLst/>
+            <a:rect l="l" t="t" r="r" b="b"/>
+            <a:pathLst>
+              <a:path w="1237019" h="524894">
+                <a:moveTo>
+                  <a:pt x="618509" y="0"/>
+                </a:moveTo>
+                <a:cubicBezTo>
+                  <a:pt x="930325" y="0"/>
+                  <a:pt x="1189147" y="226891"/>
+                  <a:pt x="1237019" y="524894"/>
+                </a:cubicBezTo>
+                <a:lnTo>
+                  <a:pt x="0" y="524894"/>
+                </a:lnTo>
+                <a:cubicBezTo>
+                  <a:pt x="47872" y="226891"/>
+                  <a:pt x="306694" y="0"/>
+                  <a:pt x="618509" y="0"/>
+                </a:cubicBezTo>
+                <a:close/>
+              </a:path>
+            </a:pathLst>
+          </a:custGeom>
+          <a:solidFill>
+            <a:schemeClr val="tx2">
+              <a:lumMod val="75000"/>
+              <a:alpha val="6000"/>
+            </a:schemeClr>
+          </a:solidFill>
+          <a:ln w="177800" cap="rnd" cmpd="sng" algn="ctr">
+            <a:solidFill>
+              <a:schemeClr val="tx2">
+                <a:lumMod val="60000"/>
+                <a:lumOff val="40000"/>
+                <a:alpha val="4000"/>
+              </a:schemeClr>
+            </a:solidFill>
+            <a:prstDash val="solid"/>
+            <a:round/>
+            <a:headEnd type="none" w="med" len="med"/>
+            <a:tailEnd type="none" w="med" len="med"/>
+          </a:ln>
+          <a:effectLst>
+            <a:softEdge rad="152400"/>
+          </a:effectLst>
+        </p:spPr>
+        <p:style>
+          <a:lnRef idx="3">
+            <a:schemeClr val="lt1"/>
+          </a:lnRef>
+          <a:fillRef idx="1">
+            <a:schemeClr val="accent3"/>
+          </a:fillRef>
+          <a:effectRef idx="1">
+            <a:schemeClr val="accent3"/>
+          </a:effectRef>
+          <a:fontRef idx="minor">
+            <a:schemeClr val="lt1"/>
+          </a:fontRef>
+        </p:style>
+        <p:txBody>
+          <a:bodyPr rtlCol="0" anchor="ctr"/>
+          <a:lstStyle/>
+          <a:p>
+            <a:pPr algn="ctr"/>
+            <a:endParaRPr lang="en-US"/>
+          </a:p>
+        </p:txBody>
+      </p:sp>
+      <p:sp>
+        <p:nvSpPr>
+          <p:cNvPr id="129" name="Oval 128"/>
+          <p:cNvSpPr>
+            <a:spLocks noChangeAspect="1"/>
+          </p:cNvSpPr>
+          <p:nvPr/>
+        </p:nvSpPr>
+        <p:spPr>
+          <a:xfrm>
+            <a:off x="7577655" y="4806631"/>
+            <a:ext cx="1211408" cy="393670"/>
+          </a:xfrm>
+          <a:custGeom>
+            <a:avLst/>
+            <a:gdLst/>
+            <a:ahLst/>
+            <a:cxnLst/>
+            <a:rect l="l" t="t" r="r" b="b"/>
+            <a:pathLst>
+              <a:path w="1211408" h="524893">
+                <a:moveTo>
+                  <a:pt x="605704" y="0"/>
+                </a:moveTo>
+                <a:cubicBezTo>
+                  <a:pt x="914574" y="0"/>
+                  <a:pt x="1170243" y="227782"/>
+                  <a:pt x="1211408" y="524893"/>
+                </a:cubicBezTo>
+                <a:lnTo>
+                  <a:pt x="0" y="524893"/>
+                </a:lnTo>
+                <a:cubicBezTo>
+                  <a:pt x="41165" y="227782"/>
+                  <a:pt x="296834" y="0"/>
+                  <a:pt x="605704" y="0"/>
+                </a:cubicBezTo>
+                <a:close/>
+              </a:path>
+            </a:pathLst>
+          </a:custGeom>
+          <a:solidFill>
+            <a:schemeClr val="tx2">
+              <a:lumMod val="75000"/>
+              <a:alpha val="6000"/>
+            </a:schemeClr>
+          </a:solidFill>
+          <a:ln w="177800" cap="rnd" cmpd="sng" algn="ctr">
+            <a:solidFill>
+              <a:schemeClr val="tx2">
+                <a:lumMod val="60000"/>
+                <a:lumOff val="40000"/>
+                <a:alpha val="4000"/>
+              </a:schemeClr>
+            </a:solidFill>
+            <a:prstDash val="solid"/>
+            <a:round/>
+            <a:headEnd type="none" w="med" len="med"/>
+            <a:tailEnd type="none" w="med" len="med"/>
+          </a:ln>
+          <a:effectLst>
+            <a:softEdge rad="152400"/>
+          </a:effectLst>
+        </p:spPr>
+        <p:style>
+          <a:lnRef idx="3">
+            <a:schemeClr val="lt1"/>
+          </a:lnRef>
+          <a:fillRef idx="1">
+            <a:schemeClr val="accent3"/>
+          </a:fillRef>
+          <a:effectRef idx="1">
+            <a:schemeClr val="accent3"/>
+          </a:effectRef>
+          <a:fontRef idx="minor">
+            <a:schemeClr val="lt1"/>
+          </a:fontRef>
+        </p:style>
+        <p:txBody>
+          <a:bodyPr rtlCol="0" anchor="ctr"/>
+          <a:lstStyle/>
+          <a:p>
+            <a:pPr algn="ctr"/>
+            <a:endParaRPr lang="en-US"/>
+          </a:p>
+        </p:txBody>
+      </p:sp>
+      <p:sp>
+        <p:nvSpPr>
+          <p:cNvPr id="97" name="Oval 96"/>
+          <p:cNvSpPr>
+            <a:spLocks noChangeAspect="1"/>
+          </p:cNvSpPr>
+          <p:nvPr/>
+        </p:nvSpPr>
+        <p:spPr>
+          <a:xfrm>
+            <a:off x="11073" y="3706489"/>
+            <a:ext cx="611230" cy="458423"/>
+          </a:xfrm>
+          <a:prstGeom prst="ellipse">
+            <a:avLst/>
+          </a:prstGeom>
+          <a:solidFill>
+            <a:schemeClr val="accent3">
+              <a:lumMod val="60000"/>
+              <a:lumOff val="40000"/>
+              <a:alpha val="5000"/>
+            </a:schemeClr>
+          </a:solidFill>
+          <a:ln w="12700" cap="rnd" cmpd="sng" algn="ctr">
+            <a:solidFill>
+              <a:schemeClr val="accent3">
+                <a:lumMod val="60000"/>
+                <a:lumOff val="40000"/>
+                <a:alpha val="15000"/>
+              </a:schemeClr>
+            </a:solidFill>
+            <a:prstDash val="solid"/>
+            <a:round/>
+            <a:headEnd type="none" w="med" len="med"/>
+            <a:tailEnd type="none" w="med" len="med"/>
+          </a:ln>
+          <a:effectLst/>
+        </p:spPr>
+        <p:style>
+          <a:lnRef idx="3">
+            <a:schemeClr val="lt1"/>
+          </a:lnRef>
+          <a:fillRef idx="1">
+            <a:schemeClr val="accent3"/>
+          </a:fillRef>
+          <a:effectRef idx="1">
+            <a:schemeClr val="accent3"/>
+          </a:effectRef>
+          <a:fontRef idx="minor">
+            <a:schemeClr val="lt1"/>
+          </a:fontRef>
+        </p:style>
+        <p:txBody>
+          <a:bodyPr rtlCol="0" anchor="ctr"/>
+          <a:lstStyle/>
+          <a:p>
+            <a:pPr algn="ctr"/>
+            <a:endParaRPr lang="en-US"/>
+          </a:p>
+        </p:txBody>
+      </p:sp>
+      <p:sp>
+        <p:nvSpPr>
+          <p:cNvPr id="98" name="Oval 97"/>
+          <p:cNvSpPr>
+            <a:spLocks noChangeAspect="1"/>
+          </p:cNvSpPr>
+          <p:nvPr/>
+        </p:nvSpPr>
+        <p:spPr>
+          <a:xfrm>
+            <a:off x="-69625" y="4629427"/>
+            <a:ext cx="778097" cy="562742"/>
+          </a:xfrm>
+          <a:custGeom>
+            <a:avLst/>
+            <a:gdLst/>
+            <a:ahLst/>
+            <a:cxnLst/>
+            <a:rect l="l" t="t" r="r" b="b"/>
+            <a:pathLst>
+              <a:path w="778097" h="750322">
+                <a:moveTo>
+                  <a:pt x="261411" y="0"/>
+                </a:moveTo>
+                <a:cubicBezTo>
+                  <a:pt x="546769" y="0"/>
+                  <a:pt x="778097" y="231328"/>
+                  <a:pt x="778097" y="516686"/>
+                </a:cubicBezTo>
+                <a:cubicBezTo>
+                  <a:pt x="778097" y="601179"/>
+                  <a:pt x="757816" y="680934"/>
+                  <a:pt x="719843" y="750322"/>
+                </a:cubicBezTo>
+                <a:lnTo>
+                  <a:pt x="0" y="750322"/>
+                </a:lnTo>
+                <a:lnTo>
+                  <a:pt x="0" y="73330"/>
+                </a:lnTo>
+                <a:cubicBezTo>
+                  <a:pt x="75863" y="26083"/>
+                  <a:pt x="165591" y="0"/>
+                  <a:pt x="261411" y="0"/>
+                </a:cubicBezTo>
+                <a:close/>
+              </a:path>
+            </a:pathLst>
+          </a:custGeom>
+          <a:solidFill>
+            <a:schemeClr val="accent3">
+              <a:lumMod val="60000"/>
+              <a:lumOff val="40000"/>
+              <a:alpha val="5000"/>
+            </a:schemeClr>
+          </a:solidFill>
+          <a:ln w="63500" cap="rnd" cmpd="sng" algn="ctr">
+            <a:solidFill>
+              <a:schemeClr val="accent3">
+                <a:lumMod val="60000"/>
+                <a:lumOff val="40000"/>
+                <a:alpha val="15000"/>
+              </a:schemeClr>
+            </a:solidFill>
+            <a:prstDash val="solid"/>
+            <a:round/>
+            <a:headEnd type="none" w="med" len="med"/>
+            <a:tailEnd type="none" w="med" len="med"/>
+          </a:ln>
+          <a:effectLst>
+            <a:softEdge rad="63500"/>
+          </a:effectLst>
+        </p:spPr>
+        <p:style>
+          <a:lnRef idx="3">
+            <a:schemeClr val="lt1"/>
+          </a:lnRef>
+          <a:fillRef idx="1">
+            <a:schemeClr val="accent3"/>
+          </a:fillRef>
+          <a:effectRef idx="1">
+            <a:schemeClr val="accent3"/>
+          </a:effectRef>
+          <a:fontRef idx="minor">
+            <a:schemeClr val="lt1"/>
+          </a:fontRef>
+        </p:style>
+        <p:txBody>
+          <a:bodyPr rtlCol="0" anchor="ctr"/>
+          <a:lstStyle/>
+          <a:p>
+            <a:pPr algn="ctr"/>
+            <a:endParaRPr lang="en-US"/>
+          </a:p>
+        </p:txBody>
+      </p:sp>
+      <p:sp>
+        <p:nvSpPr>
+          <p:cNvPr id="99" name="Oval 98"/>
+          <p:cNvSpPr>
+            <a:spLocks noChangeAspect="1"/>
+          </p:cNvSpPr>
+          <p:nvPr/>
+        </p:nvSpPr>
+        <p:spPr>
+          <a:xfrm>
+            <a:off x="-69625" y="3868931"/>
+            <a:ext cx="563524" cy="673170"/>
+          </a:xfrm>
+          <a:custGeom>
+            <a:avLst/>
+            <a:gdLst/>
+            <a:ahLst/>
+            <a:cxnLst/>
+            <a:rect l="l" t="t" r="r" b="b"/>
+            <a:pathLst>
+              <a:path w="563524" h="897560">
+                <a:moveTo>
+                  <a:pt x="114744" y="0"/>
+                </a:moveTo>
+                <a:cubicBezTo>
+                  <a:pt x="362598" y="0"/>
+                  <a:pt x="563524" y="200926"/>
+                  <a:pt x="563524" y="448780"/>
+                </a:cubicBezTo>
+                <a:cubicBezTo>
+                  <a:pt x="563524" y="696634"/>
+                  <a:pt x="362598" y="897560"/>
+                  <a:pt x="114744" y="897560"/>
+                </a:cubicBezTo>
+                <a:cubicBezTo>
+                  <a:pt x="74918" y="897560"/>
+                  <a:pt x="36304" y="892373"/>
+                  <a:pt x="0" y="880900"/>
+                </a:cubicBezTo>
+                <a:lnTo>
+                  <a:pt x="0" y="16661"/>
+                </a:lnTo>
+                <a:cubicBezTo>
+                  <a:pt x="36304" y="5188"/>
+                  <a:pt x="74918" y="0"/>
+                  <a:pt x="114744" y="0"/>
+                </a:cubicBezTo>
+                <a:close/>
+              </a:path>
+            </a:pathLst>
+          </a:custGeom>
+          <a:solidFill>
+            <a:schemeClr val="accent3">
+              <a:lumMod val="60000"/>
+              <a:lumOff val="40000"/>
+              <a:alpha val="5000"/>
+            </a:schemeClr>
+          </a:solidFill>
+          <a:ln w="63500" cap="rnd" cmpd="sng" algn="ctr">
+            <a:solidFill>
+              <a:schemeClr val="accent3">
+                <a:lumMod val="60000"/>
+                <a:lumOff val="40000"/>
+                <a:alpha val="15000"/>
+              </a:schemeClr>
+            </a:solidFill>
+            <a:prstDash val="solid"/>
+            <a:round/>
+            <a:headEnd type="none" w="med" len="med"/>
+            <a:tailEnd type="none" w="med" len="med"/>
+          </a:ln>
+          <a:effectLst>
+            <a:softEdge rad="63500"/>
+          </a:effectLst>
+        </p:spPr>
+        <p:style>
+          <a:lnRef idx="3">
+            <a:schemeClr val="lt1"/>
+          </a:lnRef>
+          <a:fillRef idx="1">
+            <a:schemeClr val="accent3"/>
+          </a:fillRef>
+          <a:effectRef idx="1">
+            <a:schemeClr val="accent3"/>
+          </a:effectRef>
+          <a:fontRef idx="minor">
+            <a:schemeClr val="lt1"/>
+          </a:fontRef>
+        </p:style>
+        <p:txBody>
+          <a:bodyPr rtlCol="0" anchor="ctr"/>
+          <a:lstStyle/>
+          <a:p>
+            <a:pPr algn="ctr"/>
+            <a:endParaRPr lang="en-US"/>
+          </a:p>
+        </p:txBody>
+      </p:sp>
+      <p:sp>
+        <p:nvSpPr>
+          <p:cNvPr id="100" name="Oval 99"/>
+          <p:cNvSpPr>
+            <a:spLocks noChangeAspect="1"/>
+          </p:cNvSpPr>
+          <p:nvPr/>
+        </p:nvSpPr>
+        <p:spPr>
+          <a:xfrm>
+            <a:off x="-25758" y="361790"/>
+            <a:ext cx="598416" cy="679278"/>
+          </a:xfrm>
+          <a:custGeom>
+            <a:avLst/>
+            <a:gdLst/>
+            <a:ahLst/>
+            <a:cxnLst/>
+            <a:rect l="l" t="t" r="r" b="b"/>
+            <a:pathLst>
+              <a:path w="598416" h="905704">
+                <a:moveTo>
+                  <a:pt x="145564" y="0"/>
+                </a:moveTo>
+                <a:cubicBezTo>
+                  <a:pt x="395667" y="0"/>
+                  <a:pt x="598416" y="202749"/>
+                  <a:pt x="598416" y="452852"/>
+                </a:cubicBezTo>
+                <a:cubicBezTo>
+                  <a:pt x="598416" y="702955"/>
+                  <a:pt x="395667" y="905704"/>
+                  <a:pt x="145564" y="905704"/>
+                </a:cubicBezTo>
+                <a:cubicBezTo>
+                  <a:pt x="94398" y="905704"/>
+                  <a:pt x="45214" y="897218"/>
+                  <a:pt x="0" y="879648"/>
+                </a:cubicBezTo>
+                <a:lnTo>
+                  <a:pt x="0" y="26056"/>
+                </a:lnTo>
+                <a:cubicBezTo>
+                  <a:pt x="45214" y="8486"/>
+                  <a:pt x="94398" y="0"/>
+                  <a:pt x="145564" y="0"/>
+                </a:cubicBezTo>
+                <a:close/>
+              </a:path>
+            </a:pathLst>
+          </a:custGeom>
+          <a:solidFill>
+            <a:schemeClr val="accent3">
+              <a:lumMod val="60000"/>
+              <a:lumOff val="40000"/>
+              <a:alpha val="5000"/>
+            </a:schemeClr>
+          </a:solidFill>
+          <a:ln w="12700" cap="rnd" cmpd="sng" algn="ctr">
+            <a:solidFill>
+              <a:schemeClr val="accent3">
+                <a:lumMod val="60000"/>
+                <a:lumOff val="40000"/>
+                <a:alpha val="30000"/>
+              </a:schemeClr>
+            </a:solidFill>
+            <a:prstDash val="solid"/>
+            <a:round/>
+            <a:headEnd type="none" w="med" len="med"/>
+            <a:tailEnd type="none" w="med" len="med"/>
+          </a:ln>
+          <a:effectLst/>
+        </p:spPr>
+        <p:style>
+          <a:lnRef idx="3">
+            <a:schemeClr val="lt1"/>
+          </a:lnRef>
+          <a:fillRef idx="1">
+            <a:schemeClr val="accent3"/>
+          </a:fillRef>
+          <a:effectRef idx="1">
+            <a:schemeClr val="accent3"/>
+          </a:effectRef>
+          <a:fontRef idx="minor">
+            <a:schemeClr val="lt1"/>
+          </a:fontRef>
+        </p:style>
+        <p:txBody>
+          <a:bodyPr rtlCol="0" anchor="ctr"/>
+          <a:lstStyle/>
+          <a:p>
+            <a:pPr algn="ctr"/>
+            <a:endParaRPr lang="en-US"/>
+          </a:p>
+        </p:txBody>
+      </p:sp>
+      <p:sp>
+        <p:nvSpPr>
+          <p:cNvPr id="101" name="Oval 100"/>
+          <p:cNvSpPr>
+            <a:spLocks noChangeAspect="1"/>
+          </p:cNvSpPr>
+          <p:nvPr/>
+        </p:nvSpPr>
+        <p:spPr>
+          <a:xfrm>
+            <a:off x="474209" y="627595"/>
+            <a:ext cx="910817" cy="683113"/>
+          </a:xfrm>
+          <a:prstGeom prst="ellipse">
+            <a:avLst/>
+          </a:prstGeom>
+          <a:solidFill>
+            <a:schemeClr val="accent3">
+              <a:lumMod val="60000"/>
+              <a:lumOff val="40000"/>
+              <a:alpha val="5000"/>
+            </a:schemeClr>
+          </a:solidFill>
+          <a:ln w="63500" cap="rnd" cmpd="sng" algn="ctr">
+            <a:solidFill>
+              <a:schemeClr val="accent3">
+                <a:lumMod val="60000"/>
+                <a:lumOff val="40000"/>
+                <a:alpha val="30000"/>
+              </a:schemeClr>
+            </a:solidFill>
+            <a:prstDash val="solid"/>
+            <a:round/>
+            <a:headEnd type="none" w="med" len="med"/>
+            <a:tailEnd type="none" w="med" len="med"/>
+          </a:ln>
+          <a:effectLst>
+            <a:softEdge rad="63500"/>
+          </a:effectLst>
+        </p:spPr>
+        <p:style>
+          <a:lnRef idx="3">
+            <a:schemeClr val="lt1"/>
+          </a:lnRef>
+          <a:fillRef idx="1">
+            <a:schemeClr val="accent3"/>
+          </a:fillRef>
+          <a:effectRef idx="1">
+            <a:schemeClr val="accent3"/>
+          </a:effectRef>
+          <a:fontRef idx="minor">
+            <a:schemeClr val="lt1"/>
+          </a:fontRef>
+        </p:style>
+        <p:txBody>
+          <a:bodyPr rtlCol="0" anchor="ctr"/>
+          <a:lstStyle/>
+          <a:p>
+            <a:pPr algn="ctr"/>
+            <a:endParaRPr lang="en-US"/>
+          </a:p>
+        </p:txBody>
+      </p:sp>
+      <p:sp>
+        <p:nvSpPr>
+          <p:cNvPr id="102" name="Oval 101"/>
+          <p:cNvSpPr>
+            <a:spLocks noChangeAspect="1"/>
+          </p:cNvSpPr>
+          <p:nvPr/>
+        </p:nvSpPr>
+        <p:spPr>
+          <a:xfrm>
+            <a:off x="319224" y="1089195"/>
+            <a:ext cx="772993" cy="579745"/>
+          </a:xfrm>
+          <a:prstGeom prst="ellipse">
+            <a:avLst/>
+          </a:prstGeom>
+          <a:solidFill>
+            <a:schemeClr val="accent3">
+              <a:lumMod val="60000"/>
+              <a:lumOff val="40000"/>
+              <a:alpha val="5000"/>
+            </a:schemeClr>
+          </a:solidFill>
+          <a:ln w="63500" cap="rnd" cmpd="sng" algn="ctr">
+            <a:solidFill>
+              <a:schemeClr val="accent3">
+                <a:lumMod val="60000"/>
+                <a:lumOff val="40000"/>
+                <a:alpha val="30000"/>
+              </a:schemeClr>
+            </a:solidFill>
+            <a:prstDash val="solid"/>
+            <a:round/>
+            <a:headEnd type="none" w="med" len="med"/>
+            <a:tailEnd type="none" w="med" len="med"/>
+          </a:ln>
+          <a:effectLst>
+            <a:softEdge rad="63500"/>
+          </a:effectLst>
+        </p:spPr>
+        <p:style>
+          <a:lnRef idx="3">
+            <a:schemeClr val="lt1"/>
+          </a:lnRef>
+          <a:fillRef idx="1">
+            <a:schemeClr val="accent3"/>
+          </a:fillRef>
+          <a:effectRef idx="1">
+            <a:schemeClr val="accent3"/>
+          </a:effectRef>
+          <a:fontRef idx="minor">
+            <a:schemeClr val="lt1"/>
+          </a:fontRef>
+        </p:style>
+        <p:txBody>
+          <a:bodyPr rtlCol="0" anchor="ctr"/>
+          <a:lstStyle/>
+          <a:p>
+            <a:pPr algn="ctr"/>
+            <a:endParaRPr lang="en-US"/>
+          </a:p>
+        </p:txBody>
+      </p:sp>
+      <p:sp>
+        <p:nvSpPr>
+          <p:cNvPr id="103" name="Oval 102"/>
+          <p:cNvSpPr>
+            <a:spLocks noChangeAspect="1"/>
+          </p:cNvSpPr>
+          <p:nvPr/>
+        </p:nvSpPr>
+        <p:spPr>
+          <a:xfrm>
+            <a:off x="371257" y="1415237"/>
+            <a:ext cx="610366" cy="457775"/>
+          </a:xfrm>
+          <a:prstGeom prst="ellipse">
+            <a:avLst/>
+          </a:prstGeom>
+          <a:solidFill>
+            <a:schemeClr val="accent3">
+              <a:lumMod val="60000"/>
+              <a:lumOff val="40000"/>
+              <a:alpha val="5000"/>
+            </a:schemeClr>
+          </a:solidFill>
+          <a:ln w="12700" cap="rnd" cmpd="sng" algn="ctr">
+            <a:solidFill>
+              <a:schemeClr val="accent3">
+                <a:lumMod val="60000"/>
+                <a:lumOff val="40000"/>
+                <a:alpha val="30000"/>
+              </a:schemeClr>
+            </a:solidFill>
+            <a:prstDash val="solid"/>
+            <a:round/>
+            <a:headEnd type="none" w="med" len="med"/>
+            <a:tailEnd type="none" w="med" len="med"/>
+          </a:ln>
+          <a:effectLst/>
+        </p:spPr>
+        <p:style>
+          <a:lnRef idx="3">
+            <a:schemeClr val="lt1"/>
+          </a:lnRef>
+          <a:fillRef idx="1">
+            <a:schemeClr val="accent3"/>
+          </a:fillRef>
+          <a:effectRef idx="1">
+            <a:schemeClr val="accent3"/>
+          </a:effectRef>
+          <a:fontRef idx="minor">
+            <a:schemeClr val="lt1"/>
+          </a:fontRef>
+        </p:style>
+        <p:txBody>
+          <a:bodyPr rtlCol="0" anchor="ctr"/>
+          <a:lstStyle/>
+          <a:p>
+            <a:pPr algn="ctr"/>
+            <a:endParaRPr lang="en-US"/>
+          </a:p>
+        </p:txBody>
+      </p:sp>
+      <p:sp>
+        <p:nvSpPr>
+          <p:cNvPr id="104" name="Oval 103"/>
+          <p:cNvSpPr>
+            <a:spLocks noChangeAspect="1"/>
+          </p:cNvSpPr>
+          <p:nvPr/>
+        </p:nvSpPr>
+        <p:spPr>
+          <a:xfrm>
+            <a:off x="154676" y="1439762"/>
+            <a:ext cx="521764" cy="391323"/>
+          </a:xfrm>
+          <a:prstGeom prst="ellipse">
+            <a:avLst/>
+          </a:prstGeom>
+          <a:solidFill>
+            <a:schemeClr val="accent3">
+              <a:lumMod val="60000"/>
+              <a:lumOff val="40000"/>
+              <a:alpha val="5000"/>
+            </a:schemeClr>
+          </a:solidFill>
+          <a:ln w="63500" cap="rnd" cmpd="sng" algn="ctr">
+            <a:solidFill>
+              <a:schemeClr val="accent3">
+                <a:lumMod val="60000"/>
+                <a:lumOff val="40000"/>
+                <a:alpha val="30000"/>
+              </a:schemeClr>
+            </a:solidFill>
+            <a:prstDash val="solid"/>
+            <a:round/>
+            <a:headEnd type="none" w="med" len="med"/>
+            <a:tailEnd type="none" w="med" len="med"/>
+          </a:ln>
+          <a:effectLst>
+            <a:softEdge rad="63500"/>
+          </a:effectLst>
+        </p:spPr>
+        <p:style>
+          <a:lnRef idx="3">
+            <a:schemeClr val="lt1"/>
+          </a:lnRef>
+          <a:fillRef idx="1">
+            <a:schemeClr val="accent3"/>
+          </a:fillRef>
+          <a:effectRef idx="1">
+            <a:schemeClr val="accent3"/>
+          </a:effectRef>
+          <a:fontRef idx="minor">
+            <a:schemeClr val="lt1"/>
+          </a:fontRef>
+        </p:style>
+        <p:txBody>
+          <a:bodyPr rtlCol="0" anchor="ctr"/>
+          <a:lstStyle/>
+          <a:p>
+            <a:pPr algn="ctr"/>
+            <a:endParaRPr lang="en-US"/>
+          </a:p>
+        </p:txBody>
+      </p:sp>
+      <p:sp>
+        <p:nvSpPr>
+          <p:cNvPr id="105" name="Oval 104"/>
+          <p:cNvSpPr>
+            <a:spLocks noChangeAspect="1"/>
+          </p:cNvSpPr>
+          <p:nvPr/>
+        </p:nvSpPr>
+        <p:spPr>
+          <a:xfrm>
+            <a:off x="7302517" y="-46282"/>
+            <a:ext cx="910818" cy="563125"/>
+          </a:xfrm>
+          <a:custGeom>
+            <a:avLst/>
+            <a:gdLst/>
+            <a:ahLst/>
+            <a:cxnLst/>
+            <a:rect l="l" t="t" r="r" b="b"/>
+            <a:pathLst>
+              <a:path w="910818" h="750833">
+                <a:moveTo>
+                  <a:pt x="111441" y="0"/>
+                </a:moveTo>
+                <a:lnTo>
+                  <a:pt x="799378" y="0"/>
+                </a:lnTo>
+                <a:cubicBezTo>
+                  <a:pt x="869408" y="78400"/>
+                  <a:pt x="910818" y="182076"/>
+                  <a:pt x="910818" y="295424"/>
+                </a:cubicBezTo>
+                <a:cubicBezTo>
+                  <a:pt x="910818" y="546939"/>
+                  <a:pt x="706924" y="750833"/>
+                  <a:pt x="455409" y="750833"/>
+                </a:cubicBezTo>
+                <a:cubicBezTo>
+                  <a:pt x="203894" y="750833"/>
+                  <a:pt x="0" y="546939"/>
+                  <a:pt x="0" y="295424"/>
+                </a:cubicBezTo>
+                <a:cubicBezTo>
+                  <a:pt x="0" y="182076"/>
+                  <a:pt x="41410" y="78400"/>
+                  <a:pt x="111441" y="0"/>
+                </a:cubicBezTo>
+                <a:close/>
+              </a:path>
+            </a:pathLst>
+          </a:custGeom>
+          <a:solidFill>
+            <a:schemeClr val="accent3">
+              <a:lumMod val="60000"/>
+              <a:lumOff val="40000"/>
+              <a:alpha val="5000"/>
+            </a:schemeClr>
+          </a:solidFill>
+          <a:ln w="63500" cap="rnd" cmpd="sng" algn="ctr">
+            <a:solidFill>
+              <a:schemeClr val="accent3">
+                <a:lumMod val="60000"/>
+                <a:lumOff val="40000"/>
+                <a:alpha val="30000"/>
+              </a:schemeClr>
+            </a:solidFill>
+            <a:prstDash val="solid"/>
+            <a:round/>
+            <a:headEnd type="none" w="med" len="med"/>
+            <a:tailEnd type="none" w="med" len="med"/>
+          </a:ln>
+          <a:effectLst>
+            <a:softEdge rad="63500"/>
+          </a:effectLst>
+        </p:spPr>
+        <p:style>
+          <a:lnRef idx="3">
+            <a:schemeClr val="lt1"/>
+          </a:lnRef>
+          <a:fillRef idx="1">
+            <a:schemeClr val="accent3"/>
+          </a:fillRef>
+          <a:effectRef idx="1">
+            <a:schemeClr val="accent3"/>
+          </a:effectRef>
+          <a:fontRef idx="minor">
+            <a:schemeClr val="lt1"/>
+          </a:fontRef>
+        </p:style>
+        <p:txBody>
+          <a:bodyPr rtlCol="0" anchor="ctr"/>
+          <a:lstStyle/>
+          <a:p>
+            <a:pPr algn="ctr"/>
+            <a:endParaRPr lang="en-US"/>
+          </a:p>
+        </p:txBody>
+      </p:sp>
+      <p:sp>
+        <p:nvSpPr>
+          <p:cNvPr id="106" name="Oval 105"/>
+          <p:cNvSpPr>
+            <a:spLocks noChangeAspect="1"/>
+          </p:cNvSpPr>
+          <p:nvPr/>
+        </p:nvSpPr>
+        <p:spPr>
+          <a:xfrm>
+            <a:off x="8718124" y="-46281"/>
+            <a:ext cx="473874" cy="459758"/>
+          </a:xfrm>
+          <a:custGeom>
+            <a:avLst/>
+            <a:gdLst/>
+            <a:ahLst/>
+            <a:cxnLst/>
+            <a:rect l="l" t="t" r="r" b="b"/>
+            <a:pathLst>
+              <a:path w="473874" h="613011">
+                <a:moveTo>
+                  <a:pt x="29684" y="0"/>
+                </a:moveTo>
+                <a:lnTo>
+                  <a:pt x="473874" y="0"/>
+                </a:lnTo>
+                <a:lnTo>
+                  <a:pt x="473874" y="611150"/>
+                </a:lnTo>
+                <a:cubicBezTo>
+                  <a:pt x="467789" y="612887"/>
+                  <a:pt x="461614" y="613011"/>
+                  <a:pt x="455409" y="613011"/>
+                </a:cubicBezTo>
+                <a:cubicBezTo>
+                  <a:pt x="203894" y="613011"/>
+                  <a:pt x="0" y="409117"/>
+                  <a:pt x="0" y="157602"/>
+                </a:cubicBezTo>
+                <a:cubicBezTo>
+                  <a:pt x="0" y="101995"/>
+                  <a:pt x="9966" y="48716"/>
+                  <a:pt x="29684" y="0"/>
+                </a:cubicBezTo>
+                <a:close/>
+              </a:path>
+            </a:pathLst>
+          </a:custGeom>
+          <a:solidFill>
+            <a:schemeClr val="accent3">
+              <a:lumMod val="60000"/>
+              <a:lumOff val="40000"/>
+              <a:alpha val="5000"/>
+            </a:schemeClr>
+          </a:solidFill>
+          <a:ln w="63500" cap="rnd" cmpd="sng" algn="ctr">
+            <a:solidFill>
+              <a:schemeClr val="accent3">
+                <a:lumMod val="60000"/>
+                <a:lumOff val="40000"/>
+                <a:alpha val="30000"/>
+              </a:schemeClr>
+            </a:solidFill>
+            <a:prstDash val="solid"/>
+            <a:round/>
+            <a:headEnd type="none" w="med" len="med"/>
+            <a:tailEnd type="none" w="med" len="med"/>
+          </a:ln>
+          <a:effectLst>
+            <a:softEdge rad="63500"/>
+          </a:effectLst>
+        </p:spPr>
+        <p:style>
+          <a:lnRef idx="3">
+            <a:schemeClr val="lt1"/>
+          </a:lnRef>
+          <a:fillRef idx="1">
+            <a:schemeClr val="accent3"/>
+          </a:fillRef>
+          <a:effectRef idx="1">
+            <a:schemeClr val="accent3"/>
+          </a:effectRef>
+          <a:fontRef idx="minor">
+            <a:schemeClr val="lt1"/>
+          </a:fontRef>
+        </p:style>
+        <p:txBody>
+          <a:bodyPr rtlCol="0" anchor="ctr"/>
+          <a:lstStyle/>
+          <a:p>
+            <a:pPr algn="ctr"/>
+            <a:endParaRPr lang="en-US"/>
+          </a:p>
+        </p:txBody>
+      </p:sp>
+      <p:sp>
+        <p:nvSpPr>
+          <p:cNvPr id="107" name="Oval 106"/>
+          <p:cNvSpPr>
+            <a:spLocks noChangeAspect="1"/>
+          </p:cNvSpPr>
+          <p:nvPr/>
+        </p:nvSpPr>
+        <p:spPr>
+          <a:xfrm>
+            <a:off x="7748239" y="212200"/>
+            <a:ext cx="1128521" cy="846391"/>
+          </a:xfrm>
+          <a:prstGeom prst="ellipse">
+            <a:avLst/>
+          </a:prstGeom>
+          <a:solidFill>
+            <a:schemeClr val="accent3">
+              <a:lumMod val="60000"/>
+              <a:lumOff val="40000"/>
+              <a:alpha val="5000"/>
+            </a:schemeClr>
+          </a:solidFill>
+          <a:ln w="12700" cap="rnd" cmpd="sng" algn="ctr">
+            <a:solidFill>
+              <a:schemeClr val="accent3">
+                <a:lumMod val="60000"/>
+                <a:lumOff val="40000"/>
+                <a:alpha val="30000"/>
+              </a:schemeClr>
+            </a:solidFill>
+            <a:prstDash val="solid"/>
+            <a:round/>
+            <a:headEnd type="none" w="med" len="med"/>
+            <a:tailEnd type="none" w="med" len="med"/>
+          </a:ln>
+          <a:effectLst/>
+        </p:spPr>
+        <p:style>
+          <a:lnRef idx="3">
+            <a:schemeClr val="lt1"/>
+          </a:lnRef>
+          <a:fillRef idx="1">
+            <a:schemeClr val="accent3"/>
+          </a:fillRef>
+          <a:effectRef idx="1">
+            <a:schemeClr val="accent3"/>
+          </a:effectRef>
+          <a:fontRef idx="minor">
+            <a:schemeClr val="lt1"/>
+          </a:fontRef>
+        </p:style>
+        <p:txBody>
+          <a:bodyPr rtlCol="0" anchor="ctr"/>
+          <a:lstStyle/>
+          <a:p>
+            <a:pPr algn="ctr"/>
+            <a:endParaRPr lang="en-US"/>
+          </a:p>
+        </p:txBody>
+      </p:sp>
+      <p:sp>
+        <p:nvSpPr>
+          <p:cNvPr id="108" name="Oval 107"/>
+          <p:cNvSpPr>
+            <a:spLocks noChangeAspect="1"/>
+          </p:cNvSpPr>
+          <p:nvPr/>
+        </p:nvSpPr>
+        <p:spPr>
+          <a:xfrm>
+            <a:off x="8914718" y="562202"/>
+            <a:ext cx="277280" cy="680994"/>
+          </a:xfrm>
+          <a:custGeom>
+            <a:avLst/>
+            <a:gdLst/>
+            <a:ahLst/>
+            <a:cxnLst/>
+            <a:rect l="l" t="t" r="r" b="b"/>
+            <a:pathLst>
+              <a:path w="277280" h="907992">
+                <a:moveTo>
+                  <a:pt x="277280" y="0"/>
+                </a:moveTo>
+                <a:lnTo>
+                  <a:pt x="277280" y="907992"/>
+                </a:lnTo>
+                <a:cubicBezTo>
+                  <a:pt x="112021" y="824131"/>
+                  <a:pt x="0" y="652146"/>
+                  <a:pt x="0" y="453996"/>
+                </a:cubicBezTo>
+                <a:cubicBezTo>
+                  <a:pt x="0" y="255847"/>
+                  <a:pt x="112021" y="83861"/>
+                  <a:pt x="277280" y="0"/>
+                </a:cubicBezTo>
+                <a:close/>
+              </a:path>
+            </a:pathLst>
+          </a:custGeom>
+          <a:solidFill>
+            <a:schemeClr val="accent3">
+              <a:lumMod val="60000"/>
+              <a:lumOff val="40000"/>
+              <a:alpha val="5000"/>
+            </a:schemeClr>
+          </a:solidFill>
+          <a:ln w="63500" cap="rnd" cmpd="sng" algn="ctr">
+            <a:solidFill>
+              <a:schemeClr val="accent3">
+                <a:lumMod val="60000"/>
+                <a:lumOff val="40000"/>
+                <a:alpha val="30000"/>
+              </a:schemeClr>
+            </a:solidFill>
+            <a:prstDash val="solid"/>
+            <a:round/>
+            <a:headEnd type="none" w="med" len="med"/>
+            <a:tailEnd type="none" w="med" len="med"/>
+          </a:ln>
+          <a:effectLst>
+            <a:softEdge rad="63500"/>
+          </a:effectLst>
+        </p:spPr>
+        <p:style>
+          <a:lnRef idx="3">
+            <a:schemeClr val="lt1"/>
+          </a:lnRef>
+          <a:fillRef idx="1">
+            <a:schemeClr val="accent3"/>
+          </a:fillRef>
+          <a:effectRef idx="1">
+            <a:schemeClr val="accent3"/>
+          </a:effectRef>
+          <a:fontRef idx="minor">
+            <a:schemeClr val="lt1"/>
+          </a:fontRef>
+        </p:style>
+        <p:txBody>
+          <a:bodyPr rtlCol="0" anchor="ctr"/>
+          <a:lstStyle/>
+          <a:p>
+            <a:pPr algn="ctr"/>
+            <a:endParaRPr lang="en-US"/>
+          </a:p>
+        </p:txBody>
+      </p:sp>
+      <p:sp>
+        <p:nvSpPr>
+          <p:cNvPr id="109" name="Oval 108"/>
+          <p:cNvSpPr>
+            <a:spLocks noChangeAspect="1"/>
+          </p:cNvSpPr>
+          <p:nvPr/>
+        </p:nvSpPr>
+        <p:spPr>
+          <a:xfrm>
+            <a:off x="7590871" y="546373"/>
+            <a:ext cx="969734" cy="727301"/>
+          </a:xfrm>
+          <a:prstGeom prst="ellipse">
+            <a:avLst/>
+          </a:prstGeom>
+          <a:solidFill>
+            <a:schemeClr val="accent3">
+              <a:lumMod val="60000"/>
+              <a:lumOff val="40000"/>
+              <a:alpha val="5000"/>
+            </a:schemeClr>
+          </a:solidFill>
+          <a:ln w="63500" cap="rnd" cmpd="sng" algn="ctr">
+            <a:solidFill>
+              <a:schemeClr val="accent3">
+                <a:lumMod val="60000"/>
+                <a:lumOff val="40000"/>
+                <a:alpha val="30000"/>
+              </a:schemeClr>
+            </a:solidFill>
+            <a:prstDash val="solid"/>
+            <a:round/>
+            <a:headEnd type="none" w="med" len="med"/>
+            <a:tailEnd type="none" w="med" len="med"/>
+          </a:ln>
+          <a:effectLst>
+            <a:softEdge rad="63500"/>
+          </a:effectLst>
+        </p:spPr>
+        <p:style>
+          <a:lnRef idx="3">
+            <a:schemeClr val="lt1"/>
+          </a:lnRef>
+          <a:fillRef idx="1">
+            <a:schemeClr val="accent3"/>
+          </a:fillRef>
+          <a:effectRef idx="1">
+            <a:schemeClr val="accent3"/>
+          </a:effectRef>
+          <a:fontRef idx="minor">
+            <a:schemeClr val="lt1"/>
+          </a:fontRef>
+        </p:style>
+        <p:txBody>
+          <a:bodyPr rtlCol="0" anchor="ctr"/>
+          <a:lstStyle/>
+          <a:p>
+            <a:pPr algn="ctr"/>
+            <a:endParaRPr lang="en-US"/>
+          </a:p>
+        </p:txBody>
+      </p:sp>
+      <p:sp>
+        <p:nvSpPr>
+          <p:cNvPr id="110" name="Oval 109"/>
+          <p:cNvSpPr>
+            <a:spLocks noChangeAspect="1"/>
+          </p:cNvSpPr>
+          <p:nvPr/>
+        </p:nvSpPr>
+        <p:spPr>
+          <a:xfrm>
+            <a:off x="7470041" y="994857"/>
+            <a:ext cx="608190" cy="456143"/>
+          </a:xfrm>
+          <a:prstGeom prst="ellipse">
+            <a:avLst/>
+          </a:prstGeom>
+          <a:solidFill>
+            <a:schemeClr val="accent3">
+              <a:lumMod val="60000"/>
+              <a:lumOff val="40000"/>
+              <a:alpha val="5000"/>
+            </a:schemeClr>
+          </a:solidFill>
+          <a:ln w="12700" cap="rnd" cmpd="sng" algn="ctr">
+            <a:solidFill>
+              <a:schemeClr val="accent3">
+                <a:lumMod val="60000"/>
+                <a:lumOff val="40000"/>
+                <a:alpha val="30000"/>
+              </a:schemeClr>
+            </a:solidFill>
+            <a:prstDash val="solid"/>
+            <a:round/>
+            <a:headEnd type="none" w="med" len="med"/>
+            <a:tailEnd type="none" w="med" len="med"/>
+          </a:ln>
+          <a:effectLst/>
+        </p:spPr>
+        <p:style>
+          <a:lnRef idx="3">
+            <a:schemeClr val="lt1"/>
+          </a:lnRef>
+          <a:fillRef idx="1">
+            <a:schemeClr val="accent3"/>
+          </a:fillRef>
+          <a:effectRef idx="1">
+            <a:schemeClr val="accent3"/>
+          </a:effectRef>
+          <a:fontRef idx="minor">
+            <a:schemeClr val="lt1"/>
+          </a:fontRef>
+        </p:style>
+        <p:txBody>
+          <a:bodyPr rtlCol="0" anchor="ctr"/>
+          <a:lstStyle/>
+          <a:p>
+            <a:pPr algn="ctr"/>
+            <a:endParaRPr lang="en-US"/>
+          </a:p>
+        </p:txBody>
+      </p:sp>
+      <p:sp>
+        <p:nvSpPr>
+          <p:cNvPr id="111" name="Oval 110"/>
+          <p:cNvSpPr>
+            <a:spLocks noChangeAspect="1"/>
+          </p:cNvSpPr>
+          <p:nvPr/>
+        </p:nvSpPr>
+        <p:spPr>
+          <a:xfrm>
+            <a:off x="7629942" y="4208571"/>
+            <a:ext cx="738345" cy="553759"/>
+          </a:xfrm>
+          <a:prstGeom prst="ellipse">
+            <a:avLst/>
+          </a:prstGeom>
+          <a:solidFill>
+            <a:schemeClr val="accent3">
+              <a:lumMod val="60000"/>
+              <a:lumOff val="40000"/>
+              <a:alpha val="5000"/>
+            </a:schemeClr>
+          </a:solidFill>
+          <a:ln w="12700" cap="rnd" cmpd="sng" algn="ctr">
+            <a:solidFill>
+              <a:schemeClr val="accent3">
+                <a:lumMod val="60000"/>
+                <a:lumOff val="40000"/>
+                <a:alpha val="15000"/>
+              </a:schemeClr>
+            </a:solidFill>
+            <a:prstDash val="solid"/>
+            <a:round/>
+            <a:headEnd type="none" w="med" len="med"/>
+            <a:tailEnd type="none" w="med" len="med"/>
+          </a:ln>
+          <a:effectLst/>
+        </p:spPr>
+        <p:style>
+          <a:lnRef idx="3">
+            <a:schemeClr val="lt1"/>
+          </a:lnRef>
+          <a:fillRef idx="1">
+            <a:schemeClr val="accent3"/>
+          </a:fillRef>
+          <a:effectRef idx="1">
+            <a:schemeClr val="accent3"/>
+          </a:effectRef>
+          <a:fontRef idx="minor">
+            <a:schemeClr val="lt1"/>
+          </a:fontRef>
+        </p:style>
+        <p:txBody>
+          <a:bodyPr rtlCol="0" anchor="ctr"/>
+          <a:lstStyle/>
+          <a:p>
+            <a:pPr algn="ctr"/>
+            <a:endParaRPr lang="en-US"/>
+          </a:p>
+        </p:txBody>
+      </p:sp>
+      <p:sp>
+        <p:nvSpPr>
+          <p:cNvPr id="112" name="Oval 111"/>
+          <p:cNvSpPr>
+            <a:spLocks noChangeAspect="1"/>
+          </p:cNvSpPr>
+          <p:nvPr/>
+        </p:nvSpPr>
+        <p:spPr>
+          <a:xfrm>
+            <a:off x="6972883" y="3931691"/>
+            <a:ext cx="738345" cy="553759"/>
+          </a:xfrm>
+          <a:prstGeom prst="ellipse">
+            <a:avLst/>
+          </a:prstGeom>
+          <a:solidFill>
+            <a:schemeClr val="accent3">
+              <a:lumMod val="60000"/>
+              <a:lumOff val="40000"/>
+              <a:alpha val="5000"/>
+            </a:schemeClr>
+          </a:solidFill>
+          <a:ln w="63500" cap="rnd" cmpd="sng" algn="ctr">
+            <a:solidFill>
+              <a:schemeClr val="accent3">
+                <a:lumMod val="60000"/>
+                <a:lumOff val="40000"/>
+                <a:alpha val="15000"/>
+              </a:schemeClr>
+            </a:solidFill>
+            <a:prstDash val="solid"/>
+            <a:round/>
+            <a:headEnd type="none" w="med" len="med"/>
+            <a:tailEnd type="none" w="med" len="med"/>
+          </a:ln>
+          <a:effectLst>
+            <a:softEdge rad="63500"/>
+          </a:effectLst>
+        </p:spPr>
+        <p:style>
+          <a:lnRef idx="3">
+            <a:schemeClr val="lt1"/>
+          </a:lnRef>
+          <a:fillRef idx="1">
+            <a:schemeClr val="accent3"/>
+          </a:fillRef>
+          <a:effectRef idx="1">
+            <a:schemeClr val="accent3"/>
+          </a:effectRef>
+          <a:fontRef idx="minor">
+            <a:schemeClr val="lt1"/>
+          </a:fontRef>
+        </p:style>
+        <p:txBody>
+          <a:bodyPr rtlCol="0" anchor="ctr"/>
+          <a:lstStyle/>
+          <a:p>
+            <a:pPr algn="ctr"/>
+            <a:endParaRPr lang="en-US"/>
+          </a:p>
+        </p:txBody>
+      </p:sp>
+      <p:sp>
+        <p:nvSpPr>
+          <p:cNvPr id="113" name="Oval 112"/>
+          <p:cNvSpPr>
+            <a:spLocks noChangeAspect="1"/>
+          </p:cNvSpPr>
+          <p:nvPr/>
+        </p:nvSpPr>
+        <p:spPr>
+          <a:xfrm>
+            <a:off x="7494455" y="3696125"/>
+            <a:ext cx="738345" cy="553759"/>
+          </a:xfrm>
+          <a:prstGeom prst="ellipse">
+            <a:avLst/>
+          </a:prstGeom>
+          <a:solidFill>
+            <a:schemeClr val="accent3">
+              <a:lumMod val="60000"/>
+              <a:lumOff val="40000"/>
+              <a:alpha val="5000"/>
+            </a:schemeClr>
+          </a:solidFill>
+          <a:ln w="12700" cap="rnd" cmpd="sng" algn="ctr">
+            <a:solidFill>
+              <a:schemeClr val="accent3">
+                <a:lumMod val="60000"/>
+                <a:lumOff val="40000"/>
+                <a:alpha val="15000"/>
+              </a:schemeClr>
+            </a:solidFill>
+            <a:prstDash val="solid"/>
+            <a:round/>
+            <a:headEnd type="none" w="med" len="med"/>
+            <a:tailEnd type="none" w="med" len="med"/>
+          </a:ln>
+          <a:effectLst/>
+        </p:spPr>
+        <p:style>
+          <a:lnRef idx="3">
+            <a:schemeClr val="lt1"/>
+          </a:lnRef>
+          <a:fillRef idx="1">
+            <a:schemeClr val="accent3"/>
+          </a:fillRef>
+          <a:effectRef idx="1">
+            <a:schemeClr val="accent3"/>
+          </a:effectRef>
+          <a:fontRef idx="minor">
+            <a:schemeClr val="lt1"/>
+          </a:fontRef>
+        </p:style>
+        <p:txBody>
+          <a:bodyPr rtlCol="0" anchor="ctr"/>
+          <a:lstStyle/>
+          <a:p>
+            <a:pPr algn="ctr"/>
+            <a:endParaRPr lang="en-US"/>
+          </a:p>
+        </p:txBody>
+      </p:sp>
+      <p:sp>
+        <p:nvSpPr>
+          <p:cNvPr id="114" name="Oval 113"/>
+          <p:cNvSpPr>
+            <a:spLocks noChangeAspect="1"/>
+          </p:cNvSpPr>
+          <p:nvPr/>
+        </p:nvSpPr>
+        <p:spPr>
+          <a:xfrm>
+            <a:off x="8229034" y="4249883"/>
+            <a:ext cx="605634" cy="454226"/>
+          </a:xfrm>
+          <a:prstGeom prst="ellipse">
+            <a:avLst/>
+          </a:prstGeom>
+          <a:solidFill>
+            <a:schemeClr val="accent3">
+              <a:lumMod val="60000"/>
+              <a:lumOff val="40000"/>
+              <a:alpha val="5000"/>
+            </a:schemeClr>
+          </a:solidFill>
+          <a:ln w="63500" cap="rnd" cmpd="sng" algn="ctr">
+            <a:solidFill>
+              <a:schemeClr val="accent3">
+                <a:lumMod val="60000"/>
+                <a:lumOff val="40000"/>
+                <a:alpha val="15000"/>
+              </a:schemeClr>
+            </a:solidFill>
+            <a:prstDash val="solid"/>
+            <a:round/>
+            <a:headEnd type="none" w="med" len="med"/>
+            <a:tailEnd type="none" w="med" len="med"/>
+          </a:ln>
+          <a:effectLst>
+            <a:softEdge rad="63500"/>
+          </a:effectLst>
+        </p:spPr>
+        <p:style>
+          <a:lnRef idx="3">
+            <a:schemeClr val="lt1"/>
+          </a:lnRef>
+          <a:fillRef idx="1">
+            <a:schemeClr val="accent3"/>
+          </a:fillRef>
+          <a:effectRef idx="1">
+            <a:schemeClr val="accent3"/>
+          </a:effectRef>
+          <a:fontRef idx="minor">
+            <a:schemeClr val="lt1"/>
+          </a:fontRef>
+        </p:style>
+        <p:txBody>
+          <a:bodyPr rtlCol="0" anchor="ctr"/>
+          <a:lstStyle/>
+          <a:p>
+            <a:pPr algn="ctr"/>
+            <a:endParaRPr lang="en-US"/>
+          </a:p>
+        </p:txBody>
+      </p:sp>
+      <p:sp>
+        <p:nvSpPr>
+          <p:cNvPr id="115" name="Oval 114"/>
+          <p:cNvSpPr>
+            <a:spLocks noChangeAspect="1"/>
+          </p:cNvSpPr>
+          <p:nvPr/>
+        </p:nvSpPr>
+        <p:spPr>
+          <a:xfrm>
+            <a:off x="8078232" y="3073382"/>
+            <a:ext cx="553549" cy="415162"/>
+          </a:xfrm>
+          <a:prstGeom prst="ellipse">
+            <a:avLst/>
+          </a:prstGeom>
+          <a:solidFill>
+            <a:schemeClr val="accent3">
+              <a:lumMod val="60000"/>
+              <a:lumOff val="40000"/>
+              <a:alpha val="5000"/>
+            </a:schemeClr>
+          </a:solidFill>
+          <a:ln w="63500" cap="rnd" cmpd="sng" algn="ctr">
+            <a:solidFill>
+              <a:schemeClr val="accent3">
+                <a:lumMod val="60000"/>
+                <a:lumOff val="40000"/>
+                <a:alpha val="15000"/>
+              </a:schemeClr>
+            </a:solidFill>
+            <a:prstDash val="solid"/>
+            <a:round/>
+            <a:headEnd type="none" w="med" len="med"/>
+            <a:tailEnd type="none" w="med" len="med"/>
+          </a:ln>
+          <a:effectLst>
+            <a:softEdge rad="63500"/>
+          </a:effectLst>
+        </p:spPr>
+        <p:style>
+          <a:lnRef idx="3">
+            <a:schemeClr val="lt1"/>
+          </a:lnRef>
+          <a:fillRef idx="1">
+            <a:schemeClr val="accent3"/>
+          </a:fillRef>
+          <a:effectRef idx="1">
+            <a:schemeClr val="accent3"/>
+          </a:effectRef>
+          <a:fontRef idx="minor">
+            <a:schemeClr val="lt1"/>
+          </a:fontRef>
+        </p:style>
+        <p:txBody>
+          <a:bodyPr rtlCol="0" anchor="ctr"/>
+          <a:lstStyle/>
+          <a:p>
+            <a:pPr algn="ctr"/>
+            <a:endParaRPr lang="en-US"/>
+          </a:p>
+        </p:txBody>
+      </p:sp>
+      <p:sp>
+        <p:nvSpPr>
+          <p:cNvPr id="116" name="Oval 115"/>
+          <p:cNvSpPr>
+            <a:spLocks noChangeAspect="1"/>
+          </p:cNvSpPr>
+          <p:nvPr/>
+        </p:nvSpPr>
+        <p:spPr>
+          <a:xfrm>
+            <a:off x="8411817" y="3793409"/>
+            <a:ext cx="553549" cy="415162"/>
+          </a:xfrm>
+          <a:prstGeom prst="ellipse">
+            <a:avLst/>
+          </a:prstGeom>
+          <a:solidFill>
+            <a:schemeClr val="accent3">
+              <a:lumMod val="60000"/>
+              <a:lumOff val="40000"/>
+              <a:alpha val="5000"/>
+            </a:schemeClr>
+          </a:solidFill>
+          <a:ln w="63500" cap="rnd" cmpd="sng" algn="ctr">
+            <a:solidFill>
+              <a:schemeClr val="accent3">
+                <a:lumMod val="60000"/>
+                <a:lumOff val="40000"/>
+                <a:alpha val="15000"/>
+              </a:schemeClr>
+            </a:solidFill>
+            <a:prstDash val="solid"/>
+            <a:round/>
+            <a:headEnd type="none" w="med" len="med"/>
+            <a:tailEnd type="none" w="med" len="med"/>
+          </a:ln>
+          <a:effectLst>
+            <a:softEdge rad="63500"/>
+          </a:effectLst>
+        </p:spPr>
+        <p:style>
+          <a:lnRef idx="3">
+            <a:schemeClr val="lt1"/>
+          </a:lnRef>
+          <a:fillRef idx="1">
+            <a:schemeClr val="accent3"/>
+          </a:fillRef>
+          <a:effectRef idx="1">
+            <a:schemeClr val="accent3"/>
+          </a:effectRef>
+          <a:fontRef idx="minor">
+            <a:schemeClr val="lt1"/>
+          </a:fontRef>
+        </p:style>
+        <p:txBody>
+          <a:bodyPr rtlCol="0" anchor="ctr"/>
+          <a:lstStyle/>
+          <a:p>
+            <a:pPr algn="ctr"/>
+            <a:endParaRPr lang="en-US"/>
+          </a:p>
+        </p:txBody>
+      </p:sp>
+      <p:sp>
+        <p:nvSpPr>
+          <p:cNvPr id="117" name="Oval 116"/>
+          <p:cNvSpPr>
+            <a:spLocks noChangeAspect="1"/>
+          </p:cNvSpPr>
+          <p:nvPr/>
+        </p:nvSpPr>
+        <p:spPr>
+          <a:xfrm>
+            <a:off x="8688590" y="3592751"/>
+            <a:ext cx="503408" cy="415163"/>
+          </a:xfrm>
+          <a:custGeom>
+            <a:avLst/>
+            <a:gdLst/>
+            <a:ahLst/>
+            <a:cxnLst/>
+            <a:rect l="l" t="t" r="r" b="b"/>
+            <a:pathLst>
+              <a:path w="503408" h="553550">
+                <a:moveTo>
+                  <a:pt x="276775" y="0"/>
+                </a:moveTo>
+                <a:cubicBezTo>
+                  <a:pt x="370698" y="0"/>
+                  <a:pt x="453694" y="46784"/>
+                  <a:pt x="503408" y="118545"/>
+                </a:cubicBezTo>
+                <a:lnTo>
+                  <a:pt x="503408" y="435005"/>
+                </a:lnTo>
+                <a:cubicBezTo>
+                  <a:pt x="453694" y="506767"/>
+                  <a:pt x="370698" y="553550"/>
+                  <a:pt x="276775" y="553550"/>
+                </a:cubicBezTo>
+                <a:cubicBezTo>
+                  <a:pt x="123916" y="553550"/>
+                  <a:pt x="0" y="429634"/>
+                  <a:pt x="0" y="276775"/>
+                </a:cubicBezTo>
+                <a:cubicBezTo>
+                  <a:pt x="0" y="123916"/>
+                  <a:pt x="123916" y="0"/>
+                  <a:pt x="276775" y="0"/>
+                </a:cubicBezTo>
+                <a:close/>
+              </a:path>
+            </a:pathLst>
+          </a:custGeom>
+          <a:solidFill>
+            <a:schemeClr val="accent3">
+              <a:lumMod val="60000"/>
+              <a:lumOff val="40000"/>
+              <a:alpha val="5000"/>
+            </a:schemeClr>
+          </a:solidFill>
+          <a:ln w="63500" cap="rnd" cmpd="sng" algn="ctr">
+            <a:solidFill>
+              <a:schemeClr val="accent3">
+                <a:lumMod val="60000"/>
+                <a:lumOff val="40000"/>
+                <a:alpha val="15000"/>
+              </a:schemeClr>
+            </a:solidFill>
+            <a:prstDash val="solid"/>
+            <a:round/>
+            <a:headEnd type="none" w="med" len="med"/>
+            <a:tailEnd type="none" w="med" len="med"/>
+          </a:ln>
+          <a:effectLst>
+            <a:softEdge rad="63500"/>
+          </a:effectLst>
+        </p:spPr>
+        <p:style>
+          <a:lnRef idx="3">
+            <a:schemeClr val="lt1"/>
+          </a:lnRef>
+          <a:fillRef idx="1">
+            <a:schemeClr val="accent3"/>
+          </a:fillRef>
+          <a:effectRef idx="1">
+            <a:schemeClr val="accent3"/>
+          </a:effectRef>
+          <a:fontRef idx="minor">
+            <a:schemeClr val="lt1"/>
+          </a:fontRef>
+        </p:style>
+        <p:txBody>
+          <a:bodyPr rtlCol="0" anchor="ctr"/>
+          <a:lstStyle/>
+          <a:p>
+            <a:pPr algn="ctr"/>
+            <a:endParaRPr lang="en-US"/>
+          </a:p>
+        </p:txBody>
+      </p:sp>
+      <p:sp>
+        <p:nvSpPr>
+          <p:cNvPr id="2" name="Title Placeholder 1"/>
           <p:cNvSpPr>
             <a:spLocks noGrp="1"/>
           </p:cNvSpPr>
@@ -2608,8 +7028,8 @@
         </p:nvSpPr>
         <p:spPr>
           <a:xfrm>
-            <a:off x="457200" y="274638"/>
-            <a:ext cx="8229600" cy="1143000"/>
+            <a:off x="1009443" y="506794"/>
+            <a:ext cx="7125113" cy="693356"/>
           </a:xfrm>
           <a:prstGeom prst="rect">
             <a:avLst/>
@@ -2617,7 +7037,7 @@
         </p:spPr>
         <p:txBody>
           <a:bodyPr vert="horz" lIns="91440" tIns="45720" rIns="91440" bIns="45720" rtlCol="0" anchor="ctr">
-            <a:normAutofit/>
+            <a:noAutofit/>
           </a:bodyPr>
           <a:lstStyle/>
           <a:p>
@@ -2625,13 +7045,13 @@
               <a:rPr lang="de-DE" smtClean="0"/>
               <a:t>Titelmasterformat durch Klicken bearbeiten</a:t>
             </a:r>
-            <a:endParaRPr lang="de-DE"/>
-          </a:p>
-        </p:txBody>
-      </p:sp>
-      <p:sp>
-        <p:nvSpPr>
-          <p:cNvPr id="3" name="Textplatzhalter 2"/>
+            <a:endParaRPr lang="en-US" dirty="0"/>
+          </a:p>
+        </p:txBody>
+      </p:sp>
+      <p:sp>
+        <p:nvSpPr>
+          <p:cNvPr id="3" name="Text Placeholder 2"/>
           <p:cNvSpPr>
             <a:spLocks noGrp="1"/>
           </p:cNvSpPr>
@@ -2641,15 +7061,15 @@
         </p:nvSpPr>
         <p:spPr>
           <a:xfrm>
-            <a:off x="457200" y="1600200"/>
-            <a:ext cx="8229600" cy="4525963"/>
+            <a:off x="1009443" y="1355521"/>
+            <a:ext cx="7125112" cy="3038578"/>
           </a:xfrm>
           <a:prstGeom prst="rect">
             <a:avLst/>
           </a:prstGeom>
         </p:spPr>
         <p:txBody>
-          <a:bodyPr vert="horz" lIns="91440" tIns="45720" rIns="91440" bIns="45720" rtlCol="0">
+          <a:bodyPr vert="horz" lIns="91440" tIns="45720" rIns="91440" bIns="45720" rtlCol="0" anchor="ctr">
             <a:normAutofit/>
           </a:bodyPr>
           <a:lstStyle/>
@@ -2687,13 +7107,13 @@
               <a:rPr lang="de-DE" smtClean="0"/>
               <a:t>Fünfte Ebene</a:t>
             </a:r>
-            <a:endParaRPr lang="de-DE"/>
-          </a:p>
-        </p:txBody>
-      </p:sp>
-      <p:sp>
-        <p:nvSpPr>
-          <p:cNvPr id="4" name="Datumsplatzhalter 3"/>
+            <a:endParaRPr lang="en-US"/>
+          </a:p>
+        </p:txBody>
+      </p:sp>
+      <p:sp>
+        <p:nvSpPr>
+          <p:cNvPr id="4" name="Date Placeholder 3"/>
           <p:cNvSpPr>
             <a:spLocks noGrp="1"/>
           </p:cNvSpPr>
@@ -2703,18 +7123,18 @@
         </p:nvSpPr>
         <p:spPr>
           <a:xfrm>
-            <a:off x="457200" y="6356350"/>
-            <a:ext cx="2133600" cy="365125"/>
+            <a:off x="6437344" y="4463858"/>
+            <a:ext cx="2133600" cy="273844"/>
           </a:xfrm>
           <a:prstGeom prst="rect">
             <a:avLst/>
           </a:prstGeom>
         </p:spPr>
         <p:txBody>
-          <a:bodyPr vert="horz" lIns="91440" tIns="45720" rIns="91440" bIns="45720" rtlCol="0" anchor="ctr"/>
+          <a:bodyPr vert="horz" lIns="91440" tIns="45720" rIns="91440" bIns="45720" rtlCol="0" anchor="b"/>
           <a:lstStyle>
-            <a:lvl1pPr algn="l">
-              <a:defRPr sz="1200">
+            <a:lvl1pPr algn="r">
+              <a:defRPr sz="900">
                 <a:solidFill>
                   <a:schemeClr val="tx1">
                     <a:tint val="75000"/>
@@ -2734,7 +7154,7 @@
       </p:sp>
       <p:sp>
         <p:nvSpPr>
-          <p:cNvPr id="5" name="Fußzeilenplatzhalter 4"/>
+          <p:cNvPr id="5" name="Footer Placeholder 4"/>
           <p:cNvSpPr>
             <a:spLocks noGrp="1"/>
           </p:cNvSpPr>
@@ -2744,18 +7164,18 @@
         </p:nvSpPr>
         <p:spPr>
           <a:xfrm>
-            <a:off x="3124200" y="6356350"/>
-            <a:ext cx="2895600" cy="365125"/>
+            <a:off x="1180946" y="4463858"/>
+            <a:ext cx="5256399" cy="273844"/>
           </a:xfrm>
           <a:prstGeom prst="rect">
             <a:avLst/>
           </a:prstGeom>
         </p:spPr>
         <p:txBody>
-          <a:bodyPr vert="horz" lIns="91440" tIns="45720" rIns="91440" bIns="45720" rtlCol="0" anchor="ctr"/>
+          <a:bodyPr vert="horz" lIns="91440" tIns="45720" rIns="91440" bIns="45720" rtlCol="0" anchor="b"/>
           <a:lstStyle>
-            <a:lvl1pPr algn="ctr">
-              <a:defRPr sz="1200">
+            <a:lvl1pPr algn="l">
+              <a:defRPr sz="900">
                 <a:solidFill>
                   <a:schemeClr val="tx1">
                     <a:tint val="75000"/>
@@ -2771,7 +7191,7 @@
       </p:sp>
       <p:sp>
         <p:nvSpPr>
-          <p:cNvPr id="6" name="Foliennummernplatzhalter 5"/>
+          <p:cNvPr id="6" name="Slide Number Placeholder 5"/>
           <p:cNvSpPr>
             <a:spLocks noGrp="1"/>
           </p:cNvSpPr>
@@ -2781,18 +7201,18 @@
         </p:nvSpPr>
         <p:spPr>
           <a:xfrm>
-            <a:off x="6553200" y="6356350"/>
-            <a:ext cx="2133600" cy="365125"/>
+            <a:off x="572659" y="4463858"/>
+            <a:ext cx="608287" cy="273844"/>
           </a:xfrm>
           <a:prstGeom prst="rect">
             <a:avLst/>
           </a:prstGeom>
         </p:spPr>
         <p:txBody>
-          <a:bodyPr vert="horz" lIns="91440" tIns="45720" rIns="91440" bIns="45720" rtlCol="0" anchor="ctr"/>
+          <a:bodyPr vert="horz" lIns="91440" tIns="45720" rIns="91440" bIns="45720" rtlCol="0" anchor="b"/>
           <a:lstStyle>
-            <a:lvl1pPr algn="r">
-              <a:defRPr sz="1200">
+            <a:lvl1pPr algn="l">
+              <a:defRPr sz="1800">
                 <a:solidFill>
                   <a:schemeClr val="tx1">
                     <a:tint val="75000"/>
@@ -2810,52 +7230,758 @@
           </a:p>
         </p:txBody>
       </p:sp>
+      <p:sp>
+        <p:nvSpPr>
+          <p:cNvPr id="55" name="Oval 54"/>
+          <p:cNvSpPr>
+            <a:spLocks noChangeAspect="1"/>
+          </p:cNvSpPr>
+          <p:nvPr/>
+        </p:nvSpPr>
+        <p:spPr>
+          <a:xfrm>
+            <a:off x="1583172" y="4090667"/>
+            <a:ext cx="1909234" cy="1101501"/>
+          </a:xfrm>
+          <a:custGeom>
+            <a:avLst/>
+            <a:gdLst/>
+            <a:ahLst/>
+            <a:cxnLst/>
+            <a:rect l="l" t="t" r="r" b="b"/>
+            <a:pathLst>
+              <a:path w="1909234" h="1468668">
+                <a:moveTo>
+                  <a:pt x="954617" y="0"/>
+                </a:moveTo>
+                <a:cubicBezTo>
+                  <a:pt x="1481837" y="0"/>
+                  <a:pt x="1909234" y="427397"/>
+                  <a:pt x="1909234" y="954617"/>
+                </a:cubicBezTo>
+                <a:cubicBezTo>
+                  <a:pt x="1909234" y="1144075"/>
+                  <a:pt x="1854043" y="1320642"/>
+                  <a:pt x="1758159" y="1468668"/>
+                </a:cubicBezTo>
+                <a:lnTo>
+                  <a:pt x="151075" y="1468668"/>
+                </a:lnTo>
+                <a:cubicBezTo>
+                  <a:pt x="55192" y="1320642"/>
+                  <a:pt x="0" y="1144075"/>
+                  <a:pt x="0" y="954617"/>
+                </a:cubicBezTo>
+                <a:cubicBezTo>
+                  <a:pt x="0" y="427397"/>
+                  <a:pt x="427397" y="0"/>
+                  <a:pt x="954617" y="0"/>
+                </a:cubicBezTo>
+                <a:close/>
+              </a:path>
+            </a:pathLst>
+          </a:custGeom>
+          <a:solidFill>
+            <a:schemeClr val="tx2">
+              <a:lumMod val="75000"/>
+              <a:alpha val="8000"/>
+            </a:schemeClr>
+          </a:solidFill>
+          <a:ln w="330200" cap="rnd" cmpd="sng" algn="ctr">
+            <a:solidFill>
+              <a:schemeClr val="accent3">
+                <a:lumMod val="60000"/>
+                <a:lumOff val="40000"/>
+                <a:alpha val="0"/>
+              </a:schemeClr>
+            </a:solidFill>
+            <a:prstDash val="solid"/>
+            <a:round/>
+            <a:headEnd type="none" w="med" len="med"/>
+            <a:tailEnd type="none" w="med" len="med"/>
+          </a:ln>
+          <a:effectLst>
+            <a:softEdge rad="317500"/>
+          </a:effectLst>
+        </p:spPr>
+        <p:style>
+          <a:lnRef idx="3">
+            <a:schemeClr val="lt1"/>
+          </a:lnRef>
+          <a:fillRef idx="1">
+            <a:schemeClr val="accent3"/>
+          </a:fillRef>
+          <a:effectRef idx="1">
+            <a:schemeClr val="accent3"/>
+          </a:effectRef>
+          <a:fontRef idx="minor">
+            <a:schemeClr val="lt1"/>
+          </a:fontRef>
+        </p:style>
+        <p:txBody>
+          <a:bodyPr rtlCol="0" anchor="ctr"/>
+          <a:lstStyle/>
+          <a:p>
+            <a:pPr algn="ctr"/>
+            <a:endParaRPr lang="en-US">
+              <a:ln w="317500">
+                <a:solidFill>
+                  <a:schemeClr val="tx1"/>
+                </a:solidFill>
+              </a:ln>
+            </a:endParaRPr>
+          </a:p>
+        </p:txBody>
+      </p:sp>
+      <p:sp>
+        <p:nvSpPr>
+          <p:cNvPr id="57" name="Oval 56"/>
+          <p:cNvSpPr>
+            <a:spLocks noChangeAspect="1"/>
+          </p:cNvSpPr>
+          <p:nvPr/>
+        </p:nvSpPr>
+        <p:spPr>
+          <a:xfrm>
+            <a:off x="8570944" y="2537206"/>
+            <a:ext cx="306310" cy="229733"/>
+          </a:xfrm>
+          <a:prstGeom prst="ellipse">
+            <a:avLst/>
+          </a:prstGeom>
+          <a:solidFill>
+            <a:schemeClr val="accent3">
+              <a:lumMod val="60000"/>
+              <a:lumOff val="40000"/>
+              <a:alpha val="5000"/>
+            </a:schemeClr>
+          </a:solidFill>
+          <a:ln w="63500" cap="rnd" cmpd="sng" algn="ctr">
+            <a:solidFill>
+              <a:schemeClr val="accent3">
+                <a:lumMod val="60000"/>
+                <a:lumOff val="40000"/>
+                <a:alpha val="15000"/>
+              </a:schemeClr>
+            </a:solidFill>
+            <a:prstDash val="solid"/>
+            <a:round/>
+            <a:headEnd type="none" w="med" len="med"/>
+            <a:tailEnd type="none" w="med" len="med"/>
+          </a:ln>
+          <a:effectLst>
+            <a:softEdge rad="63500"/>
+          </a:effectLst>
+        </p:spPr>
+        <p:style>
+          <a:lnRef idx="3">
+            <a:schemeClr val="lt1"/>
+          </a:lnRef>
+          <a:fillRef idx="1">
+            <a:schemeClr val="accent3"/>
+          </a:fillRef>
+          <a:effectRef idx="1">
+            <a:schemeClr val="accent3"/>
+          </a:effectRef>
+          <a:fontRef idx="minor">
+            <a:schemeClr val="lt1"/>
+          </a:fontRef>
+        </p:style>
+        <p:txBody>
+          <a:bodyPr rtlCol="0" anchor="ctr"/>
+          <a:lstStyle/>
+          <a:p>
+            <a:pPr algn="ctr"/>
+            <a:endParaRPr lang="en-US"/>
+          </a:p>
+        </p:txBody>
+      </p:sp>
+      <p:sp>
+        <p:nvSpPr>
+          <p:cNvPr id="58" name="Oval 57"/>
+          <p:cNvSpPr>
+            <a:spLocks noChangeAspect="1"/>
+          </p:cNvSpPr>
+          <p:nvPr/>
+        </p:nvSpPr>
+        <p:spPr>
+          <a:xfrm>
+            <a:off x="8398204" y="2652073"/>
+            <a:ext cx="306310" cy="229733"/>
+          </a:xfrm>
+          <a:prstGeom prst="ellipse">
+            <a:avLst/>
+          </a:prstGeom>
+          <a:solidFill>
+            <a:schemeClr val="accent3">
+              <a:lumMod val="60000"/>
+              <a:lumOff val="40000"/>
+              <a:alpha val="5000"/>
+            </a:schemeClr>
+          </a:solidFill>
+          <a:ln w="63500" cap="rnd" cmpd="sng" algn="ctr">
+            <a:solidFill>
+              <a:schemeClr val="accent3">
+                <a:lumMod val="60000"/>
+                <a:lumOff val="40000"/>
+                <a:alpha val="15000"/>
+              </a:schemeClr>
+            </a:solidFill>
+            <a:prstDash val="solid"/>
+            <a:round/>
+            <a:headEnd type="none" w="med" len="med"/>
+            <a:tailEnd type="none" w="med" len="med"/>
+          </a:ln>
+          <a:effectLst>
+            <a:softEdge rad="63500"/>
+          </a:effectLst>
+        </p:spPr>
+        <p:style>
+          <a:lnRef idx="3">
+            <a:schemeClr val="lt1"/>
+          </a:lnRef>
+          <a:fillRef idx="1">
+            <a:schemeClr val="accent3"/>
+          </a:fillRef>
+          <a:effectRef idx="1">
+            <a:schemeClr val="accent3"/>
+          </a:effectRef>
+          <a:fontRef idx="minor">
+            <a:schemeClr val="lt1"/>
+          </a:fontRef>
+        </p:style>
+        <p:txBody>
+          <a:bodyPr rtlCol="0" anchor="ctr"/>
+          <a:lstStyle/>
+          <a:p>
+            <a:pPr algn="ctr"/>
+            <a:endParaRPr lang="en-US"/>
+          </a:p>
+        </p:txBody>
+      </p:sp>
+      <p:sp>
+        <p:nvSpPr>
+          <p:cNvPr id="59" name="Oval 58"/>
+          <p:cNvSpPr>
+            <a:spLocks noChangeAspect="1"/>
+          </p:cNvSpPr>
+          <p:nvPr/>
+        </p:nvSpPr>
+        <p:spPr>
+          <a:xfrm>
+            <a:off x="8608408" y="2766373"/>
+            <a:ext cx="306310" cy="229733"/>
+          </a:xfrm>
+          <a:prstGeom prst="ellipse">
+            <a:avLst/>
+          </a:prstGeom>
+          <a:solidFill>
+            <a:schemeClr val="accent3">
+              <a:lumMod val="60000"/>
+              <a:lumOff val="40000"/>
+              <a:alpha val="5000"/>
+            </a:schemeClr>
+          </a:solidFill>
+          <a:ln w="63500" cap="rnd" cmpd="sng" algn="ctr">
+            <a:solidFill>
+              <a:schemeClr val="accent3">
+                <a:lumMod val="60000"/>
+                <a:lumOff val="40000"/>
+                <a:alpha val="15000"/>
+              </a:schemeClr>
+            </a:solidFill>
+            <a:prstDash val="solid"/>
+            <a:round/>
+            <a:headEnd type="none" w="med" len="med"/>
+            <a:tailEnd type="none" w="med" len="med"/>
+          </a:ln>
+          <a:effectLst>
+            <a:softEdge rad="63500"/>
+          </a:effectLst>
+        </p:spPr>
+        <p:style>
+          <a:lnRef idx="3">
+            <a:schemeClr val="lt1"/>
+          </a:lnRef>
+          <a:fillRef idx="1">
+            <a:schemeClr val="accent3"/>
+          </a:fillRef>
+          <a:effectRef idx="1">
+            <a:schemeClr val="accent3"/>
+          </a:effectRef>
+          <a:fontRef idx="minor">
+            <a:schemeClr val="lt1"/>
+          </a:fontRef>
+        </p:style>
+        <p:txBody>
+          <a:bodyPr rtlCol="0" anchor="ctr"/>
+          <a:lstStyle/>
+          <a:p>
+            <a:pPr algn="ctr"/>
+            <a:endParaRPr lang="en-US"/>
+          </a:p>
+        </p:txBody>
+      </p:sp>
+      <p:sp>
+        <p:nvSpPr>
+          <p:cNvPr id="60" name="Oval 59"/>
+          <p:cNvSpPr>
+            <a:spLocks noChangeAspect="1"/>
+          </p:cNvSpPr>
+          <p:nvPr/>
+        </p:nvSpPr>
+        <p:spPr>
+          <a:xfrm>
+            <a:off x="154677" y="2024197"/>
+            <a:ext cx="467627" cy="350720"/>
+          </a:xfrm>
+          <a:prstGeom prst="ellipse">
+            <a:avLst/>
+          </a:prstGeom>
+          <a:solidFill>
+            <a:schemeClr val="accent3">
+              <a:lumMod val="60000"/>
+              <a:lumOff val="40000"/>
+              <a:alpha val="5000"/>
+            </a:schemeClr>
+          </a:solidFill>
+          <a:ln w="12700" cap="rnd" cmpd="sng" algn="ctr">
+            <a:solidFill>
+              <a:schemeClr val="accent3">
+                <a:lumMod val="60000"/>
+                <a:lumOff val="40000"/>
+                <a:alpha val="15000"/>
+              </a:schemeClr>
+            </a:solidFill>
+            <a:prstDash val="solid"/>
+            <a:round/>
+            <a:headEnd type="none" w="med" len="med"/>
+            <a:tailEnd type="none" w="med" len="med"/>
+          </a:ln>
+          <a:effectLst/>
+        </p:spPr>
+        <p:style>
+          <a:lnRef idx="3">
+            <a:schemeClr val="lt1"/>
+          </a:lnRef>
+          <a:fillRef idx="1">
+            <a:schemeClr val="accent3"/>
+          </a:fillRef>
+          <a:effectRef idx="1">
+            <a:schemeClr val="accent3"/>
+          </a:effectRef>
+          <a:fontRef idx="minor">
+            <a:schemeClr val="lt1"/>
+          </a:fontRef>
+        </p:style>
+        <p:txBody>
+          <a:bodyPr rtlCol="0" anchor="ctr"/>
+          <a:lstStyle/>
+          <a:p>
+            <a:pPr algn="ctr"/>
+            <a:endParaRPr lang="en-US"/>
+          </a:p>
+        </p:txBody>
+      </p:sp>
+      <p:sp>
+        <p:nvSpPr>
+          <p:cNvPr id="61" name="Oval 60"/>
+          <p:cNvSpPr>
+            <a:spLocks noChangeAspect="1"/>
+          </p:cNvSpPr>
+          <p:nvPr/>
+        </p:nvSpPr>
+        <p:spPr>
+          <a:xfrm>
+            <a:off x="474208" y="2374916"/>
+            <a:ext cx="458770" cy="344078"/>
+          </a:xfrm>
+          <a:prstGeom prst="ellipse">
+            <a:avLst/>
+          </a:prstGeom>
+          <a:solidFill>
+            <a:schemeClr val="accent3">
+              <a:lumMod val="60000"/>
+              <a:lumOff val="40000"/>
+              <a:alpha val="5000"/>
+            </a:schemeClr>
+          </a:solidFill>
+          <a:ln w="12700" cap="rnd" cmpd="sng" algn="ctr">
+            <a:solidFill>
+              <a:schemeClr val="accent3">
+                <a:lumMod val="60000"/>
+                <a:lumOff val="40000"/>
+                <a:alpha val="15000"/>
+              </a:schemeClr>
+            </a:solidFill>
+            <a:prstDash val="solid"/>
+            <a:round/>
+            <a:headEnd type="none" w="med" len="med"/>
+            <a:tailEnd type="none" w="med" len="med"/>
+          </a:ln>
+          <a:effectLst/>
+        </p:spPr>
+        <p:style>
+          <a:lnRef idx="3">
+            <a:schemeClr val="lt1"/>
+          </a:lnRef>
+          <a:fillRef idx="1">
+            <a:schemeClr val="accent3"/>
+          </a:fillRef>
+          <a:effectRef idx="1">
+            <a:schemeClr val="accent3"/>
+          </a:effectRef>
+          <a:fontRef idx="minor">
+            <a:schemeClr val="lt1"/>
+          </a:fontRef>
+        </p:style>
+        <p:txBody>
+          <a:bodyPr rtlCol="0" anchor="ctr"/>
+          <a:lstStyle/>
+          <a:p>
+            <a:pPr algn="ctr"/>
+            <a:endParaRPr lang="en-US"/>
+          </a:p>
+        </p:txBody>
+      </p:sp>
+      <p:sp>
+        <p:nvSpPr>
+          <p:cNvPr id="62" name="Oval 61"/>
+          <p:cNvSpPr>
+            <a:spLocks noChangeAspect="1"/>
+          </p:cNvSpPr>
+          <p:nvPr/>
+        </p:nvSpPr>
+        <p:spPr>
+          <a:xfrm>
+            <a:off x="270259" y="2537207"/>
+            <a:ext cx="352045" cy="264034"/>
+          </a:xfrm>
+          <a:prstGeom prst="ellipse">
+            <a:avLst/>
+          </a:prstGeom>
+          <a:solidFill>
+            <a:schemeClr val="accent3">
+              <a:lumMod val="60000"/>
+              <a:lumOff val="40000"/>
+              <a:alpha val="5000"/>
+            </a:schemeClr>
+          </a:solidFill>
+          <a:ln w="63500" cap="rnd" cmpd="sng" algn="ctr">
+            <a:solidFill>
+              <a:schemeClr val="accent3">
+                <a:lumMod val="60000"/>
+                <a:lumOff val="40000"/>
+                <a:alpha val="15000"/>
+              </a:schemeClr>
+            </a:solidFill>
+            <a:prstDash val="solid"/>
+            <a:round/>
+            <a:headEnd type="none" w="med" len="med"/>
+            <a:tailEnd type="none" w="med" len="med"/>
+          </a:ln>
+          <a:effectLst>
+            <a:softEdge rad="63500"/>
+          </a:effectLst>
+        </p:spPr>
+        <p:style>
+          <a:lnRef idx="3">
+            <a:schemeClr val="lt1"/>
+          </a:lnRef>
+          <a:fillRef idx="1">
+            <a:schemeClr val="accent3"/>
+          </a:fillRef>
+          <a:effectRef idx="1">
+            <a:schemeClr val="accent3"/>
+          </a:effectRef>
+          <a:fontRef idx="minor">
+            <a:schemeClr val="lt1"/>
+          </a:fontRef>
+        </p:style>
+        <p:txBody>
+          <a:bodyPr rtlCol="0" anchor="ctr"/>
+          <a:lstStyle/>
+          <a:p>
+            <a:pPr algn="ctr"/>
+            <a:endParaRPr lang="en-US"/>
+          </a:p>
+        </p:txBody>
+      </p:sp>
+      <p:sp>
+        <p:nvSpPr>
+          <p:cNvPr id="63" name="Oval 62"/>
+          <p:cNvSpPr>
+            <a:spLocks noChangeAspect="1"/>
+          </p:cNvSpPr>
+          <p:nvPr/>
+        </p:nvSpPr>
+        <p:spPr>
+          <a:xfrm>
+            <a:off x="-86601" y="1936109"/>
+            <a:ext cx="1360441" cy="1431926"/>
+          </a:xfrm>
+          <a:custGeom>
+            <a:avLst/>
+            <a:gdLst/>
+            <a:ahLst/>
+            <a:cxnLst/>
+            <a:rect l="l" t="t" r="r" b="b"/>
+            <a:pathLst>
+              <a:path w="1360441" h="1909234">
+                <a:moveTo>
+                  <a:pt x="405824" y="0"/>
+                </a:moveTo>
+                <a:cubicBezTo>
+                  <a:pt x="933044" y="0"/>
+                  <a:pt x="1360441" y="427397"/>
+                  <a:pt x="1360441" y="954617"/>
+                </a:cubicBezTo>
+                <a:cubicBezTo>
+                  <a:pt x="1360441" y="1481837"/>
+                  <a:pt x="933044" y="1909234"/>
+                  <a:pt x="405824" y="1909234"/>
+                </a:cubicBezTo>
+                <a:cubicBezTo>
+                  <a:pt x="260527" y="1909234"/>
+                  <a:pt x="122812" y="1876773"/>
+                  <a:pt x="0" y="1817719"/>
+                </a:cubicBezTo>
+                <a:lnTo>
+                  <a:pt x="0" y="91515"/>
+                </a:lnTo>
+                <a:cubicBezTo>
+                  <a:pt x="122812" y="32461"/>
+                  <a:pt x="260527" y="0"/>
+                  <a:pt x="405824" y="0"/>
+                </a:cubicBezTo>
+                <a:close/>
+              </a:path>
+            </a:pathLst>
+          </a:custGeom>
+          <a:solidFill>
+            <a:schemeClr val="tx2">
+              <a:lumMod val="75000"/>
+              <a:alpha val="8000"/>
+            </a:schemeClr>
+          </a:solidFill>
+          <a:ln w="330200" cap="rnd" cmpd="sng" algn="ctr">
+            <a:solidFill>
+              <a:schemeClr val="accent3">
+                <a:lumMod val="60000"/>
+                <a:lumOff val="40000"/>
+                <a:alpha val="0"/>
+              </a:schemeClr>
+            </a:solidFill>
+            <a:prstDash val="solid"/>
+            <a:round/>
+            <a:headEnd type="none" w="med" len="med"/>
+            <a:tailEnd type="none" w="med" len="med"/>
+          </a:ln>
+          <a:effectLst>
+            <a:softEdge rad="317500"/>
+          </a:effectLst>
+        </p:spPr>
+        <p:style>
+          <a:lnRef idx="3">
+            <a:schemeClr val="lt1"/>
+          </a:lnRef>
+          <a:fillRef idx="1">
+            <a:schemeClr val="accent3"/>
+          </a:fillRef>
+          <a:effectRef idx="1">
+            <a:schemeClr val="accent3"/>
+          </a:effectRef>
+          <a:fontRef idx="minor">
+            <a:schemeClr val="lt1"/>
+          </a:fontRef>
+        </p:style>
+        <p:txBody>
+          <a:bodyPr rtlCol="0" anchor="ctr"/>
+          <a:lstStyle/>
+          <a:p>
+            <a:pPr algn="ctr"/>
+            <a:endParaRPr lang="en-US">
+              <a:ln w="317500">
+                <a:solidFill>
+                  <a:schemeClr val="tx1"/>
+                </a:solidFill>
+              </a:ln>
+            </a:endParaRPr>
+          </a:p>
+        </p:txBody>
+      </p:sp>
+      <p:sp>
+        <p:nvSpPr>
+          <p:cNvPr id="64" name="Oval 63"/>
+          <p:cNvSpPr>
+            <a:spLocks noChangeAspect="1"/>
+          </p:cNvSpPr>
+          <p:nvPr/>
+        </p:nvSpPr>
+        <p:spPr>
+          <a:xfrm>
+            <a:off x="6173124" y="1796562"/>
+            <a:ext cx="1218253" cy="913690"/>
+          </a:xfrm>
+          <a:prstGeom prst="ellipse">
+            <a:avLst/>
+          </a:prstGeom>
+          <a:solidFill>
+            <a:schemeClr val="tx2">
+              <a:lumMod val="75000"/>
+              <a:alpha val="10000"/>
+            </a:schemeClr>
+          </a:solidFill>
+          <a:ln w="177800" cap="rnd" cmpd="sng" algn="ctr">
+            <a:solidFill>
+              <a:schemeClr val="tx2">
+                <a:lumMod val="60000"/>
+                <a:lumOff val="40000"/>
+                <a:alpha val="0"/>
+              </a:schemeClr>
+            </a:solidFill>
+            <a:prstDash val="solid"/>
+            <a:round/>
+            <a:headEnd type="none" w="med" len="med"/>
+            <a:tailEnd type="none" w="med" len="med"/>
+          </a:ln>
+          <a:effectLst>
+            <a:softEdge rad="152400"/>
+          </a:effectLst>
+        </p:spPr>
+        <p:style>
+          <a:lnRef idx="3">
+            <a:schemeClr val="lt1"/>
+          </a:lnRef>
+          <a:fillRef idx="1">
+            <a:schemeClr val="accent3"/>
+          </a:fillRef>
+          <a:effectRef idx="1">
+            <a:schemeClr val="accent3"/>
+          </a:effectRef>
+          <a:fontRef idx="minor">
+            <a:schemeClr val="lt1"/>
+          </a:fontRef>
+        </p:style>
+        <p:txBody>
+          <a:bodyPr rtlCol="0" anchor="ctr"/>
+          <a:lstStyle/>
+          <a:p>
+            <a:pPr algn="ctr"/>
+            <a:endParaRPr lang="en-US"/>
+          </a:p>
+        </p:txBody>
+      </p:sp>
     </p:spTree>
-    <p:extLst>
-      <p:ext uri="{BB962C8B-B14F-4D97-AF65-F5344CB8AC3E}">
-        <p14:creationId xmlns:p14="http://schemas.microsoft.com/office/powerpoint/2010/main" val="3390809882"/>
-      </p:ext>
-    </p:extLst>
   </p:cSld>
-  <p:clrMap bg1="lt1" tx1="dk1" bg2="lt2" tx2="dk2" accent1="accent1" accent2="accent2" accent3="accent3" accent4="accent4" accent5="accent5" accent6="accent6" hlink="hlink" folHlink="folHlink"/>
+  <p:clrMap bg1="dk1" tx1="lt1" bg2="dk2" tx2="lt2" accent1="accent1" accent2="accent2" accent3="accent3" accent4="accent4" accent5="accent5" accent6="accent6" hlink="hlink" folHlink="folHlink"/>
   <p:sldLayoutIdLst>
-    <p:sldLayoutId id="2147483649" r:id="rId1"/>
-    <p:sldLayoutId id="2147483650" r:id="rId2"/>
-    <p:sldLayoutId id="2147483651" r:id="rId3"/>
-    <p:sldLayoutId id="2147483652" r:id="rId4"/>
-    <p:sldLayoutId id="2147483653" r:id="rId5"/>
-    <p:sldLayoutId id="2147483654" r:id="rId6"/>
-    <p:sldLayoutId id="2147483655" r:id="rId7"/>
-    <p:sldLayoutId id="2147483656" r:id="rId8"/>
-    <p:sldLayoutId id="2147483657" r:id="rId9"/>
-    <p:sldLayoutId id="2147483658" r:id="rId10"/>
-    <p:sldLayoutId id="2147483659" r:id="rId11"/>
+    <p:sldLayoutId id="2147483925" r:id="rId1"/>
+    <p:sldLayoutId id="2147483926" r:id="rId2"/>
+    <p:sldLayoutId id="2147483927" r:id="rId3"/>
+    <p:sldLayoutId id="2147483928" r:id="rId4"/>
+    <p:sldLayoutId id="2147483929" r:id="rId5"/>
+    <p:sldLayoutId id="2147483930" r:id="rId6"/>
+    <p:sldLayoutId id="2147483931" r:id="rId7"/>
+    <p:sldLayoutId id="2147483932" r:id="rId8"/>
+    <p:sldLayoutId id="2147483933" r:id="rId9"/>
+    <p:sldLayoutId id="2147483934" r:id="rId10"/>
+    <p:sldLayoutId id="2147483935" r:id="rId11"/>
   </p:sldLayoutIdLst>
+  <p:timing>
+    <p:tnLst>
+      <p:par>
+        <p:cTn id="1" dur="indefinite" restart="never" nodeType="tmRoot"/>
+      </p:par>
+    </p:tnLst>
+  </p:timing>
   <p:txStyles>
     <p:titleStyle>
-      <a:lvl1pPr algn="ctr" defTabSz="914400" rtl="0" eaLnBrk="1" latinLnBrk="0" hangingPunct="1">
+      <a:lvl1pPr algn="l" defTabSz="457200" rtl="0" eaLnBrk="1" latinLnBrk="0" hangingPunct="1">
         <a:spcBef>
           <a:spcPct val="0"/>
         </a:spcBef>
         <a:buNone/>
-        <a:defRPr sz="4400" kern="1200">
+        <a:defRPr sz="3200" kern="1200">
           <a:solidFill>
             <a:schemeClr val="tx1"/>
           </a:solidFill>
           <a:latin typeface="+mj-lt"/>
           <a:ea typeface="+mj-ea"/>
-          <a:cs typeface="+mj-cs"/>
+          <a:cs typeface="Trebuchet MS"/>
         </a:defRPr>
       </a:lvl1pPr>
+      <a:lvl2pPr eaLnBrk="1" hangingPunct="1">
+        <a:defRPr>
+          <a:solidFill>
+            <a:schemeClr val="tx2"/>
+          </a:solidFill>
+        </a:defRPr>
+      </a:lvl2pPr>
+      <a:lvl3pPr eaLnBrk="1" hangingPunct="1">
+        <a:defRPr>
+          <a:solidFill>
+            <a:schemeClr val="tx2"/>
+          </a:solidFill>
+        </a:defRPr>
+      </a:lvl3pPr>
+      <a:lvl4pPr eaLnBrk="1" hangingPunct="1">
+        <a:defRPr>
+          <a:solidFill>
+            <a:schemeClr val="tx2"/>
+          </a:solidFill>
+        </a:defRPr>
+      </a:lvl4pPr>
+      <a:lvl5pPr eaLnBrk="1" hangingPunct="1">
+        <a:defRPr>
+          <a:solidFill>
+            <a:schemeClr val="tx2"/>
+          </a:solidFill>
+        </a:defRPr>
+      </a:lvl5pPr>
+      <a:lvl6pPr eaLnBrk="1" hangingPunct="1">
+        <a:defRPr>
+          <a:solidFill>
+            <a:schemeClr val="tx2"/>
+          </a:solidFill>
+        </a:defRPr>
+      </a:lvl6pPr>
+      <a:lvl7pPr eaLnBrk="1" hangingPunct="1">
+        <a:defRPr>
+          <a:solidFill>
+            <a:schemeClr val="tx2"/>
+          </a:solidFill>
+        </a:defRPr>
+      </a:lvl7pPr>
+      <a:lvl8pPr eaLnBrk="1" hangingPunct="1">
+        <a:defRPr>
+          <a:solidFill>
+            <a:schemeClr val="tx2"/>
+          </a:solidFill>
+        </a:defRPr>
+      </a:lvl8pPr>
+      <a:lvl9pPr eaLnBrk="1" hangingPunct="1">
+        <a:defRPr>
+          <a:solidFill>
+            <a:schemeClr val="tx2"/>
+          </a:solidFill>
+        </a:defRPr>
+      </a:lvl9pPr>
     </p:titleStyle>
     <p:bodyStyle>
-      <a:lvl1pPr marL="342900" indent="-342900" algn="l" defTabSz="914400" rtl="0" eaLnBrk="1" latinLnBrk="0" hangingPunct="1">
+      <a:lvl1pPr marL="342900" indent="-342900" algn="l" defTabSz="457200" rtl="0" eaLnBrk="1" latinLnBrk="0" hangingPunct="1">
         <a:spcBef>
           <a:spcPct val="20000"/>
         </a:spcBef>
-        <a:buFont typeface="Arial" pitchFamily="34" charset="0"/>
-        <a:buChar char="•"/>
-        <a:defRPr sz="3200" kern="1200">
+        <a:spcAft>
+          <a:spcPts val="600"/>
+        </a:spcAft>
+        <a:buClr>
+          <a:schemeClr val="tx2"/>
+        </a:buClr>
+        <a:buFont typeface="Wingdings 2" charset="2"/>
+        <a:buChar char=""/>
+        <a:defRPr sz="1800" kern="1200">
           <a:solidFill>
             <a:schemeClr val="tx1"/>
           </a:solidFill>
@@ -2864,13 +7990,19 @@
           <a:cs typeface="+mn-cs"/>
         </a:defRPr>
       </a:lvl1pPr>
-      <a:lvl2pPr marL="742950" indent="-285750" algn="l" defTabSz="914400" rtl="0" eaLnBrk="1" latinLnBrk="0" hangingPunct="1">
+      <a:lvl2pPr marL="742950" indent="-285750" algn="l" defTabSz="457200" rtl="0" eaLnBrk="1" latinLnBrk="0" hangingPunct="1">
         <a:spcBef>
           <a:spcPct val="20000"/>
         </a:spcBef>
-        <a:buFont typeface="Arial" pitchFamily="34" charset="0"/>
-        <a:buChar char="–"/>
-        <a:defRPr sz="2800" kern="1200">
+        <a:spcAft>
+          <a:spcPts val="600"/>
+        </a:spcAft>
+        <a:buClr>
+          <a:schemeClr val="tx2"/>
+        </a:buClr>
+        <a:buFont typeface="Wingdings 2" charset="2"/>
+        <a:buChar char=""/>
+        <a:defRPr sz="1600" kern="1200">
           <a:solidFill>
             <a:schemeClr val="tx1"/>
           </a:solidFill>
@@ -2879,13 +8011,19 @@
           <a:cs typeface="+mn-cs"/>
         </a:defRPr>
       </a:lvl2pPr>
-      <a:lvl3pPr marL="1143000" indent="-228600" algn="l" defTabSz="914400" rtl="0" eaLnBrk="1" latinLnBrk="0" hangingPunct="1">
+      <a:lvl3pPr marL="1143000" indent="-228600" algn="l" defTabSz="457200" rtl="0" eaLnBrk="1" latinLnBrk="0" hangingPunct="1">
         <a:spcBef>
           <a:spcPct val="20000"/>
         </a:spcBef>
-        <a:buFont typeface="Arial" pitchFamily="34" charset="0"/>
-        <a:buChar char="•"/>
-        <a:defRPr sz="2400" kern="1200">
+        <a:spcAft>
+          <a:spcPts val="600"/>
+        </a:spcAft>
+        <a:buClr>
+          <a:schemeClr val="tx2"/>
+        </a:buClr>
+        <a:buFont typeface="Wingdings 2" charset="2"/>
+        <a:buChar char=""/>
+        <a:defRPr sz="1400" kern="1200">
           <a:solidFill>
             <a:schemeClr val="tx1"/>
           </a:solidFill>
@@ -2894,13 +8032,19 @@
           <a:cs typeface="+mn-cs"/>
         </a:defRPr>
       </a:lvl3pPr>
-      <a:lvl4pPr marL="1600200" indent="-228600" algn="l" defTabSz="914400" rtl="0" eaLnBrk="1" latinLnBrk="0" hangingPunct="1">
+      <a:lvl4pPr marL="1600200" indent="-228600" algn="l" defTabSz="457200" rtl="0" eaLnBrk="1" latinLnBrk="0" hangingPunct="1">
         <a:spcBef>
           <a:spcPct val="20000"/>
         </a:spcBef>
-        <a:buFont typeface="Arial" pitchFamily="34" charset="0"/>
-        <a:buChar char="–"/>
-        <a:defRPr sz="2000" kern="1200">
+        <a:spcAft>
+          <a:spcPts val="600"/>
+        </a:spcAft>
+        <a:buClr>
+          <a:schemeClr val="tx2"/>
+        </a:buClr>
+        <a:buFont typeface="Wingdings 2" charset="2"/>
+        <a:buChar char=""/>
+        <a:defRPr sz="1200" kern="1200">
           <a:solidFill>
             <a:schemeClr val="tx1"/>
           </a:solidFill>
@@ -2909,13 +8053,19 @@
           <a:cs typeface="+mn-cs"/>
         </a:defRPr>
       </a:lvl4pPr>
-      <a:lvl5pPr marL="2057400" indent="-228600" algn="l" defTabSz="914400" rtl="0" eaLnBrk="1" latinLnBrk="0" hangingPunct="1">
+      <a:lvl5pPr marL="2057400" indent="-228600" algn="l" defTabSz="457200" rtl="0" eaLnBrk="1" latinLnBrk="0" hangingPunct="1">
         <a:spcBef>
           <a:spcPct val="20000"/>
         </a:spcBef>
-        <a:buFont typeface="Arial" pitchFamily="34" charset="0"/>
-        <a:buChar char="»"/>
-        <a:defRPr sz="2000" kern="1200">
+        <a:spcAft>
+          <a:spcPts val="600"/>
+        </a:spcAft>
+        <a:buClr>
+          <a:schemeClr val="tx2"/>
+        </a:buClr>
+        <a:buFont typeface="Wingdings 2" charset="2"/>
+        <a:buChar char=""/>
+        <a:defRPr sz="1200" kern="1200">
           <a:solidFill>
             <a:schemeClr val="tx1"/>
           </a:solidFill>
@@ -2924,11 +8074,11 @@
           <a:cs typeface="+mn-cs"/>
         </a:defRPr>
       </a:lvl5pPr>
-      <a:lvl6pPr marL="2514600" indent="-228600" algn="l" defTabSz="914400" rtl="0" eaLnBrk="1" latinLnBrk="0" hangingPunct="1">
+      <a:lvl6pPr marL="2514600" indent="-228600" algn="l" defTabSz="457200" rtl="0" eaLnBrk="1" latinLnBrk="0" hangingPunct="1">
         <a:spcBef>
           <a:spcPct val="20000"/>
         </a:spcBef>
-        <a:buFont typeface="Arial" pitchFamily="34" charset="0"/>
+        <a:buFont typeface="Arial"/>
         <a:buChar char="•"/>
         <a:defRPr sz="2000" kern="1200">
           <a:solidFill>
@@ -2939,11 +8089,11 @@
           <a:cs typeface="+mn-cs"/>
         </a:defRPr>
       </a:lvl6pPr>
-      <a:lvl7pPr marL="2971800" indent="-228600" algn="l" defTabSz="914400" rtl="0" eaLnBrk="1" latinLnBrk="0" hangingPunct="1">
+      <a:lvl7pPr marL="2971800" indent="-228600" algn="l" defTabSz="457200" rtl="0" eaLnBrk="1" latinLnBrk="0" hangingPunct="1">
         <a:spcBef>
           <a:spcPct val="20000"/>
         </a:spcBef>
-        <a:buFont typeface="Arial" pitchFamily="34" charset="0"/>
+        <a:buFont typeface="Arial"/>
         <a:buChar char="•"/>
         <a:defRPr sz="2000" kern="1200">
           <a:solidFill>
@@ -2954,11 +8104,11 @@
           <a:cs typeface="+mn-cs"/>
         </a:defRPr>
       </a:lvl7pPr>
-      <a:lvl8pPr marL="3429000" indent="-228600" algn="l" defTabSz="914400" rtl="0" eaLnBrk="1" latinLnBrk="0" hangingPunct="1">
+      <a:lvl8pPr marL="3429000" indent="-228600" algn="l" defTabSz="457200" rtl="0" eaLnBrk="1" latinLnBrk="0" hangingPunct="1">
         <a:spcBef>
           <a:spcPct val="20000"/>
         </a:spcBef>
-        <a:buFont typeface="Arial" pitchFamily="34" charset="0"/>
+        <a:buFont typeface="Arial"/>
         <a:buChar char="•"/>
         <a:defRPr sz="2000" kern="1200">
           <a:solidFill>
@@ -2969,11 +8119,11 @@
           <a:cs typeface="+mn-cs"/>
         </a:defRPr>
       </a:lvl8pPr>
-      <a:lvl9pPr marL="3886200" indent="-228600" algn="l" defTabSz="914400" rtl="0" eaLnBrk="1" latinLnBrk="0" hangingPunct="1">
+      <a:lvl9pPr marL="3886200" indent="-228600" algn="l" defTabSz="457200" rtl="0" eaLnBrk="1" latinLnBrk="0" hangingPunct="1">
         <a:spcBef>
           <a:spcPct val="20000"/>
         </a:spcBef>
-        <a:buFont typeface="Arial" pitchFamily="34" charset="0"/>
+        <a:buFont typeface="Arial"/>
         <a:buChar char="•"/>
         <a:defRPr sz="2000" kern="1200">
           <a:solidFill>
@@ -2987,9 +8137,9 @@
     </p:bodyStyle>
     <p:otherStyle>
       <a:defPPr>
-        <a:defRPr lang="de-DE"/>
+        <a:defRPr lang="en-US"/>
       </a:defPPr>
-      <a:lvl1pPr marL="0" algn="l" defTabSz="914400" rtl="0" eaLnBrk="1" latinLnBrk="0" hangingPunct="1">
+      <a:lvl1pPr marL="0" algn="l" defTabSz="457200" rtl="0" eaLnBrk="1" latinLnBrk="0" hangingPunct="1">
         <a:defRPr sz="1800" kern="1200">
           <a:solidFill>
             <a:schemeClr val="tx1"/>
@@ -2999,7 +8149,7 @@
           <a:cs typeface="+mn-cs"/>
         </a:defRPr>
       </a:lvl1pPr>
-      <a:lvl2pPr marL="457200" algn="l" defTabSz="914400" rtl="0" eaLnBrk="1" latinLnBrk="0" hangingPunct="1">
+      <a:lvl2pPr marL="457200" algn="l" defTabSz="457200" rtl="0" eaLnBrk="1" latinLnBrk="0" hangingPunct="1">
         <a:defRPr sz="1800" kern="1200">
           <a:solidFill>
             <a:schemeClr val="tx1"/>
@@ -3009,7 +8159,7 @@
           <a:cs typeface="+mn-cs"/>
         </a:defRPr>
       </a:lvl2pPr>
-      <a:lvl3pPr marL="914400" algn="l" defTabSz="914400" rtl="0" eaLnBrk="1" latinLnBrk="0" hangingPunct="1">
+      <a:lvl3pPr marL="914400" algn="l" defTabSz="457200" rtl="0" eaLnBrk="1" latinLnBrk="0" hangingPunct="1">
         <a:defRPr sz="1800" kern="1200">
           <a:solidFill>
             <a:schemeClr val="tx1"/>
@@ -3019,7 +8169,7 @@
           <a:cs typeface="+mn-cs"/>
         </a:defRPr>
       </a:lvl3pPr>
-      <a:lvl4pPr marL="1371600" algn="l" defTabSz="914400" rtl="0" eaLnBrk="1" latinLnBrk="0" hangingPunct="1">
+      <a:lvl4pPr marL="1371600" algn="l" defTabSz="457200" rtl="0" eaLnBrk="1" latinLnBrk="0" hangingPunct="1">
         <a:defRPr sz="1800" kern="1200">
           <a:solidFill>
             <a:schemeClr val="tx1"/>
@@ -3029,7 +8179,7 @@
           <a:cs typeface="+mn-cs"/>
         </a:defRPr>
       </a:lvl4pPr>
-      <a:lvl5pPr marL="1828800" algn="l" defTabSz="914400" rtl="0" eaLnBrk="1" latinLnBrk="0" hangingPunct="1">
+      <a:lvl5pPr marL="1828800" algn="l" defTabSz="457200" rtl="0" eaLnBrk="1" latinLnBrk="0" hangingPunct="1">
         <a:defRPr sz="1800" kern="1200">
           <a:solidFill>
             <a:schemeClr val="tx1"/>
@@ -3039,7 +8189,7 @@
           <a:cs typeface="+mn-cs"/>
         </a:defRPr>
       </a:lvl5pPr>
-      <a:lvl6pPr marL="2286000" algn="l" defTabSz="914400" rtl="0" eaLnBrk="1" latinLnBrk="0" hangingPunct="1">
+      <a:lvl6pPr marL="2286000" algn="l" defTabSz="457200" rtl="0" eaLnBrk="1" latinLnBrk="0" hangingPunct="1">
         <a:defRPr sz="1800" kern="1200">
           <a:solidFill>
             <a:schemeClr val="tx1"/>
@@ -3049,7 +8199,7 @@
           <a:cs typeface="+mn-cs"/>
         </a:defRPr>
       </a:lvl6pPr>
-      <a:lvl7pPr marL="2743200" algn="l" defTabSz="914400" rtl="0" eaLnBrk="1" latinLnBrk="0" hangingPunct="1">
+      <a:lvl7pPr marL="2743200" algn="l" defTabSz="457200" rtl="0" eaLnBrk="1" latinLnBrk="0" hangingPunct="1">
         <a:defRPr sz="1800" kern="1200">
           <a:solidFill>
             <a:schemeClr val="tx1"/>
@@ -3059,7 +8209,7 @@
           <a:cs typeface="+mn-cs"/>
         </a:defRPr>
       </a:lvl7pPr>
-      <a:lvl8pPr marL="3200400" algn="l" defTabSz="914400" rtl="0" eaLnBrk="1" latinLnBrk="0" hangingPunct="1">
+      <a:lvl8pPr marL="3200400" algn="l" defTabSz="457200" rtl="0" eaLnBrk="1" latinLnBrk="0" hangingPunct="1">
         <a:defRPr sz="1800" kern="1200">
           <a:solidFill>
             <a:schemeClr val="tx1"/>
@@ -3069,7 +8219,7 @@
           <a:cs typeface="+mn-cs"/>
         </a:defRPr>
       </a:lvl8pPr>
-      <a:lvl9pPr marL="3657600" algn="l" defTabSz="914400" rtl="0" eaLnBrk="1" latinLnBrk="0" hangingPunct="1">
+      <a:lvl9pPr marL="3657600" algn="l" defTabSz="457200" rtl="0" eaLnBrk="1" latinLnBrk="0" hangingPunct="1">
         <a:defRPr sz="1800" kern="1200">
           <a:solidFill>
             <a:schemeClr val="tx1"/>
@@ -3111,22 +8261,34 @@
             <p:ph type="ctrTitle"/>
           </p:nvPr>
         </p:nvSpPr>
-        <p:spPr/>
+        <p:spPr>
+          <a:xfrm>
+            <a:off x="1009442" y="411511"/>
+            <a:ext cx="7117180" cy="1872207"/>
+          </a:xfrm>
+        </p:spPr>
         <p:txBody>
           <a:bodyPr/>
           <a:lstStyle/>
           <a:p>
+            <a:pPr algn="ctr"/>
             <a:r>
-              <a:rPr lang="de-DE" dirty="0" smtClean="0"/>
+              <a:rPr lang="de-DE" sz="6000" b="1" dirty="0" smtClean="0">
+                <a:latin typeface="MV Boli" pitchFamily="2" charset="0"/>
+                <a:cs typeface="MV Boli" pitchFamily="2" charset="0"/>
+              </a:rPr>
               <a:t>Voodoo</a:t>
             </a:r>
-            <a:endParaRPr lang="de-DE" dirty="0"/>
-          </a:p>
-        </p:txBody>
-      </p:sp>
-      <p:sp>
-        <p:nvSpPr>
-          <p:cNvPr id="3" name="Untertitel 2"/>
+            <a:endParaRPr lang="de-DE" sz="6000" b="1" dirty="0">
+              <a:latin typeface="MV Boli" pitchFamily="2" charset="0"/>
+              <a:cs typeface="MV Boli" pitchFamily="2" charset="0"/>
+            </a:endParaRPr>
+          </a:p>
+        </p:txBody>
+      </p:sp>
+      <p:sp>
+        <p:nvSpPr>
+          <p:cNvPr id="6" name="Untertitel 5"/>
           <p:cNvSpPr>
             <a:spLocks noGrp="1"/>
           </p:cNvSpPr>
@@ -3134,12 +8296,40 @@
             <p:ph type="subTitle" idx="1"/>
           </p:nvPr>
         </p:nvSpPr>
-        <p:spPr/>
-        <p:txBody>
-          <a:bodyPr/>
-          <a:lstStyle/>
-          <a:p>
-            <a:endParaRPr lang="de-DE"/>
+        <p:spPr>
+          <a:xfrm>
+            <a:off x="1009442" y="2427735"/>
+            <a:ext cx="7117180" cy="648071"/>
+          </a:xfrm>
+        </p:spPr>
+        <p:txBody>
+          <a:bodyPr>
+            <a:normAutofit fontScale="85000" lnSpcReduction="20000"/>
+          </a:bodyPr>
+          <a:lstStyle/>
+          <a:p>
+            <a:pPr algn="ctr"/>
+            <a:r>
+              <a:rPr lang="de-DE" dirty="0" smtClean="0">
+                <a:latin typeface="MV Boli" pitchFamily="2" charset="0"/>
+                <a:cs typeface="MV Boli" pitchFamily="2" charset="0"/>
+              </a:rPr>
+              <a:t>A new life</a:t>
+            </a:r>
+          </a:p>
+          <a:p>
+            <a:pPr algn="ctr"/>
+            <a:r>
+              <a:rPr lang="de-DE" dirty="0" smtClean="0">
+                <a:latin typeface="MV Boli" pitchFamily="2" charset="0"/>
+                <a:cs typeface="MV Boli" pitchFamily="2" charset="0"/>
+              </a:rPr>
+              <a:t>...form</a:t>
+            </a:r>
+            <a:endParaRPr lang="de-DE" dirty="0">
+              <a:latin typeface="MV Boli" pitchFamily="2" charset="0"/>
+              <a:cs typeface="MV Boli" pitchFamily="2" charset="0"/>
+            </a:endParaRPr>
           </a:p>
         </p:txBody>
       </p:sp>
@@ -3185,8 +8375,8 @@
         </p:nvSpPr>
         <p:spPr>
           <a:xfrm>
-            <a:off x="685800" y="332657"/>
-            <a:ext cx="7772400" cy="864095"/>
+            <a:off x="685800" y="249493"/>
+            <a:ext cx="7772400" cy="648071"/>
           </a:xfrm>
         </p:spPr>
         <p:txBody>
@@ -3195,14 +8385,18 @@
           </a:bodyPr>
           <a:lstStyle/>
           <a:p>
+            <a:pPr algn="ctr"/>
             <a:r>
-              <a:rPr lang="de-DE" dirty="0" smtClean="0"/>
+              <a:rPr lang="de-DE" dirty="0" smtClean="0">
+                <a:latin typeface="MV Boli" pitchFamily="2" charset="0"/>
+                <a:cs typeface="MV Boli" pitchFamily="2" charset="0"/>
+              </a:rPr>
               <a:t>Team</a:t>
             </a:r>
-            <a:br>
-              <a:rPr lang="de-DE" dirty="0" smtClean="0"/>
-            </a:br>
-            <a:endParaRPr lang="de-DE" dirty="0"/>
+            <a:endParaRPr lang="de-DE" dirty="0">
+              <a:latin typeface="MV Boli" pitchFamily="2" charset="0"/>
+              <a:cs typeface="MV Boli" pitchFamily="2" charset="0"/>
+            </a:endParaRPr>
           </a:p>
         </p:txBody>
       </p:sp>
@@ -3218,15 +8412,18 @@
         </p:nvSpPr>
         <p:spPr>
           <a:xfrm>
-            <a:off x="1371600" y="1484784"/>
-            <a:ext cx="6400800" cy="4154016"/>
+            <a:off x="1371600" y="1113588"/>
+            <a:ext cx="6400800" cy="3115512"/>
           </a:xfrm>
         </p:spPr>
         <p:txBody>
           <a:bodyPr/>
           <a:lstStyle/>
           <a:p>
-            <a:endParaRPr lang="de-DE" dirty="0"/>
+            <a:endParaRPr lang="de-DE" dirty="0">
+              <a:latin typeface="MV Boli" pitchFamily="2" charset="0"/>
+              <a:cs typeface="MV Boli" pitchFamily="2" charset="0"/>
+            </a:endParaRPr>
           </a:p>
         </p:txBody>
       </p:sp>
@@ -3272,19 +8469,28 @@
         </p:nvSpPr>
         <p:spPr>
           <a:xfrm>
-            <a:off x="685800" y="332657"/>
-            <a:ext cx="7772400" cy="864095"/>
-          </a:xfrm>
-        </p:spPr>
-        <p:txBody>
-          <a:bodyPr/>
-          <a:lstStyle/>
-          <a:p>
+            <a:off x="685800" y="249493"/>
+            <a:ext cx="7772400" cy="648071"/>
+          </a:xfrm>
+        </p:spPr>
+        <p:txBody>
+          <a:bodyPr>
+            <a:normAutofit fontScale="90000"/>
+          </a:bodyPr>
+          <a:lstStyle/>
+          <a:p>
+            <a:pPr algn="ctr"/>
             <a:r>
-              <a:rPr lang="de-DE" dirty="0" smtClean="0"/>
+              <a:rPr lang="de-DE" dirty="0" smtClean="0">
+                <a:latin typeface="MV Boli" pitchFamily="2" charset="0"/>
+                <a:cs typeface="MV Boli" pitchFamily="2" charset="0"/>
+              </a:rPr>
               <a:t>Vision Document</a:t>
             </a:r>
-            <a:endParaRPr lang="de-DE" dirty="0"/>
+            <a:endParaRPr lang="de-DE" dirty="0">
+              <a:latin typeface="MV Boli" pitchFamily="2" charset="0"/>
+              <a:cs typeface="MV Boli" pitchFamily="2" charset="0"/>
+            </a:endParaRPr>
           </a:p>
         </p:txBody>
       </p:sp>
@@ -3300,15 +8506,18 @@
         </p:nvSpPr>
         <p:spPr>
           <a:xfrm>
-            <a:off x="1371600" y="1484784"/>
-            <a:ext cx="6400800" cy="4154016"/>
+            <a:off x="1371600" y="1113588"/>
+            <a:ext cx="6400800" cy="3115512"/>
           </a:xfrm>
         </p:spPr>
         <p:txBody>
           <a:bodyPr/>
           <a:lstStyle/>
           <a:p>
-            <a:endParaRPr lang="de-DE" dirty="0"/>
+            <a:endParaRPr lang="de-DE" dirty="0">
+              <a:latin typeface="MV Boli" pitchFamily="2" charset="0"/>
+              <a:cs typeface="MV Boli" pitchFamily="2" charset="0"/>
+            </a:endParaRPr>
           </a:p>
         </p:txBody>
       </p:sp>
@@ -3354,19 +8563,28 @@
         </p:nvSpPr>
         <p:spPr>
           <a:xfrm>
-            <a:off x="685800" y="404665"/>
-            <a:ext cx="7772400" cy="1008111"/>
-          </a:xfrm>
-        </p:spPr>
-        <p:txBody>
-          <a:bodyPr/>
-          <a:lstStyle/>
-          <a:p>
+            <a:off x="685800" y="303499"/>
+            <a:ext cx="7772400" cy="756083"/>
+          </a:xfrm>
+        </p:spPr>
+        <p:txBody>
+          <a:bodyPr>
+            <a:normAutofit/>
+          </a:bodyPr>
+          <a:lstStyle/>
+          <a:p>
+            <a:pPr algn="ctr"/>
             <a:r>
-              <a:rPr lang="de-DE" dirty="0" smtClean="0"/>
+              <a:rPr lang="de-DE" dirty="0" smtClean="0">
+                <a:latin typeface="MV Boli" pitchFamily="2" charset="0"/>
+                <a:cs typeface="MV Boli" pitchFamily="2" charset="0"/>
+              </a:rPr>
               <a:t>Vision Statement</a:t>
             </a:r>
-            <a:endParaRPr lang="de-DE" dirty="0"/>
+            <a:endParaRPr lang="de-DE" dirty="0">
+              <a:latin typeface="MV Boli" pitchFamily="2" charset="0"/>
+              <a:cs typeface="MV Boli" pitchFamily="2" charset="0"/>
+            </a:endParaRPr>
           </a:p>
         </p:txBody>
       </p:sp>
@@ -3382,8 +8600,8 @@
         </p:nvSpPr>
         <p:spPr>
           <a:xfrm>
-            <a:off x="971600" y="1556792"/>
-            <a:ext cx="7560840" cy="4896544"/>
+            <a:off x="971600" y="1167594"/>
+            <a:ext cx="7560840" cy="3672408"/>
           </a:xfrm>
         </p:spPr>
         <p:txBody>
@@ -3393,28 +8611,43 @@
           <a:lstStyle/>
           <a:p>
             <a:r>
-              <a:rPr lang="de-DE" dirty="0" smtClean="0"/>
+              <a:rPr lang="de-DE" dirty="0" smtClean="0">
+                <a:latin typeface="MV Boli" pitchFamily="2" charset="0"/>
+                <a:cs typeface="MV Boli" pitchFamily="2" charset="0"/>
+              </a:rPr>
               <a:t>3 Sätze:</a:t>
             </a:r>
           </a:p>
           <a:p>
             <a:r>
-              <a:rPr lang="de-DE" dirty="0" smtClean="0"/>
+              <a:rPr lang="de-DE" dirty="0" smtClean="0">
+                <a:latin typeface="MV Boli" pitchFamily="2" charset="0"/>
+                <a:cs typeface="MV Boli" pitchFamily="2" charset="0"/>
+              </a:rPr>
               <a:t>1.Wo will ich hin?(Wer spielt‘s?)Genre auf den Punkt bringen</a:t>
             </a:r>
           </a:p>
           <a:p>
             <a:r>
-              <a:rPr lang="de-DE" dirty="0" smtClean="0"/>
+              <a:rPr lang="de-DE" dirty="0" smtClean="0">
+                <a:latin typeface="MV Boli" pitchFamily="2" charset="0"/>
+                <a:cs typeface="MV Boli" pitchFamily="2" charset="0"/>
+              </a:rPr>
               <a:t>2. Was sind die Kern-Features, was macht man im Spiel?</a:t>
             </a:r>
           </a:p>
           <a:p>
             <a:r>
-              <a:rPr lang="de-DE" dirty="0" smtClean="0"/>
+              <a:rPr lang="de-DE" dirty="0" smtClean="0">
+                <a:latin typeface="MV Boli" pitchFamily="2" charset="0"/>
+                <a:cs typeface="MV Boli" pitchFamily="2" charset="0"/>
+              </a:rPr>
               <a:t>3. Was erlebt der Spieler bezogen auf das Setting? Welcher Mood soll rübergebracht werden?</a:t>
             </a:r>
-            <a:endParaRPr lang="de-DE" dirty="0"/>
+            <a:endParaRPr lang="de-DE" dirty="0">
+              <a:latin typeface="MV Boli" pitchFamily="2" charset="0"/>
+              <a:cs typeface="MV Boli" pitchFamily="2" charset="0"/>
+            </a:endParaRPr>
           </a:p>
         </p:txBody>
       </p:sp>
@@ -3460,19 +8693,28 @@
         </p:nvSpPr>
         <p:spPr>
           <a:xfrm>
-            <a:off x="685800" y="404665"/>
-            <a:ext cx="7772400" cy="1008111"/>
-          </a:xfrm>
-        </p:spPr>
-        <p:txBody>
-          <a:bodyPr/>
-          <a:lstStyle/>
-          <a:p>
+            <a:off x="685800" y="303499"/>
+            <a:ext cx="7772400" cy="756083"/>
+          </a:xfrm>
+        </p:spPr>
+        <p:txBody>
+          <a:bodyPr>
+            <a:normAutofit/>
+          </a:bodyPr>
+          <a:lstStyle/>
+          <a:p>
+            <a:pPr algn="ctr"/>
             <a:r>
-              <a:rPr lang="de-DE" dirty="0" smtClean="0"/>
+              <a:rPr lang="de-DE" dirty="0" smtClean="0">
+                <a:latin typeface="MV Boli" pitchFamily="2" charset="0"/>
+                <a:cs typeface="MV Boli" pitchFamily="2" charset="0"/>
+              </a:rPr>
               <a:t>Mood Beschreibung</a:t>
             </a:r>
-            <a:endParaRPr lang="de-DE" dirty="0"/>
+            <a:endParaRPr lang="de-DE" dirty="0">
+              <a:latin typeface="MV Boli" pitchFamily="2" charset="0"/>
+              <a:cs typeface="MV Boli" pitchFamily="2" charset="0"/>
+            </a:endParaRPr>
           </a:p>
         </p:txBody>
       </p:sp>
@@ -3488,8 +8730,8 @@
         </p:nvSpPr>
         <p:spPr>
           <a:xfrm>
-            <a:off x="971600" y="1556792"/>
-            <a:ext cx="7560840" cy="4896544"/>
+            <a:off x="971600" y="1167594"/>
+            <a:ext cx="7560840" cy="3672408"/>
           </a:xfrm>
         </p:spPr>
         <p:txBody>
@@ -3499,10 +8741,16 @@
           <a:lstStyle/>
           <a:p>
             <a:r>
-              <a:rPr lang="de-DE" dirty="0" smtClean="0"/>
+              <a:rPr lang="de-DE" dirty="0" smtClean="0">
+                <a:latin typeface="MV Boli" pitchFamily="2" charset="0"/>
+                <a:cs typeface="MV Boli" pitchFamily="2" charset="0"/>
+              </a:rPr>
               <a:t>3 Bilder + Mock-Ups</a:t>
             </a:r>
-            <a:endParaRPr lang="de-DE" dirty="0"/>
+            <a:endParaRPr lang="de-DE" dirty="0">
+              <a:latin typeface="MV Boli" pitchFamily="2" charset="0"/>
+              <a:cs typeface="MV Boli" pitchFamily="2" charset="0"/>
+            </a:endParaRPr>
           </a:p>
         </p:txBody>
       </p:sp>
@@ -3548,15 +8796,28 @@
         </p:nvSpPr>
         <p:spPr>
           <a:xfrm>
-            <a:off x="685800" y="404665"/>
-            <a:ext cx="7772400" cy="1008111"/>
-          </a:xfrm>
-        </p:spPr>
-        <p:txBody>
-          <a:bodyPr/>
-          <a:lstStyle/>
-          <a:p>
-            <a:endParaRPr lang="de-DE" dirty="0"/>
+            <a:off x="685800" y="303499"/>
+            <a:ext cx="7772400" cy="756083"/>
+          </a:xfrm>
+        </p:spPr>
+        <p:txBody>
+          <a:bodyPr>
+            <a:normAutofit/>
+          </a:bodyPr>
+          <a:lstStyle/>
+          <a:p>
+            <a:pPr algn="ctr"/>
+            <a:r>
+              <a:rPr lang="de-DE" dirty="0" smtClean="0">
+                <a:latin typeface="MV Boli" pitchFamily="2" charset="0"/>
+                <a:cs typeface="MV Boli" pitchFamily="2" charset="0"/>
+              </a:rPr>
+              <a:t>Gameplay</a:t>
+            </a:r>
+            <a:endParaRPr lang="de-DE" dirty="0">
+              <a:latin typeface="MV Boli" pitchFamily="2" charset="0"/>
+              <a:cs typeface="MV Boli" pitchFamily="2" charset="0"/>
+            </a:endParaRPr>
           </a:p>
         </p:txBody>
       </p:sp>
@@ -3572,8 +8833,8 @@
         </p:nvSpPr>
         <p:spPr>
           <a:xfrm>
-            <a:off x="971600" y="1556792"/>
-            <a:ext cx="7560840" cy="4896544"/>
+            <a:off x="971600" y="1167594"/>
+            <a:ext cx="7560840" cy="3672408"/>
           </a:xfrm>
         </p:spPr>
         <p:txBody>
@@ -3583,16 +8844,25 @@
           <a:lstStyle/>
           <a:p>
             <a:r>
-              <a:rPr lang="de-DE" dirty="0" smtClean="0"/>
+              <a:rPr lang="de-DE" dirty="0" smtClean="0">
+                <a:latin typeface="MV Boli" pitchFamily="2" charset="0"/>
+                <a:cs typeface="MV Boli" pitchFamily="2" charset="0"/>
+              </a:rPr>
               <a:t>Gameplay: Core Game Loop + Andeutung wie ein zentraler Loop aussieht</a:t>
             </a:r>
           </a:p>
           <a:p>
             <a:r>
-              <a:rPr lang="de-DE" dirty="0" smtClean="0"/>
+              <a:rPr lang="de-DE" dirty="0" smtClean="0">
+                <a:latin typeface="MV Boli" pitchFamily="2" charset="0"/>
+                <a:cs typeface="MV Boli" pitchFamily="2" charset="0"/>
+              </a:rPr>
               <a:t>Smart Art!</a:t>
             </a:r>
-            <a:endParaRPr lang="de-DE" dirty="0"/>
+            <a:endParaRPr lang="de-DE" dirty="0">
+              <a:latin typeface="MV Boli" pitchFamily="2" charset="0"/>
+              <a:cs typeface="MV Boli" pitchFamily="2" charset="0"/>
+            </a:endParaRPr>
           </a:p>
         </p:txBody>
       </p:sp>
@@ -3638,15 +8908,28 @@
         </p:nvSpPr>
         <p:spPr>
           <a:xfrm>
-            <a:off x="685800" y="404665"/>
-            <a:ext cx="7772400" cy="1008111"/>
-          </a:xfrm>
-        </p:spPr>
-        <p:txBody>
-          <a:bodyPr/>
-          <a:lstStyle/>
-          <a:p>
-            <a:endParaRPr lang="de-DE" dirty="0"/>
+            <a:off x="685800" y="303499"/>
+            <a:ext cx="7772400" cy="756083"/>
+          </a:xfrm>
+        </p:spPr>
+        <p:txBody>
+          <a:bodyPr>
+            <a:normAutofit/>
+          </a:bodyPr>
+          <a:lstStyle/>
+          <a:p>
+            <a:pPr algn="ctr"/>
+            <a:r>
+              <a:rPr lang="de-DE" dirty="0" smtClean="0">
+                <a:latin typeface="MV Boli" pitchFamily="2" charset="0"/>
+                <a:cs typeface="MV Boli" pitchFamily="2" charset="0"/>
+              </a:rPr>
+              <a:t>Progress Planning</a:t>
+            </a:r>
+            <a:endParaRPr lang="de-DE" dirty="0">
+              <a:latin typeface="MV Boli" pitchFamily="2" charset="0"/>
+              <a:cs typeface="MV Boli" pitchFamily="2" charset="0"/>
+            </a:endParaRPr>
           </a:p>
         </p:txBody>
       </p:sp>
@@ -3662,8 +8945,8 @@
         </p:nvSpPr>
         <p:spPr>
           <a:xfrm>
-            <a:off x="971600" y="1556792"/>
-            <a:ext cx="7560840" cy="4896544"/>
+            <a:off x="971600" y="1167594"/>
+            <a:ext cx="7560840" cy="3672408"/>
           </a:xfrm>
         </p:spPr>
         <p:txBody>
@@ -3673,16 +8956,24 @@
           <a:lstStyle/>
           <a:p>
             <a:r>
-              <a:rPr lang="de-DE" dirty="0" smtClean="0"/>
+              <a:rPr lang="de-DE" dirty="0" smtClean="0">
+                <a:latin typeface="MV Boli" pitchFamily="2" charset="0"/>
+                <a:cs typeface="MV Boli" pitchFamily="2" charset="0"/>
+              </a:rPr>
               <a:t>Scope (session länge + bereits bekannte details) + progress beschreibung (Skelleton-Version) </a:t>
             </a:r>
             <a:r>
               <a:rPr lang="de-DE" dirty="0" smtClean="0">
+                <a:latin typeface="MV Boli" pitchFamily="2" charset="0"/>
+                <a:cs typeface="MV Boli" pitchFamily="2" charset="0"/>
                 <a:sym typeface="Wingdings" pitchFamily="2" charset="2"/>
               </a:rPr>
               <a:t>wie kommen wir dahin?</a:t>
             </a:r>
-            <a:endParaRPr lang="de-DE" dirty="0"/>
+            <a:endParaRPr lang="de-DE" dirty="0">
+              <a:latin typeface="MV Boli" pitchFamily="2" charset="0"/>
+              <a:cs typeface="MV Boli" pitchFamily="2" charset="0"/>
+            </a:endParaRPr>
           </a:p>
         </p:txBody>
       </p:sp>
@@ -3700,9 +8991,9 @@
 </file>
 
 <file path=ppt/theme/theme1.xml><?xml version="1.0" encoding="utf-8"?>
-<a:theme xmlns:a="http://schemas.openxmlformats.org/drawingml/2006/main" name="Larissa">
+<a:theme xmlns:a="http://schemas.openxmlformats.org/drawingml/2006/main" name="Summer">
   <a:themeElements>
-    <a:clrScheme name="Larissa">
+    <a:clrScheme name="Nyad">
       <a:dk1>
         <a:sysClr val="windowText" lastClr="000000"/>
       </a:dk1>
@@ -3710,83 +9001,48 @@
         <a:sysClr val="window" lastClr="FFFFFF"/>
       </a:lt1>
       <a:dk2>
-        <a:srgbClr val="1F497D"/>
+        <a:srgbClr val="4F271C"/>
       </a:dk2>
       <a:lt2>
-        <a:srgbClr val="EEECE1"/>
+        <a:srgbClr val="E7DEC9"/>
       </a:lt2>
       <a:accent1>
-        <a:srgbClr val="4F81BD"/>
+        <a:srgbClr val="3891A7"/>
       </a:accent1>
       <a:accent2>
-        <a:srgbClr val="C0504D"/>
+        <a:srgbClr val="FEB80A"/>
       </a:accent2>
       <a:accent3>
-        <a:srgbClr val="9BBB59"/>
+        <a:srgbClr val="C32D2E"/>
       </a:accent3>
       <a:accent4>
-        <a:srgbClr val="8064A2"/>
+        <a:srgbClr val="84AA33"/>
       </a:accent4>
       <a:accent5>
-        <a:srgbClr val="4BACC6"/>
+        <a:srgbClr val="964305"/>
       </a:accent5>
       <a:accent6>
-        <a:srgbClr val="F79646"/>
+        <a:srgbClr val="475A8D"/>
       </a:accent6>
       <a:hlink>
-        <a:srgbClr val="0000FF"/>
+        <a:srgbClr val="8DC765"/>
       </a:hlink>
       <a:folHlink>
-        <a:srgbClr val="800080"/>
+        <a:srgbClr val="AA8A14"/>
       </a:folHlink>
     </a:clrScheme>
-    <a:fontScheme name="Larissa">
+    <a:fontScheme name="Summer">
       <a:majorFont>
-        <a:latin typeface="Calibri"/>
+        <a:latin typeface="Verdana"/>
         <a:ea typeface=""/>
         <a:cs typeface=""/>
-        <a:font script="Jpan" typeface="ＭＳ Ｐゴシック"/>
-        <a:font script="Hang" typeface="맑은 고딕"/>
-        <a:font script="Hans" typeface="宋体"/>
-        <a:font script="Hant" typeface="新細明體"/>
-        <a:font script="Arab" typeface="Times New Roman"/>
-        <a:font script="Hebr" typeface="Times New Roman"/>
-        <a:font script="Thai" typeface="Angsana New"/>
-        <a:font script="Ethi" typeface="Nyala"/>
-        <a:font script="Beng" typeface="Vrinda"/>
-        <a:font script="Gujr" typeface="Shruti"/>
-        <a:font script="Khmr" typeface="MoolBoran"/>
-        <a:font script="Knda" typeface="Tunga"/>
-        <a:font script="Guru" typeface="Raavi"/>
-        <a:font script="Cans" typeface="Euphemia"/>
-        <a:font script="Cher" typeface="Plantagenet Cherokee"/>
-        <a:font script="Yiii" typeface="Microsoft Yi Baiti"/>
-        <a:font script="Tibt" typeface="Microsoft Himalaya"/>
-        <a:font script="Thaa" typeface="MV Boli"/>
-        <a:font script="Deva" typeface="Mangal"/>
-        <a:font script="Telu" typeface="Gautami"/>
-        <a:font script="Taml" typeface="Latha"/>
-        <a:font script="Syrc" typeface="Estrangelo Edessa"/>
-        <a:font script="Orya" typeface="Kalinga"/>
-        <a:font script="Mlym" typeface="Kartika"/>
-        <a:font script="Laoo" typeface="DokChampa"/>
-        <a:font script="Sinh" typeface="Iskoola Pota"/>
-        <a:font script="Mong" typeface="Mongolian Baiti"/>
-        <a:font script="Viet" typeface="Times New Roman"/>
-        <a:font script="Uigh" typeface="Microsoft Uighur"/>
-        <a:font script="Geor" typeface="Sylfaen"/>
-      </a:majorFont>
-      <a:minorFont>
-        <a:latin typeface="Calibri"/>
-        <a:ea typeface=""/>
-        <a:cs typeface=""/>
-        <a:font script="Jpan" typeface="ＭＳ Ｐゴシック"/>
-        <a:font script="Hang" typeface="맑은 고딕"/>
-        <a:font script="Hans" typeface="宋体"/>
-        <a:font script="Hant" typeface="新細明體"/>
-        <a:font script="Arab" typeface="Arial"/>
-        <a:font script="Hebr" typeface="Arial"/>
-        <a:font script="Thai" typeface="Cordia New"/>
+        <a:font script="Jpan" typeface="ＭＳ ゴシック"/>
+        <a:font script="Hang" typeface="굴림"/>
+        <a:font script="Hans" typeface="微软雅黑"/>
+        <a:font script="Hant" typeface="微軟正黑體"/>
+        <a:font script="Arab" typeface="Tahoma"/>
+        <a:font script="Hebr" typeface="Tahoma"/>
+        <a:font script="Thai" typeface="FreesiaUPC"/>
         <a:font script="Ethi" typeface="Nyala"/>
         <a:font script="Beng" typeface="Vrinda"/>
         <a:font script="Gujr" typeface="Shruti"/>
@@ -3807,12 +9063,47 @@
         <a:font script="Laoo" typeface="DokChampa"/>
         <a:font script="Sinh" typeface="Iskoola Pota"/>
         <a:font script="Mong" typeface="Mongolian Baiti"/>
-        <a:font script="Viet" typeface="Arial"/>
+        <a:font script="Viet" typeface="Verdana"/>
+        <a:font script="Uigh" typeface="Microsoft Uighur"/>
+        <a:font script="Geor" typeface="Sylfaen"/>
+      </a:majorFont>
+      <a:minorFont>
+        <a:latin typeface="Verdana"/>
+        <a:ea typeface=""/>
+        <a:cs typeface=""/>
+        <a:font script="Jpan" typeface="ＭＳ ゴシック"/>
+        <a:font script="Hang" typeface="굴림"/>
+        <a:font script="Hans" typeface="微软雅黑"/>
+        <a:font script="Hant" typeface="微軟正黑體"/>
+        <a:font script="Arab" typeface="Tahoma"/>
+        <a:font script="Hebr" typeface="Tahoma"/>
+        <a:font script="Thai" typeface="FreesiaUPC"/>
+        <a:font script="Ethi" typeface="Nyala"/>
+        <a:font script="Beng" typeface="Vrinda"/>
+        <a:font script="Gujr" typeface="Shruti"/>
+        <a:font script="Khmr" typeface="DaunPenh"/>
+        <a:font script="Knda" typeface="Tunga"/>
+        <a:font script="Guru" typeface="Raavi"/>
+        <a:font script="Cans" typeface="Euphemia"/>
+        <a:font script="Cher" typeface="Plantagenet Cherokee"/>
+        <a:font script="Yiii" typeface="Microsoft Yi Baiti"/>
+        <a:font script="Tibt" typeface="Microsoft Himalaya"/>
+        <a:font script="Thaa" typeface="MV Boli"/>
+        <a:font script="Deva" typeface="Mangal"/>
+        <a:font script="Telu" typeface="Gautami"/>
+        <a:font script="Taml" typeface="Latha"/>
+        <a:font script="Syrc" typeface="Estrangelo Edessa"/>
+        <a:font script="Orya" typeface="Kalinga"/>
+        <a:font script="Mlym" typeface="Kartika"/>
+        <a:font script="Laoo" typeface="DokChampa"/>
+        <a:font script="Sinh" typeface="Iskoola Pota"/>
+        <a:font script="Mong" typeface="Mongolian Baiti"/>
+        <a:font script="Viet" typeface="Verdana"/>
         <a:font script="Uigh" typeface="Microsoft Uighur"/>
         <a:font script="Geor" typeface="Sylfaen"/>
       </a:minorFont>
     </a:fontScheme>
-    <a:fmtScheme name="Larissa">
+    <a:fmtScheme name="Summer">
       <a:fillStyleLst>
         <a:solidFill>
           <a:schemeClr val="phClr"/>
@@ -3821,66 +9112,51 @@
           <a:gsLst>
             <a:gs pos="0">
               <a:schemeClr val="phClr">
-                <a:tint val="50000"/>
-                <a:satMod val="300000"/>
-              </a:schemeClr>
-            </a:gs>
-            <a:gs pos="35000">
-              <a:schemeClr val="phClr">
-                <a:tint val="37000"/>
-                <a:satMod val="300000"/>
+                <a:tint val="70000"/>
+                <a:lumMod val="110000"/>
               </a:schemeClr>
             </a:gs>
             <a:gs pos="100000">
               <a:schemeClr val="phClr">
-                <a:tint val="15000"/>
-                <a:satMod val="350000"/>
+                <a:tint val="90000"/>
               </a:schemeClr>
             </a:gs>
           </a:gsLst>
-          <a:lin ang="16200000" scaled="1"/>
+          <a:lin ang="5400000" scaled="1"/>
         </a:gradFill>
         <a:gradFill rotWithShape="1">
           <a:gsLst>
             <a:gs pos="0">
               <a:schemeClr val="phClr">
-                <a:shade val="51000"/>
-                <a:satMod val="130000"/>
-              </a:schemeClr>
-            </a:gs>
-            <a:gs pos="80000">
-              <a:schemeClr val="phClr">
-                <a:shade val="93000"/>
-                <a:satMod val="130000"/>
+                <a:tint val="98000"/>
+                <a:satMod val="120000"/>
+                <a:lumMod val="110000"/>
               </a:schemeClr>
             </a:gs>
             <a:gs pos="100000">
               <a:schemeClr val="phClr">
-                <a:shade val="94000"/>
-                <a:satMod val="135000"/>
+                <a:shade val="90000"/>
+                <a:lumMod val="90000"/>
               </a:schemeClr>
             </a:gs>
           </a:gsLst>
-          <a:lin ang="16200000" scaled="0"/>
+          <a:lin ang="5400000" scaled="0"/>
         </a:gradFill>
       </a:fillStyleLst>
       <a:lnStyleLst>
-        <a:ln w="9525" cap="flat" cmpd="sng" algn="ctr">
-          <a:solidFill>
-            <a:schemeClr val="phClr">
-              <a:shade val="95000"/>
-              <a:satMod val="105000"/>
-            </a:schemeClr>
-          </a:solidFill>
-          <a:prstDash val="solid"/>
-        </a:ln>
-        <a:ln w="25400" cap="flat" cmpd="sng" algn="ctr">
+        <a:ln w="12700" cap="rnd" cmpd="sng" algn="ctr">
           <a:solidFill>
             <a:schemeClr val="phClr"/>
           </a:solidFill>
           <a:prstDash val="solid"/>
         </a:ln>
-        <a:ln w="38100" cap="flat" cmpd="sng" algn="ctr">
+        <a:ln w="19050" cap="rnd" cmpd="sng" algn="ctr">
+          <a:solidFill>
+            <a:schemeClr val="phClr"/>
+          </a:solidFill>
+          <a:prstDash val="solid"/>
+        </a:ln>
+        <a:ln w="28575" cap="rnd" cmpd="sng" algn="ctr">
           <a:solidFill>
             <a:schemeClr val="phClr"/>
           </a:solidFill>
@@ -3889,28 +9165,22 @@
       </a:lnStyleLst>
       <a:effectStyleLst>
         <a:effectStyle>
+          <a:effectLst/>
+        </a:effectStyle>
+        <a:effectStyle>
           <a:effectLst>
-            <a:outerShdw blurRad="40000" dist="20000" dir="5400000" rotWithShape="0">
+            <a:outerShdw blurRad="38100" dist="25400" dir="5400000" rotWithShape="0">
               <a:srgbClr val="000000">
-                <a:alpha val="38000"/>
+                <a:alpha val="45000"/>
               </a:srgbClr>
             </a:outerShdw>
           </a:effectLst>
         </a:effectStyle>
         <a:effectStyle>
           <a:effectLst>
-            <a:outerShdw blurRad="40000" dist="23000" dir="5400000" rotWithShape="0">
+            <a:outerShdw blurRad="88900" dist="38100" dir="5400000" algn="ctr" rotWithShape="0">
               <a:srgbClr val="000000">
-                <a:alpha val="35000"/>
-              </a:srgbClr>
-            </a:outerShdw>
-          </a:effectLst>
-        </a:effectStyle>
-        <a:effectStyle>
-          <a:effectLst>
-            <a:outerShdw blurRad="40000" dist="23000" dir="5400000" rotWithShape="0">
-              <a:srgbClr val="000000">
-                <a:alpha val="35000"/>
+                <a:alpha val="65000"/>
               </a:srgbClr>
             </a:outerShdw>
           </a:effectLst>
@@ -3918,12 +9188,12 @@
             <a:camera prst="orthographicFront">
               <a:rot lat="0" lon="0" rev="0"/>
             </a:camera>
-            <a:lightRig rig="threePt" dir="t">
-              <a:rot lat="0" lon="0" rev="1200000"/>
+            <a:lightRig rig="threePt" dir="tl">
+              <a:rot lat="0" lon="0" rev="5400000"/>
             </a:lightRig>
           </a:scene3d>
           <a:sp3d>
-            <a:bevelT w="63500" h="25400"/>
+            <a:bevelT w="25400" h="38100"/>
           </a:sp3d>
         </a:effectStyle>
       </a:effectStyleLst>
@@ -3935,45 +9205,45 @@
           <a:gsLst>
             <a:gs pos="0">
               <a:schemeClr val="phClr">
-                <a:tint val="40000"/>
-                <a:satMod val="350000"/>
-              </a:schemeClr>
-            </a:gs>
-            <a:gs pos="40000">
-              <a:schemeClr val="phClr">
-                <a:tint val="45000"/>
-                <a:shade val="99000"/>
-                <a:satMod val="350000"/>
+                <a:tint val="97000"/>
+                <a:shade val="80000"/>
+                <a:hueMod val="110000"/>
+                <a:satMod val="120000"/>
               </a:schemeClr>
             </a:gs>
             <a:gs pos="100000">
               <a:schemeClr val="phClr">
-                <a:shade val="20000"/>
-                <a:satMod val="255000"/>
+                <a:shade val="60000"/>
+                <a:hueMod val="40000"/>
+                <a:satMod val="120000"/>
+                <a:lumMod val="103000"/>
               </a:schemeClr>
             </a:gs>
           </a:gsLst>
-          <a:path path="circle">
-            <a:fillToRect l="50000" t="-80000" r="50000" b="180000"/>
-          </a:path>
+          <a:lin ang="5400000" scaled="1"/>
         </a:gradFill>
         <a:gradFill rotWithShape="1">
           <a:gsLst>
             <a:gs pos="0">
               <a:schemeClr val="phClr">
-                <a:tint val="80000"/>
-                <a:satMod val="300000"/>
+                <a:tint val="97000"/>
+                <a:shade val="80000"/>
+                <a:hueMod val="110000"/>
+                <a:satMod val="130000"/>
+                <a:lumMod val="100000"/>
               </a:schemeClr>
             </a:gs>
             <a:gs pos="100000">
               <a:schemeClr val="phClr">
-                <a:shade val="30000"/>
-                <a:satMod val="200000"/>
+                <a:shade val="60000"/>
+                <a:hueMod val="40000"/>
+                <a:satMod val="120000"/>
+                <a:lumMod val="103000"/>
               </a:schemeClr>
             </a:gs>
           </a:gsLst>
           <a:path path="circle">
-            <a:fillToRect l="50000" t="50000" r="50000" b="50000"/>
+            <a:fillToRect l="50000" t="50000" r="100000" b="100000"/>
           </a:path>
         </a:gradFill>
       </a:bgFillStyleLst>

--- a/_Organisation/Präsentation/Voodoo.pptx
+++ b/_Organisation/Präsentation/Voodoo.pptx
@@ -6,12 +6,13 @@
   </p:sldMasterIdLst>
   <p:sldIdLst>
     <p:sldId id="256" r:id="rId2"/>
-    <p:sldId id="262" r:id="rId3"/>
+    <p:sldId id="257" r:id="rId3"/>
     <p:sldId id="259" r:id="rId4"/>
-    <p:sldId id="257" r:id="rId5"/>
-    <p:sldId id="258" r:id="rId6"/>
-    <p:sldId id="260" r:id="rId7"/>
-    <p:sldId id="261" r:id="rId8"/>
+    <p:sldId id="262" r:id="rId5"/>
+    <p:sldId id="263" r:id="rId6"/>
+    <p:sldId id="258" r:id="rId7"/>
+    <p:sldId id="260" r:id="rId8"/>
+    <p:sldId id="261" r:id="rId9"/>
   </p:sldIdLst>
   <p:sldSz cx="9144000" cy="5143500" type="screen16x9"/>
   <p:notesSz cx="6858000" cy="9144000"/>
@@ -113,6 +114,2797 @@
 </p:presentation>
 </file>
 
+<file path=ppt/diagrams/colors1.xml><?xml version="1.0" encoding="utf-8"?>
+<dgm:colorsDef xmlns:dgm="http://schemas.openxmlformats.org/drawingml/2006/diagram" xmlns:a="http://schemas.openxmlformats.org/drawingml/2006/main" uniqueId="urn:microsoft.com/office/officeart/2005/8/colors/accent1_2">
+  <dgm:title val=""/>
+  <dgm:desc val=""/>
+  <dgm:catLst>
+    <dgm:cat type="accent1" pri="11200"/>
+  </dgm:catLst>
+  <dgm:styleLbl name="node0">
+    <dgm:fillClrLst meth="repeat">
+      <a:schemeClr val="accent1"/>
+    </dgm:fillClrLst>
+    <dgm:linClrLst meth="repeat">
+      <a:schemeClr val="lt1"/>
+    </dgm:linClrLst>
+    <dgm:effectClrLst/>
+    <dgm:txLinClrLst/>
+    <dgm:txFillClrLst/>
+    <dgm:txEffectClrLst/>
+  </dgm:styleLbl>
+  <dgm:styleLbl name="alignNode1">
+    <dgm:fillClrLst meth="repeat">
+      <a:schemeClr val="accent1"/>
+    </dgm:fillClrLst>
+    <dgm:linClrLst meth="repeat">
+      <a:schemeClr val="accent1"/>
+    </dgm:linClrLst>
+    <dgm:effectClrLst/>
+    <dgm:txLinClrLst/>
+    <dgm:txFillClrLst/>
+    <dgm:txEffectClrLst/>
+  </dgm:styleLbl>
+  <dgm:styleLbl name="node1">
+    <dgm:fillClrLst meth="repeat">
+      <a:schemeClr val="accent1"/>
+    </dgm:fillClrLst>
+    <dgm:linClrLst meth="repeat">
+      <a:schemeClr val="lt1"/>
+    </dgm:linClrLst>
+    <dgm:effectClrLst/>
+    <dgm:txLinClrLst/>
+    <dgm:txFillClrLst/>
+    <dgm:txEffectClrLst/>
+  </dgm:styleLbl>
+  <dgm:styleLbl name="lnNode1">
+    <dgm:fillClrLst meth="repeat">
+      <a:schemeClr val="accent1"/>
+    </dgm:fillClrLst>
+    <dgm:linClrLst meth="repeat">
+      <a:schemeClr val="lt1"/>
+    </dgm:linClrLst>
+    <dgm:effectClrLst/>
+    <dgm:txLinClrLst/>
+    <dgm:txFillClrLst/>
+    <dgm:txEffectClrLst/>
+  </dgm:styleLbl>
+  <dgm:styleLbl name="vennNode1">
+    <dgm:fillClrLst meth="repeat">
+      <a:schemeClr val="accent1">
+        <a:alpha val="50000"/>
+      </a:schemeClr>
+    </dgm:fillClrLst>
+    <dgm:linClrLst meth="repeat">
+      <a:schemeClr val="lt1"/>
+    </dgm:linClrLst>
+    <dgm:effectClrLst/>
+    <dgm:txLinClrLst/>
+    <dgm:txFillClrLst/>
+    <dgm:txEffectClrLst/>
+  </dgm:styleLbl>
+  <dgm:styleLbl name="node2">
+    <dgm:fillClrLst meth="repeat">
+      <a:schemeClr val="accent1"/>
+    </dgm:fillClrLst>
+    <dgm:linClrLst meth="repeat">
+      <a:schemeClr val="lt1"/>
+    </dgm:linClrLst>
+    <dgm:effectClrLst/>
+    <dgm:txLinClrLst/>
+    <dgm:txFillClrLst/>
+    <dgm:txEffectClrLst/>
+  </dgm:styleLbl>
+  <dgm:styleLbl name="node3">
+    <dgm:fillClrLst meth="repeat">
+      <a:schemeClr val="accent1"/>
+    </dgm:fillClrLst>
+    <dgm:linClrLst meth="repeat">
+      <a:schemeClr val="lt1"/>
+    </dgm:linClrLst>
+    <dgm:effectClrLst/>
+    <dgm:txLinClrLst/>
+    <dgm:txFillClrLst/>
+    <dgm:txEffectClrLst/>
+  </dgm:styleLbl>
+  <dgm:styleLbl name="node4">
+    <dgm:fillClrLst meth="repeat">
+      <a:schemeClr val="accent1"/>
+    </dgm:fillClrLst>
+    <dgm:linClrLst meth="repeat">
+      <a:schemeClr val="lt1"/>
+    </dgm:linClrLst>
+    <dgm:effectClrLst/>
+    <dgm:txLinClrLst/>
+    <dgm:txFillClrLst/>
+    <dgm:txEffectClrLst/>
+  </dgm:styleLbl>
+  <dgm:styleLbl name="fgImgPlace1">
+    <dgm:fillClrLst meth="repeat">
+      <a:schemeClr val="accent1">
+        <a:tint val="50000"/>
+      </a:schemeClr>
+    </dgm:fillClrLst>
+    <dgm:linClrLst meth="repeat">
+      <a:schemeClr val="lt1"/>
+    </dgm:linClrLst>
+    <dgm:effectClrLst/>
+    <dgm:txLinClrLst/>
+    <dgm:txFillClrLst meth="repeat">
+      <a:schemeClr val="lt1"/>
+    </dgm:txFillClrLst>
+    <dgm:txEffectClrLst/>
+  </dgm:styleLbl>
+  <dgm:styleLbl name="alignImgPlace1">
+    <dgm:fillClrLst meth="repeat">
+      <a:schemeClr val="accent1">
+        <a:tint val="50000"/>
+      </a:schemeClr>
+    </dgm:fillClrLst>
+    <dgm:linClrLst meth="repeat">
+      <a:schemeClr val="lt1"/>
+    </dgm:linClrLst>
+    <dgm:effectClrLst/>
+    <dgm:txLinClrLst/>
+    <dgm:txFillClrLst meth="repeat">
+      <a:schemeClr val="lt1"/>
+    </dgm:txFillClrLst>
+    <dgm:txEffectClrLst/>
+  </dgm:styleLbl>
+  <dgm:styleLbl name="bgImgPlace1">
+    <dgm:fillClrLst meth="repeat">
+      <a:schemeClr val="accent1">
+        <a:tint val="50000"/>
+      </a:schemeClr>
+    </dgm:fillClrLst>
+    <dgm:linClrLst meth="repeat">
+      <a:schemeClr val="lt1"/>
+    </dgm:linClrLst>
+    <dgm:effectClrLst/>
+    <dgm:txLinClrLst/>
+    <dgm:txFillClrLst meth="repeat">
+      <a:schemeClr val="lt1"/>
+    </dgm:txFillClrLst>
+    <dgm:txEffectClrLst/>
+  </dgm:styleLbl>
+  <dgm:styleLbl name="sibTrans2D1">
+    <dgm:fillClrLst meth="repeat">
+      <a:schemeClr val="accent1">
+        <a:tint val="60000"/>
+      </a:schemeClr>
+    </dgm:fillClrLst>
+    <dgm:linClrLst meth="repeat">
+      <a:schemeClr val="accent1">
+        <a:tint val="60000"/>
+      </a:schemeClr>
+    </dgm:linClrLst>
+    <dgm:effectClrLst/>
+    <dgm:txLinClrLst/>
+    <dgm:txFillClrLst/>
+    <dgm:txEffectClrLst/>
+  </dgm:styleLbl>
+  <dgm:styleLbl name="fgSibTrans2D1">
+    <dgm:fillClrLst meth="repeat">
+      <a:schemeClr val="accent1">
+        <a:tint val="60000"/>
+      </a:schemeClr>
+    </dgm:fillClrLst>
+    <dgm:linClrLst meth="repeat">
+      <a:schemeClr val="accent1">
+        <a:tint val="60000"/>
+      </a:schemeClr>
+    </dgm:linClrLst>
+    <dgm:effectClrLst/>
+    <dgm:txLinClrLst/>
+    <dgm:txFillClrLst/>
+    <dgm:txEffectClrLst/>
+  </dgm:styleLbl>
+  <dgm:styleLbl name="bgSibTrans2D1">
+    <dgm:fillClrLst meth="repeat">
+      <a:schemeClr val="accent1">
+        <a:tint val="60000"/>
+      </a:schemeClr>
+    </dgm:fillClrLst>
+    <dgm:linClrLst meth="repeat">
+      <a:schemeClr val="accent1">
+        <a:tint val="60000"/>
+      </a:schemeClr>
+    </dgm:linClrLst>
+    <dgm:effectClrLst/>
+    <dgm:txLinClrLst/>
+    <dgm:txFillClrLst/>
+    <dgm:txEffectClrLst/>
+  </dgm:styleLbl>
+  <dgm:styleLbl name="sibTrans1D1">
+    <dgm:fillClrLst meth="repeat">
+      <a:schemeClr val="accent1"/>
+    </dgm:fillClrLst>
+    <dgm:linClrLst meth="repeat">
+      <a:schemeClr val="accent1"/>
+    </dgm:linClrLst>
+    <dgm:effectClrLst/>
+    <dgm:txLinClrLst/>
+    <dgm:txFillClrLst meth="repeat">
+      <a:schemeClr val="tx1"/>
+    </dgm:txFillClrLst>
+    <dgm:txEffectClrLst/>
+  </dgm:styleLbl>
+  <dgm:styleLbl name="callout">
+    <dgm:fillClrLst meth="repeat">
+      <a:schemeClr val="accent1"/>
+    </dgm:fillClrLst>
+    <dgm:linClrLst meth="repeat">
+      <a:schemeClr val="accent1">
+        <a:tint val="50000"/>
+      </a:schemeClr>
+    </dgm:linClrLst>
+    <dgm:effectClrLst/>
+    <dgm:txLinClrLst/>
+    <dgm:txFillClrLst meth="repeat">
+      <a:schemeClr val="tx1"/>
+    </dgm:txFillClrLst>
+    <dgm:txEffectClrLst/>
+  </dgm:styleLbl>
+  <dgm:styleLbl name="asst0">
+    <dgm:fillClrLst meth="repeat">
+      <a:schemeClr val="accent1"/>
+    </dgm:fillClrLst>
+    <dgm:linClrLst meth="repeat">
+      <a:schemeClr val="lt1"/>
+    </dgm:linClrLst>
+    <dgm:effectClrLst/>
+    <dgm:txLinClrLst/>
+    <dgm:txFillClrLst/>
+    <dgm:txEffectClrLst/>
+  </dgm:styleLbl>
+  <dgm:styleLbl name="asst1">
+    <dgm:fillClrLst meth="repeat">
+      <a:schemeClr val="accent1"/>
+    </dgm:fillClrLst>
+    <dgm:linClrLst meth="repeat">
+      <a:schemeClr val="lt1"/>
+    </dgm:linClrLst>
+    <dgm:effectClrLst/>
+    <dgm:txLinClrLst/>
+    <dgm:txFillClrLst/>
+    <dgm:txEffectClrLst/>
+  </dgm:styleLbl>
+  <dgm:styleLbl name="asst2">
+    <dgm:fillClrLst meth="repeat">
+      <a:schemeClr val="accent1"/>
+    </dgm:fillClrLst>
+    <dgm:linClrLst meth="repeat">
+      <a:schemeClr val="lt1"/>
+    </dgm:linClrLst>
+    <dgm:effectClrLst/>
+    <dgm:txLinClrLst/>
+    <dgm:txFillClrLst/>
+    <dgm:txEffectClrLst/>
+  </dgm:styleLbl>
+  <dgm:styleLbl name="asst3">
+    <dgm:fillClrLst meth="repeat">
+      <a:schemeClr val="accent1"/>
+    </dgm:fillClrLst>
+    <dgm:linClrLst meth="repeat">
+      <a:schemeClr val="lt1"/>
+    </dgm:linClrLst>
+    <dgm:effectClrLst/>
+    <dgm:txLinClrLst/>
+    <dgm:txFillClrLst/>
+    <dgm:txEffectClrLst/>
+  </dgm:styleLbl>
+  <dgm:styleLbl name="asst4">
+    <dgm:fillClrLst meth="repeat">
+      <a:schemeClr val="accent1"/>
+    </dgm:fillClrLst>
+    <dgm:linClrLst meth="repeat">
+      <a:schemeClr val="lt1"/>
+    </dgm:linClrLst>
+    <dgm:effectClrLst/>
+    <dgm:txLinClrLst/>
+    <dgm:txFillClrLst/>
+    <dgm:txEffectClrLst/>
+  </dgm:styleLbl>
+  <dgm:styleLbl name="parChTrans2D1">
+    <dgm:fillClrLst meth="repeat">
+      <a:schemeClr val="accent1">
+        <a:tint val="60000"/>
+      </a:schemeClr>
+    </dgm:fillClrLst>
+    <dgm:linClrLst meth="repeat">
+      <a:schemeClr val="accent1">
+        <a:tint val="60000"/>
+      </a:schemeClr>
+    </dgm:linClrLst>
+    <dgm:effectClrLst/>
+    <dgm:txLinClrLst/>
+    <dgm:txFillClrLst meth="repeat">
+      <a:schemeClr val="lt1"/>
+    </dgm:txFillClrLst>
+    <dgm:txEffectClrLst/>
+  </dgm:styleLbl>
+  <dgm:styleLbl name="parChTrans2D2">
+    <dgm:fillClrLst meth="repeat">
+      <a:schemeClr val="accent1"/>
+    </dgm:fillClrLst>
+    <dgm:linClrLst meth="repeat">
+      <a:schemeClr val="accent1"/>
+    </dgm:linClrLst>
+    <dgm:effectClrLst/>
+    <dgm:txLinClrLst/>
+    <dgm:txFillClrLst meth="repeat">
+      <a:schemeClr val="lt1"/>
+    </dgm:txFillClrLst>
+    <dgm:txEffectClrLst/>
+  </dgm:styleLbl>
+  <dgm:styleLbl name="parChTrans2D3">
+    <dgm:fillClrLst meth="repeat">
+      <a:schemeClr val="accent1"/>
+    </dgm:fillClrLst>
+    <dgm:linClrLst meth="repeat">
+      <a:schemeClr val="accent1"/>
+    </dgm:linClrLst>
+    <dgm:effectClrLst/>
+    <dgm:txLinClrLst/>
+    <dgm:txFillClrLst meth="repeat">
+      <a:schemeClr val="lt1"/>
+    </dgm:txFillClrLst>
+    <dgm:txEffectClrLst/>
+  </dgm:styleLbl>
+  <dgm:styleLbl name="parChTrans2D4">
+    <dgm:fillClrLst meth="repeat">
+      <a:schemeClr val="accent1"/>
+    </dgm:fillClrLst>
+    <dgm:linClrLst meth="repeat">
+      <a:schemeClr val="accent1"/>
+    </dgm:linClrLst>
+    <dgm:effectClrLst/>
+    <dgm:txLinClrLst/>
+    <dgm:txFillClrLst meth="repeat">
+      <a:schemeClr val="lt1"/>
+    </dgm:txFillClrLst>
+    <dgm:txEffectClrLst/>
+  </dgm:styleLbl>
+  <dgm:styleLbl name="parChTrans1D1">
+    <dgm:fillClrLst meth="repeat">
+      <a:schemeClr val="accent1"/>
+    </dgm:fillClrLst>
+    <dgm:linClrLst meth="repeat">
+      <a:schemeClr val="accent1">
+        <a:shade val="60000"/>
+      </a:schemeClr>
+    </dgm:linClrLst>
+    <dgm:effectClrLst/>
+    <dgm:txLinClrLst/>
+    <dgm:txFillClrLst meth="repeat">
+      <a:schemeClr val="tx1"/>
+    </dgm:txFillClrLst>
+    <dgm:txEffectClrLst/>
+  </dgm:styleLbl>
+  <dgm:styleLbl name="parChTrans1D2">
+    <dgm:fillClrLst meth="repeat">
+      <a:schemeClr val="accent1"/>
+    </dgm:fillClrLst>
+    <dgm:linClrLst meth="repeat">
+      <a:schemeClr val="accent1">
+        <a:shade val="60000"/>
+      </a:schemeClr>
+    </dgm:linClrLst>
+    <dgm:effectClrLst/>
+    <dgm:txLinClrLst/>
+    <dgm:txFillClrLst meth="repeat">
+      <a:schemeClr val="tx1"/>
+    </dgm:txFillClrLst>
+    <dgm:txEffectClrLst/>
+  </dgm:styleLbl>
+  <dgm:styleLbl name="parChTrans1D3">
+    <dgm:fillClrLst meth="repeat">
+      <a:schemeClr val="accent1"/>
+    </dgm:fillClrLst>
+    <dgm:linClrLst meth="repeat">
+      <a:schemeClr val="accent1">
+        <a:shade val="80000"/>
+      </a:schemeClr>
+    </dgm:linClrLst>
+    <dgm:effectClrLst/>
+    <dgm:txLinClrLst/>
+    <dgm:txFillClrLst meth="repeat">
+      <a:schemeClr val="tx1"/>
+    </dgm:txFillClrLst>
+    <dgm:txEffectClrLst/>
+  </dgm:styleLbl>
+  <dgm:styleLbl name="parChTrans1D4">
+    <dgm:fillClrLst meth="repeat">
+      <a:schemeClr val="accent1"/>
+    </dgm:fillClrLst>
+    <dgm:linClrLst meth="repeat">
+      <a:schemeClr val="accent1">
+        <a:shade val="80000"/>
+      </a:schemeClr>
+    </dgm:linClrLst>
+    <dgm:effectClrLst/>
+    <dgm:txLinClrLst/>
+    <dgm:txFillClrLst meth="repeat">
+      <a:schemeClr val="tx1"/>
+    </dgm:txFillClrLst>
+    <dgm:txEffectClrLst/>
+  </dgm:styleLbl>
+  <dgm:styleLbl name="fgAcc1">
+    <dgm:fillClrLst meth="repeat">
+      <a:schemeClr val="lt1">
+        <a:alpha val="90000"/>
+      </a:schemeClr>
+    </dgm:fillClrLst>
+    <dgm:linClrLst meth="repeat">
+      <a:schemeClr val="accent1"/>
+    </dgm:linClrLst>
+    <dgm:effectClrLst/>
+    <dgm:txLinClrLst/>
+    <dgm:txFillClrLst meth="repeat">
+      <a:schemeClr val="dk1"/>
+    </dgm:txFillClrLst>
+    <dgm:txEffectClrLst/>
+  </dgm:styleLbl>
+  <dgm:styleLbl name="conFgAcc1">
+    <dgm:fillClrLst meth="repeat">
+      <a:schemeClr val="lt1">
+        <a:alpha val="90000"/>
+      </a:schemeClr>
+    </dgm:fillClrLst>
+    <dgm:linClrLst meth="repeat">
+      <a:schemeClr val="accent1"/>
+    </dgm:linClrLst>
+    <dgm:effectClrLst/>
+    <dgm:txLinClrLst/>
+    <dgm:txFillClrLst meth="repeat">
+      <a:schemeClr val="dk1"/>
+    </dgm:txFillClrLst>
+    <dgm:txEffectClrLst/>
+  </dgm:styleLbl>
+  <dgm:styleLbl name="alignAcc1">
+    <dgm:fillClrLst meth="repeat">
+      <a:schemeClr val="lt1">
+        <a:alpha val="90000"/>
+      </a:schemeClr>
+    </dgm:fillClrLst>
+    <dgm:linClrLst meth="repeat">
+      <a:schemeClr val="accent1"/>
+    </dgm:linClrLst>
+    <dgm:effectClrLst/>
+    <dgm:txLinClrLst/>
+    <dgm:txFillClrLst meth="repeat">
+      <a:schemeClr val="dk1"/>
+    </dgm:txFillClrLst>
+    <dgm:txEffectClrLst/>
+  </dgm:styleLbl>
+  <dgm:styleLbl name="trAlignAcc1">
+    <dgm:fillClrLst meth="repeat">
+      <a:schemeClr val="lt1">
+        <a:alpha val="40000"/>
+      </a:schemeClr>
+    </dgm:fillClrLst>
+    <dgm:linClrLst meth="repeat">
+      <a:schemeClr val="accent1"/>
+    </dgm:linClrLst>
+    <dgm:effectClrLst/>
+    <dgm:txLinClrLst/>
+    <dgm:txFillClrLst meth="repeat">
+      <a:schemeClr val="dk1"/>
+    </dgm:txFillClrLst>
+    <dgm:txEffectClrLst/>
+  </dgm:styleLbl>
+  <dgm:styleLbl name="bgAcc1">
+    <dgm:fillClrLst meth="repeat">
+      <a:schemeClr val="lt1">
+        <a:alpha val="90000"/>
+      </a:schemeClr>
+    </dgm:fillClrLst>
+    <dgm:linClrLst meth="repeat">
+      <a:schemeClr val="accent1"/>
+    </dgm:linClrLst>
+    <dgm:effectClrLst/>
+    <dgm:txLinClrLst/>
+    <dgm:txFillClrLst meth="repeat">
+      <a:schemeClr val="dk1"/>
+    </dgm:txFillClrLst>
+    <dgm:txEffectClrLst/>
+  </dgm:styleLbl>
+  <dgm:styleLbl name="solidFgAcc1">
+    <dgm:fillClrLst meth="repeat">
+      <a:schemeClr val="lt1"/>
+    </dgm:fillClrLst>
+    <dgm:linClrLst meth="repeat">
+      <a:schemeClr val="accent1"/>
+    </dgm:linClrLst>
+    <dgm:effectClrLst/>
+    <dgm:txLinClrLst/>
+    <dgm:txFillClrLst meth="repeat">
+      <a:schemeClr val="dk1"/>
+    </dgm:txFillClrLst>
+    <dgm:txEffectClrLst/>
+  </dgm:styleLbl>
+  <dgm:styleLbl name="solidAlignAcc1">
+    <dgm:fillClrLst meth="repeat">
+      <a:schemeClr val="lt1"/>
+    </dgm:fillClrLst>
+    <dgm:linClrLst meth="repeat">
+      <a:schemeClr val="accent1"/>
+    </dgm:linClrLst>
+    <dgm:effectClrLst/>
+    <dgm:txLinClrLst/>
+    <dgm:txFillClrLst meth="repeat">
+      <a:schemeClr val="dk1"/>
+    </dgm:txFillClrLst>
+    <dgm:txEffectClrLst/>
+  </dgm:styleLbl>
+  <dgm:styleLbl name="solidBgAcc1">
+    <dgm:fillClrLst meth="repeat">
+      <a:schemeClr val="lt1"/>
+    </dgm:fillClrLst>
+    <dgm:linClrLst meth="repeat">
+      <a:schemeClr val="accent1"/>
+    </dgm:linClrLst>
+    <dgm:effectClrLst/>
+    <dgm:txLinClrLst/>
+    <dgm:txFillClrLst meth="repeat">
+      <a:schemeClr val="dk1"/>
+    </dgm:txFillClrLst>
+    <dgm:txEffectClrLst/>
+  </dgm:styleLbl>
+  <dgm:styleLbl name="fgAccFollowNode1">
+    <dgm:fillClrLst meth="repeat">
+      <a:schemeClr val="accent1">
+        <a:alpha val="90000"/>
+        <a:tint val="40000"/>
+      </a:schemeClr>
+    </dgm:fillClrLst>
+    <dgm:linClrLst meth="repeat">
+      <a:schemeClr val="accent1">
+        <a:alpha val="90000"/>
+        <a:tint val="40000"/>
+      </a:schemeClr>
+    </dgm:linClrLst>
+    <dgm:effectClrLst/>
+    <dgm:txLinClrLst/>
+    <dgm:txFillClrLst meth="repeat">
+      <a:schemeClr val="dk1"/>
+    </dgm:txFillClrLst>
+    <dgm:txEffectClrLst/>
+  </dgm:styleLbl>
+  <dgm:styleLbl name="alignAccFollowNode1">
+    <dgm:fillClrLst meth="repeat">
+      <a:schemeClr val="accent1">
+        <a:alpha val="90000"/>
+        <a:tint val="40000"/>
+      </a:schemeClr>
+    </dgm:fillClrLst>
+    <dgm:linClrLst meth="repeat">
+      <a:schemeClr val="accent1">
+        <a:alpha val="90000"/>
+        <a:tint val="40000"/>
+      </a:schemeClr>
+    </dgm:linClrLst>
+    <dgm:effectClrLst/>
+    <dgm:txLinClrLst/>
+    <dgm:txFillClrLst meth="repeat">
+      <a:schemeClr val="dk1"/>
+    </dgm:txFillClrLst>
+    <dgm:txEffectClrLst/>
+  </dgm:styleLbl>
+  <dgm:styleLbl name="bgAccFollowNode1">
+    <dgm:fillClrLst meth="repeat">
+      <a:schemeClr val="accent1">
+        <a:alpha val="90000"/>
+        <a:tint val="40000"/>
+      </a:schemeClr>
+    </dgm:fillClrLst>
+    <dgm:linClrLst meth="repeat">
+      <a:schemeClr val="accent1">
+        <a:alpha val="90000"/>
+        <a:tint val="40000"/>
+      </a:schemeClr>
+    </dgm:linClrLst>
+    <dgm:effectClrLst/>
+    <dgm:txLinClrLst/>
+    <dgm:txFillClrLst meth="repeat">
+      <a:schemeClr val="dk1"/>
+    </dgm:txFillClrLst>
+    <dgm:txEffectClrLst/>
+  </dgm:styleLbl>
+  <dgm:styleLbl name="fgAcc0">
+    <dgm:fillClrLst meth="repeat">
+      <a:schemeClr val="lt1">
+        <a:alpha val="90000"/>
+      </a:schemeClr>
+    </dgm:fillClrLst>
+    <dgm:linClrLst meth="repeat">
+      <a:schemeClr val="accent1"/>
+    </dgm:linClrLst>
+    <dgm:effectClrLst/>
+    <dgm:txLinClrLst/>
+    <dgm:txFillClrLst meth="repeat">
+      <a:schemeClr val="dk1"/>
+    </dgm:txFillClrLst>
+    <dgm:txEffectClrLst/>
+  </dgm:styleLbl>
+  <dgm:styleLbl name="fgAcc2">
+    <dgm:fillClrLst meth="repeat">
+      <a:schemeClr val="lt1">
+        <a:alpha val="90000"/>
+      </a:schemeClr>
+    </dgm:fillClrLst>
+    <dgm:linClrLst meth="repeat">
+      <a:schemeClr val="accent1"/>
+    </dgm:linClrLst>
+    <dgm:effectClrLst/>
+    <dgm:txLinClrLst/>
+    <dgm:txFillClrLst meth="repeat">
+      <a:schemeClr val="dk1"/>
+    </dgm:txFillClrLst>
+    <dgm:txEffectClrLst/>
+  </dgm:styleLbl>
+  <dgm:styleLbl name="fgAcc3">
+    <dgm:fillClrLst meth="repeat">
+      <a:schemeClr val="lt1">
+        <a:alpha val="90000"/>
+      </a:schemeClr>
+    </dgm:fillClrLst>
+    <dgm:linClrLst meth="repeat">
+      <a:schemeClr val="accent1"/>
+    </dgm:linClrLst>
+    <dgm:effectClrLst/>
+    <dgm:txLinClrLst/>
+    <dgm:txFillClrLst meth="repeat">
+      <a:schemeClr val="dk1"/>
+    </dgm:txFillClrLst>
+    <dgm:txEffectClrLst/>
+  </dgm:styleLbl>
+  <dgm:styleLbl name="fgAcc4">
+    <dgm:fillClrLst meth="repeat">
+      <a:schemeClr val="lt1">
+        <a:alpha val="90000"/>
+      </a:schemeClr>
+    </dgm:fillClrLst>
+    <dgm:linClrLst meth="repeat">
+      <a:schemeClr val="accent1"/>
+    </dgm:linClrLst>
+    <dgm:effectClrLst/>
+    <dgm:txLinClrLst/>
+    <dgm:txFillClrLst meth="repeat">
+      <a:schemeClr val="dk1"/>
+    </dgm:txFillClrLst>
+    <dgm:txEffectClrLst/>
+  </dgm:styleLbl>
+  <dgm:styleLbl name="bgShp">
+    <dgm:fillClrLst meth="repeat">
+      <a:schemeClr val="accent1">
+        <a:tint val="40000"/>
+      </a:schemeClr>
+    </dgm:fillClrLst>
+    <dgm:linClrLst meth="repeat">
+      <a:schemeClr val="accent1"/>
+    </dgm:linClrLst>
+    <dgm:effectClrLst/>
+    <dgm:txLinClrLst/>
+    <dgm:txFillClrLst meth="repeat">
+      <a:schemeClr val="dk1"/>
+    </dgm:txFillClrLst>
+    <dgm:txEffectClrLst/>
+  </dgm:styleLbl>
+  <dgm:styleLbl name="dkBgShp">
+    <dgm:fillClrLst meth="repeat">
+      <a:schemeClr val="accent1">
+        <a:shade val="80000"/>
+      </a:schemeClr>
+    </dgm:fillClrLst>
+    <dgm:linClrLst meth="repeat">
+      <a:schemeClr val="accent1"/>
+    </dgm:linClrLst>
+    <dgm:effectClrLst/>
+    <dgm:txLinClrLst/>
+    <dgm:txFillClrLst meth="repeat">
+      <a:schemeClr val="lt1"/>
+    </dgm:txFillClrLst>
+    <dgm:txEffectClrLst/>
+  </dgm:styleLbl>
+  <dgm:styleLbl name="trBgShp">
+    <dgm:fillClrLst meth="repeat">
+      <a:schemeClr val="accent1">
+        <a:tint val="50000"/>
+        <a:alpha val="40000"/>
+      </a:schemeClr>
+    </dgm:fillClrLst>
+    <dgm:linClrLst meth="repeat">
+      <a:schemeClr val="accent1"/>
+    </dgm:linClrLst>
+    <dgm:effectClrLst/>
+    <dgm:txLinClrLst/>
+    <dgm:txFillClrLst meth="repeat">
+      <a:schemeClr val="lt1"/>
+    </dgm:txFillClrLst>
+    <dgm:txEffectClrLst/>
+  </dgm:styleLbl>
+  <dgm:styleLbl name="fgShp">
+    <dgm:fillClrLst meth="repeat">
+      <a:schemeClr val="accent1">
+        <a:tint val="60000"/>
+      </a:schemeClr>
+    </dgm:fillClrLst>
+    <dgm:linClrLst meth="repeat">
+      <a:schemeClr val="lt1"/>
+    </dgm:linClrLst>
+    <dgm:effectClrLst/>
+    <dgm:txLinClrLst/>
+    <dgm:txFillClrLst meth="repeat">
+      <a:schemeClr val="dk1"/>
+    </dgm:txFillClrLst>
+    <dgm:txEffectClrLst/>
+  </dgm:styleLbl>
+  <dgm:styleLbl name="revTx">
+    <dgm:fillClrLst meth="repeat">
+      <a:schemeClr val="lt1">
+        <a:alpha val="0"/>
+      </a:schemeClr>
+    </dgm:fillClrLst>
+    <dgm:linClrLst meth="repeat">
+      <a:schemeClr val="dk1">
+        <a:alpha val="0"/>
+      </a:schemeClr>
+    </dgm:linClrLst>
+    <dgm:effectClrLst/>
+    <dgm:txLinClrLst/>
+    <dgm:txFillClrLst meth="repeat">
+      <a:schemeClr val="tx1"/>
+    </dgm:txFillClrLst>
+    <dgm:txEffectClrLst/>
+  </dgm:styleLbl>
+</dgm:colorsDef>
+</file>
+
+<file path=ppt/diagrams/data1.xml><?xml version="1.0" encoding="utf-8"?>
+<dgm:dataModel xmlns:dgm="http://schemas.openxmlformats.org/drawingml/2006/diagram" xmlns:a="http://schemas.openxmlformats.org/drawingml/2006/main">
+  <dgm:ptLst>
+    <dgm:pt modelId="{9EEEDAC5-4E1C-4603-9334-9F084C187352}" type="doc">
+      <dgm:prSet loTypeId="urn:microsoft.com/office/officeart/2005/8/layout/cycle1" loCatId="cycle" qsTypeId="urn:microsoft.com/office/officeart/2005/8/quickstyle/simple1" qsCatId="simple" csTypeId="urn:microsoft.com/office/officeart/2005/8/colors/accent1_2" csCatId="accent1" phldr="1"/>
+      <dgm:spPr/>
+      <dgm:t>
+        <a:bodyPr/>
+        <a:lstStyle/>
+        <a:p>
+          <a:endParaRPr lang="de-DE"/>
+        </a:p>
+      </dgm:t>
+    </dgm:pt>
+    <dgm:pt modelId="{F67AE151-64A6-4306-992F-E380237442EC}">
+      <dgm:prSet phldrT="[Text]"/>
+      <dgm:spPr/>
+      <dgm:t>
+        <a:bodyPr/>
+        <a:lstStyle/>
+        <a:p>
+          <a:r>
+            <a:rPr lang="de-DE" dirty="0"/>
+            <a:t>Enter Room</a:t>
+          </a:r>
+        </a:p>
+      </dgm:t>
+    </dgm:pt>
+    <dgm:pt modelId="{F111D6FC-39EC-49F3-916A-1F6FEFAF4ED6}" type="parTrans" cxnId="{96866E7E-BC9A-4371-921D-9FA5D26D494D}">
+      <dgm:prSet/>
+      <dgm:spPr/>
+      <dgm:t>
+        <a:bodyPr/>
+        <a:lstStyle/>
+        <a:p>
+          <a:endParaRPr lang="de-DE"/>
+        </a:p>
+      </dgm:t>
+    </dgm:pt>
+    <dgm:pt modelId="{C6F7374C-FFC2-4396-B50C-4622FFAC711C}" type="sibTrans" cxnId="{96866E7E-BC9A-4371-921D-9FA5D26D494D}">
+      <dgm:prSet/>
+      <dgm:spPr/>
+      <dgm:t>
+        <a:bodyPr/>
+        <a:lstStyle/>
+        <a:p>
+          <a:endParaRPr lang="de-DE"/>
+        </a:p>
+      </dgm:t>
+    </dgm:pt>
+    <dgm:pt modelId="{96628D2C-7EAB-4274-9837-8BDC1B87D12C}">
+      <dgm:prSet phldrT="[Text]"/>
+      <dgm:spPr/>
+      <dgm:t>
+        <a:bodyPr/>
+        <a:lstStyle/>
+        <a:p>
+          <a:r>
+            <a:rPr lang="de-DE" dirty="0" smtClean="0"/>
+            <a:t>Sacrifice</a:t>
+          </a:r>
+          <a:endParaRPr lang="de-DE" dirty="0"/>
+        </a:p>
+      </dgm:t>
+    </dgm:pt>
+    <dgm:pt modelId="{C22FAF56-931C-4581-BF1B-3F6A8449AAE4}" type="parTrans" cxnId="{F86B7884-593C-434B-AE61-75768AA6DB28}">
+      <dgm:prSet/>
+      <dgm:spPr/>
+      <dgm:t>
+        <a:bodyPr/>
+        <a:lstStyle/>
+        <a:p>
+          <a:endParaRPr lang="de-DE"/>
+        </a:p>
+      </dgm:t>
+    </dgm:pt>
+    <dgm:pt modelId="{DDA921E5-18F1-436D-AF1F-1C5A65A5B14D}" type="sibTrans" cxnId="{F86B7884-593C-434B-AE61-75768AA6DB28}">
+      <dgm:prSet/>
+      <dgm:spPr/>
+      <dgm:t>
+        <a:bodyPr/>
+        <a:lstStyle/>
+        <a:p>
+          <a:endParaRPr lang="de-DE"/>
+        </a:p>
+      </dgm:t>
+    </dgm:pt>
+    <dgm:pt modelId="{E7366139-2E93-4E6B-999D-EAC4D31D9442}">
+      <dgm:prSet phldrT="[Text]"/>
+      <dgm:spPr/>
+      <dgm:t>
+        <a:bodyPr/>
+        <a:lstStyle/>
+        <a:p>
+          <a:r>
+            <a:rPr lang="de-DE" dirty="0" smtClean="0"/>
+            <a:t>Posession</a:t>
+          </a:r>
+          <a:endParaRPr lang="de-DE" dirty="0"/>
+        </a:p>
+      </dgm:t>
+    </dgm:pt>
+    <dgm:pt modelId="{E1A36387-F97D-43EB-9F35-9236BD1CA5BB}" type="parTrans" cxnId="{3CFE2921-DE23-4DD0-B2A3-511BC89CD467}">
+      <dgm:prSet/>
+      <dgm:spPr/>
+      <dgm:t>
+        <a:bodyPr/>
+        <a:lstStyle/>
+        <a:p>
+          <a:endParaRPr lang="de-DE"/>
+        </a:p>
+      </dgm:t>
+    </dgm:pt>
+    <dgm:pt modelId="{317BF9F5-A087-4F47-AC75-C17C296C7A75}" type="sibTrans" cxnId="{3CFE2921-DE23-4DD0-B2A3-511BC89CD467}">
+      <dgm:prSet/>
+      <dgm:spPr/>
+      <dgm:t>
+        <a:bodyPr/>
+        <a:lstStyle/>
+        <a:p>
+          <a:endParaRPr lang="de-DE"/>
+        </a:p>
+      </dgm:t>
+    </dgm:pt>
+    <dgm:pt modelId="{327738D1-4468-4C96-AE85-E76ED1488943}">
+      <dgm:prSet phldrT="[Text]"/>
+      <dgm:spPr/>
+      <dgm:t>
+        <a:bodyPr/>
+        <a:lstStyle/>
+        <a:p>
+          <a:r>
+            <a:rPr lang="de-DE" dirty="0" smtClean="0"/>
+            <a:t>Open </a:t>
+          </a:r>
+          <a:r>
+            <a:rPr lang="de-DE" dirty="0"/>
+            <a:t>Door</a:t>
+          </a:r>
+        </a:p>
+      </dgm:t>
+    </dgm:pt>
+    <dgm:pt modelId="{2DBE0B07-FD22-409F-9DFC-ADAF7F984974}" type="parTrans" cxnId="{5240BA0F-D373-4B72-A881-4D29E4A13D1B}">
+      <dgm:prSet/>
+      <dgm:spPr/>
+      <dgm:t>
+        <a:bodyPr/>
+        <a:lstStyle/>
+        <a:p>
+          <a:endParaRPr lang="de-DE"/>
+        </a:p>
+      </dgm:t>
+    </dgm:pt>
+    <dgm:pt modelId="{4622733E-9E84-4A5B-A393-47F0086A4240}" type="sibTrans" cxnId="{5240BA0F-D373-4B72-A881-4D29E4A13D1B}">
+      <dgm:prSet/>
+      <dgm:spPr/>
+      <dgm:t>
+        <a:bodyPr/>
+        <a:lstStyle/>
+        <a:p>
+          <a:endParaRPr lang="de-DE"/>
+        </a:p>
+      </dgm:t>
+    </dgm:pt>
+    <dgm:pt modelId="{078045A0-F657-4EBE-8D23-B0F976E3CE34}" type="pres">
+      <dgm:prSet presAssocID="{9EEEDAC5-4E1C-4603-9334-9F084C187352}" presName="cycle" presStyleCnt="0">
+        <dgm:presLayoutVars>
+          <dgm:dir/>
+          <dgm:resizeHandles val="exact"/>
+        </dgm:presLayoutVars>
+      </dgm:prSet>
+      <dgm:spPr/>
+      <dgm:t>
+        <a:bodyPr/>
+        <a:lstStyle/>
+        <a:p>
+          <a:endParaRPr lang="de-DE"/>
+        </a:p>
+      </dgm:t>
+    </dgm:pt>
+    <dgm:pt modelId="{80B15AFE-3F34-430D-AD39-4E80EF6556F5}" type="pres">
+      <dgm:prSet presAssocID="{F67AE151-64A6-4306-992F-E380237442EC}" presName="dummy" presStyleCnt="0"/>
+      <dgm:spPr/>
+    </dgm:pt>
+    <dgm:pt modelId="{EE66156B-3253-463E-8770-08B381EBFE88}" type="pres">
+      <dgm:prSet presAssocID="{F67AE151-64A6-4306-992F-E380237442EC}" presName="node" presStyleLbl="revTx" presStyleIdx="0" presStyleCnt="4">
+        <dgm:presLayoutVars>
+          <dgm:bulletEnabled val="1"/>
+        </dgm:presLayoutVars>
+      </dgm:prSet>
+      <dgm:spPr/>
+      <dgm:t>
+        <a:bodyPr/>
+        <a:lstStyle/>
+        <a:p>
+          <a:endParaRPr lang="de-DE"/>
+        </a:p>
+      </dgm:t>
+    </dgm:pt>
+    <dgm:pt modelId="{E226B249-1392-4EE7-ACC2-00EB84AB2948}" type="pres">
+      <dgm:prSet presAssocID="{C6F7374C-FFC2-4396-B50C-4622FFAC711C}" presName="sibTrans" presStyleLbl="node1" presStyleIdx="0" presStyleCnt="4"/>
+      <dgm:spPr/>
+      <dgm:t>
+        <a:bodyPr/>
+        <a:lstStyle/>
+        <a:p>
+          <a:endParaRPr lang="de-DE"/>
+        </a:p>
+      </dgm:t>
+    </dgm:pt>
+    <dgm:pt modelId="{5D6E78C9-5B7D-49EB-91D8-2B5414DB650E}" type="pres">
+      <dgm:prSet presAssocID="{96628D2C-7EAB-4274-9837-8BDC1B87D12C}" presName="dummy" presStyleCnt="0"/>
+      <dgm:spPr/>
+    </dgm:pt>
+    <dgm:pt modelId="{80BCFAE1-1161-4D0D-92C3-9CEB34B8EE0D}" type="pres">
+      <dgm:prSet presAssocID="{96628D2C-7EAB-4274-9837-8BDC1B87D12C}" presName="node" presStyleLbl="revTx" presStyleIdx="1" presStyleCnt="4">
+        <dgm:presLayoutVars>
+          <dgm:bulletEnabled val="1"/>
+        </dgm:presLayoutVars>
+      </dgm:prSet>
+      <dgm:spPr/>
+      <dgm:t>
+        <a:bodyPr/>
+        <a:lstStyle/>
+        <a:p>
+          <a:endParaRPr lang="de-DE"/>
+        </a:p>
+      </dgm:t>
+    </dgm:pt>
+    <dgm:pt modelId="{98E4E2C3-7BBD-46E1-9A48-23348DF1BE49}" type="pres">
+      <dgm:prSet presAssocID="{DDA921E5-18F1-436D-AF1F-1C5A65A5B14D}" presName="sibTrans" presStyleLbl="node1" presStyleIdx="1" presStyleCnt="4"/>
+      <dgm:spPr/>
+      <dgm:t>
+        <a:bodyPr/>
+        <a:lstStyle/>
+        <a:p>
+          <a:endParaRPr lang="de-DE"/>
+        </a:p>
+      </dgm:t>
+    </dgm:pt>
+    <dgm:pt modelId="{8EF16F83-7E48-4FEB-BA9A-4264F189B7E4}" type="pres">
+      <dgm:prSet presAssocID="{E7366139-2E93-4E6B-999D-EAC4D31D9442}" presName="dummy" presStyleCnt="0"/>
+      <dgm:spPr/>
+    </dgm:pt>
+    <dgm:pt modelId="{BA141A2B-EFCD-406E-9F7A-165081E8E2FA}" type="pres">
+      <dgm:prSet presAssocID="{E7366139-2E93-4E6B-999D-EAC4D31D9442}" presName="node" presStyleLbl="revTx" presStyleIdx="2" presStyleCnt="4">
+        <dgm:presLayoutVars>
+          <dgm:bulletEnabled val="1"/>
+        </dgm:presLayoutVars>
+      </dgm:prSet>
+      <dgm:spPr/>
+      <dgm:t>
+        <a:bodyPr/>
+        <a:lstStyle/>
+        <a:p>
+          <a:endParaRPr lang="de-DE"/>
+        </a:p>
+      </dgm:t>
+    </dgm:pt>
+    <dgm:pt modelId="{37ACC3FE-496A-4E50-A5DC-20988C058B0C}" type="pres">
+      <dgm:prSet presAssocID="{317BF9F5-A087-4F47-AC75-C17C296C7A75}" presName="sibTrans" presStyleLbl="node1" presStyleIdx="2" presStyleCnt="4"/>
+      <dgm:spPr/>
+      <dgm:t>
+        <a:bodyPr/>
+        <a:lstStyle/>
+        <a:p>
+          <a:endParaRPr lang="de-DE"/>
+        </a:p>
+      </dgm:t>
+    </dgm:pt>
+    <dgm:pt modelId="{1409F35A-1864-433C-88A9-ABADCC2C125E}" type="pres">
+      <dgm:prSet presAssocID="{327738D1-4468-4C96-AE85-E76ED1488943}" presName="dummy" presStyleCnt="0"/>
+      <dgm:spPr/>
+    </dgm:pt>
+    <dgm:pt modelId="{2A8129C4-1292-444A-AAD8-D66E8FFB695A}" type="pres">
+      <dgm:prSet presAssocID="{327738D1-4468-4C96-AE85-E76ED1488943}" presName="node" presStyleLbl="revTx" presStyleIdx="3" presStyleCnt="4">
+        <dgm:presLayoutVars>
+          <dgm:bulletEnabled val="1"/>
+        </dgm:presLayoutVars>
+      </dgm:prSet>
+      <dgm:spPr/>
+      <dgm:t>
+        <a:bodyPr/>
+        <a:lstStyle/>
+        <a:p>
+          <a:endParaRPr lang="de-DE"/>
+        </a:p>
+      </dgm:t>
+    </dgm:pt>
+    <dgm:pt modelId="{2DB9D6A3-6E26-44E7-99BA-9B63DD6F9F61}" type="pres">
+      <dgm:prSet presAssocID="{4622733E-9E84-4A5B-A393-47F0086A4240}" presName="sibTrans" presStyleLbl="node1" presStyleIdx="3" presStyleCnt="4"/>
+      <dgm:spPr/>
+      <dgm:t>
+        <a:bodyPr/>
+        <a:lstStyle/>
+        <a:p>
+          <a:endParaRPr lang="de-DE"/>
+        </a:p>
+      </dgm:t>
+    </dgm:pt>
+  </dgm:ptLst>
+  <dgm:cxnLst>
+    <dgm:cxn modelId="{C6ED6294-C9F3-480B-A930-4FB4F680B595}" type="presOf" srcId="{96628D2C-7EAB-4274-9837-8BDC1B87D12C}" destId="{80BCFAE1-1161-4D0D-92C3-9CEB34B8EE0D}" srcOrd="0" destOrd="0" presId="urn:microsoft.com/office/officeart/2005/8/layout/cycle1"/>
+    <dgm:cxn modelId="{7A43B27F-0AA0-46B9-942C-7003F7488DB0}" type="presOf" srcId="{C6F7374C-FFC2-4396-B50C-4622FFAC711C}" destId="{E226B249-1392-4EE7-ACC2-00EB84AB2948}" srcOrd="0" destOrd="0" presId="urn:microsoft.com/office/officeart/2005/8/layout/cycle1"/>
+    <dgm:cxn modelId="{F98E1B72-5F09-46D2-BFBA-D2083C9D3D8B}" type="presOf" srcId="{E7366139-2E93-4E6B-999D-EAC4D31D9442}" destId="{BA141A2B-EFCD-406E-9F7A-165081E8E2FA}" srcOrd="0" destOrd="0" presId="urn:microsoft.com/office/officeart/2005/8/layout/cycle1"/>
+    <dgm:cxn modelId="{BB6454F5-73FE-49E5-B3E9-5E8FB5E7620F}" type="presOf" srcId="{327738D1-4468-4C96-AE85-E76ED1488943}" destId="{2A8129C4-1292-444A-AAD8-D66E8FFB695A}" srcOrd="0" destOrd="0" presId="urn:microsoft.com/office/officeart/2005/8/layout/cycle1"/>
+    <dgm:cxn modelId="{C57F83E1-1377-424B-88FD-24449FA9116A}" type="presOf" srcId="{F67AE151-64A6-4306-992F-E380237442EC}" destId="{EE66156B-3253-463E-8770-08B381EBFE88}" srcOrd="0" destOrd="0" presId="urn:microsoft.com/office/officeart/2005/8/layout/cycle1"/>
+    <dgm:cxn modelId="{F86B7884-593C-434B-AE61-75768AA6DB28}" srcId="{9EEEDAC5-4E1C-4603-9334-9F084C187352}" destId="{96628D2C-7EAB-4274-9837-8BDC1B87D12C}" srcOrd="1" destOrd="0" parTransId="{C22FAF56-931C-4581-BF1B-3F6A8449AAE4}" sibTransId="{DDA921E5-18F1-436D-AF1F-1C5A65A5B14D}"/>
+    <dgm:cxn modelId="{3CFE2921-DE23-4DD0-B2A3-511BC89CD467}" srcId="{9EEEDAC5-4E1C-4603-9334-9F084C187352}" destId="{E7366139-2E93-4E6B-999D-EAC4D31D9442}" srcOrd="2" destOrd="0" parTransId="{E1A36387-F97D-43EB-9F35-9236BD1CA5BB}" sibTransId="{317BF9F5-A087-4F47-AC75-C17C296C7A75}"/>
+    <dgm:cxn modelId="{B00C9048-6A8D-4267-9515-1570AE1F9029}" type="presOf" srcId="{317BF9F5-A087-4F47-AC75-C17C296C7A75}" destId="{37ACC3FE-496A-4E50-A5DC-20988C058B0C}" srcOrd="0" destOrd="0" presId="urn:microsoft.com/office/officeart/2005/8/layout/cycle1"/>
+    <dgm:cxn modelId="{96866E7E-BC9A-4371-921D-9FA5D26D494D}" srcId="{9EEEDAC5-4E1C-4603-9334-9F084C187352}" destId="{F67AE151-64A6-4306-992F-E380237442EC}" srcOrd="0" destOrd="0" parTransId="{F111D6FC-39EC-49F3-916A-1F6FEFAF4ED6}" sibTransId="{C6F7374C-FFC2-4396-B50C-4622FFAC711C}"/>
+    <dgm:cxn modelId="{5240BA0F-D373-4B72-A881-4D29E4A13D1B}" srcId="{9EEEDAC5-4E1C-4603-9334-9F084C187352}" destId="{327738D1-4468-4C96-AE85-E76ED1488943}" srcOrd="3" destOrd="0" parTransId="{2DBE0B07-FD22-409F-9DFC-ADAF7F984974}" sibTransId="{4622733E-9E84-4A5B-A393-47F0086A4240}"/>
+    <dgm:cxn modelId="{CE690537-E250-4473-8168-B65AA6F4A236}" type="presOf" srcId="{4622733E-9E84-4A5B-A393-47F0086A4240}" destId="{2DB9D6A3-6E26-44E7-99BA-9B63DD6F9F61}" srcOrd="0" destOrd="0" presId="urn:microsoft.com/office/officeart/2005/8/layout/cycle1"/>
+    <dgm:cxn modelId="{28CD72BF-8C50-400A-B168-2E34B7904184}" type="presOf" srcId="{DDA921E5-18F1-436D-AF1F-1C5A65A5B14D}" destId="{98E4E2C3-7BBD-46E1-9A48-23348DF1BE49}" srcOrd="0" destOrd="0" presId="urn:microsoft.com/office/officeart/2005/8/layout/cycle1"/>
+    <dgm:cxn modelId="{5E1AA169-3019-4FFE-8F57-FD24A77E01D3}" type="presOf" srcId="{9EEEDAC5-4E1C-4603-9334-9F084C187352}" destId="{078045A0-F657-4EBE-8D23-B0F976E3CE34}" srcOrd="0" destOrd="0" presId="urn:microsoft.com/office/officeart/2005/8/layout/cycle1"/>
+    <dgm:cxn modelId="{AC7D3889-D43B-4212-9E95-5F064816C229}" type="presParOf" srcId="{078045A0-F657-4EBE-8D23-B0F976E3CE34}" destId="{80B15AFE-3F34-430D-AD39-4E80EF6556F5}" srcOrd="0" destOrd="0" presId="urn:microsoft.com/office/officeart/2005/8/layout/cycle1"/>
+    <dgm:cxn modelId="{37A002E9-5DB7-4C03-B2D2-6C5ED430C603}" type="presParOf" srcId="{078045A0-F657-4EBE-8D23-B0F976E3CE34}" destId="{EE66156B-3253-463E-8770-08B381EBFE88}" srcOrd="1" destOrd="0" presId="urn:microsoft.com/office/officeart/2005/8/layout/cycle1"/>
+    <dgm:cxn modelId="{C1976F1D-B369-43BF-8879-0C84AA13F226}" type="presParOf" srcId="{078045A0-F657-4EBE-8D23-B0F976E3CE34}" destId="{E226B249-1392-4EE7-ACC2-00EB84AB2948}" srcOrd="2" destOrd="0" presId="urn:microsoft.com/office/officeart/2005/8/layout/cycle1"/>
+    <dgm:cxn modelId="{FD5A9389-9882-47E3-95A8-A630AB6DA940}" type="presParOf" srcId="{078045A0-F657-4EBE-8D23-B0F976E3CE34}" destId="{5D6E78C9-5B7D-49EB-91D8-2B5414DB650E}" srcOrd="3" destOrd="0" presId="urn:microsoft.com/office/officeart/2005/8/layout/cycle1"/>
+    <dgm:cxn modelId="{B8EE7F91-EBA2-41B9-B708-877855EF1270}" type="presParOf" srcId="{078045A0-F657-4EBE-8D23-B0F976E3CE34}" destId="{80BCFAE1-1161-4D0D-92C3-9CEB34B8EE0D}" srcOrd="4" destOrd="0" presId="urn:microsoft.com/office/officeart/2005/8/layout/cycle1"/>
+    <dgm:cxn modelId="{8A56CC52-A436-459B-B679-90F8D9A64E10}" type="presParOf" srcId="{078045A0-F657-4EBE-8D23-B0F976E3CE34}" destId="{98E4E2C3-7BBD-46E1-9A48-23348DF1BE49}" srcOrd="5" destOrd="0" presId="urn:microsoft.com/office/officeart/2005/8/layout/cycle1"/>
+    <dgm:cxn modelId="{002AFFDD-20E0-4DF0-82EF-43D486AA867A}" type="presParOf" srcId="{078045A0-F657-4EBE-8D23-B0F976E3CE34}" destId="{8EF16F83-7E48-4FEB-BA9A-4264F189B7E4}" srcOrd="6" destOrd="0" presId="urn:microsoft.com/office/officeart/2005/8/layout/cycle1"/>
+    <dgm:cxn modelId="{B574E2B6-0048-47DA-AF65-9D9F62915FFF}" type="presParOf" srcId="{078045A0-F657-4EBE-8D23-B0F976E3CE34}" destId="{BA141A2B-EFCD-406E-9F7A-165081E8E2FA}" srcOrd="7" destOrd="0" presId="urn:microsoft.com/office/officeart/2005/8/layout/cycle1"/>
+    <dgm:cxn modelId="{F4F23FBC-4793-4E0E-9A99-903D909C4356}" type="presParOf" srcId="{078045A0-F657-4EBE-8D23-B0F976E3CE34}" destId="{37ACC3FE-496A-4E50-A5DC-20988C058B0C}" srcOrd="8" destOrd="0" presId="urn:microsoft.com/office/officeart/2005/8/layout/cycle1"/>
+    <dgm:cxn modelId="{E25BABBB-F535-406B-B887-EABCC494978B}" type="presParOf" srcId="{078045A0-F657-4EBE-8D23-B0F976E3CE34}" destId="{1409F35A-1864-433C-88A9-ABADCC2C125E}" srcOrd="9" destOrd="0" presId="urn:microsoft.com/office/officeart/2005/8/layout/cycle1"/>
+    <dgm:cxn modelId="{9A791B6F-1570-41C1-A280-71CA2F90B4DA}" type="presParOf" srcId="{078045A0-F657-4EBE-8D23-B0F976E3CE34}" destId="{2A8129C4-1292-444A-AAD8-D66E8FFB695A}" srcOrd="10" destOrd="0" presId="urn:microsoft.com/office/officeart/2005/8/layout/cycle1"/>
+    <dgm:cxn modelId="{131C1C64-E7CB-4078-8ADF-B8F6E4548A26}" type="presParOf" srcId="{078045A0-F657-4EBE-8D23-B0F976E3CE34}" destId="{2DB9D6A3-6E26-44E7-99BA-9B63DD6F9F61}" srcOrd="11" destOrd="0" presId="urn:microsoft.com/office/officeart/2005/8/layout/cycle1"/>
+  </dgm:cxnLst>
+  <dgm:bg/>
+  <dgm:whole/>
+  <dgm:extLst>
+    <a:ext uri="http://schemas.microsoft.com/office/drawing/2008/diagram">
+      <dsp:dataModelExt xmlns:dsp="http://schemas.microsoft.com/office/drawing/2008/diagram" relId="rId6" minVer="http://schemas.openxmlformats.org/drawingml/2006/diagram"/>
+    </a:ext>
+  </dgm:extLst>
+</dgm:dataModel>
+</file>
+
+<file path=ppt/diagrams/drawing1.xml><?xml version="1.0" encoding="utf-8"?>
+<dsp:drawing xmlns:dgm="http://schemas.openxmlformats.org/drawingml/2006/diagram" xmlns:dsp="http://schemas.microsoft.com/office/drawing/2008/diagram" xmlns:a="http://schemas.openxmlformats.org/drawingml/2006/main">
+  <dsp:spTree>
+    <dsp:nvGrpSpPr>
+      <dsp:cNvPr id="0" name=""/>
+      <dsp:cNvGrpSpPr/>
+    </dsp:nvGrpSpPr>
+    <dsp:grpSpPr/>
+    <dsp:sp modelId="{EE66156B-3253-463E-8770-08B381EBFE88}">
+      <dsp:nvSpPr>
+        <dsp:cNvPr id="0" name=""/>
+        <dsp:cNvSpPr/>
+      </dsp:nvSpPr>
+      <dsp:spPr>
+        <a:xfrm>
+          <a:off x="3138924" y="71298"/>
+          <a:ext cx="1133177" cy="1133177"/>
+        </a:xfrm>
+        <a:prstGeom prst="rect">
+          <a:avLst/>
+        </a:prstGeom>
+        <a:noFill/>
+        <a:ln>
+          <a:noFill/>
+        </a:ln>
+        <a:effectLst/>
+      </dsp:spPr>
+      <dsp:style>
+        <a:lnRef idx="0">
+          <a:scrgbClr r="0" g="0" b="0"/>
+        </a:lnRef>
+        <a:fillRef idx="0">
+          <a:scrgbClr r="0" g="0" b="0"/>
+        </a:fillRef>
+        <a:effectRef idx="0">
+          <a:scrgbClr r="0" g="0" b="0"/>
+        </a:effectRef>
+        <a:fontRef idx="minor"/>
+      </dsp:style>
+      <dsp:txBody>
+        <a:bodyPr spcFirstLastPara="0" vert="horz" wrap="square" lIns="21590" tIns="21590" rIns="21590" bIns="21590" numCol="1" spcCol="1270" anchor="ctr" anchorCtr="0">
+          <a:noAutofit/>
+        </a:bodyPr>
+        <a:lstStyle/>
+        <a:p>
+          <a:pPr lvl="0" algn="ctr" defTabSz="755650">
+            <a:lnSpc>
+              <a:spcPct val="90000"/>
+            </a:lnSpc>
+            <a:spcBef>
+              <a:spcPct val="0"/>
+            </a:spcBef>
+            <a:spcAft>
+              <a:spcPct val="35000"/>
+            </a:spcAft>
+          </a:pPr>
+          <a:r>
+            <a:rPr lang="de-DE" sz="1700" kern="1200" dirty="0"/>
+            <a:t>Enter Room</a:t>
+          </a:r>
+        </a:p>
+      </dsp:txBody>
+      <dsp:txXfrm>
+        <a:off x="3138924" y="71298"/>
+        <a:ext cx="1133177" cy="1133177"/>
+      </dsp:txXfrm>
+    </dsp:sp>
+    <dsp:sp modelId="{E226B249-1392-4EE7-ACC2-00EB84AB2948}">
+      <dsp:nvSpPr>
+        <dsp:cNvPr id="0" name=""/>
+        <dsp:cNvSpPr/>
+      </dsp:nvSpPr>
+      <dsp:spPr>
+        <a:xfrm>
+          <a:off x="1142899" y="-100"/>
+          <a:ext cx="3200600" cy="3200600"/>
+        </a:xfrm>
+        <a:prstGeom prst="circularArrow">
+          <a:avLst>
+            <a:gd name="adj1" fmla="val 6904"/>
+            <a:gd name="adj2" fmla="val 465506"/>
+            <a:gd name="adj3" fmla="val 548766"/>
+            <a:gd name="adj4" fmla="val 20585728"/>
+            <a:gd name="adj5" fmla="val 8055"/>
+          </a:avLst>
+        </a:prstGeom>
+        <a:solidFill>
+          <a:schemeClr val="accent1">
+            <a:hueOff val="0"/>
+            <a:satOff val="0"/>
+            <a:lumOff val="0"/>
+            <a:alphaOff val="0"/>
+          </a:schemeClr>
+        </a:solidFill>
+        <a:ln w="19050" cap="rnd" cmpd="sng" algn="ctr">
+          <a:solidFill>
+            <a:schemeClr val="lt1">
+              <a:hueOff val="0"/>
+              <a:satOff val="0"/>
+              <a:lumOff val="0"/>
+              <a:alphaOff val="0"/>
+            </a:schemeClr>
+          </a:solidFill>
+          <a:prstDash val="solid"/>
+        </a:ln>
+        <a:effectLst/>
+      </dsp:spPr>
+      <dsp:style>
+        <a:lnRef idx="2">
+          <a:scrgbClr r="0" g="0" b="0"/>
+        </a:lnRef>
+        <a:fillRef idx="1">
+          <a:scrgbClr r="0" g="0" b="0"/>
+        </a:fillRef>
+        <a:effectRef idx="0">
+          <a:scrgbClr r="0" g="0" b="0"/>
+        </a:effectRef>
+        <a:fontRef idx="minor">
+          <a:schemeClr val="lt1"/>
+        </a:fontRef>
+      </dsp:style>
+    </dsp:sp>
+    <dsp:sp modelId="{80BCFAE1-1161-4D0D-92C3-9CEB34B8EE0D}">
+      <dsp:nvSpPr>
+        <dsp:cNvPr id="0" name=""/>
+        <dsp:cNvSpPr/>
+      </dsp:nvSpPr>
+      <dsp:spPr>
+        <a:xfrm>
+          <a:off x="3138924" y="1995924"/>
+          <a:ext cx="1133177" cy="1133177"/>
+        </a:xfrm>
+        <a:prstGeom prst="rect">
+          <a:avLst/>
+        </a:prstGeom>
+        <a:noFill/>
+        <a:ln>
+          <a:noFill/>
+        </a:ln>
+        <a:effectLst/>
+      </dsp:spPr>
+      <dsp:style>
+        <a:lnRef idx="0">
+          <a:scrgbClr r="0" g="0" b="0"/>
+        </a:lnRef>
+        <a:fillRef idx="0">
+          <a:scrgbClr r="0" g="0" b="0"/>
+        </a:fillRef>
+        <a:effectRef idx="0">
+          <a:scrgbClr r="0" g="0" b="0"/>
+        </a:effectRef>
+        <a:fontRef idx="minor"/>
+      </dsp:style>
+      <dsp:txBody>
+        <a:bodyPr spcFirstLastPara="0" vert="horz" wrap="square" lIns="21590" tIns="21590" rIns="21590" bIns="21590" numCol="1" spcCol="1270" anchor="ctr" anchorCtr="0">
+          <a:noAutofit/>
+        </a:bodyPr>
+        <a:lstStyle/>
+        <a:p>
+          <a:pPr lvl="0" algn="ctr" defTabSz="755650">
+            <a:lnSpc>
+              <a:spcPct val="90000"/>
+            </a:lnSpc>
+            <a:spcBef>
+              <a:spcPct val="0"/>
+            </a:spcBef>
+            <a:spcAft>
+              <a:spcPct val="35000"/>
+            </a:spcAft>
+          </a:pPr>
+          <a:r>
+            <a:rPr lang="de-DE" sz="1700" kern="1200" dirty="0" smtClean="0"/>
+            <a:t>Sacrifice</a:t>
+          </a:r>
+          <a:endParaRPr lang="de-DE" sz="1700" kern="1200" dirty="0"/>
+        </a:p>
+      </dsp:txBody>
+      <dsp:txXfrm>
+        <a:off x="3138924" y="1995924"/>
+        <a:ext cx="1133177" cy="1133177"/>
+      </dsp:txXfrm>
+    </dsp:sp>
+    <dsp:sp modelId="{98E4E2C3-7BBD-46E1-9A48-23348DF1BE49}">
+      <dsp:nvSpPr>
+        <dsp:cNvPr id="0" name=""/>
+        <dsp:cNvSpPr/>
+      </dsp:nvSpPr>
+      <dsp:spPr>
+        <a:xfrm>
+          <a:off x="1142899" y="-100"/>
+          <a:ext cx="3200600" cy="3200600"/>
+        </a:xfrm>
+        <a:prstGeom prst="circularArrow">
+          <a:avLst>
+            <a:gd name="adj1" fmla="val 6904"/>
+            <a:gd name="adj2" fmla="val 465506"/>
+            <a:gd name="adj3" fmla="val 5948766"/>
+            <a:gd name="adj4" fmla="val 4385728"/>
+            <a:gd name="adj5" fmla="val 8055"/>
+          </a:avLst>
+        </a:prstGeom>
+        <a:solidFill>
+          <a:schemeClr val="accent1">
+            <a:hueOff val="0"/>
+            <a:satOff val="0"/>
+            <a:lumOff val="0"/>
+            <a:alphaOff val="0"/>
+          </a:schemeClr>
+        </a:solidFill>
+        <a:ln w="19050" cap="rnd" cmpd="sng" algn="ctr">
+          <a:solidFill>
+            <a:schemeClr val="lt1">
+              <a:hueOff val="0"/>
+              <a:satOff val="0"/>
+              <a:lumOff val="0"/>
+              <a:alphaOff val="0"/>
+            </a:schemeClr>
+          </a:solidFill>
+          <a:prstDash val="solid"/>
+        </a:ln>
+        <a:effectLst/>
+      </dsp:spPr>
+      <dsp:style>
+        <a:lnRef idx="2">
+          <a:scrgbClr r="0" g="0" b="0"/>
+        </a:lnRef>
+        <a:fillRef idx="1">
+          <a:scrgbClr r="0" g="0" b="0"/>
+        </a:fillRef>
+        <a:effectRef idx="0">
+          <a:scrgbClr r="0" g="0" b="0"/>
+        </a:effectRef>
+        <a:fontRef idx="minor">
+          <a:schemeClr val="lt1"/>
+        </a:fontRef>
+      </dsp:style>
+    </dsp:sp>
+    <dsp:sp modelId="{BA141A2B-EFCD-406E-9F7A-165081E8E2FA}">
+      <dsp:nvSpPr>
+        <dsp:cNvPr id="0" name=""/>
+        <dsp:cNvSpPr/>
+      </dsp:nvSpPr>
+      <dsp:spPr>
+        <a:xfrm>
+          <a:off x="1214298" y="1995924"/>
+          <a:ext cx="1133177" cy="1133177"/>
+        </a:xfrm>
+        <a:prstGeom prst="rect">
+          <a:avLst/>
+        </a:prstGeom>
+        <a:noFill/>
+        <a:ln>
+          <a:noFill/>
+        </a:ln>
+        <a:effectLst/>
+      </dsp:spPr>
+      <dsp:style>
+        <a:lnRef idx="0">
+          <a:scrgbClr r="0" g="0" b="0"/>
+        </a:lnRef>
+        <a:fillRef idx="0">
+          <a:scrgbClr r="0" g="0" b="0"/>
+        </a:fillRef>
+        <a:effectRef idx="0">
+          <a:scrgbClr r="0" g="0" b="0"/>
+        </a:effectRef>
+        <a:fontRef idx="minor"/>
+      </dsp:style>
+      <dsp:txBody>
+        <a:bodyPr spcFirstLastPara="0" vert="horz" wrap="square" lIns="21590" tIns="21590" rIns="21590" bIns="21590" numCol="1" spcCol="1270" anchor="ctr" anchorCtr="0">
+          <a:noAutofit/>
+        </a:bodyPr>
+        <a:lstStyle/>
+        <a:p>
+          <a:pPr lvl="0" algn="ctr" defTabSz="755650">
+            <a:lnSpc>
+              <a:spcPct val="90000"/>
+            </a:lnSpc>
+            <a:spcBef>
+              <a:spcPct val="0"/>
+            </a:spcBef>
+            <a:spcAft>
+              <a:spcPct val="35000"/>
+            </a:spcAft>
+          </a:pPr>
+          <a:r>
+            <a:rPr lang="de-DE" sz="1700" kern="1200" dirty="0" smtClean="0"/>
+            <a:t>Posession</a:t>
+          </a:r>
+          <a:endParaRPr lang="de-DE" sz="1700" kern="1200" dirty="0"/>
+        </a:p>
+      </dsp:txBody>
+      <dsp:txXfrm>
+        <a:off x="1214298" y="1995924"/>
+        <a:ext cx="1133177" cy="1133177"/>
+      </dsp:txXfrm>
+    </dsp:sp>
+    <dsp:sp modelId="{37ACC3FE-496A-4E50-A5DC-20988C058B0C}">
+      <dsp:nvSpPr>
+        <dsp:cNvPr id="0" name=""/>
+        <dsp:cNvSpPr/>
+      </dsp:nvSpPr>
+      <dsp:spPr>
+        <a:xfrm>
+          <a:off x="1142899" y="-100"/>
+          <a:ext cx="3200600" cy="3200600"/>
+        </a:xfrm>
+        <a:prstGeom prst="circularArrow">
+          <a:avLst>
+            <a:gd name="adj1" fmla="val 6904"/>
+            <a:gd name="adj2" fmla="val 465506"/>
+            <a:gd name="adj3" fmla="val 11348766"/>
+            <a:gd name="adj4" fmla="val 9785728"/>
+            <a:gd name="adj5" fmla="val 8055"/>
+          </a:avLst>
+        </a:prstGeom>
+        <a:solidFill>
+          <a:schemeClr val="accent1">
+            <a:hueOff val="0"/>
+            <a:satOff val="0"/>
+            <a:lumOff val="0"/>
+            <a:alphaOff val="0"/>
+          </a:schemeClr>
+        </a:solidFill>
+        <a:ln w="19050" cap="rnd" cmpd="sng" algn="ctr">
+          <a:solidFill>
+            <a:schemeClr val="lt1">
+              <a:hueOff val="0"/>
+              <a:satOff val="0"/>
+              <a:lumOff val="0"/>
+              <a:alphaOff val="0"/>
+            </a:schemeClr>
+          </a:solidFill>
+          <a:prstDash val="solid"/>
+        </a:ln>
+        <a:effectLst/>
+      </dsp:spPr>
+      <dsp:style>
+        <a:lnRef idx="2">
+          <a:scrgbClr r="0" g="0" b="0"/>
+        </a:lnRef>
+        <a:fillRef idx="1">
+          <a:scrgbClr r="0" g="0" b="0"/>
+        </a:fillRef>
+        <a:effectRef idx="0">
+          <a:scrgbClr r="0" g="0" b="0"/>
+        </a:effectRef>
+        <a:fontRef idx="minor">
+          <a:schemeClr val="lt1"/>
+        </a:fontRef>
+      </dsp:style>
+    </dsp:sp>
+    <dsp:sp modelId="{2A8129C4-1292-444A-AAD8-D66E8FFB695A}">
+      <dsp:nvSpPr>
+        <dsp:cNvPr id="0" name=""/>
+        <dsp:cNvSpPr/>
+      </dsp:nvSpPr>
+      <dsp:spPr>
+        <a:xfrm>
+          <a:off x="1214298" y="71298"/>
+          <a:ext cx="1133177" cy="1133177"/>
+        </a:xfrm>
+        <a:prstGeom prst="rect">
+          <a:avLst/>
+        </a:prstGeom>
+        <a:noFill/>
+        <a:ln>
+          <a:noFill/>
+        </a:ln>
+        <a:effectLst/>
+      </dsp:spPr>
+      <dsp:style>
+        <a:lnRef idx="0">
+          <a:scrgbClr r="0" g="0" b="0"/>
+        </a:lnRef>
+        <a:fillRef idx="0">
+          <a:scrgbClr r="0" g="0" b="0"/>
+        </a:fillRef>
+        <a:effectRef idx="0">
+          <a:scrgbClr r="0" g="0" b="0"/>
+        </a:effectRef>
+        <a:fontRef idx="minor"/>
+      </dsp:style>
+      <dsp:txBody>
+        <a:bodyPr spcFirstLastPara="0" vert="horz" wrap="square" lIns="21590" tIns="21590" rIns="21590" bIns="21590" numCol="1" spcCol="1270" anchor="ctr" anchorCtr="0">
+          <a:noAutofit/>
+        </a:bodyPr>
+        <a:lstStyle/>
+        <a:p>
+          <a:pPr lvl="0" algn="ctr" defTabSz="755650">
+            <a:lnSpc>
+              <a:spcPct val="90000"/>
+            </a:lnSpc>
+            <a:spcBef>
+              <a:spcPct val="0"/>
+            </a:spcBef>
+            <a:spcAft>
+              <a:spcPct val="35000"/>
+            </a:spcAft>
+          </a:pPr>
+          <a:r>
+            <a:rPr lang="de-DE" sz="1700" kern="1200" dirty="0" smtClean="0"/>
+            <a:t>Open </a:t>
+          </a:r>
+          <a:r>
+            <a:rPr lang="de-DE" sz="1700" kern="1200" dirty="0"/>
+            <a:t>Door</a:t>
+          </a:r>
+        </a:p>
+      </dsp:txBody>
+      <dsp:txXfrm>
+        <a:off x="1214298" y="71298"/>
+        <a:ext cx="1133177" cy="1133177"/>
+      </dsp:txXfrm>
+    </dsp:sp>
+    <dsp:sp modelId="{2DB9D6A3-6E26-44E7-99BA-9B63DD6F9F61}">
+      <dsp:nvSpPr>
+        <dsp:cNvPr id="0" name=""/>
+        <dsp:cNvSpPr/>
+      </dsp:nvSpPr>
+      <dsp:spPr>
+        <a:xfrm>
+          <a:off x="1142899" y="-100"/>
+          <a:ext cx="3200600" cy="3200600"/>
+        </a:xfrm>
+        <a:prstGeom prst="circularArrow">
+          <a:avLst>
+            <a:gd name="adj1" fmla="val 6904"/>
+            <a:gd name="adj2" fmla="val 465506"/>
+            <a:gd name="adj3" fmla="val 16748766"/>
+            <a:gd name="adj4" fmla="val 15185728"/>
+            <a:gd name="adj5" fmla="val 8055"/>
+          </a:avLst>
+        </a:prstGeom>
+        <a:solidFill>
+          <a:schemeClr val="accent1">
+            <a:hueOff val="0"/>
+            <a:satOff val="0"/>
+            <a:lumOff val="0"/>
+            <a:alphaOff val="0"/>
+          </a:schemeClr>
+        </a:solidFill>
+        <a:ln w="19050" cap="rnd" cmpd="sng" algn="ctr">
+          <a:solidFill>
+            <a:schemeClr val="lt1">
+              <a:hueOff val="0"/>
+              <a:satOff val="0"/>
+              <a:lumOff val="0"/>
+              <a:alphaOff val="0"/>
+            </a:schemeClr>
+          </a:solidFill>
+          <a:prstDash val="solid"/>
+        </a:ln>
+        <a:effectLst/>
+      </dsp:spPr>
+      <dsp:style>
+        <a:lnRef idx="2">
+          <a:scrgbClr r="0" g="0" b="0"/>
+        </a:lnRef>
+        <a:fillRef idx="1">
+          <a:scrgbClr r="0" g="0" b="0"/>
+        </a:fillRef>
+        <a:effectRef idx="0">
+          <a:scrgbClr r="0" g="0" b="0"/>
+        </a:effectRef>
+        <a:fontRef idx="minor">
+          <a:schemeClr val="lt1"/>
+        </a:fontRef>
+      </dsp:style>
+    </dsp:sp>
+  </dsp:spTree>
+</dsp:drawing>
+</file>
+
+<file path=ppt/diagrams/layout1.xml><?xml version="1.0" encoding="utf-8"?>
+<dgm:layoutDef xmlns:dgm="http://schemas.openxmlformats.org/drawingml/2006/diagram" xmlns:a="http://schemas.openxmlformats.org/drawingml/2006/main" uniqueId="urn:microsoft.com/office/officeart/2005/8/layout/cycle1">
+  <dgm:title val=""/>
+  <dgm:desc val=""/>
+  <dgm:catLst>
+    <dgm:cat type="cycle" pri="2000"/>
+  </dgm:catLst>
+  <dgm:sampData>
+    <dgm:dataModel>
+      <dgm:ptLst>
+        <dgm:pt modelId="0" type="doc"/>
+        <dgm:pt modelId="1">
+          <dgm:prSet phldr="1"/>
+        </dgm:pt>
+        <dgm:pt modelId="2">
+          <dgm:prSet phldr="1"/>
+        </dgm:pt>
+        <dgm:pt modelId="3">
+          <dgm:prSet phldr="1"/>
+        </dgm:pt>
+        <dgm:pt modelId="4">
+          <dgm:prSet phldr="1"/>
+        </dgm:pt>
+        <dgm:pt modelId="5">
+          <dgm:prSet phldr="1"/>
+        </dgm:pt>
+      </dgm:ptLst>
+      <dgm:cxnLst>
+        <dgm:cxn modelId="6" srcId="0" destId="1" srcOrd="0" destOrd="0"/>
+        <dgm:cxn modelId="7" srcId="0" destId="2" srcOrd="1" destOrd="0"/>
+        <dgm:cxn modelId="8" srcId="0" destId="3" srcOrd="2" destOrd="0"/>
+        <dgm:cxn modelId="9" srcId="0" destId="4" srcOrd="3" destOrd="0"/>
+        <dgm:cxn modelId="10" srcId="0" destId="5" srcOrd="4" destOrd="0"/>
+      </dgm:cxnLst>
+      <dgm:bg/>
+      <dgm:whole/>
+    </dgm:dataModel>
+  </dgm:sampData>
+  <dgm:styleData>
+    <dgm:dataModel>
+      <dgm:ptLst>
+        <dgm:pt modelId="0" type="doc"/>
+        <dgm:pt modelId="1"/>
+        <dgm:pt modelId="2"/>
+        <dgm:pt modelId="3"/>
+      </dgm:ptLst>
+      <dgm:cxnLst>
+        <dgm:cxn modelId="4" srcId="0" destId="1" srcOrd="0" destOrd="0"/>
+        <dgm:cxn modelId="5" srcId="0" destId="2" srcOrd="1" destOrd="0"/>
+        <dgm:cxn modelId="6" srcId="0" destId="3" srcOrd="2" destOrd="0"/>
+      </dgm:cxnLst>
+      <dgm:bg/>
+      <dgm:whole/>
+    </dgm:dataModel>
+  </dgm:styleData>
+  <dgm:clrData>
+    <dgm:dataModel>
+      <dgm:ptLst>
+        <dgm:pt modelId="0" type="doc"/>
+        <dgm:pt modelId="1"/>
+        <dgm:pt modelId="2"/>
+        <dgm:pt modelId="3"/>
+        <dgm:pt modelId="4"/>
+        <dgm:pt modelId="5"/>
+        <dgm:pt modelId="6"/>
+      </dgm:ptLst>
+      <dgm:cxnLst>
+        <dgm:cxn modelId="7" srcId="0" destId="1" srcOrd="0" destOrd="0"/>
+        <dgm:cxn modelId="8" srcId="0" destId="2" srcOrd="1" destOrd="0"/>
+        <dgm:cxn modelId="9" srcId="0" destId="3" srcOrd="2" destOrd="0"/>
+        <dgm:cxn modelId="10" srcId="0" destId="4" srcOrd="3" destOrd="0"/>
+        <dgm:cxn modelId="11" srcId="0" destId="5" srcOrd="4" destOrd="0"/>
+        <dgm:cxn modelId="12" srcId="0" destId="6" srcOrd="5" destOrd="0"/>
+      </dgm:cxnLst>
+      <dgm:bg/>
+      <dgm:whole/>
+    </dgm:dataModel>
+  </dgm:clrData>
+  <dgm:layoutNode name="cycle">
+    <dgm:varLst>
+      <dgm:dir/>
+      <dgm:resizeHandles val="exact"/>
+    </dgm:varLst>
+    <dgm:choose name="Name0">
+      <dgm:if name="Name1" func="var" arg="dir" op="equ" val="norm">
+        <dgm:alg type="cycle">
+          <dgm:param type="stAng" val="0"/>
+          <dgm:param type="spanAng" val="360"/>
+        </dgm:alg>
+      </dgm:if>
+      <dgm:else name="Name2">
+        <dgm:alg type="cycle">
+          <dgm:param type="stAng" val="0"/>
+          <dgm:param type="spanAng" val="-360"/>
+        </dgm:alg>
+      </dgm:else>
+    </dgm:choose>
+    <dgm:shape xmlns:r="http://schemas.openxmlformats.org/officeDocument/2006/relationships" r:blip="">
+      <dgm:adjLst/>
+    </dgm:shape>
+    <dgm:presOf/>
+    <dgm:choose name="Name3">
+      <dgm:if name="Name4" func="var" arg="dir" op="equ" val="norm">
+        <dgm:constrLst>
+          <dgm:constr type="diam" val="1"/>
+          <dgm:constr type="w" for="ch" forName="node" refType="w"/>
+          <dgm:constr type="w" for="ch" ptType="sibTrans" refType="w" refFor="ch" refForName="node" fact="0.5"/>
+          <dgm:constr type="h" for="ch" ptType="sibTrans" op="equ"/>
+          <dgm:constr type="diam" for="ch" ptType="sibTrans" refType="diam" op="equ"/>
+          <dgm:constr type="sibSp" refType="w" refFor="ch" refForName="node" fact="0.15"/>
+          <dgm:constr type="w" for="ch" forName="dummy" refType="sibSp" fact="2.8"/>
+          <dgm:constr type="primFontSz" for="ch" forName="node" op="equ" val="65"/>
+        </dgm:constrLst>
+      </dgm:if>
+      <dgm:else name="Name5">
+        <dgm:constrLst>
+          <dgm:constr type="diam" val="1"/>
+          <dgm:constr type="w" for="ch" forName="node" refType="w"/>
+          <dgm:constr type="w" for="ch" ptType="sibTrans" refType="w" refFor="ch" refForName="node" fact="0.5"/>
+          <dgm:constr type="h" for="ch" ptType="sibTrans" op="equ"/>
+          <dgm:constr type="diam" for="ch" ptType="sibTrans" refType="diam" op="equ" fact="-1"/>
+          <dgm:constr type="sibSp" refType="w" refFor="ch" refForName="node" fact="0.15"/>
+          <dgm:constr type="w" for="ch" forName="dummy" refType="sibSp" fact="2.8"/>
+          <dgm:constr type="primFontSz" for="ch" forName="node" op="equ" val="65"/>
+        </dgm:constrLst>
+      </dgm:else>
+    </dgm:choose>
+    <dgm:ruleLst>
+      <dgm:rule type="diam" val="INF" fact="NaN" max="NaN"/>
+    </dgm:ruleLst>
+    <dgm:forEach name="nodesForEach" axis="ch" ptType="node">
+      <dgm:choose name="Name6">
+        <dgm:if name="Name7" axis="par ch" ptType="doc node" func="cnt" op="gt" val="1">
+          <dgm:layoutNode name="dummy">
+            <dgm:alg type="sp"/>
+            <dgm:shape xmlns:r="http://schemas.openxmlformats.org/officeDocument/2006/relationships" r:blip="">
+              <dgm:adjLst/>
+            </dgm:shape>
+            <dgm:presOf/>
+            <dgm:constrLst>
+              <dgm:constr type="h" refType="w"/>
+            </dgm:constrLst>
+            <dgm:ruleLst/>
+          </dgm:layoutNode>
+        </dgm:if>
+        <dgm:else name="Name8"/>
+      </dgm:choose>
+      <dgm:layoutNode name="node" styleLbl="revTx">
+        <dgm:varLst>
+          <dgm:bulletEnabled val="1"/>
+        </dgm:varLst>
+        <dgm:alg type="tx">
+          <dgm:param type="txAnchorVertCh" val="mid"/>
+        </dgm:alg>
+        <dgm:shape xmlns:r="http://schemas.openxmlformats.org/officeDocument/2006/relationships" type="rect" r:blip="">
+          <dgm:adjLst/>
+        </dgm:shape>
+        <dgm:presOf axis="desOrSelf" ptType="node"/>
+        <dgm:constrLst>
+          <dgm:constr type="h" refType="w"/>
+          <dgm:constr type="lMarg" refType="primFontSz" fact="0.1"/>
+          <dgm:constr type="rMarg" refType="primFontSz" fact="0.1"/>
+          <dgm:constr type="tMarg" refType="primFontSz" fact="0.1"/>
+          <dgm:constr type="bMarg" refType="primFontSz" fact="0.1"/>
+        </dgm:constrLst>
+        <dgm:ruleLst>
+          <dgm:rule type="primFontSz" val="5" fact="NaN" max="NaN"/>
+        </dgm:ruleLst>
+      </dgm:layoutNode>
+      <dgm:choose name="Name9">
+        <dgm:if name="Name10" axis="par ch" ptType="doc node" func="cnt" op="gt" val="1">
+          <dgm:forEach name="Name11" axis="followSib" ptType="sibTrans" hideLastTrans="0" cnt="1">
+            <dgm:layoutNode name="sibTrans" styleLbl="node1">
+              <dgm:alg type="conn">
+                <dgm:param type="connRout" val="curve"/>
+                <dgm:param type="begPts" val="radial"/>
+                <dgm:param type="endPts" val="radial"/>
+              </dgm:alg>
+              <dgm:shape xmlns:r="http://schemas.openxmlformats.org/officeDocument/2006/relationships" type="conn" r:blip="">
+                <dgm:adjLst/>
+              </dgm:shape>
+              <dgm:presOf axis="self"/>
+              <dgm:constrLst>
+                <dgm:constr type="h" refType="w" fact="0.65"/>
+                <dgm:constr type="begPad"/>
+                <dgm:constr type="endPad"/>
+              </dgm:constrLst>
+              <dgm:ruleLst/>
+            </dgm:layoutNode>
+          </dgm:forEach>
+        </dgm:if>
+        <dgm:else name="Name12"/>
+      </dgm:choose>
+    </dgm:forEach>
+  </dgm:layoutNode>
+</dgm:layoutDef>
+</file>
+
+<file path=ppt/diagrams/quickStyle1.xml><?xml version="1.0" encoding="utf-8"?>
+<dgm:styleDef xmlns:dgm="http://schemas.openxmlformats.org/drawingml/2006/diagram" xmlns:a="http://schemas.openxmlformats.org/drawingml/2006/main" uniqueId="urn:microsoft.com/office/officeart/2005/8/quickstyle/simple1">
+  <dgm:title val=""/>
+  <dgm:desc val=""/>
+  <dgm:catLst>
+    <dgm:cat type="simple" pri="10100"/>
+  </dgm:catLst>
+  <dgm:scene3d>
+    <a:camera prst="orthographicFront"/>
+    <a:lightRig rig="threePt" dir="t"/>
+  </dgm:scene3d>
+  <dgm:styleLbl name="node0">
+    <dgm:scene3d>
+      <a:camera prst="orthographicFront"/>
+      <a:lightRig rig="threePt" dir="t"/>
+    </dgm:scene3d>
+    <dgm:sp3d/>
+    <dgm:txPr/>
+    <dgm:style>
+      <a:lnRef idx="2">
+        <a:scrgbClr r="0" g="0" b="0"/>
+      </a:lnRef>
+      <a:fillRef idx="1">
+        <a:scrgbClr r="0" g="0" b="0"/>
+      </a:fillRef>
+      <a:effectRef idx="0">
+        <a:scrgbClr r="0" g="0" b="0"/>
+      </a:effectRef>
+      <a:fontRef idx="minor">
+        <a:schemeClr val="lt1"/>
+      </a:fontRef>
+    </dgm:style>
+  </dgm:styleLbl>
+  <dgm:styleLbl name="lnNode1">
+    <dgm:scene3d>
+      <a:camera prst="orthographicFront"/>
+      <a:lightRig rig="threePt" dir="t"/>
+    </dgm:scene3d>
+    <dgm:sp3d/>
+    <dgm:txPr/>
+    <dgm:style>
+      <a:lnRef idx="2">
+        <a:scrgbClr r="0" g="0" b="0"/>
+      </a:lnRef>
+      <a:fillRef idx="1">
+        <a:scrgbClr r="0" g="0" b="0"/>
+      </a:fillRef>
+      <a:effectRef idx="0">
+        <a:scrgbClr r="0" g="0" b="0"/>
+      </a:effectRef>
+      <a:fontRef idx="minor">
+        <a:schemeClr val="lt1"/>
+      </a:fontRef>
+    </dgm:style>
+  </dgm:styleLbl>
+  <dgm:styleLbl name="vennNode1">
+    <dgm:scene3d>
+      <a:camera prst="orthographicFront"/>
+      <a:lightRig rig="threePt" dir="t"/>
+    </dgm:scene3d>
+    <dgm:sp3d/>
+    <dgm:txPr/>
+    <dgm:style>
+      <a:lnRef idx="2">
+        <a:scrgbClr r="0" g="0" b="0"/>
+      </a:lnRef>
+      <a:fillRef idx="1">
+        <a:scrgbClr r="0" g="0" b="0"/>
+      </a:fillRef>
+      <a:effectRef idx="0">
+        <a:scrgbClr r="0" g="0" b="0"/>
+      </a:effectRef>
+      <a:fontRef idx="minor">
+        <a:schemeClr val="tx1"/>
+      </a:fontRef>
+    </dgm:style>
+  </dgm:styleLbl>
+  <dgm:styleLbl name="alignNode1">
+    <dgm:scene3d>
+      <a:camera prst="orthographicFront"/>
+      <a:lightRig rig="threePt" dir="t"/>
+    </dgm:scene3d>
+    <dgm:sp3d/>
+    <dgm:txPr/>
+    <dgm:style>
+      <a:lnRef idx="2">
+        <a:scrgbClr r="0" g="0" b="0"/>
+      </a:lnRef>
+      <a:fillRef idx="1">
+        <a:scrgbClr r="0" g="0" b="0"/>
+      </a:fillRef>
+      <a:effectRef idx="0">
+        <a:scrgbClr r="0" g="0" b="0"/>
+      </a:effectRef>
+      <a:fontRef idx="minor">
+        <a:schemeClr val="lt1"/>
+      </a:fontRef>
+    </dgm:style>
+  </dgm:styleLbl>
+  <dgm:styleLbl name="node1">
+    <dgm:scene3d>
+      <a:camera prst="orthographicFront"/>
+      <a:lightRig rig="threePt" dir="t"/>
+    </dgm:scene3d>
+    <dgm:sp3d/>
+    <dgm:txPr/>
+    <dgm:style>
+      <a:lnRef idx="2">
+        <a:scrgbClr r="0" g="0" b="0"/>
+      </a:lnRef>
+      <a:fillRef idx="1">
+        <a:scrgbClr r="0" g="0" b="0"/>
+      </a:fillRef>
+      <a:effectRef idx="0">
+        <a:scrgbClr r="0" g="0" b="0"/>
+      </a:effectRef>
+      <a:fontRef idx="minor">
+        <a:schemeClr val="lt1"/>
+      </a:fontRef>
+    </dgm:style>
+  </dgm:styleLbl>
+  <dgm:styleLbl name="node2">
+    <dgm:scene3d>
+      <a:camera prst="orthographicFront"/>
+      <a:lightRig rig="threePt" dir="t"/>
+    </dgm:scene3d>
+    <dgm:sp3d/>
+    <dgm:txPr/>
+    <dgm:style>
+      <a:lnRef idx="2">
+        <a:scrgbClr r="0" g="0" b="0"/>
+      </a:lnRef>
+      <a:fillRef idx="1">
+        <a:scrgbClr r="0" g="0" b="0"/>
+      </a:fillRef>
+      <a:effectRef idx="0">
+        <a:scrgbClr r="0" g="0" b="0"/>
+      </a:effectRef>
+      <a:fontRef idx="minor">
+        <a:schemeClr val="lt1"/>
+      </a:fontRef>
+    </dgm:style>
+  </dgm:styleLbl>
+  <dgm:styleLbl name="node3">
+    <dgm:scene3d>
+      <a:camera prst="orthographicFront"/>
+      <a:lightRig rig="threePt" dir="t"/>
+    </dgm:scene3d>
+    <dgm:sp3d/>
+    <dgm:txPr/>
+    <dgm:style>
+      <a:lnRef idx="2">
+        <a:scrgbClr r="0" g="0" b="0"/>
+      </a:lnRef>
+      <a:fillRef idx="1">
+        <a:scrgbClr r="0" g="0" b="0"/>
+      </a:fillRef>
+      <a:effectRef idx="0">
+        <a:scrgbClr r="0" g="0" b="0"/>
+      </a:effectRef>
+      <a:fontRef idx="minor">
+        <a:schemeClr val="lt1"/>
+      </a:fontRef>
+    </dgm:style>
+  </dgm:styleLbl>
+  <dgm:styleLbl name="node4">
+    <dgm:scene3d>
+      <a:camera prst="orthographicFront"/>
+      <a:lightRig rig="threePt" dir="t"/>
+    </dgm:scene3d>
+    <dgm:sp3d/>
+    <dgm:txPr/>
+    <dgm:style>
+      <a:lnRef idx="2">
+        <a:scrgbClr r="0" g="0" b="0"/>
+      </a:lnRef>
+      <a:fillRef idx="1">
+        <a:scrgbClr r="0" g="0" b="0"/>
+      </a:fillRef>
+      <a:effectRef idx="0">
+        <a:scrgbClr r="0" g="0" b="0"/>
+      </a:effectRef>
+      <a:fontRef idx="minor">
+        <a:schemeClr val="lt1"/>
+      </a:fontRef>
+    </dgm:style>
+  </dgm:styleLbl>
+  <dgm:styleLbl name="fgImgPlace1">
+    <dgm:scene3d>
+      <a:camera prst="orthographicFront"/>
+      <a:lightRig rig="threePt" dir="t"/>
+    </dgm:scene3d>
+    <dgm:sp3d/>
+    <dgm:txPr/>
+    <dgm:style>
+      <a:lnRef idx="2">
+        <a:scrgbClr r="0" g="0" b="0"/>
+      </a:lnRef>
+      <a:fillRef idx="1">
+        <a:scrgbClr r="0" g="0" b="0"/>
+      </a:fillRef>
+      <a:effectRef idx="0">
+        <a:scrgbClr r="0" g="0" b="0"/>
+      </a:effectRef>
+      <a:fontRef idx="minor"/>
+    </dgm:style>
+  </dgm:styleLbl>
+  <dgm:styleLbl name="alignImgPlace1">
+    <dgm:scene3d>
+      <a:camera prst="orthographicFront"/>
+      <a:lightRig rig="threePt" dir="t"/>
+    </dgm:scene3d>
+    <dgm:sp3d/>
+    <dgm:txPr/>
+    <dgm:style>
+      <a:lnRef idx="2">
+        <a:scrgbClr r="0" g="0" b="0"/>
+      </a:lnRef>
+      <a:fillRef idx="1">
+        <a:scrgbClr r="0" g="0" b="0"/>
+      </a:fillRef>
+      <a:effectRef idx="0">
+        <a:scrgbClr r="0" g="0" b="0"/>
+      </a:effectRef>
+      <a:fontRef idx="minor"/>
+    </dgm:style>
+  </dgm:styleLbl>
+  <dgm:styleLbl name="bgImgPlace1">
+    <dgm:scene3d>
+      <a:camera prst="orthographicFront"/>
+      <a:lightRig rig="threePt" dir="t"/>
+    </dgm:scene3d>
+    <dgm:sp3d/>
+    <dgm:txPr/>
+    <dgm:style>
+      <a:lnRef idx="2">
+        <a:scrgbClr r="0" g="0" b="0"/>
+      </a:lnRef>
+      <a:fillRef idx="1">
+        <a:scrgbClr r="0" g="0" b="0"/>
+      </a:fillRef>
+      <a:effectRef idx="0">
+        <a:scrgbClr r="0" g="0" b="0"/>
+      </a:effectRef>
+      <a:fontRef idx="minor"/>
+    </dgm:style>
+  </dgm:styleLbl>
+  <dgm:styleLbl name="sibTrans2D1">
+    <dgm:scene3d>
+      <a:camera prst="orthographicFront"/>
+      <a:lightRig rig="threePt" dir="t"/>
+    </dgm:scene3d>
+    <dgm:sp3d/>
+    <dgm:txPr/>
+    <dgm:style>
+      <a:lnRef idx="0">
+        <a:scrgbClr r="0" g="0" b="0"/>
+      </a:lnRef>
+      <a:fillRef idx="1">
+        <a:scrgbClr r="0" g="0" b="0"/>
+      </a:fillRef>
+      <a:effectRef idx="0">
+        <a:scrgbClr r="0" g="0" b="0"/>
+      </a:effectRef>
+      <a:fontRef idx="minor">
+        <a:schemeClr val="lt1"/>
+      </a:fontRef>
+    </dgm:style>
+  </dgm:styleLbl>
+  <dgm:styleLbl name="fgSibTrans2D1">
+    <dgm:scene3d>
+      <a:camera prst="orthographicFront"/>
+      <a:lightRig rig="threePt" dir="t"/>
+    </dgm:scene3d>
+    <dgm:sp3d/>
+    <dgm:txPr/>
+    <dgm:style>
+      <a:lnRef idx="0">
+        <a:scrgbClr r="0" g="0" b="0"/>
+      </a:lnRef>
+      <a:fillRef idx="1">
+        <a:scrgbClr r="0" g="0" b="0"/>
+      </a:fillRef>
+      <a:effectRef idx="0">
+        <a:scrgbClr r="0" g="0" b="0"/>
+      </a:effectRef>
+      <a:fontRef idx="minor">
+        <a:schemeClr val="lt1"/>
+      </a:fontRef>
+    </dgm:style>
+  </dgm:styleLbl>
+  <dgm:styleLbl name="bgSibTrans2D1">
+    <dgm:scene3d>
+      <a:camera prst="orthographicFront"/>
+      <a:lightRig rig="threePt" dir="t"/>
+    </dgm:scene3d>
+    <dgm:sp3d/>
+    <dgm:txPr/>
+    <dgm:style>
+      <a:lnRef idx="0">
+        <a:scrgbClr r="0" g="0" b="0"/>
+      </a:lnRef>
+      <a:fillRef idx="1">
+        <a:scrgbClr r="0" g="0" b="0"/>
+      </a:fillRef>
+      <a:effectRef idx="0">
+        <a:scrgbClr r="0" g="0" b="0"/>
+      </a:effectRef>
+      <a:fontRef idx="minor">
+        <a:schemeClr val="lt1"/>
+      </a:fontRef>
+    </dgm:style>
+  </dgm:styleLbl>
+  <dgm:styleLbl name="sibTrans1D1">
+    <dgm:scene3d>
+      <a:camera prst="orthographicFront"/>
+      <a:lightRig rig="threePt" dir="t"/>
+    </dgm:scene3d>
+    <dgm:sp3d/>
+    <dgm:txPr/>
+    <dgm:style>
+      <a:lnRef idx="1">
+        <a:scrgbClr r="0" g="0" b="0"/>
+      </a:lnRef>
+      <a:fillRef idx="0">
+        <a:scrgbClr r="0" g="0" b="0"/>
+      </a:fillRef>
+      <a:effectRef idx="0">
+        <a:scrgbClr r="0" g="0" b="0"/>
+      </a:effectRef>
+      <a:fontRef idx="minor"/>
+    </dgm:style>
+  </dgm:styleLbl>
+  <dgm:styleLbl name="callout">
+    <dgm:scene3d>
+      <a:camera prst="orthographicFront"/>
+      <a:lightRig rig="threePt" dir="t"/>
+    </dgm:scene3d>
+    <dgm:sp3d/>
+    <dgm:txPr/>
+    <dgm:style>
+      <a:lnRef idx="2">
+        <a:scrgbClr r="0" g="0" b="0"/>
+      </a:lnRef>
+      <a:fillRef idx="1">
+        <a:scrgbClr r="0" g="0" b="0"/>
+      </a:fillRef>
+      <a:effectRef idx="0">
+        <a:scrgbClr r="0" g="0" b="0"/>
+      </a:effectRef>
+      <a:fontRef idx="minor"/>
+    </dgm:style>
+  </dgm:styleLbl>
+  <dgm:styleLbl name="asst0">
+    <dgm:scene3d>
+      <a:camera prst="orthographicFront"/>
+      <a:lightRig rig="threePt" dir="t"/>
+    </dgm:scene3d>
+    <dgm:sp3d/>
+    <dgm:txPr/>
+    <dgm:style>
+      <a:lnRef idx="2">
+        <a:scrgbClr r="0" g="0" b="0"/>
+      </a:lnRef>
+      <a:fillRef idx="1">
+        <a:scrgbClr r="0" g="0" b="0"/>
+      </a:fillRef>
+      <a:effectRef idx="0">
+        <a:scrgbClr r="0" g="0" b="0"/>
+      </a:effectRef>
+      <a:fontRef idx="minor">
+        <a:schemeClr val="lt1"/>
+      </a:fontRef>
+    </dgm:style>
+  </dgm:styleLbl>
+  <dgm:styleLbl name="asst1">
+    <dgm:scene3d>
+      <a:camera prst="orthographicFront"/>
+      <a:lightRig rig="threePt" dir="t"/>
+    </dgm:scene3d>
+    <dgm:sp3d/>
+    <dgm:txPr/>
+    <dgm:style>
+      <a:lnRef idx="2">
+        <a:scrgbClr r="0" g="0" b="0"/>
+      </a:lnRef>
+      <a:fillRef idx="1">
+        <a:scrgbClr r="0" g="0" b="0"/>
+      </a:fillRef>
+      <a:effectRef idx="0">
+        <a:scrgbClr r="0" g="0" b="0"/>
+      </a:effectRef>
+      <a:fontRef idx="minor">
+        <a:schemeClr val="lt1"/>
+      </a:fontRef>
+    </dgm:style>
+  </dgm:styleLbl>
+  <dgm:styleLbl name="asst2">
+    <dgm:scene3d>
+      <a:camera prst="orthographicFront"/>
+      <a:lightRig rig="threePt" dir="t"/>
+    </dgm:scene3d>
+    <dgm:sp3d/>
+    <dgm:txPr/>
+    <dgm:style>
+      <a:lnRef idx="2">
+        <a:scrgbClr r="0" g="0" b="0"/>
+      </a:lnRef>
+      <a:fillRef idx="1">
+        <a:scrgbClr r="0" g="0" b="0"/>
+      </a:fillRef>
+      <a:effectRef idx="0">
+        <a:scrgbClr r="0" g="0" b="0"/>
+      </a:effectRef>
+      <a:fontRef idx="minor">
+        <a:schemeClr val="lt1"/>
+      </a:fontRef>
+    </dgm:style>
+  </dgm:styleLbl>
+  <dgm:styleLbl name="asst3">
+    <dgm:scene3d>
+      <a:camera prst="orthographicFront"/>
+      <a:lightRig rig="threePt" dir="t"/>
+    </dgm:scene3d>
+    <dgm:sp3d/>
+    <dgm:txPr/>
+    <dgm:style>
+      <a:lnRef idx="2">
+        <a:scrgbClr r="0" g="0" b="0"/>
+      </a:lnRef>
+      <a:fillRef idx="1">
+        <a:scrgbClr r="0" g="0" b="0"/>
+      </a:fillRef>
+      <a:effectRef idx="0">
+        <a:scrgbClr r="0" g="0" b="0"/>
+      </a:effectRef>
+      <a:fontRef idx="minor">
+        <a:schemeClr val="lt1"/>
+      </a:fontRef>
+    </dgm:style>
+  </dgm:styleLbl>
+  <dgm:styleLbl name="asst4">
+    <dgm:scene3d>
+      <a:camera prst="orthographicFront"/>
+      <a:lightRig rig="threePt" dir="t"/>
+    </dgm:scene3d>
+    <dgm:sp3d/>
+    <dgm:txPr/>
+    <dgm:style>
+      <a:lnRef idx="2">
+        <a:scrgbClr r="0" g="0" b="0"/>
+      </a:lnRef>
+      <a:fillRef idx="1">
+        <a:scrgbClr r="0" g="0" b="0"/>
+      </a:fillRef>
+      <a:effectRef idx="0">
+        <a:scrgbClr r="0" g="0" b="0"/>
+      </a:effectRef>
+      <a:fontRef idx="minor">
+        <a:schemeClr val="lt1"/>
+      </a:fontRef>
+    </dgm:style>
+  </dgm:styleLbl>
+  <dgm:styleLbl name="parChTrans2D1">
+    <dgm:scene3d>
+      <a:camera prst="orthographicFront"/>
+      <a:lightRig rig="threePt" dir="t"/>
+    </dgm:scene3d>
+    <dgm:sp3d/>
+    <dgm:txPr/>
+    <dgm:style>
+      <a:lnRef idx="2">
+        <a:scrgbClr r="0" g="0" b="0"/>
+      </a:lnRef>
+      <a:fillRef idx="1">
+        <a:scrgbClr r="0" g="0" b="0"/>
+      </a:fillRef>
+      <a:effectRef idx="0">
+        <a:scrgbClr r="0" g="0" b="0"/>
+      </a:effectRef>
+      <a:fontRef idx="minor">
+        <a:schemeClr val="lt1"/>
+      </a:fontRef>
+    </dgm:style>
+  </dgm:styleLbl>
+  <dgm:styleLbl name="parChTrans2D2">
+    <dgm:scene3d>
+      <a:camera prst="orthographicFront"/>
+      <a:lightRig rig="threePt" dir="t"/>
+    </dgm:scene3d>
+    <dgm:sp3d/>
+    <dgm:txPr/>
+    <dgm:style>
+      <a:lnRef idx="2">
+        <a:scrgbClr r="0" g="0" b="0"/>
+      </a:lnRef>
+      <a:fillRef idx="1">
+        <a:scrgbClr r="0" g="0" b="0"/>
+      </a:fillRef>
+      <a:effectRef idx="0">
+        <a:scrgbClr r="0" g="0" b="0"/>
+      </a:effectRef>
+      <a:fontRef idx="minor">
+        <a:schemeClr val="lt1"/>
+      </a:fontRef>
+    </dgm:style>
+  </dgm:styleLbl>
+  <dgm:styleLbl name="parChTrans2D3">
+    <dgm:scene3d>
+      <a:camera prst="orthographicFront"/>
+      <a:lightRig rig="threePt" dir="t"/>
+    </dgm:scene3d>
+    <dgm:sp3d/>
+    <dgm:txPr/>
+    <dgm:style>
+      <a:lnRef idx="2">
+        <a:scrgbClr r="0" g="0" b="0"/>
+      </a:lnRef>
+      <a:fillRef idx="1">
+        <a:scrgbClr r="0" g="0" b="0"/>
+      </a:fillRef>
+      <a:effectRef idx="0">
+        <a:scrgbClr r="0" g="0" b="0"/>
+      </a:effectRef>
+      <a:fontRef idx="minor">
+        <a:schemeClr val="lt1"/>
+      </a:fontRef>
+    </dgm:style>
+  </dgm:styleLbl>
+  <dgm:styleLbl name="parChTrans2D4">
+    <dgm:scene3d>
+      <a:camera prst="orthographicFront"/>
+      <a:lightRig rig="threePt" dir="t"/>
+    </dgm:scene3d>
+    <dgm:sp3d/>
+    <dgm:txPr/>
+    <dgm:style>
+      <a:lnRef idx="2">
+        <a:scrgbClr r="0" g="0" b="0"/>
+      </a:lnRef>
+      <a:fillRef idx="1">
+        <a:scrgbClr r="0" g="0" b="0"/>
+      </a:fillRef>
+      <a:effectRef idx="0">
+        <a:scrgbClr r="0" g="0" b="0"/>
+      </a:effectRef>
+      <a:fontRef idx="minor">
+        <a:schemeClr val="lt1"/>
+      </a:fontRef>
+    </dgm:style>
+  </dgm:styleLbl>
+  <dgm:styleLbl name="parChTrans1D1">
+    <dgm:scene3d>
+      <a:camera prst="orthographicFront"/>
+      <a:lightRig rig="threePt" dir="t"/>
+    </dgm:scene3d>
+    <dgm:sp3d/>
+    <dgm:txPr/>
+    <dgm:style>
+      <a:lnRef idx="2">
+        <a:scrgbClr r="0" g="0" b="0"/>
+      </a:lnRef>
+      <a:fillRef idx="0">
+        <a:scrgbClr r="0" g="0" b="0"/>
+      </a:fillRef>
+      <a:effectRef idx="0">
+        <a:scrgbClr r="0" g="0" b="0"/>
+      </a:effectRef>
+      <a:fontRef idx="minor"/>
+    </dgm:style>
+  </dgm:styleLbl>
+  <dgm:styleLbl name="parChTrans1D2">
+    <dgm:scene3d>
+      <a:camera prst="orthographicFront"/>
+      <a:lightRig rig="threePt" dir="t"/>
+    </dgm:scene3d>
+    <dgm:sp3d/>
+    <dgm:txPr/>
+    <dgm:style>
+      <a:lnRef idx="2">
+        <a:scrgbClr r="0" g="0" b="0"/>
+      </a:lnRef>
+      <a:fillRef idx="0">
+        <a:scrgbClr r="0" g="0" b="0"/>
+      </a:fillRef>
+      <a:effectRef idx="0">
+        <a:scrgbClr r="0" g="0" b="0"/>
+      </a:effectRef>
+      <a:fontRef idx="minor"/>
+    </dgm:style>
+  </dgm:styleLbl>
+  <dgm:styleLbl name="parChTrans1D3">
+    <dgm:scene3d>
+      <a:camera prst="orthographicFront"/>
+      <a:lightRig rig="threePt" dir="t"/>
+    </dgm:scene3d>
+    <dgm:sp3d/>
+    <dgm:txPr/>
+    <dgm:style>
+      <a:lnRef idx="2">
+        <a:scrgbClr r="0" g="0" b="0"/>
+      </a:lnRef>
+      <a:fillRef idx="0">
+        <a:scrgbClr r="0" g="0" b="0"/>
+      </a:fillRef>
+      <a:effectRef idx="0">
+        <a:scrgbClr r="0" g="0" b="0"/>
+      </a:effectRef>
+      <a:fontRef idx="minor"/>
+    </dgm:style>
+  </dgm:styleLbl>
+  <dgm:styleLbl name="parChTrans1D4">
+    <dgm:scene3d>
+      <a:camera prst="orthographicFront"/>
+      <a:lightRig rig="threePt" dir="t"/>
+    </dgm:scene3d>
+    <dgm:sp3d/>
+    <dgm:txPr/>
+    <dgm:style>
+      <a:lnRef idx="2">
+        <a:scrgbClr r="0" g="0" b="0"/>
+      </a:lnRef>
+      <a:fillRef idx="0">
+        <a:scrgbClr r="0" g="0" b="0"/>
+      </a:fillRef>
+      <a:effectRef idx="0">
+        <a:scrgbClr r="0" g="0" b="0"/>
+      </a:effectRef>
+      <a:fontRef idx="minor"/>
+    </dgm:style>
+  </dgm:styleLbl>
+  <dgm:styleLbl name="fgAcc1">
+    <dgm:scene3d>
+      <a:camera prst="orthographicFront"/>
+      <a:lightRig rig="threePt" dir="t"/>
+    </dgm:scene3d>
+    <dgm:sp3d/>
+    <dgm:txPr/>
+    <dgm:style>
+      <a:lnRef idx="2">
+        <a:scrgbClr r="0" g="0" b="0"/>
+      </a:lnRef>
+      <a:fillRef idx="1">
+        <a:scrgbClr r="0" g="0" b="0"/>
+      </a:fillRef>
+      <a:effectRef idx="0">
+        <a:scrgbClr r="0" g="0" b="0"/>
+      </a:effectRef>
+      <a:fontRef idx="minor"/>
+    </dgm:style>
+  </dgm:styleLbl>
+  <dgm:styleLbl name="conFgAcc1">
+    <dgm:scene3d>
+      <a:camera prst="orthographicFront"/>
+      <a:lightRig rig="threePt" dir="t"/>
+    </dgm:scene3d>
+    <dgm:sp3d/>
+    <dgm:txPr/>
+    <dgm:style>
+      <a:lnRef idx="2">
+        <a:scrgbClr r="0" g="0" b="0"/>
+      </a:lnRef>
+      <a:fillRef idx="1">
+        <a:scrgbClr r="0" g="0" b="0"/>
+      </a:fillRef>
+      <a:effectRef idx="0">
+        <a:scrgbClr r="0" g="0" b="0"/>
+      </a:effectRef>
+      <a:fontRef idx="minor"/>
+    </dgm:style>
+  </dgm:styleLbl>
+  <dgm:styleLbl name="alignAcc1">
+    <dgm:scene3d>
+      <a:camera prst="orthographicFront"/>
+      <a:lightRig rig="threePt" dir="t"/>
+    </dgm:scene3d>
+    <dgm:sp3d/>
+    <dgm:txPr/>
+    <dgm:style>
+      <a:lnRef idx="2">
+        <a:scrgbClr r="0" g="0" b="0"/>
+      </a:lnRef>
+      <a:fillRef idx="1">
+        <a:scrgbClr r="0" g="0" b="0"/>
+      </a:fillRef>
+      <a:effectRef idx="0">
+        <a:scrgbClr r="0" g="0" b="0"/>
+      </a:effectRef>
+      <a:fontRef idx="minor"/>
+    </dgm:style>
+  </dgm:styleLbl>
+  <dgm:styleLbl name="trAlignAcc1">
+    <dgm:scene3d>
+      <a:camera prst="orthographicFront"/>
+      <a:lightRig rig="threePt" dir="t"/>
+    </dgm:scene3d>
+    <dgm:sp3d/>
+    <dgm:txPr/>
+    <dgm:style>
+      <a:lnRef idx="1">
+        <a:scrgbClr r="0" g="0" b="0"/>
+      </a:lnRef>
+      <a:fillRef idx="1">
+        <a:scrgbClr r="0" g="0" b="0"/>
+      </a:fillRef>
+      <a:effectRef idx="0">
+        <a:scrgbClr r="0" g="0" b="0"/>
+      </a:effectRef>
+      <a:fontRef idx="minor"/>
+    </dgm:style>
+  </dgm:styleLbl>
+  <dgm:styleLbl name="bgAcc1">
+    <dgm:scene3d>
+      <a:camera prst="orthographicFront"/>
+      <a:lightRig rig="threePt" dir="t"/>
+    </dgm:scene3d>
+    <dgm:sp3d/>
+    <dgm:txPr/>
+    <dgm:style>
+      <a:lnRef idx="2">
+        <a:scrgbClr r="0" g="0" b="0"/>
+      </a:lnRef>
+      <a:fillRef idx="1">
+        <a:scrgbClr r="0" g="0" b="0"/>
+      </a:fillRef>
+      <a:effectRef idx="0">
+        <a:scrgbClr r="0" g="0" b="0"/>
+      </a:effectRef>
+      <a:fontRef idx="minor"/>
+    </dgm:style>
+  </dgm:styleLbl>
+  <dgm:styleLbl name="solidFgAcc1">
+    <dgm:scene3d>
+      <a:camera prst="orthographicFront"/>
+      <a:lightRig rig="threePt" dir="t"/>
+    </dgm:scene3d>
+    <dgm:sp3d/>
+    <dgm:txPr/>
+    <dgm:style>
+      <a:lnRef idx="2">
+        <a:scrgbClr r="0" g="0" b="0"/>
+      </a:lnRef>
+      <a:fillRef idx="1">
+        <a:scrgbClr r="0" g="0" b="0"/>
+      </a:fillRef>
+      <a:effectRef idx="0">
+        <a:scrgbClr r="0" g="0" b="0"/>
+      </a:effectRef>
+      <a:fontRef idx="minor"/>
+    </dgm:style>
+  </dgm:styleLbl>
+  <dgm:styleLbl name="solidAlignAcc1">
+    <dgm:scene3d>
+      <a:camera prst="orthographicFront"/>
+      <a:lightRig rig="threePt" dir="t"/>
+    </dgm:scene3d>
+    <dgm:sp3d/>
+    <dgm:txPr/>
+    <dgm:style>
+      <a:lnRef idx="2">
+        <a:scrgbClr r="0" g="0" b="0"/>
+      </a:lnRef>
+      <a:fillRef idx="1">
+        <a:scrgbClr r="0" g="0" b="0"/>
+      </a:fillRef>
+      <a:effectRef idx="0">
+        <a:scrgbClr r="0" g="0" b="0"/>
+      </a:effectRef>
+      <a:fontRef idx="minor"/>
+    </dgm:style>
+  </dgm:styleLbl>
+  <dgm:styleLbl name="solidBgAcc1">
+    <dgm:scene3d>
+      <a:camera prst="orthographicFront"/>
+      <a:lightRig rig="threePt" dir="t"/>
+    </dgm:scene3d>
+    <dgm:sp3d/>
+    <dgm:txPr/>
+    <dgm:style>
+      <a:lnRef idx="2">
+        <a:scrgbClr r="0" g="0" b="0"/>
+      </a:lnRef>
+      <a:fillRef idx="1">
+        <a:scrgbClr r="0" g="0" b="0"/>
+      </a:fillRef>
+      <a:effectRef idx="0">
+        <a:scrgbClr r="0" g="0" b="0"/>
+      </a:effectRef>
+      <a:fontRef idx="minor"/>
+    </dgm:style>
+  </dgm:styleLbl>
+  <dgm:styleLbl name="fgAccFollowNode1">
+    <dgm:scene3d>
+      <a:camera prst="orthographicFront"/>
+      <a:lightRig rig="threePt" dir="t"/>
+    </dgm:scene3d>
+    <dgm:sp3d/>
+    <dgm:txPr/>
+    <dgm:style>
+      <a:lnRef idx="2">
+        <a:scrgbClr r="0" g="0" b="0"/>
+      </a:lnRef>
+      <a:fillRef idx="1">
+        <a:scrgbClr r="0" g="0" b="0"/>
+      </a:fillRef>
+      <a:effectRef idx="0">
+        <a:scrgbClr r="0" g="0" b="0"/>
+      </a:effectRef>
+      <a:fontRef idx="minor"/>
+    </dgm:style>
+  </dgm:styleLbl>
+  <dgm:styleLbl name="alignAccFollowNode1">
+    <dgm:scene3d>
+      <a:camera prst="orthographicFront"/>
+      <a:lightRig rig="threePt" dir="t"/>
+    </dgm:scene3d>
+    <dgm:sp3d/>
+    <dgm:txPr/>
+    <dgm:style>
+      <a:lnRef idx="2">
+        <a:scrgbClr r="0" g="0" b="0"/>
+      </a:lnRef>
+      <a:fillRef idx="1">
+        <a:scrgbClr r="0" g="0" b="0"/>
+      </a:fillRef>
+      <a:effectRef idx="0">
+        <a:scrgbClr r="0" g="0" b="0"/>
+      </a:effectRef>
+      <a:fontRef idx="minor"/>
+    </dgm:style>
+  </dgm:styleLbl>
+  <dgm:styleLbl name="bgAccFollowNode1">
+    <dgm:scene3d>
+      <a:camera prst="orthographicFront"/>
+      <a:lightRig rig="threePt" dir="t"/>
+    </dgm:scene3d>
+    <dgm:sp3d/>
+    <dgm:txPr/>
+    <dgm:style>
+      <a:lnRef idx="2">
+        <a:scrgbClr r="0" g="0" b="0"/>
+      </a:lnRef>
+      <a:fillRef idx="1">
+        <a:scrgbClr r="0" g="0" b="0"/>
+      </a:fillRef>
+      <a:effectRef idx="0">
+        <a:scrgbClr r="0" g="0" b="0"/>
+      </a:effectRef>
+      <a:fontRef idx="minor"/>
+    </dgm:style>
+  </dgm:styleLbl>
+  <dgm:styleLbl name="fgAcc0">
+    <dgm:scene3d>
+      <a:camera prst="orthographicFront"/>
+      <a:lightRig rig="threePt" dir="t"/>
+    </dgm:scene3d>
+    <dgm:sp3d/>
+    <dgm:txPr/>
+    <dgm:style>
+      <a:lnRef idx="2">
+        <a:scrgbClr r="0" g="0" b="0"/>
+      </a:lnRef>
+      <a:fillRef idx="1">
+        <a:scrgbClr r="0" g="0" b="0"/>
+      </a:fillRef>
+      <a:effectRef idx="0">
+        <a:scrgbClr r="0" g="0" b="0"/>
+      </a:effectRef>
+      <a:fontRef idx="minor"/>
+    </dgm:style>
+  </dgm:styleLbl>
+  <dgm:styleLbl name="fgAcc2">
+    <dgm:scene3d>
+      <a:camera prst="orthographicFront"/>
+      <a:lightRig rig="threePt" dir="t"/>
+    </dgm:scene3d>
+    <dgm:sp3d/>
+    <dgm:txPr/>
+    <dgm:style>
+      <a:lnRef idx="2">
+        <a:scrgbClr r="0" g="0" b="0"/>
+      </a:lnRef>
+      <a:fillRef idx="1">
+        <a:scrgbClr r="0" g="0" b="0"/>
+      </a:fillRef>
+      <a:effectRef idx="0">
+        <a:scrgbClr r="0" g="0" b="0"/>
+      </a:effectRef>
+      <a:fontRef idx="minor"/>
+    </dgm:style>
+  </dgm:styleLbl>
+  <dgm:styleLbl name="fgAcc3">
+    <dgm:scene3d>
+      <a:camera prst="orthographicFront"/>
+      <a:lightRig rig="threePt" dir="t"/>
+    </dgm:scene3d>
+    <dgm:sp3d/>
+    <dgm:txPr/>
+    <dgm:style>
+      <a:lnRef idx="2">
+        <a:scrgbClr r="0" g="0" b="0"/>
+      </a:lnRef>
+      <a:fillRef idx="1">
+        <a:scrgbClr r="0" g="0" b="0"/>
+      </a:fillRef>
+      <a:effectRef idx="0">
+        <a:scrgbClr r="0" g="0" b="0"/>
+      </a:effectRef>
+      <a:fontRef idx="minor"/>
+    </dgm:style>
+  </dgm:styleLbl>
+  <dgm:styleLbl name="fgAcc4">
+    <dgm:scene3d>
+      <a:camera prst="orthographicFront"/>
+      <a:lightRig rig="threePt" dir="t"/>
+    </dgm:scene3d>
+    <dgm:sp3d/>
+    <dgm:txPr/>
+    <dgm:style>
+      <a:lnRef idx="2">
+        <a:scrgbClr r="0" g="0" b="0"/>
+      </a:lnRef>
+      <a:fillRef idx="1">
+        <a:scrgbClr r="0" g="0" b="0"/>
+      </a:fillRef>
+      <a:effectRef idx="0">
+        <a:scrgbClr r="0" g="0" b="0"/>
+      </a:effectRef>
+      <a:fontRef idx="minor"/>
+    </dgm:style>
+  </dgm:styleLbl>
+  <dgm:styleLbl name="bgShp">
+    <dgm:scene3d>
+      <a:camera prst="orthographicFront"/>
+      <a:lightRig rig="threePt" dir="t"/>
+    </dgm:scene3d>
+    <dgm:sp3d/>
+    <dgm:txPr/>
+    <dgm:style>
+      <a:lnRef idx="0">
+        <a:scrgbClr r="0" g="0" b="0"/>
+      </a:lnRef>
+      <a:fillRef idx="1">
+        <a:scrgbClr r="0" g="0" b="0"/>
+      </a:fillRef>
+      <a:effectRef idx="0">
+        <a:scrgbClr r="0" g="0" b="0"/>
+      </a:effectRef>
+      <a:fontRef idx="minor"/>
+    </dgm:style>
+  </dgm:styleLbl>
+  <dgm:styleLbl name="dkBgShp">
+    <dgm:scene3d>
+      <a:camera prst="orthographicFront"/>
+      <a:lightRig rig="threePt" dir="t"/>
+    </dgm:scene3d>
+    <dgm:sp3d/>
+    <dgm:txPr/>
+    <dgm:style>
+      <a:lnRef idx="0">
+        <a:scrgbClr r="0" g="0" b="0"/>
+      </a:lnRef>
+      <a:fillRef idx="1">
+        <a:scrgbClr r="0" g="0" b="0"/>
+      </a:fillRef>
+      <a:effectRef idx="0">
+        <a:scrgbClr r="0" g="0" b="0"/>
+      </a:effectRef>
+      <a:fontRef idx="minor"/>
+    </dgm:style>
+  </dgm:styleLbl>
+  <dgm:styleLbl name="trBgShp">
+    <dgm:scene3d>
+      <a:camera prst="orthographicFront"/>
+      <a:lightRig rig="threePt" dir="t"/>
+    </dgm:scene3d>
+    <dgm:sp3d/>
+    <dgm:txPr/>
+    <dgm:style>
+      <a:lnRef idx="0">
+        <a:scrgbClr r="0" g="0" b="0"/>
+      </a:lnRef>
+      <a:fillRef idx="1">
+        <a:scrgbClr r="0" g="0" b="0"/>
+      </a:fillRef>
+      <a:effectRef idx="0">
+        <a:scrgbClr r="0" g="0" b="0"/>
+      </a:effectRef>
+      <a:fontRef idx="minor"/>
+    </dgm:style>
+  </dgm:styleLbl>
+  <dgm:styleLbl name="fgShp">
+    <dgm:scene3d>
+      <a:camera prst="orthographicFront"/>
+      <a:lightRig rig="threePt" dir="t"/>
+    </dgm:scene3d>
+    <dgm:sp3d/>
+    <dgm:txPr/>
+    <dgm:style>
+      <a:lnRef idx="2">
+        <a:scrgbClr r="0" g="0" b="0"/>
+      </a:lnRef>
+      <a:fillRef idx="1">
+        <a:scrgbClr r="0" g="0" b="0"/>
+      </a:fillRef>
+      <a:effectRef idx="0">
+        <a:scrgbClr r="0" g="0" b="0"/>
+      </a:effectRef>
+      <a:fontRef idx="minor"/>
+    </dgm:style>
+  </dgm:styleLbl>
+  <dgm:styleLbl name="revTx">
+    <dgm:scene3d>
+      <a:camera prst="orthographicFront"/>
+      <a:lightRig rig="threePt" dir="t"/>
+    </dgm:scene3d>
+    <dgm:sp3d/>
+    <dgm:txPr/>
+    <dgm:style>
+      <a:lnRef idx="0">
+        <a:scrgbClr r="0" g="0" b="0"/>
+      </a:lnRef>
+      <a:fillRef idx="0">
+        <a:scrgbClr r="0" g="0" b="0"/>
+      </a:fillRef>
+      <a:effectRef idx="0">
+        <a:scrgbClr r="0" g="0" b="0"/>
+      </a:effectRef>
+      <a:fontRef idx="minor"/>
+    </dgm:style>
+  </dgm:styleLbl>
+</dgm:styleDef>
+</file>
+
 <file path=ppt/slideLayouts/slideLayout1.xml><?xml version="1.0" encoding="utf-8"?>
 <p:sldLayout xmlns:a="http://schemas.openxmlformats.org/drawingml/2006/main" xmlns:r="http://schemas.openxmlformats.org/officeDocument/2006/relationships" xmlns:p="http://schemas.openxmlformats.org/presentationml/2006/main" type="title" preserve="1">
   <p:cSld name="Titelfolie">
@@ -298,7 +3090,7 @@
           <a:p>
             <a:fld id="{1DC63592-9D31-432D-A510-4EFC698F70CA}" type="datetimeFigureOut">
               <a:rPr lang="de-DE" smtClean="0"/>
-              <a:t>11.04.2018</a:t>
+              <a:t>12.04.2018</a:t>
             </a:fld>
             <a:endParaRPr lang="de-DE"/>
           </a:p>
@@ -475,7 +3267,7 @@
           <a:p>
             <a:fld id="{1DC63592-9D31-432D-A510-4EFC698F70CA}" type="datetimeFigureOut">
               <a:rPr lang="de-DE" smtClean="0"/>
-              <a:t>11.04.2018</a:t>
+              <a:t>12.04.2018</a:t>
             </a:fld>
             <a:endParaRPr lang="de-DE"/>
           </a:p>
@@ -657,7 +3449,7 @@
           <a:p>
             <a:fld id="{1DC63592-9D31-432D-A510-4EFC698F70CA}" type="datetimeFigureOut">
               <a:rPr lang="de-DE" smtClean="0"/>
-              <a:t>11.04.2018</a:t>
+              <a:t>12.04.2018</a:t>
             </a:fld>
             <a:endParaRPr lang="de-DE"/>
           </a:p>
@@ -866,7 +3658,7 @@
           <a:p>
             <a:fld id="{1DC63592-9D31-432D-A510-4EFC698F70CA}" type="datetimeFigureOut">
               <a:rPr lang="de-DE" smtClean="0"/>
-              <a:t>11.04.2018</a:t>
+              <a:t>12.04.2018</a:t>
             </a:fld>
             <a:endParaRPr lang="de-DE"/>
           </a:p>
@@ -1114,7 +3906,7 @@
           <a:p>
             <a:fld id="{1DC63592-9D31-432D-A510-4EFC698F70CA}" type="datetimeFigureOut">
               <a:rPr lang="de-DE" smtClean="0"/>
-              <a:t>11.04.2018</a:t>
+              <a:t>12.04.2018</a:t>
             </a:fld>
             <a:endParaRPr lang="de-DE"/>
           </a:p>
@@ -1431,7 +4223,7 @@
           <a:p>
             <a:fld id="{1DC63592-9D31-432D-A510-4EFC698F70CA}" type="datetimeFigureOut">
               <a:rPr lang="de-DE" smtClean="0"/>
-              <a:t>11.04.2018</a:t>
+              <a:t>12.04.2018</a:t>
             </a:fld>
             <a:endParaRPr lang="de-DE"/>
           </a:p>
@@ -1881,7 +4673,7 @@
           <a:p>
             <a:fld id="{1DC63592-9D31-432D-A510-4EFC698F70CA}" type="datetimeFigureOut">
               <a:rPr lang="de-DE" smtClean="0"/>
-              <a:t>11.04.2018</a:t>
+              <a:t>12.04.2018</a:t>
             </a:fld>
             <a:endParaRPr lang="de-DE"/>
           </a:p>
@@ -2001,7 +4793,7 @@
           <a:p>
             <a:fld id="{1DC63592-9D31-432D-A510-4EFC698F70CA}" type="datetimeFigureOut">
               <a:rPr lang="de-DE" smtClean="0"/>
-              <a:t>11.04.2018</a:t>
+              <a:t>12.04.2018</a:t>
             </a:fld>
             <a:endParaRPr lang="de-DE"/>
           </a:p>
@@ -2098,7 +4890,7 @@
           <a:p>
             <a:fld id="{1DC63592-9D31-432D-A510-4EFC698F70CA}" type="datetimeFigureOut">
               <a:rPr lang="de-DE" smtClean="0"/>
-              <a:t>11.04.2018</a:t>
+              <a:t>12.04.2018</a:t>
             </a:fld>
             <a:endParaRPr lang="de-DE"/>
           </a:p>
@@ -2390,7 +5182,7 @@
           <a:p>
             <a:fld id="{1DC63592-9D31-432D-A510-4EFC698F70CA}" type="datetimeFigureOut">
               <a:rPr lang="de-DE" smtClean="0"/>
-              <a:t>11.04.2018</a:t>
+              <a:t>12.04.2018</a:t>
             </a:fld>
             <a:endParaRPr lang="de-DE"/>
           </a:p>
@@ -2588,7 +5380,7 @@
           <a:p>
             <a:fld id="{1DC63592-9D31-432D-A510-4EFC698F70CA}" type="datetimeFigureOut">
               <a:rPr lang="de-DE" smtClean="0"/>
-              <a:t>11.04.2018</a:t>
+              <a:t>12.04.2018</a:t>
             </a:fld>
             <a:endParaRPr lang="de-DE"/>
           </a:p>
@@ -7146,7 +9938,7 @@
           <a:p>
             <a:fld id="{1DC63592-9D31-432D-A510-4EFC698F70CA}" type="datetimeFigureOut">
               <a:rPr lang="de-DE" smtClean="0"/>
-              <a:t>11.04.2018</a:t>
+              <a:t>12.04.2018</a:t>
             </a:fld>
             <a:endParaRPr lang="de-DE"/>
           </a:p>
@@ -8304,28 +11096,11 @@
         </p:spPr>
         <p:txBody>
           <a:bodyPr>
-            <a:normAutofit fontScale="85000" lnSpcReduction="20000"/>
+            <a:normAutofit/>
           </a:bodyPr>
           <a:lstStyle/>
           <a:p>
             <a:pPr algn="ctr"/>
-            <a:r>
-              <a:rPr lang="de-DE" dirty="0" smtClean="0">
-                <a:latin typeface="MV Boli" pitchFamily="2" charset="0"/>
-                <a:cs typeface="MV Boli" pitchFamily="2" charset="0"/>
-              </a:rPr>
-              <a:t>A new life</a:t>
-            </a:r>
-          </a:p>
-          <a:p>
-            <a:pPr algn="ctr"/>
-            <a:r>
-              <a:rPr lang="de-DE" dirty="0" smtClean="0">
-                <a:latin typeface="MV Boli" pitchFamily="2" charset="0"/>
-                <a:cs typeface="MV Boli" pitchFamily="2" charset="0"/>
-              </a:rPr>
-              <a:t>...form</a:t>
-            </a:r>
             <a:endParaRPr lang="de-DE" dirty="0">
               <a:latin typeface="MV Boli" pitchFamily="2" charset="0"/>
               <a:cs typeface="MV Boli" pitchFamily="2" charset="0"/>
@@ -8375,13 +11150,13 @@
         </p:nvSpPr>
         <p:spPr>
           <a:xfrm>
-            <a:off x="685800" y="249493"/>
-            <a:ext cx="7772400" cy="648071"/>
+            <a:off x="685800" y="303499"/>
+            <a:ext cx="7772400" cy="756083"/>
           </a:xfrm>
         </p:spPr>
         <p:txBody>
           <a:bodyPr>
-            <a:normAutofit fontScale="90000"/>
+            <a:normAutofit/>
           </a:bodyPr>
           <a:lstStyle/>
           <a:p>
@@ -8391,7 +11166,7 @@
                 <a:latin typeface="MV Boli" pitchFamily="2" charset="0"/>
                 <a:cs typeface="MV Boli" pitchFamily="2" charset="0"/>
               </a:rPr>
-              <a:t>Team</a:t>
+              <a:t>Vision Statement</a:t>
             </a:r>
             <a:endParaRPr lang="de-DE" dirty="0">
               <a:latin typeface="MV Boli" pitchFamily="2" charset="0"/>
@@ -8412,14 +11187,61 @@
         </p:nvSpPr>
         <p:spPr>
           <a:xfrm>
-            <a:off x="1371600" y="1113588"/>
-            <a:ext cx="6400800" cy="3115512"/>
+            <a:off x="971600" y="1167594"/>
+            <a:ext cx="7560840" cy="3672408"/>
           </a:xfrm>
         </p:spPr>
         <p:txBody>
-          <a:bodyPr/>
+          <a:bodyPr>
+            <a:normAutofit/>
+          </a:bodyPr>
           <a:lstStyle/>
           <a:p>
+            <a:r>
+              <a:rPr lang="de-DE" dirty="0" smtClean="0">
+                <a:latin typeface="MV Boli" pitchFamily="2" charset="0"/>
+                <a:cs typeface="MV Boli" pitchFamily="2" charset="0"/>
+              </a:rPr>
+              <a:t>3 Sätze</a:t>
+            </a:r>
+            <a:r>
+              <a:rPr lang="de-DE" dirty="0" smtClean="0">
+                <a:latin typeface="MV Boli" pitchFamily="2" charset="0"/>
+                <a:cs typeface="MV Boli" pitchFamily="2" charset="0"/>
+              </a:rPr>
+              <a:t>: Die vor kurzem erwachte Voodoo-Puppe Nox </a:t>
+            </a:r>
+            <a:endParaRPr lang="de-DE" dirty="0" smtClean="0">
+              <a:latin typeface="MV Boli" pitchFamily="2" charset="0"/>
+              <a:cs typeface="MV Boli" pitchFamily="2" charset="0"/>
+            </a:endParaRPr>
+          </a:p>
+          <a:p>
+            <a:r>
+              <a:rPr lang="de-DE" dirty="0" smtClean="0">
+                <a:latin typeface="MV Boli" pitchFamily="2" charset="0"/>
+                <a:cs typeface="MV Boli" pitchFamily="2" charset="0"/>
+              </a:rPr>
+              <a:t>1.Wo will ich hin?(Wer spielt‘s?)Genre auf den Punkt bringen</a:t>
+            </a:r>
+          </a:p>
+          <a:p>
+            <a:r>
+              <a:rPr lang="de-DE" dirty="0" smtClean="0">
+                <a:latin typeface="MV Boli" pitchFamily="2" charset="0"/>
+                <a:cs typeface="MV Boli" pitchFamily="2" charset="0"/>
+              </a:rPr>
+              <a:t>2. Was sind die Kern-Features, was macht man im Spiel?</a:t>
+            </a:r>
+          </a:p>
+          <a:p>
+            <a:r>
+              <a:rPr lang="de-DE" dirty="0" smtClean="0">
+                <a:latin typeface="MV Boli" pitchFamily="2" charset="0"/>
+                <a:cs typeface="MV Boli" pitchFamily="2" charset="0"/>
+              </a:rPr>
+              <a:t>3. Was erlebt der Spieler bezogen auf das Setting? Welcher Mood soll rübergebracht werden?</a:t>
+            </a:r>
             <a:endParaRPr lang="de-DE" dirty="0">
               <a:latin typeface="MV Boli" pitchFamily="2" charset="0"/>
               <a:cs typeface="MV Boli" pitchFamily="2" charset="0"/>
@@ -8430,7 +11252,7 @@
     </p:spTree>
     <p:extLst>
       <p:ext uri="{BB962C8B-B14F-4D97-AF65-F5344CB8AC3E}">
-        <p14:creationId xmlns:p14="http://schemas.microsoft.com/office/powerpoint/2010/main" val="582198742"/>
+        <p14:creationId xmlns:p14="http://schemas.microsoft.com/office/powerpoint/2010/main" val="782013507"/>
       </p:ext>
     </p:extLst>
   </p:cSld>
@@ -8485,7 +11307,7 @@
                 <a:latin typeface="MV Boli" pitchFamily="2" charset="0"/>
                 <a:cs typeface="MV Boli" pitchFamily="2" charset="0"/>
               </a:rPr>
-              <a:t>Vision Document</a:t>
+              <a:t>Game Facts</a:t>
             </a:r>
             <a:endParaRPr lang="de-DE" dirty="0">
               <a:latin typeface="MV Boli" pitchFamily="2" charset="0"/>
@@ -8514,6 +11336,119 @@
           <a:bodyPr/>
           <a:lstStyle/>
           <a:p>
+            <a:pPr lvl="0"/>
+            <a:endParaRPr lang="en-GB" dirty="0" smtClean="0">
+              <a:latin typeface="MV Boli" pitchFamily="2" charset="0"/>
+              <a:cs typeface="MV Boli" pitchFamily="2" charset="0"/>
+            </a:endParaRPr>
+          </a:p>
+          <a:p>
+            <a:pPr lvl="0"/>
+            <a:r>
+              <a:rPr lang="en-GB" dirty="0" smtClean="0">
+                <a:latin typeface="MV Boli" pitchFamily="2" charset="0"/>
+                <a:cs typeface="MV Boli" pitchFamily="2" charset="0"/>
+              </a:rPr>
+              <a:t>Game </a:t>
+            </a:r>
+            <a:r>
+              <a:rPr lang="en-GB" dirty="0">
+                <a:latin typeface="MV Boli" pitchFamily="2" charset="0"/>
+                <a:cs typeface="MV Boli" pitchFamily="2" charset="0"/>
+              </a:rPr>
+              <a:t>Type:	3D </a:t>
+            </a:r>
+            <a:r>
+              <a:rPr lang="en-GB" dirty="0" smtClean="0">
+                <a:latin typeface="MV Boli" pitchFamily="2" charset="0"/>
+                <a:cs typeface="MV Boli" pitchFamily="2" charset="0"/>
+              </a:rPr>
+              <a:t>Platformer</a:t>
+            </a:r>
+            <a:endParaRPr lang="de-DE" dirty="0">
+              <a:latin typeface="MV Boli" pitchFamily="2" charset="0"/>
+              <a:cs typeface="MV Boli" pitchFamily="2" charset="0"/>
+            </a:endParaRPr>
+          </a:p>
+          <a:p>
+            <a:pPr lvl="0"/>
+            <a:r>
+              <a:rPr lang="en-GB" dirty="0">
+                <a:latin typeface="MV Boli" pitchFamily="2" charset="0"/>
+                <a:cs typeface="MV Boli" pitchFamily="2" charset="0"/>
+              </a:rPr>
+              <a:t>Game Mode:	Singleplayer</a:t>
+            </a:r>
+            <a:endParaRPr lang="de-DE" dirty="0">
+              <a:latin typeface="MV Boli" pitchFamily="2" charset="0"/>
+              <a:cs typeface="MV Boli" pitchFamily="2" charset="0"/>
+            </a:endParaRPr>
+          </a:p>
+          <a:p>
+            <a:pPr lvl="0"/>
+            <a:r>
+              <a:rPr lang="en-GB" dirty="0">
+                <a:latin typeface="MV Boli" pitchFamily="2" charset="0"/>
+                <a:cs typeface="MV Boli" pitchFamily="2" charset="0"/>
+              </a:rPr>
+              <a:t>Genre:		</a:t>
+            </a:r>
+            <a:r>
+              <a:rPr lang="en-GB" dirty="0" smtClean="0">
+                <a:latin typeface="MV Boli" pitchFamily="2" charset="0"/>
+                <a:cs typeface="MV Boli" pitchFamily="2" charset="0"/>
+              </a:rPr>
+              <a:t>	Supernatural </a:t>
+            </a:r>
+            <a:r>
+              <a:rPr lang="en-GB" dirty="0">
+                <a:latin typeface="MV Boli" pitchFamily="2" charset="0"/>
+                <a:cs typeface="MV Boli" pitchFamily="2" charset="0"/>
+              </a:rPr>
+              <a:t>Adventure</a:t>
+            </a:r>
+            <a:endParaRPr lang="de-DE" dirty="0">
+              <a:latin typeface="MV Boli" pitchFamily="2" charset="0"/>
+              <a:cs typeface="MV Boli" pitchFamily="2" charset="0"/>
+            </a:endParaRPr>
+          </a:p>
+          <a:p>
+            <a:pPr lvl="0"/>
+            <a:r>
+              <a:rPr lang="en-GB" dirty="0">
+                <a:latin typeface="MV Boli" pitchFamily="2" charset="0"/>
+                <a:cs typeface="MV Boli" pitchFamily="2" charset="0"/>
+              </a:rPr>
+              <a:t>Platform:	</a:t>
+            </a:r>
+            <a:r>
+              <a:rPr lang="en-GB" dirty="0" smtClean="0">
+                <a:latin typeface="MV Boli" pitchFamily="2" charset="0"/>
+                <a:cs typeface="MV Boli" pitchFamily="2" charset="0"/>
+              </a:rPr>
+              <a:t>	PC</a:t>
+            </a:r>
+            <a:endParaRPr lang="de-DE" dirty="0">
+              <a:latin typeface="MV Boli" pitchFamily="2" charset="0"/>
+              <a:cs typeface="MV Boli" pitchFamily="2" charset="0"/>
+            </a:endParaRPr>
+          </a:p>
+          <a:p>
+            <a:pPr lvl="0"/>
+            <a:r>
+              <a:rPr lang="en-GB" dirty="0">
+                <a:latin typeface="MV Boli" pitchFamily="2" charset="0"/>
+                <a:cs typeface="MV Boli" pitchFamily="2" charset="0"/>
+              </a:rPr>
+              <a:t>Engine:		</a:t>
+            </a:r>
+            <a:r>
+              <a:rPr lang="en-GB" dirty="0" smtClean="0">
+                <a:latin typeface="MV Boli" pitchFamily="2" charset="0"/>
+                <a:cs typeface="MV Boli" pitchFamily="2" charset="0"/>
+              </a:rPr>
+              <a:t>	Unity</a:t>
+            </a:r>
             <a:endParaRPr lang="de-DE" dirty="0">
               <a:latin typeface="MV Boli" pitchFamily="2" charset="0"/>
               <a:cs typeface="MV Boli" pitchFamily="2" charset="0"/>
@@ -8563,13 +11498,13 @@
         </p:nvSpPr>
         <p:spPr>
           <a:xfrm>
-            <a:off x="685800" y="303499"/>
-            <a:ext cx="7772400" cy="756083"/>
+            <a:off x="685800" y="249493"/>
+            <a:ext cx="7772400" cy="648071"/>
           </a:xfrm>
         </p:spPr>
         <p:txBody>
           <a:bodyPr>
-            <a:normAutofit/>
+            <a:normAutofit fontScale="90000"/>
           </a:bodyPr>
           <a:lstStyle/>
           <a:p>
@@ -8579,7 +11514,7 @@
                 <a:latin typeface="MV Boli" pitchFamily="2" charset="0"/>
                 <a:cs typeface="MV Boli" pitchFamily="2" charset="0"/>
               </a:rPr>
-              <a:t>Vision Statement</a:t>
+              <a:t>Team</a:t>
             </a:r>
             <a:endParaRPr lang="de-DE" dirty="0">
               <a:latin typeface="MV Boli" pitchFamily="2" charset="0"/>
@@ -8600,8 +11535,8 @@
         </p:nvSpPr>
         <p:spPr>
           <a:xfrm>
-            <a:off x="971600" y="1167594"/>
-            <a:ext cx="7560840" cy="3672408"/>
+            <a:off x="1547664" y="1203598"/>
+            <a:ext cx="5904656" cy="3168352"/>
           </a:xfrm>
         </p:spPr>
         <p:txBody>
@@ -8610,51 +11545,233 @@
           </a:bodyPr>
           <a:lstStyle/>
           <a:p>
+            <a:pPr lvl="0"/>
             <a:r>
-              <a:rPr lang="de-DE" dirty="0" smtClean="0">
+              <a:rPr lang="en-GB" sz="1600" b="1" dirty="0">
+                <a:solidFill>
+                  <a:schemeClr val="tx1">
+                    <a:lumMod val="95000"/>
+                  </a:schemeClr>
+                </a:solidFill>
                 <a:latin typeface="MV Boli" pitchFamily="2" charset="0"/>
                 <a:cs typeface="MV Boli" pitchFamily="2" charset="0"/>
               </a:rPr>
-              <a:t>3 Sätze:</a:t>
+              <a:t>Producer</a:t>
             </a:r>
-          </a:p>
-          <a:p>
             <a:r>
-              <a:rPr lang="de-DE" dirty="0" smtClean="0">
+              <a:rPr lang="en-GB" sz="1600" dirty="0">
+                <a:solidFill>
+                  <a:schemeClr val="tx1">
+                    <a:lumMod val="95000"/>
+                  </a:schemeClr>
+                </a:solidFill>
                 <a:latin typeface="MV Boli" pitchFamily="2" charset="0"/>
                 <a:cs typeface="MV Boli" pitchFamily="2" charset="0"/>
               </a:rPr>
-              <a:t>1.Wo will ich hin?(Wer spielt‘s?)Genre auf den Punkt bringen</a:t>
+              <a:t>:	</a:t>
             </a:r>
-          </a:p>
-          <a:p>
             <a:r>
-              <a:rPr lang="de-DE" dirty="0" smtClean="0">
+              <a:rPr lang="en-GB" sz="1600" dirty="0" smtClean="0">
+                <a:solidFill>
+                  <a:schemeClr val="tx1">
+                    <a:lumMod val="95000"/>
+                  </a:schemeClr>
+                </a:solidFill>
                 <a:latin typeface="MV Boli" pitchFamily="2" charset="0"/>
                 <a:cs typeface="MV Boli" pitchFamily="2" charset="0"/>
               </a:rPr>
-              <a:t>2. Was sind die Kern-Features, was macht man im Spiel?</a:t>
+              <a:t>	Sonja Köck</a:t>
             </a:r>
-          </a:p>
-          <a:p>
+            <a:endParaRPr lang="de-DE" sz="1600" dirty="0">
+              <a:solidFill>
+                <a:schemeClr val="tx1">
+                  <a:lumMod val="95000"/>
+                </a:schemeClr>
+              </a:solidFill>
+              <a:latin typeface="MV Boli" pitchFamily="2" charset="0"/>
+              <a:cs typeface="MV Boli" pitchFamily="2" charset="0"/>
+            </a:endParaRPr>
+          </a:p>
+          <a:p>
+            <a:pPr lvl="0"/>
             <a:r>
-              <a:rPr lang="de-DE" dirty="0" smtClean="0">
+              <a:rPr lang="en-GB" sz="1600" b="1" dirty="0">
+                <a:solidFill>
+                  <a:schemeClr val="tx1">
+                    <a:lumMod val="95000"/>
+                  </a:schemeClr>
+                </a:solidFill>
                 <a:latin typeface="MV Boli" pitchFamily="2" charset="0"/>
                 <a:cs typeface="MV Boli" pitchFamily="2" charset="0"/>
               </a:rPr>
-              <a:t>3. Was erlebt der Spieler bezogen auf das Setting? Welcher Mood soll rübergebracht werden?</a:t>
+              <a:t>Programmer</a:t>
             </a:r>
-            <a:endParaRPr lang="de-DE" dirty="0">
+            <a:r>
+              <a:rPr lang="en-GB" sz="1600" dirty="0">
+                <a:solidFill>
+                  <a:schemeClr val="tx1">
+                    <a:lumMod val="95000"/>
+                  </a:schemeClr>
+                </a:solidFill>
+                <a:latin typeface="MV Boli" pitchFamily="2" charset="0"/>
+                <a:cs typeface="MV Boli" pitchFamily="2" charset="0"/>
+              </a:rPr>
+              <a:t>:	Artjom Schmittke</a:t>
+            </a:r>
+            <a:endParaRPr lang="de-DE" sz="1600" dirty="0">
+              <a:solidFill>
+                <a:schemeClr val="tx1">
+                  <a:lumMod val="95000"/>
+                </a:schemeClr>
+              </a:solidFill>
               <a:latin typeface="MV Boli" pitchFamily="2" charset="0"/>
               <a:cs typeface="MV Boli" pitchFamily="2" charset="0"/>
             </a:endParaRPr>
           </a:p>
+          <a:p>
+            <a:pPr lvl="0"/>
+            <a:r>
+              <a:rPr lang="en-GB" sz="1600" b="1" dirty="0">
+                <a:solidFill>
+                  <a:schemeClr val="tx1">
+                    <a:lumMod val="95000"/>
+                  </a:schemeClr>
+                </a:solidFill>
+                <a:latin typeface="MV Boli" pitchFamily="2" charset="0"/>
+                <a:cs typeface="MV Boli" pitchFamily="2" charset="0"/>
+              </a:rPr>
+              <a:t>Design</a:t>
+            </a:r>
+            <a:r>
+              <a:rPr lang="en-GB" sz="1600" dirty="0">
+                <a:solidFill>
+                  <a:schemeClr val="tx1">
+                    <a:lumMod val="95000"/>
+                  </a:schemeClr>
+                </a:solidFill>
+                <a:latin typeface="MV Boli" pitchFamily="2" charset="0"/>
+                <a:cs typeface="MV Boli" pitchFamily="2" charset="0"/>
+              </a:rPr>
+              <a:t>:		</a:t>
+            </a:r>
+            <a:r>
+              <a:rPr lang="en-GB" sz="1600" dirty="0" smtClean="0">
+                <a:solidFill>
+                  <a:schemeClr val="tx1">
+                    <a:lumMod val="95000"/>
+                  </a:schemeClr>
+                </a:solidFill>
+                <a:latin typeface="MV Boli" pitchFamily="2" charset="0"/>
+                <a:cs typeface="MV Boli" pitchFamily="2" charset="0"/>
+              </a:rPr>
+              <a:t>Tobias Schuster</a:t>
+            </a:r>
+          </a:p>
+          <a:p>
+            <a:pPr lvl="0"/>
+            <a:endParaRPr lang="en-GB" sz="1600" dirty="0" smtClean="0">
+              <a:solidFill>
+                <a:schemeClr val="tx1">
+                  <a:lumMod val="95000"/>
+                </a:schemeClr>
+              </a:solidFill>
+              <a:latin typeface="MV Boli" pitchFamily="2" charset="0"/>
+              <a:cs typeface="MV Boli" pitchFamily="2" charset="0"/>
+            </a:endParaRPr>
+          </a:p>
+          <a:p>
+            <a:pPr lvl="0"/>
+            <a:r>
+              <a:rPr lang="en-GB" sz="1600" b="1" dirty="0" smtClean="0">
+                <a:solidFill>
+                  <a:schemeClr val="tx1">
+                    <a:lumMod val="95000"/>
+                  </a:schemeClr>
+                </a:solidFill>
+                <a:latin typeface="MV Boli" pitchFamily="2" charset="0"/>
+                <a:cs typeface="MV Boli" pitchFamily="2" charset="0"/>
+              </a:rPr>
+              <a:t>							Art:</a:t>
+            </a:r>
+            <a:r>
+              <a:rPr lang="en-GB" sz="1600" dirty="0" smtClean="0">
+                <a:solidFill>
+                  <a:schemeClr val="tx1">
+                    <a:lumMod val="95000"/>
+                  </a:schemeClr>
+                </a:solidFill>
+                <a:latin typeface="MV Boli" pitchFamily="2" charset="0"/>
+                <a:cs typeface="MV Boli" pitchFamily="2" charset="0"/>
+              </a:rPr>
+              <a:t>		Michelle Mohn</a:t>
+            </a:r>
+          </a:p>
+          <a:p>
+            <a:pPr lvl="0"/>
+            <a:r>
+              <a:rPr lang="en-GB" sz="1600" dirty="0" smtClean="0">
+                <a:solidFill>
+                  <a:schemeClr val="tx1">
+                    <a:lumMod val="95000"/>
+                  </a:schemeClr>
+                </a:solidFill>
+                <a:latin typeface="MV Boli" pitchFamily="2" charset="0"/>
+                <a:cs typeface="MV Boli" pitchFamily="2" charset="0"/>
+              </a:rPr>
+              <a:t>									Jesse Haines</a:t>
+            </a:r>
+          </a:p>
+          <a:p>
+            <a:pPr lvl="0"/>
+            <a:r>
+              <a:rPr lang="en-GB" sz="1600" dirty="0" smtClean="0">
+                <a:solidFill>
+                  <a:schemeClr val="tx1">
+                    <a:lumMod val="95000"/>
+                  </a:schemeClr>
+                </a:solidFill>
+                <a:latin typeface="MV Boli" pitchFamily="2" charset="0"/>
+                <a:cs typeface="MV Boli" pitchFamily="2" charset="0"/>
+              </a:rPr>
+              <a:t>									Marlou Nolting</a:t>
+            </a:r>
+          </a:p>
+          <a:p>
+            <a:pPr lvl="0"/>
+            <a:r>
+              <a:rPr lang="en-GB" sz="1600" dirty="0" smtClean="0">
+                <a:solidFill>
+                  <a:schemeClr val="tx1">
+                    <a:lumMod val="95000"/>
+                  </a:schemeClr>
+                </a:solidFill>
+                <a:latin typeface="MV Boli" pitchFamily="2" charset="0"/>
+                <a:cs typeface="MV Boli" pitchFamily="2" charset="0"/>
+              </a:rPr>
+              <a:t>									Levin Lang</a:t>
+            </a:r>
+            <a:endParaRPr lang="de-DE" sz="1600" dirty="0" smtClean="0">
+              <a:solidFill>
+                <a:schemeClr val="tx1">
+                  <a:lumMod val="95000"/>
+                </a:schemeClr>
+              </a:solidFill>
+              <a:latin typeface="MV Boli" pitchFamily="2" charset="0"/>
+              <a:cs typeface="MV Boli" pitchFamily="2" charset="0"/>
+            </a:endParaRPr>
+          </a:p>
+          <a:p>
+            <a:endParaRPr lang="de-DE" sz="1600" dirty="0">
+              <a:latin typeface="MV Boli" pitchFamily="2" charset="0"/>
+              <a:cs typeface="MV Boli" pitchFamily="2" charset="0"/>
+            </a:endParaRPr>
+          </a:p>
         </p:txBody>
       </p:sp>
     </p:spTree>
     <p:extLst>
       <p:ext uri="{BB962C8B-B14F-4D97-AF65-F5344CB8AC3E}">
-        <p14:creationId xmlns:p14="http://schemas.microsoft.com/office/powerpoint/2010/main" val="782013507"/>
+        <p14:creationId xmlns:p14="http://schemas.microsoft.com/office/powerpoint/2010/main" val="582198742"/>
       </p:ext>
     </p:extLst>
   </p:cSld>
@@ -8693,13 +11810,13 @@
         </p:nvSpPr>
         <p:spPr>
           <a:xfrm>
-            <a:off x="685800" y="303499"/>
-            <a:ext cx="7772400" cy="756083"/>
+            <a:off x="685800" y="249493"/>
+            <a:ext cx="7772400" cy="648071"/>
           </a:xfrm>
         </p:spPr>
         <p:txBody>
           <a:bodyPr>
-            <a:normAutofit/>
+            <a:normAutofit fontScale="90000"/>
           </a:bodyPr>
           <a:lstStyle/>
           <a:p>
@@ -8709,7 +11826,7 @@
                 <a:latin typeface="MV Boli" pitchFamily="2" charset="0"/>
                 <a:cs typeface="MV Boli" pitchFamily="2" charset="0"/>
               </a:rPr>
-              <a:t>Mood Beschreibung</a:t>
+              <a:t>Team</a:t>
             </a:r>
             <a:endParaRPr lang="de-DE" dirty="0">
               <a:latin typeface="MV Boli" pitchFamily="2" charset="0"/>
@@ -8730,8 +11847,8 @@
         </p:nvSpPr>
         <p:spPr>
           <a:xfrm>
-            <a:off x="971600" y="1167594"/>
-            <a:ext cx="7560840" cy="3672408"/>
+            <a:off x="1547664" y="1203598"/>
+            <a:ext cx="5904656" cy="3168352"/>
           </a:xfrm>
         </p:spPr>
         <p:txBody>
@@ -8740,24 +11857,233 @@
           </a:bodyPr>
           <a:lstStyle/>
           <a:p>
+            <a:pPr lvl="0"/>
             <a:r>
-              <a:rPr lang="de-DE" dirty="0" smtClean="0">
+              <a:rPr lang="en-GB" sz="1600" b="1" dirty="0">
+                <a:solidFill>
+                  <a:schemeClr val="tx1">
+                    <a:lumMod val="95000"/>
+                  </a:schemeClr>
+                </a:solidFill>
                 <a:latin typeface="MV Boli" pitchFamily="2" charset="0"/>
                 <a:cs typeface="MV Boli" pitchFamily="2" charset="0"/>
               </a:rPr>
-              <a:t>3 Bilder + Mock-Ups</a:t>
+              <a:t>Producer</a:t>
             </a:r>
-            <a:endParaRPr lang="de-DE" dirty="0">
+            <a:r>
+              <a:rPr lang="en-GB" sz="1600" dirty="0">
+                <a:solidFill>
+                  <a:schemeClr val="tx1">
+                    <a:lumMod val="95000"/>
+                  </a:schemeClr>
+                </a:solidFill>
+                <a:latin typeface="MV Boli" pitchFamily="2" charset="0"/>
+                <a:cs typeface="MV Boli" pitchFamily="2" charset="0"/>
+              </a:rPr>
+              <a:t>:	</a:t>
+            </a:r>
+            <a:r>
+              <a:rPr lang="en-GB" sz="1600" dirty="0" smtClean="0">
+                <a:solidFill>
+                  <a:schemeClr val="tx1">
+                    <a:lumMod val="95000"/>
+                  </a:schemeClr>
+                </a:solidFill>
+                <a:latin typeface="MV Boli" pitchFamily="2" charset="0"/>
+                <a:cs typeface="MV Boli" pitchFamily="2" charset="0"/>
+              </a:rPr>
+              <a:t>	Sonja Köck</a:t>
+            </a:r>
+            <a:endParaRPr lang="de-DE" sz="1600" dirty="0">
+              <a:solidFill>
+                <a:schemeClr val="tx1">
+                  <a:lumMod val="95000"/>
+                </a:schemeClr>
+              </a:solidFill>
               <a:latin typeface="MV Boli" pitchFamily="2" charset="0"/>
               <a:cs typeface="MV Boli" pitchFamily="2" charset="0"/>
             </a:endParaRPr>
           </a:p>
+          <a:p>
+            <a:pPr lvl="0"/>
+            <a:r>
+              <a:rPr lang="en-GB" sz="1600" b="1" dirty="0">
+                <a:solidFill>
+                  <a:schemeClr val="tx1">
+                    <a:lumMod val="95000"/>
+                  </a:schemeClr>
+                </a:solidFill>
+                <a:latin typeface="MV Boli" pitchFamily="2" charset="0"/>
+                <a:cs typeface="MV Boli" pitchFamily="2" charset="0"/>
+              </a:rPr>
+              <a:t>Programmer</a:t>
+            </a:r>
+            <a:r>
+              <a:rPr lang="en-GB" sz="1600" dirty="0">
+                <a:solidFill>
+                  <a:schemeClr val="tx1">
+                    <a:lumMod val="95000"/>
+                  </a:schemeClr>
+                </a:solidFill>
+                <a:latin typeface="MV Boli" pitchFamily="2" charset="0"/>
+                <a:cs typeface="MV Boli" pitchFamily="2" charset="0"/>
+              </a:rPr>
+              <a:t>:	Artjom Schmittke</a:t>
+            </a:r>
+            <a:endParaRPr lang="de-DE" sz="1600" dirty="0">
+              <a:solidFill>
+                <a:schemeClr val="tx1">
+                  <a:lumMod val="95000"/>
+                </a:schemeClr>
+              </a:solidFill>
+              <a:latin typeface="MV Boli" pitchFamily="2" charset="0"/>
+              <a:cs typeface="MV Boli" pitchFamily="2" charset="0"/>
+            </a:endParaRPr>
+          </a:p>
+          <a:p>
+            <a:pPr lvl="0"/>
+            <a:r>
+              <a:rPr lang="en-GB" sz="1600" b="1" dirty="0">
+                <a:solidFill>
+                  <a:schemeClr val="tx1">
+                    <a:lumMod val="95000"/>
+                  </a:schemeClr>
+                </a:solidFill>
+                <a:latin typeface="MV Boli" pitchFamily="2" charset="0"/>
+                <a:cs typeface="MV Boli" pitchFamily="2" charset="0"/>
+              </a:rPr>
+              <a:t>Design</a:t>
+            </a:r>
+            <a:r>
+              <a:rPr lang="en-GB" sz="1600" dirty="0">
+                <a:solidFill>
+                  <a:schemeClr val="tx1">
+                    <a:lumMod val="95000"/>
+                  </a:schemeClr>
+                </a:solidFill>
+                <a:latin typeface="MV Boli" pitchFamily="2" charset="0"/>
+                <a:cs typeface="MV Boli" pitchFamily="2" charset="0"/>
+              </a:rPr>
+              <a:t>:		</a:t>
+            </a:r>
+            <a:r>
+              <a:rPr lang="en-GB" sz="1600" dirty="0" smtClean="0">
+                <a:solidFill>
+                  <a:schemeClr val="tx1">
+                    <a:lumMod val="95000"/>
+                  </a:schemeClr>
+                </a:solidFill>
+                <a:latin typeface="MV Boli" pitchFamily="2" charset="0"/>
+                <a:cs typeface="MV Boli" pitchFamily="2" charset="0"/>
+              </a:rPr>
+              <a:t>Tobias Schuster</a:t>
+            </a:r>
+          </a:p>
+          <a:p>
+            <a:pPr lvl="0"/>
+            <a:endParaRPr lang="en-GB" sz="1600" dirty="0" smtClean="0">
+              <a:solidFill>
+                <a:schemeClr val="tx1">
+                  <a:lumMod val="95000"/>
+                </a:schemeClr>
+              </a:solidFill>
+              <a:latin typeface="MV Boli" pitchFamily="2" charset="0"/>
+              <a:cs typeface="MV Boli" pitchFamily="2" charset="0"/>
+            </a:endParaRPr>
+          </a:p>
+          <a:p>
+            <a:pPr lvl="0"/>
+            <a:r>
+              <a:rPr lang="en-GB" sz="1600" b="1" dirty="0" smtClean="0">
+                <a:solidFill>
+                  <a:schemeClr val="tx1">
+                    <a:lumMod val="95000"/>
+                  </a:schemeClr>
+                </a:solidFill>
+                <a:latin typeface="MV Boli" pitchFamily="2" charset="0"/>
+                <a:cs typeface="MV Boli" pitchFamily="2" charset="0"/>
+              </a:rPr>
+              <a:t>							Art:</a:t>
+            </a:r>
+            <a:r>
+              <a:rPr lang="en-GB" sz="1600" dirty="0" smtClean="0">
+                <a:solidFill>
+                  <a:schemeClr val="tx1">
+                    <a:lumMod val="95000"/>
+                  </a:schemeClr>
+                </a:solidFill>
+                <a:latin typeface="MV Boli" pitchFamily="2" charset="0"/>
+                <a:cs typeface="MV Boli" pitchFamily="2" charset="0"/>
+              </a:rPr>
+              <a:t>		Michelle Mohn</a:t>
+            </a:r>
+          </a:p>
+          <a:p>
+            <a:pPr lvl="0"/>
+            <a:r>
+              <a:rPr lang="en-GB" sz="1600" dirty="0" smtClean="0">
+                <a:solidFill>
+                  <a:schemeClr val="tx1">
+                    <a:lumMod val="95000"/>
+                  </a:schemeClr>
+                </a:solidFill>
+                <a:latin typeface="MV Boli" pitchFamily="2" charset="0"/>
+                <a:cs typeface="MV Boli" pitchFamily="2" charset="0"/>
+              </a:rPr>
+              <a:t>									Jesse Haines</a:t>
+            </a:r>
+          </a:p>
+          <a:p>
+            <a:pPr lvl="0"/>
+            <a:r>
+              <a:rPr lang="en-GB" sz="1600" dirty="0" smtClean="0">
+                <a:solidFill>
+                  <a:schemeClr val="tx1">
+                    <a:lumMod val="95000"/>
+                  </a:schemeClr>
+                </a:solidFill>
+                <a:latin typeface="MV Boli" pitchFamily="2" charset="0"/>
+                <a:cs typeface="MV Boli" pitchFamily="2" charset="0"/>
+              </a:rPr>
+              <a:t>									Marlou Nolting</a:t>
+            </a:r>
+          </a:p>
+          <a:p>
+            <a:pPr lvl="0"/>
+            <a:r>
+              <a:rPr lang="en-GB" sz="1600" dirty="0" smtClean="0">
+                <a:solidFill>
+                  <a:schemeClr val="tx1">
+                    <a:lumMod val="95000"/>
+                  </a:schemeClr>
+                </a:solidFill>
+                <a:latin typeface="MV Boli" pitchFamily="2" charset="0"/>
+                <a:cs typeface="MV Boli" pitchFamily="2" charset="0"/>
+              </a:rPr>
+              <a:t>									Levin Lang</a:t>
+            </a:r>
+            <a:endParaRPr lang="de-DE" sz="1600" dirty="0" smtClean="0">
+              <a:solidFill>
+                <a:schemeClr val="tx1">
+                  <a:lumMod val="95000"/>
+                </a:schemeClr>
+              </a:solidFill>
+              <a:latin typeface="MV Boli" pitchFamily="2" charset="0"/>
+              <a:cs typeface="MV Boli" pitchFamily="2" charset="0"/>
+            </a:endParaRPr>
+          </a:p>
+          <a:p>
+            <a:endParaRPr lang="de-DE" sz="1600" dirty="0">
+              <a:latin typeface="MV Boli" pitchFamily="2" charset="0"/>
+              <a:cs typeface="MV Boli" pitchFamily="2" charset="0"/>
+            </a:endParaRPr>
+          </a:p>
         </p:txBody>
       </p:sp>
     </p:spTree>
     <p:extLst>
       <p:ext uri="{BB962C8B-B14F-4D97-AF65-F5344CB8AC3E}">
-        <p14:creationId xmlns:p14="http://schemas.microsoft.com/office/powerpoint/2010/main" val="649944377"/>
+        <p14:creationId xmlns:p14="http://schemas.microsoft.com/office/powerpoint/2010/main" val="3558449198"/>
       </p:ext>
     </p:extLst>
   </p:cSld>
@@ -8812,7 +12138,7 @@
                 <a:latin typeface="MV Boli" pitchFamily="2" charset="0"/>
                 <a:cs typeface="MV Boli" pitchFamily="2" charset="0"/>
               </a:rPr>
-              <a:t>Gameplay</a:t>
+              <a:t>Concepts</a:t>
             </a:r>
             <a:endParaRPr lang="de-DE" dirty="0">
               <a:latin typeface="MV Boli" pitchFamily="2" charset="0"/>
@@ -8821,55 +12147,46 @@
           </a:p>
         </p:txBody>
       </p:sp>
-      <p:sp>
-        <p:nvSpPr>
-          <p:cNvPr id="3" name="Untertitel 2"/>
-          <p:cNvSpPr>
-            <a:spLocks noGrp="1"/>
-          </p:cNvSpPr>
-          <p:nvPr>
-            <p:ph type="subTitle" idx="1"/>
-          </p:nvPr>
-        </p:nvSpPr>
+      <p:pic>
+        <p:nvPicPr>
+          <p:cNvPr id="4" name="Grafik 3"/>
+          <p:cNvPicPr>
+            <a:picLocks noChangeAspect="1"/>
+          </p:cNvPicPr>
+          <p:nvPr/>
+        </p:nvPicPr>
+        <p:blipFill>
+          <a:blip r:embed="rId2" cstate="print">
+            <a:extLst>
+              <a:ext uri="{28A0092B-C50C-407E-A947-70E740481C1C}">
+                <a14:useLocalDpi xmlns:a14="http://schemas.microsoft.com/office/drawing/2010/main" val="0"/>
+              </a:ext>
+            </a:extLst>
+          </a:blip>
+          <a:stretch>
+            <a:fillRect/>
+          </a:stretch>
+        </p:blipFill>
         <p:spPr>
           <a:xfrm>
-            <a:off x="971600" y="1167594"/>
-            <a:ext cx="7560840" cy="3672408"/>
+            <a:off x="-36512" y="483518"/>
+            <a:ext cx="4608512" cy="3072341"/>
           </a:xfrm>
+          <a:prstGeom prst="ellipse">
+            <a:avLst/>
+          </a:prstGeom>
+          <a:ln>
+            <a:noFill/>
+          </a:ln>
+          <a:effectLst>
+            <a:softEdge rad="112500"/>
+          </a:effectLst>
         </p:spPr>
-        <p:txBody>
-          <a:bodyPr>
-            <a:normAutofit/>
-          </a:bodyPr>
-          <a:lstStyle/>
-          <a:p>
-            <a:r>
-              <a:rPr lang="de-DE" dirty="0" smtClean="0">
-                <a:latin typeface="MV Boli" pitchFamily="2" charset="0"/>
-                <a:cs typeface="MV Boli" pitchFamily="2" charset="0"/>
-              </a:rPr>
-              <a:t>Gameplay: Core Game Loop + Andeutung wie ein zentraler Loop aussieht</a:t>
-            </a:r>
-          </a:p>
-          <a:p>
-            <a:r>
-              <a:rPr lang="de-DE" dirty="0" smtClean="0">
-                <a:latin typeface="MV Boli" pitchFamily="2" charset="0"/>
-                <a:cs typeface="MV Boli" pitchFamily="2" charset="0"/>
-              </a:rPr>
-              <a:t>Smart Art!</a:t>
-            </a:r>
-            <a:endParaRPr lang="de-DE" dirty="0">
-              <a:latin typeface="MV Boli" pitchFamily="2" charset="0"/>
-              <a:cs typeface="MV Boli" pitchFamily="2" charset="0"/>
-            </a:endParaRPr>
-          </a:p>
-        </p:txBody>
-      </p:sp>
+      </p:pic>
     </p:spTree>
     <p:extLst>
       <p:ext uri="{BB962C8B-B14F-4D97-AF65-F5344CB8AC3E}">
-        <p14:creationId xmlns:p14="http://schemas.microsoft.com/office/powerpoint/2010/main" val="2035362994"/>
+        <p14:creationId xmlns:p14="http://schemas.microsoft.com/office/powerpoint/2010/main" val="649944377"/>
       </p:ext>
     </p:extLst>
   </p:cSld>
@@ -8924,6 +12241,95 @@
                 <a:latin typeface="MV Boli" pitchFamily="2" charset="0"/>
                 <a:cs typeface="MV Boli" pitchFamily="2" charset="0"/>
               </a:rPr>
+              <a:t>Core Game Loope</a:t>
+            </a:r>
+            <a:endParaRPr lang="de-DE" dirty="0">
+              <a:latin typeface="MV Boli" pitchFamily="2" charset="0"/>
+              <a:cs typeface="MV Boli" pitchFamily="2" charset="0"/>
+            </a:endParaRPr>
+          </a:p>
+        </p:txBody>
+      </p:sp>
+      <p:graphicFrame>
+        <p:nvGraphicFramePr>
+          <p:cNvPr id="4" name="Diagramm 3"/>
+          <p:cNvGraphicFramePr/>
+          <p:nvPr>
+            <p:extLst>
+              <p:ext uri="{D42A27DB-BD31-4B8C-83A1-F6EECF244321}">
+                <p14:modId xmlns:p14="http://schemas.microsoft.com/office/powerpoint/2010/main" val="3360845108"/>
+              </p:ext>
+            </p:extLst>
+          </p:nvPr>
+        </p:nvGraphicFramePr>
+        <p:xfrm>
+          <a:off x="1475656" y="1059582"/>
+          <a:ext cx="5486400" cy="3200400"/>
+        </p:xfrm>
+        <a:graphic>
+          <a:graphicData uri="http://schemas.openxmlformats.org/drawingml/2006/diagram">
+            <dgm:relIds xmlns:dgm="http://schemas.openxmlformats.org/drawingml/2006/diagram" xmlns:r="http://schemas.openxmlformats.org/officeDocument/2006/relationships" r:dm="rId2" r:lo="rId3" r:qs="rId4" r:cs="rId5"/>
+          </a:graphicData>
+        </a:graphic>
+      </p:graphicFrame>
+    </p:spTree>
+    <p:extLst>
+      <p:ext uri="{BB962C8B-B14F-4D97-AF65-F5344CB8AC3E}">
+        <p14:creationId xmlns:p14="http://schemas.microsoft.com/office/powerpoint/2010/main" val="2035362994"/>
+      </p:ext>
+    </p:extLst>
+  </p:cSld>
+  <p:clrMapOvr>
+    <a:masterClrMapping/>
+  </p:clrMapOvr>
+</p:sld>
+</file>
+
+<file path=ppt/slides/slide8.xml><?xml version="1.0" encoding="utf-8"?>
+<p:sld xmlns:a="http://schemas.openxmlformats.org/drawingml/2006/main" xmlns:r="http://schemas.openxmlformats.org/officeDocument/2006/relationships" xmlns:p="http://schemas.openxmlformats.org/presentationml/2006/main">
+  <p:cSld>
+    <p:spTree>
+      <p:nvGrpSpPr>
+        <p:cNvPr id="1" name=""/>
+        <p:cNvGrpSpPr/>
+        <p:nvPr/>
+      </p:nvGrpSpPr>
+      <p:grpSpPr>
+        <a:xfrm>
+          <a:off x="0" y="0"/>
+          <a:ext cx="0" cy="0"/>
+          <a:chOff x="0" y="0"/>
+          <a:chExt cx="0" cy="0"/>
+        </a:xfrm>
+      </p:grpSpPr>
+      <p:sp>
+        <p:nvSpPr>
+          <p:cNvPr id="2" name="Titel 1"/>
+          <p:cNvSpPr>
+            <a:spLocks noGrp="1"/>
+          </p:cNvSpPr>
+          <p:nvPr>
+            <p:ph type="ctrTitle"/>
+          </p:nvPr>
+        </p:nvSpPr>
+        <p:spPr>
+          <a:xfrm>
+            <a:off x="685800" y="303499"/>
+            <a:ext cx="7772400" cy="756083"/>
+          </a:xfrm>
+        </p:spPr>
+        <p:txBody>
+          <a:bodyPr>
+            <a:normAutofit/>
+          </a:bodyPr>
+          <a:lstStyle/>
+          <a:p>
+            <a:pPr algn="ctr"/>
+            <a:r>
+              <a:rPr lang="de-DE" dirty="0" smtClean="0">
+                <a:latin typeface="MV Boli" pitchFamily="2" charset="0"/>
+                <a:cs typeface="MV Boli" pitchFamily="2" charset="0"/>
+              </a:rPr>
               <a:t>Progress Planning</a:t>
             </a:r>
             <a:endParaRPr lang="de-DE" dirty="0">
@@ -8993,7 +12399,7 @@
 <file path=ppt/theme/theme1.xml><?xml version="1.0" encoding="utf-8"?>
 <a:theme xmlns:a="http://schemas.openxmlformats.org/drawingml/2006/main" name="Summer">
   <a:themeElements>
-    <a:clrScheme name="Nyad">
+    <a:clrScheme name="Hardcover">
       <a:dk1>
         <a:sysClr val="windowText" lastClr="000000"/>
       </a:dk1>
@@ -9001,34 +12407,34 @@
         <a:sysClr val="window" lastClr="FFFFFF"/>
       </a:lt1>
       <a:dk2>
-        <a:srgbClr val="4F271C"/>
+        <a:srgbClr val="895D1D"/>
       </a:dk2>
       <a:lt2>
-        <a:srgbClr val="E7DEC9"/>
+        <a:srgbClr val="ECE9C6"/>
       </a:lt2>
       <a:accent1>
-        <a:srgbClr val="3891A7"/>
+        <a:srgbClr val="873624"/>
       </a:accent1>
       <a:accent2>
-        <a:srgbClr val="FEB80A"/>
+        <a:srgbClr val="D6862D"/>
       </a:accent2>
       <a:accent3>
-        <a:srgbClr val="C32D2E"/>
+        <a:srgbClr val="D0BE40"/>
       </a:accent3>
       <a:accent4>
-        <a:srgbClr val="84AA33"/>
+        <a:srgbClr val="877F6C"/>
       </a:accent4>
       <a:accent5>
-        <a:srgbClr val="964305"/>
+        <a:srgbClr val="972109"/>
       </a:accent5>
       <a:accent6>
-        <a:srgbClr val="475A8D"/>
+        <a:srgbClr val="AEB795"/>
       </a:accent6>
       <a:hlink>
-        <a:srgbClr val="8DC765"/>
+        <a:srgbClr val="CC9900"/>
       </a:hlink>
       <a:folHlink>
-        <a:srgbClr val="AA8A14"/>
+        <a:srgbClr val="B2B2B2"/>
       </a:folHlink>
     </a:clrScheme>
     <a:fontScheme name="Summer">

--- a/_Organisation/Präsentation/Voodoo.pptx
+++ b/_Organisation/Präsentation/Voodoo.pptx
@@ -8,11 +8,12 @@
     <p:sldId id="256" r:id="rId2"/>
     <p:sldId id="257" r:id="rId3"/>
     <p:sldId id="259" r:id="rId4"/>
-    <p:sldId id="262" r:id="rId5"/>
-    <p:sldId id="263" r:id="rId6"/>
-    <p:sldId id="258" r:id="rId7"/>
-    <p:sldId id="260" r:id="rId8"/>
+    <p:sldId id="260" r:id="rId5"/>
+    <p:sldId id="258" r:id="rId6"/>
+    <p:sldId id="262" r:id="rId7"/>
+    <p:sldId id="263" r:id="rId8"/>
     <p:sldId id="261" r:id="rId9"/>
+    <p:sldId id="264" r:id="rId10"/>
   </p:sldIdLst>
   <p:sldSz cx="9144000" cy="5143500" type="screen16x9"/>
   <p:notesSz cx="6858000" cy="9144000"/>
@@ -115,68 +116,86 @@
 </file>
 
 <file path=ppt/diagrams/colors1.xml><?xml version="1.0" encoding="utf-8"?>
-<dgm:colorsDef xmlns:dgm="http://schemas.openxmlformats.org/drawingml/2006/diagram" xmlns:a="http://schemas.openxmlformats.org/drawingml/2006/main" uniqueId="urn:microsoft.com/office/officeart/2005/8/colors/accent1_2">
+<dgm:colorsDef xmlns:dgm="http://schemas.openxmlformats.org/drawingml/2006/diagram" xmlns:a="http://schemas.openxmlformats.org/drawingml/2006/main" uniqueId="urn:microsoft.com/office/officeart/2005/8/colors/accent0_1">
   <dgm:title val=""/>
   <dgm:desc val=""/>
   <dgm:catLst>
-    <dgm:cat type="accent1" pri="11200"/>
+    <dgm:cat type="mainScheme" pri="10100"/>
   </dgm:catLst>
   <dgm:styleLbl name="node0">
     <dgm:fillClrLst meth="repeat">
-      <a:schemeClr val="accent1"/>
+      <a:schemeClr val="lt1"/>
     </dgm:fillClrLst>
     <dgm:linClrLst meth="repeat">
-      <a:schemeClr val="lt1"/>
+      <a:schemeClr val="dk1">
+        <a:shade val="80000"/>
+      </a:schemeClr>
     </dgm:linClrLst>
     <dgm:effectClrLst/>
     <dgm:txLinClrLst/>
-    <dgm:txFillClrLst/>
+    <dgm:txFillClrLst meth="repeat">
+      <a:schemeClr val="dk1"/>
+    </dgm:txFillClrLst>
+    <dgm:txEffectClrLst/>
+  </dgm:styleLbl>
+  <dgm:styleLbl name="node1">
+    <dgm:fillClrLst meth="repeat">
+      <a:schemeClr val="lt1"/>
+    </dgm:fillClrLst>
+    <dgm:linClrLst meth="repeat">
+      <a:schemeClr val="dk1">
+        <a:shade val="80000"/>
+      </a:schemeClr>
+    </dgm:linClrLst>
+    <dgm:effectClrLst/>
+    <dgm:txLinClrLst/>
+    <dgm:txFillClrLst meth="repeat">
+      <a:schemeClr val="dk1"/>
+    </dgm:txFillClrLst>
     <dgm:txEffectClrLst/>
   </dgm:styleLbl>
   <dgm:styleLbl name="alignNode1">
     <dgm:fillClrLst meth="repeat">
-      <a:schemeClr val="accent1"/>
+      <a:schemeClr val="lt1"/>
     </dgm:fillClrLst>
     <dgm:linClrLst meth="repeat">
-      <a:schemeClr val="accent1"/>
+      <a:schemeClr val="dk1">
+        <a:shade val="80000"/>
+      </a:schemeClr>
     </dgm:linClrLst>
     <dgm:effectClrLst/>
     <dgm:txLinClrLst/>
-    <dgm:txFillClrLst/>
-    <dgm:txEffectClrLst/>
-  </dgm:styleLbl>
-  <dgm:styleLbl name="node1">
-    <dgm:fillClrLst meth="repeat">
-      <a:schemeClr val="accent1"/>
-    </dgm:fillClrLst>
-    <dgm:linClrLst meth="repeat">
-      <a:schemeClr val="lt1"/>
-    </dgm:linClrLst>
-    <dgm:effectClrLst/>
-    <dgm:txLinClrLst/>
-    <dgm:txFillClrLst/>
+    <dgm:txFillClrLst meth="repeat">
+      <a:schemeClr val="dk1"/>
+    </dgm:txFillClrLst>
     <dgm:txEffectClrLst/>
   </dgm:styleLbl>
   <dgm:styleLbl name="lnNode1">
     <dgm:fillClrLst meth="repeat">
-      <a:schemeClr val="accent1"/>
+      <a:schemeClr val="lt1"/>
     </dgm:fillClrLst>
     <dgm:linClrLst meth="repeat">
-      <a:schemeClr val="lt1"/>
+      <a:schemeClr val="dk1">
+        <a:shade val="80000"/>
+      </a:schemeClr>
     </dgm:linClrLst>
     <dgm:effectClrLst/>
     <dgm:txLinClrLst/>
-    <dgm:txFillClrLst/>
+    <dgm:txFillClrLst meth="repeat">
+      <a:schemeClr val="dk1"/>
+    </dgm:txFillClrLst>
     <dgm:txEffectClrLst/>
   </dgm:styleLbl>
   <dgm:styleLbl name="vennNode1">
     <dgm:fillClrLst meth="repeat">
-      <a:schemeClr val="accent1">
+      <a:schemeClr val="lt1">
         <a:alpha val="50000"/>
       </a:schemeClr>
     </dgm:fillClrLst>
     <dgm:linClrLst meth="repeat">
-      <a:schemeClr val="lt1"/>
+      <a:schemeClr val="dk1">
+        <a:shade val="80000"/>
+      </a:schemeClr>
     </dgm:linClrLst>
     <dgm:effectClrLst/>
     <dgm:txLinClrLst/>
@@ -185,48 +204,62 @@
   </dgm:styleLbl>
   <dgm:styleLbl name="node2">
     <dgm:fillClrLst meth="repeat">
-      <a:schemeClr val="accent1"/>
+      <a:schemeClr val="lt1"/>
     </dgm:fillClrLst>
     <dgm:linClrLst meth="repeat">
-      <a:schemeClr val="lt1"/>
+      <a:schemeClr val="dk1">
+        <a:shade val="80000"/>
+      </a:schemeClr>
     </dgm:linClrLst>
     <dgm:effectClrLst/>
     <dgm:txLinClrLst/>
-    <dgm:txFillClrLst/>
+    <dgm:txFillClrLst meth="repeat">
+      <a:schemeClr val="dk1"/>
+    </dgm:txFillClrLst>
     <dgm:txEffectClrLst/>
   </dgm:styleLbl>
   <dgm:styleLbl name="node3">
     <dgm:fillClrLst meth="repeat">
-      <a:schemeClr val="accent1"/>
+      <a:schemeClr val="lt1"/>
     </dgm:fillClrLst>
     <dgm:linClrLst meth="repeat">
-      <a:schemeClr val="lt1"/>
+      <a:schemeClr val="dk1">
+        <a:shade val="80000"/>
+      </a:schemeClr>
     </dgm:linClrLst>
     <dgm:effectClrLst/>
     <dgm:txLinClrLst/>
-    <dgm:txFillClrLst/>
+    <dgm:txFillClrLst meth="repeat">
+      <a:schemeClr val="dk1"/>
+    </dgm:txFillClrLst>
     <dgm:txEffectClrLst/>
   </dgm:styleLbl>
   <dgm:styleLbl name="node4">
     <dgm:fillClrLst meth="repeat">
-      <a:schemeClr val="accent1"/>
+      <a:schemeClr val="lt1"/>
     </dgm:fillClrLst>
     <dgm:linClrLst meth="repeat">
-      <a:schemeClr val="lt1"/>
+      <a:schemeClr val="dk1">
+        <a:shade val="80000"/>
+      </a:schemeClr>
     </dgm:linClrLst>
     <dgm:effectClrLst/>
     <dgm:txLinClrLst/>
-    <dgm:txFillClrLst/>
+    <dgm:txFillClrLst meth="repeat">
+      <a:schemeClr val="dk1"/>
+    </dgm:txFillClrLst>
     <dgm:txEffectClrLst/>
   </dgm:styleLbl>
   <dgm:styleLbl name="fgImgPlace1">
     <dgm:fillClrLst meth="repeat">
-      <a:schemeClr val="accent1">
-        <a:tint val="50000"/>
+      <a:schemeClr val="dk1">
+        <a:tint val="40000"/>
       </a:schemeClr>
     </dgm:fillClrLst>
     <dgm:linClrLst meth="repeat">
-      <a:schemeClr val="lt1"/>
+      <a:schemeClr val="dk1">
+        <a:shade val="80000"/>
+      </a:schemeClr>
     </dgm:linClrLst>
     <dgm:effectClrLst/>
     <dgm:txLinClrLst/>
@@ -237,12 +270,14 @@
   </dgm:styleLbl>
   <dgm:styleLbl name="alignImgPlace1">
     <dgm:fillClrLst meth="repeat">
-      <a:schemeClr val="accent1">
-        <a:tint val="50000"/>
+      <a:schemeClr val="dk1">
+        <a:tint val="40000"/>
       </a:schemeClr>
     </dgm:fillClrLst>
     <dgm:linClrLst meth="repeat">
-      <a:schemeClr val="lt1"/>
+      <a:schemeClr val="dk1">
+        <a:shade val="80000"/>
+      </a:schemeClr>
     </dgm:linClrLst>
     <dgm:effectClrLst/>
     <dgm:txLinClrLst/>
@@ -253,12 +288,14 @@
   </dgm:styleLbl>
   <dgm:styleLbl name="bgImgPlace1">
     <dgm:fillClrLst meth="repeat">
-      <a:schemeClr val="accent1">
-        <a:tint val="50000"/>
+      <a:schemeClr val="dk1">
+        <a:tint val="40000"/>
       </a:schemeClr>
     </dgm:fillClrLst>
     <dgm:linClrLst meth="repeat">
-      <a:schemeClr val="lt1"/>
+      <a:schemeClr val="dk1">
+        <a:shade val="80000"/>
+      </a:schemeClr>
     </dgm:linClrLst>
     <dgm:effectClrLst/>
     <dgm:txLinClrLst/>
@@ -269,58 +306,64 @@
   </dgm:styleLbl>
   <dgm:styleLbl name="sibTrans2D1">
     <dgm:fillClrLst meth="repeat">
-      <a:schemeClr val="accent1">
+      <a:schemeClr val="dk1">
         <a:tint val="60000"/>
       </a:schemeClr>
     </dgm:fillClrLst>
     <dgm:linClrLst meth="repeat">
-      <a:schemeClr val="accent1">
+      <a:schemeClr val="dk1">
         <a:tint val="60000"/>
       </a:schemeClr>
     </dgm:linClrLst>
     <dgm:effectClrLst/>
     <dgm:txLinClrLst/>
-    <dgm:txFillClrLst/>
+    <dgm:txFillClrLst meth="repeat">
+      <a:schemeClr val="dk1"/>
+    </dgm:txFillClrLst>
     <dgm:txEffectClrLst/>
   </dgm:styleLbl>
   <dgm:styleLbl name="fgSibTrans2D1">
     <dgm:fillClrLst meth="repeat">
-      <a:schemeClr val="accent1">
+      <a:schemeClr val="dk1">
         <a:tint val="60000"/>
       </a:schemeClr>
     </dgm:fillClrLst>
     <dgm:linClrLst meth="repeat">
-      <a:schemeClr val="accent1">
+      <a:schemeClr val="dk1">
         <a:tint val="60000"/>
       </a:schemeClr>
     </dgm:linClrLst>
     <dgm:effectClrLst/>
     <dgm:txLinClrLst/>
-    <dgm:txFillClrLst/>
+    <dgm:txFillClrLst meth="repeat">
+      <a:schemeClr val="dk1"/>
+    </dgm:txFillClrLst>
     <dgm:txEffectClrLst/>
   </dgm:styleLbl>
   <dgm:styleLbl name="bgSibTrans2D1">
     <dgm:fillClrLst meth="repeat">
-      <a:schemeClr val="accent1">
+      <a:schemeClr val="dk1">
         <a:tint val="60000"/>
       </a:schemeClr>
     </dgm:fillClrLst>
     <dgm:linClrLst meth="repeat">
-      <a:schemeClr val="accent1">
+      <a:schemeClr val="dk1">
         <a:tint val="60000"/>
       </a:schemeClr>
     </dgm:linClrLst>
     <dgm:effectClrLst/>
     <dgm:txLinClrLst/>
-    <dgm:txFillClrLst/>
+    <dgm:txFillClrLst meth="repeat">
+      <a:schemeClr val="dk1"/>
+    </dgm:txFillClrLst>
     <dgm:txEffectClrLst/>
   </dgm:styleLbl>
   <dgm:styleLbl name="sibTrans1D1">
     <dgm:fillClrLst meth="repeat">
-      <a:schemeClr val="accent1"/>
+      <a:schemeClr val="dk1"/>
     </dgm:fillClrLst>
     <dgm:linClrLst meth="repeat">
-      <a:schemeClr val="accent1"/>
+      <a:schemeClr val="dk1"/>
     </dgm:linClrLst>
     <dgm:effectClrLst/>
     <dgm:txLinClrLst/>
@@ -331,12 +374,10 @@
   </dgm:styleLbl>
   <dgm:styleLbl name="callout">
     <dgm:fillClrLst meth="repeat">
-      <a:schemeClr val="accent1"/>
+      <a:schemeClr val="dk1"/>
     </dgm:fillClrLst>
     <dgm:linClrLst meth="repeat">
-      <a:schemeClr val="accent1">
-        <a:tint val="50000"/>
-      </a:schemeClr>
+      <a:schemeClr val="dk1"/>
     </dgm:linClrLst>
     <dgm:effectClrLst/>
     <dgm:txLinClrLst/>
@@ -347,116 +388,130 @@
   </dgm:styleLbl>
   <dgm:styleLbl name="asst0">
     <dgm:fillClrLst meth="repeat">
-      <a:schemeClr val="accent1"/>
+      <a:schemeClr val="lt1"/>
     </dgm:fillClrLst>
     <dgm:linClrLst meth="repeat">
+      <a:schemeClr val="dk1">
+        <a:shade val="80000"/>
+      </a:schemeClr>
+    </dgm:linClrLst>
+    <dgm:effectClrLst/>
+    <dgm:txLinClrLst/>
+    <dgm:txFillClrLst meth="repeat">
+      <a:schemeClr val="dk1"/>
+    </dgm:txFillClrLst>
+    <dgm:txEffectClrLst/>
+  </dgm:styleLbl>
+  <dgm:styleLbl name="asst1">
+    <dgm:fillClrLst meth="repeat">
       <a:schemeClr val="lt1"/>
+    </dgm:fillClrLst>
+    <dgm:linClrLst meth="repeat">
+      <a:schemeClr val="dk1">
+        <a:shade val="80000"/>
+      </a:schemeClr>
+    </dgm:linClrLst>
+    <dgm:effectClrLst/>
+    <dgm:txLinClrLst/>
+    <dgm:txFillClrLst meth="repeat">
+      <a:schemeClr val="dk1"/>
+    </dgm:txFillClrLst>
+    <dgm:txEffectClrLst/>
+  </dgm:styleLbl>
+  <dgm:styleLbl name="asst2">
+    <dgm:fillClrLst meth="repeat">
+      <a:schemeClr val="lt1"/>
+    </dgm:fillClrLst>
+    <dgm:linClrLst meth="repeat">
+      <a:schemeClr val="dk1">
+        <a:shade val="80000"/>
+      </a:schemeClr>
+    </dgm:linClrLst>
+    <dgm:effectClrLst/>
+    <dgm:txLinClrLst/>
+    <dgm:txFillClrLst meth="repeat">
+      <a:schemeClr val="dk1"/>
+    </dgm:txFillClrLst>
+    <dgm:txEffectClrLst/>
+  </dgm:styleLbl>
+  <dgm:styleLbl name="asst3">
+    <dgm:fillClrLst meth="repeat">
+      <a:schemeClr val="lt1"/>
+    </dgm:fillClrLst>
+    <dgm:linClrLst meth="repeat">
+      <a:schemeClr val="dk1">
+        <a:shade val="80000"/>
+      </a:schemeClr>
+    </dgm:linClrLst>
+    <dgm:effectClrLst/>
+    <dgm:txLinClrLst/>
+    <dgm:txFillClrLst meth="repeat">
+      <a:schemeClr val="dk1"/>
+    </dgm:txFillClrLst>
+    <dgm:txEffectClrLst/>
+  </dgm:styleLbl>
+  <dgm:styleLbl name="asst4">
+    <dgm:fillClrLst meth="repeat">
+      <a:schemeClr val="lt1"/>
+    </dgm:fillClrLst>
+    <dgm:linClrLst meth="repeat">
+      <a:schemeClr val="dk1">
+        <a:shade val="80000"/>
+      </a:schemeClr>
+    </dgm:linClrLst>
+    <dgm:effectClrLst/>
+    <dgm:txLinClrLst/>
+    <dgm:txFillClrLst meth="repeat">
+      <a:schemeClr val="dk1"/>
+    </dgm:txFillClrLst>
+    <dgm:txEffectClrLst/>
+  </dgm:styleLbl>
+  <dgm:styleLbl name="parChTrans2D1">
+    <dgm:fillClrLst meth="repeat">
+      <a:schemeClr val="dk1">
+        <a:tint val="60000"/>
+      </a:schemeClr>
+    </dgm:fillClrLst>
+    <dgm:linClrLst meth="repeat">
+      <a:schemeClr val="dk1">
+        <a:tint val="60000"/>
+      </a:schemeClr>
     </dgm:linClrLst>
     <dgm:effectClrLst/>
     <dgm:txLinClrLst/>
     <dgm:txFillClrLst/>
     <dgm:txEffectClrLst/>
   </dgm:styleLbl>
-  <dgm:styleLbl name="asst1">
+  <dgm:styleLbl name="parChTrans2D2">
     <dgm:fillClrLst meth="repeat">
-      <a:schemeClr val="accent1"/>
+      <a:schemeClr val="dk1"/>
     </dgm:fillClrLst>
     <dgm:linClrLst meth="repeat">
-      <a:schemeClr val="lt1"/>
+      <a:schemeClr val="dk1"/>
     </dgm:linClrLst>
     <dgm:effectClrLst/>
     <dgm:txLinClrLst/>
     <dgm:txFillClrLst/>
     <dgm:txEffectClrLst/>
   </dgm:styleLbl>
-  <dgm:styleLbl name="asst2">
+  <dgm:styleLbl name="parChTrans2D3">
     <dgm:fillClrLst meth="repeat">
-      <a:schemeClr val="accent1"/>
+      <a:schemeClr val="dk1"/>
     </dgm:fillClrLst>
     <dgm:linClrLst meth="repeat">
-      <a:schemeClr val="lt1"/>
+      <a:schemeClr val="dk1"/>
     </dgm:linClrLst>
     <dgm:effectClrLst/>
     <dgm:txLinClrLst/>
     <dgm:txFillClrLst/>
     <dgm:txEffectClrLst/>
   </dgm:styleLbl>
-  <dgm:styleLbl name="asst3">
+  <dgm:styleLbl name="parChTrans2D4">
     <dgm:fillClrLst meth="repeat">
-      <a:schemeClr val="accent1"/>
+      <a:schemeClr val="dk1"/>
     </dgm:fillClrLst>
     <dgm:linClrLst meth="repeat">
-      <a:schemeClr val="lt1"/>
-    </dgm:linClrLst>
-    <dgm:effectClrLst/>
-    <dgm:txLinClrLst/>
-    <dgm:txFillClrLst/>
-    <dgm:txEffectClrLst/>
-  </dgm:styleLbl>
-  <dgm:styleLbl name="asst4">
-    <dgm:fillClrLst meth="repeat">
-      <a:schemeClr val="accent1"/>
-    </dgm:fillClrLst>
-    <dgm:linClrLst meth="repeat">
-      <a:schemeClr val="lt1"/>
-    </dgm:linClrLst>
-    <dgm:effectClrLst/>
-    <dgm:txLinClrLst/>
-    <dgm:txFillClrLst/>
-    <dgm:txEffectClrLst/>
-  </dgm:styleLbl>
-  <dgm:styleLbl name="parChTrans2D1">
-    <dgm:fillClrLst meth="repeat">
-      <a:schemeClr val="accent1">
-        <a:tint val="60000"/>
-      </a:schemeClr>
-    </dgm:fillClrLst>
-    <dgm:linClrLst meth="repeat">
-      <a:schemeClr val="accent1">
-        <a:tint val="60000"/>
-      </a:schemeClr>
-    </dgm:linClrLst>
-    <dgm:effectClrLst/>
-    <dgm:txLinClrLst/>
-    <dgm:txFillClrLst meth="repeat">
-      <a:schemeClr val="lt1"/>
-    </dgm:txFillClrLst>
-    <dgm:txEffectClrLst/>
-  </dgm:styleLbl>
-  <dgm:styleLbl name="parChTrans2D2">
-    <dgm:fillClrLst meth="repeat">
-      <a:schemeClr val="accent1"/>
-    </dgm:fillClrLst>
-    <dgm:linClrLst meth="repeat">
-      <a:schemeClr val="accent1"/>
-    </dgm:linClrLst>
-    <dgm:effectClrLst/>
-    <dgm:txLinClrLst/>
-    <dgm:txFillClrLst meth="repeat">
-      <a:schemeClr val="lt1"/>
-    </dgm:txFillClrLst>
-    <dgm:txEffectClrLst/>
-  </dgm:styleLbl>
-  <dgm:styleLbl name="parChTrans2D3">
-    <dgm:fillClrLst meth="repeat">
-      <a:schemeClr val="accent1"/>
-    </dgm:fillClrLst>
-    <dgm:linClrLst meth="repeat">
-      <a:schemeClr val="accent1"/>
-    </dgm:linClrLst>
-    <dgm:effectClrLst/>
-    <dgm:txLinClrLst/>
-    <dgm:txFillClrLst meth="repeat">
-      <a:schemeClr val="lt1"/>
-    </dgm:txFillClrLst>
-    <dgm:txEffectClrLst/>
-  </dgm:styleLbl>
-  <dgm:styleLbl name="parChTrans2D4">
-    <dgm:fillClrLst meth="repeat">
-      <a:schemeClr val="accent1"/>
-    </dgm:fillClrLst>
-    <dgm:linClrLst meth="repeat">
-      <a:schemeClr val="accent1"/>
+      <a:schemeClr val="dk1"/>
     </dgm:linClrLst>
     <dgm:effectClrLst/>
     <dgm:txLinClrLst/>
@@ -467,10 +522,10 @@
   </dgm:styleLbl>
   <dgm:styleLbl name="parChTrans1D1">
     <dgm:fillClrLst meth="repeat">
-      <a:schemeClr val="accent1"/>
+      <a:schemeClr val="dk1"/>
     </dgm:fillClrLst>
     <dgm:linClrLst meth="repeat">
-      <a:schemeClr val="accent1">
+      <a:schemeClr val="dk1">
         <a:shade val="60000"/>
       </a:schemeClr>
     </dgm:linClrLst>
@@ -483,10 +538,10 @@
   </dgm:styleLbl>
   <dgm:styleLbl name="parChTrans1D2">
     <dgm:fillClrLst meth="repeat">
-      <a:schemeClr val="accent1"/>
+      <a:schemeClr val="dk1"/>
     </dgm:fillClrLst>
     <dgm:linClrLst meth="repeat">
-      <a:schemeClr val="accent1">
+      <a:schemeClr val="dk1">
         <a:shade val="60000"/>
       </a:schemeClr>
     </dgm:linClrLst>
@@ -499,10 +554,10 @@
   </dgm:styleLbl>
   <dgm:styleLbl name="parChTrans1D3">
     <dgm:fillClrLst meth="repeat">
-      <a:schemeClr val="accent1"/>
+      <a:schemeClr val="dk1"/>
     </dgm:fillClrLst>
     <dgm:linClrLst meth="repeat">
-      <a:schemeClr val="accent1">
+      <a:schemeClr val="dk1">
         <a:shade val="80000"/>
       </a:schemeClr>
     </dgm:linClrLst>
@@ -515,10 +570,10 @@
   </dgm:styleLbl>
   <dgm:styleLbl name="parChTrans1D4">
     <dgm:fillClrLst meth="repeat">
-      <a:schemeClr val="accent1"/>
+      <a:schemeClr val="dk1"/>
     </dgm:fillClrLst>
     <dgm:linClrLst meth="repeat">
-      <a:schemeClr val="accent1">
+      <a:schemeClr val="dk1">
         <a:shade val="80000"/>
       </a:schemeClr>
     </dgm:linClrLst>
@@ -531,12 +586,13 @@
   </dgm:styleLbl>
   <dgm:styleLbl name="fgAcc1">
     <dgm:fillClrLst meth="repeat">
-      <a:schemeClr val="lt1">
+      <a:schemeClr val="dk1">
         <a:alpha val="90000"/>
+        <a:tint val="40000"/>
       </a:schemeClr>
     </dgm:fillClrLst>
     <dgm:linClrLst meth="repeat">
-      <a:schemeClr val="accent1"/>
+      <a:schemeClr val="dk1"/>
     </dgm:linClrLst>
     <dgm:effectClrLst/>
     <dgm:txLinClrLst/>
@@ -547,12 +603,13 @@
   </dgm:styleLbl>
   <dgm:styleLbl name="conFgAcc1">
     <dgm:fillClrLst meth="repeat">
-      <a:schemeClr val="lt1">
+      <a:schemeClr val="dk1">
         <a:alpha val="90000"/>
+        <a:tint val="40000"/>
       </a:schemeClr>
     </dgm:fillClrLst>
     <dgm:linClrLst meth="repeat">
-      <a:schemeClr val="accent1"/>
+      <a:schemeClr val="dk1"/>
     </dgm:linClrLst>
     <dgm:effectClrLst/>
     <dgm:txLinClrLst/>
@@ -563,12 +620,13 @@
   </dgm:styleLbl>
   <dgm:styleLbl name="alignAcc1">
     <dgm:fillClrLst meth="repeat">
-      <a:schemeClr val="lt1">
+      <a:schemeClr val="dk1">
         <a:alpha val="90000"/>
+        <a:tint val="40000"/>
       </a:schemeClr>
     </dgm:fillClrLst>
     <dgm:linClrLst meth="repeat">
-      <a:schemeClr val="accent1"/>
+      <a:schemeClr val="dk1"/>
     </dgm:linClrLst>
     <dgm:effectClrLst/>
     <dgm:txLinClrLst/>
@@ -579,12 +637,13 @@
   </dgm:styleLbl>
   <dgm:styleLbl name="trAlignAcc1">
     <dgm:fillClrLst meth="repeat">
-      <a:schemeClr val="lt1">
+      <a:schemeClr val="dk1">
         <a:alpha val="40000"/>
+        <a:tint val="40000"/>
       </a:schemeClr>
     </dgm:fillClrLst>
     <dgm:linClrLst meth="repeat">
-      <a:schemeClr val="accent1"/>
+      <a:schemeClr val="dk1"/>
     </dgm:linClrLst>
     <dgm:effectClrLst/>
     <dgm:txLinClrLst/>
@@ -595,12 +654,13 @@
   </dgm:styleLbl>
   <dgm:styleLbl name="bgAcc1">
     <dgm:fillClrLst meth="repeat">
-      <a:schemeClr val="lt1">
+      <a:schemeClr val="dk1">
         <a:alpha val="90000"/>
+        <a:tint val="40000"/>
       </a:schemeClr>
     </dgm:fillClrLst>
     <dgm:linClrLst meth="repeat">
-      <a:schemeClr val="accent1"/>
+      <a:schemeClr val="dk1"/>
     </dgm:linClrLst>
     <dgm:effectClrLst/>
     <dgm:txLinClrLst/>
@@ -614,7 +674,7 @@
       <a:schemeClr val="lt1"/>
     </dgm:fillClrLst>
     <dgm:linClrLst meth="repeat">
-      <a:schemeClr val="accent1"/>
+      <a:schemeClr val="dk1"/>
     </dgm:linClrLst>
     <dgm:effectClrLst/>
     <dgm:txLinClrLst/>
@@ -628,7 +688,7 @@
       <a:schemeClr val="lt1"/>
     </dgm:fillClrLst>
     <dgm:linClrLst meth="repeat">
-      <a:schemeClr val="accent1"/>
+      <a:schemeClr val="dk1"/>
     </dgm:linClrLst>
     <dgm:effectClrLst/>
     <dgm:txLinClrLst/>
@@ -642,7 +702,7 @@
       <a:schemeClr val="lt1"/>
     </dgm:fillClrLst>
     <dgm:linClrLst meth="repeat">
-      <a:schemeClr val="accent1"/>
+      <a:schemeClr val="dk1"/>
     </dgm:linClrLst>
     <dgm:effectClrLst/>
     <dgm:txLinClrLst/>
@@ -653,15 +713,14 @@
   </dgm:styleLbl>
   <dgm:styleLbl name="fgAccFollowNode1">
     <dgm:fillClrLst meth="repeat">
-      <a:schemeClr val="accent1">
+      <a:schemeClr val="lt1">
         <a:alpha val="90000"/>
         <a:tint val="40000"/>
       </a:schemeClr>
     </dgm:fillClrLst>
     <dgm:linClrLst meth="repeat">
-      <a:schemeClr val="accent1">
+      <a:schemeClr val="dk1">
         <a:alpha val="90000"/>
-        <a:tint val="40000"/>
       </a:schemeClr>
     </dgm:linClrLst>
     <dgm:effectClrLst/>
@@ -673,15 +732,14 @@
   </dgm:styleLbl>
   <dgm:styleLbl name="alignAccFollowNode1">
     <dgm:fillClrLst meth="repeat">
-      <a:schemeClr val="accent1">
+      <a:schemeClr val="lt1">
         <a:alpha val="90000"/>
         <a:tint val="40000"/>
       </a:schemeClr>
     </dgm:fillClrLst>
     <dgm:linClrLst meth="repeat">
-      <a:schemeClr val="accent1">
+      <a:schemeClr val="dk1">
         <a:alpha val="90000"/>
-        <a:tint val="40000"/>
       </a:schemeClr>
     </dgm:linClrLst>
     <dgm:effectClrLst/>
@@ -693,15 +751,14 @@
   </dgm:styleLbl>
   <dgm:styleLbl name="bgAccFollowNode1">
     <dgm:fillClrLst meth="repeat">
-      <a:schemeClr val="accent1">
+      <a:schemeClr val="lt1">
         <a:alpha val="90000"/>
         <a:tint val="40000"/>
       </a:schemeClr>
     </dgm:fillClrLst>
     <dgm:linClrLst meth="repeat">
-      <a:schemeClr val="accent1">
+      <a:schemeClr val="dk1">
         <a:alpha val="90000"/>
-        <a:tint val="40000"/>
       </a:schemeClr>
     </dgm:linClrLst>
     <dgm:effectClrLst/>
@@ -713,12 +770,13 @@
   </dgm:styleLbl>
   <dgm:styleLbl name="fgAcc0">
     <dgm:fillClrLst meth="repeat">
-      <a:schemeClr val="lt1">
+      <a:schemeClr val="dk1">
         <a:alpha val="90000"/>
+        <a:tint val="40000"/>
       </a:schemeClr>
     </dgm:fillClrLst>
     <dgm:linClrLst meth="repeat">
-      <a:schemeClr val="accent1"/>
+      <a:schemeClr val="dk1"/>
     </dgm:linClrLst>
     <dgm:effectClrLst/>
     <dgm:txLinClrLst/>
@@ -729,12 +787,13 @@
   </dgm:styleLbl>
   <dgm:styleLbl name="fgAcc2">
     <dgm:fillClrLst meth="repeat">
-      <a:schemeClr val="lt1">
+      <a:schemeClr val="dk1">
         <a:alpha val="90000"/>
+        <a:tint val="40000"/>
       </a:schemeClr>
     </dgm:fillClrLst>
     <dgm:linClrLst meth="repeat">
-      <a:schemeClr val="accent1"/>
+      <a:schemeClr val="dk1"/>
     </dgm:linClrLst>
     <dgm:effectClrLst/>
     <dgm:txLinClrLst/>
@@ -745,12 +804,13 @@
   </dgm:styleLbl>
   <dgm:styleLbl name="fgAcc3">
     <dgm:fillClrLst meth="repeat">
-      <a:schemeClr val="lt1">
+      <a:schemeClr val="dk1">
         <a:alpha val="90000"/>
+        <a:tint val="40000"/>
       </a:schemeClr>
     </dgm:fillClrLst>
     <dgm:linClrLst meth="repeat">
-      <a:schemeClr val="accent1"/>
+      <a:schemeClr val="dk1"/>
     </dgm:linClrLst>
     <dgm:effectClrLst/>
     <dgm:txLinClrLst/>
@@ -761,12 +821,13 @@
   </dgm:styleLbl>
   <dgm:styleLbl name="fgAcc4">
     <dgm:fillClrLst meth="repeat">
-      <a:schemeClr val="lt1">
+      <a:schemeClr val="dk1">
         <a:alpha val="90000"/>
+        <a:tint val="40000"/>
       </a:schemeClr>
     </dgm:fillClrLst>
     <dgm:linClrLst meth="repeat">
-      <a:schemeClr val="accent1"/>
+      <a:schemeClr val="dk1"/>
     </dgm:linClrLst>
     <dgm:effectClrLst/>
     <dgm:txLinClrLst/>
@@ -777,12 +838,12 @@
   </dgm:styleLbl>
   <dgm:styleLbl name="bgShp">
     <dgm:fillClrLst meth="repeat">
-      <a:schemeClr val="accent1">
+      <a:schemeClr val="dk1">
         <a:tint val="40000"/>
       </a:schemeClr>
     </dgm:fillClrLst>
     <dgm:linClrLst meth="repeat">
-      <a:schemeClr val="accent1"/>
+      <a:schemeClr val="dk1"/>
     </dgm:linClrLst>
     <dgm:effectClrLst/>
     <dgm:txLinClrLst/>
@@ -793,12 +854,12 @@
   </dgm:styleLbl>
   <dgm:styleLbl name="dkBgShp">
     <dgm:fillClrLst meth="repeat">
-      <a:schemeClr val="accent1">
+      <a:schemeClr val="dk1">
         <a:shade val="80000"/>
       </a:schemeClr>
     </dgm:fillClrLst>
     <dgm:linClrLst meth="repeat">
-      <a:schemeClr val="accent1"/>
+      <a:schemeClr val="dk1"/>
     </dgm:linClrLst>
     <dgm:effectClrLst/>
     <dgm:txLinClrLst/>
@@ -809,13 +870,13 @@
   </dgm:styleLbl>
   <dgm:styleLbl name="trBgShp">
     <dgm:fillClrLst meth="repeat">
-      <a:schemeClr val="accent1">
+      <a:schemeClr val="dk1">
         <a:tint val="50000"/>
         <a:alpha val="40000"/>
       </a:schemeClr>
     </dgm:fillClrLst>
     <dgm:linClrLst meth="repeat">
-      <a:schemeClr val="accent1"/>
+      <a:schemeClr val="dk1"/>
     </dgm:linClrLst>
     <dgm:effectClrLst/>
     <dgm:txLinClrLst/>
@@ -826,7 +887,7 @@
   </dgm:styleLbl>
   <dgm:styleLbl name="fgShp">
     <dgm:fillClrLst meth="repeat">
-      <a:schemeClr val="accent1">
+      <a:schemeClr val="dk1">
         <a:tint val="60000"/>
       </a:schemeClr>
     </dgm:fillClrLst>
@@ -865,7 +926,7 @@
 <dgm:dataModel xmlns:dgm="http://schemas.openxmlformats.org/drawingml/2006/diagram" xmlns:a="http://schemas.openxmlformats.org/drawingml/2006/main">
   <dgm:ptLst>
     <dgm:pt modelId="{9EEEDAC5-4E1C-4603-9334-9F084C187352}" type="doc">
-      <dgm:prSet loTypeId="urn:microsoft.com/office/officeart/2005/8/layout/cycle1" loCatId="cycle" qsTypeId="urn:microsoft.com/office/officeart/2005/8/quickstyle/simple1" qsCatId="simple" csTypeId="urn:microsoft.com/office/officeart/2005/8/colors/accent1_2" csCatId="accent1" phldr="1"/>
+      <dgm:prSet loTypeId="urn:microsoft.com/office/officeart/2005/8/layout/cycle1" loCatId="cycle" qsTypeId="urn:microsoft.com/office/officeart/2005/8/quickstyle/simple5" qsCatId="simple" csTypeId="urn:microsoft.com/office/officeart/2005/8/colors/accent0_1" csCatId="mainScheme" phldr="1"/>
       <dgm:spPr/>
       <dgm:t>
         <a:bodyPr/>
@@ -883,7 +944,10 @@
         <a:lstStyle/>
         <a:p>
           <a:r>
-            <a:rPr lang="de-DE" dirty="0"/>
+            <a:rPr lang="de-DE" dirty="0">
+              <a:latin typeface="MV Boli" pitchFamily="2" charset="0"/>
+              <a:cs typeface="MV Boli" pitchFamily="2" charset="0"/>
+            </a:rPr>
             <a:t>Enter Room</a:t>
           </a:r>
         </a:p>
@@ -919,10 +983,16 @@
         <a:lstStyle/>
         <a:p>
           <a:r>
-            <a:rPr lang="de-DE" dirty="0" smtClean="0"/>
-            <a:t>Sacrifice</a:t>
+            <a:rPr lang="de-DE" smtClean="0">
+              <a:latin typeface="MV Boli" pitchFamily="2" charset="0"/>
+              <a:cs typeface="MV Boli" pitchFamily="2" charset="0"/>
+            </a:rPr>
+            <a:t>Offering</a:t>
           </a:r>
-          <a:endParaRPr lang="de-DE" dirty="0"/>
+          <a:endParaRPr lang="de-DE" dirty="0">
+            <a:latin typeface="MV Boli" pitchFamily="2" charset="0"/>
+            <a:cs typeface="MV Boli" pitchFamily="2" charset="0"/>
+          </a:endParaRPr>
         </a:p>
       </dgm:t>
     </dgm:pt>
@@ -956,10 +1026,16 @@
         <a:lstStyle/>
         <a:p>
           <a:r>
-            <a:rPr lang="de-DE" dirty="0" smtClean="0"/>
+            <a:rPr lang="de-DE" dirty="0" smtClean="0">
+              <a:latin typeface="MV Boli" pitchFamily="2" charset="0"/>
+              <a:cs typeface="MV Boli" pitchFamily="2" charset="0"/>
+            </a:rPr>
             <a:t>Posession</a:t>
           </a:r>
-          <a:endParaRPr lang="de-DE" dirty="0"/>
+          <a:endParaRPr lang="de-DE" dirty="0">
+            <a:latin typeface="MV Boli" pitchFamily="2" charset="0"/>
+            <a:cs typeface="MV Boli" pitchFamily="2" charset="0"/>
+          </a:endParaRPr>
         </a:p>
       </dgm:t>
     </dgm:pt>
@@ -993,11 +1069,17 @@
         <a:lstStyle/>
         <a:p>
           <a:r>
-            <a:rPr lang="de-DE" dirty="0" smtClean="0"/>
+            <a:rPr lang="de-DE" dirty="0" smtClean="0">
+              <a:latin typeface="MV Boli" pitchFamily="2" charset="0"/>
+              <a:cs typeface="MV Boli" pitchFamily="2" charset="0"/>
+            </a:rPr>
             <a:t>Open </a:t>
           </a:r>
           <a:r>
-            <a:rPr lang="de-DE" dirty="0"/>
+            <a:rPr lang="de-DE" dirty="0">
+              <a:latin typeface="MV Boli" pitchFamily="2" charset="0"/>
+              <a:cs typeface="MV Boli" pitchFamily="2" charset="0"/>
+            </a:rPr>
             <a:t>Door</a:t>
           </a:r>
         </a:p>
@@ -1044,6 +1126,13 @@
     <dgm:pt modelId="{80B15AFE-3F34-430D-AD39-4E80EF6556F5}" type="pres">
       <dgm:prSet presAssocID="{F67AE151-64A6-4306-992F-E380237442EC}" presName="dummy" presStyleCnt="0"/>
       <dgm:spPr/>
+      <dgm:t>
+        <a:bodyPr/>
+        <a:lstStyle/>
+        <a:p>
+          <a:endParaRPr lang="de-DE"/>
+        </a:p>
+      </dgm:t>
     </dgm:pt>
     <dgm:pt modelId="{EE66156B-3253-463E-8770-08B381EBFE88}" type="pres">
       <dgm:prSet presAssocID="{F67AE151-64A6-4306-992F-E380237442EC}" presName="node" presStyleLbl="revTx" presStyleIdx="0" presStyleCnt="4">
@@ -1074,6 +1163,13 @@
     <dgm:pt modelId="{5D6E78C9-5B7D-49EB-91D8-2B5414DB650E}" type="pres">
       <dgm:prSet presAssocID="{96628D2C-7EAB-4274-9837-8BDC1B87D12C}" presName="dummy" presStyleCnt="0"/>
       <dgm:spPr/>
+      <dgm:t>
+        <a:bodyPr/>
+        <a:lstStyle/>
+        <a:p>
+          <a:endParaRPr lang="de-DE"/>
+        </a:p>
+      </dgm:t>
     </dgm:pt>
     <dgm:pt modelId="{80BCFAE1-1161-4D0D-92C3-9CEB34B8EE0D}" type="pres">
       <dgm:prSet presAssocID="{96628D2C-7EAB-4274-9837-8BDC1B87D12C}" presName="node" presStyleLbl="revTx" presStyleIdx="1" presStyleCnt="4">
@@ -1104,6 +1200,13 @@
     <dgm:pt modelId="{8EF16F83-7E48-4FEB-BA9A-4264F189B7E4}" type="pres">
       <dgm:prSet presAssocID="{E7366139-2E93-4E6B-999D-EAC4D31D9442}" presName="dummy" presStyleCnt="0"/>
       <dgm:spPr/>
+      <dgm:t>
+        <a:bodyPr/>
+        <a:lstStyle/>
+        <a:p>
+          <a:endParaRPr lang="de-DE"/>
+        </a:p>
+      </dgm:t>
     </dgm:pt>
     <dgm:pt modelId="{BA141A2B-EFCD-406E-9F7A-165081E8E2FA}" type="pres">
       <dgm:prSet presAssocID="{E7366139-2E93-4E6B-999D-EAC4D31D9442}" presName="node" presStyleLbl="revTx" presStyleIdx="2" presStyleCnt="4">
@@ -1134,6 +1237,13 @@
     <dgm:pt modelId="{1409F35A-1864-433C-88A9-ABADCC2C125E}" type="pres">
       <dgm:prSet presAssocID="{327738D1-4468-4C96-AE85-E76ED1488943}" presName="dummy" presStyleCnt="0"/>
       <dgm:spPr/>
+      <dgm:t>
+        <a:bodyPr/>
+        <a:lstStyle/>
+        <a:p>
+          <a:endParaRPr lang="de-DE"/>
+        </a:p>
+      </dgm:t>
     </dgm:pt>
     <dgm:pt modelId="{2A8129C4-1292-444A-AAD8-D66E8FFB695A}" type="pres">
       <dgm:prSet presAssocID="{327738D1-4468-4C96-AE85-E76ED1488943}" presName="node" presStyleLbl="revTx" presStyleIdx="3" presStyleCnt="4">
@@ -1193,7 +1303,7 @@
   <dgm:whole/>
   <dgm:extLst>
     <a:ext uri="http://schemas.microsoft.com/office/drawing/2008/diagram">
-      <dsp:dataModelExt xmlns:dsp="http://schemas.microsoft.com/office/drawing/2008/diagram" relId="rId6" minVer="http://schemas.openxmlformats.org/drawingml/2006/diagram"/>
+      <dsp:dataModelExt xmlns:dsp="http://schemas.microsoft.com/office/drawing/2008/diagram" relId="rId7" minVer="http://schemas.openxmlformats.org/drawingml/2006/diagram"/>
     </a:ext>
   </dgm:extLst>
 </dgm:dataModel>
@@ -1214,8 +1324,8 @@
       </dsp:nvSpPr>
       <dsp:spPr>
         <a:xfrm>
-          <a:off x="3138924" y="71298"/>
-          <a:ext cx="1133177" cy="1133177"/>
+          <a:off x="2650039" y="62836"/>
+          <a:ext cx="991235" cy="991235"/>
         </a:xfrm>
         <a:prstGeom prst="rect">
           <a:avLst/>
@@ -1256,14 +1366,17 @@
             </a:spcAft>
           </a:pPr>
           <a:r>
-            <a:rPr lang="de-DE" sz="1700" kern="1200" dirty="0"/>
+            <a:rPr lang="de-DE" sz="1700" kern="1200" dirty="0">
+              <a:latin typeface="MV Boli" pitchFamily="2" charset="0"/>
+              <a:cs typeface="MV Boli" pitchFamily="2" charset="0"/>
+            </a:rPr>
             <a:t>Enter Room</a:t>
           </a:r>
         </a:p>
       </dsp:txBody>
       <dsp:txXfrm>
-        <a:off x="3138924" y="71298"/>
-        <a:ext cx="1133177" cy="1133177"/>
+        <a:off x="2650039" y="62836"/>
+        <a:ext cx="991235" cy="991235"/>
       </dsp:txXfrm>
     </dsp:sp>
     <dsp:sp modelId="{E226B249-1392-4EE7-ACC2-00EB84AB2948}">
@@ -1273,47 +1386,74 @@
       </dsp:nvSpPr>
       <dsp:spPr>
         <a:xfrm>
-          <a:off x="1142899" y="-100"/>
-          <a:ext cx="3200600" cy="3200600"/>
+          <a:off x="904936" y="535"/>
+          <a:ext cx="2798639" cy="2798639"/>
         </a:xfrm>
         <a:prstGeom prst="circularArrow">
           <a:avLst>
-            <a:gd name="adj1" fmla="val 6904"/>
-            <a:gd name="adj2" fmla="val 465506"/>
-            <a:gd name="adj3" fmla="val 548766"/>
-            <a:gd name="adj4" fmla="val 20585728"/>
-            <a:gd name="adj5" fmla="val 8055"/>
+            <a:gd name="adj1" fmla="val 6907"/>
+            <a:gd name="adj2" fmla="val 465712"/>
+            <a:gd name="adj3" fmla="val 547898"/>
+            <a:gd name="adj4" fmla="val 20586389"/>
+            <a:gd name="adj5" fmla="val 8058"/>
           </a:avLst>
         </a:prstGeom>
-        <a:solidFill>
-          <a:schemeClr val="accent1">
-            <a:hueOff val="0"/>
-            <a:satOff val="0"/>
-            <a:lumOff val="0"/>
-            <a:alphaOff val="0"/>
-          </a:schemeClr>
-        </a:solidFill>
-        <a:ln w="19050" cap="rnd" cmpd="sng" algn="ctr">
-          <a:solidFill>
-            <a:schemeClr val="lt1">
-              <a:hueOff val="0"/>
-              <a:satOff val="0"/>
-              <a:lumOff val="0"/>
-              <a:alphaOff val="0"/>
-            </a:schemeClr>
-          </a:solidFill>
-          <a:prstDash val="solid"/>
+        <a:gradFill rotWithShape="0">
+          <a:gsLst>
+            <a:gs pos="0">
+              <a:schemeClr val="lt1">
+                <a:hueOff val="0"/>
+                <a:satOff val="0"/>
+                <a:lumOff val="0"/>
+                <a:alphaOff val="0"/>
+                <a:tint val="98000"/>
+                <a:satMod val="120000"/>
+                <a:lumMod val="110000"/>
+              </a:schemeClr>
+            </a:gs>
+            <a:gs pos="100000">
+              <a:schemeClr val="lt1">
+                <a:hueOff val="0"/>
+                <a:satOff val="0"/>
+                <a:lumOff val="0"/>
+                <a:alphaOff val="0"/>
+                <a:shade val="90000"/>
+                <a:lumMod val="90000"/>
+              </a:schemeClr>
+            </a:gs>
+          </a:gsLst>
+          <a:lin ang="5400000" scaled="0"/>
+        </a:gradFill>
+        <a:ln>
+          <a:noFill/>
         </a:ln>
-        <a:effectLst/>
+        <a:effectLst>
+          <a:outerShdw blurRad="88900" dist="38100" dir="5400000" algn="ctr" rotWithShape="0">
+            <a:srgbClr val="000000">
+              <a:alpha val="65000"/>
+            </a:srgbClr>
+          </a:outerShdw>
+        </a:effectLst>
+        <a:scene3d>
+          <a:camera prst="orthographicFront">
+            <a:rot lat="0" lon="0" rev="0"/>
+          </a:camera>
+          <a:lightRig rig="threePt" dir="tl">
+            <a:rot lat="0" lon="0" rev="5400000"/>
+          </a:lightRig>
+        </a:scene3d>
+        <a:sp3d>
+          <a:bevelT w="25400" h="38100"/>
+        </a:sp3d>
       </dsp:spPr>
       <dsp:style>
-        <a:lnRef idx="2">
+        <a:lnRef idx="0">
           <a:scrgbClr r="0" g="0" b="0"/>
         </a:lnRef>
-        <a:fillRef idx="1">
+        <a:fillRef idx="3">
           <a:scrgbClr r="0" g="0" b="0"/>
         </a:fillRef>
-        <a:effectRef idx="0">
+        <a:effectRef idx="3">
           <a:scrgbClr r="0" g="0" b="0"/>
         </a:effectRef>
         <a:fontRef idx="minor">
@@ -1328,8 +1468,8 @@
       </dsp:nvSpPr>
       <dsp:spPr>
         <a:xfrm>
-          <a:off x="3138924" y="1995924"/>
-          <a:ext cx="1133177" cy="1133177"/>
+          <a:off x="2650039" y="1745638"/>
+          <a:ext cx="991235" cy="991235"/>
         </a:xfrm>
         <a:prstGeom prst="rect">
           <a:avLst/>
@@ -1370,15 +1510,21 @@
             </a:spcAft>
           </a:pPr>
           <a:r>
-            <a:rPr lang="de-DE" sz="1700" kern="1200" dirty="0" smtClean="0"/>
-            <a:t>Sacrifice</a:t>
+            <a:rPr lang="de-DE" sz="1700" kern="1200" smtClean="0">
+              <a:latin typeface="MV Boli" pitchFamily="2" charset="0"/>
+              <a:cs typeface="MV Boli" pitchFamily="2" charset="0"/>
+            </a:rPr>
+            <a:t>Offering</a:t>
           </a:r>
-          <a:endParaRPr lang="de-DE" sz="1700" kern="1200" dirty="0"/>
+          <a:endParaRPr lang="de-DE" sz="1700" kern="1200" dirty="0">
+            <a:latin typeface="MV Boli" pitchFamily="2" charset="0"/>
+            <a:cs typeface="MV Boli" pitchFamily="2" charset="0"/>
+          </a:endParaRPr>
         </a:p>
       </dsp:txBody>
       <dsp:txXfrm>
-        <a:off x="3138924" y="1995924"/>
-        <a:ext cx="1133177" cy="1133177"/>
+        <a:off x="2650039" y="1745638"/>
+        <a:ext cx="991235" cy="991235"/>
       </dsp:txXfrm>
     </dsp:sp>
     <dsp:sp modelId="{98E4E2C3-7BBD-46E1-9A48-23348DF1BE49}">
@@ -1388,47 +1534,74 @@
       </dsp:nvSpPr>
       <dsp:spPr>
         <a:xfrm>
-          <a:off x="1142899" y="-100"/>
-          <a:ext cx="3200600" cy="3200600"/>
+          <a:off x="904936" y="535"/>
+          <a:ext cx="2798639" cy="2798639"/>
         </a:xfrm>
         <a:prstGeom prst="circularArrow">
           <a:avLst>
-            <a:gd name="adj1" fmla="val 6904"/>
-            <a:gd name="adj2" fmla="val 465506"/>
-            <a:gd name="adj3" fmla="val 5948766"/>
-            <a:gd name="adj4" fmla="val 4385728"/>
-            <a:gd name="adj5" fmla="val 8055"/>
+            <a:gd name="adj1" fmla="val 6907"/>
+            <a:gd name="adj2" fmla="val 465712"/>
+            <a:gd name="adj3" fmla="val 5947898"/>
+            <a:gd name="adj4" fmla="val 4386389"/>
+            <a:gd name="adj5" fmla="val 8058"/>
           </a:avLst>
         </a:prstGeom>
-        <a:solidFill>
-          <a:schemeClr val="accent1">
-            <a:hueOff val="0"/>
-            <a:satOff val="0"/>
-            <a:lumOff val="0"/>
-            <a:alphaOff val="0"/>
-          </a:schemeClr>
-        </a:solidFill>
-        <a:ln w="19050" cap="rnd" cmpd="sng" algn="ctr">
-          <a:solidFill>
-            <a:schemeClr val="lt1">
-              <a:hueOff val="0"/>
-              <a:satOff val="0"/>
-              <a:lumOff val="0"/>
-              <a:alphaOff val="0"/>
-            </a:schemeClr>
-          </a:solidFill>
-          <a:prstDash val="solid"/>
+        <a:gradFill rotWithShape="0">
+          <a:gsLst>
+            <a:gs pos="0">
+              <a:schemeClr val="lt1">
+                <a:hueOff val="0"/>
+                <a:satOff val="0"/>
+                <a:lumOff val="0"/>
+                <a:alphaOff val="0"/>
+                <a:tint val="98000"/>
+                <a:satMod val="120000"/>
+                <a:lumMod val="110000"/>
+              </a:schemeClr>
+            </a:gs>
+            <a:gs pos="100000">
+              <a:schemeClr val="lt1">
+                <a:hueOff val="0"/>
+                <a:satOff val="0"/>
+                <a:lumOff val="0"/>
+                <a:alphaOff val="0"/>
+                <a:shade val="90000"/>
+                <a:lumMod val="90000"/>
+              </a:schemeClr>
+            </a:gs>
+          </a:gsLst>
+          <a:lin ang="5400000" scaled="0"/>
+        </a:gradFill>
+        <a:ln>
+          <a:noFill/>
         </a:ln>
-        <a:effectLst/>
+        <a:effectLst>
+          <a:outerShdw blurRad="88900" dist="38100" dir="5400000" algn="ctr" rotWithShape="0">
+            <a:srgbClr val="000000">
+              <a:alpha val="65000"/>
+            </a:srgbClr>
+          </a:outerShdw>
+        </a:effectLst>
+        <a:scene3d>
+          <a:camera prst="orthographicFront">
+            <a:rot lat="0" lon="0" rev="0"/>
+          </a:camera>
+          <a:lightRig rig="threePt" dir="tl">
+            <a:rot lat="0" lon="0" rev="5400000"/>
+          </a:lightRig>
+        </a:scene3d>
+        <a:sp3d>
+          <a:bevelT w="25400" h="38100"/>
+        </a:sp3d>
       </dsp:spPr>
       <dsp:style>
-        <a:lnRef idx="2">
+        <a:lnRef idx="0">
           <a:scrgbClr r="0" g="0" b="0"/>
         </a:lnRef>
-        <a:fillRef idx="1">
+        <a:fillRef idx="3">
           <a:scrgbClr r="0" g="0" b="0"/>
         </a:fillRef>
-        <a:effectRef idx="0">
+        <a:effectRef idx="3">
           <a:scrgbClr r="0" g="0" b="0"/>
         </a:effectRef>
         <a:fontRef idx="minor">
@@ -1443,8 +1616,8 @@
       </dsp:nvSpPr>
       <dsp:spPr>
         <a:xfrm>
-          <a:off x="1214298" y="1995924"/>
-          <a:ext cx="1133177" cy="1133177"/>
+          <a:off x="967237" y="1745638"/>
+          <a:ext cx="991235" cy="991235"/>
         </a:xfrm>
         <a:prstGeom prst="rect">
           <a:avLst/>
@@ -1485,15 +1658,21 @@
             </a:spcAft>
           </a:pPr>
           <a:r>
-            <a:rPr lang="de-DE" sz="1700" kern="1200" dirty="0" smtClean="0"/>
+            <a:rPr lang="de-DE" sz="1700" kern="1200" dirty="0" smtClean="0">
+              <a:latin typeface="MV Boli" pitchFamily="2" charset="0"/>
+              <a:cs typeface="MV Boli" pitchFamily="2" charset="0"/>
+            </a:rPr>
             <a:t>Posession</a:t>
           </a:r>
-          <a:endParaRPr lang="de-DE" sz="1700" kern="1200" dirty="0"/>
+          <a:endParaRPr lang="de-DE" sz="1700" kern="1200" dirty="0">
+            <a:latin typeface="MV Boli" pitchFamily="2" charset="0"/>
+            <a:cs typeface="MV Boli" pitchFamily="2" charset="0"/>
+          </a:endParaRPr>
         </a:p>
       </dsp:txBody>
       <dsp:txXfrm>
-        <a:off x="1214298" y="1995924"/>
-        <a:ext cx="1133177" cy="1133177"/>
+        <a:off x="967237" y="1745638"/>
+        <a:ext cx="991235" cy="991235"/>
       </dsp:txXfrm>
     </dsp:sp>
     <dsp:sp modelId="{37ACC3FE-496A-4E50-A5DC-20988C058B0C}">
@@ -1503,47 +1682,74 @@
       </dsp:nvSpPr>
       <dsp:spPr>
         <a:xfrm>
-          <a:off x="1142899" y="-100"/>
-          <a:ext cx="3200600" cy="3200600"/>
+          <a:off x="904936" y="535"/>
+          <a:ext cx="2798639" cy="2798639"/>
         </a:xfrm>
         <a:prstGeom prst="circularArrow">
           <a:avLst>
-            <a:gd name="adj1" fmla="val 6904"/>
-            <a:gd name="adj2" fmla="val 465506"/>
-            <a:gd name="adj3" fmla="val 11348766"/>
-            <a:gd name="adj4" fmla="val 9785728"/>
-            <a:gd name="adj5" fmla="val 8055"/>
+            <a:gd name="adj1" fmla="val 6907"/>
+            <a:gd name="adj2" fmla="val 465712"/>
+            <a:gd name="adj3" fmla="val 11347898"/>
+            <a:gd name="adj4" fmla="val 9786389"/>
+            <a:gd name="adj5" fmla="val 8058"/>
           </a:avLst>
         </a:prstGeom>
-        <a:solidFill>
-          <a:schemeClr val="accent1">
-            <a:hueOff val="0"/>
-            <a:satOff val="0"/>
-            <a:lumOff val="0"/>
-            <a:alphaOff val="0"/>
-          </a:schemeClr>
-        </a:solidFill>
-        <a:ln w="19050" cap="rnd" cmpd="sng" algn="ctr">
-          <a:solidFill>
-            <a:schemeClr val="lt1">
-              <a:hueOff val="0"/>
-              <a:satOff val="0"/>
-              <a:lumOff val="0"/>
-              <a:alphaOff val="0"/>
-            </a:schemeClr>
-          </a:solidFill>
-          <a:prstDash val="solid"/>
+        <a:gradFill rotWithShape="0">
+          <a:gsLst>
+            <a:gs pos="0">
+              <a:schemeClr val="lt1">
+                <a:hueOff val="0"/>
+                <a:satOff val="0"/>
+                <a:lumOff val="0"/>
+                <a:alphaOff val="0"/>
+                <a:tint val="98000"/>
+                <a:satMod val="120000"/>
+                <a:lumMod val="110000"/>
+              </a:schemeClr>
+            </a:gs>
+            <a:gs pos="100000">
+              <a:schemeClr val="lt1">
+                <a:hueOff val="0"/>
+                <a:satOff val="0"/>
+                <a:lumOff val="0"/>
+                <a:alphaOff val="0"/>
+                <a:shade val="90000"/>
+                <a:lumMod val="90000"/>
+              </a:schemeClr>
+            </a:gs>
+          </a:gsLst>
+          <a:lin ang="5400000" scaled="0"/>
+        </a:gradFill>
+        <a:ln>
+          <a:noFill/>
         </a:ln>
-        <a:effectLst/>
+        <a:effectLst>
+          <a:outerShdw blurRad="88900" dist="38100" dir="5400000" algn="ctr" rotWithShape="0">
+            <a:srgbClr val="000000">
+              <a:alpha val="65000"/>
+            </a:srgbClr>
+          </a:outerShdw>
+        </a:effectLst>
+        <a:scene3d>
+          <a:camera prst="orthographicFront">
+            <a:rot lat="0" lon="0" rev="0"/>
+          </a:camera>
+          <a:lightRig rig="threePt" dir="tl">
+            <a:rot lat="0" lon="0" rev="5400000"/>
+          </a:lightRig>
+        </a:scene3d>
+        <a:sp3d>
+          <a:bevelT w="25400" h="38100"/>
+        </a:sp3d>
       </dsp:spPr>
       <dsp:style>
-        <a:lnRef idx="2">
+        <a:lnRef idx="0">
           <a:scrgbClr r="0" g="0" b="0"/>
         </a:lnRef>
-        <a:fillRef idx="1">
+        <a:fillRef idx="3">
           <a:scrgbClr r="0" g="0" b="0"/>
         </a:fillRef>
-        <a:effectRef idx="0">
+        <a:effectRef idx="3">
           <a:scrgbClr r="0" g="0" b="0"/>
         </a:effectRef>
         <a:fontRef idx="minor">
@@ -1558,8 +1764,8 @@
       </dsp:nvSpPr>
       <dsp:spPr>
         <a:xfrm>
-          <a:off x="1214298" y="71298"/>
-          <a:ext cx="1133177" cy="1133177"/>
+          <a:off x="967237" y="62836"/>
+          <a:ext cx="991235" cy="991235"/>
         </a:xfrm>
         <a:prstGeom prst="rect">
           <a:avLst/>
@@ -1600,18 +1806,24 @@
             </a:spcAft>
           </a:pPr>
           <a:r>
-            <a:rPr lang="de-DE" sz="1700" kern="1200" dirty="0" smtClean="0"/>
+            <a:rPr lang="de-DE" sz="1700" kern="1200" dirty="0" smtClean="0">
+              <a:latin typeface="MV Boli" pitchFamily="2" charset="0"/>
+              <a:cs typeface="MV Boli" pitchFamily="2" charset="0"/>
+            </a:rPr>
             <a:t>Open </a:t>
           </a:r>
           <a:r>
-            <a:rPr lang="de-DE" sz="1700" kern="1200" dirty="0"/>
+            <a:rPr lang="de-DE" sz="1700" kern="1200" dirty="0">
+              <a:latin typeface="MV Boli" pitchFamily="2" charset="0"/>
+              <a:cs typeface="MV Boli" pitchFamily="2" charset="0"/>
+            </a:rPr>
             <a:t>Door</a:t>
           </a:r>
         </a:p>
       </dsp:txBody>
       <dsp:txXfrm>
-        <a:off x="1214298" y="71298"/>
-        <a:ext cx="1133177" cy="1133177"/>
+        <a:off x="967237" y="62836"/>
+        <a:ext cx="991235" cy="991235"/>
       </dsp:txXfrm>
     </dsp:sp>
     <dsp:sp modelId="{2DB9D6A3-6E26-44E7-99BA-9B63DD6F9F61}">
@@ -1621,47 +1833,74 @@
       </dsp:nvSpPr>
       <dsp:spPr>
         <a:xfrm>
-          <a:off x="1142899" y="-100"/>
-          <a:ext cx="3200600" cy="3200600"/>
+          <a:off x="904936" y="535"/>
+          <a:ext cx="2798639" cy="2798639"/>
         </a:xfrm>
         <a:prstGeom prst="circularArrow">
           <a:avLst>
-            <a:gd name="adj1" fmla="val 6904"/>
-            <a:gd name="adj2" fmla="val 465506"/>
-            <a:gd name="adj3" fmla="val 16748766"/>
-            <a:gd name="adj4" fmla="val 15185728"/>
-            <a:gd name="adj5" fmla="val 8055"/>
+            <a:gd name="adj1" fmla="val 6907"/>
+            <a:gd name="adj2" fmla="val 465712"/>
+            <a:gd name="adj3" fmla="val 16747898"/>
+            <a:gd name="adj4" fmla="val 15186389"/>
+            <a:gd name="adj5" fmla="val 8058"/>
           </a:avLst>
         </a:prstGeom>
-        <a:solidFill>
-          <a:schemeClr val="accent1">
-            <a:hueOff val="0"/>
-            <a:satOff val="0"/>
-            <a:lumOff val="0"/>
-            <a:alphaOff val="0"/>
-          </a:schemeClr>
-        </a:solidFill>
-        <a:ln w="19050" cap="rnd" cmpd="sng" algn="ctr">
-          <a:solidFill>
-            <a:schemeClr val="lt1">
-              <a:hueOff val="0"/>
-              <a:satOff val="0"/>
-              <a:lumOff val="0"/>
-              <a:alphaOff val="0"/>
-            </a:schemeClr>
-          </a:solidFill>
-          <a:prstDash val="solid"/>
+        <a:gradFill rotWithShape="0">
+          <a:gsLst>
+            <a:gs pos="0">
+              <a:schemeClr val="lt1">
+                <a:hueOff val="0"/>
+                <a:satOff val="0"/>
+                <a:lumOff val="0"/>
+                <a:alphaOff val="0"/>
+                <a:tint val="98000"/>
+                <a:satMod val="120000"/>
+                <a:lumMod val="110000"/>
+              </a:schemeClr>
+            </a:gs>
+            <a:gs pos="100000">
+              <a:schemeClr val="lt1">
+                <a:hueOff val="0"/>
+                <a:satOff val="0"/>
+                <a:lumOff val="0"/>
+                <a:alphaOff val="0"/>
+                <a:shade val="90000"/>
+                <a:lumMod val="90000"/>
+              </a:schemeClr>
+            </a:gs>
+          </a:gsLst>
+          <a:lin ang="5400000" scaled="0"/>
+        </a:gradFill>
+        <a:ln>
+          <a:noFill/>
         </a:ln>
-        <a:effectLst/>
+        <a:effectLst>
+          <a:outerShdw blurRad="88900" dist="38100" dir="5400000" algn="ctr" rotWithShape="0">
+            <a:srgbClr val="000000">
+              <a:alpha val="65000"/>
+            </a:srgbClr>
+          </a:outerShdw>
+        </a:effectLst>
+        <a:scene3d>
+          <a:camera prst="orthographicFront">
+            <a:rot lat="0" lon="0" rev="0"/>
+          </a:camera>
+          <a:lightRig rig="threePt" dir="tl">
+            <a:rot lat="0" lon="0" rev="5400000"/>
+          </a:lightRig>
+        </a:scene3d>
+        <a:sp3d>
+          <a:bevelT w="25400" h="38100"/>
+        </a:sp3d>
       </dsp:spPr>
       <dsp:style>
-        <a:lnRef idx="2">
+        <a:lnRef idx="0">
           <a:scrgbClr r="0" g="0" b="0"/>
         </a:lnRef>
-        <a:fillRef idx="1">
+        <a:fillRef idx="3">
           <a:scrgbClr r="0" g="0" b="0"/>
         </a:fillRef>
-        <a:effectRef idx="0">
+        <a:effectRef idx="3">
           <a:scrgbClr r="0" g="0" b="0"/>
         </a:effectRef>
         <a:fontRef idx="minor">
@@ -1872,11 +2111,11 @@
 </file>
 
 <file path=ppt/diagrams/quickStyle1.xml><?xml version="1.0" encoding="utf-8"?>
-<dgm:styleDef xmlns:dgm="http://schemas.openxmlformats.org/drawingml/2006/diagram" xmlns:a="http://schemas.openxmlformats.org/drawingml/2006/main" uniqueId="urn:microsoft.com/office/officeart/2005/8/quickstyle/simple1">
+<dgm:styleDef xmlns:dgm="http://schemas.openxmlformats.org/drawingml/2006/diagram" xmlns:a="http://schemas.openxmlformats.org/drawingml/2006/main" uniqueId="urn:microsoft.com/office/officeart/2005/8/quickstyle/simple5">
   <dgm:title val=""/>
   <dgm:desc val=""/>
   <dgm:catLst>
-    <dgm:cat type="simple" pri="10100"/>
+    <dgm:cat type="simple" pri="10500"/>
   </dgm:catLst>
   <dgm:scene3d>
     <a:camera prst="orthographicFront"/>
@@ -1890,13 +2129,13 @@
     <dgm:sp3d/>
     <dgm:txPr/>
     <dgm:style>
-      <a:lnRef idx="2">
+      <a:lnRef idx="0">
         <a:scrgbClr r="0" g="0" b="0"/>
       </a:lnRef>
-      <a:fillRef idx="1">
+      <a:fillRef idx="3">
         <a:scrgbClr r="0" g="0" b="0"/>
       </a:fillRef>
-      <a:effectRef idx="0">
+      <a:effectRef idx="3">
         <a:scrgbClr r="0" g="0" b="0"/>
       </a:effectRef>
       <a:fontRef idx="minor">
@@ -1912,13 +2151,13 @@
     <dgm:sp3d/>
     <dgm:txPr/>
     <dgm:style>
-      <a:lnRef idx="2">
+      <a:lnRef idx="0">
         <a:scrgbClr r="0" g="0" b="0"/>
       </a:lnRef>
-      <a:fillRef idx="1">
+      <a:fillRef idx="3">
         <a:scrgbClr r="0" g="0" b="0"/>
       </a:fillRef>
-      <a:effectRef idx="0">
+      <a:effectRef idx="3">
         <a:scrgbClr r="0" g="0" b="0"/>
       </a:effectRef>
       <a:fontRef idx="minor">
@@ -1934,13 +2173,13 @@
     <dgm:sp3d/>
     <dgm:txPr/>
     <dgm:style>
-      <a:lnRef idx="2">
+      <a:lnRef idx="0">
         <a:scrgbClr r="0" g="0" b="0"/>
       </a:lnRef>
-      <a:fillRef idx="1">
+      <a:fillRef idx="3">
         <a:scrgbClr r="0" g="0" b="0"/>
       </a:fillRef>
-      <a:effectRef idx="0">
+      <a:effectRef idx="3">
         <a:scrgbClr r="0" g="0" b="0"/>
       </a:effectRef>
       <a:fontRef idx="minor">
@@ -1956,13 +2195,13 @@
     <dgm:sp3d/>
     <dgm:txPr/>
     <dgm:style>
-      <a:lnRef idx="2">
+      <a:lnRef idx="1">
         <a:scrgbClr r="0" g="0" b="0"/>
       </a:lnRef>
-      <a:fillRef idx="1">
+      <a:fillRef idx="3">
         <a:scrgbClr r="0" g="0" b="0"/>
       </a:fillRef>
-      <a:effectRef idx="0">
+      <a:effectRef idx="3">
         <a:scrgbClr r="0" g="0" b="0"/>
       </a:effectRef>
       <a:fontRef idx="minor">
@@ -1978,13 +2217,13 @@
     <dgm:sp3d/>
     <dgm:txPr/>
     <dgm:style>
-      <a:lnRef idx="2">
+      <a:lnRef idx="0">
         <a:scrgbClr r="0" g="0" b="0"/>
       </a:lnRef>
-      <a:fillRef idx="1">
+      <a:fillRef idx="3">
         <a:scrgbClr r="0" g="0" b="0"/>
       </a:fillRef>
-      <a:effectRef idx="0">
+      <a:effectRef idx="3">
         <a:scrgbClr r="0" g="0" b="0"/>
       </a:effectRef>
       <a:fontRef idx="minor">
@@ -2000,13 +2239,13 @@
     <dgm:sp3d/>
     <dgm:txPr/>
     <dgm:style>
-      <a:lnRef idx="2">
+      <a:lnRef idx="0">
         <a:scrgbClr r="0" g="0" b="0"/>
       </a:lnRef>
-      <a:fillRef idx="1">
+      <a:fillRef idx="3">
         <a:scrgbClr r="0" g="0" b="0"/>
       </a:fillRef>
-      <a:effectRef idx="0">
+      <a:effectRef idx="3">
         <a:scrgbClr r="0" g="0" b="0"/>
       </a:effectRef>
       <a:fontRef idx="minor">
@@ -2022,13 +2261,13 @@
     <dgm:sp3d/>
     <dgm:txPr/>
     <dgm:style>
-      <a:lnRef idx="2">
+      <a:lnRef idx="0">
         <a:scrgbClr r="0" g="0" b="0"/>
       </a:lnRef>
-      <a:fillRef idx="1">
+      <a:fillRef idx="3">
         <a:scrgbClr r="0" g="0" b="0"/>
       </a:fillRef>
-      <a:effectRef idx="0">
+      <a:effectRef idx="3">
         <a:scrgbClr r="0" g="0" b="0"/>
       </a:effectRef>
       <a:fontRef idx="minor">
@@ -2044,13 +2283,13 @@
     <dgm:sp3d/>
     <dgm:txPr/>
     <dgm:style>
-      <a:lnRef idx="2">
+      <a:lnRef idx="0">
         <a:scrgbClr r="0" g="0" b="0"/>
       </a:lnRef>
-      <a:fillRef idx="1">
+      <a:fillRef idx="3">
         <a:scrgbClr r="0" g="0" b="0"/>
       </a:fillRef>
-      <a:effectRef idx="0">
+      <a:effectRef idx="3">
         <a:scrgbClr r="0" g="0" b="0"/>
       </a:effectRef>
       <a:fontRef idx="minor">
@@ -2066,13 +2305,13 @@
     <dgm:sp3d/>
     <dgm:txPr/>
     <dgm:style>
-      <a:lnRef idx="2">
+      <a:lnRef idx="0">
         <a:scrgbClr r="0" g="0" b="0"/>
       </a:lnRef>
       <a:fillRef idx="1">
         <a:scrgbClr r="0" g="0" b="0"/>
       </a:fillRef>
-      <a:effectRef idx="0">
+      <a:effectRef idx="3">
         <a:scrgbClr r="0" g="0" b="0"/>
       </a:effectRef>
       <a:fontRef idx="minor"/>
@@ -2086,13 +2325,13 @@
     <dgm:sp3d/>
     <dgm:txPr/>
     <dgm:style>
-      <a:lnRef idx="2">
+      <a:lnRef idx="0">
         <a:scrgbClr r="0" g="0" b="0"/>
       </a:lnRef>
       <a:fillRef idx="1">
         <a:scrgbClr r="0" g="0" b="0"/>
       </a:fillRef>
-      <a:effectRef idx="0">
+      <a:effectRef idx="3">
         <a:scrgbClr r="0" g="0" b="0"/>
       </a:effectRef>
       <a:fontRef idx="minor"/>
@@ -2106,13 +2345,13 @@
     <dgm:sp3d/>
     <dgm:txPr/>
     <dgm:style>
-      <a:lnRef idx="2">
+      <a:lnRef idx="0">
         <a:scrgbClr r="0" g="0" b="0"/>
       </a:lnRef>
       <a:fillRef idx="1">
         <a:scrgbClr r="0" g="0" b="0"/>
       </a:fillRef>
-      <a:effectRef idx="0">
+      <a:effectRef idx="3">
         <a:scrgbClr r="0" g="0" b="0"/>
       </a:effectRef>
       <a:fontRef idx="minor"/>
@@ -2129,10 +2368,10 @@
       <a:lnRef idx="0">
         <a:scrgbClr r="0" g="0" b="0"/>
       </a:lnRef>
-      <a:fillRef idx="1">
+      <a:fillRef idx="3">
         <a:scrgbClr r="0" g="0" b="0"/>
       </a:fillRef>
-      <a:effectRef idx="0">
+      <a:effectRef idx="3">
         <a:scrgbClr r="0" g="0" b="0"/>
       </a:effectRef>
       <a:fontRef idx="minor">
@@ -2151,10 +2390,10 @@
       <a:lnRef idx="0">
         <a:scrgbClr r="0" g="0" b="0"/>
       </a:lnRef>
-      <a:fillRef idx="1">
+      <a:fillRef idx="3">
         <a:scrgbClr r="0" g="0" b="0"/>
       </a:fillRef>
-      <a:effectRef idx="0">
+      <a:effectRef idx="3">
         <a:scrgbClr r="0" g="0" b="0"/>
       </a:effectRef>
       <a:fontRef idx="minor">
@@ -2173,10 +2412,10 @@
       <a:lnRef idx="0">
         <a:scrgbClr r="0" g="0" b="0"/>
       </a:lnRef>
-      <a:fillRef idx="1">
+      <a:fillRef idx="3">
         <a:scrgbClr r="0" g="0" b="0"/>
       </a:fillRef>
-      <a:effectRef idx="0">
+      <a:effectRef idx="3">
         <a:scrgbClr r="0" g="0" b="0"/>
       </a:effectRef>
       <a:fontRef idx="minor">
@@ -2212,13 +2451,13 @@
     <dgm:sp3d/>
     <dgm:txPr/>
     <dgm:style>
-      <a:lnRef idx="2">
+      <a:lnRef idx="1">
         <a:scrgbClr r="0" g="0" b="0"/>
       </a:lnRef>
-      <a:fillRef idx="1">
+      <a:fillRef idx="0">
         <a:scrgbClr r="0" g="0" b="0"/>
       </a:fillRef>
-      <a:effectRef idx="0">
+      <a:effectRef idx="1">
         <a:scrgbClr r="0" g="0" b="0"/>
       </a:effectRef>
       <a:fontRef idx="minor"/>
@@ -2232,13 +2471,13 @@
     <dgm:sp3d/>
     <dgm:txPr/>
     <dgm:style>
-      <a:lnRef idx="2">
+      <a:lnRef idx="0">
         <a:scrgbClr r="0" g="0" b="0"/>
       </a:lnRef>
-      <a:fillRef idx="1">
+      <a:fillRef idx="3">
         <a:scrgbClr r="0" g="0" b="0"/>
       </a:fillRef>
-      <a:effectRef idx="0">
+      <a:effectRef idx="3">
         <a:scrgbClr r="0" g="0" b="0"/>
       </a:effectRef>
       <a:fontRef idx="minor">
@@ -2254,13 +2493,13 @@
     <dgm:sp3d/>
     <dgm:txPr/>
     <dgm:style>
-      <a:lnRef idx="2">
+      <a:lnRef idx="0">
         <a:scrgbClr r="0" g="0" b="0"/>
       </a:lnRef>
-      <a:fillRef idx="1">
+      <a:fillRef idx="3">
         <a:scrgbClr r="0" g="0" b="0"/>
       </a:fillRef>
-      <a:effectRef idx="0">
+      <a:effectRef idx="3">
         <a:scrgbClr r="0" g="0" b="0"/>
       </a:effectRef>
       <a:fontRef idx="minor">
@@ -2276,13 +2515,13 @@
     <dgm:sp3d/>
     <dgm:txPr/>
     <dgm:style>
-      <a:lnRef idx="2">
+      <a:lnRef idx="0">
         <a:scrgbClr r="0" g="0" b="0"/>
       </a:lnRef>
-      <a:fillRef idx="1">
+      <a:fillRef idx="3">
         <a:scrgbClr r="0" g="0" b="0"/>
       </a:fillRef>
-      <a:effectRef idx="0">
+      <a:effectRef idx="3">
         <a:scrgbClr r="0" g="0" b="0"/>
       </a:effectRef>
       <a:fontRef idx="minor">
@@ -2298,13 +2537,13 @@
     <dgm:sp3d/>
     <dgm:txPr/>
     <dgm:style>
-      <a:lnRef idx="2">
+      <a:lnRef idx="0">
         <a:scrgbClr r="0" g="0" b="0"/>
       </a:lnRef>
-      <a:fillRef idx="1">
+      <a:fillRef idx="3">
         <a:scrgbClr r="0" g="0" b="0"/>
       </a:fillRef>
-      <a:effectRef idx="0">
+      <a:effectRef idx="3">
         <a:scrgbClr r="0" g="0" b="0"/>
       </a:effectRef>
       <a:fontRef idx="minor">
@@ -2320,13 +2559,13 @@
     <dgm:sp3d/>
     <dgm:txPr/>
     <dgm:style>
-      <a:lnRef idx="2">
+      <a:lnRef idx="0">
         <a:scrgbClr r="0" g="0" b="0"/>
       </a:lnRef>
-      <a:fillRef idx="1">
+      <a:fillRef idx="3">
         <a:scrgbClr r="0" g="0" b="0"/>
       </a:fillRef>
-      <a:effectRef idx="0">
+      <a:effectRef idx="3">
         <a:scrgbClr r="0" g="0" b="0"/>
       </a:effectRef>
       <a:fontRef idx="minor">
@@ -2342,13 +2581,13 @@
     <dgm:sp3d/>
     <dgm:txPr/>
     <dgm:style>
-      <a:lnRef idx="2">
+      <a:lnRef idx="0">
         <a:scrgbClr r="0" g="0" b="0"/>
       </a:lnRef>
-      <a:fillRef idx="1">
+      <a:fillRef idx="3">
         <a:scrgbClr r="0" g="0" b="0"/>
       </a:fillRef>
-      <a:effectRef idx="0">
+      <a:effectRef idx="3">
         <a:scrgbClr r="0" g="0" b="0"/>
       </a:effectRef>
       <a:fontRef idx="minor">
@@ -2364,13 +2603,13 @@
     <dgm:sp3d/>
     <dgm:txPr/>
     <dgm:style>
-      <a:lnRef idx="2">
+      <a:lnRef idx="0">
         <a:scrgbClr r="0" g="0" b="0"/>
       </a:lnRef>
-      <a:fillRef idx="1">
+      <a:fillRef idx="3">
         <a:scrgbClr r="0" g="0" b="0"/>
       </a:fillRef>
-      <a:effectRef idx="0">
+      <a:effectRef idx="3">
         <a:scrgbClr r="0" g="0" b="0"/>
       </a:effectRef>
       <a:fontRef idx="minor">
@@ -2386,13 +2625,13 @@
     <dgm:sp3d/>
     <dgm:txPr/>
     <dgm:style>
-      <a:lnRef idx="2">
+      <a:lnRef idx="0">
         <a:scrgbClr r="0" g="0" b="0"/>
       </a:lnRef>
-      <a:fillRef idx="1">
+      <a:fillRef idx="3">
         <a:scrgbClr r="0" g="0" b="0"/>
       </a:fillRef>
-      <a:effectRef idx="0">
+      <a:effectRef idx="3">
         <a:scrgbClr r="0" g="0" b="0"/>
       </a:effectRef>
       <a:fontRef idx="minor">
@@ -2408,13 +2647,13 @@
     <dgm:sp3d/>
     <dgm:txPr/>
     <dgm:style>
-      <a:lnRef idx="2">
+      <a:lnRef idx="0">
         <a:scrgbClr r="0" g="0" b="0"/>
       </a:lnRef>
-      <a:fillRef idx="1">
+      <a:fillRef idx="3">
         <a:scrgbClr r="0" g="0" b="0"/>
       </a:fillRef>
-      <a:effectRef idx="0">
+      <a:effectRef idx="3">
         <a:scrgbClr r="0" g="0" b="0"/>
       </a:effectRef>
       <a:fontRef idx="minor">
@@ -2510,13 +2749,13 @@
     <dgm:sp3d/>
     <dgm:txPr/>
     <dgm:style>
-      <a:lnRef idx="2">
+      <a:lnRef idx="1">
         <a:scrgbClr r="0" g="0" b="0"/>
       </a:lnRef>
       <a:fillRef idx="1">
         <a:scrgbClr r="0" g="0" b="0"/>
       </a:fillRef>
-      <a:effectRef idx="0">
+      <a:effectRef idx="2">
         <a:scrgbClr r="0" g="0" b="0"/>
       </a:effectRef>
       <a:fontRef idx="minor"/>
@@ -2530,13 +2769,13 @@
     <dgm:sp3d/>
     <dgm:txPr/>
     <dgm:style>
-      <a:lnRef idx="2">
+      <a:lnRef idx="1">
         <a:scrgbClr r="0" g="0" b="0"/>
       </a:lnRef>
       <a:fillRef idx="1">
         <a:scrgbClr r="0" g="0" b="0"/>
       </a:fillRef>
-      <a:effectRef idx="0">
+      <a:effectRef idx="2">
         <a:scrgbClr r="0" g="0" b="0"/>
       </a:effectRef>
       <a:fontRef idx="minor"/>
@@ -2550,13 +2789,13 @@
     <dgm:sp3d/>
     <dgm:txPr/>
     <dgm:style>
-      <a:lnRef idx="2">
+      <a:lnRef idx="1">
         <a:scrgbClr r="0" g="0" b="0"/>
       </a:lnRef>
       <a:fillRef idx="1">
         <a:scrgbClr r="0" g="0" b="0"/>
       </a:fillRef>
-      <a:effectRef idx="0">
+      <a:effectRef idx="2">
         <a:scrgbClr r="0" g="0" b="0"/>
       </a:effectRef>
       <a:fontRef idx="minor"/>
@@ -2590,13 +2829,13 @@
     <dgm:sp3d/>
     <dgm:txPr/>
     <dgm:style>
-      <a:lnRef idx="2">
+      <a:lnRef idx="1">
         <a:scrgbClr r="0" g="0" b="0"/>
       </a:lnRef>
       <a:fillRef idx="1">
         <a:scrgbClr r="0" g="0" b="0"/>
       </a:fillRef>
-      <a:effectRef idx="0">
+      <a:effectRef idx="2">
         <a:scrgbClr r="0" g="0" b="0"/>
       </a:effectRef>
       <a:fontRef idx="minor"/>
@@ -2610,13 +2849,13 @@
     <dgm:sp3d/>
     <dgm:txPr/>
     <dgm:style>
-      <a:lnRef idx="2">
+      <a:lnRef idx="1">
         <a:scrgbClr r="0" g="0" b="0"/>
       </a:lnRef>
       <a:fillRef idx="1">
         <a:scrgbClr r="0" g="0" b="0"/>
       </a:fillRef>
-      <a:effectRef idx="0">
+      <a:effectRef idx="2">
         <a:scrgbClr r="0" g="0" b="0"/>
       </a:effectRef>
       <a:fontRef idx="minor"/>
@@ -2630,13 +2869,13 @@
     <dgm:sp3d/>
     <dgm:txPr/>
     <dgm:style>
-      <a:lnRef idx="2">
+      <a:lnRef idx="1">
         <a:scrgbClr r="0" g="0" b="0"/>
       </a:lnRef>
       <a:fillRef idx="1">
         <a:scrgbClr r="0" g="0" b="0"/>
       </a:fillRef>
-      <a:effectRef idx="0">
+      <a:effectRef idx="3">
         <a:scrgbClr r="0" g="0" b="0"/>
       </a:effectRef>
       <a:fontRef idx="minor"/>
@@ -2650,13 +2889,13 @@
     <dgm:sp3d/>
     <dgm:txPr/>
     <dgm:style>
-      <a:lnRef idx="2">
+      <a:lnRef idx="1">
         <a:scrgbClr r="0" g="0" b="0"/>
       </a:lnRef>
       <a:fillRef idx="1">
         <a:scrgbClr r="0" g="0" b="0"/>
       </a:fillRef>
-      <a:effectRef idx="0">
+      <a:effectRef idx="3">
         <a:scrgbClr r="0" g="0" b="0"/>
       </a:effectRef>
       <a:fontRef idx="minor"/>
@@ -2670,13 +2909,13 @@
     <dgm:sp3d/>
     <dgm:txPr/>
     <dgm:style>
-      <a:lnRef idx="2">
+      <a:lnRef idx="1">
         <a:scrgbClr r="0" g="0" b="0"/>
       </a:lnRef>
       <a:fillRef idx="1">
         <a:scrgbClr r="0" g="0" b="0"/>
       </a:fillRef>
-      <a:effectRef idx="0">
+      <a:effectRef idx="2">
         <a:scrgbClr r="0" g="0" b="0"/>
       </a:effectRef>
       <a:fontRef idx="minor"/>
@@ -2690,13 +2929,13 @@
     <dgm:sp3d/>
     <dgm:txPr/>
     <dgm:style>
-      <a:lnRef idx="2">
+      <a:lnRef idx="1">
         <a:scrgbClr r="0" g="0" b="0"/>
       </a:lnRef>
       <a:fillRef idx="1">
         <a:scrgbClr r="0" g="0" b="0"/>
       </a:fillRef>
-      <a:effectRef idx="0">
+      <a:effectRef idx="2">
         <a:scrgbClr r="0" g="0" b="0"/>
       </a:effectRef>
       <a:fontRef idx="minor"/>
@@ -2710,13 +2949,13 @@
     <dgm:sp3d/>
     <dgm:txPr/>
     <dgm:style>
-      <a:lnRef idx="2">
+      <a:lnRef idx="1">
         <a:scrgbClr r="0" g="0" b="0"/>
       </a:lnRef>
       <a:fillRef idx="1">
         <a:scrgbClr r="0" g="0" b="0"/>
       </a:fillRef>
-      <a:effectRef idx="0">
+      <a:effectRef idx="2">
         <a:scrgbClr r="0" g="0" b="0"/>
       </a:effectRef>
       <a:fontRef idx="minor"/>
@@ -2730,13 +2969,13 @@
     <dgm:sp3d/>
     <dgm:txPr/>
     <dgm:style>
-      <a:lnRef idx="2">
+      <a:lnRef idx="1">
         <a:scrgbClr r="0" g="0" b="0"/>
       </a:lnRef>
       <a:fillRef idx="1">
         <a:scrgbClr r="0" g="0" b="0"/>
       </a:fillRef>
-      <a:effectRef idx="0">
+      <a:effectRef idx="2">
         <a:scrgbClr r="0" g="0" b="0"/>
       </a:effectRef>
       <a:fontRef idx="minor"/>
@@ -2750,13 +2989,13 @@
     <dgm:sp3d/>
     <dgm:txPr/>
     <dgm:style>
-      <a:lnRef idx="2">
+      <a:lnRef idx="1">
         <a:scrgbClr r="0" g="0" b="0"/>
       </a:lnRef>
       <a:fillRef idx="1">
         <a:scrgbClr r="0" g="0" b="0"/>
       </a:fillRef>
-      <a:effectRef idx="0">
+      <a:effectRef idx="2">
         <a:scrgbClr r="0" g="0" b="0"/>
       </a:effectRef>
       <a:fontRef idx="minor"/>
@@ -2770,13 +3009,13 @@
     <dgm:sp3d/>
     <dgm:txPr/>
     <dgm:style>
-      <a:lnRef idx="2">
+      <a:lnRef idx="1">
         <a:scrgbClr r="0" g="0" b="0"/>
       </a:lnRef>
       <a:fillRef idx="1">
         <a:scrgbClr r="0" g="0" b="0"/>
       </a:fillRef>
-      <a:effectRef idx="0">
+      <a:effectRef idx="2">
         <a:scrgbClr r="0" g="0" b="0"/>
       </a:effectRef>
       <a:fontRef idx="minor"/>
@@ -2790,13 +3029,13 @@
     <dgm:sp3d/>
     <dgm:txPr/>
     <dgm:style>
-      <a:lnRef idx="2">
+      <a:lnRef idx="1">
         <a:scrgbClr r="0" g="0" b="0"/>
       </a:lnRef>
       <a:fillRef idx="1">
         <a:scrgbClr r="0" g="0" b="0"/>
       </a:fillRef>
-      <a:effectRef idx="0">
+      <a:effectRef idx="2">
         <a:scrgbClr r="0" g="0" b="0"/>
       </a:effectRef>
       <a:fontRef idx="minor"/>
@@ -2816,7 +3055,7 @@
       <a:fillRef idx="1">
         <a:scrgbClr r="0" g="0" b="0"/>
       </a:fillRef>
-      <a:effectRef idx="0">
+      <a:effectRef idx="2">
         <a:scrgbClr r="0" g="0" b="0"/>
       </a:effectRef>
       <a:fontRef idx="minor"/>
@@ -2836,7 +3075,7 @@
       <a:fillRef idx="1">
         <a:scrgbClr r="0" g="0" b="0"/>
       </a:fillRef>
-      <a:effectRef idx="0">
+      <a:effectRef idx="3">
         <a:scrgbClr r="0" g="0" b="0"/>
       </a:effectRef>
       <a:fontRef idx="minor"/>
@@ -2870,13 +3109,13 @@
     <dgm:sp3d/>
     <dgm:txPr/>
     <dgm:style>
-      <a:lnRef idx="2">
+      <a:lnRef idx="0">
         <a:scrgbClr r="0" g="0" b="0"/>
       </a:lnRef>
-      <a:fillRef idx="1">
+      <a:fillRef idx="3">
         <a:scrgbClr r="0" g="0" b="0"/>
       </a:fillRef>
-      <a:effectRef idx="0">
+      <a:effectRef idx="3">
         <a:scrgbClr r="0" g="0" b="0"/>
       </a:effectRef>
       <a:fontRef idx="minor"/>
@@ -11043,6 +11282,220 @@
           <a:chExt cx="0" cy="0"/>
         </a:xfrm>
       </p:grpSpPr>
+      <p:pic>
+        <p:nvPicPr>
+          <p:cNvPr id="17" name="Grafik 16"/>
+          <p:cNvPicPr>
+            <a:picLocks noChangeAspect="1"/>
+          </p:cNvPicPr>
+          <p:nvPr/>
+        </p:nvPicPr>
+        <p:blipFill>
+          <a:blip r:embed="rId2" cstate="print">
+            <a:extLst>
+              <a:ext uri="{28A0092B-C50C-407E-A947-70E740481C1C}">
+                <a14:useLocalDpi xmlns:a14="http://schemas.microsoft.com/office/drawing/2010/main" val="0"/>
+              </a:ext>
+            </a:extLst>
+          </a:blip>
+          <a:stretch>
+            <a:fillRect/>
+          </a:stretch>
+        </p:blipFill>
+        <p:spPr>
+          <a:xfrm rot="180000">
+            <a:off x="6488572" y="256446"/>
+            <a:ext cx="2375596" cy="1757567"/>
+          </a:xfrm>
+          <a:prstGeom prst="rect">
+            <a:avLst/>
+          </a:prstGeom>
+        </p:spPr>
+      </p:pic>
+      <p:pic>
+        <p:nvPicPr>
+          <p:cNvPr id="16" name="Grafik 15"/>
+          <p:cNvPicPr>
+            <a:picLocks noChangeAspect="1"/>
+          </p:cNvPicPr>
+          <p:nvPr/>
+        </p:nvPicPr>
+        <p:blipFill>
+          <a:blip r:embed="rId3" cstate="print">
+            <a:duotone>
+              <a:prstClr val="black"/>
+              <a:schemeClr val="accent2">
+                <a:tint val="45000"/>
+                <a:satMod val="400000"/>
+              </a:schemeClr>
+            </a:duotone>
+            <a:extLst>
+              <a:ext uri="{28A0092B-C50C-407E-A947-70E740481C1C}">
+                <a14:useLocalDpi xmlns:a14="http://schemas.microsoft.com/office/drawing/2010/main" val="0"/>
+              </a:ext>
+            </a:extLst>
+          </a:blip>
+          <a:stretch>
+            <a:fillRect/>
+          </a:stretch>
+        </p:blipFill>
+        <p:spPr>
+          <a:xfrm flipH="1">
+            <a:off x="1259632" y="793380"/>
+            <a:ext cx="4608512" cy="3361254"/>
+          </a:xfrm>
+          <a:prstGeom prst="rect">
+            <a:avLst/>
+          </a:prstGeom>
+        </p:spPr>
+      </p:pic>
+      <p:pic>
+        <p:nvPicPr>
+          <p:cNvPr id="14" name="Grafik 13"/>
+          <p:cNvPicPr>
+            <a:picLocks noChangeAspect="1"/>
+          </p:cNvPicPr>
+          <p:nvPr/>
+        </p:nvPicPr>
+        <p:blipFill>
+          <a:blip r:embed="rId4" cstate="print">
+            <a:duotone>
+              <a:prstClr val="black"/>
+              <a:schemeClr val="accent5">
+                <a:tint val="45000"/>
+                <a:satMod val="400000"/>
+              </a:schemeClr>
+            </a:duotone>
+            <a:extLst>
+              <a:ext uri="{28A0092B-C50C-407E-A947-70E740481C1C}">
+                <a14:useLocalDpi xmlns:a14="http://schemas.microsoft.com/office/drawing/2010/main" val="0"/>
+              </a:ext>
+            </a:extLst>
+          </a:blip>
+          <a:stretch>
+            <a:fillRect/>
+          </a:stretch>
+        </p:blipFill>
+        <p:spPr>
+          <a:xfrm>
+            <a:off x="6984268" y="267494"/>
+            <a:ext cx="792088" cy="971899"/>
+          </a:xfrm>
+          <a:prstGeom prst="rect">
+            <a:avLst/>
+          </a:prstGeom>
+        </p:spPr>
+      </p:pic>
+      <p:pic>
+        <p:nvPicPr>
+          <p:cNvPr id="13" name="Grafik 12"/>
+          <p:cNvPicPr>
+            <a:picLocks noChangeAspect="1"/>
+          </p:cNvPicPr>
+          <p:nvPr/>
+        </p:nvPicPr>
+        <p:blipFill>
+          <a:blip r:embed="rId5" cstate="print">
+            <a:duotone>
+              <a:schemeClr val="accent5">
+                <a:shade val="45000"/>
+                <a:satMod val="135000"/>
+              </a:schemeClr>
+              <a:prstClr val="white"/>
+            </a:duotone>
+            <a:extLst>
+              <a:ext uri="{28A0092B-C50C-407E-A947-70E740481C1C}">
+                <a14:useLocalDpi xmlns:a14="http://schemas.microsoft.com/office/drawing/2010/main" val="0"/>
+              </a:ext>
+            </a:extLst>
+          </a:blip>
+          <a:stretch>
+            <a:fillRect/>
+          </a:stretch>
+        </p:blipFill>
+        <p:spPr>
+          <a:xfrm flipH="1">
+            <a:off x="1153200" y="1080113"/>
+            <a:ext cx="1143744" cy="1403383"/>
+          </a:xfrm>
+          <a:prstGeom prst="rect">
+            <a:avLst/>
+          </a:prstGeom>
+        </p:spPr>
+      </p:pic>
+      <p:pic>
+        <p:nvPicPr>
+          <p:cNvPr id="12" name="Grafik 11"/>
+          <p:cNvPicPr>
+            <a:picLocks noChangeAspect="1"/>
+          </p:cNvPicPr>
+          <p:nvPr/>
+        </p:nvPicPr>
+        <p:blipFill>
+          <a:blip r:embed="rId6" cstate="print">
+            <a:duotone>
+              <a:prstClr val="black"/>
+              <a:schemeClr val="accent3">
+                <a:tint val="45000"/>
+                <a:satMod val="400000"/>
+              </a:schemeClr>
+            </a:duotone>
+            <a:extLst>
+              <a:ext uri="{28A0092B-C50C-407E-A947-70E740481C1C}">
+                <a14:useLocalDpi xmlns:a14="http://schemas.microsoft.com/office/drawing/2010/main" val="0"/>
+              </a:ext>
+            </a:extLst>
+          </a:blip>
+          <a:stretch>
+            <a:fillRect/>
+          </a:stretch>
+        </p:blipFill>
+        <p:spPr>
+          <a:xfrm>
+            <a:off x="5724128" y="339502"/>
+            <a:ext cx="1791816" cy="2198573"/>
+          </a:xfrm>
+          <a:prstGeom prst="rect">
+            <a:avLst/>
+          </a:prstGeom>
+        </p:spPr>
+      </p:pic>
+      <p:pic>
+        <p:nvPicPr>
+          <p:cNvPr id="5" name="Grafik 4"/>
+          <p:cNvPicPr>
+            <a:picLocks noChangeAspect="1"/>
+          </p:cNvPicPr>
+          <p:nvPr/>
+        </p:nvPicPr>
+        <p:blipFill>
+          <a:blip r:embed="rId7" cstate="print">
+            <a:extLst>
+              <a:ext uri="{28A0092B-C50C-407E-A947-70E740481C1C}">
+                <a14:useLocalDpi xmlns:a14="http://schemas.microsoft.com/office/drawing/2010/main" val="0"/>
+              </a:ext>
+            </a:extLst>
+          </a:blip>
+          <a:stretch>
+            <a:fillRect/>
+          </a:stretch>
+        </p:blipFill>
+        <p:spPr>
+          <a:xfrm>
+            <a:off x="179512" y="123478"/>
+            <a:ext cx="8826157" cy="4948014"/>
+          </a:xfrm>
+          <a:prstGeom prst="rect">
+            <a:avLst/>
+          </a:prstGeom>
+          <a:ln>
+            <a:noFill/>
+          </a:ln>
+          <a:effectLst>
+            <a:softEdge rad="317500"/>
+          </a:effectLst>
+        </p:spPr>
+      </p:pic>
       <p:sp>
         <p:nvSpPr>
           <p:cNvPr id="2" name="Titel 1"/>
@@ -11101,13 +11554,159 @@
           <a:lstStyle/>
           <a:p>
             <a:pPr algn="ctr"/>
-            <a:endParaRPr lang="de-DE" dirty="0">
-              <a:latin typeface="MV Boli" pitchFamily="2" charset="0"/>
-              <a:cs typeface="MV Boli" pitchFamily="2" charset="0"/>
-            </a:endParaRPr>
+            <a:r>
+              <a:rPr lang="de-DE" dirty="0" smtClean="0">
+                <a:latin typeface="MV Boli" pitchFamily="2" charset="0"/>
+                <a:cs typeface="MV Boli" pitchFamily="2" charset="0"/>
+              </a:rPr>
+              <a:t>(Working title)</a:t>
+            </a:r>
           </a:p>
         </p:txBody>
       </p:sp>
+      <p:pic>
+        <p:nvPicPr>
+          <p:cNvPr id="3" name="Grafik 2"/>
+          <p:cNvPicPr>
+            <a:picLocks noChangeAspect="1"/>
+          </p:cNvPicPr>
+          <p:nvPr/>
+        </p:nvPicPr>
+        <p:blipFill>
+          <a:blip r:embed="rId8" cstate="print">
+            <a:extLst>
+              <a:ext uri="{28A0092B-C50C-407E-A947-70E740481C1C}">
+                <a14:useLocalDpi xmlns:a14="http://schemas.microsoft.com/office/drawing/2010/main" val="0"/>
+              </a:ext>
+            </a:extLst>
+          </a:blip>
+          <a:stretch>
+            <a:fillRect/>
+          </a:stretch>
+        </p:blipFill>
+        <p:spPr>
+          <a:xfrm rot="-180000" flipH="1">
+            <a:off x="504147" y="387304"/>
+            <a:ext cx="3456384" cy="4241012"/>
+          </a:xfrm>
+          <a:prstGeom prst="rect">
+            <a:avLst/>
+          </a:prstGeom>
+        </p:spPr>
+      </p:pic>
+      <p:pic>
+        <p:nvPicPr>
+          <p:cNvPr id="15" name="Grafik 14"/>
+          <p:cNvPicPr>
+            <a:picLocks noChangeAspect="1"/>
+          </p:cNvPicPr>
+          <p:nvPr/>
+        </p:nvPicPr>
+        <p:blipFill>
+          <a:blip r:embed="rId9" cstate="print">
+            <a:extLst>
+              <a:ext uri="{28A0092B-C50C-407E-A947-70E740481C1C}">
+                <a14:useLocalDpi xmlns:a14="http://schemas.microsoft.com/office/drawing/2010/main" val="0"/>
+              </a:ext>
+            </a:extLst>
+          </a:blip>
+          <a:stretch>
+            <a:fillRect/>
+          </a:stretch>
+        </p:blipFill>
+        <p:spPr>
+          <a:xfrm rot="180000">
+            <a:off x="4400512" y="1021143"/>
+            <a:ext cx="4205557" cy="3361254"/>
+          </a:xfrm>
+          <a:prstGeom prst="rect">
+            <a:avLst/>
+          </a:prstGeom>
+        </p:spPr>
+      </p:pic>
+      <p:pic>
+        <p:nvPicPr>
+          <p:cNvPr id="18" name="Grafik 17"/>
+          <p:cNvPicPr>
+            <a:picLocks noChangeAspect="1"/>
+          </p:cNvPicPr>
+          <p:nvPr/>
+        </p:nvPicPr>
+        <p:blipFill>
+          <a:blip r:embed="rId10" cstate="print">
+            <a:duotone>
+              <a:prstClr val="black"/>
+              <a:schemeClr val="accent3">
+                <a:tint val="45000"/>
+                <a:satMod val="400000"/>
+              </a:schemeClr>
+            </a:duotone>
+            <a:extLst>
+              <a:ext uri="{BEBA8EAE-BF5A-486C-A8C5-ECC9F3942E4B}">
+                <a14:imgProps xmlns:a14="http://schemas.microsoft.com/office/drawing/2010/main">
+                  <a14:imgLayer r:embed="rId11">
+                    <a14:imgEffect>
+                      <a14:colorTemperature colorTemp="7200"/>
+                    </a14:imgEffect>
+                  </a14:imgLayer>
+                </a14:imgProps>
+              </a:ext>
+              <a:ext uri="{28A0092B-C50C-407E-A947-70E740481C1C}">
+                <a14:useLocalDpi xmlns:a14="http://schemas.microsoft.com/office/drawing/2010/main" val="0"/>
+              </a:ext>
+            </a:extLst>
+          </a:blip>
+          <a:stretch>
+            <a:fillRect/>
+          </a:stretch>
+        </p:blipFill>
+        <p:spPr>
+          <a:xfrm rot="21420000" flipV="1">
+            <a:off x="-1751912" y="-2494533"/>
+            <a:ext cx="4608512" cy="3361254"/>
+          </a:xfrm>
+          <a:prstGeom prst="rect">
+            <a:avLst/>
+          </a:prstGeom>
+        </p:spPr>
+      </p:pic>
+      <p:pic>
+        <p:nvPicPr>
+          <p:cNvPr id="19" name="Grafik 18"/>
+          <p:cNvPicPr>
+            <a:picLocks noChangeAspect="1"/>
+          </p:cNvPicPr>
+          <p:nvPr/>
+        </p:nvPicPr>
+        <p:blipFill>
+          <a:blip r:embed="rId12" cstate="print">
+            <a:duotone>
+              <a:prstClr val="black"/>
+              <a:schemeClr val="tx2">
+                <a:tint val="45000"/>
+                <a:satMod val="400000"/>
+              </a:schemeClr>
+            </a:duotone>
+            <a:extLst>
+              <a:ext uri="{28A0092B-C50C-407E-A947-70E740481C1C}">
+                <a14:useLocalDpi xmlns:a14="http://schemas.microsoft.com/office/drawing/2010/main" val="0"/>
+              </a:ext>
+            </a:extLst>
+          </a:blip>
+          <a:stretch>
+            <a:fillRect/>
+          </a:stretch>
+        </p:blipFill>
+        <p:spPr>
+          <a:xfrm rot="21420000" flipH="1">
+            <a:off x="423520" y="284746"/>
+            <a:ext cx="11096441" cy="8209621"/>
+          </a:xfrm>
+          <a:prstGeom prst="rect">
+            <a:avLst/>
+          </a:prstGeom>
+        </p:spPr>
+      </p:pic>
     </p:spTree>
     <p:extLst>
       <p:ext uri="{BB962C8B-B14F-4D97-AF65-F5344CB8AC3E}">
@@ -11118,6 +11717,745 @@
   <p:clrMapOvr>
     <a:masterClrMapping/>
   </p:clrMapOvr>
+  <p:timing>
+    <p:tnLst>
+      <p:par>
+        <p:cTn id="1" dur="indefinite" restart="never" nodeType="tmRoot">
+          <p:childTnLst>
+            <p:seq concurrent="1" nextAc="seek">
+              <p:cTn id="2" dur="indefinite" nodeType="mainSeq">
+                <p:childTnLst>
+                  <p:par>
+                    <p:cTn id="3" fill="hold">
+                      <p:stCondLst>
+                        <p:cond delay="indefinite"/>
+                        <p:cond evt="onBegin" delay="0">
+                          <p:tn val="2"/>
+                        </p:cond>
+                      </p:stCondLst>
+                      <p:childTnLst>
+                        <p:par>
+                          <p:cTn id="4" fill="hold">
+                            <p:stCondLst>
+                              <p:cond delay="0"/>
+                            </p:stCondLst>
+                            <p:childTnLst>
+                              <p:par>
+                                <p:cTn id="5" presetID="6" presetClass="entr" presetSubtype="32" fill="hold" grpId="0" nodeType="afterEffect">
+                                  <p:stCondLst>
+                                    <p:cond delay="0"/>
+                                  </p:stCondLst>
+                                  <p:childTnLst>
+                                    <p:set>
+                                      <p:cBhvr>
+                                        <p:cTn id="6" dur="1" fill="hold">
+                                          <p:stCondLst>
+                                            <p:cond delay="0"/>
+                                          </p:stCondLst>
+                                        </p:cTn>
+                                        <p:tgtEl>
+                                          <p:spTgt spid="2"/>
+                                        </p:tgtEl>
+                                        <p:attrNameLst>
+                                          <p:attrName>style.visibility</p:attrName>
+                                        </p:attrNameLst>
+                                      </p:cBhvr>
+                                      <p:to>
+                                        <p:strVal val="visible"/>
+                                      </p:to>
+                                    </p:set>
+                                    <p:animEffect transition="in" filter="circle(out)">
+                                      <p:cBhvr>
+                                        <p:cTn id="7" dur="2000"/>
+                                        <p:tgtEl>
+                                          <p:spTgt spid="2"/>
+                                        </p:tgtEl>
+                                      </p:cBhvr>
+                                    </p:animEffect>
+                                  </p:childTnLst>
+                                </p:cTn>
+                              </p:par>
+                            </p:childTnLst>
+                          </p:cTn>
+                        </p:par>
+                        <p:par>
+                          <p:cTn id="8" fill="hold">
+                            <p:stCondLst>
+                              <p:cond delay="2000"/>
+                            </p:stCondLst>
+                            <p:childTnLst>
+                              <p:par>
+                                <p:cTn id="9" presetID="10" presetClass="entr" presetSubtype="0" fill="hold" nodeType="afterEffect">
+                                  <p:stCondLst>
+                                    <p:cond delay="0"/>
+                                  </p:stCondLst>
+                                  <p:childTnLst>
+                                    <p:set>
+                                      <p:cBhvr>
+                                        <p:cTn id="10" dur="1" fill="hold">
+                                          <p:stCondLst>
+                                            <p:cond delay="0"/>
+                                          </p:stCondLst>
+                                        </p:cTn>
+                                        <p:tgtEl>
+                                          <p:spTgt spid="12"/>
+                                        </p:tgtEl>
+                                        <p:attrNameLst>
+                                          <p:attrName>style.visibility</p:attrName>
+                                        </p:attrNameLst>
+                                      </p:cBhvr>
+                                      <p:to>
+                                        <p:strVal val="visible"/>
+                                      </p:to>
+                                    </p:set>
+                                    <p:animEffect transition="in" filter="fade">
+                                      <p:cBhvr>
+                                        <p:cTn id="11" dur="500"/>
+                                        <p:tgtEl>
+                                          <p:spTgt spid="12"/>
+                                        </p:tgtEl>
+                                      </p:cBhvr>
+                                    </p:animEffect>
+                                  </p:childTnLst>
+                                </p:cTn>
+                              </p:par>
+                            </p:childTnLst>
+                          </p:cTn>
+                        </p:par>
+                        <p:par>
+                          <p:cTn id="12" fill="hold">
+                            <p:stCondLst>
+                              <p:cond delay="2500"/>
+                            </p:stCondLst>
+                            <p:childTnLst>
+                              <p:par>
+                                <p:cTn id="13" presetID="22" presetClass="entr" presetSubtype="4" fill="hold" grpId="0" nodeType="afterEffect">
+                                  <p:stCondLst>
+                                    <p:cond delay="0"/>
+                                  </p:stCondLst>
+                                  <p:childTnLst>
+                                    <p:set>
+                                      <p:cBhvr>
+                                        <p:cTn id="14" dur="1" fill="hold">
+                                          <p:stCondLst>
+                                            <p:cond delay="0"/>
+                                          </p:stCondLst>
+                                        </p:cTn>
+                                        <p:tgtEl>
+                                          <p:spTgt spid="6">
+                                            <p:txEl>
+                                              <p:pRg st="0" end="0"/>
+                                            </p:txEl>
+                                          </p:spTgt>
+                                        </p:tgtEl>
+                                        <p:attrNameLst>
+                                          <p:attrName>style.visibility</p:attrName>
+                                        </p:attrNameLst>
+                                      </p:cBhvr>
+                                      <p:to>
+                                        <p:strVal val="visible"/>
+                                      </p:to>
+                                    </p:set>
+                                    <p:animEffect transition="in" filter="wipe(down)">
+                                      <p:cBhvr>
+                                        <p:cTn id="15" dur="500"/>
+                                        <p:tgtEl>
+                                          <p:spTgt spid="6">
+                                            <p:txEl>
+                                              <p:pRg st="0" end="0"/>
+                                            </p:txEl>
+                                          </p:spTgt>
+                                        </p:tgtEl>
+                                      </p:cBhvr>
+                                    </p:animEffect>
+                                  </p:childTnLst>
+                                </p:cTn>
+                              </p:par>
+                            </p:childTnLst>
+                          </p:cTn>
+                        </p:par>
+                        <p:par>
+                          <p:cTn id="16" fill="hold">
+                            <p:stCondLst>
+                              <p:cond delay="3000"/>
+                            </p:stCondLst>
+                            <p:childTnLst>
+                              <p:par>
+                                <p:cTn id="17" presetID="14" presetClass="entr" presetSubtype="5" fill="hold" nodeType="afterEffect">
+                                  <p:stCondLst>
+                                    <p:cond delay="500"/>
+                                  </p:stCondLst>
+                                  <p:childTnLst>
+                                    <p:set>
+                                      <p:cBhvr>
+                                        <p:cTn id="18" dur="1" fill="hold">
+                                          <p:stCondLst>
+                                            <p:cond delay="0"/>
+                                          </p:stCondLst>
+                                        </p:cTn>
+                                        <p:tgtEl>
+                                          <p:spTgt spid="3"/>
+                                        </p:tgtEl>
+                                        <p:attrNameLst>
+                                          <p:attrName>style.visibility</p:attrName>
+                                        </p:attrNameLst>
+                                      </p:cBhvr>
+                                      <p:to>
+                                        <p:strVal val="visible"/>
+                                      </p:to>
+                                    </p:set>
+                                    <p:animEffect transition="in" filter="randombar(vertical)">
+                                      <p:cBhvr>
+                                        <p:cTn id="19" dur="500"/>
+                                        <p:tgtEl>
+                                          <p:spTgt spid="3"/>
+                                        </p:tgtEl>
+                                      </p:cBhvr>
+                                    </p:animEffect>
+                                  </p:childTnLst>
+                                </p:cTn>
+                              </p:par>
+                              <p:par>
+                                <p:cTn id="20" presetID="53" presetClass="entr" presetSubtype="16" fill="hold" nodeType="withEffect">
+                                  <p:stCondLst>
+                                    <p:cond delay="500"/>
+                                  </p:stCondLst>
+                                  <p:childTnLst>
+                                    <p:set>
+                                      <p:cBhvr>
+                                        <p:cTn id="21" dur="1" fill="hold">
+                                          <p:stCondLst>
+                                            <p:cond delay="0"/>
+                                          </p:stCondLst>
+                                        </p:cTn>
+                                        <p:tgtEl>
+                                          <p:spTgt spid="15"/>
+                                        </p:tgtEl>
+                                        <p:attrNameLst>
+                                          <p:attrName>style.visibility</p:attrName>
+                                        </p:attrNameLst>
+                                      </p:cBhvr>
+                                      <p:to>
+                                        <p:strVal val="visible"/>
+                                      </p:to>
+                                    </p:set>
+                                    <p:anim calcmode="lin" valueType="num">
+                                      <p:cBhvr>
+                                        <p:cTn id="22" dur="2000" fill="hold"/>
+                                        <p:tgtEl>
+                                          <p:spTgt spid="15"/>
+                                        </p:tgtEl>
+                                        <p:attrNameLst>
+                                          <p:attrName>ppt_w</p:attrName>
+                                        </p:attrNameLst>
+                                      </p:cBhvr>
+                                      <p:tavLst>
+                                        <p:tav tm="0">
+                                          <p:val>
+                                            <p:fltVal val="0"/>
+                                          </p:val>
+                                        </p:tav>
+                                        <p:tav tm="100000">
+                                          <p:val>
+                                            <p:strVal val="#ppt_w"/>
+                                          </p:val>
+                                        </p:tav>
+                                      </p:tavLst>
+                                    </p:anim>
+                                    <p:anim calcmode="lin" valueType="num">
+                                      <p:cBhvr>
+                                        <p:cTn id="23" dur="2000" fill="hold"/>
+                                        <p:tgtEl>
+                                          <p:spTgt spid="15"/>
+                                        </p:tgtEl>
+                                        <p:attrNameLst>
+                                          <p:attrName>ppt_h</p:attrName>
+                                        </p:attrNameLst>
+                                      </p:cBhvr>
+                                      <p:tavLst>
+                                        <p:tav tm="0">
+                                          <p:val>
+                                            <p:fltVal val="0"/>
+                                          </p:val>
+                                        </p:tav>
+                                        <p:tav tm="100000">
+                                          <p:val>
+                                            <p:strVal val="#ppt_h"/>
+                                          </p:val>
+                                        </p:tav>
+                                      </p:tavLst>
+                                    </p:anim>
+                                    <p:animEffect transition="in" filter="fade">
+                                      <p:cBhvr>
+                                        <p:cTn id="24" dur="2000"/>
+                                        <p:tgtEl>
+                                          <p:spTgt spid="15"/>
+                                        </p:tgtEl>
+                                      </p:cBhvr>
+                                    </p:animEffect>
+                                  </p:childTnLst>
+                                </p:cTn>
+                              </p:par>
+                            </p:childTnLst>
+                          </p:cTn>
+                        </p:par>
+                        <p:par>
+                          <p:cTn id="25" fill="hold">
+                            <p:stCondLst>
+                              <p:cond delay="5500"/>
+                            </p:stCondLst>
+                            <p:childTnLst>
+                              <p:par>
+                                <p:cTn id="26" presetID="16" presetClass="entr" presetSubtype="42" fill="hold" nodeType="afterEffect">
+                                  <p:stCondLst>
+                                    <p:cond delay="0"/>
+                                  </p:stCondLst>
+                                  <p:childTnLst>
+                                    <p:set>
+                                      <p:cBhvr>
+                                        <p:cTn id="27" dur="1" fill="hold">
+                                          <p:stCondLst>
+                                            <p:cond delay="0"/>
+                                          </p:stCondLst>
+                                        </p:cTn>
+                                        <p:tgtEl>
+                                          <p:spTgt spid="17"/>
+                                        </p:tgtEl>
+                                        <p:attrNameLst>
+                                          <p:attrName>style.visibility</p:attrName>
+                                        </p:attrNameLst>
+                                      </p:cBhvr>
+                                      <p:to>
+                                        <p:strVal val="visible"/>
+                                      </p:to>
+                                    </p:set>
+                                    <p:animEffect transition="in" filter="barn(outHorizontal)">
+                                      <p:cBhvr>
+                                        <p:cTn id="28" dur="500"/>
+                                        <p:tgtEl>
+                                          <p:spTgt spid="17"/>
+                                        </p:tgtEl>
+                                      </p:cBhvr>
+                                    </p:animEffect>
+                                  </p:childTnLst>
+                                </p:cTn>
+                              </p:par>
+                            </p:childTnLst>
+                          </p:cTn>
+                        </p:par>
+                        <p:par>
+                          <p:cTn id="29" fill="hold">
+                            <p:stCondLst>
+                              <p:cond delay="6000"/>
+                            </p:stCondLst>
+                            <p:childTnLst>
+                              <p:par>
+                                <p:cTn id="30" presetID="47" presetClass="entr" presetSubtype="0" fill="hold" nodeType="afterEffect">
+                                  <p:stCondLst>
+                                    <p:cond delay="1250"/>
+                                  </p:stCondLst>
+                                  <p:childTnLst>
+                                    <p:set>
+                                      <p:cBhvr>
+                                        <p:cTn id="31" dur="1" fill="hold">
+                                          <p:stCondLst>
+                                            <p:cond delay="0"/>
+                                          </p:stCondLst>
+                                        </p:cTn>
+                                        <p:tgtEl>
+                                          <p:spTgt spid="18"/>
+                                        </p:tgtEl>
+                                        <p:attrNameLst>
+                                          <p:attrName>style.visibility</p:attrName>
+                                        </p:attrNameLst>
+                                      </p:cBhvr>
+                                      <p:to>
+                                        <p:strVal val="visible"/>
+                                      </p:to>
+                                    </p:set>
+                                    <p:animEffect transition="in" filter="fade">
+                                      <p:cBhvr>
+                                        <p:cTn id="32" dur="1000"/>
+                                        <p:tgtEl>
+                                          <p:spTgt spid="18"/>
+                                        </p:tgtEl>
+                                      </p:cBhvr>
+                                    </p:animEffect>
+                                    <p:anim calcmode="lin" valueType="num">
+                                      <p:cBhvr>
+                                        <p:cTn id="33" dur="1000" fill="hold"/>
+                                        <p:tgtEl>
+                                          <p:spTgt spid="18"/>
+                                        </p:tgtEl>
+                                        <p:attrNameLst>
+                                          <p:attrName>ppt_x</p:attrName>
+                                        </p:attrNameLst>
+                                      </p:cBhvr>
+                                      <p:tavLst>
+                                        <p:tav tm="0">
+                                          <p:val>
+                                            <p:strVal val="#ppt_x"/>
+                                          </p:val>
+                                        </p:tav>
+                                        <p:tav tm="100000">
+                                          <p:val>
+                                            <p:strVal val="#ppt_x"/>
+                                          </p:val>
+                                        </p:tav>
+                                      </p:tavLst>
+                                    </p:anim>
+                                    <p:anim calcmode="lin" valueType="num">
+                                      <p:cBhvr>
+                                        <p:cTn id="34" dur="1000" fill="hold"/>
+                                        <p:tgtEl>
+                                          <p:spTgt spid="18"/>
+                                        </p:tgtEl>
+                                        <p:attrNameLst>
+                                          <p:attrName>ppt_y</p:attrName>
+                                        </p:attrNameLst>
+                                      </p:cBhvr>
+                                      <p:tavLst>
+                                        <p:tav tm="0">
+                                          <p:val>
+                                            <p:strVal val="#ppt_y-.1"/>
+                                          </p:val>
+                                        </p:tav>
+                                        <p:tav tm="100000">
+                                          <p:val>
+                                            <p:strVal val="#ppt_y"/>
+                                          </p:val>
+                                        </p:tav>
+                                      </p:tavLst>
+                                    </p:anim>
+                                  </p:childTnLst>
+                                </p:cTn>
+                              </p:par>
+                              <p:par>
+                                <p:cTn id="35" presetID="10" presetClass="entr" presetSubtype="0" fill="hold" nodeType="withEffect">
+                                  <p:stCondLst>
+                                    <p:cond delay="0"/>
+                                  </p:stCondLst>
+                                  <p:childTnLst>
+                                    <p:set>
+                                      <p:cBhvr>
+                                        <p:cTn id="36" dur="1" fill="hold">
+                                          <p:stCondLst>
+                                            <p:cond delay="0"/>
+                                          </p:stCondLst>
+                                        </p:cTn>
+                                        <p:tgtEl>
+                                          <p:spTgt spid="13"/>
+                                        </p:tgtEl>
+                                        <p:attrNameLst>
+                                          <p:attrName>style.visibility</p:attrName>
+                                        </p:attrNameLst>
+                                      </p:cBhvr>
+                                      <p:to>
+                                        <p:strVal val="visible"/>
+                                      </p:to>
+                                    </p:set>
+                                    <p:animEffect transition="in" filter="fade">
+                                      <p:cBhvr>
+                                        <p:cTn id="37" dur="500"/>
+                                        <p:tgtEl>
+                                          <p:spTgt spid="13"/>
+                                        </p:tgtEl>
+                                      </p:cBhvr>
+                                    </p:animEffect>
+                                  </p:childTnLst>
+                                </p:cTn>
+                              </p:par>
+                            </p:childTnLst>
+                          </p:cTn>
+                        </p:par>
+                        <p:par>
+                          <p:cTn id="38" fill="hold">
+                            <p:stCondLst>
+                              <p:cond delay="8250"/>
+                            </p:stCondLst>
+                            <p:childTnLst>
+                              <p:par>
+                                <p:cTn id="39" presetID="16" presetClass="entr" presetSubtype="21" fill="hold" nodeType="afterEffect">
+                                  <p:stCondLst>
+                                    <p:cond delay="750"/>
+                                  </p:stCondLst>
+                                  <p:childTnLst>
+                                    <p:set>
+                                      <p:cBhvr>
+                                        <p:cTn id="40" dur="1" fill="hold">
+                                          <p:stCondLst>
+                                            <p:cond delay="0"/>
+                                          </p:stCondLst>
+                                        </p:cTn>
+                                        <p:tgtEl>
+                                          <p:spTgt spid="14"/>
+                                        </p:tgtEl>
+                                        <p:attrNameLst>
+                                          <p:attrName>style.visibility</p:attrName>
+                                        </p:attrNameLst>
+                                      </p:cBhvr>
+                                      <p:to>
+                                        <p:strVal val="visible"/>
+                                      </p:to>
+                                    </p:set>
+                                    <p:animEffect transition="in" filter="barn(inVertical)">
+                                      <p:cBhvr>
+                                        <p:cTn id="41" dur="500"/>
+                                        <p:tgtEl>
+                                          <p:spTgt spid="14"/>
+                                        </p:tgtEl>
+                                      </p:cBhvr>
+                                    </p:animEffect>
+                                  </p:childTnLst>
+                                </p:cTn>
+                              </p:par>
+                            </p:childTnLst>
+                          </p:cTn>
+                        </p:par>
+                        <p:par>
+                          <p:cTn id="42" fill="hold">
+                            <p:stCondLst>
+                              <p:cond delay="9500"/>
+                            </p:stCondLst>
+                            <p:childTnLst>
+                              <p:par>
+                                <p:cTn id="43" presetID="47" presetClass="exit" presetSubtype="0" fill="hold" nodeType="afterEffect">
+                                  <p:stCondLst>
+                                    <p:cond delay="0"/>
+                                  </p:stCondLst>
+                                  <p:childTnLst>
+                                    <p:animEffect transition="out" filter="fade">
+                                      <p:cBhvr>
+                                        <p:cTn id="44" dur="1000"/>
+                                        <p:tgtEl>
+                                          <p:spTgt spid="18"/>
+                                        </p:tgtEl>
+                                      </p:cBhvr>
+                                    </p:animEffect>
+                                    <p:anim calcmode="lin" valueType="num">
+                                      <p:cBhvr>
+                                        <p:cTn id="45" dur="1000"/>
+                                        <p:tgtEl>
+                                          <p:spTgt spid="18"/>
+                                        </p:tgtEl>
+                                        <p:attrNameLst>
+                                          <p:attrName>ppt_x</p:attrName>
+                                        </p:attrNameLst>
+                                      </p:cBhvr>
+                                      <p:tavLst>
+                                        <p:tav tm="0">
+                                          <p:val>
+                                            <p:strVal val="ppt_x"/>
+                                          </p:val>
+                                        </p:tav>
+                                        <p:tav tm="100000">
+                                          <p:val>
+                                            <p:strVal val="ppt_x"/>
+                                          </p:val>
+                                        </p:tav>
+                                      </p:tavLst>
+                                    </p:anim>
+                                    <p:anim calcmode="lin" valueType="num">
+                                      <p:cBhvr>
+                                        <p:cTn id="46" dur="1000"/>
+                                        <p:tgtEl>
+                                          <p:spTgt spid="18"/>
+                                        </p:tgtEl>
+                                        <p:attrNameLst>
+                                          <p:attrName>ppt_y</p:attrName>
+                                        </p:attrNameLst>
+                                      </p:cBhvr>
+                                      <p:tavLst>
+                                        <p:tav tm="0">
+                                          <p:val>
+                                            <p:strVal val="ppt_y"/>
+                                          </p:val>
+                                        </p:tav>
+                                        <p:tav tm="100000">
+                                          <p:val>
+                                            <p:strVal val="ppt_y-.1"/>
+                                          </p:val>
+                                        </p:tav>
+                                      </p:tavLst>
+                                    </p:anim>
+                                    <p:set>
+                                      <p:cBhvr>
+                                        <p:cTn id="47" dur="1" fill="hold">
+                                          <p:stCondLst>
+                                            <p:cond delay="999"/>
+                                          </p:stCondLst>
+                                        </p:cTn>
+                                        <p:tgtEl>
+                                          <p:spTgt spid="18"/>
+                                        </p:tgtEl>
+                                        <p:attrNameLst>
+                                          <p:attrName>style.visibility</p:attrName>
+                                        </p:attrNameLst>
+                                      </p:cBhvr>
+                                      <p:to>
+                                        <p:strVal val="hidden"/>
+                                      </p:to>
+                                    </p:set>
+                                  </p:childTnLst>
+                                </p:cTn>
+                              </p:par>
+                            </p:childTnLst>
+                          </p:cTn>
+                        </p:par>
+                        <p:par>
+                          <p:cTn id="48" fill="hold">
+                            <p:stCondLst>
+                              <p:cond delay="10500"/>
+                            </p:stCondLst>
+                            <p:childTnLst>
+                              <p:par>
+                                <p:cTn id="49" presetID="8" presetClass="entr" presetSubtype="32" fill="hold" nodeType="afterEffect">
+                                  <p:stCondLst>
+                                    <p:cond delay="0"/>
+                                  </p:stCondLst>
+                                  <p:childTnLst>
+                                    <p:set>
+                                      <p:cBhvr>
+                                        <p:cTn id="50" dur="1" fill="hold">
+                                          <p:stCondLst>
+                                            <p:cond delay="0"/>
+                                          </p:stCondLst>
+                                        </p:cTn>
+                                        <p:tgtEl>
+                                          <p:spTgt spid="16"/>
+                                        </p:tgtEl>
+                                        <p:attrNameLst>
+                                          <p:attrName>style.visibility</p:attrName>
+                                        </p:attrNameLst>
+                                      </p:cBhvr>
+                                      <p:to>
+                                        <p:strVal val="visible"/>
+                                      </p:to>
+                                    </p:set>
+                                    <p:animEffect transition="in" filter="diamond(out)">
+                                      <p:cBhvr>
+                                        <p:cTn id="51" dur="2000"/>
+                                        <p:tgtEl>
+                                          <p:spTgt spid="16"/>
+                                        </p:tgtEl>
+                                      </p:cBhvr>
+                                    </p:animEffect>
+                                  </p:childTnLst>
+                                </p:cTn>
+                              </p:par>
+                              <p:par>
+                                <p:cTn id="52" presetID="42" presetClass="entr" presetSubtype="0" fill="hold" nodeType="withEffect">
+                                  <p:stCondLst>
+                                    <p:cond delay="0"/>
+                                  </p:stCondLst>
+                                  <p:childTnLst>
+                                    <p:set>
+                                      <p:cBhvr>
+                                        <p:cTn id="53" dur="1" fill="hold">
+                                          <p:stCondLst>
+                                            <p:cond delay="0"/>
+                                          </p:stCondLst>
+                                        </p:cTn>
+                                        <p:tgtEl>
+                                          <p:spTgt spid="19"/>
+                                        </p:tgtEl>
+                                        <p:attrNameLst>
+                                          <p:attrName>style.visibility</p:attrName>
+                                        </p:attrNameLst>
+                                      </p:cBhvr>
+                                      <p:to>
+                                        <p:strVal val="visible"/>
+                                      </p:to>
+                                    </p:set>
+                                    <p:animEffect transition="in" filter="fade">
+                                      <p:cBhvr>
+                                        <p:cTn id="54" dur="1000"/>
+                                        <p:tgtEl>
+                                          <p:spTgt spid="19"/>
+                                        </p:tgtEl>
+                                      </p:cBhvr>
+                                    </p:animEffect>
+                                    <p:anim calcmode="lin" valueType="num">
+                                      <p:cBhvr>
+                                        <p:cTn id="55" dur="1000" fill="hold"/>
+                                        <p:tgtEl>
+                                          <p:spTgt spid="19"/>
+                                        </p:tgtEl>
+                                        <p:attrNameLst>
+                                          <p:attrName>ppt_x</p:attrName>
+                                        </p:attrNameLst>
+                                      </p:cBhvr>
+                                      <p:tavLst>
+                                        <p:tav tm="0">
+                                          <p:val>
+                                            <p:strVal val="#ppt_x"/>
+                                          </p:val>
+                                        </p:tav>
+                                        <p:tav tm="100000">
+                                          <p:val>
+                                            <p:strVal val="#ppt_x"/>
+                                          </p:val>
+                                        </p:tav>
+                                      </p:tavLst>
+                                    </p:anim>
+                                    <p:anim calcmode="lin" valueType="num">
+                                      <p:cBhvr>
+                                        <p:cTn id="56" dur="1000" fill="hold"/>
+                                        <p:tgtEl>
+                                          <p:spTgt spid="19"/>
+                                        </p:tgtEl>
+                                        <p:attrNameLst>
+                                          <p:attrName>ppt_y</p:attrName>
+                                        </p:attrNameLst>
+                                      </p:cBhvr>
+                                      <p:tavLst>
+                                        <p:tav tm="0">
+                                          <p:val>
+                                            <p:strVal val="#ppt_y+.1"/>
+                                          </p:val>
+                                        </p:tav>
+                                        <p:tav tm="100000">
+                                          <p:val>
+                                            <p:strVal val="#ppt_y"/>
+                                          </p:val>
+                                        </p:tav>
+                                      </p:tavLst>
+                                    </p:anim>
+                                  </p:childTnLst>
+                                </p:cTn>
+                              </p:par>
+                            </p:childTnLst>
+                          </p:cTn>
+                        </p:par>
+                      </p:childTnLst>
+                    </p:cTn>
+                  </p:par>
+                </p:childTnLst>
+              </p:cTn>
+              <p:prevCondLst>
+                <p:cond evt="onPrev" delay="0">
+                  <p:tgtEl>
+                    <p:sldTgt/>
+                  </p:tgtEl>
+                </p:cond>
+              </p:prevCondLst>
+              <p:nextCondLst>
+                <p:cond evt="onNext" delay="0">
+                  <p:tgtEl>
+                    <p:sldTgt/>
+                  </p:tgtEl>
+                </p:cond>
+              </p:nextCondLst>
+            </p:seq>
+          </p:childTnLst>
+        </p:cTn>
+      </p:par>
+    </p:tnLst>
+    <p:bldLst>
+      <p:bldP spid="2" grpId="0"/>
+      <p:bldP spid="6" grpId="0" build="p"/>
+    </p:bldLst>
+  </p:timing>
 </p:sld>
 </file>
 
@@ -11138,6 +12476,42 @@
           <a:chExt cx="0" cy="0"/>
         </a:xfrm>
       </p:grpSpPr>
+      <p:pic>
+        <p:nvPicPr>
+          <p:cNvPr id="5" name="Grafik 4"/>
+          <p:cNvPicPr>
+            <a:picLocks noChangeAspect="1"/>
+          </p:cNvPicPr>
+          <p:nvPr/>
+        </p:nvPicPr>
+        <p:blipFill>
+          <a:blip r:embed="rId2" cstate="print">
+            <a:extLst>
+              <a:ext uri="{28A0092B-C50C-407E-A947-70E740481C1C}">
+                <a14:useLocalDpi xmlns:a14="http://schemas.microsoft.com/office/drawing/2010/main" val="0"/>
+              </a:ext>
+            </a:extLst>
+          </a:blip>
+          <a:stretch>
+            <a:fillRect/>
+          </a:stretch>
+        </p:blipFill>
+        <p:spPr>
+          <a:xfrm>
+            <a:off x="138331" y="0"/>
+            <a:ext cx="8826157" cy="4948014"/>
+          </a:xfrm>
+          <a:prstGeom prst="rect">
+            <a:avLst/>
+          </a:prstGeom>
+          <a:ln>
+            <a:noFill/>
+          </a:ln>
+          <a:effectLst>
+            <a:softEdge rad="317500"/>
+          </a:effectLst>
+        </p:spPr>
+      </p:pic>
       <p:sp>
         <p:nvSpPr>
           <p:cNvPr id="2" name="Titel 1"/>
@@ -11199,53 +12573,53 @@
           <a:p>
             <a:r>
               <a:rPr lang="de-DE" dirty="0" smtClean="0">
+                <a:solidFill>
+                  <a:schemeClr val="tx1">
+                    <a:lumMod val="95000"/>
+                  </a:schemeClr>
+                </a:solidFill>
                 <a:latin typeface="MV Boli" pitchFamily="2" charset="0"/>
                 <a:cs typeface="MV Boli" pitchFamily="2" charset="0"/>
               </a:rPr>
-              <a:t>3 Sätze</a:t>
+              <a:t>Voodoo is a 3D platformer for lovers of the occult with minimized stealth-elements.</a:t>
             </a:r>
+            <a:endParaRPr lang="de-DE" dirty="0" smtClean="0">
+              <a:solidFill>
+                <a:schemeClr val="tx1">
+                  <a:lumMod val="95000"/>
+                </a:schemeClr>
+              </a:solidFill>
+              <a:latin typeface="MV Boli" pitchFamily="2" charset="0"/>
+              <a:cs typeface="MV Boli" pitchFamily="2" charset="0"/>
+            </a:endParaRPr>
+          </a:p>
+          <a:p>
             <a:r>
               <a:rPr lang="de-DE" dirty="0" smtClean="0">
+                <a:solidFill>
+                  <a:schemeClr val="tx1">
+                    <a:lumMod val="95000"/>
+                  </a:schemeClr>
+                </a:solidFill>
                 <a:latin typeface="MV Boli" pitchFamily="2" charset="0"/>
                 <a:cs typeface="MV Boli" pitchFamily="2" charset="0"/>
               </a:rPr>
-              <a:t>: Die vor kurzem erwachte Voodoo-Puppe Nox </a:t>
+              <a:t>The player discovers his surroundings from the perspective of a small puppet, finds different items to strenghten his voodoo-powers and posesses guards to ultimately flee from the underground bunker.</a:t>
             </a:r>
-            <a:endParaRPr lang="de-DE" dirty="0" smtClean="0">
-              <a:latin typeface="MV Boli" pitchFamily="2" charset="0"/>
-              <a:cs typeface="MV Boli" pitchFamily="2" charset="0"/>
-            </a:endParaRPr>
           </a:p>
           <a:p>
             <a:r>
               <a:rPr lang="de-DE" dirty="0" smtClean="0">
+                <a:solidFill>
+                  <a:schemeClr val="tx1">
+                    <a:lumMod val="95000"/>
+                  </a:schemeClr>
+                </a:solidFill>
                 <a:latin typeface="MV Boli" pitchFamily="2" charset="0"/>
                 <a:cs typeface="MV Boli" pitchFamily="2" charset="0"/>
               </a:rPr>
-              <a:t>1.Wo will ich hin?(Wer spielt‘s?)Genre auf den Punkt bringen</a:t>
+              <a:t>The low camera perspective and dark atmosphere in the beginning make the player feel vulnerable but the interessting mechanics and fun elements within the game lighten up the mood.</a:t>
             </a:r>
-          </a:p>
-          <a:p>
-            <a:r>
-              <a:rPr lang="de-DE" dirty="0" smtClean="0">
-                <a:latin typeface="MV Boli" pitchFamily="2" charset="0"/>
-                <a:cs typeface="MV Boli" pitchFamily="2" charset="0"/>
-              </a:rPr>
-              <a:t>2. Was sind die Kern-Features, was macht man im Spiel?</a:t>
-            </a:r>
-          </a:p>
-          <a:p>
-            <a:r>
-              <a:rPr lang="de-DE" dirty="0" smtClean="0">
-                <a:latin typeface="MV Boli" pitchFamily="2" charset="0"/>
-                <a:cs typeface="MV Boli" pitchFamily="2" charset="0"/>
-              </a:rPr>
-              <a:t>3. Was erlebt der Spieler bezogen auf das Setting? Welcher Mood soll rübergebracht werden?</a:t>
-            </a:r>
-            <a:endParaRPr lang="de-DE" dirty="0">
-              <a:latin typeface="MV Boli" pitchFamily="2" charset="0"/>
-              <a:cs typeface="MV Boli" pitchFamily="2" charset="0"/>
-            </a:endParaRPr>
           </a:p>
         </p:txBody>
       </p:sp>
@@ -11259,6 +12633,251 @@
   <p:clrMapOvr>
     <a:masterClrMapping/>
   </p:clrMapOvr>
+  <p:timing>
+    <p:tnLst>
+      <p:par>
+        <p:cTn id="1" dur="indefinite" restart="never" nodeType="tmRoot">
+          <p:childTnLst>
+            <p:seq concurrent="1" nextAc="seek">
+              <p:cTn id="2" dur="indefinite" nodeType="mainSeq">
+                <p:childTnLst>
+                  <p:par>
+                    <p:cTn id="3" fill="hold">
+                      <p:stCondLst>
+                        <p:cond delay="indefinite"/>
+                        <p:cond evt="onBegin" delay="0">
+                          <p:tn val="2"/>
+                        </p:cond>
+                      </p:stCondLst>
+                      <p:childTnLst>
+                        <p:par>
+                          <p:cTn id="4" fill="hold">
+                            <p:stCondLst>
+                              <p:cond delay="0"/>
+                            </p:stCondLst>
+                            <p:childTnLst>
+                              <p:par>
+                                <p:cTn id="5" presetID="6" presetClass="entr" presetSubtype="32" fill="hold" grpId="0" nodeType="withEffect">
+                                  <p:stCondLst>
+                                    <p:cond delay="0"/>
+                                  </p:stCondLst>
+                                  <p:childTnLst>
+                                    <p:set>
+                                      <p:cBhvr>
+                                        <p:cTn id="6" dur="1" fill="hold">
+                                          <p:stCondLst>
+                                            <p:cond delay="0"/>
+                                          </p:stCondLst>
+                                        </p:cTn>
+                                        <p:tgtEl>
+                                          <p:spTgt spid="2"/>
+                                        </p:tgtEl>
+                                        <p:attrNameLst>
+                                          <p:attrName>style.visibility</p:attrName>
+                                        </p:attrNameLst>
+                                      </p:cBhvr>
+                                      <p:to>
+                                        <p:strVal val="visible"/>
+                                      </p:to>
+                                    </p:set>
+                                    <p:animEffect transition="in" filter="circle(out)">
+                                      <p:cBhvr>
+                                        <p:cTn id="7" dur="2000"/>
+                                        <p:tgtEl>
+                                          <p:spTgt spid="2"/>
+                                        </p:tgtEl>
+                                      </p:cBhvr>
+                                    </p:animEffect>
+                                  </p:childTnLst>
+                                </p:cTn>
+                              </p:par>
+                            </p:childTnLst>
+                          </p:cTn>
+                        </p:par>
+                        <p:par>
+                          <p:cTn id="8" fill="hold">
+                            <p:stCondLst>
+                              <p:cond delay="2000"/>
+                            </p:stCondLst>
+                            <p:childTnLst>
+                              <p:par>
+                                <p:cTn id="9" presetID="22" presetClass="entr" presetSubtype="8" fill="hold" nodeType="afterEffect">
+                                  <p:stCondLst>
+                                    <p:cond delay="0"/>
+                                  </p:stCondLst>
+                                  <p:childTnLst>
+                                    <p:set>
+                                      <p:cBhvr>
+                                        <p:cTn id="10" dur="1" fill="hold">
+                                          <p:stCondLst>
+                                            <p:cond delay="0"/>
+                                          </p:stCondLst>
+                                        </p:cTn>
+                                        <p:tgtEl>
+                                          <p:spTgt spid="3">
+                                            <p:txEl>
+                                              <p:pRg st="0" end="0"/>
+                                            </p:txEl>
+                                          </p:spTgt>
+                                        </p:tgtEl>
+                                        <p:attrNameLst>
+                                          <p:attrName>style.visibility</p:attrName>
+                                        </p:attrNameLst>
+                                      </p:cBhvr>
+                                      <p:to>
+                                        <p:strVal val="visible"/>
+                                      </p:to>
+                                    </p:set>
+                                    <p:animEffect transition="in" filter="wipe(left)">
+                                      <p:cBhvr>
+                                        <p:cTn id="11" dur="500"/>
+                                        <p:tgtEl>
+                                          <p:spTgt spid="3">
+                                            <p:txEl>
+                                              <p:pRg st="0" end="0"/>
+                                            </p:txEl>
+                                          </p:spTgt>
+                                        </p:tgtEl>
+                                      </p:cBhvr>
+                                    </p:animEffect>
+                                  </p:childTnLst>
+                                </p:cTn>
+                              </p:par>
+                            </p:childTnLst>
+                          </p:cTn>
+                        </p:par>
+                        <p:par>
+                          <p:cTn id="12" fill="hold">
+                            <p:stCondLst>
+                              <p:cond delay="2500"/>
+                            </p:stCondLst>
+                            <p:childTnLst>
+                              <p:par>
+                                <p:cTn id="13" presetID="22" presetClass="entr" presetSubtype="8" fill="hold" nodeType="afterEffect">
+                                  <p:stCondLst>
+                                    <p:cond delay="2000"/>
+                                  </p:stCondLst>
+                                  <p:childTnLst>
+                                    <p:set>
+                                      <p:cBhvr>
+                                        <p:cTn id="14" dur="1" fill="hold">
+                                          <p:stCondLst>
+                                            <p:cond delay="0"/>
+                                          </p:stCondLst>
+                                        </p:cTn>
+                                        <p:tgtEl>
+                                          <p:spTgt spid="3">
+                                            <p:txEl>
+                                              <p:pRg st="1" end="1"/>
+                                            </p:txEl>
+                                          </p:spTgt>
+                                        </p:tgtEl>
+                                        <p:attrNameLst>
+                                          <p:attrName>style.visibility</p:attrName>
+                                        </p:attrNameLst>
+                                      </p:cBhvr>
+                                      <p:to>
+                                        <p:strVal val="visible"/>
+                                      </p:to>
+                                    </p:set>
+                                    <p:animEffect transition="in" filter="wipe(left)">
+                                      <p:cBhvr>
+                                        <p:cTn id="15" dur="500"/>
+                                        <p:tgtEl>
+                                          <p:spTgt spid="3">
+                                            <p:txEl>
+                                              <p:pRg st="1" end="1"/>
+                                            </p:txEl>
+                                          </p:spTgt>
+                                        </p:tgtEl>
+                                      </p:cBhvr>
+                                    </p:animEffect>
+                                  </p:childTnLst>
+                                </p:cTn>
+                              </p:par>
+                            </p:childTnLst>
+                          </p:cTn>
+                        </p:par>
+                        <p:par>
+                          <p:cTn id="16" fill="hold">
+                            <p:stCondLst>
+                              <p:cond delay="5000"/>
+                            </p:stCondLst>
+                            <p:childTnLst>
+                              <p:par>
+                                <p:cTn id="17" presetID="22" presetClass="entr" presetSubtype="8" fill="hold" nodeType="afterEffect">
+                                  <p:stCondLst>
+                                    <p:cond delay="2000"/>
+                                  </p:stCondLst>
+                                  <p:childTnLst>
+                                    <p:set>
+                                      <p:cBhvr>
+                                        <p:cTn id="18" dur="1" fill="hold">
+                                          <p:stCondLst>
+                                            <p:cond delay="0"/>
+                                          </p:stCondLst>
+                                        </p:cTn>
+                                        <p:tgtEl>
+                                          <p:spTgt spid="3">
+                                            <p:txEl>
+                                              <p:pRg st="2" end="2"/>
+                                            </p:txEl>
+                                          </p:spTgt>
+                                        </p:tgtEl>
+                                        <p:attrNameLst>
+                                          <p:attrName>style.visibility</p:attrName>
+                                        </p:attrNameLst>
+                                      </p:cBhvr>
+                                      <p:to>
+                                        <p:strVal val="visible"/>
+                                      </p:to>
+                                    </p:set>
+                                    <p:animEffect transition="in" filter="wipe(left)">
+                                      <p:cBhvr>
+                                        <p:cTn id="19" dur="500"/>
+                                        <p:tgtEl>
+                                          <p:spTgt spid="3">
+                                            <p:txEl>
+                                              <p:pRg st="2" end="2"/>
+                                            </p:txEl>
+                                          </p:spTgt>
+                                        </p:tgtEl>
+                                      </p:cBhvr>
+                                    </p:animEffect>
+                                  </p:childTnLst>
+                                </p:cTn>
+                              </p:par>
+                            </p:childTnLst>
+                          </p:cTn>
+                        </p:par>
+                      </p:childTnLst>
+                    </p:cTn>
+                  </p:par>
+                </p:childTnLst>
+              </p:cTn>
+              <p:prevCondLst>
+                <p:cond evt="onPrev" delay="0">
+                  <p:tgtEl>
+                    <p:sldTgt/>
+                  </p:tgtEl>
+                </p:cond>
+              </p:prevCondLst>
+              <p:nextCondLst>
+                <p:cond evt="onNext" delay="0">
+                  <p:tgtEl>
+                    <p:sldTgt/>
+                  </p:tgtEl>
+                </p:cond>
+              </p:nextCondLst>
+            </p:seq>
+          </p:childTnLst>
+        </p:cTn>
+      </p:par>
+    </p:tnLst>
+    <p:bldLst>
+      <p:bldP spid="2" grpId="0"/>
+    </p:bldLst>
+  </p:timing>
 </p:sld>
 </file>
 
@@ -11279,6 +12898,42 @@
           <a:chExt cx="0" cy="0"/>
         </a:xfrm>
       </p:grpSpPr>
+      <p:pic>
+        <p:nvPicPr>
+          <p:cNvPr id="6" name="Grafik 5"/>
+          <p:cNvPicPr>
+            <a:picLocks noChangeAspect="1"/>
+          </p:cNvPicPr>
+          <p:nvPr/>
+        </p:nvPicPr>
+        <p:blipFill>
+          <a:blip r:embed="rId2" cstate="print">
+            <a:extLst>
+              <a:ext uri="{28A0092B-C50C-407E-A947-70E740481C1C}">
+                <a14:useLocalDpi xmlns:a14="http://schemas.microsoft.com/office/drawing/2010/main" val="0"/>
+              </a:ext>
+            </a:extLst>
+          </a:blip>
+          <a:stretch>
+            <a:fillRect/>
+          </a:stretch>
+        </p:blipFill>
+        <p:spPr>
+          <a:xfrm>
+            <a:off x="138331" y="0"/>
+            <a:ext cx="8826157" cy="4948014"/>
+          </a:xfrm>
+          <a:prstGeom prst="rect">
+            <a:avLst/>
+          </a:prstGeom>
+          <a:ln>
+            <a:noFill/>
+          </a:ln>
+          <a:effectLst>
+            <a:softEdge rad="317500"/>
+          </a:effectLst>
+        </p:spPr>
+      </p:pic>
       <p:sp>
         <p:nvSpPr>
           <p:cNvPr id="2" name="Titel 1"/>
@@ -11456,6 +13111,36 @@
           </a:p>
         </p:txBody>
       </p:sp>
+      <p:pic>
+        <p:nvPicPr>
+          <p:cNvPr id="5" name="Grafik 4"/>
+          <p:cNvPicPr>
+            <a:picLocks noChangeAspect="1"/>
+          </p:cNvPicPr>
+          <p:nvPr/>
+        </p:nvPicPr>
+        <p:blipFill>
+          <a:blip r:embed="rId3" cstate="print">
+            <a:extLst>
+              <a:ext uri="{28A0092B-C50C-407E-A947-70E740481C1C}">
+                <a14:useLocalDpi xmlns:a14="http://schemas.microsoft.com/office/drawing/2010/main" val="0"/>
+              </a:ext>
+            </a:extLst>
+          </a:blip>
+          <a:stretch>
+            <a:fillRect/>
+          </a:stretch>
+        </p:blipFill>
+        <p:spPr>
+          <a:xfrm>
+            <a:off x="3347864" y="660248"/>
+            <a:ext cx="5430037" cy="3960440"/>
+          </a:xfrm>
+          <a:prstGeom prst="rect">
+            <a:avLst/>
+          </a:prstGeom>
+        </p:spPr>
+      </p:pic>
     </p:spTree>
     <p:extLst>
       <p:ext uri="{BB962C8B-B14F-4D97-AF65-F5344CB8AC3E}">
@@ -11466,6 +13151,390 @@
   <p:clrMapOvr>
     <a:masterClrMapping/>
   </p:clrMapOvr>
+  <p:timing>
+    <p:tnLst>
+      <p:par>
+        <p:cTn id="1" dur="indefinite" restart="never" nodeType="tmRoot">
+          <p:childTnLst>
+            <p:seq concurrent="1" nextAc="seek">
+              <p:cTn id="2" dur="indefinite" nodeType="mainSeq">
+                <p:childTnLst>
+                  <p:par>
+                    <p:cTn id="3" fill="hold">
+                      <p:stCondLst>
+                        <p:cond delay="indefinite"/>
+                        <p:cond evt="onBegin" delay="0">
+                          <p:tn val="2"/>
+                        </p:cond>
+                      </p:stCondLst>
+                      <p:childTnLst>
+                        <p:par>
+                          <p:cTn id="4" fill="hold">
+                            <p:stCondLst>
+                              <p:cond delay="0"/>
+                            </p:stCondLst>
+                            <p:childTnLst>
+                              <p:par>
+                                <p:cTn id="5" presetID="6" presetClass="entr" presetSubtype="32" fill="hold" grpId="0" nodeType="withEffect">
+                                  <p:stCondLst>
+                                    <p:cond delay="0"/>
+                                  </p:stCondLst>
+                                  <p:childTnLst>
+                                    <p:set>
+                                      <p:cBhvr>
+                                        <p:cTn id="6" dur="1" fill="hold">
+                                          <p:stCondLst>
+                                            <p:cond delay="0"/>
+                                          </p:stCondLst>
+                                        </p:cTn>
+                                        <p:tgtEl>
+                                          <p:spTgt spid="2"/>
+                                        </p:tgtEl>
+                                        <p:attrNameLst>
+                                          <p:attrName>style.visibility</p:attrName>
+                                        </p:attrNameLst>
+                                      </p:cBhvr>
+                                      <p:to>
+                                        <p:strVal val="visible"/>
+                                      </p:to>
+                                    </p:set>
+                                    <p:animEffect transition="in" filter="circle(out)">
+                                      <p:cBhvr>
+                                        <p:cTn id="7" dur="2000"/>
+                                        <p:tgtEl>
+                                          <p:spTgt spid="2"/>
+                                        </p:tgtEl>
+                                      </p:cBhvr>
+                                    </p:animEffect>
+                                  </p:childTnLst>
+                                </p:cTn>
+                              </p:par>
+                              <p:par>
+                                <p:cTn id="8" presetID="6" presetClass="entr" presetSubtype="32" fill="hold" nodeType="withEffect">
+                                  <p:stCondLst>
+                                    <p:cond delay="0"/>
+                                  </p:stCondLst>
+                                  <p:childTnLst>
+                                    <p:set>
+                                      <p:cBhvr>
+                                        <p:cTn id="9" dur="1" fill="hold">
+                                          <p:stCondLst>
+                                            <p:cond delay="0"/>
+                                          </p:stCondLst>
+                                        </p:cTn>
+                                        <p:tgtEl>
+                                          <p:spTgt spid="5"/>
+                                        </p:tgtEl>
+                                        <p:attrNameLst>
+                                          <p:attrName>style.visibility</p:attrName>
+                                        </p:attrNameLst>
+                                      </p:cBhvr>
+                                      <p:to>
+                                        <p:strVal val="visible"/>
+                                      </p:to>
+                                    </p:set>
+                                    <p:animEffect transition="in" filter="circle(out)">
+                                      <p:cBhvr>
+                                        <p:cTn id="10" dur="2000"/>
+                                        <p:tgtEl>
+                                          <p:spTgt spid="5"/>
+                                        </p:tgtEl>
+                                      </p:cBhvr>
+                                    </p:animEffect>
+                                  </p:childTnLst>
+                                </p:cTn>
+                              </p:par>
+                            </p:childTnLst>
+                          </p:cTn>
+                        </p:par>
+                        <p:par>
+                          <p:cTn id="11" fill="hold">
+                            <p:stCondLst>
+                              <p:cond delay="2000"/>
+                            </p:stCondLst>
+                            <p:childTnLst>
+                              <p:par>
+                                <p:cTn id="12" presetID="22" presetClass="entr" presetSubtype="8" fill="hold" nodeType="afterEffect">
+                                  <p:stCondLst>
+                                    <p:cond delay="500"/>
+                                  </p:stCondLst>
+                                  <p:childTnLst>
+                                    <p:set>
+                                      <p:cBhvr>
+                                        <p:cTn id="13" dur="1" fill="hold">
+                                          <p:stCondLst>
+                                            <p:cond delay="0"/>
+                                          </p:stCondLst>
+                                        </p:cTn>
+                                        <p:tgtEl>
+                                          <p:spTgt spid="3">
+                                            <p:txEl>
+                                              <p:pRg st="1" end="1"/>
+                                            </p:txEl>
+                                          </p:spTgt>
+                                        </p:tgtEl>
+                                        <p:attrNameLst>
+                                          <p:attrName>style.visibility</p:attrName>
+                                        </p:attrNameLst>
+                                      </p:cBhvr>
+                                      <p:to>
+                                        <p:strVal val="visible"/>
+                                      </p:to>
+                                    </p:set>
+                                    <p:animEffect transition="in" filter="wipe(left)">
+                                      <p:cBhvr>
+                                        <p:cTn id="14" dur="500"/>
+                                        <p:tgtEl>
+                                          <p:spTgt spid="3">
+                                            <p:txEl>
+                                              <p:pRg st="1" end="1"/>
+                                            </p:txEl>
+                                          </p:spTgt>
+                                        </p:tgtEl>
+                                      </p:cBhvr>
+                                    </p:animEffect>
+                                  </p:childTnLst>
+                                </p:cTn>
+                              </p:par>
+                            </p:childTnLst>
+                          </p:cTn>
+                        </p:par>
+                        <p:par>
+                          <p:cTn id="15" fill="hold">
+                            <p:stCondLst>
+                              <p:cond delay="3000"/>
+                            </p:stCondLst>
+                            <p:childTnLst>
+                              <p:par>
+                                <p:cTn id="16" presetID="22" presetClass="entr" presetSubtype="8" fill="hold" nodeType="afterEffect">
+                                  <p:stCondLst>
+                                    <p:cond delay="500"/>
+                                  </p:stCondLst>
+                                  <p:childTnLst>
+                                    <p:set>
+                                      <p:cBhvr>
+                                        <p:cTn id="17" dur="1" fill="hold">
+                                          <p:stCondLst>
+                                            <p:cond delay="0"/>
+                                          </p:stCondLst>
+                                        </p:cTn>
+                                        <p:tgtEl>
+                                          <p:spTgt spid="3">
+                                            <p:txEl>
+                                              <p:pRg st="2" end="2"/>
+                                            </p:txEl>
+                                          </p:spTgt>
+                                        </p:tgtEl>
+                                        <p:attrNameLst>
+                                          <p:attrName>style.visibility</p:attrName>
+                                        </p:attrNameLst>
+                                      </p:cBhvr>
+                                      <p:to>
+                                        <p:strVal val="visible"/>
+                                      </p:to>
+                                    </p:set>
+                                    <p:animEffect transition="in" filter="wipe(left)">
+                                      <p:cBhvr>
+                                        <p:cTn id="18" dur="500"/>
+                                        <p:tgtEl>
+                                          <p:spTgt spid="3">
+                                            <p:txEl>
+                                              <p:pRg st="2" end="2"/>
+                                            </p:txEl>
+                                          </p:spTgt>
+                                        </p:tgtEl>
+                                      </p:cBhvr>
+                                    </p:animEffect>
+                                  </p:childTnLst>
+                                </p:cTn>
+                              </p:par>
+                            </p:childTnLst>
+                          </p:cTn>
+                        </p:par>
+                        <p:par>
+                          <p:cTn id="19" fill="hold">
+                            <p:stCondLst>
+                              <p:cond delay="4000"/>
+                            </p:stCondLst>
+                            <p:childTnLst>
+                              <p:par>
+                                <p:cTn id="20" presetID="22" presetClass="entr" presetSubtype="8" fill="hold" nodeType="afterEffect">
+                                  <p:stCondLst>
+                                    <p:cond delay="500"/>
+                                  </p:stCondLst>
+                                  <p:childTnLst>
+                                    <p:set>
+                                      <p:cBhvr>
+                                        <p:cTn id="21" dur="1" fill="hold">
+                                          <p:stCondLst>
+                                            <p:cond delay="0"/>
+                                          </p:stCondLst>
+                                        </p:cTn>
+                                        <p:tgtEl>
+                                          <p:spTgt spid="3">
+                                            <p:txEl>
+                                              <p:pRg st="3" end="3"/>
+                                            </p:txEl>
+                                          </p:spTgt>
+                                        </p:tgtEl>
+                                        <p:attrNameLst>
+                                          <p:attrName>style.visibility</p:attrName>
+                                        </p:attrNameLst>
+                                      </p:cBhvr>
+                                      <p:to>
+                                        <p:strVal val="visible"/>
+                                      </p:to>
+                                    </p:set>
+                                    <p:animEffect transition="in" filter="wipe(left)">
+                                      <p:cBhvr>
+                                        <p:cTn id="22" dur="500"/>
+                                        <p:tgtEl>
+                                          <p:spTgt spid="3">
+                                            <p:txEl>
+                                              <p:pRg st="3" end="3"/>
+                                            </p:txEl>
+                                          </p:spTgt>
+                                        </p:tgtEl>
+                                      </p:cBhvr>
+                                    </p:animEffect>
+                                  </p:childTnLst>
+                                </p:cTn>
+                              </p:par>
+                            </p:childTnLst>
+                          </p:cTn>
+                        </p:par>
+                        <p:par>
+                          <p:cTn id="23" fill="hold">
+                            <p:stCondLst>
+                              <p:cond delay="5000"/>
+                            </p:stCondLst>
+                            <p:childTnLst>
+                              <p:par>
+                                <p:cTn id="24" presetID="22" presetClass="entr" presetSubtype="8" fill="hold" nodeType="afterEffect">
+                                  <p:stCondLst>
+                                    <p:cond delay="0"/>
+                                  </p:stCondLst>
+                                  <p:childTnLst>
+                                    <p:set>
+                                      <p:cBhvr>
+                                        <p:cTn id="25" dur="1" fill="hold">
+                                          <p:stCondLst>
+                                            <p:cond delay="0"/>
+                                          </p:stCondLst>
+                                        </p:cTn>
+                                        <p:tgtEl>
+                                          <p:spTgt spid="3">
+                                            <p:txEl>
+                                              <p:pRg st="4" end="4"/>
+                                            </p:txEl>
+                                          </p:spTgt>
+                                        </p:tgtEl>
+                                        <p:attrNameLst>
+                                          <p:attrName>style.visibility</p:attrName>
+                                        </p:attrNameLst>
+                                      </p:cBhvr>
+                                      <p:to>
+                                        <p:strVal val="visible"/>
+                                      </p:to>
+                                    </p:set>
+                                    <p:animEffect transition="in" filter="wipe(left)">
+                                      <p:cBhvr>
+                                        <p:cTn id="26" dur="500"/>
+                                        <p:tgtEl>
+                                          <p:spTgt spid="3">
+                                            <p:txEl>
+                                              <p:pRg st="4" end="4"/>
+                                            </p:txEl>
+                                          </p:spTgt>
+                                        </p:tgtEl>
+                                      </p:cBhvr>
+                                    </p:animEffect>
+                                  </p:childTnLst>
+                                </p:cTn>
+                              </p:par>
+                            </p:childTnLst>
+                          </p:cTn>
+                        </p:par>
+                        <p:par>
+                          <p:cTn id="27" fill="hold">
+                            <p:stCondLst>
+                              <p:cond delay="5500"/>
+                            </p:stCondLst>
+                            <p:childTnLst>
+                              <p:par>
+                                <p:cTn id="28" presetID="22" presetClass="entr" presetSubtype="8" fill="hold" nodeType="afterEffect">
+                                  <p:stCondLst>
+                                    <p:cond delay="500"/>
+                                  </p:stCondLst>
+                                  <p:childTnLst>
+                                    <p:set>
+                                      <p:cBhvr>
+                                        <p:cTn id="29" dur="1" fill="hold">
+                                          <p:stCondLst>
+                                            <p:cond delay="0"/>
+                                          </p:stCondLst>
+                                        </p:cTn>
+                                        <p:tgtEl>
+                                          <p:spTgt spid="3">
+                                            <p:txEl>
+                                              <p:pRg st="5" end="5"/>
+                                            </p:txEl>
+                                          </p:spTgt>
+                                        </p:tgtEl>
+                                        <p:attrNameLst>
+                                          <p:attrName>style.visibility</p:attrName>
+                                        </p:attrNameLst>
+                                      </p:cBhvr>
+                                      <p:to>
+                                        <p:strVal val="visible"/>
+                                      </p:to>
+                                    </p:set>
+                                    <p:animEffect transition="in" filter="wipe(left)">
+                                      <p:cBhvr>
+                                        <p:cTn id="30" dur="500"/>
+                                        <p:tgtEl>
+                                          <p:spTgt spid="3">
+                                            <p:txEl>
+                                              <p:pRg st="5" end="5"/>
+                                            </p:txEl>
+                                          </p:spTgt>
+                                        </p:tgtEl>
+                                      </p:cBhvr>
+                                    </p:animEffect>
+                                  </p:childTnLst>
+                                </p:cTn>
+                              </p:par>
+                            </p:childTnLst>
+                          </p:cTn>
+                        </p:par>
+                      </p:childTnLst>
+                    </p:cTn>
+                  </p:par>
+                </p:childTnLst>
+              </p:cTn>
+              <p:prevCondLst>
+                <p:cond evt="onPrev" delay="0">
+                  <p:tgtEl>
+                    <p:sldTgt/>
+                  </p:tgtEl>
+                </p:cond>
+              </p:prevCondLst>
+              <p:nextCondLst>
+                <p:cond evt="onNext" delay="0">
+                  <p:tgtEl>
+                    <p:sldTgt/>
+                  </p:tgtEl>
+                </p:cond>
+              </p:nextCondLst>
+            </p:seq>
+          </p:childTnLst>
+        </p:cTn>
+      </p:par>
+    </p:tnLst>
+    <p:bldLst>
+      <p:bldP spid="2" grpId="0"/>
+    </p:bldLst>
+  </p:timing>
 </p:sld>
 </file>
 
@@ -11486,6 +13555,1248 @@
           <a:chExt cx="0" cy="0"/>
         </a:xfrm>
       </p:grpSpPr>
+      <p:pic>
+        <p:nvPicPr>
+          <p:cNvPr id="5" name="Grafik 4"/>
+          <p:cNvPicPr>
+            <a:picLocks noChangeAspect="1"/>
+          </p:cNvPicPr>
+          <p:nvPr/>
+        </p:nvPicPr>
+        <p:blipFill>
+          <a:blip r:embed="rId2" cstate="print">
+            <a:extLst>
+              <a:ext uri="{28A0092B-C50C-407E-A947-70E740481C1C}">
+                <a14:useLocalDpi xmlns:a14="http://schemas.microsoft.com/office/drawing/2010/main" val="0"/>
+              </a:ext>
+            </a:extLst>
+          </a:blip>
+          <a:stretch>
+            <a:fillRect/>
+          </a:stretch>
+        </p:blipFill>
+        <p:spPr>
+          <a:xfrm>
+            <a:off x="138331" y="0"/>
+            <a:ext cx="8826157" cy="4948014"/>
+          </a:xfrm>
+          <a:prstGeom prst="rect">
+            <a:avLst/>
+          </a:prstGeom>
+          <a:ln>
+            <a:noFill/>
+          </a:ln>
+          <a:effectLst>
+            <a:softEdge rad="317500"/>
+          </a:effectLst>
+        </p:spPr>
+      </p:pic>
+      <p:sp>
+        <p:nvSpPr>
+          <p:cNvPr id="2" name="Titel 1"/>
+          <p:cNvSpPr>
+            <a:spLocks noGrp="1"/>
+          </p:cNvSpPr>
+          <p:nvPr>
+            <p:ph type="ctrTitle"/>
+          </p:nvPr>
+        </p:nvSpPr>
+        <p:spPr>
+          <a:xfrm>
+            <a:off x="685800" y="303499"/>
+            <a:ext cx="7772400" cy="756083"/>
+          </a:xfrm>
+        </p:spPr>
+        <p:txBody>
+          <a:bodyPr>
+            <a:normAutofit/>
+          </a:bodyPr>
+          <a:lstStyle/>
+          <a:p>
+            <a:pPr algn="ctr"/>
+            <a:r>
+              <a:rPr lang="de-DE" dirty="0" smtClean="0">
+                <a:latin typeface="MV Boli" pitchFamily="2" charset="0"/>
+                <a:cs typeface="MV Boli" pitchFamily="2" charset="0"/>
+              </a:rPr>
+              <a:t>Gameplay</a:t>
+            </a:r>
+            <a:endParaRPr lang="de-DE" dirty="0">
+              <a:latin typeface="MV Boli" pitchFamily="2" charset="0"/>
+              <a:cs typeface="MV Boli" pitchFamily="2" charset="0"/>
+            </a:endParaRPr>
+          </a:p>
+        </p:txBody>
+      </p:sp>
+      <p:graphicFrame>
+        <p:nvGraphicFramePr>
+          <p:cNvPr id="4" name="Diagramm 3"/>
+          <p:cNvGraphicFramePr/>
+          <p:nvPr>
+            <p:extLst>
+              <p:ext uri="{D42A27DB-BD31-4B8C-83A1-F6EECF244321}">
+                <p14:modId xmlns:p14="http://schemas.microsoft.com/office/powerpoint/2010/main" val="90043632"/>
+              </p:ext>
+            </p:extLst>
+          </p:nvPr>
+        </p:nvGraphicFramePr>
+        <p:xfrm>
+          <a:off x="287524" y="1635646"/>
+          <a:ext cx="4608512" cy="2799710"/>
+        </p:xfrm>
+        <a:graphic>
+          <a:graphicData uri="http://schemas.openxmlformats.org/drawingml/2006/diagram">
+            <dgm:relIds xmlns:dgm="http://schemas.openxmlformats.org/drawingml/2006/diagram" xmlns:r="http://schemas.openxmlformats.org/officeDocument/2006/relationships" r:dm="rId3" r:lo="rId4" r:qs="rId5" r:cs="rId6"/>
+          </a:graphicData>
+        </a:graphic>
+      </p:graphicFrame>
+      <p:sp>
+        <p:nvSpPr>
+          <p:cNvPr id="3" name="Textfeld 2"/>
+          <p:cNvSpPr txBox="1"/>
+          <p:nvPr/>
+        </p:nvSpPr>
+        <p:spPr>
+          <a:xfrm>
+            <a:off x="539552" y="1203598"/>
+            <a:ext cx="4104456" cy="369332"/>
+          </a:xfrm>
+          <a:prstGeom prst="rect">
+            <a:avLst/>
+          </a:prstGeom>
+          <a:noFill/>
+        </p:spPr>
+        <p:txBody>
+          <a:bodyPr wrap="square" rtlCol="0">
+            <a:spAutoFit/>
+          </a:bodyPr>
+          <a:lstStyle/>
+          <a:p>
+            <a:pPr algn="ctr"/>
+            <a:r>
+              <a:rPr lang="de-DE" dirty="0" smtClean="0">
+                <a:latin typeface="MV Boli" pitchFamily="2" charset="0"/>
+                <a:cs typeface="MV Boli" pitchFamily="2" charset="0"/>
+              </a:rPr>
+              <a:t>Core Game Loop</a:t>
+            </a:r>
+            <a:endParaRPr lang="de-DE" dirty="0">
+              <a:latin typeface="MV Boli" pitchFamily="2" charset="0"/>
+              <a:cs typeface="MV Boli" pitchFamily="2" charset="0"/>
+            </a:endParaRPr>
+          </a:p>
+        </p:txBody>
+      </p:sp>
+      <p:sp>
+        <p:nvSpPr>
+          <p:cNvPr id="6" name="Textfeld 5"/>
+          <p:cNvSpPr txBox="1"/>
+          <p:nvPr/>
+        </p:nvSpPr>
+        <p:spPr>
+          <a:xfrm>
+            <a:off x="4551408" y="1204049"/>
+            <a:ext cx="3981031" cy="3416320"/>
+          </a:xfrm>
+          <a:prstGeom prst="rect">
+            <a:avLst/>
+          </a:prstGeom>
+          <a:noFill/>
+        </p:spPr>
+        <p:txBody>
+          <a:bodyPr wrap="square" rtlCol="0">
+            <a:spAutoFit/>
+          </a:bodyPr>
+          <a:lstStyle/>
+          <a:p>
+            <a:pPr>
+              <a:lnSpc>
+                <a:spcPct val="150000"/>
+              </a:lnSpc>
+            </a:pPr>
+            <a:r>
+              <a:rPr lang="de-DE" sz="1600" dirty="0" smtClean="0">
+                <a:latin typeface="MV Boli" pitchFamily="2" charset="0"/>
+                <a:cs typeface="MV Boli" pitchFamily="2" charset="0"/>
+              </a:rPr>
+              <a:t>Mechanics: </a:t>
+            </a:r>
+          </a:p>
+          <a:p>
+            <a:pPr marL="285750" indent="-285750">
+              <a:lnSpc>
+                <a:spcPct val="150000"/>
+              </a:lnSpc>
+              <a:buFont typeface="Courier New" pitchFamily="49" charset="0"/>
+              <a:buChar char="o"/>
+            </a:pPr>
+            <a:r>
+              <a:rPr lang="de-DE" sz="1600" dirty="0" smtClean="0">
+                <a:latin typeface="MV Boli" pitchFamily="2" charset="0"/>
+                <a:cs typeface="MV Boli" pitchFamily="2" charset="0"/>
+              </a:rPr>
+              <a:t>Clairvoyance – Watch the room from a static, higher perspective</a:t>
+            </a:r>
+          </a:p>
+          <a:p>
+            <a:pPr marL="285750" indent="-285750">
+              <a:lnSpc>
+                <a:spcPct val="150000"/>
+              </a:lnSpc>
+              <a:buFont typeface="Courier New" pitchFamily="49" charset="0"/>
+              <a:buChar char="o"/>
+            </a:pPr>
+            <a:r>
+              <a:rPr lang="de-DE" sz="1600" dirty="0" smtClean="0">
+                <a:latin typeface="MV Boli" pitchFamily="2" charset="0"/>
+                <a:cs typeface="MV Boli" pitchFamily="2" charset="0"/>
+              </a:rPr>
+              <a:t>Posession – Posess a guard after finding a personal item from him</a:t>
+            </a:r>
+          </a:p>
+          <a:p>
+            <a:pPr marL="285750" indent="-285750">
+              <a:lnSpc>
+                <a:spcPct val="150000"/>
+              </a:lnSpc>
+              <a:buFont typeface="Courier New" pitchFamily="49" charset="0"/>
+              <a:buChar char="o"/>
+            </a:pPr>
+            <a:endParaRPr lang="de-DE" sz="1600" dirty="0" smtClean="0">
+              <a:latin typeface="MV Boli" pitchFamily="2" charset="0"/>
+              <a:cs typeface="MV Boli" pitchFamily="2" charset="0"/>
+            </a:endParaRPr>
+          </a:p>
+          <a:p>
+            <a:pPr>
+              <a:lnSpc>
+                <a:spcPct val="150000"/>
+              </a:lnSpc>
+            </a:pPr>
+            <a:r>
+              <a:rPr lang="de-DE" sz="1600" dirty="0" smtClean="0">
+                <a:latin typeface="MV Boli" pitchFamily="2" charset="0"/>
+                <a:cs typeface="MV Boli" pitchFamily="2" charset="0"/>
+              </a:rPr>
+              <a:t>Camera: </a:t>
+            </a:r>
+          </a:p>
+          <a:p>
+            <a:pPr marL="285750" indent="-285750">
+              <a:lnSpc>
+                <a:spcPct val="150000"/>
+              </a:lnSpc>
+              <a:buFont typeface="Courier New" pitchFamily="49" charset="0"/>
+              <a:buChar char="o"/>
+            </a:pPr>
+            <a:r>
+              <a:rPr lang="de-DE" sz="1600" dirty="0" smtClean="0">
+                <a:latin typeface="MV Boli" pitchFamily="2" charset="0"/>
+                <a:cs typeface="MV Boli" pitchFamily="2" charset="0"/>
+              </a:rPr>
+              <a:t>Third person slightly from below</a:t>
+            </a:r>
+          </a:p>
+          <a:p>
+            <a:pPr>
+              <a:lnSpc>
+                <a:spcPct val="150000"/>
+              </a:lnSpc>
+            </a:pPr>
+            <a:endParaRPr lang="de-DE" sz="1600" dirty="0">
+              <a:latin typeface="MV Boli" pitchFamily="2" charset="0"/>
+              <a:cs typeface="MV Boli" pitchFamily="2" charset="0"/>
+            </a:endParaRPr>
+          </a:p>
+        </p:txBody>
+      </p:sp>
+    </p:spTree>
+    <p:extLst>
+      <p:ext uri="{BB962C8B-B14F-4D97-AF65-F5344CB8AC3E}">
+        <p14:creationId xmlns:p14="http://schemas.microsoft.com/office/powerpoint/2010/main" val="2035362994"/>
+      </p:ext>
+    </p:extLst>
+  </p:cSld>
+  <p:clrMapOvr>
+    <a:masterClrMapping/>
+  </p:clrMapOvr>
+  <p:timing>
+    <p:tnLst>
+      <p:par>
+        <p:cTn id="1" dur="indefinite" restart="never" nodeType="tmRoot">
+          <p:childTnLst>
+            <p:seq concurrent="1" nextAc="seek">
+              <p:cTn id="2" dur="indefinite" nodeType="mainSeq">
+                <p:childTnLst>
+                  <p:par>
+                    <p:cTn id="3" fill="hold">
+                      <p:stCondLst>
+                        <p:cond delay="indefinite"/>
+                        <p:cond evt="onBegin" delay="0">
+                          <p:tn val="2"/>
+                        </p:cond>
+                      </p:stCondLst>
+                      <p:childTnLst>
+                        <p:par>
+                          <p:cTn id="4" fill="hold">
+                            <p:stCondLst>
+                              <p:cond delay="0"/>
+                            </p:stCondLst>
+                            <p:childTnLst>
+                              <p:par>
+                                <p:cTn id="5" presetID="6" presetClass="entr" presetSubtype="32" fill="hold" grpId="0" nodeType="withEffect">
+                                  <p:stCondLst>
+                                    <p:cond delay="0"/>
+                                  </p:stCondLst>
+                                  <p:childTnLst>
+                                    <p:set>
+                                      <p:cBhvr>
+                                        <p:cTn id="6" dur="1" fill="hold">
+                                          <p:stCondLst>
+                                            <p:cond delay="0"/>
+                                          </p:stCondLst>
+                                        </p:cTn>
+                                        <p:tgtEl>
+                                          <p:spTgt spid="2"/>
+                                        </p:tgtEl>
+                                        <p:attrNameLst>
+                                          <p:attrName>style.visibility</p:attrName>
+                                        </p:attrNameLst>
+                                      </p:cBhvr>
+                                      <p:to>
+                                        <p:strVal val="visible"/>
+                                      </p:to>
+                                    </p:set>
+                                    <p:animEffect transition="in" filter="circle(out)">
+                                      <p:cBhvr>
+                                        <p:cTn id="7" dur="2000"/>
+                                        <p:tgtEl>
+                                          <p:spTgt spid="2"/>
+                                        </p:tgtEl>
+                                      </p:cBhvr>
+                                    </p:animEffect>
+                                  </p:childTnLst>
+                                </p:cTn>
+                              </p:par>
+                            </p:childTnLst>
+                          </p:cTn>
+                        </p:par>
+                        <p:par>
+                          <p:cTn id="8" fill="hold">
+                            <p:stCondLst>
+                              <p:cond delay="2000"/>
+                            </p:stCondLst>
+                            <p:childTnLst>
+                              <p:par>
+                                <p:cTn id="9" presetID="22" presetClass="entr" presetSubtype="8" fill="hold" nodeType="afterEffect">
+                                  <p:stCondLst>
+                                    <p:cond delay="0"/>
+                                  </p:stCondLst>
+                                  <p:childTnLst>
+                                    <p:set>
+                                      <p:cBhvr>
+                                        <p:cTn id="10" dur="1" fill="hold">
+                                          <p:stCondLst>
+                                            <p:cond delay="0"/>
+                                          </p:stCondLst>
+                                        </p:cTn>
+                                        <p:tgtEl>
+                                          <p:spTgt spid="3">
+                                            <p:txEl>
+                                              <p:pRg st="0" end="0"/>
+                                            </p:txEl>
+                                          </p:spTgt>
+                                        </p:tgtEl>
+                                        <p:attrNameLst>
+                                          <p:attrName>style.visibility</p:attrName>
+                                        </p:attrNameLst>
+                                      </p:cBhvr>
+                                      <p:to>
+                                        <p:strVal val="visible"/>
+                                      </p:to>
+                                    </p:set>
+                                    <p:animEffect transition="in" filter="wipe(left)">
+                                      <p:cBhvr>
+                                        <p:cTn id="11" dur="500"/>
+                                        <p:tgtEl>
+                                          <p:spTgt spid="3">
+                                            <p:txEl>
+                                              <p:pRg st="0" end="0"/>
+                                            </p:txEl>
+                                          </p:spTgt>
+                                        </p:tgtEl>
+                                      </p:cBhvr>
+                                    </p:animEffect>
+                                  </p:childTnLst>
+                                </p:cTn>
+                              </p:par>
+                            </p:childTnLst>
+                          </p:cTn>
+                        </p:par>
+                        <p:par>
+                          <p:cTn id="12" fill="hold">
+                            <p:stCondLst>
+                              <p:cond delay="2500"/>
+                            </p:stCondLst>
+                            <p:childTnLst>
+                              <p:par>
+                                <p:cTn id="13" presetID="6" presetClass="entr" presetSubtype="32" fill="hold" grpId="0" nodeType="afterEffect">
+                                  <p:stCondLst>
+                                    <p:cond delay="500"/>
+                                  </p:stCondLst>
+                                  <p:childTnLst>
+                                    <p:set>
+                                      <p:cBhvr>
+                                        <p:cTn id="14" dur="1" fill="hold">
+                                          <p:stCondLst>
+                                            <p:cond delay="0"/>
+                                          </p:stCondLst>
+                                        </p:cTn>
+                                        <p:tgtEl>
+                                          <p:spTgt spid="4"/>
+                                        </p:tgtEl>
+                                        <p:attrNameLst>
+                                          <p:attrName>style.visibility</p:attrName>
+                                        </p:attrNameLst>
+                                      </p:cBhvr>
+                                      <p:to>
+                                        <p:strVal val="visible"/>
+                                      </p:to>
+                                    </p:set>
+                                    <p:animEffect transition="in" filter="circle(out)">
+                                      <p:cBhvr>
+                                        <p:cTn id="15" dur="2000"/>
+                                        <p:tgtEl>
+                                          <p:spTgt spid="4"/>
+                                        </p:tgtEl>
+                                      </p:cBhvr>
+                                    </p:animEffect>
+                                  </p:childTnLst>
+                                </p:cTn>
+                              </p:par>
+                            </p:childTnLst>
+                          </p:cTn>
+                        </p:par>
+                      </p:childTnLst>
+                    </p:cTn>
+                  </p:par>
+                  <p:par>
+                    <p:cTn id="16" fill="hold">
+                      <p:stCondLst>
+                        <p:cond delay="indefinite"/>
+                      </p:stCondLst>
+                      <p:childTnLst>
+                        <p:par>
+                          <p:cTn id="17" fill="hold">
+                            <p:stCondLst>
+                              <p:cond delay="0"/>
+                            </p:stCondLst>
+                            <p:childTnLst>
+                              <p:par>
+                                <p:cTn id="18" presetID="22" presetClass="entr" presetSubtype="8" fill="hold" nodeType="clickEffect">
+                                  <p:stCondLst>
+                                    <p:cond delay="0"/>
+                                  </p:stCondLst>
+                                  <p:childTnLst>
+                                    <p:set>
+                                      <p:cBhvr>
+                                        <p:cTn id="19" dur="1" fill="hold">
+                                          <p:stCondLst>
+                                            <p:cond delay="0"/>
+                                          </p:stCondLst>
+                                        </p:cTn>
+                                        <p:tgtEl>
+                                          <p:spTgt spid="6">
+                                            <p:txEl>
+                                              <p:pRg st="0" end="0"/>
+                                            </p:txEl>
+                                          </p:spTgt>
+                                        </p:tgtEl>
+                                        <p:attrNameLst>
+                                          <p:attrName>style.visibility</p:attrName>
+                                        </p:attrNameLst>
+                                      </p:cBhvr>
+                                      <p:to>
+                                        <p:strVal val="visible"/>
+                                      </p:to>
+                                    </p:set>
+                                    <p:animEffect transition="in" filter="wipe(left)">
+                                      <p:cBhvr>
+                                        <p:cTn id="20" dur="500"/>
+                                        <p:tgtEl>
+                                          <p:spTgt spid="6">
+                                            <p:txEl>
+                                              <p:pRg st="0" end="0"/>
+                                            </p:txEl>
+                                          </p:spTgt>
+                                        </p:tgtEl>
+                                      </p:cBhvr>
+                                    </p:animEffect>
+                                  </p:childTnLst>
+                                </p:cTn>
+                              </p:par>
+                            </p:childTnLst>
+                          </p:cTn>
+                        </p:par>
+                        <p:par>
+                          <p:cTn id="21" fill="hold">
+                            <p:stCondLst>
+                              <p:cond delay="500"/>
+                            </p:stCondLst>
+                            <p:childTnLst>
+                              <p:par>
+                                <p:cTn id="22" presetID="22" presetClass="entr" presetSubtype="8" fill="hold" nodeType="afterEffect">
+                                  <p:stCondLst>
+                                    <p:cond delay="500"/>
+                                  </p:stCondLst>
+                                  <p:childTnLst>
+                                    <p:set>
+                                      <p:cBhvr>
+                                        <p:cTn id="23" dur="1" fill="hold">
+                                          <p:stCondLst>
+                                            <p:cond delay="0"/>
+                                          </p:stCondLst>
+                                        </p:cTn>
+                                        <p:tgtEl>
+                                          <p:spTgt spid="6">
+                                            <p:txEl>
+                                              <p:pRg st="1" end="1"/>
+                                            </p:txEl>
+                                          </p:spTgt>
+                                        </p:tgtEl>
+                                        <p:attrNameLst>
+                                          <p:attrName>style.visibility</p:attrName>
+                                        </p:attrNameLst>
+                                      </p:cBhvr>
+                                      <p:to>
+                                        <p:strVal val="visible"/>
+                                      </p:to>
+                                    </p:set>
+                                    <p:animEffect transition="in" filter="wipe(left)">
+                                      <p:cBhvr>
+                                        <p:cTn id="24" dur="500"/>
+                                        <p:tgtEl>
+                                          <p:spTgt spid="6">
+                                            <p:txEl>
+                                              <p:pRg st="1" end="1"/>
+                                            </p:txEl>
+                                          </p:spTgt>
+                                        </p:tgtEl>
+                                      </p:cBhvr>
+                                    </p:animEffect>
+                                  </p:childTnLst>
+                                </p:cTn>
+                              </p:par>
+                            </p:childTnLst>
+                          </p:cTn>
+                        </p:par>
+                        <p:par>
+                          <p:cTn id="25" fill="hold">
+                            <p:stCondLst>
+                              <p:cond delay="1500"/>
+                            </p:stCondLst>
+                            <p:childTnLst>
+                              <p:par>
+                                <p:cTn id="26" presetID="22" presetClass="entr" presetSubtype="8" fill="hold" nodeType="afterEffect">
+                                  <p:stCondLst>
+                                    <p:cond delay="500"/>
+                                  </p:stCondLst>
+                                  <p:childTnLst>
+                                    <p:set>
+                                      <p:cBhvr>
+                                        <p:cTn id="27" dur="1" fill="hold">
+                                          <p:stCondLst>
+                                            <p:cond delay="0"/>
+                                          </p:stCondLst>
+                                        </p:cTn>
+                                        <p:tgtEl>
+                                          <p:spTgt spid="6">
+                                            <p:txEl>
+                                              <p:pRg st="2" end="2"/>
+                                            </p:txEl>
+                                          </p:spTgt>
+                                        </p:tgtEl>
+                                        <p:attrNameLst>
+                                          <p:attrName>style.visibility</p:attrName>
+                                        </p:attrNameLst>
+                                      </p:cBhvr>
+                                      <p:to>
+                                        <p:strVal val="visible"/>
+                                      </p:to>
+                                    </p:set>
+                                    <p:animEffect transition="in" filter="wipe(left)">
+                                      <p:cBhvr>
+                                        <p:cTn id="28" dur="500"/>
+                                        <p:tgtEl>
+                                          <p:spTgt spid="6">
+                                            <p:txEl>
+                                              <p:pRg st="2" end="2"/>
+                                            </p:txEl>
+                                          </p:spTgt>
+                                        </p:tgtEl>
+                                      </p:cBhvr>
+                                    </p:animEffect>
+                                  </p:childTnLst>
+                                </p:cTn>
+                              </p:par>
+                            </p:childTnLst>
+                          </p:cTn>
+                        </p:par>
+                        <p:par>
+                          <p:cTn id="29" fill="hold">
+                            <p:stCondLst>
+                              <p:cond delay="2500"/>
+                            </p:stCondLst>
+                            <p:childTnLst>
+                              <p:par>
+                                <p:cTn id="30" presetID="22" presetClass="entr" presetSubtype="8" fill="hold" nodeType="afterEffect">
+                                  <p:stCondLst>
+                                    <p:cond delay="500"/>
+                                  </p:stCondLst>
+                                  <p:childTnLst>
+                                    <p:set>
+                                      <p:cBhvr>
+                                        <p:cTn id="31" dur="1" fill="hold">
+                                          <p:stCondLst>
+                                            <p:cond delay="0"/>
+                                          </p:stCondLst>
+                                        </p:cTn>
+                                        <p:tgtEl>
+                                          <p:spTgt spid="6">
+                                            <p:txEl>
+                                              <p:pRg st="4" end="4"/>
+                                            </p:txEl>
+                                          </p:spTgt>
+                                        </p:tgtEl>
+                                        <p:attrNameLst>
+                                          <p:attrName>style.visibility</p:attrName>
+                                        </p:attrNameLst>
+                                      </p:cBhvr>
+                                      <p:to>
+                                        <p:strVal val="visible"/>
+                                      </p:to>
+                                    </p:set>
+                                    <p:animEffect transition="in" filter="wipe(left)">
+                                      <p:cBhvr>
+                                        <p:cTn id="32" dur="500"/>
+                                        <p:tgtEl>
+                                          <p:spTgt spid="6">
+                                            <p:txEl>
+                                              <p:pRg st="4" end="4"/>
+                                            </p:txEl>
+                                          </p:spTgt>
+                                        </p:tgtEl>
+                                      </p:cBhvr>
+                                    </p:animEffect>
+                                  </p:childTnLst>
+                                </p:cTn>
+                              </p:par>
+                            </p:childTnLst>
+                          </p:cTn>
+                        </p:par>
+                        <p:par>
+                          <p:cTn id="33" fill="hold">
+                            <p:stCondLst>
+                              <p:cond delay="3500"/>
+                            </p:stCondLst>
+                            <p:childTnLst>
+                              <p:par>
+                                <p:cTn id="34" presetID="22" presetClass="entr" presetSubtype="8" fill="hold" nodeType="afterEffect">
+                                  <p:stCondLst>
+                                    <p:cond delay="500"/>
+                                  </p:stCondLst>
+                                  <p:childTnLst>
+                                    <p:set>
+                                      <p:cBhvr>
+                                        <p:cTn id="35" dur="1" fill="hold">
+                                          <p:stCondLst>
+                                            <p:cond delay="0"/>
+                                          </p:stCondLst>
+                                        </p:cTn>
+                                        <p:tgtEl>
+                                          <p:spTgt spid="6">
+                                            <p:txEl>
+                                              <p:pRg st="5" end="5"/>
+                                            </p:txEl>
+                                          </p:spTgt>
+                                        </p:tgtEl>
+                                        <p:attrNameLst>
+                                          <p:attrName>style.visibility</p:attrName>
+                                        </p:attrNameLst>
+                                      </p:cBhvr>
+                                      <p:to>
+                                        <p:strVal val="visible"/>
+                                      </p:to>
+                                    </p:set>
+                                    <p:animEffect transition="in" filter="wipe(left)">
+                                      <p:cBhvr>
+                                        <p:cTn id="36" dur="500"/>
+                                        <p:tgtEl>
+                                          <p:spTgt spid="6">
+                                            <p:txEl>
+                                              <p:pRg st="5" end="5"/>
+                                            </p:txEl>
+                                          </p:spTgt>
+                                        </p:tgtEl>
+                                      </p:cBhvr>
+                                    </p:animEffect>
+                                  </p:childTnLst>
+                                </p:cTn>
+                              </p:par>
+                            </p:childTnLst>
+                          </p:cTn>
+                        </p:par>
+                      </p:childTnLst>
+                    </p:cTn>
+                  </p:par>
+                </p:childTnLst>
+              </p:cTn>
+              <p:prevCondLst>
+                <p:cond evt="onPrev" delay="0">
+                  <p:tgtEl>
+                    <p:sldTgt/>
+                  </p:tgtEl>
+                </p:cond>
+              </p:prevCondLst>
+              <p:nextCondLst>
+                <p:cond evt="onNext" delay="0">
+                  <p:tgtEl>
+                    <p:sldTgt/>
+                  </p:tgtEl>
+                </p:cond>
+              </p:nextCondLst>
+            </p:seq>
+          </p:childTnLst>
+        </p:cTn>
+      </p:par>
+    </p:tnLst>
+    <p:bldLst>
+      <p:bldP spid="2" grpId="0"/>
+      <p:bldGraphic spid="4" grpId="0">
+        <p:bldAsOne/>
+      </p:bldGraphic>
+    </p:bldLst>
+  </p:timing>
+</p:sld>
+</file>
+
+<file path=ppt/slides/slide5.xml><?xml version="1.0" encoding="utf-8"?>
+<p:sld xmlns:a="http://schemas.openxmlformats.org/drawingml/2006/main" xmlns:r="http://schemas.openxmlformats.org/officeDocument/2006/relationships" xmlns:p="http://schemas.openxmlformats.org/presentationml/2006/main">
+  <p:cSld>
+    <p:spTree>
+      <p:nvGrpSpPr>
+        <p:cNvPr id="1" name=""/>
+        <p:cNvGrpSpPr/>
+        <p:nvPr/>
+      </p:nvGrpSpPr>
+      <p:grpSpPr>
+        <a:xfrm>
+          <a:off x="0" y="0"/>
+          <a:ext cx="0" cy="0"/>
+          <a:chOff x="0" y="0"/>
+          <a:chExt cx="0" cy="0"/>
+        </a:xfrm>
+      </p:grpSpPr>
+      <p:pic>
+        <p:nvPicPr>
+          <p:cNvPr id="5" name="Grafik 4"/>
+          <p:cNvPicPr>
+            <a:picLocks noChangeAspect="1"/>
+          </p:cNvPicPr>
+          <p:nvPr/>
+        </p:nvPicPr>
+        <p:blipFill>
+          <a:blip r:embed="rId2" cstate="print">
+            <a:extLst>
+              <a:ext uri="{28A0092B-C50C-407E-A947-70E740481C1C}">
+                <a14:useLocalDpi xmlns:a14="http://schemas.microsoft.com/office/drawing/2010/main" val="0"/>
+              </a:ext>
+            </a:extLst>
+          </a:blip>
+          <a:stretch>
+            <a:fillRect/>
+          </a:stretch>
+        </p:blipFill>
+        <p:spPr>
+          <a:xfrm>
+            <a:off x="317843" y="0"/>
+            <a:ext cx="8826157" cy="4948014"/>
+          </a:xfrm>
+          <a:prstGeom prst="rect">
+            <a:avLst/>
+          </a:prstGeom>
+          <a:ln>
+            <a:noFill/>
+          </a:ln>
+          <a:effectLst>
+            <a:softEdge rad="317500"/>
+          </a:effectLst>
+        </p:spPr>
+      </p:pic>
+      <p:pic>
+        <p:nvPicPr>
+          <p:cNvPr id="3" name="Grafik 2"/>
+          <p:cNvPicPr>
+            <a:picLocks noChangeAspect="1"/>
+          </p:cNvPicPr>
+          <p:nvPr/>
+        </p:nvPicPr>
+        <p:blipFill>
+          <a:blip r:embed="rId3" cstate="print">
+            <a:extLst>
+              <a:ext uri="{28A0092B-C50C-407E-A947-70E740481C1C}">
+                <a14:useLocalDpi xmlns:a14="http://schemas.microsoft.com/office/drawing/2010/main" val="0"/>
+              </a:ext>
+            </a:extLst>
+          </a:blip>
+          <a:stretch>
+            <a:fillRect/>
+          </a:stretch>
+        </p:blipFill>
+        <p:spPr>
+          <a:xfrm>
+            <a:off x="7020272" y="771550"/>
+            <a:ext cx="1594878" cy="2391150"/>
+          </a:xfrm>
+          <a:prstGeom prst="rect">
+            <a:avLst/>
+          </a:prstGeom>
+          <a:ln>
+            <a:noFill/>
+          </a:ln>
+          <a:effectLst>
+            <a:glow rad="63500">
+              <a:schemeClr val="accent5">
+                <a:satMod val="175000"/>
+                <a:alpha val="40000"/>
+              </a:schemeClr>
+            </a:glow>
+            <a:outerShdw blurRad="190500" algn="tl" rotWithShape="0">
+              <a:srgbClr val="000000">
+                <a:alpha val="70000"/>
+              </a:srgbClr>
+            </a:outerShdw>
+            <a:softEdge rad="31750"/>
+          </a:effectLst>
+        </p:spPr>
+      </p:pic>
+      <p:sp>
+        <p:nvSpPr>
+          <p:cNvPr id="2" name="Titel 1"/>
+          <p:cNvSpPr>
+            <a:spLocks noGrp="1"/>
+          </p:cNvSpPr>
+          <p:nvPr>
+            <p:ph type="ctrTitle"/>
+          </p:nvPr>
+        </p:nvSpPr>
+        <p:spPr>
+          <a:xfrm>
+            <a:off x="685800" y="303499"/>
+            <a:ext cx="7772400" cy="756083"/>
+          </a:xfrm>
+        </p:spPr>
+        <p:txBody>
+          <a:bodyPr>
+            <a:normAutofit/>
+          </a:bodyPr>
+          <a:lstStyle/>
+          <a:p>
+            <a:pPr algn="ctr"/>
+            <a:r>
+              <a:rPr lang="de-DE" dirty="0" smtClean="0">
+                <a:latin typeface="MV Boli" pitchFamily="2" charset="0"/>
+                <a:cs typeface="MV Boli" pitchFamily="2" charset="0"/>
+              </a:rPr>
+              <a:t>Mood &amp; Concepts</a:t>
+            </a:r>
+            <a:endParaRPr lang="de-DE" dirty="0">
+              <a:latin typeface="MV Boli" pitchFamily="2" charset="0"/>
+              <a:cs typeface="MV Boli" pitchFamily="2" charset="0"/>
+            </a:endParaRPr>
+          </a:p>
+        </p:txBody>
+      </p:sp>
+      <p:pic>
+        <p:nvPicPr>
+          <p:cNvPr id="6" name="Grafik 5"/>
+          <p:cNvPicPr>
+            <a:picLocks noChangeAspect="1"/>
+          </p:cNvPicPr>
+          <p:nvPr/>
+        </p:nvPicPr>
+        <p:blipFill>
+          <a:blip r:embed="rId4" cstate="print">
+            <a:extLst>
+              <a:ext uri="{28A0092B-C50C-407E-A947-70E740481C1C}">
+                <a14:useLocalDpi xmlns:a14="http://schemas.microsoft.com/office/drawing/2010/main" val="0"/>
+              </a:ext>
+            </a:extLst>
+          </a:blip>
+          <a:stretch>
+            <a:fillRect/>
+          </a:stretch>
+        </p:blipFill>
+        <p:spPr>
+          <a:xfrm>
+            <a:off x="179512" y="1131590"/>
+            <a:ext cx="4992555" cy="2808312"/>
+          </a:xfrm>
+          <a:prstGeom prst="rect">
+            <a:avLst/>
+          </a:prstGeom>
+          <a:ln>
+            <a:noFill/>
+          </a:ln>
+          <a:effectLst>
+            <a:glow rad="63500">
+              <a:schemeClr val="accent5">
+                <a:satMod val="175000"/>
+                <a:alpha val="40000"/>
+              </a:schemeClr>
+            </a:glow>
+            <a:outerShdw blurRad="292100" dist="139700" dir="2700000" algn="tl" rotWithShape="0">
+              <a:srgbClr val="333333">
+                <a:alpha val="65000"/>
+              </a:srgbClr>
+            </a:outerShdw>
+          </a:effectLst>
+        </p:spPr>
+      </p:pic>
+      <p:pic>
+        <p:nvPicPr>
+          <p:cNvPr id="4" name="Grafik 3"/>
+          <p:cNvPicPr>
+            <a:picLocks noChangeAspect="1"/>
+          </p:cNvPicPr>
+          <p:nvPr/>
+        </p:nvPicPr>
+        <p:blipFill>
+          <a:blip r:embed="rId5" cstate="print">
+            <a:extLst>
+              <a:ext uri="{28A0092B-C50C-407E-A947-70E740481C1C}">
+                <a14:useLocalDpi xmlns:a14="http://schemas.microsoft.com/office/drawing/2010/main" val="0"/>
+              </a:ext>
+            </a:extLst>
+          </a:blip>
+          <a:stretch>
+            <a:fillRect/>
+          </a:stretch>
+        </p:blipFill>
+        <p:spPr>
+          <a:xfrm>
+            <a:off x="3491880" y="2139702"/>
+            <a:ext cx="3960440" cy="2640293"/>
+          </a:xfrm>
+          <a:prstGeom prst="rect">
+            <a:avLst/>
+          </a:prstGeom>
+          <a:ln>
+            <a:noFill/>
+          </a:ln>
+          <a:effectLst>
+            <a:glow rad="63500">
+              <a:schemeClr val="accent5">
+                <a:satMod val="175000"/>
+                <a:alpha val="40000"/>
+              </a:schemeClr>
+            </a:glow>
+            <a:outerShdw blurRad="190500" algn="tl" rotWithShape="0">
+              <a:srgbClr val="000000">
+                <a:alpha val="70000"/>
+              </a:srgbClr>
+            </a:outerShdw>
+            <a:softEdge rad="31750"/>
+          </a:effectLst>
+        </p:spPr>
+      </p:pic>
+    </p:spTree>
+    <p:extLst>
+      <p:ext uri="{BB962C8B-B14F-4D97-AF65-F5344CB8AC3E}">
+        <p14:creationId xmlns:p14="http://schemas.microsoft.com/office/powerpoint/2010/main" val="649944377"/>
+      </p:ext>
+    </p:extLst>
+  </p:cSld>
+  <p:clrMapOvr>
+    <a:masterClrMapping/>
+  </p:clrMapOvr>
+  <p:timing>
+    <p:tnLst>
+      <p:par>
+        <p:cTn id="1" dur="indefinite" restart="never" nodeType="tmRoot">
+          <p:childTnLst>
+            <p:seq concurrent="1" nextAc="seek">
+              <p:cTn id="2" dur="indefinite" nodeType="mainSeq">
+                <p:childTnLst>
+                  <p:par>
+                    <p:cTn id="3" fill="hold">
+                      <p:stCondLst>
+                        <p:cond delay="indefinite"/>
+                        <p:cond evt="onBegin" delay="0">
+                          <p:tn val="2"/>
+                        </p:cond>
+                      </p:stCondLst>
+                      <p:childTnLst>
+                        <p:par>
+                          <p:cTn id="4" fill="hold">
+                            <p:stCondLst>
+                              <p:cond delay="0"/>
+                            </p:stCondLst>
+                            <p:childTnLst>
+                              <p:par>
+                                <p:cTn id="5" presetID="6" presetClass="entr" presetSubtype="32" fill="hold" grpId="0" nodeType="withEffect">
+                                  <p:stCondLst>
+                                    <p:cond delay="0"/>
+                                  </p:stCondLst>
+                                  <p:childTnLst>
+                                    <p:set>
+                                      <p:cBhvr>
+                                        <p:cTn id="6" dur="1" fill="hold">
+                                          <p:stCondLst>
+                                            <p:cond delay="0"/>
+                                          </p:stCondLst>
+                                        </p:cTn>
+                                        <p:tgtEl>
+                                          <p:spTgt spid="2"/>
+                                        </p:tgtEl>
+                                        <p:attrNameLst>
+                                          <p:attrName>style.visibility</p:attrName>
+                                        </p:attrNameLst>
+                                      </p:cBhvr>
+                                      <p:to>
+                                        <p:strVal val="visible"/>
+                                      </p:to>
+                                    </p:set>
+                                    <p:animEffect transition="in" filter="circle(out)">
+                                      <p:cBhvr>
+                                        <p:cTn id="7" dur="2000"/>
+                                        <p:tgtEl>
+                                          <p:spTgt spid="2"/>
+                                        </p:tgtEl>
+                                      </p:cBhvr>
+                                    </p:animEffect>
+                                  </p:childTnLst>
+                                </p:cTn>
+                              </p:par>
+                            </p:childTnLst>
+                          </p:cTn>
+                        </p:par>
+                        <p:par>
+                          <p:cTn id="8" fill="hold">
+                            <p:stCondLst>
+                              <p:cond delay="2000"/>
+                            </p:stCondLst>
+                            <p:childTnLst>
+                              <p:par>
+                                <p:cTn id="9" presetID="6" presetClass="entr" presetSubtype="32" fill="hold" nodeType="afterEffect">
+                                  <p:stCondLst>
+                                    <p:cond delay="1000"/>
+                                  </p:stCondLst>
+                                  <p:childTnLst>
+                                    <p:set>
+                                      <p:cBhvr>
+                                        <p:cTn id="10" dur="1" fill="hold">
+                                          <p:stCondLst>
+                                            <p:cond delay="0"/>
+                                          </p:stCondLst>
+                                        </p:cTn>
+                                        <p:tgtEl>
+                                          <p:spTgt spid="6"/>
+                                        </p:tgtEl>
+                                        <p:attrNameLst>
+                                          <p:attrName>style.visibility</p:attrName>
+                                        </p:attrNameLst>
+                                      </p:cBhvr>
+                                      <p:to>
+                                        <p:strVal val="visible"/>
+                                      </p:to>
+                                    </p:set>
+                                    <p:animEffect transition="in" filter="circle(out)">
+                                      <p:cBhvr>
+                                        <p:cTn id="11" dur="2000"/>
+                                        <p:tgtEl>
+                                          <p:spTgt spid="6"/>
+                                        </p:tgtEl>
+                                      </p:cBhvr>
+                                    </p:animEffect>
+                                  </p:childTnLst>
+                                </p:cTn>
+                              </p:par>
+                            </p:childTnLst>
+                          </p:cTn>
+                        </p:par>
+                        <p:par>
+                          <p:cTn id="12" fill="hold">
+                            <p:stCondLst>
+                              <p:cond delay="5000"/>
+                            </p:stCondLst>
+                            <p:childTnLst>
+                              <p:par>
+                                <p:cTn id="13" presetID="6" presetClass="entr" presetSubtype="32" fill="hold" nodeType="afterEffect">
+                                  <p:stCondLst>
+                                    <p:cond delay="2000"/>
+                                  </p:stCondLst>
+                                  <p:childTnLst>
+                                    <p:set>
+                                      <p:cBhvr>
+                                        <p:cTn id="14" dur="1" fill="hold">
+                                          <p:stCondLst>
+                                            <p:cond delay="0"/>
+                                          </p:stCondLst>
+                                        </p:cTn>
+                                        <p:tgtEl>
+                                          <p:spTgt spid="3"/>
+                                        </p:tgtEl>
+                                        <p:attrNameLst>
+                                          <p:attrName>style.visibility</p:attrName>
+                                        </p:attrNameLst>
+                                      </p:cBhvr>
+                                      <p:to>
+                                        <p:strVal val="visible"/>
+                                      </p:to>
+                                    </p:set>
+                                    <p:animEffect transition="in" filter="circle(out)">
+                                      <p:cBhvr>
+                                        <p:cTn id="15" dur="2000"/>
+                                        <p:tgtEl>
+                                          <p:spTgt spid="3"/>
+                                        </p:tgtEl>
+                                      </p:cBhvr>
+                                    </p:animEffect>
+                                  </p:childTnLst>
+                                </p:cTn>
+                              </p:par>
+                            </p:childTnLst>
+                          </p:cTn>
+                        </p:par>
+                        <p:par>
+                          <p:cTn id="16" fill="hold">
+                            <p:stCondLst>
+                              <p:cond delay="9000"/>
+                            </p:stCondLst>
+                            <p:childTnLst>
+                              <p:par>
+                                <p:cTn id="17" presetID="6" presetClass="entr" presetSubtype="32" fill="hold" nodeType="afterEffect">
+                                  <p:stCondLst>
+                                    <p:cond delay="2000"/>
+                                  </p:stCondLst>
+                                  <p:childTnLst>
+                                    <p:set>
+                                      <p:cBhvr>
+                                        <p:cTn id="18" dur="1" fill="hold">
+                                          <p:stCondLst>
+                                            <p:cond delay="0"/>
+                                          </p:stCondLst>
+                                        </p:cTn>
+                                        <p:tgtEl>
+                                          <p:spTgt spid="4"/>
+                                        </p:tgtEl>
+                                        <p:attrNameLst>
+                                          <p:attrName>style.visibility</p:attrName>
+                                        </p:attrNameLst>
+                                      </p:cBhvr>
+                                      <p:to>
+                                        <p:strVal val="visible"/>
+                                      </p:to>
+                                    </p:set>
+                                    <p:animEffect transition="in" filter="circle(out)">
+                                      <p:cBhvr>
+                                        <p:cTn id="19" dur="2000"/>
+                                        <p:tgtEl>
+                                          <p:spTgt spid="4"/>
+                                        </p:tgtEl>
+                                      </p:cBhvr>
+                                    </p:animEffect>
+                                  </p:childTnLst>
+                                </p:cTn>
+                              </p:par>
+                            </p:childTnLst>
+                          </p:cTn>
+                        </p:par>
+                      </p:childTnLst>
+                    </p:cTn>
+                  </p:par>
+                </p:childTnLst>
+              </p:cTn>
+              <p:prevCondLst>
+                <p:cond evt="onPrev" delay="0">
+                  <p:tgtEl>
+                    <p:sldTgt/>
+                  </p:tgtEl>
+                </p:cond>
+              </p:prevCondLst>
+              <p:nextCondLst>
+                <p:cond evt="onNext" delay="0">
+                  <p:tgtEl>
+                    <p:sldTgt/>
+                  </p:tgtEl>
+                </p:cond>
+              </p:nextCondLst>
+            </p:seq>
+          </p:childTnLst>
+        </p:cTn>
+      </p:par>
+    </p:tnLst>
+    <p:bldLst>
+      <p:bldP spid="2" grpId="0"/>
+    </p:bldLst>
+  </p:timing>
+</p:sld>
+</file>
+
+<file path=ppt/slides/slide6.xml><?xml version="1.0" encoding="utf-8"?>
+<p:sld xmlns:a="http://schemas.openxmlformats.org/drawingml/2006/main" xmlns:r="http://schemas.openxmlformats.org/officeDocument/2006/relationships" xmlns:p="http://schemas.openxmlformats.org/presentationml/2006/main">
+  <p:cSld>
+    <p:spTree>
+      <p:nvGrpSpPr>
+        <p:cNvPr id="1" name=""/>
+        <p:cNvGrpSpPr/>
+        <p:nvPr/>
+      </p:nvGrpSpPr>
+      <p:grpSpPr>
+        <a:xfrm>
+          <a:off x="0" y="0"/>
+          <a:ext cx="0" cy="0"/>
+          <a:chOff x="0" y="0"/>
+          <a:chExt cx="0" cy="0"/>
+        </a:xfrm>
+      </p:grpSpPr>
+      <p:pic>
+        <p:nvPicPr>
+          <p:cNvPr id="4" name="Grafik 3"/>
+          <p:cNvPicPr>
+            <a:picLocks noChangeAspect="1"/>
+          </p:cNvPicPr>
+          <p:nvPr/>
+        </p:nvPicPr>
+        <p:blipFill>
+          <a:blip r:embed="rId2" cstate="print">
+            <a:extLst>
+              <a:ext uri="{28A0092B-C50C-407E-A947-70E740481C1C}">
+                <a14:useLocalDpi xmlns:a14="http://schemas.microsoft.com/office/drawing/2010/main" val="0"/>
+              </a:ext>
+            </a:extLst>
+          </a:blip>
+          <a:stretch>
+            <a:fillRect/>
+          </a:stretch>
+        </p:blipFill>
+        <p:spPr>
+          <a:xfrm>
+            <a:off x="35496" y="0"/>
+            <a:ext cx="8826157" cy="4948014"/>
+          </a:xfrm>
+          <a:prstGeom prst="rect">
+            <a:avLst/>
+          </a:prstGeom>
+          <a:ln>
+            <a:noFill/>
+          </a:ln>
+          <a:effectLst>
+            <a:softEdge rad="317500"/>
+          </a:effectLst>
+        </p:spPr>
+      </p:pic>
       <p:sp>
         <p:nvSpPr>
           <p:cNvPr id="2" name="Titel 1"/>
@@ -11514,7 +14825,7 @@
                 <a:latin typeface="MV Boli" pitchFamily="2" charset="0"/>
                 <a:cs typeface="MV Boli" pitchFamily="2" charset="0"/>
               </a:rPr>
-              <a:t>Team</a:t>
+              <a:t>Scope/Skeleton Version</a:t>
             </a:r>
             <a:endParaRPr lang="de-DE" dirty="0">
               <a:latin typeface="MV Boli" pitchFamily="2" charset="0"/>
@@ -11545,223 +14856,136 @@
           </a:bodyPr>
           <a:lstStyle/>
           <a:p>
-            <a:pPr lvl="0"/>
+            <a:pPr marL="285750" lvl="0" indent="-285750">
+              <a:buFont typeface="Courier New" pitchFamily="49" charset="0"/>
+              <a:buChar char="o"/>
+            </a:pPr>
             <a:r>
-              <a:rPr lang="en-GB" sz="1600" b="1" dirty="0">
-                <a:solidFill>
-                  <a:schemeClr val="tx1">
-                    <a:lumMod val="95000"/>
-                  </a:schemeClr>
-                </a:solidFill>
+              <a:rPr lang="en-GB" sz="1800" u="sng" dirty="0" smtClean="0">
                 <a:latin typeface="MV Boli" pitchFamily="2" charset="0"/>
                 <a:cs typeface="MV Boli" pitchFamily="2" charset="0"/>
               </a:rPr>
-              <a:t>Producer</a:t>
+              <a:t>Running</a:t>
             </a:r>
             <a:r>
-              <a:rPr lang="en-GB" sz="1600" dirty="0">
-                <a:solidFill>
-                  <a:schemeClr val="tx1">
-                    <a:lumMod val="95000"/>
-                  </a:schemeClr>
-                </a:solidFill>
+              <a:rPr lang="en-GB" sz="1800" dirty="0" smtClean="0">
                 <a:latin typeface="MV Boli" pitchFamily="2" charset="0"/>
                 <a:cs typeface="MV Boli" pitchFamily="2" charset="0"/>
               </a:rPr>
-              <a:t>:	</a:t>
+              <a:t> and </a:t>
             </a:r>
             <a:r>
-              <a:rPr lang="en-GB" sz="1600" dirty="0" smtClean="0">
-                <a:solidFill>
-                  <a:schemeClr val="tx1">
-                    <a:lumMod val="95000"/>
-                  </a:schemeClr>
-                </a:solidFill>
+              <a:rPr lang="en-GB" sz="1800" u="sng" dirty="0" smtClean="0">
                 <a:latin typeface="MV Boli" pitchFamily="2" charset="0"/>
                 <a:cs typeface="MV Boli" pitchFamily="2" charset="0"/>
               </a:rPr>
-              <a:t>	Sonja Köck</a:t>
+              <a:t>Jumping</a:t>
             </a:r>
-            <a:endParaRPr lang="de-DE" sz="1600" dirty="0">
-              <a:solidFill>
-                <a:schemeClr val="tx1">
-                  <a:lumMod val="95000"/>
-                </a:schemeClr>
-              </a:solidFill>
+            <a:r>
+              <a:rPr lang="en-GB" sz="1800" dirty="0" smtClean="0">
+                <a:latin typeface="MV Boli" pitchFamily="2" charset="0"/>
+                <a:cs typeface="MV Boli" pitchFamily="2" charset="0"/>
+              </a:rPr>
+              <a:t> Main Character</a:t>
+            </a:r>
+          </a:p>
+          <a:p>
+            <a:pPr marL="285750" lvl="0" indent="-285750">
+              <a:buFont typeface="Courier New" pitchFamily="49" charset="0"/>
+              <a:buChar char="o"/>
+            </a:pPr>
+            <a:endParaRPr lang="de-DE" sz="1800" dirty="0">
               <a:latin typeface="MV Boli" pitchFamily="2" charset="0"/>
               <a:cs typeface="MV Boli" pitchFamily="2" charset="0"/>
             </a:endParaRPr>
           </a:p>
           <a:p>
-            <a:pPr lvl="0"/>
+            <a:pPr marL="285750" lvl="0" indent="-285750">
+              <a:buFont typeface="Courier New" pitchFamily="49" charset="0"/>
+              <a:buChar char="o"/>
+            </a:pPr>
             <a:r>
-              <a:rPr lang="en-GB" sz="1600" b="1" dirty="0">
-                <a:solidFill>
-                  <a:schemeClr val="tx1">
-                    <a:lumMod val="95000"/>
-                  </a:schemeClr>
-                </a:solidFill>
+              <a:rPr lang="en-GB" sz="1800" u="sng" dirty="0" smtClean="0">
                 <a:latin typeface="MV Boli" pitchFamily="2" charset="0"/>
                 <a:cs typeface="MV Boli" pitchFamily="2" charset="0"/>
               </a:rPr>
-              <a:t>Programmer</a:t>
+              <a:t>Voodoo-Power Mechanics</a:t>
             </a:r>
             <a:r>
-              <a:rPr lang="en-GB" sz="1600" dirty="0">
-                <a:solidFill>
-                  <a:schemeClr val="tx1">
-                    <a:lumMod val="95000"/>
-                  </a:schemeClr>
-                </a:solidFill>
+              <a:rPr lang="en-GB" sz="1800" dirty="0" smtClean="0">
                 <a:latin typeface="MV Boli" pitchFamily="2" charset="0"/>
                 <a:cs typeface="MV Boli" pitchFamily="2" charset="0"/>
               </a:rPr>
-              <a:t>:	Artjom Schmittke</a:t>
+              <a:t>:</a:t>
             </a:r>
-            <a:endParaRPr lang="de-DE" sz="1600" dirty="0">
-              <a:solidFill>
-                <a:schemeClr val="tx1">
-                  <a:lumMod val="95000"/>
-                </a:schemeClr>
-              </a:solidFill>
+          </a:p>
+          <a:p>
+            <a:pPr marL="342900" lvl="0" indent="-342900">
+              <a:buFont typeface="+mj-lt"/>
+              <a:buAutoNum type="arabicPeriod"/>
+            </a:pPr>
+            <a:r>
+              <a:rPr lang="en-GB" sz="1800" dirty="0" smtClean="0">
+                <a:latin typeface="MV Boli" pitchFamily="2" charset="0"/>
+                <a:cs typeface="MV Boli" pitchFamily="2" charset="0"/>
+              </a:rPr>
+              <a:t>Clairvoyance </a:t>
+            </a:r>
+          </a:p>
+          <a:p>
+            <a:pPr marL="342900" lvl="0" indent="-342900">
+              <a:buFont typeface="+mj-lt"/>
+              <a:buAutoNum type="arabicPeriod"/>
+            </a:pPr>
+            <a:r>
+              <a:rPr lang="en-GB" sz="1800" dirty="0" smtClean="0">
+                <a:latin typeface="MV Boli" pitchFamily="2" charset="0"/>
+                <a:cs typeface="MV Boli" pitchFamily="2" charset="0"/>
+              </a:rPr>
+              <a:t>Possession “Mini-Game” (</a:t>
+            </a:r>
+            <a:r>
+              <a:rPr lang="en-GB" sz="1800" dirty="0">
+                <a:latin typeface="MV Boli" pitchFamily="2" charset="0"/>
+                <a:cs typeface="MV Boli" pitchFamily="2" charset="0"/>
+              </a:rPr>
+              <a:t>Open doors with possessed </a:t>
+            </a:r>
+            <a:r>
+              <a:rPr lang="en-GB" sz="1800" dirty="0" smtClean="0">
+                <a:latin typeface="MV Boli" pitchFamily="2" charset="0"/>
+                <a:cs typeface="MV Boli" pitchFamily="2" charset="0"/>
+              </a:rPr>
+              <a:t>guard)</a:t>
+            </a:r>
+          </a:p>
+          <a:p>
+            <a:pPr lvl="0"/>
+            <a:endParaRPr lang="de-DE" sz="1800" dirty="0">
               <a:latin typeface="MV Boli" pitchFamily="2" charset="0"/>
               <a:cs typeface="MV Boli" pitchFamily="2" charset="0"/>
             </a:endParaRPr>
           </a:p>
           <a:p>
-            <a:pPr lvl="0"/>
+            <a:pPr marL="285750" lvl="0" indent="-285750">
+              <a:buFont typeface="Courier New" pitchFamily="49" charset="0"/>
+              <a:buChar char="o"/>
+            </a:pPr>
             <a:r>
-              <a:rPr lang="en-GB" sz="1600" b="1" dirty="0">
-                <a:solidFill>
-                  <a:schemeClr val="tx1">
-                    <a:lumMod val="95000"/>
-                  </a:schemeClr>
-                </a:solidFill>
+              <a:rPr lang="en-GB" sz="1800" u="sng" dirty="0">
                 <a:latin typeface="MV Boli" pitchFamily="2" charset="0"/>
                 <a:cs typeface="MV Boli" pitchFamily="2" charset="0"/>
               </a:rPr>
-              <a:t>Design</a:t>
+              <a:t>Hiding</a:t>
             </a:r>
             <a:r>
-              <a:rPr lang="en-GB" sz="1600" dirty="0">
-                <a:solidFill>
-                  <a:schemeClr val="tx1">
-                    <a:lumMod val="95000"/>
-                  </a:schemeClr>
-                </a:solidFill>
+              <a:rPr lang="en-GB" sz="1800" dirty="0">
                 <a:latin typeface="MV Boli" pitchFamily="2" charset="0"/>
                 <a:cs typeface="MV Boli" pitchFamily="2" charset="0"/>
               </a:rPr>
-              <a:t>:		</a:t>
+              <a:t> from Guard</a:t>
             </a:r>
-            <a:r>
-              <a:rPr lang="en-GB" sz="1600" dirty="0" smtClean="0">
-                <a:solidFill>
-                  <a:schemeClr val="tx1">
-                    <a:lumMod val="95000"/>
-                  </a:schemeClr>
-                </a:solidFill>
-                <a:latin typeface="MV Boli" pitchFamily="2" charset="0"/>
-                <a:cs typeface="MV Boli" pitchFamily="2" charset="0"/>
-              </a:rPr>
-              <a:t>Tobias Schuster</a:t>
-            </a:r>
-          </a:p>
-          <a:p>
-            <a:pPr lvl="0"/>
-            <a:endParaRPr lang="en-GB" sz="1600" dirty="0" smtClean="0">
-              <a:solidFill>
-                <a:schemeClr val="tx1">
-                  <a:lumMod val="95000"/>
-                </a:schemeClr>
-              </a:solidFill>
-              <a:latin typeface="MV Boli" pitchFamily="2" charset="0"/>
-              <a:cs typeface="MV Boli" pitchFamily="2" charset="0"/>
-            </a:endParaRPr>
-          </a:p>
-          <a:p>
-            <a:pPr lvl="0"/>
-            <a:r>
-              <a:rPr lang="en-GB" sz="1600" b="1" dirty="0" smtClean="0">
-                <a:solidFill>
-                  <a:schemeClr val="tx1">
-                    <a:lumMod val="95000"/>
-                  </a:schemeClr>
-                </a:solidFill>
-                <a:latin typeface="MV Boli" pitchFamily="2" charset="0"/>
-                <a:cs typeface="MV Boli" pitchFamily="2" charset="0"/>
-              </a:rPr>
-              <a:t>							Art:</a:t>
-            </a:r>
-            <a:r>
-              <a:rPr lang="en-GB" sz="1600" dirty="0" smtClean="0">
-                <a:solidFill>
-                  <a:schemeClr val="tx1">
-                    <a:lumMod val="95000"/>
-                  </a:schemeClr>
-                </a:solidFill>
-                <a:latin typeface="MV Boli" pitchFamily="2" charset="0"/>
-                <a:cs typeface="MV Boli" pitchFamily="2" charset="0"/>
-              </a:rPr>
-              <a:t>		Michelle Mohn</a:t>
-            </a:r>
-          </a:p>
-          <a:p>
-            <a:pPr lvl="0"/>
-            <a:r>
-              <a:rPr lang="en-GB" sz="1600" dirty="0" smtClean="0">
-                <a:solidFill>
-                  <a:schemeClr val="tx1">
-                    <a:lumMod val="95000"/>
-                  </a:schemeClr>
-                </a:solidFill>
-                <a:latin typeface="MV Boli" pitchFamily="2" charset="0"/>
-                <a:cs typeface="MV Boli" pitchFamily="2" charset="0"/>
-              </a:rPr>
-              <a:t>									Jesse Haines</a:t>
-            </a:r>
-          </a:p>
-          <a:p>
-            <a:pPr lvl="0"/>
-            <a:r>
-              <a:rPr lang="en-GB" sz="1600" dirty="0" smtClean="0">
-                <a:solidFill>
-                  <a:schemeClr val="tx1">
-                    <a:lumMod val="95000"/>
-                  </a:schemeClr>
-                </a:solidFill>
-                <a:latin typeface="MV Boli" pitchFamily="2" charset="0"/>
-                <a:cs typeface="MV Boli" pitchFamily="2" charset="0"/>
-              </a:rPr>
-              <a:t>									Marlou Nolting</a:t>
-            </a:r>
-          </a:p>
-          <a:p>
-            <a:pPr lvl="0"/>
-            <a:r>
-              <a:rPr lang="en-GB" sz="1600" dirty="0" smtClean="0">
-                <a:solidFill>
-                  <a:schemeClr val="tx1">
-                    <a:lumMod val="95000"/>
-                  </a:schemeClr>
-                </a:solidFill>
-                <a:latin typeface="MV Boli" pitchFamily="2" charset="0"/>
-                <a:cs typeface="MV Boli" pitchFamily="2" charset="0"/>
-              </a:rPr>
-              <a:t>									Levin Lang</a:t>
-            </a:r>
-            <a:endParaRPr lang="de-DE" sz="1600" dirty="0" smtClean="0">
-              <a:solidFill>
-                <a:schemeClr val="tx1">
-                  <a:lumMod val="95000"/>
-                </a:schemeClr>
-              </a:solidFill>
-              <a:latin typeface="MV Boli" pitchFamily="2" charset="0"/>
-              <a:cs typeface="MV Boli" pitchFamily="2" charset="0"/>
-            </a:endParaRPr>
-          </a:p>
-          <a:p>
-            <a:endParaRPr lang="de-DE" sz="1600" dirty="0">
+            <a:endParaRPr lang="de-DE" sz="1800" dirty="0">
               <a:latin typeface="MV Boli" pitchFamily="2" charset="0"/>
               <a:cs typeface="MV Boli" pitchFamily="2" charset="0"/>
             </a:endParaRPr>
@@ -11778,10 +15002,359 @@
   <p:clrMapOvr>
     <a:masterClrMapping/>
   </p:clrMapOvr>
+  <p:timing>
+    <p:tnLst>
+      <p:par>
+        <p:cTn id="1" dur="indefinite" restart="never" nodeType="tmRoot">
+          <p:childTnLst>
+            <p:seq concurrent="1" nextAc="seek">
+              <p:cTn id="2" dur="indefinite" nodeType="mainSeq">
+                <p:childTnLst>
+                  <p:par>
+                    <p:cTn id="3" fill="hold">
+                      <p:stCondLst>
+                        <p:cond delay="indefinite"/>
+                        <p:cond evt="onBegin" delay="0">
+                          <p:tn val="2"/>
+                        </p:cond>
+                      </p:stCondLst>
+                      <p:childTnLst>
+                        <p:par>
+                          <p:cTn id="4" fill="hold">
+                            <p:stCondLst>
+                              <p:cond delay="0"/>
+                            </p:stCondLst>
+                            <p:childTnLst>
+                              <p:par>
+                                <p:cTn id="5" presetID="6" presetClass="entr" presetSubtype="32" fill="hold" grpId="0" nodeType="withEffect">
+                                  <p:stCondLst>
+                                    <p:cond delay="0"/>
+                                  </p:stCondLst>
+                                  <p:childTnLst>
+                                    <p:set>
+                                      <p:cBhvr>
+                                        <p:cTn id="6" dur="1" fill="hold">
+                                          <p:stCondLst>
+                                            <p:cond delay="0"/>
+                                          </p:stCondLst>
+                                        </p:cTn>
+                                        <p:tgtEl>
+                                          <p:spTgt spid="2"/>
+                                        </p:tgtEl>
+                                        <p:attrNameLst>
+                                          <p:attrName>style.visibility</p:attrName>
+                                        </p:attrNameLst>
+                                      </p:cBhvr>
+                                      <p:to>
+                                        <p:strVal val="visible"/>
+                                      </p:to>
+                                    </p:set>
+                                    <p:animEffect transition="in" filter="circle(out)">
+                                      <p:cBhvr>
+                                        <p:cTn id="7" dur="2000"/>
+                                        <p:tgtEl>
+                                          <p:spTgt spid="2"/>
+                                        </p:tgtEl>
+                                      </p:cBhvr>
+                                    </p:animEffect>
+                                  </p:childTnLst>
+                                </p:cTn>
+                              </p:par>
+                            </p:childTnLst>
+                          </p:cTn>
+                        </p:par>
+                        <p:par>
+                          <p:cTn id="8" fill="hold">
+                            <p:stCondLst>
+                              <p:cond delay="2000"/>
+                            </p:stCondLst>
+                            <p:childTnLst>
+                              <p:par>
+                                <p:cTn id="9" presetID="22" presetClass="entr" presetSubtype="8" fill="hold" nodeType="afterEffect">
+                                  <p:stCondLst>
+                                    <p:cond delay="500"/>
+                                  </p:stCondLst>
+                                  <p:childTnLst>
+                                    <p:set>
+                                      <p:cBhvr>
+                                        <p:cTn id="10" dur="1" fill="hold">
+                                          <p:stCondLst>
+                                            <p:cond delay="0"/>
+                                          </p:stCondLst>
+                                        </p:cTn>
+                                        <p:tgtEl>
+                                          <p:spTgt spid="3">
+                                            <p:txEl>
+                                              <p:pRg st="0" end="0"/>
+                                            </p:txEl>
+                                          </p:spTgt>
+                                        </p:tgtEl>
+                                        <p:attrNameLst>
+                                          <p:attrName>style.visibility</p:attrName>
+                                        </p:attrNameLst>
+                                      </p:cBhvr>
+                                      <p:to>
+                                        <p:strVal val="visible"/>
+                                      </p:to>
+                                    </p:set>
+                                    <p:animEffect transition="in" filter="wipe(left)">
+                                      <p:cBhvr>
+                                        <p:cTn id="11" dur="500"/>
+                                        <p:tgtEl>
+                                          <p:spTgt spid="3">
+                                            <p:txEl>
+                                              <p:pRg st="0" end="0"/>
+                                            </p:txEl>
+                                          </p:spTgt>
+                                        </p:tgtEl>
+                                      </p:cBhvr>
+                                    </p:animEffect>
+                                  </p:childTnLst>
+                                </p:cTn>
+                              </p:par>
+                            </p:childTnLst>
+                          </p:cTn>
+                        </p:par>
+                        <p:par>
+                          <p:cTn id="12" fill="hold">
+                            <p:stCondLst>
+                              <p:cond delay="3000"/>
+                            </p:stCondLst>
+                            <p:childTnLst>
+                              <p:par>
+                                <p:cTn id="13" presetID="22" presetClass="entr" presetSubtype="8" fill="hold" nodeType="afterEffect">
+                                  <p:stCondLst>
+                                    <p:cond delay="0"/>
+                                  </p:stCondLst>
+                                  <p:childTnLst>
+                                    <p:set>
+                                      <p:cBhvr>
+                                        <p:cTn id="14" dur="1" fill="hold">
+                                          <p:stCondLst>
+                                            <p:cond delay="0"/>
+                                          </p:stCondLst>
+                                        </p:cTn>
+                                        <p:tgtEl>
+                                          <p:spTgt spid="3">
+                                            <p:txEl>
+                                              <p:pRg st="2" end="2"/>
+                                            </p:txEl>
+                                          </p:spTgt>
+                                        </p:tgtEl>
+                                        <p:attrNameLst>
+                                          <p:attrName>style.visibility</p:attrName>
+                                        </p:attrNameLst>
+                                      </p:cBhvr>
+                                      <p:to>
+                                        <p:strVal val="visible"/>
+                                      </p:to>
+                                    </p:set>
+                                    <p:animEffect transition="in" filter="wipe(left)">
+                                      <p:cBhvr>
+                                        <p:cTn id="15" dur="500"/>
+                                        <p:tgtEl>
+                                          <p:spTgt spid="3">
+                                            <p:txEl>
+                                              <p:pRg st="2" end="2"/>
+                                            </p:txEl>
+                                          </p:spTgt>
+                                        </p:tgtEl>
+                                      </p:cBhvr>
+                                    </p:animEffect>
+                                  </p:childTnLst>
+                                </p:cTn>
+                              </p:par>
+                            </p:childTnLst>
+                          </p:cTn>
+                        </p:par>
+                        <p:par>
+                          <p:cTn id="16" fill="hold">
+                            <p:stCondLst>
+                              <p:cond delay="3500"/>
+                            </p:stCondLst>
+                            <p:childTnLst>
+                              <p:par>
+                                <p:cTn id="17" presetID="22" presetClass="entr" presetSubtype="8" fill="hold" nodeType="afterEffect">
+                                  <p:stCondLst>
+                                    <p:cond delay="500"/>
+                                  </p:stCondLst>
+                                  <p:childTnLst>
+                                    <p:set>
+                                      <p:cBhvr>
+                                        <p:cTn id="18" dur="1" fill="hold">
+                                          <p:stCondLst>
+                                            <p:cond delay="0"/>
+                                          </p:stCondLst>
+                                        </p:cTn>
+                                        <p:tgtEl>
+                                          <p:spTgt spid="3">
+                                            <p:txEl>
+                                              <p:pRg st="3" end="3"/>
+                                            </p:txEl>
+                                          </p:spTgt>
+                                        </p:tgtEl>
+                                        <p:attrNameLst>
+                                          <p:attrName>style.visibility</p:attrName>
+                                        </p:attrNameLst>
+                                      </p:cBhvr>
+                                      <p:to>
+                                        <p:strVal val="visible"/>
+                                      </p:to>
+                                    </p:set>
+                                    <p:animEffect transition="in" filter="wipe(left)">
+                                      <p:cBhvr>
+                                        <p:cTn id="19" dur="500"/>
+                                        <p:tgtEl>
+                                          <p:spTgt spid="3">
+                                            <p:txEl>
+                                              <p:pRg st="3" end="3"/>
+                                            </p:txEl>
+                                          </p:spTgt>
+                                        </p:tgtEl>
+                                      </p:cBhvr>
+                                    </p:animEffect>
+                                  </p:childTnLst>
+                                </p:cTn>
+                              </p:par>
+                            </p:childTnLst>
+                          </p:cTn>
+                        </p:par>
+                        <p:par>
+                          <p:cTn id="20" fill="hold">
+                            <p:stCondLst>
+                              <p:cond delay="4500"/>
+                            </p:stCondLst>
+                            <p:childTnLst>
+                              <p:par>
+                                <p:cTn id="21" presetID="22" presetClass="entr" presetSubtype="8" fill="hold" nodeType="afterEffect">
+                                  <p:stCondLst>
+                                    <p:cond delay="500"/>
+                                  </p:stCondLst>
+                                  <p:childTnLst>
+                                    <p:set>
+                                      <p:cBhvr>
+                                        <p:cTn id="22" dur="1" fill="hold">
+                                          <p:stCondLst>
+                                            <p:cond delay="0"/>
+                                          </p:stCondLst>
+                                        </p:cTn>
+                                        <p:tgtEl>
+                                          <p:spTgt spid="3">
+                                            <p:txEl>
+                                              <p:pRg st="4" end="4"/>
+                                            </p:txEl>
+                                          </p:spTgt>
+                                        </p:tgtEl>
+                                        <p:attrNameLst>
+                                          <p:attrName>style.visibility</p:attrName>
+                                        </p:attrNameLst>
+                                      </p:cBhvr>
+                                      <p:to>
+                                        <p:strVal val="visible"/>
+                                      </p:to>
+                                    </p:set>
+                                    <p:animEffect transition="in" filter="wipe(left)">
+                                      <p:cBhvr>
+                                        <p:cTn id="23" dur="500"/>
+                                        <p:tgtEl>
+                                          <p:spTgt spid="3">
+                                            <p:txEl>
+                                              <p:pRg st="4" end="4"/>
+                                            </p:txEl>
+                                          </p:spTgt>
+                                        </p:tgtEl>
+                                      </p:cBhvr>
+                                    </p:animEffect>
+                                  </p:childTnLst>
+                                </p:cTn>
+                              </p:par>
+                            </p:childTnLst>
+                          </p:cTn>
+                        </p:par>
+                        <p:par>
+                          <p:cTn id="24" fill="hold">
+                            <p:stCondLst>
+                              <p:cond delay="5500"/>
+                            </p:stCondLst>
+                            <p:childTnLst>
+                              <p:par>
+                                <p:cTn id="25" presetID="22" presetClass="entr" presetSubtype="8" fill="hold" nodeType="afterEffect">
+                                  <p:stCondLst>
+                                    <p:cond delay="500"/>
+                                  </p:stCondLst>
+                                  <p:childTnLst>
+                                    <p:set>
+                                      <p:cBhvr>
+                                        <p:cTn id="26" dur="1" fill="hold">
+                                          <p:stCondLst>
+                                            <p:cond delay="0"/>
+                                          </p:stCondLst>
+                                        </p:cTn>
+                                        <p:tgtEl>
+                                          <p:spTgt spid="3">
+                                            <p:txEl>
+                                              <p:pRg st="6" end="6"/>
+                                            </p:txEl>
+                                          </p:spTgt>
+                                        </p:tgtEl>
+                                        <p:attrNameLst>
+                                          <p:attrName>style.visibility</p:attrName>
+                                        </p:attrNameLst>
+                                      </p:cBhvr>
+                                      <p:to>
+                                        <p:strVal val="visible"/>
+                                      </p:to>
+                                    </p:set>
+                                    <p:animEffect transition="in" filter="wipe(left)">
+                                      <p:cBhvr>
+                                        <p:cTn id="27" dur="500"/>
+                                        <p:tgtEl>
+                                          <p:spTgt spid="3">
+                                            <p:txEl>
+                                              <p:pRg st="6" end="6"/>
+                                            </p:txEl>
+                                          </p:spTgt>
+                                        </p:tgtEl>
+                                      </p:cBhvr>
+                                    </p:animEffect>
+                                  </p:childTnLst>
+                                </p:cTn>
+                              </p:par>
+                            </p:childTnLst>
+                          </p:cTn>
+                        </p:par>
+                      </p:childTnLst>
+                    </p:cTn>
+                  </p:par>
+                </p:childTnLst>
+              </p:cTn>
+              <p:prevCondLst>
+                <p:cond evt="onPrev" delay="0">
+                  <p:tgtEl>
+                    <p:sldTgt/>
+                  </p:tgtEl>
+                </p:cond>
+              </p:prevCondLst>
+              <p:nextCondLst>
+                <p:cond evt="onNext" delay="0">
+                  <p:tgtEl>
+                    <p:sldTgt/>
+                  </p:tgtEl>
+                </p:cond>
+              </p:nextCondLst>
+            </p:seq>
+          </p:childTnLst>
+        </p:cTn>
+      </p:par>
+    </p:tnLst>
+    <p:bldLst>
+      <p:bldP spid="2" grpId="0"/>
+    </p:bldLst>
+  </p:timing>
 </p:sld>
 </file>
 
-<file path=ppt/slides/slide5.xml><?xml version="1.0" encoding="utf-8"?>
+<file path=ppt/slides/slide7.xml><?xml version="1.0" encoding="utf-8"?>
 <p:sld xmlns:a="http://schemas.openxmlformats.org/drawingml/2006/main" xmlns:r="http://schemas.openxmlformats.org/officeDocument/2006/relationships" xmlns:p="http://schemas.openxmlformats.org/presentationml/2006/main">
   <p:cSld>
     <p:spTree>
@@ -11798,355 +15371,6 @@
           <a:chExt cx="0" cy="0"/>
         </a:xfrm>
       </p:grpSpPr>
-      <p:sp>
-        <p:nvSpPr>
-          <p:cNvPr id="2" name="Titel 1"/>
-          <p:cNvSpPr>
-            <a:spLocks noGrp="1"/>
-          </p:cNvSpPr>
-          <p:nvPr>
-            <p:ph type="ctrTitle"/>
-          </p:nvPr>
-        </p:nvSpPr>
-        <p:spPr>
-          <a:xfrm>
-            <a:off x="685800" y="249493"/>
-            <a:ext cx="7772400" cy="648071"/>
-          </a:xfrm>
-        </p:spPr>
-        <p:txBody>
-          <a:bodyPr>
-            <a:normAutofit fontScale="90000"/>
-          </a:bodyPr>
-          <a:lstStyle/>
-          <a:p>
-            <a:pPr algn="ctr"/>
-            <a:r>
-              <a:rPr lang="de-DE" dirty="0" smtClean="0">
-                <a:latin typeface="MV Boli" pitchFamily="2" charset="0"/>
-                <a:cs typeface="MV Boli" pitchFamily="2" charset="0"/>
-              </a:rPr>
-              <a:t>Team</a:t>
-            </a:r>
-            <a:endParaRPr lang="de-DE" dirty="0">
-              <a:latin typeface="MV Boli" pitchFamily="2" charset="0"/>
-              <a:cs typeface="MV Boli" pitchFamily="2" charset="0"/>
-            </a:endParaRPr>
-          </a:p>
-        </p:txBody>
-      </p:sp>
-      <p:sp>
-        <p:nvSpPr>
-          <p:cNvPr id="3" name="Untertitel 2"/>
-          <p:cNvSpPr>
-            <a:spLocks noGrp="1"/>
-          </p:cNvSpPr>
-          <p:nvPr>
-            <p:ph type="subTitle" idx="1"/>
-          </p:nvPr>
-        </p:nvSpPr>
-        <p:spPr>
-          <a:xfrm>
-            <a:off x="1547664" y="1203598"/>
-            <a:ext cx="5904656" cy="3168352"/>
-          </a:xfrm>
-        </p:spPr>
-        <p:txBody>
-          <a:bodyPr>
-            <a:normAutofit/>
-          </a:bodyPr>
-          <a:lstStyle/>
-          <a:p>
-            <a:pPr lvl="0"/>
-            <a:r>
-              <a:rPr lang="en-GB" sz="1600" b="1" dirty="0">
-                <a:solidFill>
-                  <a:schemeClr val="tx1">
-                    <a:lumMod val="95000"/>
-                  </a:schemeClr>
-                </a:solidFill>
-                <a:latin typeface="MV Boli" pitchFamily="2" charset="0"/>
-                <a:cs typeface="MV Boli" pitchFamily="2" charset="0"/>
-              </a:rPr>
-              <a:t>Producer</a:t>
-            </a:r>
-            <a:r>
-              <a:rPr lang="en-GB" sz="1600" dirty="0">
-                <a:solidFill>
-                  <a:schemeClr val="tx1">
-                    <a:lumMod val="95000"/>
-                  </a:schemeClr>
-                </a:solidFill>
-                <a:latin typeface="MV Boli" pitchFamily="2" charset="0"/>
-                <a:cs typeface="MV Boli" pitchFamily="2" charset="0"/>
-              </a:rPr>
-              <a:t>:	</a:t>
-            </a:r>
-            <a:r>
-              <a:rPr lang="en-GB" sz="1600" dirty="0" smtClean="0">
-                <a:solidFill>
-                  <a:schemeClr val="tx1">
-                    <a:lumMod val="95000"/>
-                  </a:schemeClr>
-                </a:solidFill>
-                <a:latin typeface="MV Boli" pitchFamily="2" charset="0"/>
-                <a:cs typeface="MV Boli" pitchFamily="2" charset="0"/>
-              </a:rPr>
-              <a:t>	Sonja Köck</a:t>
-            </a:r>
-            <a:endParaRPr lang="de-DE" sz="1600" dirty="0">
-              <a:solidFill>
-                <a:schemeClr val="tx1">
-                  <a:lumMod val="95000"/>
-                </a:schemeClr>
-              </a:solidFill>
-              <a:latin typeface="MV Boli" pitchFamily="2" charset="0"/>
-              <a:cs typeface="MV Boli" pitchFamily="2" charset="0"/>
-            </a:endParaRPr>
-          </a:p>
-          <a:p>
-            <a:pPr lvl="0"/>
-            <a:r>
-              <a:rPr lang="en-GB" sz="1600" b="1" dirty="0">
-                <a:solidFill>
-                  <a:schemeClr val="tx1">
-                    <a:lumMod val="95000"/>
-                  </a:schemeClr>
-                </a:solidFill>
-                <a:latin typeface="MV Boli" pitchFamily="2" charset="0"/>
-                <a:cs typeface="MV Boli" pitchFamily="2" charset="0"/>
-              </a:rPr>
-              <a:t>Programmer</a:t>
-            </a:r>
-            <a:r>
-              <a:rPr lang="en-GB" sz="1600" dirty="0">
-                <a:solidFill>
-                  <a:schemeClr val="tx1">
-                    <a:lumMod val="95000"/>
-                  </a:schemeClr>
-                </a:solidFill>
-                <a:latin typeface="MV Boli" pitchFamily="2" charset="0"/>
-                <a:cs typeface="MV Boli" pitchFamily="2" charset="0"/>
-              </a:rPr>
-              <a:t>:	Artjom Schmittke</a:t>
-            </a:r>
-            <a:endParaRPr lang="de-DE" sz="1600" dirty="0">
-              <a:solidFill>
-                <a:schemeClr val="tx1">
-                  <a:lumMod val="95000"/>
-                </a:schemeClr>
-              </a:solidFill>
-              <a:latin typeface="MV Boli" pitchFamily="2" charset="0"/>
-              <a:cs typeface="MV Boli" pitchFamily="2" charset="0"/>
-            </a:endParaRPr>
-          </a:p>
-          <a:p>
-            <a:pPr lvl="0"/>
-            <a:r>
-              <a:rPr lang="en-GB" sz="1600" b="1" dirty="0">
-                <a:solidFill>
-                  <a:schemeClr val="tx1">
-                    <a:lumMod val="95000"/>
-                  </a:schemeClr>
-                </a:solidFill>
-                <a:latin typeface="MV Boli" pitchFamily="2" charset="0"/>
-                <a:cs typeface="MV Boli" pitchFamily="2" charset="0"/>
-              </a:rPr>
-              <a:t>Design</a:t>
-            </a:r>
-            <a:r>
-              <a:rPr lang="en-GB" sz="1600" dirty="0">
-                <a:solidFill>
-                  <a:schemeClr val="tx1">
-                    <a:lumMod val="95000"/>
-                  </a:schemeClr>
-                </a:solidFill>
-                <a:latin typeface="MV Boli" pitchFamily="2" charset="0"/>
-                <a:cs typeface="MV Boli" pitchFamily="2" charset="0"/>
-              </a:rPr>
-              <a:t>:		</a:t>
-            </a:r>
-            <a:r>
-              <a:rPr lang="en-GB" sz="1600" dirty="0" smtClean="0">
-                <a:solidFill>
-                  <a:schemeClr val="tx1">
-                    <a:lumMod val="95000"/>
-                  </a:schemeClr>
-                </a:solidFill>
-                <a:latin typeface="MV Boli" pitchFamily="2" charset="0"/>
-                <a:cs typeface="MV Boli" pitchFamily="2" charset="0"/>
-              </a:rPr>
-              <a:t>Tobias Schuster</a:t>
-            </a:r>
-          </a:p>
-          <a:p>
-            <a:pPr lvl="0"/>
-            <a:endParaRPr lang="en-GB" sz="1600" dirty="0" smtClean="0">
-              <a:solidFill>
-                <a:schemeClr val="tx1">
-                  <a:lumMod val="95000"/>
-                </a:schemeClr>
-              </a:solidFill>
-              <a:latin typeface="MV Boli" pitchFamily="2" charset="0"/>
-              <a:cs typeface="MV Boli" pitchFamily="2" charset="0"/>
-            </a:endParaRPr>
-          </a:p>
-          <a:p>
-            <a:pPr lvl="0"/>
-            <a:r>
-              <a:rPr lang="en-GB" sz="1600" b="1" dirty="0" smtClean="0">
-                <a:solidFill>
-                  <a:schemeClr val="tx1">
-                    <a:lumMod val="95000"/>
-                  </a:schemeClr>
-                </a:solidFill>
-                <a:latin typeface="MV Boli" pitchFamily="2" charset="0"/>
-                <a:cs typeface="MV Boli" pitchFamily="2" charset="0"/>
-              </a:rPr>
-              <a:t>							Art:</a:t>
-            </a:r>
-            <a:r>
-              <a:rPr lang="en-GB" sz="1600" dirty="0" smtClean="0">
-                <a:solidFill>
-                  <a:schemeClr val="tx1">
-                    <a:lumMod val="95000"/>
-                  </a:schemeClr>
-                </a:solidFill>
-                <a:latin typeface="MV Boli" pitchFamily="2" charset="0"/>
-                <a:cs typeface="MV Boli" pitchFamily="2" charset="0"/>
-              </a:rPr>
-              <a:t>		Michelle Mohn</a:t>
-            </a:r>
-          </a:p>
-          <a:p>
-            <a:pPr lvl="0"/>
-            <a:r>
-              <a:rPr lang="en-GB" sz="1600" dirty="0" smtClean="0">
-                <a:solidFill>
-                  <a:schemeClr val="tx1">
-                    <a:lumMod val="95000"/>
-                  </a:schemeClr>
-                </a:solidFill>
-                <a:latin typeface="MV Boli" pitchFamily="2" charset="0"/>
-                <a:cs typeface="MV Boli" pitchFamily="2" charset="0"/>
-              </a:rPr>
-              <a:t>									Jesse Haines</a:t>
-            </a:r>
-          </a:p>
-          <a:p>
-            <a:pPr lvl="0"/>
-            <a:r>
-              <a:rPr lang="en-GB" sz="1600" dirty="0" smtClean="0">
-                <a:solidFill>
-                  <a:schemeClr val="tx1">
-                    <a:lumMod val="95000"/>
-                  </a:schemeClr>
-                </a:solidFill>
-                <a:latin typeface="MV Boli" pitchFamily="2" charset="0"/>
-                <a:cs typeface="MV Boli" pitchFamily="2" charset="0"/>
-              </a:rPr>
-              <a:t>									Marlou Nolting</a:t>
-            </a:r>
-          </a:p>
-          <a:p>
-            <a:pPr lvl="0"/>
-            <a:r>
-              <a:rPr lang="en-GB" sz="1600" dirty="0" smtClean="0">
-                <a:solidFill>
-                  <a:schemeClr val="tx1">
-                    <a:lumMod val="95000"/>
-                  </a:schemeClr>
-                </a:solidFill>
-                <a:latin typeface="MV Boli" pitchFamily="2" charset="0"/>
-                <a:cs typeface="MV Boli" pitchFamily="2" charset="0"/>
-              </a:rPr>
-              <a:t>									Levin Lang</a:t>
-            </a:r>
-            <a:endParaRPr lang="de-DE" sz="1600" dirty="0" smtClean="0">
-              <a:solidFill>
-                <a:schemeClr val="tx1">
-                  <a:lumMod val="95000"/>
-                </a:schemeClr>
-              </a:solidFill>
-              <a:latin typeface="MV Boli" pitchFamily="2" charset="0"/>
-              <a:cs typeface="MV Boli" pitchFamily="2" charset="0"/>
-            </a:endParaRPr>
-          </a:p>
-          <a:p>
-            <a:endParaRPr lang="de-DE" sz="1600" dirty="0">
-              <a:latin typeface="MV Boli" pitchFamily="2" charset="0"/>
-              <a:cs typeface="MV Boli" pitchFamily="2" charset="0"/>
-            </a:endParaRPr>
-          </a:p>
-        </p:txBody>
-      </p:sp>
-    </p:spTree>
-    <p:extLst>
-      <p:ext uri="{BB962C8B-B14F-4D97-AF65-F5344CB8AC3E}">
-        <p14:creationId xmlns:p14="http://schemas.microsoft.com/office/powerpoint/2010/main" val="3558449198"/>
-      </p:ext>
-    </p:extLst>
-  </p:cSld>
-  <p:clrMapOvr>
-    <a:masterClrMapping/>
-  </p:clrMapOvr>
-</p:sld>
-</file>
-
-<file path=ppt/slides/slide6.xml><?xml version="1.0" encoding="utf-8"?>
-<p:sld xmlns:a="http://schemas.openxmlformats.org/drawingml/2006/main" xmlns:r="http://schemas.openxmlformats.org/officeDocument/2006/relationships" xmlns:p="http://schemas.openxmlformats.org/presentationml/2006/main">
-  <p:cSld>
-    <p:spTree>
-      <p:nvGrpSpPr>
-        <p:cNvPr id="1" name=""/>
-        <p:cNvGrpSpPr/>
-        <p:nvPr/>
-      </p:nvGrpSpPr>
-      <p:grpSpPr>
-        <a:xfrm>
-          <a:off x="0" y="0"/>
-          <a:ext cx="0" cy="0"/>
-          <a:chOff x="0" y="0"/>
-          <a:chExt cx="0" cy="0"/>
-        </a:xfrm>
-      </p:grpSpPr>
-      <p:sp>
-        <p:nvSpPr>
-          <p:cNvPr id="2" name="Titel 1"/>
-          <p:cNvSpPr>
-            <a:spLocks noGrp="1"/>
-          </p:cNvSpPr>
-          <p:nvPr>
-            <p:ph type="ctrTitle"/>
-          </p:nvPr>
-        </p:nvSpPr>
-        <p:spPr>
-          <a:xfrm>
-            <a:off x="685800" y="303499"/>
-            <a:ext cx="7772400" cy="756083"/>
-          </a:xfrm>
-        </p:spPr>
-        <p:txBody>
-          <a:bodyPr>
-            <a:normAutofit/>
-          </a:bodyPr>
-          <a:lstStyle/>
-          <a:p>
-            <a:pPr algn="ctr"/>
-            <a:r>
-              <a:rPr lang="de-DE" dirty="0" smtClean="0">
-                <a:latin typeface="MV Boli" pitchFamily="2" charset="0"/>
-                <a:cs typeface="MV Boli" pitchFamily="2" charset="0"/>
-              </a:rPr>
-              <a:t>Concepts</a:t>
-            </a:r>
-            <a:endParaRPr lang="de-DE" dirty="0">
-              <a:latin typeface="MV Boli" pitchFamily="2" charset="0"/>
-              <a:cs typeface="MV Boli" pitchFamily="2" charset="0"/>
-            </a:endParaRPr>
-          </a:p>
-        </p:txBody>
-      </p:sp>
       <p:pic>
         <p:nvPicPr>
           <p:cNvPr id="4" name="Grafik 3"/>
@@ -12169,34 +15393,1039 @@
         </p:blipFill>
         <p:spPr>
           <a:xfrm>
-            <a:off x="-36512" y="483518"/>
-            <a:ext cx="4608512" cy="3072341"/>
+            <a:off x="138331" y="0"/>
+            <a:ext cx="8826157" cy="4948014"/>
           </a:xfrm>
-          <a:prstGeom prst="ellipse">
+          <a:prstGeom prst="rect">
             <a:avLst/>
           </a:prstGeom>
           <a:ln>
             <a:noFill/>
           </a:ln>
           <a:effectLst>
-            <a:softEdge rad="112500"/>
+            <a:softEdge rad="317500"/>
           </a:effectLst>
+        </p:spPr>
+      </p:pic>
+      <p:sp>
+        <p:nvSpPr>
+          <p:cNvPr id="2" name="Titel 1"/>
+          <p:cNvSpPr>
+            <a:spLocks noGrp="1"/>
+          </p:cNvSpPr>
+          <p:nvPr>
+            <p:ph type="ctrTitle"/>
+          </p:nvPr>
+        </p:nvSpPr>
+        <p:spPr>
+          <a:xfrm>
+            <a:off x="685800" y="249493"/>
+            <a:ext cx="7772400" cy="648071"/>
+          </a:xfrm>
+        </p:spPr>
+        <p:txBody>
+          <a:bodyPr>
+            <a:normAutofit fontScale="90000"/>
+          </a:bodyPr>
+          <a:lstStyle/>
+          <a:p>
+            <a:pPr algn="ctr"/>
+            <a:r>
+              <a:rPr lang="de-DE" dirty="0" smtClean="0">
+                <a:latin typeface="MV Boli" pitchFamily="2" charset="0"/>
+                <a:cs typeface="MV Boli" pitchFamily="2" charset="0"/>
+              </a:rPr>
+              <a:t>Team 13</a:t>
+            </a:r>
+            <a:endParaRPr lang="de-DE" dirty="0">
+              <a:latin typeface="MV Boli" pitchFamily="2" charset="0"/>
+              <a:cs typeface="MV Boli" pitchFamily="2" charset="0"/>
+            </a:endParaRPr>
+          </a:p>
+        </p:txBody>
+      </p:sp>
+      <p:sp>
+        <p:nvSpPr>
+          <p:cNvPr id="3" name="Untertitel 2"/>
+          <p:cNvSpPr>
+            <a:spLocks noGrp="1"/>
+          </p:cNvSpPr>
+          <p:nvPr>
+            <p:ph type="subTitle" idx="1"/>
+          </p:nvPr>
+        </p:nvSpPr>
+        <p:spPr>
+          <a:xfrm>
+            <a:off x="1547664" y="915566"/>
+            <a:ext cx="5904656" cy="3456384"/>
+          </a:xfrm>
+        </p:spPr>
+        <p:txBody>
+          <a:bodyPr>
+            <a:noAutofit/>
+          </a:bodyPr>
+          <a:lstStyle/>
+          <a:p>
+            <a:pPr lvl="0"/>
+            <a:r>
+              <a:rPr lang="en-GB" sz="1800" b="1" dirty="0">
+                <a:solidFill>
+                  <a:schemeClr val="tx1">
+                    <a:lumMod val="95000"/>
+                  </a:schemeClr>
+                </a:solidFill>
+                <a:latin typeface="MV Boli" pitchFamily="2" charset="0"/>
+                <a:cs typeface="MV Boli" pitchFamily="2" charset="0"/>
+              </a:rPr>
+              <a:t>Producer</a:t>
+            </a:r>
+            <a:r>
+              <a:rPr lang="en-GB" sz="1800" dirty="0">
+                <a:solidFill>
+                  <a:schemeClr val="tx1">
+                    <a:lumMod val="95000"/>
+                  </a:schemeClr>
+                </a:solidFill>
+                <a:latin typeface="MV Boli" pitchFamily="2" charset="0"/>
+                <a:cs typeface="MV Boli" pitchFamily="2" charset="0"/>
+              </a:rPr>
+              <a:t>:	</a:t>
+            </a:r>
+            <a:r>
+              <a:rPr lang="en-GB" sz="1800" dirty="0" smtClean="0">
+                <a:solidFill>
+                  <a:schemeClr val="tx1">
+                    <a:lumMod val="95000"/>
+                  </a:schemeClr>
+                </a:solidFill>
+                <a:latin typeface="MV Boli" pitchFamily="2" charset="0"/>
+                <a:cs typeface="MV Boli" pitchFamily="2" charset="0"/>
+              </a:rPr>
+              <a:t>	Sonja Köck</a:t>
+            </a:r>
+            <a:endParaRPr lang="de-DE" sz="1800" dirty="0">
+              <a:solidFill>
+                <a:schemeClr val="tx1">
+                  <a:lumMod val="95000"/>
+                </a:schemeClr>
+              </a:solidFill>
+              <a:latin typeface="MV Boli" pitchFamily="2" charset="0"/>
+              <a:cs typeface="MV Boli" pitchFamily="2" charset="0"/>
+            </a:endParaRPr>
+          </a:p>
+          <a:p>
+            <a:pPr lvl="0"/>
+            <a:r>
+              <a:rPr lang="en-GB" sz="1800" b="1" dirty="0">
+                <a:solidFill>
+                  <a:schemeClr val="tx1">
+                    <a:lumMod val="95000"/>
+                  </a:schemeClr>
+                </a:solidFill>
+                <a:latin typeface="MV Boli" pitchFamily="2" charset="0"/>
+                <a:cs typeface="MV Boli" pitchFamily="2" charset="0"/>
+              </a:rPr>
+              <a:t>Programmer</a:t>
+            </a:r>
+            <a:r>
+              <a:rPr lang="en-GB" sz="1800" dirty="0">
+                <a:solidFill>
+                  <a:schemeClr val="tx1">
+                    <a:lumMod val="95000"/>
+                  </a:schemeClr>
+                </a:solidFill>
+                <a:latin typeface="MV Boli" pitchFamily="2" charset="0"/>
+                <a:cs typeface="MV Boli" pitchFamily="2" charset="0"/>
+              </a:rPr>
+              <a:t>:	</a:t>
+            </a:r>
+            <a:r>
+              <a:rPr lang="en-GB" sz="1800" dirty="0" smtClean="0">
+                <a:solidFill>
+                  <a:schemeClr val="tx1">
+                    <a:lumMod val="95000"/>
+                  </a:schemeClr>
+                </a:solidFill>
+                <a:latin typeface="MV Boli" pitchFamily="2" charset="0"/>
+                <a:cs typeface="MV Boli" pitchFamily="2" charset="0"/>
+              </a:rPr>
+              <a:t>	Artjom Schmitke</a:t>
+            </a:r>
+            <a:endParaRPr lang="de-DE" sz="1800" dirty="0">
+              <a:solidFill>
+                <a:schemeClr val="tx1">
+                  <a:lumMod val="95000"/>
+                </a:schemeClr>
+              </a:solidFill>
+              <a:latin typeface="MV Boli" pitchFamily="2" charset="0"/>
+              <a:cs typeface="MV Boli" pitchFamily="2" charset="0"/>
+            </a:endParaRPr>
+          </a:p>
+          <a:p>
+            <a:pPr lvl="0"/>
+            <a:r>
+              <a:rPr lang="en-GB" sz="1800" b="1" dirty="0">
+                <a:solidFill>
+                  <a:schemeClr val="tx1">
+                    <a:lumMod val="95000"/>
+                  </a:schemeClr>
+                </a:solidFill>
+                <a:latin typeface="MV Boli" pitchFamily="2" charset="0"/>
+                <a:cs typeface="MV Boli" pitchFamily="2" charset="0"/>
+              </a:rPr>
+              <a:t>Design</a:t>
+            </a:r>
+            <a:r>
+              <a:rPr lang="en-GB" sz="1800" dirty="0">
+                <a:solidFill>
+                  <a:schemeClr val="tx1">
+                    <a:lumMod val="95000"/>
+                  </a:schemeClr>
+                </a:solidFill>
+                <a:latin typeface="MV Boli" pitchFamily="2" charset="0"/>
+                <a:cs typeface="MV Boli" pitchFamily="2" charset="0"/>
+              </a:rPr>
+              <a:t>:		</a:t>
+            </a:r>
+            <a:r>
+              <a:rPr lang="en-GB" sz="1800" dirty="0" smtClean="0">
+                <a:solidFill>
+                  <a:schemeClr val="tx1">
+                    <a:lumMod val="95000"/>
+                  </a:schemeClr>
+                </a:solidFill>
+                <a:latin typeface="MV Boli" pitchFamily="2" charset="0"/>
+                <a:cs typeface="MV Boli" pitchFamily="2" charset="0"/>
+              </a:rPr>
+              <a:t>	Tobias </a:t>
+            </a:r>
+            <a:r>
+              <a:rPr lang="en-GB" sz="1800" dirty="0" smtClean="0">
+                <a:solidFill>
+                  <a:schemeClr val="tx1">
+                    <a:lumMod val="95000"/>
+                  </a:schemeClr>
+                </a:solidFill>
+                <a:latin typeface="MV Boli" pitchFamily="2" charset="0"/>
+                <a:cs typeface="MV Boli" pitchFamily="2" charset="0"/>
+              </a:rPr>
+              <a:t>Schuster</a:t>
+            </a:r>
+          </a:p>
+          <a:p>
+            <a:pPr lvl="0"/>
+            <a:endParaRPr lang="en-GB" sz="1800" dirty="0" smtClean="0">
+              <a:solidFill>
+                <a:schemeClr val="tx1">
+                  <a:lumMod val="95000"/>
+                </a:schemeClr>
+              </a:solidFill>
+              <a:latin typeface="MV Boli" pitchFamily="2" charset="0"/>
+              <a:cs typeface="MV Boli" pitchFamily="2" charset="0"/>
+            </a:endParaRPr>
+          </a:p>
+          <a:p>
+            <a:pPr lvl="0"/>
+            <a:r>
+              <a:rPr lang="en-GB" sz="1800" b="1" dirty="0" smtClean="0">
+                <a:solidFill>
+                  <a:schemeClr val="tx1">
+                    <a:lumMod val="95000"/>
+                  </a:schemeClr>
+                </a:solidFill>
+                <a:latin typeface="MV Boli" pitchFamily="2" charset="0"/>
+                <a:cs typeface="MV Boli" pitchFamily="2" charset="0"/>
+              </a:rPr>
+              <a:t>						</a:t>
+            </a:r>
+            <a:r>
+              <a:rPr lang="en-GB" sz="1800" b="1" dirty="0" smtClean="0">
+                <a:solidFill>
+                  <a:schemeClr val="tx1">
+                    <a:lumMod val="95000"/>
+                  </a:schemeClr>
+                </a:solidFill>
+                <a:latin typeface="MV Boli" pitchFamily="2" charset="0"/>
+                <a:cs typeface="MV Boli" pitchFamily="2" charset="0"/>
+              </a:rPr>
+              <a:t>Art</a:t>
+            </a:r>
+            <a:r>
+              <a:rPr lang="en-GB" sz="1800" b="1" dirty="0" smtClean="0">
+                <a:solidFill>
+                  <a:schemeClr val="tx1">
+                    <a:lumMod val="95000"/>
+                  </a:schemeClr>
+                </a:solidFill>
+                <a:latin typeface="MV Boli" pitchFamily="2" charset="0"/>
+                <a:cs typeface="MV Boli" pitchFamily="2" charset="0"/>
+              </a:rPr>
+              <a:t>:</a:t>
+            </a:r>
+            <a:r>
+              <a:rPr lang="en-GB" sz="1800" dirty="0" smtClean="0">
+                <a:solidFill>
+                  <a:schemeClr val="tx1">
+                    <a:lumMod val="95000"/>
+                  </a:schemeClr>
+                </a:solidFill>
+                <a:latin typeface="MV Boli" pitchFamily="2" charset="0"/>
+                <a:cs typeface="MV Boli" pitchFamily="2" charset="0"/>
+              </a:rPr>
+              <a:t>		</a:t>
+            </a:r>
+            <a:r>
+              <a:rPr lang="en-GB" sz="1800" dirty="0" smtClean="0">
+                <a:solidFill>
+                  <a:schemeClr val="tx1">
+                    <a:lumMod val="95000"/>
+                  </a:schemeClr>
+                </a:solidFill>
+                <a:latin typeface="MV Boli" pitchFamily="2" charset="0"/>
+                <a:cs typeface="MV Boli" pitchFamily="2" charset="0"/>
+              </a:rPr>
+              <a:t>Marlou Nolting</a:t>
+            </a:r>
+            <a:endParaRPr lang="en-GB" sz="1800" dirty="0" smtClean="0">
+              <a:solidFill>
+                <a:schemeClr val="tx1">
+                  <a:lumMod val="95000"/>
+                </a:schemeClr>
+              </a:solidFill>
+              <a:latin typeface="MV Boli" pitchFamily="2" charset="0"/>
+              <a:cs typeface="MV Boli" pitchFamily="2" charset="0"/>
+            </a:endParaRPr>
+          </a:p>
+          <a:p>
+            <a:pPr lvl="0"/>
+            <a:r>
+              <a:rPr lang="en-GB" sz="1800" dirty="0" smtClean="0">
+                <a:solidFill>
+                  <a:schemeClr val="tx1">
+                    <a:lumMod val="95000"/>
+                  </a:schemeClr>
+                </a:solidFill>
+                <a:latin typeface="MV Boli" pitchFamily="2" charset="0"/>
+                <a:cs typeface="MV Boli" pitchFamily="2" charset="0"/>
+              </a:rPr>
+              <a:t>								</a:t>
+            </a:r>
+            <a:r>
+              <a:rPr lang="en-GB" sz="1800" dirty="0" smtClean="0">
+                <a:solidFill>
+                  <a:schemeClr val="tx1">
+                    <a:lumMod val="95000"/>
+                  </a:schemeClr>
+                </a:solidFill>
+                <a:latin typeface="MV Boli" pitchFamily="2" charset="0"/>
+                <a:cs typeface="MV Boli" pitchFamily="2" charset="0"/>
+              </a:rPr>
+              <a:t>Jesse </a:t>
+            </a:r>
+            <a:r>
+              <a:rPr lang="en-GB" sz="1800" dirty="0" smtClean="0">
+                <a:solidFill>
+                  <a:schemeClr val="tx1">
+                    <a:lumMod val="95000"/>
+                  </a:schemeClr>
+                </a:solidFill>
+                <a:latin typeface="MV Boli" pitchFamily="2" charset="0"/>
+                <a:cs typeface="MV Boli" pitchFamily="2" charset="0"/>
+              </a:rPr>
+              <a:t>Haines</a:t>
+            </a:r>
+          </a:p>
+          <a:p>
+            <a:pPr lvl="0"/>
+            <a:r>
+              <a:rPr lang="en-GB" sz="1800" dirty="0" smtClean="0">
+                <a:solidFill>
+                  <a:schemeClr val="tx1">
+                    <a:lumMod val="95000"/>
+                  </a:schemeClr>
+                </a:solidFill>
+                <a:latin typeface="MV Boli" pitchFamily="2" charset="0"/>
+                <a:cs typeface="MV Boli" pitchFamily="2" charset="0"/>
+              </a:rPr>
+              <a:t>								</a:t>
+            </a:r>
+            <a:r>
+              <a:rPr lang="en-GB" sz="1800" dirty="0" smtClean="0">
+                <a:solidFill>
+                  <a:schemeClr val="tx1">
+                    <a:lumMod val="95000"/>
+                  </a:schemeClr>
+                </a:solidFill>
+                <a:latin typeface="MV Boli" pitchFamily="2" charset="0"/>
+                <a:cs typeface="MV Boli" pitchFamily="2" charset="0"/>
+              </a:rPr>
+              <a:t>Michelle Mohn</a:t>
+            </a:r>
+            <a:endParaRPr lang="en-GB" sz="1800" dirty="0" smtClean="0">
+              <a:solidFill>
+                <a:schemeClr val="tx1">
+                  <a:lumMod val="95000"/>
+                </a:schemeClr>
+              </a:solidFill>
+              <a:latin typeface="MV Boli" pitchFamily="2" charset="0"/>
+              <a:cs typeface="MV Boli" pitchFamily="2" charset="0"/>
+            </a:endParaRPr>
+          </a:p>
+          <a:p>
+            <a:pPr lvl="0"/>
+            <a:r>
+              <a:rPr lang="en-GB" sz="1800" dirty="0" smtClean="0">
+                <a:solidFill>
+                  <a:schemeClr val="tx1">
+                    <a:lumMod val="95000"/>
+                  </a:schemeClr>
+                </a:solidFill>
+                <a:latin typeface="MV Boli" pitchFamily="2" charset="0"/>
+                <a:cs typeface="MV Boli" pitchFamily="2" charset="0"/>
+              </a:rPr>
+              <a:t>								</a:t>
+            </a:r>
+            <a:r>
+              <a:rPr lang="en-GB" sz="1800" dirty="0" smtClean="0">
+                <a:solidFill>
+                  <a:schemeClr val="tx1">
+                    <a:lumMod val="95000"/>
+                  </a:schemeClr>
+                </a:solidFill>
+                <a:latin typeface="MV Boli" pitchFamily="2" charset="0"/>
+                <a:cs typeface="MV Boli" pitchFamily="2" charset="0"/>
+              </a:rPr>
+              <a:t>Levin Lang</a:t>
+            </a:r>
+          </a:p>
+          <a:p>
+            <a:pPr lvl="0"/>
+            <a:r>
+              <a:rPr lang="en-GB" sz="1800" dirty="0" smtClean="0">
+                <a:solidFill>
+                  <a:schemeClr val="tx1">
+                    <a:lumMod val="95000"/>
+                  </a:schemeClr>
+                </a:solidFill>
+                <a:latin typeface="MV Boli" pitchFamily="2" charset="0"/>
+                <a:cs typeface="MV Boli" pitchFamily="2" charset="0"/>
+              </a:rPr>
+              <a:t>								Michelle Gaußmann </a:t>
+            </a:r>
+            <a:endParaRPr lang="en-GB" sz="1800" dirty="0" smtClean="0">
+              <a:solidFill>
+                <a:schemeClr val="tx1">
+                  <a:lumMod val="95000"/>
+                </a:schemeClr>
+              </a:solidFill>
+              <a:latin typeface="MV Boli" pitchFamily="2" charset="0"/>
+              <a:cs typeface="MV Boli" pitchFamily="2" charset="0"/>
+            </a:endParaRPr>
+          </a:p>
+          <a:p>
+            <a:pPr lvl="0"/>
+            <a:endParaRPr lang="de-DE" sz="1800" dirty="0" smtClean="0">
+              <a:solidFill>
+                <a:schemeClr val="tx1">
+                  <a:lumMod val="95000"/>
+                </a:schemeClr>
+              </a:solidFill>
+              <a:latin typeface="MV Boli" pitchFamily="2" charset="0"/>
+              <a:cs typeface="MV Boli" pitchFamily="2" charset="0"/>
+            </a:endParaRPr>
+          </a:p>
+          <a:p>
+            <a:endParaRPr lang="de-DE" sz="1800" dirty="0">
+              <a:latin typeface="MV Boli" pitchFamily="2" charset="0"/>
+              <a:cs typeface="MV Boli" pitchFamily="2" charset="0"/>
+            </a:endParaRPr>
+          </a:p>
+        </p:txBody>
+      </p:sp>
+      <p:pic>
+        <p:nvPicPr>
+          <p:cNvPr id="5" name="Grafik 4"/>
+          <p:cNvPicPr>
+            <a:picLocks noChangeAspect="1"/>
+          </p:cNvPicPr>
+          <p:nvPr/>
+        </p:nvPicPr>
+        <p:blipFill>
+          <a:blip r:embed="rId3" cstate="print">
+            <a:extLst>
+              <a:ext uri="{28A0092B-C50C-407E-A947-70E740481C1C}">
+                <a14:useLocalDpi xmlns:a14="http://schemas.microsoft.com/office/drawing/2010/main" val="0"/>
+              </a:ext>
+            </a:extLst>
+          </a:blip>
+          <a:stretch>
+            <a:fillRect/>
+          </a:stretch>
+        </p:blipFill>
+        <p:spPr>
+          <a:xfrm rot="21420000" flipH="1">
+            <a:off x="82860" y="1753403"/>
+            <a:ext cx="4588935" cy="3395090"/>
+          </a:xfrm>
+          <a:prstGeom prst="rect">
+            <a:avLst/>
+          </a:prstGeom>
         </p:spPr>
       </p:pic>
     </p:spTree>
     <p:extLst>
       <p:ext uri="{BB962C8B-B14F-4D97-AF65-F5344CB8AC3E}">
-        <p14:creationId xmlns:p14="http://schemas.microsoft.com/office/powerpoint/2010/main" val="649944377"/>
+        <p14:creationId xmlns:p14="http://schemas.microsoft.com/office/powerpoint/2010/main" val="3558449198"/>
       </p:ext>
     </p:extLst>
   </p:cSld>
   <p:clrMapOvr>
     <a:masterClrMapping/>
   </p:clrMapOvr>
+  <p:timing>
+    <p:tnLst>
+      <p:par>
+        <p:cTn id="1" dur="indefinite" restart="never" nodeType="tmRoot">
+          <p:childTnLst>
+            <p:seq concurrent="1" nextAc="seek">
+              <p:cTn id="2" dur="indefinite" nodeType="mainSeq">
+                <p:childTnLst>
+                  <p:par>
+                    <p:cTn id="3" fill="hold">
+                      <p:stCondLst>
+                        <p:cond delay="indefinite"/>
+                        <p:cond evt="onBegin" delay="0">
+                          <p:tn val="2"/>
+                        </p:cond>
+                      </p:stCondLst>
+                      <p:childTnLst>
+                        <p:par>
+                          <p:cTn id="4" fill="hold">
+                            <p:stCondLst>
+                              <p:cond delay="0"/>
+                            </p:stCondLst>
+                            <p:childTnLst>
+                              <p:par>
+                                <p:cTn id="5" presetID="6" presetClass="entr" presetSubtype="32" fill="hold" grpId="0" nodeType="withEffect">
+                                  <p:stCondLst>
+                                    <p:cond delay="0"/>
+                                  </p:stCondLst>
+                                  <p:childTnLst>
+                                    <p:set>
+                                      <p:cBhvr>
+                                        <p:cTn id="6" dur="1" fill="hold">
+                                          <p:stCondLst>
+                                            <p:cond delay="0"/>
+                                          </p:stCondLst>
+                                        </p:cTn>
+                                        <p:tgtEl>
+                                          <p:spTgt spid="2"/>
+                                        </p:tgtEl>
+                                        <p:attrNameLst>
+                                          <p:attrName>style.visibility</p:attrName>
+                                        </p:attrNameLst>
+                                      </p:cBhvr>
+                                      <p:to>
+                                        <p:strVal val="visible"/>
+                                      </p:to>
+                                    </p:set>
+                                    <p:animEffect transition="in" filter="circle(out)">
+                                      <p:cBhvr>
+                                        <p:cTn id="7" dur="2000"/>
+                                        <p:tgtEl>
+                                          <p:spTgt spid="2"/>
+                                        </p:tgtEl>
+                                      </p:cBhvr>
+                                    </p:animEffect>
+                                  </p:childTnLst>
+                                </p:cTn>
+                              </p:par>
+                              <p:par>
+                                <p:cTn id="8" presetID="6" presetClass="entr" presetSubtype="32" fill="hold" nodeType="withEffect">
+                                  <p:stCondLst>
+                                    <p:cond delay="0"/>
+                                  </p:stCondLst>
+                                  <p:childTnLst>
+                                    <p:set>
+                                      <p:cBhvr>
+                                        <p:cTn id="9" dur="1" fill="hold">
+                                          <p:stCondLst>
+                                            <p:cond delay="0"/>
+                                          </p:stCondLst>
+                                        </p:cTn>
+                                        <p:tgtEl>
+                                          <p:spTgt spid="5"/>
+                                        </p:tgtEl>
+                                        <p:attrNameLst>
+                                          <p:attrName>style.visibility</p:attrName>
+                                        </p:attrNameLst>
+                                      </p:cBhvr>
+                                      <p:to>
+                                        <p:strVal val="visible"/>
+                                      </p:to>
+                                    </p:set>
+                                    <p:animEffect transition="in" filter="circle(out)">
+                                      <p:cBhvr>
+                                        <p:cTn id="10" dur="2000"/>
+                                        <p:tgtEl>
+                                          <p:spTgt spid="5"/>
+                                        </p:tgtEl>
+                                      </p:cBhvr>
+                                    </p:animEffect>
+                                  </p:childTnLst>
+                                </p:cTn>
+                              </p:par>
+                            </p:childTnLst>
+                          </p:cTn>
+                        </p:par>
+                        <p:par>
+                          <p:cTn id="11" fill="hold">
+                            <p:stCondLst>
+                              <p:cond delay="2000"/>
+                            </p:stCondLst>
+                            <p:childTnLst>
+                              <p:par>
+                                <p:cTn id="12" presetID="22" presetClass="entr" presetSubtype="8" fill="hold" nodeType="afterEffect">
+                                  <p:stCondLst>
+                                    <p:cond delay="500"/>
+                                  </p:stCondLst>
+                                  <p:childTnLst>
+                                    <p:set>
+                                      <p:cBhvr>
+                                        <p:cTn id="13" dur="1" fill="hold">
+                                          <p:stCondLst>
+                                            <p:cond delay="0"/>
+                                          </p:stCondLst>
+                                        </p:cTn>
+                                        <p:tgtEl>
+                                          <p:spTgt spid="3">
+                                            <p:txEl>
+                                              <p:pRg st="0" end="0"/>
+                                            </p:txEl>
+                                          </p:spTgt>
+                                        </p:tgtEl>
+                                        <p:attrNameLst>
+                                          <p:attrName>style.visibility</p:attrName>
+                                        </p:attrNameLst>
+                                      </p:cBhvr>
+                                      <p:to>
+                                        <p:strVal val="visible"/>
+                                      </p:to>
+                                    </p:set>
+                                    <p:animEffect transition="in" filter="wipe(left)">
+                                      <p:cBhvr>
+                                        <p:cTn id="14" dur="500"/>
+                                        <p:tgtEl>
+                                          <p:spTgt spid="3">
+                                            <p:txEl>
+                                              <p:pRg st="0" end="0"/>
+                                            </p:txEl>
+                                          </p:spTgt>
+                                        </p:tgtEl>
+                                      </p:cBhvr>
+                                    </p:animEffect>
+                                  </p:childTnLst>
+                                </p:cTn>
+                              </p:par>
+                            </p:childTnLst>
+                          </p:cTn>
+                        </p:par>
+                        <p:par>
+                          <p:cTn id="15" fill="hold">
+                            <p:stCondLst>
+                              <p:cond delay="3000"/>
+                            </p:stCondLst>
+                            <p:childTnLst>
+                              <p:par>
+                                <p:cTn id="16" presetID="22" presetClass="entr" presetSubtype="8" fill="hold" nodeType="afterEffect">
+                                  <p:stCondLst>
+                                    <p:cond delay="500"/>
+                                  </p:stCondLst>
+                                  <p:childTnLst>
+                                    <p:set>
+                                      <p:cBhvr>
+                                        <p:cTn id="17" dur="1" fill="hold">
+                                          <p:stCondLst>
+                                            <p:cond delay="0"/>
+                                          </p:stCondLst>
+                                        </p:cTn>
+                                        <p:tgtEl>
+                                          <p:spTgt spid="3">
+                                            <p:txEl>
+                                              <p:pRg st="1" end="1"/>
+                                            </p:txEl>
+                                          </p:spTgt>
+                                        </p:tgtEl>
+                                        <p:attrNameLst>
+                                          <p:attrName>style.visibility</p:attrName>
+                                        </p:attrNameLst>
+                                      </p:cBhvr>
+                                      <p:to>
+                                        <p:strVal val="visible"/>
+                                      </p:to>
+                                    </p:set>
+                                    <p:animEffect transition="in" filter="wipe(left)">
+                                      <p:cBhvr>
+                                        <p:cTn id="18" dur="500"/>
+                                        <p:tgtEl>
+                                          <p:spTgt spid="3">
+                                            <p:txEl>
+                                              <p:pRg st="1" end="1"/>
+                                            </p:txEl>
+                                          </p:spTgt>
+                                        </p:tgtEl>
+                                      </p:cBhvr>
+                                    </p:animEffect>
+                                  </p:childTnLst>
+                                </p:cTn>
+                              </p:par>
+                            </p:childTnLst>
+                          </p:cTn>
+                        </p:par>
+                        <p:par>
+                          <p:cTn id="19" fill="hold">
+                            <p:stCondLst>
+                              <p:cond delay="4000"/>
+                            </p:stCondLst>
+                            <p:childTnLst>
+                              <p:par>
+                                <p:cTn id="20" presetID="22" presetClass="entr" presetSubtype="8" fill="hold" nodeType="afterEffect">
+                                  <p:stCondLst>
+                                    <p:cond delay="500"/>
+                                  </p:stCondLst>
+                                  <p:childTnLst>
+                                    <p:set>
+                                      <p:cBhvr>
+                                        <p:cTn id="21" dur="1" fill="hold">
+                                          <p:stCondLst>
+                                            <p:cond delay="0"/>
+                                          </p:stCondLst>
+                                        </p:cTn>
+                                        <p:tgtEl>
+                                          <p:spTgt spid="3">
+                                            <p:txEl>
+                                              <p:pRg st="2" end="2"/>
+                                            </p:txEl>
+                                          </p:spTgt>
+                                        </p:tgtEl>
+                                        <p:attrNameLst>
+                                          <p:attrName>style.visibility</p:attrName>
+                                        </p:attrNameLst>
+                                      </p:cBhvr>
+                                      <p:to>
+                                        <p:strVal val="visible"/>
+                                      </p:to>
+                                    </p:set>
+                                    <p:animEffect transition="in" filter="wipe(left)">
+                                      <p:cBhvr>
+                                        <p:cTn id="22" dur="500"/>
+                                        <p:tgtEl>
+                                          <p:spTgt spid="3">
+                                            <p:txEl>
+                                              <p:pRg st="2" end="2"/>
+                                            </p:txEl>
+                                          </p:spTgt>
+                                        </p:tgtEl>
+                                      </p:cBhvr>
+                                    </p:animEffect>
+                                  </p:childTnLst>
+                                </p:cTn>
+                              </p:par>
+                            </p:childTnLst>
+                          </p:cTn>
+                        </p:par>
+                        <p:par>
+                          <p:cTn id="23" fill="hold">
+                            <p:stCondLst>
+                              <p:cond delay="5000"/>
+                            </p:stCondLst>
+                            <p:childTnLst>
+                              <p:par>
+                                <p:cTn id="24" presetID="22" presetClass="entr" presetSubtype="8" fill="hold" nodeType="afterEffect">
+                                  <p:stCondLst>
+                                    <p:cond delay="500"/>
+                                  </p:stCondLst>
+                                  <p:childTnLst>
+                                    <p:set>
+                                      <p:cBhvr>
+                                        <p:cTn id="25" dur="1" fill="hold">
+                                          <p:stCondLst>
+                                            <p:cond delay="0"/>
+                                          </p:stCondLst>
+                                        </p:cTn>
+                                        <p:tgtEl>
+                                          <p:spTgt spid="3">
+                                            <p:txEl>
+                                              <p:pRg st="4" end="4"/>
+                                            </p:txEl>
+                                          </p:spTgt>
+                                        </p:tgtEl>
+                                        <p:attrNameLst>
+                                          <p:attrName>style.visibility</p:attrName>
+                                        </p:attrNameLst>
+                                      </p:cBhvr>
+                                      <p:to>
+                                        <p:strVal val="visible"/>
+                                      </p:to>
+                                    </p:set>
+                                    <p:animEffect transition="in" filter="wipe(left)">
+                                      <p:cBhvr>
+                                        <p:cTn id="26" dur="500"/>
+                                        <p:tgtEl>
+                                          <p:spTgt spid="3">
+                                            <p:txEl>
+                                              <p:pRg st="4" end="4"/>
+                                            </p:txEl>
+                                          </p:spTgt>
+                                        </p:tgtEl>
+                                      </p:cBhvr>
+                                    </p:animEffect>
+                                  </p:childTnLst>
+                                </p:cTn>
+                              </p:par>
+                            </p:childTnLst>
+                          </p:cTn>
+                        </p:par>
+                        <p:par>
+                          <p:cTn id="27" fill="hold">
+                            <p:stCondLst>
+                              <p:cond delay="6000"/>
+                            </p:stCondLst>
+                            <p:childTnLst>
+                              <p:par>
+                                <p:cTn id="28" presetID="22" presetClass="entr" presetSubtype="8" fill="hold" nodeType="afterEffect">
+                                  <p:stCondLst>
+                                    <p:cond delay="500"/>
+                                  </p:stCondLst>
+                                  <p:childTnLst>
+                                    <p:set>
+                                      <p:cBhvr>
+                                        <p:cTn id="29" dur="1" fill="hold">
+                                          <p:stCondLst>
+                                            <p:cond delay="0"/>
+                                          </p:stCondLst>
+                                        </p:cTn>
+                                        <p:tgtEl>
+                                          <p:spTgt spid="3">
+                                            <p:txEl>
+                                              <p:pRg st="5" end="5"/>
+                                            </p:txEl>
+                                          </p:spTgt>
+                                        </p:tgtEl>
+                                        <p:attrNameLst>
+                                          <p:attrName>style.visibility</p:attrName>
+                                        </p:attrNameLst>
+                                      </p:cBhvr>
+                                      <p:to>
+                                        <p:strVal val="visible"/>
+                                      </p:to>
+                                    </p:set>
+                                    <p:animEffect transition="in" filter="wipe(left)">
+                                      <p:cBhvr>
+                                        <p:cTn id="30" dur="500"/>
+                                        <p:tgtEl>
+                                          <p:spTgt spid="3">
+                                            <p:txEl>
+                                              <p:pRg st="5" end="5"/>
+                                            </p:txEl>
+                                          </p:spTgt>
+                                        </p:tgtEl>
+                                      </p:cBhvr>
+                                    </p:animEffect>
+                                  </p:childTnLst>
+                                </p:cTn>
+                              </p:par>
+                            </p:childTnLst>
+                          </p:cTn>
+                        </p:par>
+                        <p:par>
+                          <p:cTn id="31" fill="hold">
+                            <p:stCondLst>
+                              <p:cond delay="7000"/>
+                            </p:stCondLst>
+                            <p:childTnLst>
+                              <p:par>
+                                <p:cTn id="32" presetID="22" presetClass="entr" presetSubtype="8" fill="hold" nodeType="afterEffect">
+                                  <p:stCondLst>
+                                    <p:cond delay="500"/>
+                                  </p:stCondLst>
+                                  <p:childTnLst>
+                                    <p:set>
+                                      <p:cBhvr>
+                                        <p:cTn id="33" dur="1" fill="hold">
+                                          <p:stCondLst>
+                                            <p:cond delay="0"/>
+                                          </p:stCondLst>
+                                        </p:cTn>
+                                        <p:tgtEl>
+                                          <p:spTgt spid="3">
+                                            <p:txEl>
+                                              <p:pRg st="6" end="6"/>
+                                            </p:txEl>
+                                          </p:spTgt>
+                                        </p:tgtEl>
+                                        <p:attrNameLst>
+                                          <p:attrName>style.visibility</p:attrName>
+                                        </p:attrNameLst>
+                                      </p:cBhvr>
+                                      <p:to>
+                                        <p:strVal val="visible"/>
+                                      </p:to>
+                                    </p:set>
+                                    <p:animEffect transition="in" filter="wipe(left)">
+                                      <p:cBhvr>
+                                        <p:cTn id="34" dur="500"/>
+                                        <p:tgtEl>
+                                          <p:spTgt spid="3">
+                                            <p:txEl>
+                                              <p:pRg st="6" end="6"/>
+                                            </p:txEl>
+                                          </p:spTgt>
+                                        </p:tgtEl>
+                                      </p:cBhvr>
+                                    </p:animEffect>
+                                  </p:childTnLst>
+                                </p:cTn>
+                              </p:par>
+                            </p:childTnLst>
+                          </p:cTn>
+                        </p:par>
+                        <p:par>
+                          <p:cTn id="35" fill="hold">
+                            <p:stCondLst>
+                              <p:cond delay="8000"/>
+                            </p:stCondLst>
+                            <p:childTnLst>
+                              <p:par>
+                                <p:cTn id="36" presetID="22" presetClass="entr" presetSubtype="8" fill="hold" nodeType="afterEffect">
+                                  <p:stCondLst>
+                                    <p:cond delay="500"/>
+                                  </p:stCondLst>
+                                  <p:childTnLst>
+                                    <p:set>
+                                      <p:cBhvr>
+                                        <p:cTn id="37" dur="1" fill="hold">
+                                          <p:stCondLst>
+                                            <p:cond delay="0"/>
+                                          </p:stCondLst>
+                                        </p:cTn>
+                                        <p:tgtEl>
+                                          <p:spTgt spid="3">
+                                            <p:txEl>
+                                              <p:pRg st="7" end="7"/>
+                                            </p:txEl>
+                                          </p:spTgt>
+                                        </p:tgtEl>
+                                        <p:attrNameLst>
+                                          <p:attrName>style.visibility</p:attrName>
+                                        </p:attrNameLst>
+                                      </p:cBhvr>
+                                      <p:to>
+                                        <p:strVal val="visible"/>
+                                      </p:to>
+                                    </p:set>
+                                    <p:animEffect transition="in" filter="wipe(left)">
+                                      <p:cBhvr>
+                                        <p:cTn id="38" dur="500"/>
+                                        <p:tgtEl>
+                                          <p:spTgt spid="3">
+                                            <p:txEl>
+                                              <p:pRg st="7" end="7"/>
+                                            </p:txEl>
+                                          </p:spTgt>
+                                        </p:tgtEl>
+                                      </p:cBhvr>
+                                    </p:animEffect>
+                                  </p:childTnLst>
+                                </p:cTn>
+                              </p:par>
+                            </p:childTnLst>
+                          </p:cTn>
+                        </p:par>
+                        <p:par>
+                          <p:cTn id="39" fill="hold">
+                            <p:stCondLst>
+                              <p:cond delay="9000"/>
+                            </p:stCondLst>
+                            <p:childTnLst>
+                              <p:par>
+                                <p:cTn id="40" presetID="22" presetClass="entr" presetSubtype="8" fill="hold" nodeType="afterEffect">
+                                  <p:stCondLst>
+                                    <p:cond delay="500"/>
+                                  </p:stCondLst>
+                                  <p:childTnLst>
+                                    <p:set>
+                                      <p:cBhvr>
+                                        <p:cTn id="41" dur="1" fill="hold">
+                                          <p:stCondLst>
+                                            <p:cond delay="0"/>
+                                          </p:stCondLst>
+                                        </p:cTn>
+                                        <p:tgtEl>
+                                          <p:spTgt spid="3">
+                                            <p:txEl>
+                                              <p:pRg st="8" end="8"/>
+                                            </p:txEl>
+                                          </p:spTgt>
+                                        </p:tgtEl>
+                                        <p:attrNameLst>
+                                          <p:attrName>style.visibility</p:attrName>
+                                        </p:attrNameLst>
+                                      </p:cBhvr>
+                                      <p:to>
+                                        <p:strVal val="visible"/>
+                                      </p:to>
+                                    </p:set>
+                                    <p:animEffect transition="in" filter="wipe(left)">
+                                      <p:cBhvr>
+                                        <p:cTn id="42" dur="500"/>
+                                        <p:tgtEl>
+                                          <p:spTgt spid="3">
+                                            <p:txEl>
+                                              <p:pRg st="8" end="8"/>
+                                            </p:txEl>
+                                          </p:spTgt>
+                                        </p:tgtEl>
+                                      </p:cBhvr>
+                                    </p:animEffect>
+                                  </p:childTnLst>
+                                </p:cTn>
+                              </p:par>
+                            </p:childTnLst>
+                          </p:cTn>
+                        </p:par>
+                      </p:childTnLst>
+                    </p:cTn>
+                  </p:par>
+                </p:childTnLst>
+              </p:cTn>
+              <p:prevCondLst>
+                <p:cond evt="onPrev" delay="0">
+                  <p:tgtEl>
+                    <p:sldTgt/>
+                  </p:tgtEl>
+                </p:cond>
+              </p:prevCondLst>
+              <p:nextCondLst>
+                <p:cond evt="onNext" delay="0">
+                  <p:tgtEl>
+                    <p:sldTgt/>
+                  </p:tgtEl>
+                </p:cond>
+              </p:nextCondLst>
+            </p:seq>
+          </p:childTnLst>
+        </p:cTn>
+      </p:par>
+    </p:tnLst>
+    <p:bldLst>
+      <p:bldP spid="2" grpId="0"/>
+    </p:bldLst>
+  </p:timing>
 </p:sld>
 </file>
 
-<file path=ppt/slides/slide7.xml><?xml version="1.0" encoding="utf-8"?>
+<file path=ppt/slides/slide8.xml><?xml version="1.0" encoding="utf-8"?>
 <p:sld xmlns:a="http://schemas.openxmlformats.org/drawingml/2006/main" xmlns:r="http://schemas.openxmlformats.org/officeDocument/2006/relationships" xmlns:p="http://schemas.openxmlformats.org/presentationml/2006/main">
   <p:cSld>
     <p:spTree>
@@ -12213,6 +16442,42 @@
           <a:chExt cx="0" cy="0"/>
         </a:xfrm>
       </p:grpSpPr>
+      <p:pic>
+        <p:nvPicPr>
+          <p:cNvPr id="4" name="Grafik 3"/>
+          <p:cNvPicPr>
+            <a:picLocks noChangeAspect="1"/>
+          </p:cNvPicPr>
+          <p:nvPr/>
+        </p:nvPicPr>
+        <p:blipFill>
+          <a:blip r:embed="rId2" cstate="print">
+            <a:extLst>
+              <a:ext uri="{28A0092B-C50C-407E-A947-70E740481C1C}">
+                <a14:useLocalDpi xmlns:a14="http://schemas.microsoft.com/office/drawing/2010/main" val="0"/>
+              </a:ext>
+            </a:extLst>
+          </a:blip>
+          <a:stretch>
+            <a:fillRect/>
+          </a:stretch>
+        </p:blipFill>
+        <p:spPr>
+          <a:xfrm>
+            <a:off x="138331" y="0"/>
+            <a:ext cx="8826157" cy="4948014"/>
+          </a:xfrm>
+          <a:prstGeom prst="rect">
+            <a:avLst/>
+          </a:prstGeom>
+          <a:ln>
+            <a:noFill/>
+          </a:ln>
+          <a:effectLst>
+            <a:softEdge rad="317500"/>
+          </a:effectLst>
+        </p:spPr>
+      </p:pic>
       <p:sp>
         <p:nvSpPr>
           <p:cNvPr id="2" name="Titel 1"/>
@@ -12237,12 +16502,110 @@
           <a:p>
             <a:pPr algn="ctr"/>
             <a:r>
-              <a:rPr lang="de-DE" dirty="0" smtClean="0">
+              <a:rPr lang="de-DE" sz="3600" dirty="0" smtClean="0">
                 <a:latin typeface="MV Boli" pitchFamily="2" charset="0"/>
                 <a:cs typeface="MV Boli" pitchFamily="2" charset="0"/>
               </a:rPr>
-              <a:t>Core Game Loope</a:t>
+              <a:t>Goals Gate 1</a:t>
             </a:r>
+            <a:endParaRPr lang="de-DE" sz="3600" dirty="0">
+              <a:latin typeface="MV Boli" pitchFamily="2" charset="0"/>
+              <a:cs typeface="MV Boli" pitchFamily="2" charset="0"/>
+            </a:endParaRPr>
+          </a:p>
+        </p:txBody>
+      </p:sp>
+      <p:sp>
+        <p:nvSpPr>
+          <p:cNvPr id="3" name="Untertitel 2"/>
+          <p:cNvSpPr>
+            <a:spLocks noGrp="1"/>
+          </p:cNvSpPr>
+          <p:nvPr>
+            <p:ph type="subTitle" idx="1"/>
+          </p:nvPr>
+        </p:nvSpPr>
+        <p:spPr>
+          <a:xfrm>
+            <a:off x="971600" y="1491630"/>
+            <a:ext cx="7560840" cy="3348372"/>
+          </a:xfrm>
+        </p:spPr>
+        <p:txBody>
+          <a:bodyPr>
+            <a:normAutofit/>
+          </a:bodyPr>
+          <a:lstStyle/>
+          <a:p>
+            <a:pPr marL="342900" indent="-342900">
+              <a:buFont typeface="Courier New" pitchFamily="49" charset="0"/>
+              <a:buChar char="o"/>
+            </a:pPr>
+            <a:r>
+              <a:rPr lang="de-DE" sz="1800" dirty="0" smtClean="0">
+                <a:latin typeface="MV Boli" pitchFamily="2" charset="0"/>
+                <a:cs typeface="MV Boli" pitchFamily="2" charset="0"/>
+              </a:rPr>
+              <a:t>Core Experience – 1 playable stage</a:t>
+            </a:r>
+          </a:p>
+          <a:p>
+            <a:pPr marL="342900" indent="-342900">
+              <a:buFont typeface="Courier New" pitchFamily="49" charset="0"/>
+              <a:buChar char="o"/>
+            </a:pPr>
+            <a:endParaRPr lang="de-DE" sz="1800" dirty="0" smtClean="0">
+              <a:latin typeface="MV Boli" pitchFamily="2" charset="0"/>
+              <a:cs typeface="MV Boli" pitchFamily="2" charset="0"/>
+            </a:endParaRPr>
+          </a:p>
+          <a:p>
+            <a:pPr marL="342900" indent="-342900">
+              <a:buFont typeface="Courier New" pitchFamily="49" charset="0"/>
+              <a:buChar char="o"/>
+            </a:pPr>
+            <a:r>
+              <a:rPr lang="de-DE" sz="1800" dirty="0" smtClean="0">
+                <a:latin typeface="MV Boli" pitchFamily="2" charset="0"/>
+                <a:cs typeface="MV Boli" pitchFamily="2" charset="0"/>
+              </a:rPr>
+              <a:t>Basic, non-animated low-poly main character </a:t>
+            </a:r>
+          </a:p>
+          <a:p>
+            <a:pPr marL="342900" indent="-342900">
+              <a:buFont typeface="Courier New" pitchFamily="49" charset="0"/>
+              <a:buChar char="o"/>
+            </a:pPr>
+            <a:endParaRPr lang="de-DE" sz="1800" dirty="0" smtClean="0">
+              <a:latin typeface="MV Boli" pitchFamily="2" charset="0"/>
+              <a:cs typeface="MV Boli" pitchFamily="2" charset="0"/>
+            </a:endParaRPr>
+          </a:p>
+          <a:p>
+            <a:pPr marL="342900" indent="-342900">
+              <a:buFont typeface="Courier New" pitchFamily="49" charset="0"/>
+              <a:buChar char="o"/>
+            </a:pPr>
+            <a:r>
+              <a:rPr lang="de-DE" sz="1800" dirty="0" smtClean="0">
+                <a:latin typeface="MV Boli" pitchFamily="2" charset="0"/>
+                <a:cs typeface="MV Boli" pitchFamily="2" charset="0"/>
+              </a:rPr>
+              <a:t>First core mechanic: Clairvoyance</a:t>
+            </a:r>
+            <a:endParaRPr lang="de-DE" sz="1800" dirty="0" smtClean="0">
+              <a:latin typeface="MV Boli" pitchFamily="2" charset="0"/>
+              <a:cs typeface="MV Boli" pitchFamily="2" charset="0"/>
+            </a:endParaRPr>
+          </a:p>
+          <a:p>
+            <a:endParaRPr lang="de-DE" dirty="0" smtClean="0">
+              <a:latin typeface="MV Boli" pitchFamily="2" charset="0"/>
+              <a:cs typeface="MV Boli" pitchFamily="2" charset="0"/>
+            </a:endParaRPr>
+          </a:p>
+          <a:p>
             <a:endParaRPr lang="de-DE" dirty="0">
               <a:latin typeface="MV Boli" pitchFamily="2" charset="0"/>
               <a:cs typeface="MV Boli" pitchFamily="2" charset="0"/>
@@ -12250,42 +16613,265 @@
           </a:p>
         </p:txBody>
       </p:sp>
-      <p:graphicFrame>
-        <p:nvGraphicFramePr>
-          <p:cNvPr id="4" name="Diagramm 3"/>
-          <p:cNvGraphicFramePr/>
-          <p:nvPr>
-            <p:extLst>
-              <p:ext uri="{D42A27DB-BD31-4B8C-83A1-F6EECF244321}">
-                <p14:modId xmlns:p14="http://schemas.microsoft.com/office/powerpoint/2010/main" val="3360845108"/>
-              </p:ext>
-            </p:extLst>
-          </p:nvPr>
-        </p:nvGraphicFramePr>
-        <p:xfrm>
-          <a:off x="1475656" y="1059582"/>
-          <a:ext cx="5486400" cy="3200400"/>
-        </p:xfrm>
-        <a:graphic>
-          <a:graphicData uri="http://schemas.openxmlformats.org/drawingml/2006/diagram">
-            <dgm:relIds xmlns:dgm="http://schemas.openxmlformats.org/drawingml/2006/diagram" xmlns:r="http://schemas.openxmlformats.org/officeDocument/2006/relationships" r:dm="rId2" r:lo="rId3" r:qs="rId4" r:cs="rId5"/>
-          </a:graphicData>
-        </a:graphic>
-      </p:graphicFrame>
     </p:spTree>
     <p:extLst>
       <p:ext uri="{BB962C8B-B14F-4D97-AF65-F5344CB8AC3E}">
-        <p14:creationId xmlns:p14="http://schemas.microsoft.com/office/powerpoint/2010/main" val="2035362994"/>
+        <p14:creationId xmlns:p14="http://schemas.microsoft.com/office/powerpoint/2010/main" val="816087349"/>
       </p:ext>
     </p:extLst>
   </p:cSld>
   <p:clrMapOvr>
     <a:masterClrMapping/>
   </p:clrMapOvr>
+  <p:timing>
+    <p:tnLst>
+      <p:par>
+        <p:cTn id="1" dur="indefinite" restart="never" nodeType="tmRoot">
+          <p:childTnLst>
+            <p:seq concurrent="1" nextAc="seek">
+              <p:cTn id="2" dur="indefinite" nodeType="mainSeq">
+                <p:childTnLst>
+                  <p:par>
+                    <p:cTn id="3" fill="hold">
+                      <p:stCondLst>
+                        <p:cond delay="indefinite"/>
+                        <p:cond evt="onBegin" delay="0">
+                          <p:tn val="2"/>
+                        </p:cond>
+                      </p:stCondLst>
+                      <p:childTnLst>
+                        <p:par>
+                          <p:cTn id="4" fill="hold">
+                            <p:stCondLst>
+                              <p:cond delay="0"/>
+                            </p:stCondLst>
+                            <p:childTnLst>
+                              <p:par>
+                                <p:cTn id="5" presetID="6" presetClass="entr" presetSubtype="32" fill="hold" grpId="0" nodeType="withEffect">
+                                  <p:stCondLst>
+                                    <p:cond delay="0"/>
+                                  </p:stCondLst>
+                                  <p:childTnLst>
+                                    <p:set>
+                                      <p:cBhvr>
+                                        <p:cTn id="6" dur="1" fill="hold">
+                                          <p:stCondLst>
+                                            <p:cond delay="0"/>
+                                          </p:stCondLst>
+                                        </p:cTn>
+                                        <p:tgtEl>
+                                          <p:spTgt spid="2"/>
+                                        </p:tgtEl>
+                                        <p:attrNameLst>
+                                          <p:attrName>style.visibility</p:attrName>
+                                        </p:attrNameLst>
+                                      </p:cBhvr>
+                                      <p:to>
+                                        <p:strVal val="visible"/>
+                                      </p:to>
+                                    </p:set>
+                                    <p:animEffect transition="in" filter="circle(out)">
+                                      <p:cBhvr>
+                                        <p:cTn id="7" dur="2000"/>
+                                        <p:tgtEl>
+                                          <p:spTgt spid="2"/>
+                                        </p:tgtEl>
+                                      </p:cBhvr>
+                                    </p:animEffect>
+                                  </p:childTnLst>
+                                </p:cTn>
+                              </p:par>
+                            </p:childTnLst>
+                          </p:cTn>
+                        </p:par>
+                        <p:par>
+                          <p:cTn id="8" fill="hold">
+                            <p:stCondLst>
+                              <p:cond delay="2000"/>
+                            </p:stCondLst>
+                            <p:childTnLst>
+                              <p:par>
+                                <p:cTn id="9" presetID="22" presetClass="entr" presetSubtype="8" fill="hold" nodeType="afterEffect">
+                                  <p:stCondLst>
+                                    <p:cond delay="1000"/>
+                                  </p:stCondLst>
+                                  <p:childTnLst>
+                                    <p:set>
+                                      <p:cBhvr>
+                                        <p:cTn id="10" dur="1" fill="hold">
+                                          <p:stCondLst>
+                                            <p:cond delay="0"/>
+                                          </p:stCondLst>
+                                        </p:cTn>
+                                        <p:tgtEl>
+                                          <p:spTgt spid="3">
+                                            <p:txEl>
+                                              <p:pRg st="0" end="0"/>
+                                            </p:txEl>
+                                          </p:spTgt>
+                                        </p:tgtEl>
+                                        <p:attrNameLst>
+                                          <p:attrName>style.visibility</p:attrName>
+                                        </p:attrNameLst>
+                                      </p:cBhvr>
+                                      <p:to>
+                                        <p:strVal val="visible"/>
+                                      </p:to>
+                                    </p:set>
+                                    <p:animEffect transition="in" filter="wipe(left)">
+                                      <p:cBhvr>
+                                        <p:cTn id="11" dur="500"/>
+                                        <p:tgtEl>
+                                          <p:spTgt spid="3">
+                                            <p:txEl>
+                                              <p:pRg st="0" end="0"/>
+                                            </p:txEl>
+                                          </p:spTgt>
+                                        </p:tgtEl>
+                                      </p:cBhvr>
+                                    </p:animEffect>
+                                  </p:childTnLst>
+                                </p:cTn>
+                              </p:par>
+                            </p:childTnLst>
+                          </p:cTn>
+                        </p:par>
+                        <p:par>
+                          <p:cTn id="12" fill="hold">
+                            <p:stCondLst>
+                              <p:cond delay="3500"/>
+                            </p:stCondLst>
+                            <p:childTnLst>
+                              <p:par>
+                                <p:cTn id="13" presetID="22" presetClass="entr" presetSubtype="8" fill="hold" nodeType="afterEffect">
+                                  <p:stCondLst>
+                                    <p:cond delay="2000"/>
+                                  </p:stCondLst>
+                                  <p:childTnLst>
+                                    <p:set>
+                                      <p:cBhvr>
+                                        <p:cTn id="14" dur="1" fill="hold">
+                                          <p:stCondLst>
+                                            <p:cond delay="0"/>
+                                          </p:stCondLst>
+                                        </p:cTn>
+                                        <p:tgtEl>
+                                          <p:spTgt spid="3">
+                                            <p:txEl>
+                                              <p:pRg st="2" end="2"/>
+                                            </p:txEl>
+                                          </p:spTgt>
+                                        </p:tgtEl>
+                                        <p:attrNameLst>
+                                          <p:attrName>style.visibility</p:attrName>
+                                        </p:attrNameLst>
+                                      </p:cBhvr>
+                                      <p:to>
+                                        <p:strVal val="visible"/>
+                                      </p:to>
+                                    </p:set>
+                                    <p:animEffect transition="in" filter="wipe(left)">
+                                      <p:cBhvr>
+                                        <p:cTn id="15" dur="500"/>
+                                        <p:tgtEl>
+                                          <p:spTgt spid="3">
+                                            <p:txEl>
+                                              <p:pRg st="2" end="2"/>
+                                            </p:txEl>
+                                          </p:spTgt>
+                                        </p:tgtEl>
+                                      </p:cBhvr>
+                                    </p:animEffect>
+                                  </p:childTnLst>
+                                </p:cTn>
+                              </p:par>
+                            </p:childTnLst>
+                          </p:cTn>
+                        </p:par>
+                        <p:par>
+                          <p:cTn id="16" fill="hold">
+                            <p:stCondLst>
+                              <p:cond delay="6000"/>
+                            </p:stCondLst>
+                            <p:childTnLst>
+                              <p:par>
+                                <p:cTn id="17" presetID="22" presetClass="entr" presetSubtype="8" fill="hold" nodeType="afterEffect">
+                                  <p:stCondLst>
+                                    <p:cond delay="2000"/>
+                                  </p:stCondLst>
+                                  <p:childTnLst>
+                                    <p:set>
+                                      <p:cBhvr>
+                                        <p:cTn id="18" dur="1" fill="hold">
+                                          <p:stCondLst>
+                                            <p:cond delay="0"/>
+                                          </p:stCondLst>
+                                        </p:cTn>
+                                        <p:tgtEl>
+                                          <p:spTgt spid="3">
+                                            <p:txEl>
+                                              <p:pRg st="4" end="4"/>
+                                            </p:txEl>
+                                          </p:spTgt>
+                                        </p:tgtEl>
+                                        <p:attrNameLst>
+                                          <p:attrName>style.visibility</p:attrName>
+                                        </p:attrNameLst>
+                                      </p:cBhvr>
+                                      <p:to>
+                                        <p:strVal val="visible"/>
+                                      </p:to>
+                                    </p:set>
+                                    <p:animEffect transition="in" filter="wipe(left)">
+                                      <p:cBhvr>
+                                        <p:cTn id="19" dur="500"/>
+                                        <p:tgtEl>
+                                          <p:spTgt spid="3">
+                                            <p:txEl>
+                                              <p:pRg st="4" end="4"/>
+                                            </p:txEl>
+                                          </p:spTgt>
+                                        </p:tgtEl>
+                                      </p:cBhvr>
+                                    </p:animEffect>
+                                  </p:childTnLst>
+                                </p:cTn>
+                              </p:par>
+                            </p:childTnLst>
+                          </p:cTn>
+                        </p:par>
+                      </p:childTnLst>
+                    </p:cTn>
+                  </p:par>
+                </p:childTnLst>
+              </p:cTn>
+              <p:prevCondLst>
+                <p:cond evt="onPrev" delay="0">
+                  <p:tgtEl>
+                    <p:sldTgt/>
+                  </p:tgtEl>
+                </p:cond>
+              </p:prevCondLst>
+              <p:nextCondLst>
+                <p:cond evt="onNext" delay="0">
+                  <p:tgtEl>
+                    <p:sldTgt/>
+                  </p:tgtEl>
+                </p:cond>
+              </p:nextCondLst>
+            </p:seq>
+          </p:childTnLst>
+        </p:cTn>
+      </p:par>
+    </p:tnLst>
+    <p:bldLst>
+      <p:bldP spid="2" grpId="0"/>
+    </p:bldLst>
+  </p:timing>
 </p:sld>
 </file>
 
-<file path=ppt/slides/slide8.xml><?xml version="1.0" encoding="utf-8"?>
+<file path=ppt/slides/slide9.xml><?xml version="1.0" encoding="utf-8"?>
 <p:sld xmlns:a="http://schemas.openxmlformats.org/drawingml/2006/main" xmlns:r="http://schemas.openxmlformats.org/officeDocument/2006/relationships" xmlns:p="http://schemas.openxmlformats.org/presentationml/2006/main">
   <p:cSld>
     <p:spTree>
@@ -12302,6 +16888,42 @@
           <a:chExt cx="0" cy="0"/>
         </a:xfrm>
       </p:grpSpPr>
+      <p:pic>
+        <p:nvPicPr>
+          <p:cNvPr id="4" name="Grafik 3"/>
+          <p:cNvPicPr>
+            <a:picLocks noChangeAspect="1"/>
+          </p:cNvPicPr>
+          <p:nvPr/>
+        </p:nvPicPr>
+        <p:blipFill>
+          <a:blip r:embed="rId2" cstate="print">
+            <a:extLst>
+              <a:ext uri="{28A0092B-C50C-407E-A947-70E740481C1C}">
+                <a14:useLocalDpi xmlns:a14="http://schemas.microsoft.com/office/drawing/2010/main" val="0"/>
+              </a:ext>
+            </a:extLst>
+          </a:blip>
+          <a:stretch>
+            <a:fillRect/>
+          </a:stretch>
+        </p:blipFill>
+        <p:spPr>
+          <a:xfrm>
+            <a:off x="138331" y="0"/>
+            <a:ext cx="8826157" cy="4948014"/>
+          </a:xfrm>
+          <a:prstGeom prst="rect">
+            <a:avLst/>
+          </a:prstGeom>
+          <a:ln>
+            <a:noFill/>
+          </a:ln>
+          <a:effectLst>
+            <a:softEdge rad="317500"/>
+          </a:effectLst>
+        </p:spPr>
+      </p:pic>
       <p:sp>
         <p:nvSpPr>
           <p:cNvPr id="2" name="Titel 1"/>
@@ -12326,13 +16948,13 @@
           <a:p>
             <a:pPr algn="ctr"/>
             <a:r>
-              <a:rPr lang="de-DE" dirty="0" smtClean="0">
+              <a:rPr lang="de-DE" sz="3600" dirty="0" smtClean="0">
                 <a:latin typeface="MV Boli" pitchFamily="2" charset="0"/>
                 <a:cs typeface="MV Boli" pitchFamily="2" charset="0"/>
               </a:rPr>
-              <a:t>Progress Planning</a:t>
+              <a:t>Any Questions?</a:t>
             </a:r>
-            <a:endParaRPr lang="de-DE" dirty="0">
+            <a:endParaRPr lang="de-DE" sz="3600" dirty="0">
               <a:latin typeface="MV Boli" pitchFamily="2" charset="0"/>
               <a:cs typeface="MV Boli" pitchFamily="2" charset="0"/>
             </a:endParaRPr>
@@ -12351,31 +16973,104 @@
         </p:nvSpPr>
         <p:spPr>
           <a:xfrm>
-            <a:off x="971600" y="1167594"/>
-            <a:ext cx="7560840" cy="3672408"/>
+            <a:off x="971600" y="1491630"/>
+            <a:ext cx="7560840" cy="3348372"/>
           </a:xfrm>
         </p:spPr>
         <p:txBody>
           <a:bodyPr>
-            <a:normAutofit/>
+            <a:normAutofit lnSpcReduction="10000"/>
           </a:bodyPr>
           <a:lstStyle/>
           <a:p>
+            <a:pPr algn="ctr"/>
             <a:r>
-              <a:rPr lang="de-DE" dirty="0" smtClean="0">
+              <a:rPr lang="de-DE" u="sng" dirty="0">
                 <a:latin typeface="MV Boli" pitchFamily="2" charset="0"/>
                 <a:cs typeface="MV Boli" pitchFamily="2" charset="0"/>
               </a:rPr>
-              <a:t>Scope (session länge + bereits bekannte details) + progress beschreibung (Skelleton-Version) </a:t>
+              <a:t>Team </a:t>
             </a:r>
             <a:r>
-              <a:rPr lang="de-DE" dirty="0" smtClean="0">
+              <a:rPr lang="de-DE" u="sng" dirty="0" smtClean="0">
                 <a:latin typeface="MV Boli" pitchFamily="2" charset="0"/>
                 <a:cs typeface="MV Boli" pitchFamily="2" charset="0"/>
-                <a:sym typeface="Wingdings" pitchFamily="2" charset="2"/>
               </a:rPr>
-              <a:t>wie kommen wir dahin?</a:t>
+              <a:t>13</a:t>
             </a:r>
+            <a:endParaRPr lang="de-DE" u="sng" dirty="0">
+              <a:latin typeface="MV Boli" pitchFamily="2" charset="0"/>
+              <a:cs typeface="MV Boli" pitchFamily="2" charset="0"/>
+            </a:endParaRPr>
+          </a:p>
+          <a:p>
+            <a:pPr algn="ctr"/>
+            <a:endParaRPr lang="de-DE" dirty="0">
+              <a:latin typeface="MV Boli" pitchFamily="2" charset="0"/>
+              <a:cs typeface="MV Boli" pitchFamily="2" charset="0"/>
+            </a:endParaRPr>
+          </a:p>
+          <a:p>
+            <a:pPr algn="ctr"/>
+            <a:r>
+              <a:rPr lang="de-DE" dirty="0">
+                <a:latin typeface="MV Boli" pitchFamily="2" charset="0"/>
+                <a:cs typeface="MV Boli" pitchFamily="2" charset="0"/>
+              </a:rPr>
+              <a:t>Games Academy Frankfurt</a:t>
+            </a:r>
+          </a:p>
+          <a:p>
+            <a:pPr algn="ctr"/>
+            <a:endParaRPr lang="de-DE" dirty="0">
+              <a:latin typeface="MV Boli" pitchFamily="2" charset="0"/>
+              <a:cs typeface="MV Boli" pitchFamily="2" charset="0"/>
+            </a:endParaRPr>
+          </a:p>
+          <a:p>
+            <a:pPr algn="ctr"/>
+            <a:r>
+              <a:rPr lang="de-DE" dirty="0">
+                <a:latin typeface="MV Boli" pitchFamily="2" charset="0"/>
+                <a:cs typeface="MV Boli" pitchFamily="2" charset="0"/>
+              </a:rPr>
+              <a:t>Hanauer Landstraße 146</a:t>
+            </a:r>
+          </a:p>
+          <a:p>
+            <a:pPr algn="ctr"/>
+            <a:r>
+              <a:rPr lang="de-DE" dirty="0">
+                <a:latin typeface="MV Boli" pitchFamily="2" charset="0"/>
+                <a:cs typeface="MV Boli" pitchFamily="2" charset="0"/>
+              </a:rPr>
+              <a:t>60314 Frankfurt am Main</a:t>
+            </a:r>
+          </a:p>
+          <a:p>
+            <a:pPr algn="ctr"/>
+            <a:endParaRPr lang="de-DE" dirty="0">
+              <a:latin typeface="MV Boli" pitchFamily="2" charset="0"/>
+              <a:cs typeface="MV Boli" pitchFamily="2" charset="0"/>
+            </a:endParaRPr>
+          </a:p>
+          <a:p>
+            <a:pPr algn="ctr"/>
+            <a:r>
+              <a:rPr lang="de-DE" dirty="0">
+                <a:latin typeface="MV Boli" pitchFamily="2" charset="0"/>
+                <a:cs typeface="MV Boli" pitchFamily="2" charset="0"/>
+              </a:rPr>
+              <a:t>Sonja.Koeck@games-academy.de</a:t>
+            </a:r>
+          </a:p>
+          <a:p>
+            <a:endParaRPr lang="de-DE" dirty="0" smtClean="0">
+              <a:latin typeface="MV Boli" pitchFamily="2" charset="0"/>
+              <a:cs typeface="MV Boli" pitchFamily="2" charset="0"/>
+            </a:endParaRPr>
+          </a:p>
+          <a:p>
             <a:endParaRPr lang="de-DE" dirty="0">
               <a:latin typeface="MV Boli" pitchFamily="2" charset="0"/>
               <a:cs typeface="MV Boli" pitchFamily="2" charset="0"/>
@@ -12386,13 +17081,102 @@
     </p:spTree>
     <p:extLst>
       <p:ext uri="{BB962C8B-B14F-4D97-AF65-F5344CB8AC3E}">
-        <p14:creationId xmlns:p14="http://schemas.microsoft.com/office/powerpoint/2010/main" val="816087349"/>
+        <p14:creationId xmlns:p14="http://schemas.microsoft.com/office/powerpoint/2010/main" val="529080763"/>
       </p:ext>
     </p:extLst>
   </p:cSld>
   <p:clrMapOvr>
     <a:masterClrMapping/>
   </p:clrMapOvr>
+  <p:timing>
+    <p:tnLst>
+      <p:par>
+        <p:cTn id="1" dur="indefinite" restart="never" nodeType="tmRoot">
+          <p:childTnLst>
+            <p:seq concurrent="1" nextAc="seek">
+              <p:cTn id="2" dur="indefinite" nodeType="mainSeq">
+                <p:childTnLst>
+                  <p:par>
+                    <p:cTn id="3" fill="hold">
+                      <p:stCondLst>
+                        <p:cond delay="indefinite"/>
+                        <p:cond evt="onBegin" delay="0">
+                          <p:tn val="2"/>
+                        </p:cond>
+                      </p:stCondLst>
+                      <p:childTnLst>
+                        <p:par>
+                          <p:cTn id="4" fill="hold">
+                            <p:stCondLst>
+                              <p:cond delay="0"/>
+                            </p:stCondLst>
+                            <p:childTnLst>
+                              <p:par>
+                                <p:cTn id="5" presetID="6" presetClass="entr" presetSubtype="32" fill="hold" grpId="0" nodeType="withEffect">
+                                  <p:stCondLst>
+                                    <p:cond delay="0"/>
+                                  </p:stCondLst>
+                                  <p:childTnLst>
+                                    <p:set>
+                                      <p:cBhvr>
+                                        <p:cTn id="6" dur="1" fill="hold">
+                                          <p:stCondLst>
+                                            <p:cond delay="0"/>
+                                          </p:stCondLst>
+                                        </p:cTn>
+                                        <p:tgtEl>
+                                          <p:spTgt spid="2"/>
+                                        </p:tgtEl>
+                                        <p:attrNameLst>
+                                          <p:attrName>style.visibility</p:attrName>
+                                        </p:attrNameLst>
+                                      </p:cBhvr>
+                                      <p:to>
+                                        <p:strVal val="visible"/>
+                                      </p:to>
+                                    </p:set>
+                                    <p:animEffect transition="in" filter="circle(out)">
+                                      <p:cBhvr>
+                                        <p:cTn id="7" dur="2000"/>
+                                        <p:tgtEl>
+                                          <p:spTgt spid="2"/>
+                                        </p:tgtEl>
+                                      </p:cBhvr>
+                                    </p:animEffect>
+                                  </p:childTnLst>
+                                </p:cTn>
+                              </p:par>
+                            </p:childTnLst>
+                          </p:cTn>
+                        </p:par>
+                      </p:childTnLst>
+                    </p:cTn>
+                  </p:par>
+                </p:childTnLst>
+              </p:cTn>
+              <p:prevCondLst>
+                <p:cond evt="onPrev" delay="0">
+                  <p:tgtEl>
+                    <p:sldTgt/>
+                  </p:tgtEl>
+                </p:cond>
+              </p:prevCondLst>
+              <p:nextCondLst>
+                <p:cond evt="onNext" delay="0">
+                  <p:tgtEl>
+                    <p:sldTgt/>
+                  </p:tgtEl>
+                </p:cond>
+              </p:nextCondLst>
+            </p:seq>
+          </p:childTnLst>
+        </p:cTn>
+      </p:par>
+    </p:tnLst>
+    <p:bldLst>
+      <p:bldP spid="2" grpId="0"/>
+    </p:bldLst>
+  </p:timing>
 </p:sld>
 </file>
 

--- a/_Organisation/Präsentation/Voodoo.pptx
+++ b/_Organisation/Präsentation/Voodoo.pptx
@@ -12583,15 +12583,6 @@
               </a:rPr>
               <a:t>Voodoo is a 3D platformer for lovers of the occult with minimized stealth-elements.</a:t>
             </a:r>
-            <a:endParaRPr lang="de-DE" dirty="0" smtClean="0">
-              <a:solidFill>
-                <a:schemeClr val="tx1">
-                  <a:lumMod val="95000"/>
-                </a:schemeClr>
-              </a:solidFill>
-              <a:latin typeface="MV Boli" pitchFamily="2" charset="0"/>
-              <a:cs typeface="MV Boli" pitchFamily="2" charset="0"/>
-            </a:endParaRPr>
           </a:p>
           <a:p>
             <a:r>
@@ -15597,7 +15588,34 @@
                 <a:latin typeface="MV Boli" pitchFamily="2" charset="0"/>
                 <a:cs typeface="MV Boli" pitchFamily="2" charset="0"/>
               </a:rPr>
-              <a:t>	Tobias </a:t>
+              <a:t>	Tobias Schuster</a:t>
+            </a:r>
+          </a:p>
+          <a:p>
+            <a:pPr lvl="0"/>
+            <a:endParaRPr lang="en-GB" sz="1800" dirty="0" smtClean="0">
+              <a:solidFill>
+                <a:schemeClr val="tx1">
+                  <a:lumMod val="95000"/>
+                </a:schemeClr>
+              </a:solidFill>
+              <a:latin typeface="MV Boli" pitchFamily="2" charset="0"/>
+              <a:cs typeface="MV Boli" pitchFamily="2" charset="0"/>
+            </a:endParaRPr>
+          </a:p>
+          <a:p>
+            <a:pPr lvl="0"/>
+            <a:r>
+              <a:rPr lang="en-GB" sz="1800" b="1" dirty="0" smtClean="0">
+                <a:solidFill>
+                  <a:schemeClr val="tx1">
+                    <a:lumMod val="95000"/>
+                  </a:schemeClr>
+                </a:solidFill>
+                <a:latin typeface="MV Boli" pitchFamily="2" charset="0"/>
+                <a:cs typeface="MV Boli" pitchFamily="2" charset="0"/>
+              </a:rPr>
+              <a:t>						Art:</a:t>
             </a:r>
             <a:r>
               <a:rPr lang="en-GB" sz="1800" dirty="0" smtClean="0">
@@ -15609,92 +15627,8 @@
                 <a:latin typeface="MV Boli" pitchFamily="2" charset="0"/>
                 <a:cs typeface="MV Boli" pitchFamily="2" charset="0"/>
               </a:rPr>
-              <a:t>Schuster</a:t>
+              <a:t>		Marlou Nolting</a:t>
             </a:r>
-          </a:p>
-          <a:p>
-            <a:pPr lvl="0"/>
-            <a:endParaRPr lang="en-GB" sz="1800" dirty="0" smtClean="0">
-              <a:solidFill>
-                <a:schemeClr val="tx1">
-                  <a:lumMod val="95000"/>
-                </a:schemeClr>
-              </a:solidFill>
-              <a:latin typeface="MV Boli" pitchFamily="2" charset="0"/>
-              <a:cs typeface="MV Boli" pitchFamily="2" charset="0"/>
-            </a:endParaRPr>
-          </a:p>
-          <a:p>
-            <a:pPr lvl="0"/>
-            <a:r>
-              <a:rPr lang="en-GB" sz="1800" b="1" dirty="0" smtClean="0">
-                <a:solidFill>
-                  <a:schemeClr val="tx1">
-                    <a:lumMod val="95000"/>
-                  </a:schemeClr>
-                </a:solidFill>
-                <a:latin typeface="MV Boli" pitchFamily="2" charset="0"/>
-                <a:cs typeface="MV Boli" pitchFamily="2" charset="0"/>
-              </a:rPr>
-              <a:t>						</a:t>
-            </a:r>
-            <a:r>
-              <a:rPr lang="en-GB" sz="1800" b="1" dirty="0" smtClean="0">
-                <a:solidFill>
-                  <a:schemeClr val="tx1">
-                    <a:lumMod val="95000"/>
-                  </a:schemeClr>
-                </a:solidFill>
-                <a:latin typeface="MV Boli" pitchFamily="2" charset="0"/>
-                <a:cs typeface="MV Boli" pitchFamily="2" charset="0"/>
-              </a:rPr>
-              <a:t>Art</a:t>
-            </a:r>
-            <a:r>
-              <a:rPr lang="en-GB" sz="1800" b="1" dirty="0" smtClean="0">
-                <a:solidFill>
-                  <a:schemeClr val="tx1">
-                    <a:lumMod val="95000"/>
-                  </a:schemeClr>
-                </a:solidFill>
-                <a:latin typeface="MV Boli" pitchFamily="2" charset="0"/>
-                <a:cs typeface="MV Boli" pitchFamily="2" charset="0"/>
-              </a:rPr>
-              <a:t>:</a:t>
-            </a:r>
-            <a:r>
-              <a:rPr lang="en-GB" sz="1800" dirty="0" smtClean="0">
-                <a:solidFill>
-                  <a:schemeClr val="tx1">
-                    <a:lumMod val="95000"/>
-                  </a:schemeClr>
-                </a:solidFill>
-                <a:latin typeface="MV Boli" pitchFamily="2" charset="0"/>
-                <a:cs typeface="MV Boli" pitchFamily="2" charset="0"/>
-              </a:rPr>
-              <a:t>		</a:t>
-            </a:r>
-            <a:r>
-              <a:rPr lang="en-GB" sz="1800" dirty="0" smtClean="0">
-                <a:solidFill>
-                  <a:schemeClr val="tx1">
-                    <a:lumMod val="95000"/>
-                  </a:schemeClr>
-                </a:solidFill>
-                <a:latin typeface="MV Boli" pitchFamily="2" charset="0"/>
-                <a:cs typeface="MV Boli" pitchFamily="2" charset="0"/>
-              </a:rPr>
-              <a:t>Marlou Nolting</a:t>
-            </a:r>
-            <a:endParaRPr lang="en-GB" sz="1800" dirty="0" smtClean="0">
-              <a:solidFill>
-                <a:schemeClr val="tx1">
-                  <a:lumMod val="95000"/>
-                </a:schemeClr>
-              </a:solidFill>
-              <a:latin typeface="MV Boli" pitchFamily="2" charset="0"/>
-              <a:cs typeface="MV Boli" pitchFamily="2" charset="0"/>
-            </a:endParaRPr>
           </a:p>
           <a:p>
             <a:pPr lvl="0"/>
@@ -15708,31 +15642,7 @@
                 <a:latin typeface="MV Boli" pitchFamily="2" charset="0"/>
                 <a:cs typeface="MV Boli" pitchFamily="2" charset="0"/>
               </a:rPr>
-              <a:t>								</a:t>
-            </a:r>
-            <a:r>
-              <a:rPr lang="en-GB" sz="1800" dirty="0" smtClean="0">
-                <a:solidFill>
-                  <a:schemeClr val="tx1">
-                    <a:lumMod val="95000"/>
-                  </a:schemeClr>
-                </a:solidFill>
-                <a:latin typeface="MV Boli" pitchFamily="2" charset="0"/>
-                <a:cs typeface="MV Boli" pitchFamily="2" charset="0"/>
-              </a:rPr>
-              <a:t>Jesse </a:t>
-            </a:r>
-            <a:r>
-              <a:rPr lang="en-GB" sz="1800" dirty="0" smtClean="0">
-                <a:solidFill>
-                  <a:schemeClr val="tx1">
-                    <a:lumMod val="95000"/>
-                  </a:schemeClr>
-                </a:solidFill>
-                <a:latin typeface="MV Boli" pitchFamily="2" charset="0"/>
-                <a:cs typeface="MV Boli" pitchFamily="2" charset="0"/>
-              </a:rPr>
-              <a:t>Haines</a:t>
+              <a:t>								Jesse Haines</a:t>
             </a:r>
           </a:p>
           <a:p>
@@ -15747,29 +15657,8 @@
                 <a:latin typeface="MV Boli" pitchFamily="2" charset="0"/>
                 <a:cs typeface="MV Boli" pitchFamily="2" charset="0"/>
               </a:rPr>
-              <a:t>								</a:t>
+              <a:t>								Michelle Mohn</a:t>
             </a:r>
-            <a:r>
-              <a:rPr lang="en-GB" sz="1800" dirty="0" smtClean="0">
-                <a:solidFill>
-                  <a:schemeClr val="tx1">
-                    <a:lumMod val="95000"/>
-                  </a:schemeClr>
-                </a:solidFill>
-                <a:latin typeface="MV Boli" pitchFamily="2" charset="0"/>
-                <a:cs typeface="MV Boli" pitchFamily="2" charset="0"/>
-              </a:rPr>
-              <a:t>Michelle Mohn</a:t>
-            </a:r>
-            <a:endParaRPr lang="en-GB" sz="1800" dirty="0" smtClean="0">
-              <a:solidFill>
-                <a:schemeClr val="tx1">
-                  <a:lumMod val="95000"/>
-                </a:schemeClr>
-              </a:solidFill>
-              <a:latin typeface="MV Boli" pitchFamily="2" charset="0"/>
-              <a:cs typeface="MV Boli" pitchFamily="2" charset="0"/>
-            </a:endParaRPr>
           </a:p>
           <a:p>
             <a:pPr lvl="0"/>
@@ -15783,19 +15672,7 @@
                 <a:latin typeface="MV Boli" pitchFamily="2" charset="0"/>
                 <a:cs typeface="MV Boli" pitchFamily="2" charset="0"/>
               </a:rPr>
-              <a:t>								</a:t>
-            </a:r>
-            <a:r>
-              <a:rPr lang="en-GB" sz="1800" dirty="0" smtClean="0">
-                <a:solidFill>
-                  <a:schemeClr val="tx1">
-                    <a:lumMod val="95000"/>
-                  </a:schemeClr>
-                </a:solidFill>
-                <a:latin typeface="MV Boli" pitchFamily="2" charset="0"/>
-                <a:cs typeface="MV Boli" pitchFamily="2" charset="0"/>
-              </a:rPr>
-              <a:t>Levin Lang</a:t>
+              <a:t>								Levin Lang</a:t>
             </a:r>
           </a:p>
           <a:p>
@@ -15812,15 +15689,6 @@
               </a:rPr>
               <a:t>								Michelle Gaußmann </a:t>
             </a:r>
-            <a:endParaRPr lang="en-GB" sz="1800" dirty="0" smtClean="0">
-              <a:solidFill>
-                <a:schemeClr val="tx1">
-                  <a:lumMod val="95000"/>
-                </a:schemeClr>
-              </a:solidFill>
-              <a:latin typeface="MV Boli" pitchFamily="2" charset="0"/>
-              <a:cs typeface="MV Boli" pitchFamily="2" charset="0"/>
-            </a:endParaRPr>
           </a:p>
           <a:p>
             <a:pPr lvl="0"/>
@@ -16594,10 +16462,6 @@
               </a:rPr>
               <a:t>First core mechanic: Clairvoyance</a:t>
             </a:r>
-            <a:endParaRPr lang="de-DE" sz="1800" dirty="0" smtClean="0">
-              <a:latin typeface="MV Boli" pitchFamily="2" charset="0"/>
-              <a:cs typeface="MV Boli" pitchFamily="2" charset="0"/>
-            </a:endParaRPr>
           </a:p>
           <a:p>
             <a:endParaRPr lang="de-DE" dirty="0" smtClean="0">
@@ -17078,6 +16942,36 @@
           </a:p>
         </p:txBody>
       </p:sp>
+      <p:pic>
+        <p:nvPicPr>
+          <p:cNvPr id="5" name="Grafik 4"/>
+          <p:cNvPicPr>
+            <a:picLocks noChangeAspect="1"/>
+          </p:cNvPicPr>
+          <p:nvPr/>
+        </p:nvPicPr>
+        <p:blipFill>
+          <a:blip r:embed="rId3" cstate="print">
+            <a:extLst>
+              <a:ext uri="{28A0092B-C50C-407E-A947-70E740481C1C}">
+                <a14:useLocalDpi xmlns:a14="http://schemas.microsoft.com/office/drawing/2010/main" val="0"/>
+              </a:ext>
+            </a:extLst>
+          </a:blip>
+          <a:stretch>
+            <a:fillRect/>
+          </a:stretch>
+        </p:blipFill>
+        <p:spPr>
+          <a:xfrm rot="240000">
+            <a:off x="5220072" y="-236562"/>
+            <a:ext cx="4006980" cy="4916598"/>
+          </a:xfrm>
+          <a:prstGeom prst="rect">
+            <a:avLst/>
+          </a:prstGeom>
+        </p:spPr>
+      </p:pic>
     </p:spTree>
     <p:extLst>
       <p:ext uri="{BB962C8B-B14F-4D97-AF65-F5344CB8AC3E}">
@@ -17140,6 +17034,301 @@
                                         <p:cTn id="7" dur="2000"/>
                                         <p:tgtEl>
                                           <p:spTgt spid="2"/>
+                                        </p:tgtEl>
+                                      </p:cBhvr>
+                                    </p:animEffect>
+                                  </p:childTnLst>
+                                </p:cTn>
+                              </p:par>
+                              <p:par>
+                                <p:cTn id="8" presetID="16" presetClass="entr" presetSubtype="37" fill="hold" nodeType="withEffect">
+                                  <p:stCondLst>
+                                    <p:cond delay="0"/>
+                                  </p:stCondLst>
+                                  <p:childTnLst>
+                                    <p:set>
+                                      <p:cBhvr>
+                                        <p:cTn id="9" dur="1" fill="hold">
+                                          <p:stCondLst>
+                                            <p:cond delay="0"/>
+                                          </p:stCondLst>
+                                        </p:cTn>
+                                        <p:tgtEl>
+                                          <p:spTgt spid="5"/>
+                                        </p:tgtEl>
+                                        <p:attrNameLst>
+                                          <p:attrName>style.visibility</p:attrName>
+                                        </p:attrNameLst>
+                                      </p:cBhvr>
+                                      <p:to>
+                                        <p:strVal val="visible"/>
+                                      </p:to>
+                                    </p:set>
+                                    <p:animEffect transition="in" filter="barn(outVertical)">
+                                      <p:cBhvr>
+                                        <p:cTn id="10" dur="500"/>
+                                        <p:tgtEl>
+                                          <p:spTgt spid="5"/>
+                                        </p:tgtEl>
+                                      </p:cBhvr>
+                                    </p:animEffect>
+                                  </p:childTnLst>
+                                </p:cTn>
+                              </p:par>
+                            </p:childTnLst>
+                          </p:cTn>
+                        </p:par>
+                        <p:par>
+                          <p:cTn id="11" fill="hold">
+                            <p:stCondLst>
+                              <p:cond delay="2000"/>
+                            </p:stCondLst>
+                            <p:childTnLst>
+                              <p:par>
+                                <p:cTn id="12" presetID="22" presetClass="entr" presetSubtype="4" fill="hold" nodeType="afterEffect">
+                                  <p:stCondLst>
+                                    <p:cond delay="500"/>
+                                  </p:stCondLst>
+                                  <p:childTnLst>
+                                    <p:set>
+                                      <p:cBhvr>
+                                        <p:cTn id="13" dur="1" fill="hold">
+                                          <p:stCondLst>
+                                            <p:cond delay="0"/>
+                                          </p:stCondLst>
+                                        </p:cTn>
+                                        <p:tgtEl>
+                                          <p:spTgt spid="3">
+                                            <p:txEl>
+                                              <p:pRg st="0" end="0"/>
+                                            </p:txEl>
+                                          </p:spTgt>
+                                        </p:tgtEl>
+                                        <p:attrNameLst>
+                                          <p:attrName>style.visibility</p:attrName>
+                                        </p:attrNameLst>
+                                      </p:cBhvr>
+                                      <p:to>
+                                        <p:strVal val="visible"/>
+                                      </p:to>
+                                    </p:set>
+                                    <p:animEffect transition="in" filter="wipe(down)">
+                                      <p:cBhvr>
+                                        <p:cTn id="14" dur="500"/>
+                                        <p:tgtEl>
+                                          <p:spTgt spid="3">
+                                            <p:txEl>
+                                              <p:pRg st="0" end="0"/>
+                                            </p:txEl>
+                                          </p:spTgt>
+                                        </p:tgtEl>
+                                      </p:cBhvr>
+                                    </p:animEffect>
+                                  </p:childTnLst>
+                                </p:cTn>
+                              </p:par>
+                            </p:childTnLst>
+                          </p:cTn>
+                        </p:par>
+                        <p:par>
+                          <p:cTn id="15" fill="hold">
+                            <p:stCondLst>
+                              <p:cond delay="3000"/>
+                            </p:stCondLst>
+                            <p:childTnLst>
+                              <p:par>
+                                <p:cTn id="16" presetID="22" presetClass="entr" presetSubtype="4" fill="hold" nodeType="afterEffect">
+                                  <p:stCondLst>
+                                    <p:cond delay="500"/>
+                                  </p:stCondLst>
+                                  <p:childTnLst>
+                                    <p:set>
+                                      <p:cBhvr>
+                                        <p:cTn id="17" dur="1" fill="hold">
+                                          <p:stCondLst>
+                                            <p:cond delay="0"/>
+                                          </p:stCondLst>
+                                        </p:cTn>
+                                        <p:tgtEl>
+                                          <p:spTgt spid="3">
+                                            <p:txEl>
+                                              <p:pRg st="2" end="2"/>
+                                            </p:txEl>
+                                          </p:spTgt>
+                                        </p:tgtEl>
+                                        <p:attrNameLst>
+                                          <p:attrName>style.visibility</p:attrName>
+                                        </p:attrNameLst>
+                                      </p:cBhvr>
+                                      <p:to>
+                                        <p:strVal val="visible"/>
+                                      </p:to>
+                                    </p:set>
+                                    <p:animEffect transition="in" filter="wipe(down)">
+                                      <p:cBhvr>
+                                        <p:cTn id="18" dur="500"/>
+                                        <p:tgtEl>
+                                          <p:spTgt spid="3">
+                                            <p:txEl>
+                                              <p:pRg st="2" end="2"/>
+                                            </p:txEl>
+                                          </p:spTgt>
+                                        </p:tgtEl>
+                                      </p:cBhvr>
+                                    </p:animEffect>
+                                  </p:childTnLst>
+                                </p:cTn>
+                              </p:par>
+                            </p:childTnLst>
+                          </p:cTn>
+                        </p:par>
+                        <p:par>
+                          <p:cTn id="19" fill="hold">
+                            <p:stCondLst>
+                              <p:cond delay="4000"/>
+                            </p:stCondLst>
+                            <p:childTnLst>
+                              <p:par>
+                                <p:cTn id="20" presetID="22" presetClass="entr" presetSubtype="4" fill="hold" nodeType="afterEffect">
+                                  <p:stCondLst>
+                                    <p:cond delay="500"/>
+                                  </p:stCondLst>
+                                  <p:childTnLst>
+                                    <p:set>
+                                      <p:cBhvr>
+                                        <p:cTn id="21" dur="1" fill="hold">
+                                          <p:stCondLst>
+                                            <p:cond delay="0"/>
+                                          </p:stCondLst>
+                                        </p:cTn>
+                                        <p:tgtEl>
+                                          <p:spTgt spid="3">
+                                            <p:txEl>
+                                              <p:pRg st="4" end="4"/>
+                                            </p:txEl>
+                                          </p:spTgt>
+                                        </p:tgtEl>
+                                        <p:attrNameLst>
+                                          <p:attrName>style.visibility</p:attrName>
+                                        </p:attrNameLst>
+                                      </p:cBhvr>
+                                      <p:to>
+                                        <p:strVal val="visible"/>
+                                      </p:to>
+                                    </p:set>
+                                    <p:animEffect transition="in" filter="wipe(down)">
+                                      <p:cBhvr>
+                                        <p:cTn id="22" dur="500"/>
+                                        <p:tgtEl>
+                                          <p:spTgt spid="3">
+                                            <p:txEl>
+                                              <p:pRg st="4" end="4"/>
+                                            </p:txEl>
+                                          </p:spTgt>
+                                        </p:tgtEl>
+                                      </p:cBhvr>
+                                    </p:animEffect>
+                                  </p:childTnLst>
+                                </p:cTn>
+                              </p:par>
+                            </p:childTnLst>
+                          </p:cTn>
+                        </p:par>
+                        <p:par>
+                          <p:cTn id="23" fill="hold">
+                            <p:stCondLst>
+                              <p:cond delay="5000"/>
+                            </p:stCondLst>
+                            <p:childTnLst>
+                              <p:par>
+                                <p:cTn id="24" presetID="22" presetClass="entr" presetSubtype="4" fill="hold" nodeType="afterEffect">
+                                  <p:stCondLst>
+                                    <p:cond delay="500"/>
+                                  </p:stCondLst>
+                                  <p:childTnLst>
+                                    <p:set>
+                                      <p:cBhvr>
+                                        <p:cTn id="25" dur="1" fill="hold">
+                                          <p:stCondLst>
+                                            <p:cond delay="0"/>
+                                          </p:stCondLst>
+                                        </p:cTn>
+                                        <p:tgtEl>
+                                          <p:spTgt spid="3">
+                                            <p:txEl>
+                                              <p:pRg st="5" end="5"/>
+                                            </p:txEl>
+                                          </p:spTgt>
+                                        </p:tgtEl>
+                                        <p:attrNameLst>
+                                          <p:attrName>style.visibility</p:attrName>
+                                        </p:attrNameLst>
+                                      </p:cBhvr>
+                                      <p:to>
+                                        <p:strVal val="visible"/>
+                                      </p:to>
+                                    </p:set>
+                                    <p:animEffect transition="in" filter="wipe(down)">
+                                      <p:cBhvr>
+                                        <p:cTn id="26" dur="500"/>
+                                        <p:tgtEl>
+                                          <p:spTgt spid="3">
+                                            <p:txEl>
+                                              <p:pRg st="5" end="5"/>
+                                            </p:txEl>
+                                          </p:spTgt>
+                                        </p:tgtEl>
+                                      </p:cBhvr>
+                                    </p:animEffect>
+                                  </p:childTnLst>
+                                </p:cTn>
+                              </p:par>
+                            </p:childTnLst>
+                          </p:cTn>
+                        </p:par>
+                        <p:par>
+                          <p:cTn id="27" fill="hold">
+                            <p:stCondLst>
+                              <p:cond delay="6000"/>
+                            </p:stCondLst>
+                            <p:childTnLst>
+                              <p:par>
+                                <p:cTn id="28" presetID="22" presetClass="entr" presetSubtype="4" fill="hold" nodeType="afterEffect">
+                                  <p:stCondLst>
+                                    <p:cond delay="500"/>
+                                  </p:stCondLst>
+                                  <p:childTnLst>
+                                    <p:set>
+                                      <p:cBhvr>
+                                        <p:cTn id="29" dur="1" fill="hold">
+                                          <p:stCondLst>
+                                            <p:cond delay="0"/>
+                                          </p:stCondLst>
+                                        </p:cTn>
+                                        <p:tgtEl>
+                                          <p:spTgt spid="3">
+                                            <p:txEl>
+                                              <p:pRg st="7" end="7"/>
+                                            </p:txEl>
+                                          </p:spTgt>
+                                        </p:tgtEl>
+                                        <p:attrNameLst>
+                                          <p:attrName>style.visibility</p:attrName>
+                                        </p:attrNameLst>
+                                      </p:cBhvr>
+                                      <p:to>
+                                        <p:strVal val="visible"/>
+                                      </p:to>
+                                    </p:set>
+                                    <p:animEffect transition="in" filter="wipe(down)">
+                                      <p:cBhvr>
+                                        <p:cTn id="30" dur="500"/>
+                                        <p:tgtEl>
+                                          <p:spTgt spid="3">
+                                            <p:txEl>
+                                              <p:pRg st="7" end="7"/>
+                                            </p:txEl>
+                                          </p:spTgt>
                                         </p:tgtEl>
                                       </p:cBhvr>
                                     </p:animEffect>

--- a/_Organisation/Präsentation/Voodoo.pptx
+++ b/_Organisation/Präsentation/Voodoo.pptx
@@ -4,16 +4,20 @@
   <p:sldMasterIdLst>
     <p:sldMasterId id="2147483924" r:id="rId1"/>
   </p:sldMasterIdLst>
+  <p:notesMasterIdLst>
+    <p:notesMasterId r:id="rId12"/>
+  </p:notesMasterIdLst>
   <p:sldIdLst>
     <p:sldId id="256" r:id="rId2"/>
-    <p:sldId id="257" r:id="rId3"/>
-    <p:sldId id="259" r:id="rId4"/>
-    <p:sldId id="260" r:id="rId5"/>
-    <p:sldId id="258" r:id="rId6"/>
-    <p:sldId id="262" r:id="rId7"/>
-    <p:sldId id="263" r:id="rId8"/>
-    <p:sldId id="261" r:id="rId9"/>
-    <p:sldId id="264" r:id="rId10"/>
+    <p:sldId id="265" r:id="rId3"/>
+    <p:sldId id="257" r:id="rId4"/>
+    <p:sldId id="259" r:id="rId5"/>
+    <p:sldId id="260" r:id="rId6"/>
+    <p:sldId id="258" r:id="rId7"/>
+    <p:sldId id="262" r:id="rId8"/>
+    <p:sldId id="263" r:id="rId9"/>
+    <p:sldId id="261" r:id="rId10"/>
+    <p:sldId id="264" r:id="rId11"/>
   </p:sldIdLst>
   <p:sldSz cx="9144000" cy="5143500" type="screen16x9"/>
   <p:notesSz cx="6858000" cy="9144000"/>
@@ -937,14 +941,14 @@
       </dgm:t>
     </dgm:pt>
     <dgm:pt modelId="{F67AE151-64A6-4306-992F-E380237442EC}">
-      <dgm:prSet phldrT="[Text]"/>
+      <dgm:prSet phldrT="[Text]" custT="1"/>
       <dgm:spPr/>
       <dgm:t>
         <a:bodyPr/>
         <a:lstStyle/>
         <a:p>
           <a:r>
-            <a:rPr lang="de-DE" dirty="0">
+            <a:rPr lang="de-DE" sz="1800" dirty="0">
               <a:latin typeface="MV Boli" pitchFamily="2" charset="0"/>
               <a:cs typeface="MV Boli" pitchFamily="2" charset="0"/>
             </a:rPr>
@@ -976,20 +980,20 @@
       </dgm:t>
     </dgm:pt>
     <dgm:pt modelId="{96628D2C-7EAB-4274-9837-8BDC1B87D12C}">
-      <dgm:prSet phldrT="[Text]"/>
+      <dgm:prSet phldrT="[Text]" custT="1"/>
       <dgm:spPr/>
       <dgm:t>
         <a:bodyPr/>
         <a:lstStyle/>
         <a:p>
           <a:r>
-            <a:rPr lang="de-DE" smtClean="0">
+            <a:rPr lang="de-DE" sz="1800" dirty="0" smtClean="0">
               <a:latin typeface="MV Boli" pitchFamily="2" charset="0"/>
               <a:cs typeface="MV Boli" pitchFamily="2" charset="0"/>
             </a:rPr>
             <a:t>Offering</a:t>
           </a:r>
-          <a:endParaRPr lang="de-DE" dirty="0">
+          <a:endParaRPr lang="de-DE" sz="1800" dirty="0">
             <a:latin typeface="MV Boli" pitchFamily="2" charset="0"/>
             <a:cs typeface="MV Boli" pitchFamily="2" charset="0"/>
           </a:endParaRPr>
@@ -1019,20 +1023,20 @@
       </dgm:t>
     </dgm:pt>
     <dgm:pt modelId="{E7366139-2E93-4E6B-999D-EAC4D31D9442}">
-      <dgm:prSet phldrT="[Text]"/>
+      <dgm:prSet phldrT="[Text]" custT="1"/>
       <dgm:spPr/>
       <dgm:t>
         <a:bodyPr/>
         <a:lstStyle/>
         <a:p>
           <a:r>
-            <a:rPr lang="de-DE" dirty="0" smtClean="0">
+            <a:rPr lang="de-DE" sz="1800" dirty="0" smtClean="0">
               <a:latin typeface="MV Boli" pitchFamily="2" charset="0"/>
               <a:cs typeface="MV Boli" pitchFamily="2" charset="0"/>
             </a:rPr>
             <a:t>Posession</a:t>
           </a:r>
-          <a:endParaRPr lang="de-DE" dirty="0">
+          <a:endParaRPr lang="de-DE" sz="1800" dirty="0">
             <a:latin typeface="MV Boli" pitchFamily="2" charset="0"/>
             <a:cs typeface="MV Boli" pitchFamily="2" charset="0"/>
           </a:endParaRPr>
@@ -1062,21 +1066,21 @@
       </dgm:t>
     </dgm:pt>
     <dgm:pt modelId="{327738D1-4468-4C96-AE85-E76ED1488943}">
-      <dgm:prSet phldrT="[Text]"/>
+      <dgm:prSet phldrT="[Text]" custT="1"/>
       <dgm:spPr/>
       <dgm:t>
         <a:bodyPr/>
         <a:lstStyle/>
         <a:p>
           <a:r>
-            <a:rPr lang="de-DE" dirty="0" smtClean="0">
+            <a:rPr lang="de-DE" sz="1800" dirty="0" smtClean="0">
               <a:latin typeface="MV Boli" pitchFamily="2" charset="0"/>
               <a:cs typeface="MV Boli" pitchFamily="2" charset="0"/>
             </a:rPr>
             <a:t>Open </a:t>
           </a:r>
           <a:r>
-            <a:rPr lang="de-DE" dirty="0">
+            <a:rPr lang="de-DE" sz="1800" dirty="0">
               <a:latin typeface="MV Boli" pitchFamily="2" charset="0"/>
               <a:cs typeface="MV Boli" pitchFamily="2" charset="0"/>
             </a:rPr>
@@ -1209,7 +1213,7 @@
       </dgm:t>
     </dgm:pt>
     <dgm:pt modelId="{BA141A2B-EFCD-406E-9F7A-165081E8E2FA}" type="pres">
-      <dgm:prSet presAssocID="{E7366139-2E93-4E6B-999D-EAC4D31D9442}" presName="node" presStyleLbl="revTx" presStyleIdx="2" presStyleCnt="4">
+      <dgm:prSet presAssocID="{E7366139-2E93-4E6B-999D-EAC4D31D9442}" presName="node" presStyleLbl="revTx" presStyleIdx="2" presStyleCnt="4" custScaleX="113546">
         <dgm:presLayoutVars>
           <dgm:bulletEnabled val="1"/>
         </dgm:presLayoutVars>
@@ -1324,7 +1328,7 @@
       </dsp:nvSpPr>
       <dsp:spPr>
         <a:xfrm>
-          <a:off x="2650039" y="62836"/>
+          <a:off x="2653077" y="62836"/>
           <a:ext cx="991235" cy="991235"/>
         </a:xfrm>
         <a:prstGeom prst="rect">
@@ -1349,12 +1353,12 @@
         <a:fontRef idx="minor"/>
       </dsp:style>
       <dsp:txBody>
-        <a:bodyPr spcFirstLastPara="0" vert="horz" wrap="square" lIns="21590" tIns="21590" rIns="21590" bIns="21590" numCol="1" spcCol="1270" anchor="ctr" anchorCtr="0">
+        <a:bodyPr spcFirstLastPara="0" vert="horz" wrap="square" lIns="22860" tIns="22860" rIns="22860" bIns="22860" numCol="1" spcCol="1270" anchor="ctr" anchorCtr="0">
           <a:noAutofit/>
         </a:bodyPr>
         <a:lstStyle/>
         <a:p>
-          <a:pPr lvl="0" algn="ctr" defTabSz="755650">
+          <a:pPr lvl="0" algn="ctr" defTabSz="800100">
             <a:lnSpc>
               <a:spcPct val="90000"/>
             </a:lnSpc>
@@ -1366,7 +1370,7 @@
             </a:spcAft>
           </a:pPr>
           <a:r>
-            <a:rPr lang="de-DE" sz="1700" kern="1200" dirty="0">
+            <a:rPr lang="de-DE" sz="1800" kern="1200" dirty="0">
               <a:latin typeface="MV Boli" pitchFamily="2" charset="0"/>
               <a:cs typeface="MV Boli" pitchFamily="2" charset="0"/>
             </a:rPr>
@@ -1375,7 +1379,7 @@
         </a:p>
       </dsp:txBody>
       <dsp:txXfrm>
-        <a:off x="2650039" y="62836"/>
+        <a:off x="2653077" y="62836"/>
         <a:ext cx="991235" cy="991235"/>
       </dsp:txXfrm>
     </dsp:sp>
@@ -1386,7 +1390,7 @@
       </dsp:nvSpPr>
       <dsp:spPr>
         <a:xfrm>
-          <a:off x="904936" y="535"/>
+          <a:off x="907973" y="535"/>
           <a:ext cx="2798639" cy="2798639"/>
         </a:xfrm>
         <a:prstGeom prst="circularArrow">
@@ -1468,7 +1472,7 @@
       </dsp:nvSpPr>
       <dsp:spPr>
         <a:xfrm>
-          <a:off x="2650039" y="1745638"/>
+          <a:off x="2653077" y="1745638"/>
           <a:ext cx="991235" cy="991235"/>
         </a:xfrm>
         <a:prstGeom prst="rect">
@@ -1493,12 +1497,12 @@
         <a:fontRef idx="minor"/>
       </dsp:style>
       <dsp:txBody>
-        <a:bodyPr spcFirstLastPara="0" vert="horz" wrap="square" lIns="21590" tIns="21590" rIns="21590" bIns="21590" numCol="1" spcCol="1270" anchor="ctr" anchorCtr="0">
+        <a:bodyPr spcFirstLastPara="0" vert="horz" wrap="square" lIns="22860" tIns="22860" rIns="22860" bIns="22860" numCol="1" spcCol="1270" anchor="ctr" anchorCtr="0">
           <a:noAutofit/>
         </a:bodyPr>
         <a:lstStyle/>
         <a:p>
-          <a:pPr lvl="0" algn="ctr" defTabSz="755650">
+          <a:pPr lvl="0" algn="ctr" defTabSz="800100">
             <a:lnSpc>
               <a:spcPct val="90000"/>
             </a:lnSpc>
@@ -1510,20 +1514,20 @@
             </a:spcAft>
           </a:pPr>
           <a:r>
-            <a:rPr lang="de-DE" sz="1700" kern="1200" smtClean="0">
+            <a:rPr lang="de-DE" sz="1800" kern="1200" dirty="0" smtClean="0">
               <a:latin typeface="MV Boli" pitchFamily="2" charset="0"/>
               <a:cs typeface="MV Boli" pitchFamily="2" charset="0"/>
             </a:rPr>
             <a:t>Offering</a:t>
           </a:r>
-          <a:endParaRPr lang="de-DE" sz="1700" kern="1200" dirty="0">
+          <a:endParaRPr lang="de-DE" sz="1800" kern="1200" dirty="0">
             <a:latin typeface="MV Boli" pitchFamily="2" charset="0"/>
             <a:cs typeface="MV Boli" pitchFamily="2" charset="0"/>
           </a:endParaRPr>
         </a:p>
       </dsp:txBody>
       <dsp:txXfrm>
-        <a:off x="2650039" y="1745638"/>
+        <a:off x="2653077" y="1745638"/>
         <a:ext cx="991235" cy="991235"/>
       </dsp:txXfrm>
     </dsp:sp>
@@ -1534,14 +1538,14 @@
       </dsp:nvSpPr>
       <dsp:spPr>
         <a:xfrm>
-          <a:off x="904936" y="535"/>
+          <a:off x="907973" y="535"/>
           <a:ext cx="2798639" cy="2798639"/>
         </a:xfrm>
         <a:prstGeom prst="circularArrow">
           <a:avLst>
             <a:gd name="adj1" fmla="val 6907"/>
             <a:gd name="adj2" fmla="val 465712"/>
-            <a:gd name="adj3" fmla="val 5947898"/>
+            <a:gd name="adj3" fmla="val 5746860"/>
             <a:gd name="adj4" fmla="val 4386389"/>
             <a:gd name="adj5" fmla="val 8058"/>
           </a:avLst>
@@ -1616,8 +1620,8 @@
       </dsp:nvSpPr>
       <dsp:spPr>
         <a:xfrm>
-          <a:off x="967237" y="1745638"/>
-          <a:ext cx="991235" cy="991235"/>
+          <a:off x="903138" y="1745638"/>
+          <a:ext cx="1125507" cy="991235"/>
         </a:xfrm>
         <a:prstGeom prst="rect">
           <a:avLst/>
@@ -1641,12 +1645,12 @@
         <a:fontRef idx="minor"/>
       </dsp:style>
       <dsp:txBody>
-        <a:bodyPr spcFirstLastPara="0" vert="horz" wrap="square" lIns="21590" tIns="21590" rIns="21590" bIns="21590" numCol="1" spcCol="1270" anchor="ctr" anchorCtr="0">
+        <a:bodyPr spcFirstLastPara="0" vert="horz" wrap="square" lIns="22860" tIns="22860" rIns="22860" bIns="22860" numCol="1" spcCol="1270" anchor="ctr" anchorCtr="0">
           <a:noAutofit/>
         </a:bodyPr>
         <a:lstStyle/>
         <a:p>
-          <a:pPr lvl="0" algn="ctr" defTabSz="755650">
+          <a:pPr lvl="0" algn="ctr" defTabSz="800100">
             <a:lnSpc>
               <a:spcPct val="90000"/>
             </a:lnSpc>
@@ -1658,21 +1662,21 @@
             </a:spcAft>
           </a:pPr>
           <a:r>
-            <a:rPr lang="de-DE" sz="1700" kern="1200" dirty="0" smtClean="0">
+            <a:rPr lang="de-DE" sz="1800" kern="1200" dirty="0" smtClean="0">
               <a:latin typeface="MV Boli" pitchFamily="2" charset="0"/>
               <a:cs typeface="MV Boli" pitchFamily="2" charset="0"/>
             </a:rPr>
             <a:t>Posession</a:t>
           </a:r>
-          <a:endParaRPr lang="de-DE" sz="1700" kern="1200" dirty="0">
+          <a:endParaRPr lang="de-DE" sz="1800" kern="1200" dirty="0">
             <a:latin typeface="MV Boli" pitchFamily="2" charset="0"/>
             <a:cs typeface="MV Boli" pitchFamily="2" charset="0"/>
           </a:endParaRPr>
         </a:p>
       </dsp:txBody>
       <dsp:txXfrm>
-        <a:off x="967237" y="1745638"/>
-        <a:ext cx="991235" cy="991235"/>
+        <a:off x="903138" y="1745638"/>
+        <a:ext cx="1125507" cy="991235"/>
       </dsp:txXfrm>
     </dsp:sp>
     <dsp:sp modelId="{37ACC3FE-496A-4E50-A5DC-20988C058B0C}">
@@ -1682,7 +1686,7 @@
       </dsp:nvSpPr>
       <dsp:spPr>
         <a:xfrm>
-          <a:off x="904936" y="535"/>
+          <a:off x="907973" y="535"/>
           <a:ext cx="2798639" cy="2798639"/>
         </a:xfrm>
         <a:prstGeom prst="circularArrow">
@@ -1764,7 +1768,7 @@
       </dsp:nvSpPr>
       <dsp:spPr>
         <a:xfrm>
-          <a:off x="967237" y="62836"/>
+          <a:off x="970274" y="62836"/>
           <a:ext cx="991235" cy="991235"/>
         </a:xfrm>
         <a:prstGeom prst="rect">
@@ -1789,12 +1793,12 @@
         <a:fontRef idx="minor"/>
       </dsp:style>
       <dsp:txBody>
-        <a:bodyPr spcFirstLastPara="0" vert="horz" wrap="square" lIns="21590" tIns="21590" rIns="21590" bIns="21590" numCol="1" spcCol="1270" anchor="ctr" anchorCtr="0">
+        <a:bodyPr spcFirstLastPara="0" vert="horz" wrap="square" lIns="22860" tIns="22860" rIns="22860" bIns="22860" numCol="1" spcCol="1270" anchor="ctr" anchorCtr="0">
           <a:noAutofit/>
         </a:bodyPr>
         <a:lstStyle/>
         <a:p>
-          <a:pPr lvl="0" algn="ctr" defTabSz="755650">
+          <a:pPr lvl="0" algn="ctr" defTabSz="800100">
             <a:lnSpc>
               <a:spcPct val="90000"/>
             </a:lnSpc>
@@ -1806,14 +1810,14 @@
             </a:spcAft>
           </a:pPr>
           <a:r>
-            <a:rPr lang="de-DE" sz="1700" kern="1200" dirty="0" smtClean="0">
+            <a:rPr lang="de-DE" sz="1800" kern="1200" dirty="0" smtClean="0">
               <a:latin typeface="MV Boli" pitchFamily="2" charset="0"/>
               <a:cs typeface="MV Boli" pitchFamily="2" charset="0"/>
             </a:rPr>
             <a:t>Open </a:t>
           </a:r>
           <a:r>
-            <a:rPr lang="de-DE" sz="1700" kern="1200" dirty="0">
+            <a:rPr lang="de-DE" sz="1800" kern="1200" dirty="0">
               <a:latin typeface="MV Boli" pitchFamily="2" charset="0"/>
               <a:cs typeface="MV Boli" pitchFamily="2" charset="0"/>
             </a:rPr>
@@ -1822,7 +1826,7 @@
         </a:p>
       </dsp:txBody>
       <dsp:txXfrm>
-        <a:off x="967237" y="62836"/>
+        <a:off x="970274" y="62836"/>
         <a:ext cx="991235" cy="991235"/>
       </dsp:txXfrm>
     </dsp:sp>
@@ -1833,7 +1837,7 @@
       </dsp:nvSpPr>
       <dsp:spPr>
         <a:xfrm>
-          <a:off x="904936" y="535"/>
+          <a:off x="907973" y="535"/>
           <a:ext cx="2798639" cy="2798639"/>
         </a:xfrm>
         <a:prstGeom prst="circularArrow">
@@ -3144,6 +3148,460 @@
 </dgm:styleDef>
 </file>
 
+<file path=ppt/notesMasters/notesMaster1.xml><?xml version="1.0" encoding="utf-8"?>
+<p:notesMaster xmlns:a="http://schemas.openxmlformats.org/drawingml/2006/main" xmlns:r="http://schemas.openxmlformats.org/officeDocument/2006/relationships" xmlns:p="http://schemas.openxmlformats.org/presentationml/2006/main">
+  <p:cSld>
+    <p:bg>
+      <p:bgRef idx="1001">
+        <a:schemeClr val="bg1"/>
+      </p:bgRef>
+    </p:bg>
+    <p:spTree>
+      <p:nvGrpSpPr>
+        <p:cNvPr id="1" name=""/>
+        <p:cNvGrpSpPr/>
+        <p:nvPr/>
+      </p:nvGrpSpPr>
+      <p:grpSpPr>
+        <a:xfrm>
+          <a:off x="0" y="0"/>
+          <a:ext cx="0" cy="0"/>
+          <a:chOff x="0" y="0"/>
+          <a:chExt cx="0" cy="0"/>
+        </a:xfrm>
+      </p:grpSpPr>
+      <p:sp>
+        <p:nvSpPr>
+          <p:cNvPr id="2" name="Kopfzeilenplatzhalter 1"/>
+          <p:cNvSpPr>
+            <a:spLocks noGrp="1"/>
+          </p:cNvSpPr>
+          <p:nvPr>
+            <p:ph type="hdr" sz="quarter"/>
+          </p:nvPr>
+        </p:nvSpPr>
+        <p:spPr>
+          <a:xfrm>
+            <a:off x="0" y="0"/>
+            <a:ext cx="2971800" cy="457200"/>
+          </a:xfrm>
+          <a:prstGeom prst="rect">
+            <a:avLst/>
+          </a:prstGeom>
+        </p:spPr>
+        <p:txBody>
+          <a:bodyPr vert="horz" lIns="91440" tIns="45720" rIns="91440" bIns="45720" rtlCol="0"/>
+          <a:lstStyle>
+            <a:lvl1pPr algn="l">
+              <a:defRPr sz="1200"/>
+            </a:lvl1pPr>
+          </a:lstStyle>
+          <a:p>
+            <a:endParaRPr lang="de-DE"/>
+          </a:p>
+        </p:txBody>
+      </p:sp>
+      <p:sp>
+        <p:nvSpPr>
+          <p:cNvPr id="3" name="Datumsplatzhalter 2"/>
+          <p:cNvSpPr>
+            <a:spLocks noGrp="1"/>
+          </p:cNvSpPr>
+          <p:nvPr>
+            <p:ph type="dt" idx="1"/>
+          </p:nvPr>
+        </p:nvSpPr>
+        <p:spPr>
+          <a:xfrm>
+            <a:off x="3884613" y="0"/>
+            <a:ext cx="2971800" cy="457200"/>
+          </a:xfrm>
+          <a:prstGeom prst="rect">
+            <a:avLst/>
+          </a:prstGeom>
+        </p:spPr>
+        <p:txBody>
+          <a:bodyPr vert="horz" lIns="91440" tIns="45720" rIns="91440" bIns="45720" rtlCol="0"/>
+          <a:lstStyle>
+            <a:lvl1pPr algn="r">
+              <a:defRPr sz="1200"/>
+            </a:lvl1pPr>
+          </a:lstStyle>
+          <a:p>
+            <a:fld id="{6970F1A7-B44C-47F4-9D4E-59C4A99A588C}" type="datetimeFigureOut">
+              <a:rPr lang="de-DE" smtClean="0"/>
+              <a:t>13.04.2018</a:t>
+            </a:fld>
+            <a:endParaRPr lang="de-DE"/>
+          </a:p>
+        </p:txBody>
+      </p:sp>
+      <p:sp>
+        <p:nvSpPr>
+          <p:cNvPr id="4" name="Folienbildplatzhalter 3"/>
+          <p:cNvSpPr>
+            <a:spLocks noGrp="1" noRot="1" noChangeAspect="1"/>
+          </p:cNvSpPr>
+          <p:nvPr>
+            <p:ph type="sldImg" idx="2"/>
+          </p:nvPr>
+        </p:nvSpPr>
+        <p:spPr>
+          <a:xfrm>
+            <a:off x="381000" y="685800"/>
+            <a:ext cx="6096000" cy="3429000"/>
+          </a:xfrm>
+          <a:prstGeom prst="rect">
+            <a:avLst/>
+          </a:prstGeom>
+          <a:noFill/>
+          <a:ln w="12700">
+            <a:solidFill>
+              <a:prstClr val="black"/>
+            </a:solidFill>
+          </a:ln>
+        </p:spPr>
+        <p:txBody>
+          <a:bodyPr vert="horz" lIns="91440" tIns="45720" rIns="91440" bIns="45720" rtlCol="0" anchor="ctr"/>
+          <a:lstStyle/>
+          <a:p>
+            <a:endParaRPr lang="de-DE"/>
+          </a:p>
+        </p:txBody>
+      </p:sp>
+      <p:sp>
+        <p:nvSpPr>
+          <p:cNvPr id="5" name="Notizenplatzhalter 4"/>
+          <p:cNvSpPr>
+            <a:spLocks noGrp="1"/>
+          </p:cNvSpPr>
+          <p:nvPr>
+            <p:ph type="body" sz="quarter" idx="3"/>
+          </p:nvPr>
+        </p:nvSpPr>
+        <p:spPr>
+          <a:xfrm>
+            <a:off x="685800" y="4343400"/>
+            <a:ext cx="5486400" cy="4114800"/>
+          </a:xfrm>
+          <a:prstGeom prst="rect">
+            <a:avLst/>
+          </a:prstGeom>
+        </p:spPr>
+        <p:txBody>
+          <a:bodyPr vert="horz" lIns="91440" tIns="45720" rIns="91440" bIns="45720" rtlCol="0"/>
+          <a:lstStyle/>
+          <a:p>
+            <a:pPr lvl="0"/>
+            <a:r>
+              <a:rPr lang="de-DE" smtClean="0"/>
+              <a:t>Textmasterformat bearbeiten</a:t>
+            </a:r>
+          </a:p>
+          <a:p>
+            <a:pPr lvl="1"/>
+            <a:r>
+              <a:rPr lang="de-DE" smtClean="0"/>
+              <a:t>Zweite Ebene</a:t>
+            </a:r>
+          </a:p>
+          <a:p>
+            <a:pPr lvl="2"/>
+            <a:r>
+              <a:rPr lang="de-DE" smtClean="0"/>
+              <a:t>Dritte Ebene</a:t>
+            </a:r>
+          </a:p>
+          <a:p>
+            <a:pPr lvl="3"/>
+            <a:r>
+              <a:rPr lang="de-DE" smtClean="0"/>
+              <a:t>Vierte Ebene</a:t>
+            </a:r>
+          </a:p>
+          <a:p>
+            <a:pPr lvl="4"/>
+            <a:r>
+              <a:rPr lang="de-DE" smtClean="0"/>
+              <a:t>Fünfte Ebene</a:t>
+            </a:r>
+            <a:endParaRPr lang="de-DE"/>
+          </a:p>
+        </p:txBody>
+      </p:sp>
+      <p:sp>
+        <p:nvSpPr>
+          <p:cNvPr id="6" name="Fußzeilenplatzhalter 5"/>
+          <p:cNvSpPr>
+            <a:spLocks noGrp="1"/>
+          </p:cNvSpPr>
+          <p:nvPr>
+            <p:ph type="ftr" sz="quarter" idx="4"/>
+          </p:nvPr>
+        </p:nvSpPr>
+        <p:spPr>
+          <a:xfrm>
+            <a:off x="0" y="8685213"/>
+            <a:ext cx="2971800" cy="457200"/>
+          </a:xfrm>
+          <a:prstGeom prst="rect">
+            <a:avLst/>
+          </a:prstGeom>
+        </p:spPr>
+        <p:txBody>
+          <a:bodyPr vert="horz" lIns="91440" tIns="45720" rIns="91440" bIns="45720" rtlCol="0" anchor="b"/>
+          <a:lstStyle>
+            <a:lvl1pPr algn="l">
+              <a:defRPr sz="1200"/>
+            </a:lvl1pPr>
+          </a:lstStyle>
+          <a:p>
+            <a:endParaRPr lang="de-DE"/>
+          </a:p>
+        </p:txBody>
+      </p:sp>
+      <p:sp>
+        <p:nvSpPr>
+          <p:cNvPr id="7" name="Foliennummernplatzhalter 6"/>
+          <p:cNvSpPr>
+            <a:spLocks noGrp="1"/>
+          </p:cNvSpPr>
+          <p:nvPr>
+            <p:ph type="sldNum" sz="quarter" idx="5"/>
+          </p:nvPr>
+        </p:nvSpPr>
+        <p:spPr>
+          <a:xfrm>
+            <a:off x="3884613" y="8685213"/>
+            <a:ext cx="2971800" cy="457200"/>
+          </a:xfrm>
+          <a:prstGeom prst="rect">
+            <a:avLst/>
+          </a:prstGeom>
+        </p:spPr>
+        <p:txBody>
+          <a:bodyPr vert="horz" lIns="91440" tIns="45720" rIns="91440" bIns="45720" rtlCol="0" anchor="b"/>
+          <a:lstStyle>
+            <a:lvl1pPr algn="r">
+              <a:defRPr sz="1200"/>
+            </a:lvl1pPr>
+          </a:lstStyle>
+          <a:p>
+            <a:fld id="{4D56AC9C-3557-4516-B20A-3092AF400081}" type="slidenum">
+              <a:rPr lang="de-DE" smtClean="0"/>
+              <a:t>‹Nr.›</a:t>
+            </a:fld>
+            <a:endParaRPr lang="de-DE"/>
+          </a:p>
+        </p:txBody>
+      </p:sp>
+    </p:spTree>
+    <p:extLst>
+      <p:ext uri="{BB962C8B-B14F-4D97-AF65-F5344CB8AC3E}">
+        <p14:creationId xmlns:p14="http://schemas.microsoft.com/office/powerpoint/2010/main" val="752742943"/>
+      </p:ext>
+    </p:extLst>
+  </p:cSld>
+  <p:clrMap bg1="lt1" tx1="dk1" bg2="lt2" tx2="dk2" accent1="accent1" accent2="accent2" accent3="accent3" accent4="accent4" accent5="accent5" accent6="accent6" hlink="hlink" folHlink="folHlink"/>
+  <p:notesStyle>
+    <a:lvl1pPr marL="0" algn="l" defTabSz="914400" rtl="0" eaLnBrk="1" latinLnBrk="0" hangingPunct="1">
+      <a:defRPr sz="1200" kern="1200">
+        <a:solidFill>
+          <a:schemeClr val="tx1"/>
+        </a:solidFill>
+        <a:latin typeface="+mn-lt"/>
+        <a:ea typeface="+mn-ea"/>
+        <a:cs typeface="+mn-cs"/>
+      </a:defRPr>
+    </a:lvl1pPr>
+    <a:lvl2pPr marL="457200" algn="l" defTabSz="914400" rtl="0" eaLnBrk="1" latinLnBrk="0" hangingPunct="1">
+      <a:defRPr sz="1200" kern="1200">
+        <a:solidFill>
+          <a:schemeClr val="tx1"/>
+        </a:solidFill>
+        <a:latin typeface="+mn-lt"/>
+        <a:ea typeface="+mn-ea"/>
+        <a:cs typeface="+mn-cs"/>
+      </a:defRPr>
+    </a:lvl2pPr>
+    <a:lvl3pPr marL="914400" algn="l" defTabSz="914400" rtl="0" eaLnBrk="1" latinLnBrk="0" hangingPunct="1">
+      <a:defRPr sz="1200" kern="1200">
+        <a:solidFill>
+          <a:schemeClr val="tx1"/>
+        </a:solidFill>
+        <a:latin typeface="+mn-lt"/>
+        <a:ea typeface="+mn-ea"/>
+        <a:cs typeface="+mn-cs"/>
+      </a:defRPr>
+    </a:lvl3pPr>
+    <a:lvl4pPr marL="1371600" algn="l" defTabSz="914400" rtl="0" eaLnBrk="1" latinLnBrk="0" hangingPunct="1">
+      <a:defRPr sz="1200" kern="1200">
+        <a:solidFill>
+          <a:schemeClr val="tx1"/>
+        </a:solidFill>
+        <a:latin typeface="+mn-lt"/>
+        <a:ea typeface="+mn-ea"/>
+        <a:cs typeface="+mn-cs"/>
+      </a:defRPr>
+    </a:lvl4pPr>
+    <a:lvl5pPr marL="1828800" algn="l" defTabSz="914400" rtl="0" eaLnBrk="1" latinLnBrk="0" hangingPunct="1">
+      <a:defRPr sz="1200" kern="1200">
+        <a:solidFill>
+          <a:schemeClr val="tx1"/>
+        </a:solidFill>
+        <a:latin typeface="+mn-lt"/>
+        <a:ea typeface="+mn-ea"/>
+        <a:cs typeface="+mn-cs"/>
+      </a:defRPr>
+    </a:lvl5pPr>
+    <a:lvl6pPr marL="2286000" algn="l" defTabSz="914400" rtl="0" eaLnBrk="1" latinLnBrk="0" hangingPunct="1">
+      <a:defRPr sz="1200" kern="1200">
+        <a:solidFill>
+          <a:schemeClr val="tx1"/>
+        </a:solidFill>
+        <a:latin typeface="+mn-lt"/>
+        <a:ea typeface="+mn-ea"/>
+        <a:cs typeface="+mn-cs"/>
+      </a:defRPr>
+    </a:lvl6pPr>
+    <a:lvl7pPr marL="2743200" algn="l" defTabSz="914400" rtl="0" eaLnBrk="1" latinLnBrk="0" hangingPunct="1">
+      <a:defRPr sz="1200" kern="1200">
+        <a:solidFill>
+          <a:schemeClr val="tx1"/>
+        </a:solidFill>
+        <a:latin typeface="+mn-lt"/>
+        <a:ea typeface="+mn-ea"/>
+        <a:cs typeface="+mn-cs"/>
+      </a:defRPr>
+    </a:lvl7pPr>
+    <a:lvl8pPr marL="3200400" algn="l" defTabSz="914400" rtl="0" eaLnBrk="1" latinLnBrk="0" hangingPunct="1">
+      <a:defRPr sz="1200" kern="1200">
+        <a:solidFill>
+          <a:schemeClr val="tx1"/>
+        </a:solidFill>
+        <a:latin typeface="+mn-lt"/>
+        <a:ea typeface="+mn-ea"/>
+        <a:cs typeface="+mn-cs"/>
+      </a:defRPr>
+    </a:lvl8pPr>
+    <a:lvl9pPr marL="3657600" algn="l" defTabSz="914400" rtl="0" eaLnBrk="1" latinLnBrk="0" hangingPunct="1">
+      <a:defRPr sz="1200" kern="1200">
+        <a:solidFill>
+          <a:schemeClr val="tx1"/>
+        </a:solidFill>
+        <a:latin typeface="+mn-lt"/>
+        <a:ea typeface="+mn-ea"/>
+        <a:cs typeface="+mn-cs"/>
+      </a:defRPr>
+    </a:lvl9pPr>
+  </p:notesStyle>
+</p:notesMaster>
+</file>
+
+<file path=ppt/notesSlides/notesSlide1.xml><?xml version="1.0" encoding="utf-8"?>
+<p:notes xmlns:a="http://schemas.openxmlformats.org/drawingml/2006/main" xmlns:r="http://schemas.openxmlformats.org/officeDocument/2006/relationships" xmlns:p="http://schemas.openxmlformats.org/presentationml/2006/main">
+  <p:cSld>
+    <p:spTree>
+      <p:nvGrpSpPr>
+        <p:cNvPr id="1" name=""/>
+        <p:cNvGrpSpPr/>
+        <p:nvPr/>
+      </p:nvGrpSpPr>
+      <p:grpSpPr>
+        <a:xfrm>
+          <a:off x="0" y="0"/>
+          <a:ext cx="0" cy="0"/>
+          <a:chOff x="0" y="0"/>
+          <a:chExt cx="0" cy="0"/>
+        </a:xfrm>
+      </p:grpSpPr>
+      <p:sp>
+        <p:nvSpPr>
+          <p:cNvPr id="2" name="Folienbildplatzhalter 1"/>
+          <p:cNvSpPr>
+            <a:spLocks noGrp="1" noRot="1" noChangeAspect="1"/>
+          </p:cNvSpPr>
+          <p:nvPr>
+            <p:ph type="sldImg"/>
+          </p:nvPr>
+        </p:nvSpPr>
+        <p:spPr/>
+      </p:sp>
+      <p:sp>
+        <p:nvSpPr>
+          <p:cNvPr id="3" name="Notizenplatzhalter 2"/>
+          <p:cNvSpPr>
+            <a:spLocks noGrp="1"/>
+          </p:cNvSpPr>
+          <p:nvPr>
+            <p:ph type="body" idx="1"/>
+          </p:nvPr>
+        </p:nvSpPr>
+        <p:spPr/>
+        <p:txBody>
+          <a:bodyPr/>
+          <a:lstStyle/>
+          <a:p>
+            <a:r>
+              <a:rPr lang="de-DE" dirty="0" smtClean="0"/>
+              <a:t>Hallo, mein Name ist Sonja Köck und ich bin der Producer von Team 13. </a:t>
+            </a:r>
+            <a:br>
+              <a:rPr lang="de-DE" dirty="0" smtClean="0"/>
+            </a:br>
+            <a:r>
+              <a:rPr lang="de-DE" dirty="0" smtClean="0"/>
+              <a:t>Hallo mein Name ist Tobias Schuster und ich bin der Game Designer. </a:t>
+            </a:r>
+          </a:p>
+          <a:p>
+            <a:endParaRPr lang="de-DE" dirty="0" smtClean="0"/>
+          </a:p>
+          <a:p>
+            <a:r>
+              <a:rPr lang="de-DE" dirty="0" smtClean="0"/>
+              <a:t>Wir werden euch heute das Konzep unseres neuen Spiels Voodoo vorstellen.</a:t>
+            </a:r>
+            <a:endParaRPr lang="de-DE" dirty="0"/>
+          </a:p>
+        </p:txBody>
+      </p:sp>
+      <p:sp>
+        <p:nvSpPr>
+          <p:cNvPr id="4" name="Foliennummernplatzhalter 3"/>
+          <p:cNvSpPr>
+            <a:spLocks noGrp="1"/>
+          </p:cNvSpPr>
+          <p:nvPr>
+            <p:ph type="sldNum" sz="quarter" idx="10"/>
+          </p:nvPr>
+        </p:nvSpPr>
+        <p:spPr/>
+        <p:txBody>
+          <a:bodyPr/>
+          <a:lstStyle/>
+          <a:p>
+            <a:fld id="{4D56AC9C-3557-4516-B20A-3092AF400081}" type="slidenum">
+              <a:rPr lang="de-DE" smtClean="0"/>
+              <a:t>1</a:t>
+            </a:fld>
+            <a:endParaRPr lang="de-DE"/>
+          </a:p>
+        </p:txBody>
+      </p:sp>
+    </p:spTree>
+    <p:extLst>
+      <p:ext uri="{BB962C8B-B14F-4D97-AF65-F5344CB8AC3E}">
+        <p14:creationId xmlns:p14="http://schemas.microsoft.com/office/powerpoint/2010/main" val="831309496"/>
+      </p:ext>
+    </p:extLst>
+  </p:cSld>
+  <p:clrMapOvr>
+    <a:masterClrMapping/>
+  </p:clrMapOvr>
+</p:notes>
+</file>
+
 <file path=ppt/slideLayouts/slideLayout1.xml><?xml version="1.0" encoding="utf-8"?>
 <p:sldLayout xmlns:a="http://schemas.openxmlformats.org/drawingml/2006/main" xmlns:r="http://schemas.openxmlformats.org/officeDocument/2006/relationships" xmlns:p="http://schemas.openxmlformats.org/presentationml/2006/main" type="title" preserve="1">
   <p:cSld name="Titelfolie">
@@ -3329,7 +3787,7 @@
           <a:p>
             <a:fld id="{1DC63592-9D31-432D-A510-4EFC698F70CA}" type="datetimeFigureOut">
               <a:rPr lang="de-DE" smtClean="0"/>
-              <a:t>12.04.2018</a:t>
+              <a:t>13.04.2018</a:t>
             </a:fld>
             <a:endParaRPr lang="de-DE"/>
           </a:p>
@@ -3506,7 +3964,7 @@
           <a:p>
             <a:fld id="{1DC63592-9D31-432D-A510-4EFC698F70CA}" type="datetimeFigureOut">
               <a:rPr lang="de-DE" smtClean="0"/>
-              <a:t>12.04.2018</a:t>
+              <a:t>13.04.2018</a:t>
             </a:fld>
             <a:endParaRPr lang="de-DE"/>
           </a:p>
@@ -3688,7 +4146,7 @@
           <a:p>
             <a:fld id="{1DC63592-9D31-432D-A510-4EFC698F70CA}" type="datetimeFigureOut">
               <a:rPr lang="de-DE" smtClean="0"/>
-              <a:t>12.04.2018</a:t>
+              <a:t>13.04.2018</a:t>
             </a:fld>
             <a:endParaRPr lang="de-DE"/>
           </a:p>
@@ -3897,7 +4355,7 @@
           <a:p>
             <a:fld id="{1DC63592-9D31-432D-A510-4EFC698F70CA}" type="datetimeFigureOut">
               <a:rPr lang="de-DE" smtClean="0"/>
-              <a:t>12.04.2018</a:t>
+              <a:t>13.04.2018</a:t>
             </a:fld>
             <a:endParaRPr lang="de-DE"/>
           </a:p>
@@ -4145,7 +4603,7 @@
           <a:p>
             <a:fld id="{1DC63592-9D31-432D-A510-4EFC698F70CA}" type="datetimeFigureOut">
               <a:rPr lang="de-DE" smtClean="0"/>
-              <a:t>12.04.2018</a:t>
+              <a:t>13.04.2018</a:t>
             </a:fld>
             <a:endParaRPr lang="de-DE"/>
           </a:p>
@@ -4462,7 +4920,7 @@
           <a:p>
             <a:fld id="{1DC63592-9D31-432D-A510-4EFC698F70CA}" type="datetimeFigureOut">
               <a:rPr lang="de-DE" smtClean="0"/>
-              <a:t>12.04.2018</a:t>
+              <a:t>13.04.2018</a:t>
             </a:fld>
             <a:endParaRPr lang="de-DE"/>
           </a:p>
@@ -4912,7 +5370,7 @@
           <a:p>
             <a:fld id="{1DC63592-9D31-432D-A510-4EFC698F70CA}" type="datetimeFigureOut">
               <a:rPr lang="de-DE" smtClean="0"/>
-              <a:t>12.04.2018</a:t>
+              <a:t>13.04.2018</a:t>
             </a:fld>
             <a:endParaRPr lang="de-DE"/>
           </a:p>
@@ -5032,7 +5490,7 @@
           <a:p>
             <a:fld id="{1DC63592-9D31-432D-A510-4EFC698F70CA}" type="datetimeFigureOut">
               <a:rPr lang="de-DE" smtClean="0"/>
-              <a:t>12.04.2018</a:t>
+              <a:t>13.04.2018</a:t>
             </a:fld>
             <a:endParaRPr lang="de-DE"/>
           </a:p>
@@ -5129,7 +5587,7 @@
           <a:p>
             <a:fld id="{1DC63592-9D31-432D-A510-4EFC698F70CA}" type="datetimeFigureOut">
               <a:rPr lang="de-DE" smtClean="0"/>
-              <a:t>12.04.2018</a:t>
+              <a:t>13.04.2018</a:t>
             </a:fld>
             <a:endParaRPr lang="de-DE"/>
           </a:p>
@@ -5421,7 +5879,7 @@
           <a:p>
             <a:fld id="{1DC63592-9D31-432D-A510-4EFC698F70CA}" type="datetimeFigureOut">
               <a:rPr lang="de-DE" smtClean="0"/>
-              <a:t>12.04.2018</a:t>
+              <a:t>13.04.2018</a:t>
             </a:fld>
             <a:endParaRPr lang="de-DE"/>
           </a:p>
@@ -5619,7 +6077,7 @@
           <a:p>
             <a:fld id="{1DC63592-9D31-432D-A510-4EFC698F70CA}" type="datetimeFigureOut">
               <a:rPr lang="de-DE" smtClean="0"/>
-              <a:t>12.04.2018</a:t>
+              <a:t>13.04.2018</a:t>
             </a:fld>
             <a:endParaRPr lang="de-DE"/>
           </a:p>
@@ -10177,7 +10635,7 @@
           <a:p>
             <a:fld id="{1DC63592-9D31-432D-A510-4EFC698F70CA}" type="datetimeFigureOut">
               <a:rPr lang="de-DE" smtClean="0"/>
-              <a:t>12.04.2018</a:t>
+              <a:t>13.04.2018</a:t>
             </a:fld>
             <a:endParaRPr lang="de-DE"/>
           </a:p>
@@ -11291,7 +11749,7 @@
           <p:nvPr/>
         </p:nvPicPr>
         <p:blipFill>
-          <a:blip r:embed="rId2" cstate="print">
+          <a:blip r:embed="rId3" cstate="print">
             <a:extLst>
               <a:ext uri="{28A0092B-C50C-407E-A947-70E740481C1C}">
                 <a14:useLocalDpi xmlns:a14="http://schemas.microsoft.com/office/drawing/2010/main" val="0"/>
@@ -11321,7 +11779,7 @@
           <p:nvPr/>
         </p:nvPicPr>
         <p:blipFill>
-          <a:blip r:embed="rId3" cstate="print">
+          <a:blip r:embed="rId4" cstate="print">
             <a:duotone>
               <a:prstClr val="black"/>
               <a:schemeClr val="accent2">
@@ -11358,7 +11816,7 @@
           <p:nvPr/>
         </p:nvPicPr>
         <p:blipFill>
-          <a:blip r:embed="rId4" cstate="print">
+          <a:blip r:embed="rId5" cstate="print">
             <a:duotone>
               <a:prstClr val="black"/>
               <a:schemeClr val="accent5">
@@ -11395,7 +11853,7 @@
           <p:nvPr/>
         </p:nvPicPr>
         <p:blipFill>
-          <a:blip r:embed="rId5" cstate="print">
+          <a:blip r:embed="rId6" cstate="print">
             <a:duotone>
               <a:schemeClr val="accent5">
                 <a:shade val="45000"/>
@@ -11432,7 +11890,7 @@
           <p:nvPr/>
         </p:nvPicPr>
         <p:blipFill>
-          <a:blip r:embed="rId6" cstate="print">
+          <a:blip r:embed="rId7" cstate="print">
             <a:duotone>
               <a:prstClr val="black"/>
               <a:schemeClr val="accent3">
@@ -11469,7 +11927,7 @@
           <p:nvPr/>
         </p:nvPicPr>
         <p:blipFill>
-          <a:blip r:embed="rId7" cstate="print">
+          <a:blip r:embed="rId8" cstate="print">
             <a:extLst>
               <a:ext uri="{28A0092B-C50C-407E-A947-70E740481C1C}">
                 <a14:useLocalDpi xmlns:a14="http://schemas.microsoft.com/office/drawing/2010/main" val="0"/>
@@ -11573,7 +12031,7 @@
           <p:nvPr/>
         </p:nvPicPr>
         <p:blipFill>
-          <a:blip r:embed="rId8" cstate="print">
+          <a:blip r:embed="rId9" cstate="print">
             <a:extLst>
               <a:ext uri="{28A0092B-C50C-407E-A947-70E740481C1C}">
                 <a14:useLocalDpi xmlns:a14="http://schemas.microsoft.com/office/drawing/2010/main" val="0"/>
@@ -11603,7 +12061,7 @@
           <p:nvPr/>
         </p:nvPicPr>
         <p:blipFill>
-          <a:blip r:embed="rId9" cstate="print">
+          <a:blip r:embed="rId10" cstate="print">
             <a:extLst>
               <a:ext uri="{28A0092B-C50C-407E-A947-70E740481C1C}">
                 <a14:useLocalDpi xmlns:a14="http://schemas.microsoft.com/office/drawing/2010/main" val="0"/>
@@ -11633,7 +12091,7 @@
           <p:nvPr/>
         </p:nvPicPr>
         <p:blipFill>
-          <a:blip r:embed="rId10" cstate="print">
+          <a:blip r:embed="rId11" cstate="print">
             <a:duotone>
               <a:prstClr val="black"/>
               <a:schemeClr val="accent3">
@@ -11644,7 +12102,7 @@
             <a:extLst>
               <a:ext uri="{BEBA8EAE-BF5A-486C-A8C5-ECC9F3942E4B}">
                 <a14:imgProps xmlns:a14="http://schemas.microsoft.com/office/drawing/2010/main">
-                  <a14:imgLayer r:embed="rId11">
+                  <a14:imgLayer r:embed="rId12">
                     <a14:imgEffect>
                       <a14:colorTemperature colorTemp="7200"/>
                     </a14:imgEffect>
@@ -11679,7 +12137,7 @@
           <p:nvPr/>
         </p:nvPicPr>
         <p:blipFill>
-          <a:blip r:embed="rId12" cstate="print">
+          <a:blip r:embed="rId13" cstate="print">
             <a:duotone>
               <a:prstClr val="black"/>
               <a:schemeClr val="tx2">
@@ -11699,7 +12157,7 @@
         </p:blipFill>
         <p:spPr>
           <a:xfrm rot="21420000" flipH="1">
-            <a:off x="423520" y="284746"/>
+            <a:off x="570308" y="120192"/>
             <a:ext cx="11096441" cy="8209621"/>
           </a:xfrm>
           <a:prstGeom prst="rect">
@@ -12459,7 +12917,1239 @@
 </p:sld>
 </file>
 
+<file path=ppt/slides/slide10.xml><?xml version="1.0" encoding="utf-8"?>
+<p:sld xmlns:a="http://schemas.openxmlformats.org/drawingml/2006/main" xmlns:r="http://schemas.openxmlformats.org/officeDocument/2006/relationships" xmlns:p="http://schemas.openxmlformats.org/presentationml/2006/main">
+  <p:cSld>
+    <p:spTree>
+      <p:nvGrpSpPr>
+        <p:cNvPr id="1" name=""/>
+        <p:cNvGrpSpPr/>
+        <p:nvPr/>
+      </p:nvGrpSpPr>
+      <p:grpSpPr>
+        <a:xfrm>
+          <a:off x="0" y="0"/>
+          <a:ext cx="0" cy="0"/>
+          <a:chOff x="0" y="0"/>
+          <a:chExt cx="0" cy="0"/>
+        </a:xfrm>
+      </p:grpSpPr>
+      <p:pic>
+        <p:nvPicPr>
+          <p:cNvPr id="4" name="Grafik 3"/>
+          <p:cNvPicPr>
+            <a:picLocks noChangeAspect="1"/>
+          </p:cNvPicPr>
+          <p:nvPr/>
+        </p:nvPicPr>
+        <p:blipFill>
+          <a:blip r:embed="rId2" cstate="print">
+            <a:extLst>
+              <a:ext uri="{28A0092B-C50C-407E-A947-70E740481C1C}">
+                <a14:useLocalDpi xmlns:a14="http://schemas.microsoft.com/office/drawing/2010/main" val="0"/>
+              </a:ext>
+            </a:extLst>
+          </a:blip>
+          <a:stretch>
+            <a:fillRect/>
+          </a:stretch>
+        </p:blipFill>
+        <p:spPr>
+          <a:xfrm>
+            <a:off x="138331" y="0"/>
+            <a:ext cx="8826157" cy="4948014"/>
+          </a:xfrm>
+          <a:prstGeom prst="rect">
+            <a:avLst/>
+          </a:prstGeom>
+          <a:ln>
+            <a:noFill/>
+          </a:ln>
+          <a:effectLst>
+            <a:softEdge rad="317500"/>
+          </a:effectLst>
+        </p:spPr>
+      </p:pic>
+      <p:sp>
+        <p:nvSpPr>
+          <p:cNvPr id="2" name="Titel 1"/>
+          <p:cNvSpPr>
+            <a:spLocks noGrp="1"/>
+          </p:cNvSpPr>
+          <p:nvPr>
+            <p:ph type="ctrTitle"/>
+          </p:nvPr>
+        </p:nvSpPr>
+        <p:spPr>
+          <a:xfrm>
+            <a:off x="685800" y="303499"/>
+            <a:ext cx="7772400" cy="756083"/>
+          </a:xfrm>
+        </p:spPr>
+        <p:txBody>
+          <a:bodyPr>
+            <a:normAutofit/>
+          </a:bodyPr>
+          <a:lstStyle/>
+          <a:p>
+            <a:pPr algn="ctr"/>
+            <a:r>
+              <a:rPr lang="de-DE" sz="3600" dirty="0" smtClean="0">
+                <a:latin typeface="MV Boli" pitchFamily="2" charset="0"/>
+                <a:cs typeface="MV Boli" pitchFamily="2" charset="0"/>
+              </a:rPr>
+              <a:t>Any Questions?</a:t>
+            </a:r>
+            <a:endParaRPr lang="de-DE" sz="3600" dirty="0">
+              <a:latin typeface="MV Boli" pitchFamily="2" charset="0"/>
+              <a:cs typeface="MV Boli" pitchFamily="2" charset="0"/>
+            </a:endParaRPr>
+          </a:p>
+        </p:txBody>
+      </p:sp>
+      <p:sp>
+        <p:nvSpPr>
+          <p:cNvPr id="3" name="Untertitel 2"/>
+          <p:cNvSpPr>
+            <a:spLocks noGrp="1"/>
+          </p:cNvSpPr>
+          <p:nvPr>
+            <p:ph type="subTitle" idx="1"/>
+          </p:nvPr>
+        </p:nvSpPr>
+        <p:spPr>
+          <a:xfrm>
+            <a:off x="971600" y="1491630"/>
+            <a:ext cx="7560840" cy="3348372"/>
+          </a:xfrm>
+        </p:spPr>
+        <p:txBody>
+          <a:bodyPr>
+            <a:normAutofit/>
+          </a:bodyPr>
+          <a:lstStyle/>
+          <a:p>
+            <a:r>
+              <a:rPr lang="de-DE" u="sng" dirty="0">
+                <a:latin typeface="MV Boli" pitchFamily="2" charset="0"/>
+                <a:cs typeface="MV Boli" pitchFamily="2" charset="0"/>
+              </a:rPr>
+              <a:t>Team </a:t>
+            </a:r>
+            <a:r>
+              <a:rPr lang="de-DE" u="sng" dirty="0" smtClean="0">
+                <a:latin typeface="MV Boli" pitchFamily="2" charset="0"/>
+                <a:cs typeface="MV Boli" pitchFamily="2" charset="0"/>
+              </a:rPr>
+              <a:t>13</a:t>
+            </a:r>
+            <a:endParaRPr lang="de-DE" u="sng" dirty="0">
+              <a:latin typeface="MV Boli" pitchFamily="2" charset="0"/>
+              <a:cs typeface="MV Boli" pitchFamily="2" charset="0"/>
+            </a:endParaRPr>
+          </a:p>
+          <a:p>
+            <a:endParaRPr lang="de-DE" dirty="0">
+              <a:latin typeface="MV Boli" pitchFamily="2" charset="0"/>
+              <a:cs typeface="MV Boli" pitchFamily="2" charset="0"/>
+            </a:endParaRPr>
+          </a:p>
+          <a:p>
+            <a:r>
+              <a:rPr lang="de-DE" dirty="0">
+                <a:latin typeface="MV Boli" pitchFamily="2" charset="0"/>
+                <a:cs typeface="MV Boli" pitchFamily="2" charset="0"/>
+              </a:rPr>
+              <a:t>Games Academy Frankfurt</a:t>
+            </a:r>
+          </a:p>
+          <a:p>
+            <a:r>
+              <a:rPr lang="de-DE" dirty="0" smtClean="0">
+                <a:latin typeface="MV Boli" pitchFamily="2" charset="0"/>
+                <a:cs typeface="MV Boli" pitchFamily="2" charset="0"/>
+              </a:rPr>
+              <a:t>Hanauer </a:t>
+            </a:r>
+            <a:r>
+              <a:rPr lang="de-DE" dirty="0">
+                <a:latin typeface="MV Boli" pitchFamily="2" charset="0"/>
+                <a:cs typeface="MV Boli" pitchFamily="2" charset="0"/>
+              </a:rPr>
+              <a:t>Landstraße 146</a:t>
+            </a:r>
+          </a:p>
+          <a:p>
+            <a:r>
+              <a:rPr lang="de-DE" dirty="0">
+                <a:latin typeface="MV Boli" pitchFamily="2" charset="0"/>
+                <a:cs typeface="MV Boli" pitchFamily="2" charset="0"/>
+              </a:rPr>
+              <a:t>60314 Frankfurt am Main</a:t>
+            </a:r>
+          </a:p>
+          <a:p>
+            <a:r>
+              <a:rPr lang="de-DE" dirty="0" smtClean="0">
+                <a:latin typeface="MV Boli" pitchFamily="2" charset="0"/>
+                <a:cs typeface="MV Boli" pitchFamily="2" charset="0"/>
+              </a:rPr>
+              <a:t>Sonja.Koeck@games-academy.de</a:t>
+            </a:r>
+            <a:endParaRPr lang="de-DE" dirty="0">
+              <a:latin typeface="MV Boli" pitchFamily="2" charset="0"/>
+              <a:cs typeface="MV Boli" pitchFamily="2" charset="0"/>
+            </a:endParaRPr>
+          </a:p>
+          <a:p>
+            <a:endParaRPr lang="de-DE" dirty="0" smtClean="0">
+              <a:latin typeface="MV Boli" pitchFamily="2" charset="0"/>
+              <a:cs typeface="MV Boli" pitchFamily="2" charset="0"/>
+            </a:endParaRPr>
+          </a:p>
+          <a:p>
+            <a:endParaRPr lang="de-DE" dirty="0">
+              <a:latin typeface="MV Boli" pitchFamily="2" charset="0"/>
+              <a:cs typeface="MV Boli" pitchFamily="2" charset="0"/>
+            </a:endParaRPr>
+          </a:p>
+        </p:txBody>
+      </p:sp>
+      <p:pic>
+        <p:nvPicPr>
+          <p:cNvPr id="5" name="Grafik 4"/>
+          <p:cNvPicPr>
+            <a:picLocks noChangeAspect="1"/>
+          </p:cNvPicPr>
+          <p:nvPr/>
+        </p:nvPicPr>
+        <p:blipFill>
+          <a:blip r:embed="rId3" cstate="print">
+            <a:extLst>
+              <a:ext uri="{28A0092B-C50C-407E-A947-70E740481C1C}">
+                <a14:useLocalDpi xmlns:a14="http://schemas.microsoft.com/office/drawing/2010/main" val="0"/>
+              </a:ext>
+            </a:extLst>
+          </a:blip>
+          <a:stretch>
+            <a:fillRect/>
+          </a:stretch>
+        </p:blipFill>
+        <p:spPr>
+          <a:xfrm rot="240000">
+            <a:off x="4594586" y="257246"/>
+            <a:ext cx="4006980" cy="4916598"/>
+          </a:xfrm>
+          <a:prstGeom prst="rect">
+            <a:avLst/>
+          </a:prstGeom>
+        </p:spPr>
+      </p:pic>
+    </p:spTree>
+    <p:extLst>
+      <p:ext uri="{BB962C8B-B14F-4D97-AF65-F5344CB8AC3E}">
+        <p14:creationId xmlns:p14="http://schemas.microsoft.com/office/powerpoint/2010/main" val="529080763"/>
+      </p:ext>
+    </p:extLst>
+  </p:cSld>
+  <p:clrMapOvr>
+    <a:masterClrMapping/>
+  </p:clrMapOvr>
+  <p:timing>
+    <p:tnLst>
+      <p:par>
+        <p:cTn id="1" dur="indefinite" restart="never" nodeType="tmRoot">
+          <p:childTnLst>
+            <p:seq concurrent="1" nextAc="seek">
+              <p:cTn id="2" dur="indefinite" nodeType="mainSeq">
+                <p:childTnLst>
+                  <p:par>
+                    <p:cTn id="3" fill="hold">
+                      <p:stCondLst>
+                        <p:cond delay="indefinite"/>
+                        <p:cond evt="onBegin" delay="0">
+                          <p:tn val="2"/>
+                        </p:cond>
+                      </p:stCondLst>
+                      <p:childTnLst>
+                        <p:par>
+                          <p:cTn id="4" fill="hold">
+                            <p:stCondLst>
+                              <p:cond delay="0"/>
+                            </p:stCondLst>
+                            <p:childTnLst>
+                              <p:par>
+                                <p:cTn id="5" presetID="6" presetClass="entr" presetSubtype="32" fill="hold" grpId="0" nodeType="withEffect">
+                                  <p:stCondLst>
+                                    <p:cond delay="0"/>
+                                  </p:stCondLst>
+                                  <p:childTnLst>
+                                    <p:set>
+                                      <p:cBhvr>
+                                        <p:cTn id="6" dur="1" fill="hold">
+                                          <p:stCondLst>
+                                            <p:cond delay="0"/>
+                                          </p:stCondLst>
+                                        </p:cTn>
+                                        <p:tgtEl>
+                                          <p:spTgt spid="2"/>
+                                        </p:tgtEl>
+                                        <p:attrNameLst>
+                                          <p:attrName>style.visibility</p:attrName>
+                                        </p:attrNameLst>
+                                      </p:cBhvr>
+                                      <p:to>
+                                        <p:strVal val="visible"/>
+                                      </p:to>
+                                    </p:set>
+                                    <p:animEffect transition="in" filter="circle(out)">
+                                      <p:cBhvr>
+                                        <p:cTn id="7" dur="2000"/>
+                                        <p:tgtEl>
+                                          <p:spTgt spid="2"/>
+                                        </p:tgtEl>
+                                      </p:cBhvr>
+                                    </p:animEffect>
+                                  </p:childTnLst>
+                                </p:cTn>
+                              </p:par>
+                              <p:par>
+                                <p:cTn id="8" presetID="16" presetClass="entr" presetSubtype="37" fill="hold" nodeType="withEffect">
+                                  <p:stCondLst>
+                                    <p:cond delay="0"/>
+                                  </p:stCondLst>
+                                  <p:childTnLst>
+                                    <p:set>
+                                      <p:cBhvr>
+                                        <p:cTn id="9" dur="1" fill="hold">
+                                          <p:stCondLst>
+                                            <p:cond delay="0"/>
+                                          </p:stCondLst>
+                                        </p:cTn>
+                                        <p:tgtEl>
+                                          <p:spTgt spid="5"/>
+                                        </p:tgtEl>
+                                        <p:attrNameLst>
+                                          <p:attrName>style.visibility</p:attrName>
+                                        </p:attrNameLst>
+                                      </p:cBhvr>
+                                      <p:to>
+                                        <p:strVal val="visible"/>
+                                      </p:to>
+                                    </p:set>
+                                    <p:animEffect transition="in" filter="barn(outVertical)">
+                                      <p:cBhvr>
+                                        <p:cTn id="10" dur="500"/>
+                                        <p:tgtEl>
+                                          <p:spTgt spid="5"/>
+                                        </p:tgtEl>
+                                      </p:cBhvr>
+                                    </p:animEffect>
+                                  </p:childTnLst>
+                                </p:cTn>
+                              </p:par>
+                            </p:childTnLst>
+                          </p:cTn>
+                        </p:par>
+                        <p:par>
+                          <p:cTn id="11" fill="hold">
+                            <p:stCondLst>
+                              <p:cond delay="2000"/>
+                            </p:stCondLst>
+                            <p:childTnLst>
+                              <p:par>
+                                <p:cTn id="12" presetID="22" presetClass="entr" presetSubtype="4" fill="hold" nodeType="afterEffect">
+                                  <p:stCondLst>
+                                    <p:cond delay="500"/>
+                                  </p:stCondLst>
+                                  <p:childTnLst>
+                                    <p:set>
+                                      <p:cBhvr>
+                                        <p:cTn id="13" dur="1" fill="hold">
+                                          <p:stCondLst>
+                                            <p:cond delay="0"/>
+                                          </p:stCondLst>
+                                        </p:cTn>
+                                        <p:tgtEl>
+                                          <p:spTgt spid="3">
+                                            <p:txEl>
+                                              <p:pRg st="0" end="0"/>
+                                            </p:txEl>
+                                          </p:spTgt>
+                                        </p:tgtEl>
+                                        <p:attrNameLst>
+                                          <p:attrName>style.visibility</p:attrName>
+                                        </p:attrNameLst>
+                                      </p:cBhvr>
+                                      <p:to>
+                                        <p:strVal val="visible"/>
+                                      </p:to>
+                                    </p:set>
+                                    <p:animEffect transition="in" filter="wipe(down)">
+                                      <p:cBhvr>
+                                        <p:cTn id="14" dur="500"/>
+                                        <p:tgtEl>
+                                          <p:spTgt spid="3">
+                                            <p:txEl>
+                                              <p:pRg st="0" end="0"/>
+                                            </p:txEl>
+                                          </p:spTgt>
+                                        </p:tgtEl>
+                                      </p:cBhvr>
+                                    </p:animEffect>
+                                  </p:childTnLst>
+                                </p:cTn>
+                              </p:par>
+                            </p:childTnLst>
+                          </p:cTn>
+                        </p:par>
+                        <p:par>
+                          <p:cTn id="15" fill="hold">
+                            <p:stCondLst>
+                              <p:cond delay="3000"/>
+                            </p:stCondLst>
+                            <p:childTnLst>
+                              <p:par>
+                                <p:cTn id="16" presetID="22" presetClass="entr" presetSubtype="4" fill="hold" nodeType="afterEffect">
+                                  <p:stCondLst>
+                                    <p:cond delay="500"/>
+                                  </p:stCondLst>
+                                  <p:childTnLst>
+                                    <p:set>
+                                      <p:cBhvr>
+                                        <p:cTn id="17" dur="1" fill="hold">
+                                          <p:stCondLst>
+                                            <p:cond delay="0"/>
+                                          </p:stCondLst>
+                                        </p:cTn>
+                                        <p:tgtEl>
+                                          <p:spTgt spid="3">
+                                            <p:txEl>
+                                              <p:pRg st="2" end="2"/>
+                                            </p:txEl>
+                                          </p:spTgt>
+                                        </p:tgtEl>
+                                        <p:attrNameLst>
+                                          <p:attrName>style.visibility</p:attrName>
+                                        </p:attrNameLst>
+                                      </p:cBhvr>
+                                      <p:to>
+                                        <p:strVal val="visible"/>
+                                      </p:to>
+                                    </p:set>
+                                    <p:animEffect transition="in" filter="wipe(down)">
+                                      <p:cBhvr>
+                                        <p:cTn id="18" dur="500"/>
+                                        <p:tgtEl>
+                                          <p:spTgt spid="3">
+                                            <p:txEl>
+                                              <p:pRg st="2" end="2"/>
+                                            </p:txEl>
+                                          </p:spTgt>
+                                        </p:tgtEl>
+                                      </p:cBhvr>
+                                    </p:animEffect>
+                                  </p:childTnLst>
+                                </p:cTn>
+                              </p:par>
+                            </p:childTnLst>
+                          </p:cTn>
+                        </p:par>
+                        <p:par>
+                          <p:cTn id="19" fill="hold">
+                            <p:stCondLst>
+                              <p:cond delay="4000"/>
+                            </p:stCondLst>
+                            <p:childTnLst>
+                              <p:par>
+                                <p:cTn id="20" presetID="22" presetClass="entr" presetSubtype="4" fill="hold" nodeType="afterEffect">
+                                  <p:stCondLst>
+                                    <p:cond delay="500"/>
+                                  </p:stCondLst>
+                                  <p:childTnLst>
+                                    <p:set>
+                                      <p:cBhvr>
+                                        <p:cTn id="21" dur="1" fill="hold">
+                                          <p:stCondLst>
+                                            <p:cond delay="0"/>
+                                          </p:stCondLst>
+                                        </p:cTn>
+                                        <p:tgtEl>
+                                          <p:spTgt spid="3">
+                                            <p:txEl>
+                                              <p:pRg st="3" end="3"/>
+                                            </p:txEl>
+                                          </p:spTgt>
+                                        </p:tgtEl>
+                                        <p:attrNameLst>
+                                          <p:attrName>style.visibility</p:attrName>
+                                        </p:attrNameLst>
+                                      </p:cBhvr>
+                                      <p:to>
+                                        <p:strVal val="visible"/>
+                                      </p:to>
+                                    </p:set>
+                                    <p:animEffect transition="in" filter="wipe(down)">
+                                      <p:cBhvr>
+                                        <p:cTn id="22" dur="500"/>
+                                        <p:tgtEl>
+                                          <p:spTgt spid="3">
+                                            <p:txEl>
+                                              <p:pRg st="3" end="3"/>
+                                            </p:txEl>
+                                          </p:spTgt>
+                                        </p:tgtEl>
+                                      </p:cBhvr>
+                                    </p:animEffect>
+                                  </p:childTnLst>
+                                </p:cTn>
+                              </p:par>
+                            </p:childTnLst>
+                          </p:cTn>
+                        </p:par>
+                        <p:par>
+                          <p:cTn id="23" fill="hold">
+                            <p:stCondLst>
+                              <p:cond delay="5000"/>
+                            </p:stCondLst>
+                            <p:childTnLst>
+                              <p:par>
+                                <p:cTn id="24" presetID="22" presetClass="entr" presetSubtype="4" fill="hold" nodeType="afterEffect">
+                                  <p:stCondLst>
+                                    <p:cond delay="500"/>
+                                  </p:stCondLst>
+                                  <p:childTnLst>
+                                    <p:set>
+                                      <p:cBhvr>
+                                        <p:cTn id="25" dur="1" fill="hold">
+                                          <p:stCondLst>
+                                            <p:cond delay="0"/>
+                                          </p:stCondLst>
+                                        </p:cTn>
+                                        <p:tgtEl>
+                                          <p:spTgt spid="3">
+                                            <p:txEl>
+                                              <p:pRg st="4" end="4"/>
+                                            </p:txEl>
+                                          </p:spTgt>
+                                        </p:tgtEl>
+                                        <p:attrNameLst>
+                                          <p:attrName>style.visibility</p:attrName>
+                                        </p:attrNameLst>
+                                      </p:cBhvr>
+                                      <p:to>
+                                        <p:strVal val="visible"/>
+                                      </p:to>
+                                    </p:set>
+                                    <p:animEffect transition="in" filter="wipe(down)">
+                                      <p:cBhvr>
+                                        <p:cTn id="26" dur="500"/>
+                                        <p:tgtEl>
+                                          <p:spTgt spid="3">
+                                            <p:txEl>
+                                              <p:pRg st="4" end="4"/>
+                                            </p:txEl>
+                                          </p:spTgt>
+                                        </p:tgtEl>
+                                      </p:cBhvr>
+                                    </p:animEffect>
+                                  </p:childTnLst>
+                                </p:cTn>
+                              </p:par>
+                            </p:childTnLst>
+                          </p:cTn>
+                        </p:par>
+                        <p:par>
+                          <p:cTn id="27" fill="hold">
+                            <p:stCondLst>
+                              <p:cond delay="6000"/>
+                            </p:stCondLst>
+                            <p:childTnLst>
+                              <p:par>
+                                <p:cTn id="28" presetID="22" presetClass="entr" presetSubtype="4" fill="hold" nodeType="afterEffect">
+                                  <p:stCondLst>
+                                    <p:cond delay="500"/>
+                                  </p:stCondLst>
+                                  <p:childTnLst>
+                                    <p:set>
+                                      <p:cBhvr>
+                                        <p:cTn id="29" dur="1" fill="hold">
+                                          <p:stCondLst>
+                                            <p:cond delay="0"/>
+                                          </p:stCondLst>
+                                        </p:cTn>
+                                        <p:tgtEl>
+                                          <p:spTgt spid="3">
+                                            <p:txEl>
+                                              <p:pRg st="5" end="5"/>
+                                            </p:txEl>
+                                          </p:spTgt>
+                                        </p:tgtEl>
+                                        <p:attrNameLst>
+                                          <p:attrName>style.visibility</p:attrName>
+                                        </p:attrNameLst>
+                                      </p:cBhvr>
+                                      <p:to>
+                                        <p:strVal val="visible"/>
+                                      </p:to>
+                                    </p:set>
+                                    <p:animEffect transition="in" filter="wipe(down)">
+                                      <p:cBhvr>
+                                        <p:cTn id="30" dur="500"/>
+                                        <p:tgtEl>
+                                          <p:spTgt spid="3">
+                                            <p:txEl>
+                                              <p:pRg st="5" end="5"/>
+                                            </p:txEl>
+                                          </p:spTgt>
+                                        </p:tgtEl>
+                                      </p:cBhvr>
+                                    </p:animEffect>
+                                  </p:childTnLst>
+                                </p:cTn>
+                              </p:par>
+                            </p:childTnLst>
+                          </p:cTn>
+                        </p:par>
+                      </p:childTnLst>
+                    </p:cTn>
+                  </p:par>
+                </p:childTnLst>
+              </p:cTn>
+              <p:prevCondLst>
+                <p:cond evt="onPrev" delay="0">
+                  <p:tgtEl>
+                    <p:sldTgt/>
+                  </p:tgtEl>
+                </p:cond>
+              </p:prevCondLst>
+              <p:nextCondLst>
+                <p:cond evt="onNext" delay="0">
+                  <p:tgtEl>
+                    <p:sldTgt/>
+                  </p:tgtEl>
+                </p:cond>
+              </p:nextCondLst>
+            </p:seq>
+          </p:childTnLst>
+        </p:cTn>
+      </p:par>
+    </p:tnLst>
+    <p:bldLst>
+      <p:bldP spid="2" grpId="0"/>
+    </p:bldLst>
+  </p:timing>
+</p:sld>
+</file>
+
 <file path=ppt/slides/slide2.xml><?xml version="1.0" encoding="utf-8"?>
+<p:sld xmlns:a="http://schemas.openxmlformats.org/drawingml/2006/main" xmlns:r="http://schemas.openxmlformats.org/officeDocument/2006/relationships" xmlns:p="http://schemas.openxmlformats.org/presentationml/2006/main">
+  <p:cSld>
+    <p:spTree>
+      <p:nvGrpSpPr>
+        <p:cNvPr id="1" name=""/>
+        <p:cNvGrpSpPr/>
+        <p:nvPr/>
+      </p:nvGrpSpPr>
+      <p:grpSpPr>
+        <a:xfrm>
+          <a:off x="0" y="0"/>
+          <a:ext cx="0" cy="0"/>
+          <a:chOff x="0" y="0"/>
+          <a:chExt cx="0" cy="0"/>
+        </a:xfrm>
+      </p:grpSpPr>
+      <p:pic>
+        <p:nvPicPr>
+          <p:cNvPr id="6" name="Grafik 5"/>
+          <p:cNvPicPr>
+            <a:picLocks noChangeAspect="1"/>
+          </p:cNvPicPr>
+          <p:nvPr/>
+        </p:nvPicPr>
+        <p:blipFill>
+          <a:blip r:embed="rId2" cstate="print">
+            <a:extLst>
+              <a:ext uri="{28A0092B-C50C-407E-A947-70E740481C1C}">
+                <a14:useLocalDpi xmlns:a14="http://schemas.microsoft.com/office/drawing/2010/main" val="0"/>
+              </a:ext>
+            </a:extLst>
+          </a:blip>
+          <a:stretch>
+            <a:fillRect/>
+          </a:stretch>
+        </p:blipFill>
+        <p:spPr>
+          <a:xfrm>
+            <a:off x="138331" y="0"/>
+            <a:ext cx="8826157" cy="4948014"/>
+          </a:xfrm>
+          <a:prstGeom prst="rect">
+            <a:avLst/>
+          </a:prstGeom>
+          <a:ln>
+            <a:noFill/>
+          </a:ln>
+          <a:effectLst>
+            <a:softEdge rad="317500"/>
+          </a:effectLst>
+        </p:spPr>
+      </p:pic>
+      <p:sp>
+        <p:nvSpPr>
+          <p:cNvPr id="2" name="Titel 1"/>
+          <p:cNvSpPr>
+            <a:spLocks noGrp="1"/>
+          </p:cNvSpPr>
+          <p:nvPr>
+            <p:ph type="ctrTitle"/>
+          </p:nvPr>
+        </p:nvSpPr>
+        <p:spPr>
+          <a:xfrm>
+            <a:off x="685800" y="249493"/>
+            <a:ext cx="7772400" cy="648071"/>
+          </a:xfrm>
+        </p:spPr>
+        <p:txBody>
+          <a:bodyPr>
+            <a:normAutofit fontScale="90000"/>
+          </a:bodyPr>
+          <a:lstStyle/>
+          <a:p>
+            <a:pPr algn="ctr"/>
+            <a:r>
+              <a:rPr lang="de-DE" dirty="0" smtClean="0">
+                <a:latin typeface="MV Boli" pitchFamily="2" charset="0"/>
+                <a:cs typeface="MV Boli" pitchFamily="2" charset="0"/>
+              </a:rPr>
+              <a:t>Story</a:t>
+            </a:r>
+            <a:endParaRPr lang="de-DE" dirty="0">
+              <a:latin typeface="MV Boli" pitchFamily="2" charset="0"/>
+              <a:cs typeface="MV Boli" pitchFamily="2" charset="0"/>
+            </a:endParaRPr>
+          </a:p>
+        </p:txBody>
+      </p:sp>
+      <p:sp>
+        <p:nvSpPr>
+          <p:cNvPr id="3" name="Untertitel 2"/>
+          <p:cNvSpPr>
+            <a:spLocks noGrp="1"/>
+          </p:cNvSpPr>
+          <p:nvPr>
+            <p:ph type="subTitle" idx="1"/>
+          </p:nvPr>
+        </p:nvSpPr>
+        <p:spPr>
+          <a:xfrm>
+            <a:off x="1371600" y="1113588"/>
+            <a:ext cx="6400800" cy="3115512"/>
+          </a:xfrm>
+        </p:spPr>
+        <p:txBody>
+          <a:bodyPr>
+            <a:noAutofit/>
+          </a:bodyPr>
+          <a:lstStyle/>
+          <a:p>
+            <a:pPr lvl="0">
+              <a:lnSpc>
+                <a:spcPct val="150000"/>
+              </a:lnSpc>
+            </a:pPr>
+            <a:r>
+              <a:rPr lang="en-GB" dirty="0" smtClean="0">
+                <a:latin typeface="MV Boli" pitchFamily="2" charset="0"/>
+                <a:cs typeface="MV Boli" pitchFamily="2" charset="0"/>
+              </a:rPr>
+              <a:t>The small Voodoo puppet Nox came alife in a dark undergrund bunker and the first thing that catches her eye is a picture of a beautiful flower.</a:t>
+            </a:r>
+          </a:p>
+          <a:p>
+            <a:pPr lvl="0">
+              <a:lnSpc>
+                <a:spcPct val="150000"/>
+              </a:lnSpc>
+            </a:pPr>
+            <a:r>
+              <a:rPr lang="en-GB" dirty="0" smtClean="0">
+                <a:latin typeface="MV Boli" pitchFamily="2" charset="0"/>
+                <a:cs typeface="MV Boli" pitchFamily="2" charset="0"/>
+              </a:rPr>
+              <a:t> So he decides to find that flower and thus starts his journey through the bunker. </a:t>
+            </a:r>
+          </a:p>
+          <a:p>
+            <a:pPr lvl="0">
+              <a:lnSpc>
+                <a:spcPct val="150000"/>
+              </a:lnSpc>
+            </a:pPr>
+            <a:r>
+              <a:rPr lang="en-GB" dirty="0" smtClean="0">
+                <a:latin typeface="MV Boli" pitchFamily="2" charset="0"/>
+                <a:cs typeface="MV Boli" pitchFamily="2" charset="0"/>
+              </a:rPr>
+              <a:t>He discovers new powers along the way and uses them to find his way out.</a:t>
+            </a:r>
+            <a:endParaRPr lang="en-GB" dirty="0" smtClean="0">
+              <a:latin typeface="MV Boli" pitchFamily="2" charset="0"/>
+              <a:cs typeface="MV Boli" pitchFamily="2" charset="0"/>
+            </a:endParaRPr>
+          </a:p>
+        </p:txBody>
+      </p:sp>
+      <p:pic>
+        <p:nvPicPr>
+          <p:cNvPr id="5" name="Grafik 4"/>
+          <p:cNvPicPr>
+            <a:picLocks noChangeAspect="1"/>
+          </p:cNvPicPr>
+          <p:nvPr/>
+        </p:nvPicPr>
+        <p:blipFill>
+          <a:blip r:embed="rId3" cstate="print">
+            <a:extLst>
+              <a:ext uri="{28A0092B-C50C-407E-A947-70E740481C1C}">
+                <a14:useLocalDpi xmlns:a14="http://schemas.microsoft.com/office/drawing/2010/main" val="0"/>
+              </a:ext>
+            </a:extLst>
+          </a:blip>
+          <a:stretch>
+            <a:fillRect/>
+          </a:stretch>
+        </p:blipFill>
+        <p:spPr>
+          <a:xfrm rot="5400000">
+            <a:off x="-3363598" y="-2244572"/>
+            <a:ext cx="5430037" cy="3960440"/>
+          </a:xfrm>
+          <a:prstGeom prst="rect">
+            <a:avLst/>
+          </a:prstGeom>
+        </p:spPr>
+      </p:pic>
+      <p:pic>
+        <p:nvPicPr>
+          <p:cNvPr id="7" name="Grafik 6"/>
+          <p:cNvPicPr>
+            <a:picLocks noChangeAspect="1"/>
+          </p:cNvPicPr>
+          <p:nvPr/>
+        </p:nvPicPr>
+        <p:blipFill>
+          <a:blip r:embed="rId4" cstate="print">
+            <a:duotone>
+              <a:prstClr val="black"/>
+              <a:schemeClr val="tx2">
+                <a:tint val="45000"/>
+                <a:satMod val="400000"/>
+              </a:schemeClr>
+            </a:duotone>
+            <a:extLst>
+              <a:ext uri="{28A0092B-C50C-407E-A947-70E740481C1C}">
+                <a14:useLocalDpi xmlns:a14="http://schemas.microsoft.com/office/drawing/2010/main" val="0"/>
+              </a:ext>
+            </a:extLst>
+          </a:blip>
+          <a:stretch>
+            <a:fillRect/>
+          </a:stretch>
+        </p:blipFill>
+        <p:spPr>
+          <a:xfrm rot="180000">
+            <a:off x="6355288" y="1207296"/>
+            <a:ext cx="2950232" cy="2182708"/>
+          </a:xfrm>
+          <a:prstGeom prst="rect">
+            <a:avLst/>
+          </a:prstGeom>
+        </p:spPr>
+      </p:pic>
+    </p:spTree>
+    <p:extLst>
+      <p:ext uri="{BB962C8B-B14F-4D97-AF65-F5344CB8AC3E}">
+        <p14:creationId xmlns:p14="http://schemas.microsoft.com/office/powerpoint/2010/main" val="938101030"/>
+      </p:ext>
+    </p:extLst>
+  </p:cSld>
+  <p:clrMapOvr>
+    <a:masterClrMapping/>
+  </p:clrMapOvr>
+  <p:timing>
+    <p:tnLst>
+      <p:par>
+        <p:cTn id="1" dur="indefinite" restart="never" nodeType="tmRoot">
+          <p:childTnLst>
+            <p:seq concurrent="1" nextAc="seek">
+              <p:cTn id="2" dur="indefinite" nodeType="mainSeq">
+                <p:childTnLst>
+                  <p:par>
+                    <p:cTn id="3" fill="hold">
+                      <p:stCondLst>
+                        <p:cond delay="indefinite"/>
+                        <p:cond evt="onBegin" delay="0">
+                          <p:tn val="2"/>
+                        </p:cond>
+                      </p:stCondLst>
+                      <p:childTnLst>
+                        <p:par>
+                          <p:cTn id="4" fill="hold">
+                            <p:stCondLst>
+                              <p:cond delay="0"/>
+                            </p:stCondLst>
+                            <p:childTnLst>
+                              <p:par>
+                                <p:cTn id="5" presetID="6" presetClass="entr" presetSubtype="32" fill="hold" grpId="0" nodeType="withEffect">
+                                  <p:stCondLst>
+                                    <p:cond delay="0"/>
+                                  </p:stCondLst>
+                                  <p:childTnLst>
+                                    <p:set>
+                                      <p:cBhvr>
+                                        <p:cTn id="6" dur="1" fill="hold">
+                                          <p:stCondLst>
+                                            <p:cond delay="0"/>
+                                          </p:stCondLst>
+                                        </p:cTn>
+                                        <p:tgtEl>
+                                          <p:spTgt spid="2"/>
+                                        </p:tgtEl>
+                                        <p:attrNameLst>
+                                          <p:attrName>style.visibility</p:attrName>
+                                        </p:attrNameLst>
+                                      </p:cBhvr>
+                                      <p:to>
+                                        <p:strVal val="visible"/>
+                                      </p:to>
+                                    </p:set>
+                                    <p:animEffect transition="in" filter="circle(out)">
+                                      <p:cBhvr>
+                                        <p:cTn id="7" dur="2000"/>
+                                        <p:tgtEl>
+                                          <p:spTgt spid="2"/>
+                                        </p:tgtEl>
+                                      </p:cBhvr>
+                                    </p:animEffect>
+                                  </p:childTnLst>
+                                </p:cTn>
+                              </p:par>
+                              <p:par>
+                                <p:cTn id="8" presetID="10" presetClass="entr" presetSubtype="0" fill="hold" nodeType="withEffect">
+                                  <p:stCondLst>
+                                    <p:cond delay="0"/>
+                                  </p:stCondLst>
+                                  <p:childTnLst>
+                                    <p:set>
+                                      <p:cBhvr>
+                                        <p:cTn id="9" dur="1" fill="hold">
+                                          <p:stCondLst>
+                                            <p:cond delay="0"/>
+                                          </p:stCondLst>
+                                        </p:cTn>
+                                        <p:tgtEl>
+                                          <p:spTgt spid="5"/>
+                                        </p:tgtEl>
+                                        <p:attrNameLst>
+                                          <p:attrName>style.visibility</p:attrName>
+                                        </p:attrNameLst>
+                                      </p:cBhvr>
+                                      <p:to>
+                                        <p:strVal val="visible"/>
+                                      </p:to>
+                                    </p:set>
+                                    <p:animEffect transition="in" filter="fade">
+                                      <p:cBhvr>
+                                        <p:cTn id="10" dur="500"/>
+                                        <p:tgtEl>
+                                          <p:spTgt spid="5"/>
+                                        </p:tgtEl>
+                                      </p:cBhvr>
+                                    </p:animEffect>
+                                  </p:childTnLst>
+                                </p:cTn>
+                              </p:par>
+                            </p:childTnLst>
+                          </p:cTn>
+                        </p:par>
+                        <p:par>
+                          <p:cTn id="11" fill="hold">
+                            <p:stCondLst>
+                              <p:cond delay="2000"/>
+                            </p:stCondLst>
+                            <p:childTnLst>
+                              <p:par>
+                                <p:cTn id="12" presetID="22" presetClass="entr" presetSubtype="8" fill="hold" nodeType="afterEffect">
+                                  <p:stCondLst>
+                                    <p:cond delay="0"/>
+                                  </p:stCondLst>
+                                  <p:childTnLst>
+                                    <p:set>
+                                      <p:cBhvr>
+                                        <p:cTn id="13" dur="1" fill="hold">
+                                          <p:stCondLst>
+                                            <p:cond delay="0"/>
+                                          </p:stCondLst>
+                                        </p:cTn>
+                                        <p:tgtEl>
+                                          <p:spTgt spid="3">
+                                            <p:txEl>
+                                              <p:pRg st="0" end="0"/>
+                                            </p:txEl>
+                                          </p:spTgt>
+                                        </p:tgtEl>
+                                        <p:attrNameLst>
+                                          <p:attrName>style.visibility</p:attrName>
+                                        </p:attrNameLst>
+                                      </p:cBhvr>
+                                      <p:to>
+                                        <p:strVal val="visible"/>
+                                      </p:to>
+                                    </p:set>
+                                    <p:animEffect transition="in" filter="wipe(left)">
+                                      <p:cBhvr>
+                                        <p:cTn id="14" dur="500"/>
+                                        <p:tgtEl>
+                                          <p:spTgt spid="3">
+                                            <p:txEl>
+                                              <p:pRg st="0" end="0"/>
+                                            </p:txEl>
+                                          </p:spTgt>
+                                        </p:tgtEl>
+                                      </p:cBhvr>
+                                    </p:animEffect>
+                                  </p:childTnLst>
+                                </p:cTn>
+                              </p:par>
+                            </p:childTnLst>
+                          </p:cTn>
+                        </p:par>
+                        <p:par>
+                          <p:cTn id="15" fill="hold">
+                            <p:stCondLst>
+                              <p:cond delay="2500"/>
+                            </p:stCondLst>
+                            <p:childTnLst>
+                              <p:par>
+                                <p:cTn id="16" presetID="22" presetClass="entr" presetSubtype="8" fill="hold" nodeType="afterEffect">
+                                  <p:stCondLst>
+                                    <p:cond delay="0"/>
+                                  </p:stCondLst>
+                                  <p:childTnLst>
+                                    <p:set>
+                                      <p:cBhvr>
+                                        <p:cTn id="17" dur="1" fill="hold">
+                                          <p:stCondLst>
+                                            <p:cond delay="0"/>
+                                          </p:stCondLst>
+                                        </p:cTn>
+                                        <p:tgtEl>
+                                          <p:spTgt spid="3">
+                                            <p:txEl>
+                                              <p:pRg st="1" end="1"/>
+                                            </p:txEl>
+                                          </p:spTgt>
+                                        </p:tgtEl>
+                                        <p:attrNameLst>
+                                          <p:attrName>style.visibility</p:attrName>
+                                        </p:attrNameLst>
+                                      </p:cBhvr>
+                                      <p:to>
+                                        <p:strVal val="visible"/>
+                                      </p:to>
+                                    </p:set>
+                                    <p:animEffect transition="in" filter="wipe(left)">
+                                      <p:cBhvr>
+                                        <p:cTn id="18" dur="500"/>
+                                        <p:tgtEl>
+                                          <p:spTgt spid="3">
+                                            <p:txEl>
+                                              <p:pRg st="1" end="1"/>
+                                            </p:txEl>
+                                          </p:spTgt>
+                                        </p:tgtEl>
+                                      </p:cBhvr>
+                                    </p:animEffect>
+                                  </p:childTnLst>
+                                </p:cTn>
+                              </p:par>
+                            </p:childTnLst>
+                          </p:cTn>
+                        </p:par>
+                        <p:par>
+                          <p:cTn id="19" fill="hold">
+                            <p:stCondLst>
+                              <p:cond delay="3000"/>
+                            </p:stCondLst>
+                            <p:childTnLst>
+                              <p:par>
+                                <p:cTn id="20" presetID="22" presetClass="entr" presetSubtype="8" fill="hold" nodeType="afterEffect">
+                                  <p:stCondLst>
+                                    <p:cond delay="0"/>
+                                  </p:stCondLst>
+                                  <p:childTnLst>
+                                    <p:set>
+                                      <p:cBhvr>
+                                        <p:cTn id="21" dur="1" fill="hold">
+                                          <p:stCondLst>
+                                            <p:cond delay="0"/>
+                                          </p:stCondLst>
+                                        </p:cTn>
+                                        <p:tgtEl>
+                                          <p:spTgt spid="3">
+                                            <p:txEl>
+                                              <p:pRg st="2" end="2"/>
+                                            </p:txEl>
+                                          </p:spTgt>
+                                        </p:tgtEl>
+                                        <p:attrNameLst>
+                                          <p:attrName>style.visibility</p:attrName>
+                                        </p:attrNameLst>
+                                      </p:cBhvr>
+                                      <p:to>
+                                        <p:strVal val="visible"/>
+                                      </p:to>
+                                    </p:set>
+                                    <p:animEffect transition="in" filter="wipe(left)">
+                                      <p:cBhvr>
+                                        <p:cTn id="22" dur="500"/>
+                                        <p:tgtEl>
+                                          <p:spTgt spid="3">
+                                            <p:txEl>
+                                              <p:pRg st="2" end="2"/>
+                                            </p:txEl>
+                                          </p:spTgt>
+                                        </p:tgtEl>
+                                      </p:cBhvr>
+                                    </p:animEffect>
+                                  </p:childTnLst>
+                                </p:cTn>
+                              </p:par>
+                            </p:childTnLst>
+                          </p:cTn>
+                        </p:par>
+                        <p:par>
+                          <p:cTn id="23" fill="hold">
+                            <p:stCondLst>
+                              <p:cond delay="3500"/>
+                            </p:stCondLst>
+                            <p:childTnLst>
+                              <p:par>
+                                <p:cTn id="24" presetID="10" presetClass="exit" presetSubtype="0" fill="hold" nodeType="afterEffect">
+                                  <p:stCondLst>
+                                    <p:cond delay="2000"/>
+                                  </p:stCondLst>
+                                  <p:childTnLst>
+                                    <p:animEffect transition="out" filter="fade">
+                                      <p:cBhvr>
+                                        <p:cTn id="25" dur="500"/>
+                                        <p:tgtEl>
+                                          <p:spTgt spid="5"/>
+                                        </p:tgtEl>
+                                      </p:cBhvr>
+                                    </p:animEffect>
+                                    <p:set>
+                                      <p:cBhvr>
+                                        <p:cTn id="26" dur="1" fill="hold">
+                                          <p:stCondLst>
+                                            <p:cond delay="499"/>
+                                          </p:stCondLst>
+                                        </p:cTn>
+                                        <p:tgtEl>
+                                          <p:spTgt spid="5"/>
+                                        </p:tgtEl>
+                                        <p:attrNameLst>
+                                          <p:attrName>style.visibility</p:attrName>
+                                        </p:attrNameLst>
+                                      </p:cBhvr>
+                                      <p:to>
+                                        <p:strVal val="hidden"/>
+                                      </p:to>
+                                    </p:set>
+                                  </p:childTnLst>
+                                </p:cTn>
+                              </p:par>
+                            </p:childTnLst>
+                          </p:cTn>
+                        </p:par>
+                        <p:par>
+                          <p:cTn id="27" fill="hold">
+                            <p:stCondLst>
+                              <p:cond delay="6000"/>
+                            </p:stCondLst>
+                            <p:childTnLst>
+                              <p:par>
+                                <p:cTn id="28" presetID="16" presetClass="entr" presetSubtype="21" fill="hold" nodeType="afterEffect">
+                                  <p:stCondLst>
+                                    <p:cond delay="1500"/>
+                                  </p:stCondLst>
+                                  <p:childTnLst>
+                                    <p:set>
+                                      <p:cBhvr>
+                                        <p:cTn id="29" dur="1" fill="hold">
+                                          <p:stCondLst>
+                                            <p:cond delay="0"/>
+                                          </p:stCondLst>
+                                        </p:cTn>
+                                        <p:tgtEl>
+                                          <p:spTgt spid="7"/>
+                                        </p:tgtEl>
+                                        <p:attrNameLst>
+                                          <p:attrName>style.visibility</p:attrName>
+                                        </p:attrNameLst>
+                                      </p:cBhvr>
+                                      <p:to>
+                                        <p:strVal val="visible"/>
+                                      </p:to>
+                                    </p:set>
+                                    <p:animEffect transition="in" filter="barn(inVertical)">
+                                      <p:cBhvr>
+                                        <p:cTn id="30" dur="500"/>
+                                        <p:tgtEl>
+                                          <p:spTgt spid="7"/>
+                                        </p:tgtEl>
+                                      </p:cBhvr>
+                                    </p:animEffect>
+                                  </p:childTnLst>
+                                </p:cTn>
+                              </p:par>
+                            </p:childTnLst>
+                          </p:cTn>
+                        </p:par>
+                      </p:childTnLst>
+                    </p:cTn>
+                  </p:par>
+                </p:childTnLst>
+              </p:cTn>
+              <p:prevCondLst>
+                <p:cond evt="onPrev" delay="0">
+                  <p:tgtEl>
+                    <p:sldTgt/>
+                  </p:tgtEl>
+                </p:cond>
+              </p:prevCondLst>
+              <p:nextCondLst>
+                <p:cond evt="onNext" delay="0">
+                  <p:tgtEl>
+                    <p:sldTgt/>
+                  </p:tgtEl>
+                </p:cond>
+              </p:nextCondLst>
+            </p:seq>
+          </p:childTnLst>
+        </p:cTn>
+      </p:par>
+    </p:tnLst>
+    <p:bldLst>
+      <p:bldP spid="2" grpId="0"/>
+    </p:bldLst>
+  </p:timing>
+</p:sld>
+</file>
+
+<file path=ppt/slides/slide3.xml><?xml version="1.0" encoding="utf-8"?>
 <p:sld xmlns:a="http://schemas.openxmlformats.org/drawingml/2006/main" xmlns:r="http://schemas.openxmlformats.org/officeDocument/2006/relationships" xmlns:p="http://schemas.openxmlformats.org/presentationml/2006/main">
   <p:cSld>
     <p:spTree>
@@ -12536,13 +14226,13 @@
           <a:p>
             <a:pPr algn="ctr"/>
             <a:r>
-              <a:rPr lang="de-DE" dirty="0" smtClean="0">
+              <a:rPr lang="de-DE" sz="3600" dirty="0" smtClean="0">
                 <a:latin typeface="MV Boli" pitchFamily="2" charset="0"/>
                 <a:cs typeface="MV Boli" pitchFamily="2" charset="0"/>
               </a:rPr>
               <a:t>Vision Statement</a:t>
             </a:r>
-            <a:endParaRPr lang="de-DE" dirty="0">
+            <a:endParaRPr lang="de-DE" sz="3600" dirty="0">
               <a:latin typeface="MV Boli" pitchFamily="2" charset="0"/>
               <a:cs typeface="MV Boli" pitchFamily="2" charset="0"/>
             </a:endParaRPr>
@@ -12561,8 +14251,8 @@
         </p:nvSpPr>
         <p:spPr>
           <a:xfrm>
-            <a:off x="971600" y="1167594"/>
-            <a:ext cx="7560840" cy="3672408"/>
+            <a:off x="611560" y="1167594"/>
+            <a:ext cx="7920880" cy="3672408"/>
           </a:xfrm>
         </p:spPr>
         <p:txBody>
@@ -12570,6 +14260,21 @@
             <a:normAutofit/>
           </a:bodyPr>
           <a:lstStyle/>
+          <a:p>
+            <a:r>
+              <a:rPr lang="de-DE" dirty="0" smtClean="0">
+                <a:solidFill>
+                  <a:schemeClr val="accent4">
+                    <a:lumMod val="20000"/>
+                    <a:lumOff val="80000"/>
+                  </a:schemeClr>
+                </a:solidFill>
+                <a:latin typeface="MV Boli" pitchFamily="2" charset="0"/>
+                <a:cs typeface="MV Boli" pitchFamily="2" charset="0"/>
+              </a:rPr>
+              <a:t>Voodoo is a 3D platformer for lovers of the occult with minimized stealth-elements.</a:t>
+            </a:r>
+          </a:p>
           <a:p>
             <a:r>
               <a:rPr lang="de-DE" dirty="0" smtClean="0">
@@ -12581,7 +14286,111 @@
                 <a:latin typeface="MV Boli" pitchFamily="2" charset="0"/>
                 <a:cs typeface="MV Boli" pitchFamily="2" charset="0"/>
               </a:rPr>
-              <a:t>Voodoo is a 3D platformer for lovers of the occult with minimized stealth-elements.</a:t>
+              <a:t>		</a:t>
+            </a:r>
+            <a:r>
+              <a:rPr lang="de-DE" dirty="0" smtClean="0">
+                <a:solidFill>
+                  <a:schemeClr val="accent3">
+                    <a:lumMod val="20000"/>
+                    <a:lumOff val="80000"/>
+                  </a:schemeClr>
+                </a:solidFill>
+                <a:latin typeface="MV Boli" pitchFamily="2" charset="0"/>
+                <a:cs typeface="MV Boli" pitchFamily="2" charset="0"/>
+              </a:rPr>
+              <a:t>The </a:t>
+            </a:r>
+            <a:r>
+              <a:rPr lang="de-DE" dirty="0" smtClean="0">
+                <a:solidFill>
+                  <a:schemeClr val="accent3">
+                    <a:lumMod val="20000"/>
+                    <a:lumOff val="80000"/>
+                  </a:schemeClr>
+                </a:solidFill>
+                <a:latin typeface="MV Boli" pitchFamily="2" charset="0"/>
+                <a:cs typeface="MV Boli" pitchFamily="2" charset="0"/>
+              </a:rPr>
+              <a:t>player discovers his surroundings from the </a:t>
+            </a:r>
+            <a:r>
+              <a:rPr lang="de-DE" dirty="0" smtClean="0">
+                <a:solidFill>
+                  <a:schemeClr val="accent3">
+                    <a:lumMod val="20000"/>
+                    <a:lumOff val="80000"/>
+                  </a:schemeClr>
+                </a:solidFill>
+                <a:latin typeface="MV Boli" pitchFamily="2" charset="0"/>
+                <a:cs typeface="MV Boli" pitchFamily="2" charset="0"/>
+              </a:rPr>
+              <a:t>				perspective </a:t>
+            </a:r>
+            <a:r>
+              <a:rPr lang="de-DE" dirty="0" smtClean="0">
+                <a:solidFill>
+                  <a:schemeClr val="accent3">
+                    <a:lumMod val="20000"/>
+                    <a:lumOff val="80000"/>
+                  </a:schemeClr>
+                </a:solidFill>
+                <a:latin typeface="MV Boli" pitchFamily="2" charset="0"/>
+                <a:cs typeface="MV Boli" pitchFamily="2" charset="0"/>
+              </a:rPr>
+              <a:t>of a small puppet, finds different items to </a:t>
+            </a:r>
+            <a:r>
+              <a:rPr lang="de-DE" dirty="0" smtClean="0">
+                <a:solidFill>
+                  <a:schemeClr val="accent3">
+                    <a:lumMod val="20000"/>
+                    <a:lumOff val="80000"/>
+                  </a:schemeClr>
+                </a:solidFill>
+                <a:latin typeface="MV Boli" pitchFamily="2" charset="0"/>
+                <a:cs typeface="MV Boli" pitchFamily="2" charset="0"/>
+              </a:rPr>
+              <a:t>		strenghten </a:t>
+            </a:r>
+            <a:r>
+              <a:rPr lang="de-DE" dirty="0" smtClean="0">
+                <a:solidFill>
+                  <a:schemeClr val="accent3">
+                    <a:lumMod val="20000"/>
+                    <a:lumOff val="80000"/>
+                  </a:schemeClr>
+                </a:solidFill>
+                <a:latin typeface="MV Boli" pitchFamily="2" charset="0"/>
+                <a:cs typeface="MV Boli" pitchFamily="2" charset="0"/>
+              </a:rPr>
+              <a:t>his voodoo-powers and posesses guards to </a:t>
+            </a:r>
+            <a:r>
+              <a:rPr lang="de-DE" dirty="0" smtClean="0">
+                <a:solidFill>
+                  <a:schemeClr val="accent3">
+                    <a:lumMod val="20000"/>
+                    <a:lumOff val="80000"/>
+                  </a:schemeClr>
+                </a:solidFill>
+                <a:latin typeface="MV Boli" pitchFamily="2" charset="0"/>
+                <a:cs typeface="MV Boli" pitchFamily="2" charset="0"/>
+              </a:rPr>
+              <a:t>		ultimately </a:t>
+            </a:r>
+            <a:r>
+              <a:rPr lang="de-DE" dirty="0" smtClean="0">
+                <a:solidFill>
+                  <a:schemeClr val="accent3">
+                    <a:lumMod val="20000"/>
+                    <a:lumOff val="80000"/>
+                  </a:schemeClr>
+                </a:solidFill>
+                <a:latin typeface="MV Boli" pitchFamily="2" charset="0"/>
+                <a:cs typeface="MV Boli" pitchFamily="2" charset="0"/>
+              </a:rPr>
+              <a:t>flee from the underground bunker.</a:t>
             </a:r>
           </a:p>
           <a:p>
@@ -12595,10 +14404,8 @@
                 <a:latin typeface="MV Boli" pitchFamily="2" charset="0"/>
                 <a:cs typeface="MV Boli" pitchFamily="2" charset="0"/>
               </a:rPr>
-              <a:t>The player discovers his surroundings from the perspective of a small puppet, finds different items to strenghten his voodoo-powers and posesses guards to ultimately flee from the underground bunker.</a:t>
+              <a:t>The low camera perspective and dark atmosphere in the beginning make the player feel vulnerable but the </a:t>
             </a:r>
-          </a:p>
-          <a:p>
             <a:r>
               <a:rPr lang="de-DE" dirty="0" smtClean="0">
                 <a:solidFill>
@@ -12609,7 +14416,19 @@
                 <a:latin typeface="MV Boli" pitchFamily="2" charset="0"/>
                 <a:cs typeface="MV Boli" pitchFamily="2" charset="0"/>
               </a:rPr>
-              <a:t>The low camera perspective and dark atmosphere in the beginning make the player feel vulnerable but the interessting mechanics and fun elements within the game lighten up the mood.</a:t>
+              <a:t>interesting </a:t>
+            </a:r>
+            <a:r>
+              <a:rPr lang="de-DE" dirty="0" smtClean="0">
+                <a:solidFill>
+                  <a:schemeClr val="tx1">
+                    <a:lumMod val="95000"/>
+                  </a:schemeClr>
+                </a:solidFill>
+                <a:latin typeface="MV Boli" pitchFamily="2" charset="0"/>
+                <a:cs typeface="MV Boli" pitchFamily="2" charset="0"/>
+              </a:rPr>
+              <a:t>mechanics and fun elements within the game lighten up the mood.</a:t>
             </a:r>
           </a:p>
         </p:txBody>
@@ -12872,7 +14691,7 @@
 </p:sld>
 </file>
 
-<file path=ppt/slides/slide3.xml><?xml version="1.0" encoding="utf-8"?>
+<file path=ppt/slides/slide4.xml><?xml version="1.0" encoding="utf-8"?>
 <p:sld xmlns:a="http://schemas.openxmlformats.org/drawingml/2006/main" xmlns:r="http://schemas.openxmlformats.org/officeDocument/2006/relationships" xmlns:p="http://schemas.openxmlformats.org/presentationml/2006/main">
   <p:cSld>
     <p:spTree>
@@ -13104,7 +14923,7 @@
       </p:sp>
       <p:pic>
         <p:nvPicPr>
-          <p:cNvPr id="5" name="Grafik 4"/>
+          <p:cNvPr id="7" name="Grafik 6"/>
           <p:cNvPicPr>
             <a:picLocks noChangeAspect="1"/>
           </p:cNvPicPr>
@@ -13112,6 +14931,7 @@
         </p:nvPicPr>
         <p:blipFill>
           <a:blip r:embed="rId3" cstate="print">
+            <a:biLevel thresh="75000"/>
             <a:extLst>
               <a:ext uri="{28A0092B-C50C-407E-A947-70E740481C1C}">
                 <a14:useLocalDpi xmlns:a14="http://schemas.microsoft.com/office/drawing/2010/main" val="0"/>
@@ -13123,9 +14943,9 @@
           </a:stretch>
         </p:blipFill>
         <p:spPr>
-          <a:xfrm>
-            <a:off x="3347864" y="660248"/>
-            <a:ext cx="5430037" cy="3960440"/>
+          <a:xfrm rot="180000">
+            <a:off x="5256926" y="604383"/>
+            <a:ext cx="4014654" cy="4926014"/>
           </a:xfrm>
           <a:prstGeom prst="rect">
             <a:avLst/>
@@ -13200,59 +15020,24 @@
                                   </p:childTnLst>
                                 </p:cTn>
                               </p:par>
-                              <p:par>
-                                <p:cTn id="8" presetID="6" presetClass="entr" presetSubtype="32" fill="hold" nodeType="withEffect">
-                                  <p:stCondLst>
-                                    <p:cond delay="0"/>
-                                  </p:stCondLst>
-                                  <p:childTnLst>
-                                    <p:set>
-                                      <p:cBhvr>
-                                        <p:cTn id="9" dur="1" fill="hold">
-                                          <p:stCondLst>
-                                            <p:cond delay="0"/>
-                                          </p:stCondLst>
-                                        </p:cTn>
-                                        <p:tgtEl>
-                                          <p:spTgt spid="5"/>
-                                        </p:tgtEl>
-                                        <p:attrNameLst>
-                                          <p:attrName>style.visibility</p:attrName>
-                                        </p:attrNameLst>
-                                      </p:cBhvr>
-                                      <p:to>
-                                        <p:strVal val="visible"/>
-                                      </p:to>
-                                    </p:set>
-                                    <p:animEffect transition="in" filter="circle(out)">
-                                      <p:cBhvr>
-                                        <p:cTn id="10" dur="2000"/>
-                                        <p:tgtEl>
-                                          <p:spTgt spid="5"/>
-                                        </p:tgtEl>
-                                      </p:cBhvr>
-                                    </p:animEffect>
-                                  </p:childTnLst>
-                                </p:cTn>
-                              </p:par>
                             </p:childTnLst>
                           </p:cTn>
                         </p:par>
                         <p:par>
-                          <p:cTn id="11" fill="hold">
+                          <p:cTn id="8" fill="hold">
                             <p:stCondLst>
                               <p:cond delay="2000"/>
                             </p:stCondLst>
                             <p:childTnLst>
                               <p:par>
-                                <p:cTn id="12" presetID="22" presetClass="entr" presetSubtype="8" fill="hold" nodeType="afterEffect">
+                                <p:cTn id="9" presetID="22" presetClass="entr" presetSubtype="8" fill="hold" nodeType="afterEffect">
                                   <p:stCondLst>
                                     <p:cond delay="500"/>
                                   </p:stCondLst>
                                   <p:childTnLst>
                                     <p:set>
                                       <p:cBhvr>
-                                        <p:cTn id="13" dur="1" fill="hold">
+                                        <p:cTn id="10" dur="1" fill="hold">
                                           <p:stCondLst>
                                             <p:cond delay="0"/>
                                           </p:stCondLst>
@@ -13274,7 +15059,7 @@
                                     </p:set>
                                     <p:animEffect transition="in" filter="wipe(left)">
                                       <p:cBhvr>
-                                        <p:cTn id="14" dur="500"/>
+                                        <p:cTn id="11" dur="500"/>
                                         <p:tgtEl>
                                           <p:spTgt spid="3">
                                             <p:txEl>
@@ -13291,20 +15076,20 @@
                           </p:cTn>
                         </p:par>
                         <p:par>
-                          <p:cTn id="15" fill="hold">
+                          <p:cTn id="12" fill="hold">
                             <p:stCondLst>
                               <p:cond delay="3000"/>
                             </p:stCondLst>
                             <p:childTnLst>
                               <p:par>
-                                <p:cTn id="16" presetID="22" presetClass="entr" presetSubtype="8" fill="hold" nodeType="afterEffect">
+                                <p:cTn id="13" presetID="22" presetClass="entr" presetSubtype="8" fill="hold" nodeType="afterEffect">
                                   <p:stCondLst>
                                     <p:cond delay="500"/>
                                   </p:stCondLst>
                                   <p:childTnLst>
                                     <p:set>
                                       <p:cBhvr>
-                                        <p:cTn id="17" dur="1" fill="hold">
+                                        <p:cTn id="14" dur="1" fill="hold">
                                           <p:stCondLst>
                                             <p:cond delay="0"/>
                                           </p:stCondLst>
@@ -13326,7 +15111,7 @@
                                     </p:set>
                                     <p:animEffect transition="in" filter="wipe(left)">
                                       <p:cBhvr>
-                                        <p:cTn id="18" dur="500"/>
+                                        <p:cTn id="15" dur="500"/>
                                         <p:tgtEl>
                                           <p:spTgt spid="3">
                                             <p:txEl>
@@ -13343,20 +15128,20 @@
                           </p:cTn>
                         </p:par>
                         <p:par>
-                          <p:cTn id="19" fill="hold">
+                          <p:cTn id="16" fill="hold">
                             <p:stCondLst>
                               <p:cond delay="4000"/>
                             </p:stCondLst>
                             <p:childTnLst>
                               <p:par>
-                                <p:cTn id="20" presetID="22" presetClass="entr" presetSubtype="8" fill="hold" nodeType="afterEffect">
+                                <p:cTn id="17" presetID="22" presetClass="entr" presetSubtype="8" fill="hold" nodeType="afterEffect">
                                   <p:stCondLst>
                                     <p:cond delay="500"/>
                                   </p:stCondLst>
                                   <p:childTnLst>
                                     <p:set>
                                       <p:cBhvr>
-                                        <p:cTn id="21" dur="1" fill="hold">
+                                        <p:cTn id="18" dur="1" fill="hold">
                                           <p:stCondLst>
                                             <p:cond delay="0"/>
                                           </p:stCondLst>
@@ -13378,7 +15163,7 @@
                                     </p:set>
                                     <p:animEffect transition="in" filter="wipe(left)">
                                       <p:cBhvr>
-                                        <p:cTn id="22" dur="500"/>
+                                        <p:cTn id="19" dur="500"/>
                                         <p:tgtEl>
                                           <p:spTgt spid="3">
                                             <p:txEl>
@@ -13395,20 +15180,20 @@
                           </p:cTn>
                         </p:par>
                         <p:par>
-                          <p:cTn id="23" fill="hold">
+                          <p:cTn id="20" fill="hold">
                             <p:stCondLst>
                               <p:cond delay="5000"/>
                             </p:stCondLst>
                             <p:childTnLst>
                               <p:par>
-                                <p:cTn id="24" presetID="22" presetClass="entr" presetSubtype="8" fill="hold" nodeType="afterEffect">
+                                <p:cTn id="21" presetID="22" presetClass="entr" presetSubtype="8" fill="hold" nodeType="afterEffect">
                                   <p:stCondLst>
                                     <p:cond delay="0"/>
                                   </p:stCondLst>
                                   <p:childTnLst>
                                     <p:set>
                                       <p:cBhvr>
-                                        <p:cTn id="25" dur="1" fill="hold">
+                                        <p:cTn id="22" dur="1" fill="hold">
                                           <p:stCondLst>
                                             <p:cond delay="0"/>
                                           </p:stCondLst>
@@ -13430,7 +15215,7 @@
                                     </p:set>
                                     <p:animEffect transition="in" filter="wipe(left)">
                                       <p:cBhvr>
-                                        <p:cTn id="26" dur="500"/>
+                                        <p:cTn id="23" dur="500"/>
                                         <p:tgtEl>
                                           <p:spTgt spid="3">
                                             <p:txEl>
@@ -13447,20 +15232,20 @@
                           </p:cTn>
                         </p:par>
                         <p:par>
-                          <p:cTn id="27" fill="hold">
+                          <p:cTn id="24" fill="hold">
                             <p:stCondLst>
                               <p:cond delay="5500"/>
                             </p:stCondLst>
                             <p:childTnLst>
                               <p:par>
-                                <p:cTn id="28" presetID="22" presetClass="entr" presetSubtype="8" fill="hold" nodeType="afterEffect">
+                                <p:cTn id="25" presetID="22" presetClass="entr" presetSubtype="8" fill="hold" nodeType="afterEffect">
                                   <p:stCondLst>
                                     <p:cond delay="500"/>
                                   </p:stCondLst>
                                   <p:childTnLst>
                                     <p:set>
                                       <p:cBhvr>
-                                        <p:cTn id="29" dur="1" fill="hold">
+                                        <p:cTn id="26" dur="1" fill="hold">
                                           <p:stCondLst>
                                             <p:cond delay="0"/>
                                           </p:stCondLst>
@@ -13482,13 +15267,57 @@
                                     </p:set>
                                     <p:animEffect transition="in" filter="wipe(left)">
                                       <p:cBhvr>
-                                        <p:cTn id="30" dur="500"/>
+                                        <p:cTn id="27" dur="500"/>
                                         <p:tgtEl>
                                           <p:spTgt spid="3">
                                             <p:txEl>
                                               <p:pRg st="5" end="5"/>
                                             </p:txEl>
                                           </p:spTgt>
+                                        </p:tgtEl>
+                                      </p:cBhvr>
+                                    </p:animEffect>
+                                  </p:childTnLst>
+                                </p:cTn>
+                              </p:par>
+                            </p:childTnLst>
+                          </p:cTn>
+                        </p:par>
+                        <p:par>
+                          <p:cTn id="28" fill="hold">
+                            <p:stCondLst>
+                              <p:cond delay="6500"/>
+                            </p:stCondLst>
+                            <p:childTnLst>
+                              <p:par>
+                                <p:cTn id="29" presetID="14" presetClass="entr" presetSubtype="5" fill="hold" nodeType="afterEffect">
+                                  <p:stCondLst>
+                                    <p:cond delay="500"/>
+                                  </p:stCondLst>
+                                  <p:childTnLst>
+                                    <p:set>
+                                      <p:cBhvr>
+                                        <p:cTn id="30" dur="1" fill="hold">
+                                          <p:stCondLst>
+                                            <p:cond delay="0"/>
+                                          </p:stCondLst>
+                                        </p:cTn>
+                                        <p:tgtEl>
+                                          <p:spTgt spid="7"/>
+                                        </p:tgtEl>
+                                        <p:attrNameLst>
+                                          <p:attrName>style.visibility</p:attrName>
+                                        </p:attrNameLst>
+                                      </p:cBhvr>
+                                      <p:to>
+                                        <p:strVal val="visible"/>
+                                      </p:to>
+                                    </p:set>
+                                    <p:animEffect transition="in" filter="randombar(vertical)">
+                                      <p:cBhvr>
+                                        <p:cTn id="31" dur="500"/>
+                                        <p:tgtEl>
+                                          <p:spTgt spid="7"/>
                                         </p:tgtEl>
                                       </p:cBhvr>
                                     </p:animEffect>
@@ -13529,7 +15358,7 @@
 </p:sld>
 </file>
 
-<file path=ppt/slides/slide4.xml><?xml version="1.0" encoding="utf-8"?>
+<file path=ppt/slides/slide5.xml><?xml version="1.0" encoding="utf-8"?>
 <p:sld xmlns:a="http://schemas.openxmlformats.org/drawingml/2006/main" xmlns:r="http://schemas.openxmlformats.org/officeDocument/2006/relationships" xmlns:p="http://schemas.openxmlformats.org/presentationml/2006/main">
   <p:cSld>
     <p:spTree>
@@ -13606,13 +15435,13 @@
           <a:p>
             <a:pPr algn="ctr"/>
             <a:r>
-              <a:rPr lang="de-DE" dirty="0" smtClean="0">
+              <a:rPr lang="de-DE" sz="3600" dirty="0" smtClean="0">
                 <a:latin typeface="MV Boli" pitchFamily="2" charset="0"/>
                 <a:cs typeface="MV Boli" pitchFamily="2" charset="0"/>
               </a:rPr>
               <a:t>Gameplay</a:t>
             </a:r>
-            <a:endParaRPr lang="de-DE" dirty="0">
+            <a:endParaRPr lang="de-DE" sz="3600" dirty="0">
               <a:latin typeface="MV Boli" pitchFamily="2" charset="0"/>
               <a:cs typeface="MV Boli" pitchFamily="2" charset="0"/>
             </a:endParaRPr>
@@ -13626,7 +15455,7 @@
           <p:nvPr>
             <p:extLst>
               <p:ext uri="{D42A27DB-BD31-4B8C-83A1-F6EECF244321}">
-                <p14:modId xmlns:p14="http://schemas.microsoft.com/office/powerpoint/2010/main" val="90043632"/>
+                <p14:modId xmlns:p14="http://schemas.microsoft.com/office/powerpoint/2010/main" val="2542925082"/>
               </p:ext>
             </p:extLst>
           </p:nvPr>
@@ -13649,8 +15478,8 @@
         </p:nvSpPr>
         <p:spPr>
           <a:xfrm>
-            <a:off x="539552" y="1203598"/>
-            <a:ext cx="4104456" cy="369332"/>
+            <a:off x="446953" y="1059582"/>
+            <a:ext cx="4104456" cy="461665"/>
           </a:xfrm>
           <a:prstGeom prst="rect">
             <a:avLst/>
@@ -13665,13 +15494,13 @@
           <a:p>
             <a:pPr algn="ctr"/>
             <a:r>
-              <a:rPr lang="de-DE" dirty="0" smtClean="0">
+              <a:rPr lang="de-DE" sz="2400" dirty="0" smtClean="0">
                 <a:latin typeface="MV Boli" pitchFamily="2" charset="0"/>
                 <a:cs typeface="MV Boli" pitchFamily="2" charset="0"/>
               </a:rPr>
               <a:t>Core Game Loop</a:t>
             </a:r>
-            <a:endParaRPr lang="de-DE" dirty="0">
+            <a:endParaRPr lang="de-DE" sz="2400" dirty="0">
               <a:latin typeface="MV Boli" pitchFamily="2" charset="0"/>
               <a:cs typeface="MV Boli" pitchFamily="2" charset="0"/>
             </a:endParaRPr>
@@ -13686,8 +15515,8 @@
         </p:nvSpPr>
         <p:spPr>
           <a:xfrm>
-            <a:off x="4551408" y="1204049"/>
-            <a:ext cx="3981031" cy="3416320"/>
+            <a:off x="4551409" y="915566"/>
+            <a:ext cx="3981031" cy="3647152"/>
           </a:xfrm>
           <a:prstGeom prst="rect">
             <a:avLst/>
@@ -13706,11 +15535,18 @@
               </a:lnSpc>
             </a:pPr>
             <a:r>
-              <a:rPr lang="de-DE" sz="1600" dirty="0" smtClean="0">
+              <a:rPr lang="de-DE" sz="2400" dirty="0" smtClean="0">
                 <a:latin typeface="MV Boli" pitchFamily="2" charset="0"/>
                 <a:cs typeface="MV Boli" pitchFamily="2" charset="0"/>
               </a:rPr>
-              <a:t>Mechanics: </a:t>
+              <a:t>Mechanics:</a:t>
+            </a:r>
+            <a:r>
+              <a:rPr lang="de-DE" dirty="0" smtClean="0">
+                <a:latin typeface="MV Boli" pitchFamily="2" charset="0"/>
+                <a:cs typeface="MV Boli" pitchFamily="2" charset="0"/>
+              </a:rPr>
+              <a:t> </a:t>
             </a:r>
           </a:p>
           <a:p>
@@ -13722,12 +15558,23 @@
               <a:buChar char="o"/>
             </a:pPr>
             <a:r>
-              <a:rPr lang="de-DE" sz="1600" dirty="0" smtClean="0">
+              <a:rPr lang="de-DE" dirty="0" smtClean="0">
                 <a:latin typeface="MV Boli" pitchFamily="2" charset="0"/>
                 <a:cs typeface="MV Boli" pitchFamily="2" charset="0"/>
               </a:rPr>
-              <a:t>Clairvoyance – Watch the room from a static, higher perspective</a:t>
+              <a:t>Clairvoyance – Watch the room from a </a:t>
             </a:r>
+            <a:r>
+              <a:rPr lang="de-DE" dirty="0" smtClean="0">
+                <a:latin typeface="MV Boli" pitchFamily="2" charset="0"/>
+                <a:cs typeface="MV Boli" pitchFamily="2" charset="0"/>
+              </a:rPr>
+              <a:t>static perspective</a:t>
+            </a:r>
+            <a:endParaRPr lang="de-DE" dirty="0" smtClean="0">
+              <a:latin typeface="MV Boli" pitchFamily="2" charset="0"/>
+              <a:cs typeface="MV Boli" pitchFamily="2" charset="0"/>
+            </a:endParaRPr>
           </a:p>
           <a:p>
             <a:pPr marL="285750" indent="-285750">
@@ -13738,12 +15585,16 @@
               <a:buChar char="o"/>
             </a:pPr>
             <a:r>
-              <a:rPr lang="de-DE" sz="1600" dirty="0" smtClean="0">
+              <a:rPr lang="de-DE" dirty="0" smtClean="0">
                 <a:latin typeface="MV Boli" pitchFamily="2" charset="0"/>
                 <a:cs typeface="MV Boli" pitchFamily="2" charset="0"/>
               </a:rPr>
-              <a:t>Posession – Posess a guard after finding a personal item from him</a:t>
+              <a:t>Posession – Posess a guard </a:t>
             </a:r>
+            <a:endParaRPr lang="de-DE" dirty="0" smtClean="0">
+              <a:latin typeface="MV Boli" pitchFamily="2" charset="0"/>
+              <a:cs typeface="MV Boli" pitchFamily="2" charset="0"/>
+            </a:endParaRPr>
           </a:p>
           <a:p>
             <a:pPr marL="285750" indent="-285750">
@@ -13753,7 +15604,7 @@
               <a:buFont typeface="Courier New" pitchFamily="49" charset="0"/>
               <a:buChar char="o"/>
             </a:pPr>
-            <a:endParaRPr lang="de-DE" sz="1600" dirty="0" smtClean="0">
+            <a:endParaRPr lang="de-DE" dirty="0">
               <a:latin typeface="MV Boli" pitchFamily="2" charset="0"/>
               <a:cs typeface="MV Boli" pitchFamily="2" charset="0"/>
             </a:endParaRPr>
@@ -13765,11 +15616,18 @@
               </a:lnSpc>
             </a:pPr>
             <a:r>
-              <a:rPr lang="de-DE" sz="1600" dirty="0" smtClean="0">
+              <a:rPr lang="de-DE" sz="2400" dirty="0" smtClean="0">
                 <a:latin typeface="MV Boli" pitchFamily="2" charset="0"/>
                 <a:cs typeface="MV Boli" pitchFamily="2" charset="0"/>
               </a:rPr>
-              <a:t>Camera: </a:t>
+              <a:t>Camera</a:t>
+            </a:r>
+            <a:r>
+              <a:rPr lang="de-DE" sz="2400" dirty="0" smtClean="0">
+                <a:latin typeface="MV Boli" pitchFamily="2" charset="0"/>
+                <a:cs typeface="MV Boli" pitchFamily="2" charset="0"/>
+              </a:rPr>
+              <a:t>: </a:t>
             </a:r>
           </a:p>
           <a:p>
@@ -13781,7 +15639,7 @@
               <a:buChar char="o"/>
             </a:pPr>
             <a:r>
-              <a:rPr lang="de-DE" sz="1600" dirty="0" smtClean="0">
+              <a:rPr lang="de-DE" dirty="0" smtClean="0">
                 <a:latin typeface="MV Boli" pitchFamily="2" charset="0"/>
                 <a:cs typeface="MV Boli" pitchFamily="2" charset="0"/>
               </a:rPr>
@@ -14271,7 +16129,7 @@
 </p:sld>
 </file>
 
-<file path=ppt/slides/slide5.xml><?xml version="1.0" encoding="utf-8"?>
+<file path=ppt/slides/slide6.xml><?xml version="1.0" encoding="utf-8"?>
 <p:sld xmlns:a="http://schemas.openxmlformats.org/drawingml/2006/main" xmlns:r="http://schemas.openxmlformats.org/officeDocument/2006/relationships" xmlns:p="http://schemas.openxmlformats.org/presentationml/2006/main">
   <p:cSld>
     <p:spTree>
@@ -14395,13 +16253,13 @@
           <a:p>
             <a:pPr algn="ctr"/>
             <a:r>
-              <a:rPr lang="de-DE" dirty="0" smtClean="0">
+              <a:rPr lang="de-DE" sz="3600" dirty="0" smtClean="0">
                 <a:latin typeface="MV Boli" pitchFamily="2" charset="0"/>
                 <a:cs typeface="MV Boli" pitchFamily="2" charset="0"/>
               </a:rPr>
               <a:t>Mood &amp; Concepts</a:t>
             </a:r>
-            <a:endParaRPr lang="de-DE" dirty="0">
+            <a:endParaRPr lang="de-DE" sz="3600" dirty="0">
               <a:latin typeface="MV Boli" pitchFamily="2" charset="0"/>
               <a:cs typeface="MV Boli" pitchFamily="2" charset="0"/>
             </a:endParaRPr>
@@ -14476,8 +16334,8 @@
         </p:blipFill>
         <p:spPr>
           <a:xfrm>
-            <a:off x="3491880" y="2139702"/>
-            <a:ext cx="3960440" cy="2640293"/>
+            <a:off x="3275856" y="1995686"/>
+            <a:ext cx="4176464" cy="2784309"/>
           </a:xfrm>
           <a:prstGeom prst="rect">
             <a:avLst/>
@@ -14735,7 +16593,7 @@
 </p:sld>
 </file>
 
-<file path=ppt/slides/slide6.xml><?xml version="1.0" encoding="utf-8"?>
+<file path=ppt/slides/slide7.xml><?xml version="1.0" encoding="utf-8"?>
 <p:sld xmlns:a="http://schemas.openxmlformats.org/drawingml/2006/main" xmlns:r="http://schemas.openxmlformats.org/officeDocument/2006/relationships" xmlns:p="http://schemas.openxmlformats.org/presentationml/2006/main">
   <p:cSld>
     <p:spTree>
@@ -14843,7 +16701,7 @@
         </p:spPr>
         <p:txBody>
           <a:bodyPr>
-            <a:normAutofit/>
+            <a:noAutofit/>
           </a:bodyPr>
           <a:lstStyle/>
           <a:p>
@@ -14852,28 +16710,28 @@
               <a:buChar char="o"/>
             </a:pPr>
             <a:r>
-              <a:rPr lang="en-GB" sz="1800" u="sng" dirty="0" smtClean="0">
+              <a:rPr lang="en-GB" u="sng" dirty="0" smtClean="0">
                 <a:latin typeface="MV Boli" pitchFamily="2" charset="0"/>
                 <a:cs typeface="MV Boli" pitchFamily="2" charset="0"/>
               </a:rPr>
               <a:t>Running</a:t>
             </a:r>
             <a:r>
-              <a:rPr lang="en-GB" sz="1800" dirty="0" smtClean="0">
+              <a:rPr lang="en-GB" dirty="0" smtClean="0">
                 <a:latin typeface="MV Boli" pitchFamily="2" charset="0"/>
                 <a:cs typeface="MV Boli" pitchFamily="2" charset="0"/>
               </a:rPr>
               <a:t> and </a:t>
             </a:r>
             <a:r>
-              <a:rPr lang="en-GB" sz="1800" u="sng" dirty="0" smtClean="0">
+              <a:rPr lang="en-GB" u="sng" dirty="0" smtClean="0">
                 <a:latin typeface="MV Boli" pitchFamily="2" charset="0"/>
                 <a:cs typeface="MV Boli" pitchFamily="2" charset="0"/>
               </a:rPr>
               <a:t>Jumping</a:t>
             </a:r>
             <a:r>
-              <a:rPr lang="en-GB" sz="1800" dirty="0" smtClean="0">
+              <a:rPr lang="en-GB" dirty="0" smtClean="0">
                 <a:latin typeface="MV Boli" pitchFamily="2" charset="0"/>
                 <a:cs typeface="MV Boli" pitchFamily="2" charset="0"/>
               </a:rPr>
@@ -14885,7 +16743,7 @@
               <a:buFont typeface="Courier New" pitchFamily="49" charset="0"/>
               <a:buChar char="o"/>
             </a:pPr>
-            <a:endParaRPr lang="de-DE" sz="1800" dirty="0">
+            <a:endParaRPr lang="de-DE" dirty="0">
               <a:latin typeface="MV Boli" pitchFamily="2" charset="0"/>
               <a:cs typeface="MV Boli" pitchFamily="2" charset="0"/>
             </a:endParaRPr>
@@ -14896,14 +16754,14 @@
               <a:buChar char="o"/>
             </a:pPr>
             <a:r>
-              <a:rPr lang="en-GB" sz="1800" u="sng" dirty="0" smtClean="0">
+              <a:rPr lang="en-GB" u="sng" dirty="0" smtClean="0">
                 <a:latin typeface="MV Boli" pitchFamily="2" charset="0"/>
                 <a:cs typeface="MV Boli" pitchFamily="2" charset="0"/>
               </a:rPr>
               <a:t>Voodoo-Power Mechanics</a:t>
             </a:r>
             <a:r>
-              <a:rPr lang="en-GB" sz="1800" dirty="0" smtClean="0">
+              <a:rPr lang="en-GB" dirty="0" smtClean="0">
                 <a:latin typeface="MV Boli" pitchFamily="2" charset="0"/>
                 <a:cs typeface="MV Boli" pitchFamily="2" charset="0"/>
               </a:rPr>
@@ -14916,7 +16774,7 @@
               <a:buAutoNum type="arabicPeriod"/>
             </a:pPr>
             <a:r>
-              <a:rPr lang="en-GB" sz="1800" dirty="0" smtClean="0">
+              <a:rPr lang="en-GB" dirty="0" smtClean="0">
                 <a:latin typeface="MV Boli" pitchFamily="2" charset="0"/>
                 <a:cs typeface="MV Boli" pitchFamily="2" charset="0"/>
               </a:rPr>
@@ -14929,21 +16787,21 @@
               <a:buAutoNum type="arabicPeriod"/>
             </a:pPr>
             <a:r>
-              <a:rPr lang="en-GB" sz="1800" dirty="0" smtClean="0">
+              <a:rPr lang="en-GB" dirty="0" smtClean="0">
                 <a:latin typeface="MV Boli" pitchFamily="2" charset="0"/>
                 <a:cs typeface="MV Boli" pitchFamily="2" charset="0"/>
               </a:rPr>
               <a:t>Possession “Mini-Game” (</a:t>
             </a:r>
             <a:r>
-              <a:rPr lang="en-GB" sz="1800" dirty="0">
+              <a:rPr lang="en-GB" dirty="0">
                 <a:latin typeface="MV Boli" pitchFamily="2" charset="0"/>
                 <a:cs typeface="MV Boli" pitchFamily="2" charset="0"/>
               </a:rPr>
               <a:t>Open doors with possessed </a:t>
             </a:r>
             <a:r>
-              <a:rPr lang="en-GB" sz="1800" dirty="0" smtClean="0">
+              <a:rPr lang="en-GB" dirty="0" smtClean="0">
                 <a:latin typeface="MV Boli" pitchFamily="2" charset="0"/>
                 <a:cs typeface="MV Boli" pitchFamily="2" charset="0"/>
               </a:rPr>
@@ -14952,7 +16810,7 @@
           </a:p>
           <a:p>
             <a:pPr lvl="0"/>
-            <a:endParaRPr lang="de-DE" sz="1800" dirty="0">
+            <a:endParaRPr lang="de-DE" dirty="0">
               <a:latin typeface="MV Boli" pitchFamily="2" charset="0"/>
               <a:cs typeface="MV Boli" pitchFamily="2" charset="0"/>
             </a:endParaRPr>
@@ -14963,20 +16821,20 @@
               <a:buChar char="o"/>
             </a:pPr>
             <a:r>
-              <a:rPr lang="en-GB" sz="1800" u="sng" dirty="0">
+              <a:rPr lang="en-GB" u="sng" dirty="0">
                 <a:latin typeface="MV Boli" pitchFamily="2" charset="0"/>
                 <a:cs typeface="MV Boli" pitchFamily="2" charset="0"/>
               </a:rPr>
               <a:t>Hiding</a:t>
             </a:r>
             <a:r>
-              <a:rPr lang="en-GB" sz="1800" dirty="0">
+              <a:rPr lang="en-GB" dirty="0">
                 <a:latin typeface="MV Boli" pitchFamily="2" charset="0"/>
                 <a:cs typeface="MV Boli" pitchFamily="2" charset="0"/>
               </a:rPr>
               <a:t> from Guard</a:t>
             </a:r>
-            <a:endParaRPr lang="de-DE" sz="1800" dirty="0">
+            <a:endParaRPr lang="de-DE" dirty="0">
               <a:latin typeface="MV Boli" pitchFamily="2" charset="0"/>
               <a:cs typeface="MV Boli" pitchFamily="2" charset="0"/>
             </a:endParaRPr>
@@ -15345,7 +17203,7 @@
 </p:sld>
 </file>
 
-<file path=ppt/slides/slide7.xml><?xml version="1.0" encoding="utf-8"?>
+<file path=ppt/slides/slide8.xml><?xml version="1.0" encoding="utf-8"?>
 <p:sld xmlns:a="http://schemas.openxmlformats.org/drawingml/2006/main" xmlns:r="http://schemas.openxmlformats.org/officeDocument/2006/relationships" xmlns:p="http://schemas.openxmlformats.org/presentationml/2006/main">
   <p:cSld>
     <p:spTree>
@@ -15459,7 +17317,7 @@
           <a:p>
             <a:pPr lvl="0"/>
             <a:r>
-              <a:rPr lang="en-GB" sz="1800" b="1" dirty="0">
+              <a:rPr lang="en-GB" b="1" dirty="0">
                 <a:solidFill>
                   <a:schemeClr val="tx1">
                     <a:lumMod val="95000"/>
@@ -15471,7 +17329,7 @@
               <a:t>Producer</a:t>
             </a:r>
             <a:r>
-              <a:rPr lang="en-GB" sz="1800" dirty="0">
+              <a:rPr lang="en-GB" dirty="0">
                 <a:solidFill>
                   <a:schemeClr val="tx1">
                     <a:lumMod val="95000"/>
@@ -15483,7 +17341,7 @@
               <a:t>:	</a:t>
             </a:r>
             <a:r>
-              <a:rPr lang="en-GB" sz="1800" dirty="0" smtClean="0">
+              <a:rPr lang="en-GB" dirty="0" smtClean="0">
                 <a:solidFill>
                   <a:schemeClr val="tx1">
                     <a:lumMod val="95000"/>
@@ -15492,9 +17350,33 @@
                 <a:latin typeface="MV Boli" pitchFamily="2" charset="0"/>
                 <a:cs typeface="MV Boli" pitchFamily="2" charset="0"/>
               </a:rPr>
-              <a:t>	Sonja Köck</a:t>
+              <a:t>	</a:t>
             </a:r>
-            <a:endParaRPr lang="de-DE" sz="1800" dirty="0">
+            <a:r>
+              <a:rPr lang="en-GB" dirty="0" smtClean="0">
+                <a:solidFill>
+                  <a:schemeClr val="tx1">
+                    <a:lumMod val="95000"/>
+                  </a:schemeClr>
+                </a:solidFill>
+                <a:latin typeface="MV Boli" pitchFamily="2" charset="0"/>
+                <a:cs typeface="MV Boli" pitchFamily="2" charset="0"/>
+              </a:rPr>
+              <a:t>	Sonja </a:t>
+            </a:r>
+            <a:r>
+              <a:rPr lang="en-GB" dirty="0" smtClean="0">
+                <a:solidFill>
+                  <a:schemeClr val="tx1">
+                    <a:lumMod val="95000"/>
+                  </a:schemeClr>
+                </a:solidFill>
+                <a:latin typeface="MV Boli" pitchFamily="2" charset="0"/>
+                <a:cs typeface="MV Boli" pitchFamily="2" charset="0"/>
+              </a:rPr>
+              <a:t>Köck</a:t>
+            </a:r>
+            <a:endParaRPr lang="de-DE" dirty="0">
               <a:solidFill>
                 <a:schemeClr val="tx1">
                   <a:lumMod val="95000"/>
@@ -15507,7 +17389,7 @@
           <a:p>
             <a:pPr lvl="0"/>
             <a:r>
-              <a:rPr lang="en-GB" sz="1800" b="1" dirty="0">
+              <a:rPr lang="en-GB" b="1" dirty="0">
                 <a:solidFill>
                   <a:schemeClr val="tx1">
                     <a:lumMod val="95000"/>
@@ -15519,7 +17401,7 @@
               <a:t>Programmer</a:t>
             </a:r>
             <a:r>
-              <a:rPr lang="en-GB" sz="1800" dirty="0">
+              <a:rPr lang="en-GB" dirty="0">
                 <a:solidFill>
                   <a:schemeClr val="tx1">
                     <a:lumMod val="95000"/>
@@ -15531,7 +17413,7 @@
               <a:t>:	</a:t>
             </a:r>
             <a:r>
-              <a:rPr lang="en-GB" sz="1800" dirty="0" smtClean="0">
+              <a:rPr lang="en-GB" dirty="0" smtClean="0">
                 <a:solidFill>
                   <a:schemeClr val="tx1">
                     <a:lumMod val="95000"/>
@@ -15540,9 +17422,33 @@
                 <a:latin typeface="MV Boli" pitchFamily="2" charset="0"/>
                 <a:cs typeface="MV Boli" pitchFamily="2" charset="0"/>
               </a:rPr>
-              <a:t>	Artjom Schmitke</a:t>
+              <a:t>	</a:t>
             </a:r>
-            <a:endParaRPr lang="de-DE" sz="1800" dirty="0">
+            <a:r>
+              <a:rPr lang="en-GB" dirty="0" smtClean="0">
+                <a:solidFill>
+                  <a:schemeClr val="tx1">
+                    <a:lumMod val="95000"/>
+                  </a:schemeClr>
+                </a:solidFill>
+                <a:latin typeface="MV Boli" pitchFamily="2" charset="0"/>
+                <a:cs typeface="MV Boli" pitchFamily="2" charset="0"/>
+              </a:rPr>
+              <a:t>Artjom </a:t>
+            </a:r>
+            <a:r>
+              <a:rPr lang="en-GB" dirty="0" smtClean="0">
+                <a:solidFill>
+                  <a:schemeClr val="tx1">
+                    <a:lumMod val="95000"/>
+                  </a:schemeClr>
+                </a:solidFill>
+                <a:latin typeface="MV Boli" pitchFamily="2" charset="0"/>
+                <a:cs typeface="MV Boli" pitchFamily="2" charset="0"/>
+              </a:rPr>
+              <a:t>Schmitke</a:t>
+            </a:r>
+            <a:endParaRPr lang="de-DE" dirty="0">
               <a:solidFill>
                 <a:schemeClr val="tx1">
                   <a:lumMod val="95000"/>
@@ -15555,7 +17461,7 @@
           <a:p>
             <a:pPr lvl="0"/>
             <a:r>
-              <a:rPr lang="en-GB" sz="1800" b="1" dirty="0">
+              <a:rPr lang="en-GB" b="1" dirty="0" smtClean="0">
                 <a:solidFill>
                   <a:schemeClr val="tx1">
                     <a:lumMod val="95000"/>
@@ -15564,10 +17470,10 @@
                 <a:latin typeface="MV Boli" pitchFamily="2" charset="0"/>
                 <a:cs typeface="MV Boli" pitchFamily="2" charset="0"/>
               </a:rPr>
-              <a:t>Design</a:t>
+              <a:t>Game Designer</a:t>
             </a:r>
             <a:r>
-              <a:rPr lang="en-GB" sz="1800" dirty="0">
+              <a:rPr lang="en-GB" dirty="0" smtClean="0">
                 <a:solidFill>
                   <a:schemeClr val="tx1">
                     <a:lumMod val="95000"/>
@@ -15576,7 +17482,274 @@
                 <a:latin typeface="MV Boli" pitchFamily="2" charset="0"/>
                 <a:cs typeface="MV Boli" pitchFamily="2" charset="0"/>
               </a:rPr>
-              <a:t>:		</a:t>
+              <a:t>:</a:t>
+            </a:r>
+            <a:r>
+              <a:rPr lang="en-GB" dirty="0">
+                <a:solidFill>
+                  <a:schemeClr val="tx1">
+                    <a:lumMod val="95000"/>
+                  </a:schemeClr>
+                </a:solidFill>
+                <a:latin typeface="MV Boli" pitchFamily="2" charset="0"/>
+                <a:cs typeface="MV Boli" pitchFamily="2" charset="0"/>
+              </a:rPr>
+              <a:t>		</a:t>
+            </a:r>
+            <a:r>
+              <a:rPr lang="en-GB" dirty="0" smtClean="0">
+                <a:solidFill>
+                  <a:schemeClr val="tx1">
+                    <a:lumMod val="95000"/>
+                  </a:schemeClr>
+                </a:solidFill>
+                <a:latin typeface="MV Boli" pitchFamily="2" charset="0"/>
+                <a:cs typeface="MV Boli" pitchFamily="2" charset="0"/>
+              </a:rPr>
+              <a:t>Tobias Schuster</a:t>
+            </a:r>
+          </a:p>
+          <a:p>
+            <a:pPr lvl="0"/>
+            <a:endParaRPr lang="en-GB" dirty="0" smtClean="0">
+              <a:solidFill>
+                <a:schemeClr val="tx1">
+                  <a:lumMod val="95000"/>
+                </a:schemeClr>
+              </a:solidFill>
+              <a:latin typeface="MV Boli" pitchFamily="2" charset="0"/>
+              <a:cs typeface="MV Boli" pitchFamily="2" charset="0"/>
+            </a:endParaRPr>
+          </a:p>
+          <a:p>
+            <a:pPr lvl="0"/>
+            <a:r>
+              <a:rPr lang="en-GB" b="1" dirty="0" smtClean="0">
+                <a:solidFill>
+                  <a:schemeClr val="tx1">
+                    <a:lumMod val="95000"/>
+                  </a:schemeClr>
+                </a:solidFill>
+                <a:latin typeface="MV Boli" pitchFamily="2" charset="0"/>
+                <a:cs typeface="MV Boli" pitchFamily="2" charset="0"/>
+              </a:rPr>
+              <a:t>					</a:t>
+            </a:r>
+            <a:r>
+              <a:rPr lang="en-GB" b="1" dirty="0" smtClean="0">
+                <a:solidFill>
+                  <a:schemeClr val="tx1">
+                    <a:lumMod val="95000"/>
+                  </a:schemeClr>
+                </a:solidFill>
+                <a:latin typeface="MV Boli" pitchFamily="2" charset="0"/>
+                <a:cs typeface="MV Boli" pitchFamily="2" charset="0"/>
+              </a:rPr>
+              <a:t>Art</a:t>
+            </a:r>
+            <a:r>
+              <a:rPr lang="en-GB" b="1" dirty="0" smtClean="0">
+                <a:solidFill>
+                  <a:schemeClr val="tx1">
+                    <a:lumMod val="95000"/>
+                  </a:schemeClr>
+                </a:solidFill>
+                <a:latin typeface="MV Boli" pitchFamily="2" charset="0"/>
+                <a:cs typeface="MV Boli" pitchFamily="2" charset="0"/>
+              </a:rPr>
+              <a:t>:</a:t>
+            </a:r>
+            <a:r>
+              <a:rPr lang="en-GB" dirty="0" smtClean="0">
+                <a:solidFill>
+                  <a:schemeClr val="tx1">
+                    <a:lumMod val="95000"/>
+                  </a:schemeClr>
+                </a:solidFill>
+                <a:latin typeface="MV Boli" pitchFamily="2" charset="0"/>
+                <a:cs typeface="MV Boli" pitchFamily="2" charset="0"/>
+              </a:rPr>
+              <a:t>	</a:t>
+            </a:r>
+            <a:r>
+              <a:rPr lang="en-GB" dirty="0" smtClean="0">
+                <a:solidFill>
+                  <a:schemeClr val="tx1">
+                    <a:lumMod val="95000"/>
+                  </a:schemeClr>
+                </a:solidFill>
+                <a:latin typeface="MV Boli" pitchFamily="2" charset="0"/>
+                <a:cs typeface="MV Boli" pitchFamily="2" charset="0"/>
+              </a:rPr>
+              <a:t>Marlou </a:t>
+            </a:r>
+            <a:r>
+              <a:rPr lang="en-GB" dirty="0" smtClean="0">
+                <a:solidFill>
+                  <a:schemeClr val="tx1">
+                    <a:lumMod val="95000"/>
+                  </a:schemeClr>
+                </a:solidFill>
+                <a:latin typeface="MV Boli" pitchFamily="2" charset="0"/>
+                <a:cs typeface="MV Boli" pitchFamily="2" charset="0"/>
+              </a:rPr>
+              <a:t>Nolting</a:t>
+            </a:r>
+          </a:p>
+          <a:p>
+            <a:pPr lvl="0"/>
+            <a:r>
+              <a:rPr lang="en-GB" dirty="0" smtClean="0">
+                <a:solidFill>
+                  <a:schemeClr val="tx1">
+                    <a:lumMod val="95000"/>
+                  </a:schemeClr>
+                </a:solidFill>
+                <a:latin typeface="MV Boli" pitchFamily="2" charset="0"/>
+                <a:cs typeface="MV Boli" pitchFamily="2" charset="0"/>
+              </a:rPr>
+              <a:t>							</a:t>
+            </a:r>
+            <a:r>
+              <a:rPr lang="en-GB" dirty="0" smtClean="0">
+                <a:solidFill>
+                  <a:schemeClr val="tx1">
+                    <a:lumMod val="95000"/>
+                  </a:schemeClr>
+                </a:solidFill>
+                <a:latin typeface="MV Boli" pitchFamily="2" charset="0"/>
+                <a:cs typeface="MV Boli" pitchFamily="2" charset="0"/>
+              </a:rPr>
+              <a:t>Jesse </a:t>
+            </a:r>
+            <a:r>
+              <a:rPr lang="en-GB" dirty="0" smtClean="0">
+                <a:solidFill>
+                  <a:schemeClr val="tx1">
+                    <a:lumMod val="95000"/>
+                  </a:schemeClr>
+                </a:solidFill>
+                <a:latin typeface="MV Boli" pitchFamily="2" charset="0"/>
+                <a:cs typeface="MV Boli" pitchFamily="2" charset="0"/>
+              </a:rPr>
+              <a:t>Haines</a:t>
+            </a:r>
+          </a:p>
+          <a:p>
+            <a:pPr lvl="0"/>
+            <a:r>
+              <a:rPr lang="en-GB" dirty="0" smtClean="0">
+                <a:solidFill>
+                  <a:schemeClr val="tx1">
+                    <a:lumMod val="95000"/>
+                  </a:schemeClr>
+                </a:solidFill>
+                <a:latin typeface="MV Boli" pitchFamily="2" charset="0"/>
+                <a:cs typeface="MV Boli" pitchFamily="2" charset="0"/>
+              </a:rPr>
+              <a:t>							</a:t>
+            </a:r>
+            <a:r>
+              <a:rPr lang="en-GB" dirty="0" smtClean="0">
+                <a:solidFill>
+                  <a:schemeClr val="tx1">
+                    <a:lumMod val="95000"/>
+                  </a:schemeClr>
+                </a:solidFill>
+                <a:latin typeface="MV Boli" pitchFamily="2" charset="0"/>
+                <a:cs typeface="MV Boli" pitchFamily="2" charset="0"/>
+              </a:rPr>
+              <a:t>Michelle </a:t>
+            </a:r>
+            <a:r>
+              <a:rPr lang="en-GB" dirty="0" smtClean="0">
+                <a:solidFill>
+                  <a:schemeClr val="tx1">
+                    <a:lumMod val="95000"/>
+                  </a:schemeClr>
+                </a:solidFill>
+                <a:latin typeface="MV Boli" pitchFamily="2" charset="0"/>
+                <a:cs typeface="MV Boli" pitchFamily="2" charset="0"/>
+              </a:rPr>
+              <a:t>Mohn</a:t>
+            </a:r>
+          </a:p>
+          <a:p>
+            <a:pPr lvl="0"/>
+            <a:r>
+              <a:rPr lang="en-GB" dirty="0" smtClean="0">
+                <a:solidFill>
+                  <a:schemeClr val="tx1">
+                    <a:lumMod val="95000"/>
+                  </a:schemeClr>
+                </a:solidFill>
+                <a:latin typeface="MV Boli" pitchFamily="2" charset="0"/>
+                <a:cs typeface="MV Boli" pitchFamily="2" charset="0"/>
+              </a:rPr>
+              <a:t>							</a:t>
+            </a:r>
+            <a:r>
+              <a:rPr lang="en-GB" dirty="0" smtClean="0">
+                <a:solidFill>
+                  <a:schemeClr val="tx1">
+                    <a:lumMod val="95000"/>
+                  </a:schemeClr>
+                </a:solidFill>
+                <a:latin typeface="MV Boli" pitchFamily="2" charset="0"/>
+                <a:cs typeface="MV Boli" pitchFamily="2" charset="0"/>
+              </a:rPr>
+              <a:t>Levin </a:t>
+            </a:r>
+            <a:r>
+              <a:rPr lang="en-GB" dirty="0" smtClean="0">
+                <a:solidFill>
+                  <a:schemeClr val="tx1">
+                    <a:lumMod val="95000"/>
+                  </a:schemeClr>
+                </a:solidFill>
+                <a:latin typeface="MV Boli" pitchFamily="2" charset="0"/>
+                <a:cs typeface="MV Boli" pitchFamily="2" charset="0"/>
+              </a:rPr>
+              <a:t>Lang</a:t>
+            </a:r>
+          </a:p>
+          <a:p>
+            <a:pPr lvl="0"/>
+            <a:r>
+              <a:rPr lang="en-GB" dirty="0" smtClean="0">
+                <a:solidFill>
+                  <a:schemeClr val="tx1">
+                    <a:lumMod val="95000"/>
+                  </a:schemeClr>
+                </a:solidFill>
+                <a:latin typeface="MV Boli" pitchFamily="2" charset="0"/>
+                <a:cs typeface="MV Boli" pitchFamily="2" charset="0"/>
+              </a:rPr>
+              <a:t>							</a:t>
+            </a:r>
+            <a:r>
+              <a:rPr lang="en-GB" dirty="0" smtClean="0">
+                <a:solidFill>
+                  <a:schemeClr val="tx1">
+                    <a:lumMod val="95000"/>
+                  </a:schemeClr>
+                </a:solidFill>
+                <a:latin typeface="MV Boli" pitchFamily="2" charset="0"/>
+                <a:cs typeface="MV Boli" pitchFamily="2" charset="0"/>
+              </a:rPr>
+              <a:t>Michelle </a:t>
+            </a:r>
+            <a:r>
+              <a:rPr lang="en-GB" dirty="0" smtClean="0">
+                <a:solidFill>
+                  <a:schemeClr val="tx1">
+                    <a:lumMod val="95000"/>
+                  </a:schemeClr>
+                </a:solidFill>
+                <a:latin typeface="MV Boli" pitchFamily="2" charset="0"/>
+                <a:cs typeface="MV Boli" pitchFamily="2" charset="0"/>
+              </a:rPr>
+              <a:t>Gaußmann</a:t>
             </a:r>
             <a:r>
               <a:rPr lang="en-GB" sz="1800" dirty="0" smtClean="0">
@@ -15588,106 +17761,7 @@
                 <a:latin typeface="MV Boli" pitchFamily="2" charset="0"/>
                 <a:cs typeface="MV Boli" pitchFamily="2" charset="0"/>
               </a:rPr>
-              <a:t>	Tobias Schuster</a:t>
-            </a:r>
-          </a:p>
-          <a:p>
-            <a:pPr lvl="0"/>
-            <a:endParaRPr lang="en-GB" sz="1800" dirty="0" smtClean="0">
-              <a:solidFill>
-                <a:schemeClr val="tx1">
-                  <a:lumMod val="95000"/>
-                </a:schemeClr>
-              </a:solidFill>
-              <a:latin typeface="MV Boli" pitchFamily="2" charset="0"/>
-              <a:cs typeface="MV Boli" pitchFamily="2" charset="0"/>
-            </a:endParaRPr>
-          </a:p>
-          <a:p>
-            <a:pPr lvl="0"/>
-            <a:r>
-              <a:rPr lang="en-GB" sz="1800" b="1" dirty="0" smtClean="0">
-                <a:solidFill>
-                  <a:schemeClr val="tx1">
-                    <a:lumMod val="95000"/>
-                  </a:schemeClr>
-                </a:solidFill>
-                <a:latin typeface="MV Boli" pitchFamily="2" charset="0"/>
-                <a:cs typeface="MV Boli" pitchFamily="2" charset="0"/>
-              </a:rPr>
-              <a:t>						Art:</a:t>
-            </a:r>
-            <a:r>
-              <a:rPr lang="en-GB" sz="1800" dirty="0" smtClean="0">
-                <a:solidFill>
-                  <a:schemeClr val="tx1">
-                    <a:lumMod val="95000"/>
-                  </a:schemeClr>
-                </a:solidFill>
-                <a:latin typeface="MV Boli" pitchFamily="2" charset="0"/>
-                <a:cs typeface="MV Boli" pitchFamily="2" charset="0"/>
-              </a:rPr>
-              <a:t>		Marlou Nolting</a:t>
-            </a:r>
-          </a:p>
-          <a:p>
-            <a:pPr lvl="0"/>
-            <a:r>
-              <a:rPr lang="en-GB" sz="1800" dirty="0" smtClean="0">
-                <a:solidFill>
-                  <a:schemeClr val="tx1">
-                    <a:lumMod val="95000"/>
-                  </a:schemeClr>
-                </a:solidFill>
-                <a:latin typeface="MV Boli" pitchFamily="2" charset="0"/>
-                <a:cs typeface="MV Boli" pitchFamily="2" charset="0"/>
-              </a:rPr>
-              <a:t>								Jesse Haines</a:t>
-            </a:r>
-          </a:p>
-          <a:p>
-            <a:pPr lvl="0"/>
-            <a:r>
-              <a:rPr lang="en-GB" sz="1800" dirty="0" smtClean="0">
-                <a:solidFill>
-                  <a:schemeClr val="tx1">
-                    <a:lumMod val="95000"/>
-                  </a:schemeClr>
-                </a:solidFill>
-                <a:latin typeface="MV Boli" pitchFamily="2" charset="0"/>
-                <a:cs typeface="MV Boli" pitchFamily="2" charset="0"/>
-              </a:rPr>
-              <a:t>								Michelle Mohn</a:t>
-            </a:r>
-          </a:p>
-          <a:p>
-            <a:pPr lvl="0"/>
-            <a:r>
-              <a:rPr lang="en-GB" sz="1800" dirty="0" smtClean="0">
-                <a:solidFill>
-                  <a:schemeClr val="tx1">
-                    <a:lumMod val="95000"/>
-                  </a:schemeClr>
-                </a:solidFill>
-                <a:latin typeface="MV Boli" pitchFamily="2" charset="0"/>
-                <a:cs typeface="MV Boli" pitchFamily="2" charset="0"/>
-              </a:rPr>
-              <a:t>								Levin Lang</a:t>
-            </a:r>
-          </a:p>
-          <a:p>
-            <a:pPr lvl="0"/>
-            <a:r>
-              <a:rPr lang="en-GB" sz="1800" dirty="0" smtClean="0">
-                <a:solidFill>
-                  <a:schemeClr val="tx1">
-                    <a:lumMod val="95000"/>
-                  </a:schemeClr>
-                </a:solidFill>
-                <a:latin typeface="MV Boli" pitchFamily="2" charset="0"/>
-                <a:cs typeface="MV Boli" pitchFamily="2" charset="0"/>
-              </a:rPr>
-              <a:t>								Michelle Gaußmann </a:t>
+              <a:t> </a:t>
             </a:r>
           </a:p>
           <a:p>
@@ -16293,7 +18367,7 @@
 </p:sld>
 </file>
 
-<file path=ppt/slides/slide8.xml><?xml version="1.0" encoding="utf-8"?>
+<file path=ppt/slides/slide9.xml><?xml version="1.0" encoding="utf-8"?>
 <p:sld xmlns:a="http://schemas.openxmlformats.org/drawingml/2006/main" xmlns:r="http://schemas.openxmlformats.org/officeDocument/2006/relationships" xmlns:p="http://schemas.openxmlformats.org/presentationml/2006/main">
   <p:cSld>
     <p:spTree>
@@ -16410,7 +18484,7 @@
               <a:buChar char="o"/>
             </a:pPr>
             <a:r>
-              <a:rPr lang="de-DE" sz="1800" dirty="0" smtClean="0">
+              <a:rPr lang="de-DE" sz="2400" dirty="0" smtClean="0">
                 <a:latin typeface="MV Boli" pitchFamily="2" charset="0"/>
                 <a:cs typeface="MV Boli" pitchFamily="2" charset="0"/>
               </a:rPr>
@@ -16422,7 +18496,7 @@
               <a:buFont typeface="Courier New" pitchFamily="49" charset="0"/>
               <a:buChar char="o"/>
             </a:pPr>
-            <a:endParaRPr lang="de-DE" sz="1800" dirty="0" smtClean="0">
+            <a:endParaRPr lang="de-DE" sz="2400" dirty="0" smtClean="0">
               <a:latin typeface="MV Boli" pitchFamily="2" charset="0"/>
               <a:cs typeface="MV Boli" pitchFamily="2" charset="0"/>
             </a:endParaRPr>
@@ -16433,7 +18507,7 @@
               <a:buChar char="o"/>
             </a:pPr>
             <a:r>
-              <a:rPr lang="de-DE" sz="1800" dirty="0" smtClean="0">
+              <a:rPr lang="de-DE" sz="2400" dirty="0" smtClean="0">
                 <a:latin typeface="MV Boli" pitchFamily="2" charset="0"/>
                 <a:cs typeface="MV Boli" pitchFamily="2" charset="0"/>
               </a:rPr>
@@ -16445,7 +18519,7 @@
               <a:buFont typeface="Courier New" pitchFamily="49" charset="0"/>
               <a:buChar char="o"/>
             </a:pPr>
-            <a:endParaRPr lang="de-DE" sz="1800" dirty="0" smtClean="0">
+            <a:endParaRPr lang="de-DE" sz="2400" dirty="0" smtClean="0">
               <a:latin typeface="MV Boli" pitchFamily="2" charset="0"/>
               <a:cs typeface="MV Boli" pitchFamily="2" charset="0"/>
             </a:endParaRPr>
@@ -16456,7 +18530,7 @@
               <a:buChar char="o"/>
             </a:pPr>
             <a:r>
-              <a:rPr lang="de-DE" sz="1800" dirty="0" smtClean="0">
+              <a:rPr lang="de-DE" sz="2400" dirty="0" smtClean="0">
                 <a:latin typeface="MV Boli" pitchFamily="2" charset="0"/>
                 <a:cs typeface="MV Boli" pitchFamily="2" charset="0"/>
               </a:rPr>
@@ -16693,640 +18767,6 @@
                                           <p:spTgt spid="3">
                                             <p:txEl>
                                               <p:pRg st="4" end="4"/>
-                                            </p:txEl>
-                                          </p:spTgt>
-                                        </p:tgtEl>
-                                      </p:cBhvr>
-                                    </p:animEffect>
-                                  </p:childTnLst>
-                                </p:cTn>
-                              </p:par>
-                            </p:childTnLst>
-                          </p:cTn>
-                        </p:par>
-                      </p:childTnLst>
-                    </p:cTn>
-                  </p:par>
-                </p:childTnLst>
-              </p:cTn>
-              <p:prevCondLst>
-                <p:cond evt="onPrev" delay="0">
-                  <p:tgtEl>
-                    <p:sldTgt/>
-                  </p:tgtEl>
-                </p:cond>
-              </p:prevCondLst>
-              <p:nextCondLst>
-                <p:cond evt="onNext" delay="0">
-                  <p:tgtEl>
-                    <p:sldTgt/>
-                  </p:tgtEl>
-                </p:cond>
-              </p:nextCondLst>
-            </p:seq>
-          </p:childTnLst>
-        </p:cTn>
-      </p:par>
-    </p:tnLst>
-    <p:bldLst>
-      <p:bldP spid="2" grpId="0"/>
-    </p:bldLst>
-  </p:timing>
-</p:sld>
-</file>
-
-<file path=ppt/slides/slide9.xml><?xml version="1.0" encoding="utf-8"?>
-<p:sld xmlns:a="http://schemas.openxmlformats.org/drawingml/2006/main" xmlns:r="http://schemas.openxmlformats.org/officeDocument/2006/relationships" xmlns:p="http://schemas.openxmlformats.org/presentationml/2006/main">
-  <p:cSld>
-    <p:spTree>
-      <p:nvGrpSpPr>
-        <p:cNvPr id="1" name=""/>
-        <p:cNvGrpSpPr/>
-        <p:nvPr/>
-      </p:nvGrpSpPr>
-      <p:grpSpPr>
-        <a:xfrm>
-          <a:off x="0" y="0"/>
-          <a:ext cx="0" cy="0"/>
-          <a:chOff x="0" y="0"/>
-          <a:chExt cx="0" cy="0"/>
-        </a:xfrm>
-      </p:grpSpPr>
-      <p:pic>
-        <p:nvPicPr>
-          <p:cNvPr id="4" name="Grafik 3"/>
-          <p:cNvPicPr>
-            <a:picLocks noChangeAspect="1"/>
-          </p:cNvPicPr>
-          <p:nvPr/>
-        </p:nvPicPr>
-        <p:blipFill>
-          <a:blip r:embed="rId2" cstate="print">
-            <a:extLst>
-              <a:ext uri="{28A0092B-C50C-407E-A947-70E740481C1C}">
-                <a14:useLocalDpi xmlns:a14="http://schemas.microsoft.com/office/drawing/2010/main" val="0"/>
-              </a:ext>
-            </a:extLst>
-          </a:blip>
-          <a:stretch>
-            <a:fillRect/>
-          </a:stretch>
-        </p:blipFill>
-        <p:spPr>
-          <a:xfrm>
-            <a:off x="138331" y="0"/>
-            <a:ext cx="8826157" cy="4948014"/>
-          </a:xfrm>
-          <a:prstGeom prst="rect">
-            <a:avLst/>
-          </a:prstGeom>
-          <a:ln>
-            <a:noFill/>
-          </a:ln>
-          <a:effectLst>
-            <a:softEdge rad="317500"/>
-          </a:effectLst>
-        </p:spPr>
-      </p:pic>
-      <p:sp>
-        <p:nvSpPr>
-          <p:cNvPr id="2" name="Titel 1"/>
-          <p:cNvSpPr>
-            <a:spLocks noGrp="1"/>
-          </p:cNvSpPr>
-          <p:nvPr>
-            <p:ph type="ctrTitle"/>
-          </p:nvPr>
-        </p:nvSpPr>
-        <p:spPr>
-          <a:xfrm>
-            <a:off x="685800" y="303499"/>
-            <a:ext cx="7772400" cy="756083"/>
-          </a:xfrm>
-        </p:spPr>
-        <p:txBody>
-          <a:bodyPr>
-            <a:normAutofit/>
-          </a:bodyPr>
-          <a:lstStyle/>
-          <a:p>
-            <a:pPr algn="ctr"/>
-            <a:r>
-              <a:rPr lang="de-DE" sz="3600" dirty="0" smtClean="0">
-                <a:latin typeface="MV Boli" pitchFamily="2" charset="0"/>
-                <a:cs typeface="MV Boli" pitchFamily="2" charset="0"/>
-              </a:rPr>
-              <a:t>Any Questions?</a:t>
-            </a:r>
-            <a:endParaRPr lang="de-DE" sz="3600" dirty="0">
-              <a:latin typeface="MV Boli" pitchFamily="2" charset="0"/>
-              <a:cs typeface="MV Boli" pitchFamily="2" charset="0"/>
-            </a:endParaRPr>
-          </a:p>
-        </p:txBody>
-      </p:sp>
-      <p:sp>
-        <p:nvSpPr>
-          <p:cNvPr id="3" name="Untertitel 2"/>
-          <p:cNvSpPr>
-            <a:spLocks noGrp="1"/>
-          </p:cNvSpPr>
-          <p:nvPr>
-            <p:ph type="subTitle" idx="1"/>
-          </p:nvPr>
-        </p:nvSpPr>
-        <p:spPr>
-          <a:xfrm>
-            <a:off x="971600" y="1491630"/>
-            <a:ext cx="7560840" cy="3348372"/>
-          </a:xfrm>
-        </p:spPr>
-        <p:txBody>
-          <a:bodyPr>
-            <a:normAutofit lnSpcReduction="10000"/>
-          </a:bodyPr>
-          <a:lstStyle/>
-          <a:p>
-            <a:pPr algn="ctr"/>
-            <a:r>
-              <a:rPr lang="de-DE" u="sng" dirty="0">
-                <a:latin typeface="MV Boli" pitchFamily="2" charset="0"/>
-                <a:cs typeface="MV Boli" pitchFamily="2" charset="0"/>
-              </a:rPr>
-              <a:t>Team </a:t>
-            </a:r>
-            <a:r>
-              <a:rPr lang="de-DE" u="sng" dirty="0" smtClean="0">
-                <a:latin typeface="MV Boli" pitchFamily="2" charset="0"/>
-                <a:cs typeface="MV Boli" pitchFamily="2" charset="0"/>
-              </a:rPr>
-              <a:t>13</a:t>
-            </a:r>
-            <a:endParaRPr lang="de-DE" u="sng" dirty="0">
-              <a:latin typeface="MV Boli" pitchFamily="2" charset="0"/>
-              <a:cs typeface="MV Boli" pitchFamily="2" charset="0"/>
-            </a:endParaRPr>
-          </a:p>
-          <a:p>
-            <a:pPr algn="ctr"/>
-            <a:endParaRPr lang="de-DE" dirty="0">
-              <a:latin typeface="MV Boli" pitchFamily="2" charset="0"/>
-              <a:cs typeface="MV Boli" pitchFamily="2" charset="0"/>
-            </a:endParaRPr>
-          </a:p>
-          <a:p>
-            <a:pPr algn="ctr"/>
-            <a:r>
-              <a:rPr lang="de-DE" dirty="0">
-                <a:latin typeface="MV Boli" pitchFamily="2" charset="0"/>
-                <a:cs typeface="MV Boli" pitchFamily="2" charset="0"/>
-              </a:rPr>
-              <a:t>Games Academy Frankfurt</a:t>
-            </a:r>
-          </a:p>
-          <a:p>
-            <a:pPr algn="ctr"/>
-            <a:endParaRPr lang="de-DE" dirty="0">
-              <a:latin typeface="MV Boli" pitchFamily="2" charset="0"/>
-              <a:cs typeface="MV Boli" pitchFamily="2" charset="0"/>
-            </a:endParaRPr>
-          </a:p>
-          <a:p>
-            <a:pPr algn="ctr"/>
-            <a:r>
-              <a:rPr lang="de-DE" dirty="0">
-                <a:latin typeface="MV Boli" pitchFamily="2" charset="0"/>
-                <a:cs typeface="MV Boli" pitchFamily="2" charset="0"/>
-              </a:rPr>
-              <a:t>Hanauer Landstraße 146</a:t>
-            </a:r>
-          </a:p>
-          <a:p>
-            <a:pPr algn="ctr"/>
-            <a:r>
-              <a:rPr lang="de-DE" dirty="0">
-                <a:latin typeface="MV Boli" pitchFamily="2" charset="0"/>
-                <a:cs typeface="MV Boli" pitchFamily="2" charset="0"/>
-              </a:rPr>
-              <a:t>60314 Frankfurt am Main</a:t>
-            </a:r>
-          </a:p>
-          <a:p>
-            <a:pPr algn="ctr"/>
-            <a:endParaRPr lang="de-DE" dirty="0">
-              <a:latin typeface="MV Boli" pitchFamily="2" charset="0"/>
-              <a:cs typeface="MV Boli" pitchFamily="2" charset="0"/>
-            </a:endParaRPr>
-          </a:p>
-          <a:p>
-            <a:pPr algn="ctr"/>
-            <a:r>
-              <a:rPr lang="de-DE" dirty="0">
-                <a:latin typeface="MV Boli" pitchFamily="2" charset="0"/>
-                <a:cs typeface="MV Boli" pitchFamily="2" charset="0"/>
-              </a:rPr>
-              <a:t>Sonja.Koeck@games-academy.de</a:t>
-            </a:r>
-          </a:p>
-          <a:p>
-            <a:endParaRPr lang="de-DE" dirty="0" smtClean="0">
-              <a:latin typeface="MV Boli" pitchFamily="2" charset="0"/>
-              <a:cs typeface="MV Boli" pitchFamily="2" charset="0"/>
-            </a:endParaRPr>
-          </a:p>
-          <a:p>
-            <a:endParaRPr lang="de-DE" dirty="0">
-              <a:latin typeface="MV Boli" pitchFamily="2" charset="0"/>
-              <a:cs typeface="MV Boli" pitchFamily="2" charset="0"/>
-            </a:endParaRPr>
-          </a:p>
-        </p:txBody>
-      </p:sp>
-      <p:pic>
-        <p:nvPicPr>
-          <p:cNvPr id="5" name="Grafik 4"/>
-          <p:cNvPicPr>
-            <a:picLocks noChangeAspect="1"/>
-          </p:cNvPicPr>
-          <p:nvPr/>
-        </p:nvPicPr>
-        <p:blipFill>
-          <a:blip r:embed="rId3" cstate="print">
-            <a:extLst>
-              <a:ext uri="{28A0092B-C50C-407E-A947-70E740481C1C}">
-                <a14:useLocalDpi xmlns:a14="http://schemas.microsoft.com/office/drawing/2010/main" val="0"/>
-              </a:ext>
-            </a:extLst>
-          </a:blip>
-          <a:stretch>
-            <a:fillRect/>
-          </a:stretch>
-        </p:blipFill>
-        <p:spPr>
-          <a:xfrm rot="240000">
-            <a:off x="5220072" y="-236562"/>
-            <a:ext cx="4006980" cy="4916598"/>
-          </a:xfrm>
-          <a:prstGeom prst="rect">
-            <a:avLst/>
-          </a:prstGeom>
-        </p:spPr>
-      </p:pic>
-    </p:spTree>
-    <p:extLst>
-      <p:ext uri="{BB962C8B-B14F-4D97-AF65-F5344CB8AC3E}">
-        <p14:creationId xmlns:p14="http://schemas.microsoft.com/office/powerpoint/2010/main" val="529080763"/>
-      </p:ext>
-    </p:extLst>
-  </p:cSld>
-  <p:clrMapOvr>
-    <a:masterClrMapping/>
-  </p:clrMapOvr>
-  <p:timing>
-    <p:tnLst>
-      <p:par>
-        <p:cTn id="1" dur="indefinite" restart="never" nodeType="tmRoot">
-          <p:childTnLst>
-            <p:seq concurrent="1" nextAc="seek">
-              <p:cTn id="2" dur="indefinite" nodeType="mainSeq">
-                <p:childTnLst>
-                  <p:par>
-                    <p:cTn id="3" fill="hold">
-                      <p:stCondLst>
-                        <p:cond delay="indefinite"/>
-                        <p:cond evt="onBegin" delay="0">
-                          <p:tn val="2"/>
-                        </p:cond>
-                      </p:stCondLst>
-                      <p:childTnLst>
-                        <p:par>
-                          <p:cTn id="4" fill="hold">
-                            <p:stCondLst>
-                              <p:cond delay="0"/>
-                            </p:stCondLst>
-                            <p:childTnLst>
-                              <p:par>
-                                <p:cTn id="5" presetID="6" presetClass="entr" presetSubtype="32" fill="hold" grpId="0" nodeType="withEffect">
-                                  <p:stCondLst>
-                                    <p:cond delay="0"/>
-                                  </p:stCondLst>
-                                  <p:childTnLst>
-                                    <p:set>
-                                      <p:cBhvr>
-                                        <p:cTn id="6" dur="1" fill="hold">
-                                          <p:stCondLst>
-                                            <p:cond delay="0"/>
-                                          </p:stCondLst>
-                                        </p:cTn>
-                                        <p:tgtEl>
-                                          <p:spTgt spid="2"/>
-                                        </p:tgtEl>
-                                        <p:attrNameLst>
-                                          <p:attrName>style.visibility</p:attrName>
-                                        </p:attrNameLst>
-                                      </p:cBhvr>
-                                      <p:to>
-                                        <p:strVal val="visible"/>
-                                      </p:to>
-                                    </p:set>
-                                    <p:animEffect transition="in" filter="circle(out)">
-                                      <p:cBhvr>
-                                        <p:cTn id="7" dur="2000"/>
-                                        <p:tgtEl>
-                                          <p:spTgt spid="2"/>
-                                        </p:tgtEl>
-                                      </p:cBhvr>
-                                    </p:animEffect>
-                                  </p:childTnLst>
-                                </p:cTn>
-                              </p:par>
-                              <p:par>
-                                <p:cTn id="8" presetID="16" presetClass="entr" presetSubtype="37" fill="hold" nodeType="withEffect">
-                                  <p:stCondLst>
-                                    <p:cond delay="0"/>
-                                  </p:stCondLst>
-                                  <p:childTnLst>
-                                    <p:set>
-                                      <p:cBhvr>
-                                        <p:cTn id="9" dur="1" fill="hold">
-                                          <p:stCondLst>
-                                            <p:cond delay="0"/>
-                                          </p:stCondLst>
-                                        </p:cTn>
-                                        <p:tgtEl>
-                                          <p:spTgt spid="5"/>
-                                        </p:tgtEl>
-                                        <p:attrNameLst>
-                                          <p:attrName>style.visibility</p:attrName>
-                                        </p:attrNameLst>
-                                      </p:cBhvr>
-                                      <p:to>
-                                        <p:strVal val="visible"/>
-                                      </p:to>
-                                    </p:set>
-                                    <p:animEffect transition="in" filter="barn(outVertical)">
-                                      <p:cBhvr>
-                                        <p:cTn id="10" dur="500"/>
-                                        <p:tgtEl>
-                                          <p:spTgt spid="5"/>
-                                        </p:tgtEl>
-                                      </p:cBhvr>
-                                    </p:animEffect>
-                                  </p:childTnLst>
-                                </p:cTn>
-                              </p:par>
-                            </p:childTnLst>
-                          </p:cTn>
-                        </p:par>
-                        <p:par>
-                          <p:cTn id="11" fill="hold">
-                            <p:stCondLst>
-                              <p:cond delay="2000"/>
-                            </p:stCondLst>
-                            <p:childTnLst>
-                              <p:par>
-                                <p:cTn id="12" presetID="22" presetClass="entr" presetSubtype="4" fill="hold" nodeType="afterEffect">
-                                  <p:stCondLst>
-                                    <p:cond delay="500"/>
-                                  </p:stCondLst>
-                                  <p:childTnLst>
-                                    <p:set>
-                                      <p:cBhvr>
-                                        <p:cTn id="13" dur="1" fill="hold">
-                                          <p:stCondLst>
-                                            <p:cond delay="0"/>
-                                          </p:stCondLst>
-                                        </p:cTn>
-                                        <p:tgtEl>
-                                          <p:spTgt spid="3">
-                                            <p:txEl>
-                                              <p:pRg st="0" end="0"/>
-                                            </p:txEl>
-                                          </p:spTgt>
-                                        </p:tgtEl>
-                                        <p:attrNameLst>
-                                          <p:attrName>style.visibility</p:attrName>
-                                        </p:attrNameLst>
-                                      </p:cBhvr>
-                                      <p:to>
-                                        <p:strVal val="visible"/>
-                                      </p:to>
-                                    </p:set>
-                                    <p:animEffect transition="in" filter="wipe(down)">
-                                      <p:cBhvr>
-                                        <p:cTn id="14" dur="500"/>
-                                        <p:tgtEl>
-                                          <p:spTgt spid="3">
-                                            <p:txEl>
-                                              <p:pRg st="0" end="0"/>
-                                            </p:txEl>
-                                          </p:spTgt>
-                                        </p:tgtEl>
-                                      </p:cBhvr>
-                                    </p:animEffect>
-                                  </p:childTnLst>
-                                </p:cTn>
-                              </p:par>
-                            </p:childTnLst>
-                          </p:cTn>
-                        </p:par>
-                        <p:par>
-                          <p:cTn id="15" fill="hold">
-                            <p:stCondLst>
-                              <p:cond delay="3000"/>
-                            </p:stCondLst>
-                            <p:childTnLst>
-                              <p:par>
-                                <p:cTn id="16" presetID="22" presetClass="entr" presetSubtype="4" fill="hold" nodeType="afterEffect">
-                                  <p:stCondLst>
-                                    <p:cond delay="500"/>
-                                  </p:stCondLst>
-                                  <p:childTnLst>
-                                    <p:set>
-                                      <p:cBhvr>
-                                        <p:cTn id="17" dur="1" fill="hold">
-                                          <p:stCondLst>
-                                            <p:cond delay="0"/>
-                                          </p:stCondLst>
-                                        </p:cTn>
-                                        <p:tgtEl>
-                                          <p:spTgt spid="3">
-                                            <p:txEl>
-                                              <p:pRg st="2" end="2"/>
-                                            </p:txEl>
-                                          </p:spTgt>
-                                        </p:tgtEl>
-                                        <p:attrNameLst>
-                                          <p:attrName>style.visibility</p:attrName>
-                                        </p:attrNameLst>
-                                      </p:cBhvr>
-                                      <p:to>
-                                        <p:strVal val="visible"/>
-                                      </p:to>
-                                    </p:set>
-                                    <p:animEffect transition="in" filter="wipe(down)">
-                                      <p:cBhvr>
-                                        <p:cTn id="18" dur="500"/>
-                                        <p:tgtEl>
-                                          <p:spTgt spid="3">
-                                            <p:txEl>
-                                              <p:pRg st="2" end="2"/>
-                                            </p:txEl>
-                                          </p:spTgt>
-                                        </p:tgtEl>
-                                      </p:cBhvr>
-                                    </p:animEffect>
-                                  </p:childTnLst>
-                                </p:cTn>
-                              </p:par>
-                            </p:childTnLst>
-                          </p:cTn>
-                        </p:par>
-                        <p:par>
-                          <p:cTn id="19" fill="hold">
-                            <p:stCondLst>
-                              <p:cond delay="4000"/>
-                            </p:stCondLst>
-                            <p:childTnLst>
-                              <p:par>
-                                <p:cTn id="20" presetID="22" presetClass="entr" presetSubtype="4" fill="hold" nodeType="afterEffect">
-                                  <p:stCondLst>
-                                    <p:cond delay="500"/>
-                                  </p:stCondLst>
-                                  <p:childTnLst>
-                                    <p:set>
-                                      <p:cBhvr>
-                                        <p:cTn id="21" dur="1" fill="hold">
-                                          <p:stCondLst>
-                                            <p:cond delay="0"/>
-                                          </p:stCondLst>
-                                        </p:cTn>
-                                        <p:tgtEl>
-                                          <p:spTgt spid="3">
-                                            <p:txEl>
-                                              <p:pRg st="4" end="4"/>
-                                            </p:txEl>
-                                          </p:spTgt>
-                                        </p:tgtEl>
-                                        <p:attrNameLst>
-                                          <p:attrName>style.visibility</p:attrName>
-                                        </p:attrNameLst>
-                                      </p:cBhvr>
-                                      <p:to>
-                                        <p:strVal val="visible"/>
-                                      </p:to>
-                                    </p:set>
-                                    <p:animEffect transition="in" filter="wipe(down)">
-                                      <p:cBhvr>
-                                        <p:cTn id="22" dur="500"/>
-                                        <p:tgtEl>
-                                          <p:spTgt spid="3">
-                                            <p:txEl>
-                                              <p:pRg st="4" end="4"/>
-                                            </p:txEl>
-                                          </p:spTgt>
-                                        </p:tgtEl>
-                                      </p:cBhvr>
-                                    </p:animEffect>
-                                  </p:childTnLst>
-                                </p:cTn>
-                              </p:par>
-                            </p:childTnLst>
-                          </p:cTn>
-                        </p:par>
-                        <p:par>
-                          <p:cTn id="23" fill="hold">
-                            <p:stCondLst>
-                              <p:cond delay="5000"/>
-                            </p:stCondLst>
-                            <p:childTnLst>
-                              <p:par>
-                                <p:cTn id="24" presetID="22" presetClass="entr" presetSubtype="4" fill="hold" nodeType="afterEffect">
-                                  <p:stCondLst>
-                                    <p:cond delay="500"/>
-                                  </p:stCondLst>
-                                  <p:childTnLst>
-                                    <p:set>
-                                      <p:cBhvr>
-                                        <p:cTn id="25" dur="1" fill="hold">
-                                          <p:stCondLst>
-                                            <p:cond delay="0"/>
-                                          </p:stCondLst>
-                                        </p:cTn>
-                                        <p:tgtEl>
-                                          <p:spTgt spid="3">
-                                            <p:txEl>
-                                              <p:pRg st="5" end="5"/>
-                                            </p:txEl>
-                                          </p:spTgt>
-                                        </p:tgtEl>
-                                        <p:attrNameLst>
-                                          <p:attrName>style.visibility</p:attrName>
-                                        </p:attrNameLst>
-                                      </p:cBhvr>
-                                      <p:to>
-                                        <p:strVal val="visible"/>
-                                      </p:to>
-                                    </p:set>
-                                    <p:animEffect transition="in" filter="wipe(down)">
-                                      <p:cBhvr>
-                                        <p:cTn id="26" dur="500"/>
-                                        <p:tgtEl>
-                                          <p:spTgt spid="3">
-                                            <p:txEl>
-                                              <p:pRg st="5" end="5"/>
-                                            </p:txEl>
-                                          </p:spTgt>
-                                        </p:tgtEl>
-                                      </p:cBhvr>
-                                    </p:animEffect>
-                                  </p:childTnLst>
-                                </p:cTn>
-                              </p:par>
-                            </p:childTnLst>
-                          </p:cTn>
-                        </p:par>
-                        <p:par>
-                          <p:cTn id="27" fill="hold">
-                            <p:stCondLst>
-                              <p:cond delay="6000"/>
-                            </p:stCondLst>
-                            <p:childTnLst>
-                              <p:par>
-                                <p:cTn id="28" presetID="22" presetClass="entr" presetSubtype="4" fill="hold" nodeType="afterEffect">
-                                  <p:stCondLst>
-                                    <p:cond delay="500"/>
-                                  </p:stCondLst>
-                                  <p:childTnLst>
-                                    <p:set>
-                                      <p:cBhvr>
-                                        <p:cTn id="29" dur="1" fill="hold">
-                                          <p:stCondLst>
-                                            <p:cond delay="0"/>
-                                          </p:stCondLst>
-                                        </p:cTn>
-                                        <p:tgtEl>
-                                          <p:spTgt spid="3">
-                                            <p:txEl>
-                                              <p:pRg st="7" end="7"/>
-                                            </p:txEl>
-                                          </p:spTgt>
-                                        </p:tgtEl>
-                                        <p:attrNameLst>
-                                          <p:attrName>style.visibility</p:attrName>
-                                        </p:attrNameLst>
-                                      </p:cBhvr>
-                                      <p:to>
-                                        <p:strVal val="visible"/>
-                                      </p:to>
-                                    </p:set>
-                                    <p:animEffect transition="in" filter="wipe(down)">
-                                      <p:cBhvr>
-                                        <p:cTn id="30" dur="500"/>
-                                        <p:tgtEl>
-                                          <p:spTgt spid="3">
-                                            <p:txEl>
-                                              <p:pRg st="7" end="7"/>
                                             </p:txEl>
                                           </p:spTgt>
                                         </p:tgtEl>
@@ -17631,4 +19071,289 @@
   <a:objectDefaults/>
   <a:extraClrSchemeLst/>
 </a:theme>
+</file>
+
+<file path=ppt/theme/theme2.xml><?xml version="1.0" encoding="utf-8"?>
+<a:theme xmlns:a="http://schemas.openxmlformats.org/drawingml/2006/main" name="Larissa">
+  <a:themeElements>
+    <a:clrScheme name="Larissa">
+      <a:dk1>
+        <a:sysClr val="windowText" lastClr="000000"/>
+      </a:dk1>
+      <a:lt1>
+        <a:sysClr val="window" lastClr="FFFFFF"/>
+      </a:lt1>
+      <a:dk2>
+        <a:srgbClr val="1F497D"/>
+      </a:dk2>
+      <a:lt2>
+        <a:srgbClr val="EEECE1"/>
+      </a:lt2>
+      <a:accent1>
+        <a:srgbClr val="4F81BD"/>
+      </a:accent1>
+      <a:accent2>
+        <a:srgbClr val="C0504D"/>
+      </a:accent2>
+      <a:accent3>
+        <a:srgbClr val="9BBB59"/>
+      </a:accent3>
+      <a:accent4>
+        <a:srgbClr val="8064A2"/>
+      </a:accent4>
+      <a:accent5>
+        <a:srgbClr val="4BACC6"/>
+      </a:accent5>
+      <a:accent6>
+        <a:srgbClr val="F79646"/>
+      </a:accent6>
+      <a:hlink>
+        <a:srgbClr val="0000FF"/>
+      </a:hlink>
+      <a:folHlink>
+        <a:srgbClr val="800080"/>
+      </a:folHlink>
+    </a:clrScheme>
+    <a:fontScheme name="Larissa">
+      <a:majorFont>
+        <a:latin typeface="Calibri"/>
+        <a:ea typeface=""/>
+        <a:cs typeface=""/>
+        <a:font script="Jpan" typeface="ＭＳ Ｐゴシック"/>
+        <a:font script="Hang" typeface="맑은 고딕"/>
+        <a:font script="Hans" typeface="宋体"/>
+        <a:font script="Hant" typeface="新細明體"/>
+        <a:font script="Arab" typeface="Times New Roman"/>
+        <a:font script="Hebr" typeface="Times New Roman"/>
+        <a:font script="Thai" typeface="Angsana New"/>
+        <a:font script="Ethi" typeface="Nyala"/>
+        <a:font script="Beng" typeface="Vrinda"/>
+        <a:font script="Gujr" typeface="Shruti"/>
+        <a:font script="Khmr" typeface="MoolBoran"/>
+        <a:font script="Knda" typeface="Tunga"/>
+        <a:font script="Guru" typeface="Raavi"/>
+        <a:font script="Cans" typeface="Euphemia"/>
+        <a:font script="Cher" typeface="Plantagenet Cherokee"/>
+        <a:font script="Yiii" typeface="Microsoft Yi Baiti"/>
+        <a:font script="Tibt" typeface="Microsoft Himalaya"/>
+        <a:font script="Thaa" typeface="MV Boli"/>
+        <a:font script="Deva" typeface="Mangal"/>
+        <a:font script="Telu" typeface="Gautami"/>
+        <a:font script="Taml" typeface="Latha"/>
+        <a:font script="Syrc" typeface="Estrangelo Edessa"/>
+        <a:font script="Orya" typeface="Kalinga"/>
+        <a:font script="Mlym" typeface="Kartika"/>
+        <a:font script="Laoo" typeface="DokChampa"/>
+        <a:font script="Sinh" typeface="Iskoola Pota"/>
+        <a:font script="Mong" typeface="Mongolian Baiti"/>
+        <a:font script="Viet" typeface="Times New Roman"/>
+        <a:font script="Uigh" typeface="Microsoft Uighur"/>
+        <a:font script="Geor" typeface="Sylfaen"/>
+      </a:majorFont>
+      <a:minorFont>
+        <a:latin typeface="Calibri"/>
+        <a:ea typeface=""/>
+        <a:cs typeface=""/>
+        <a:font script="Jpan" typeface="ＭＳ Ｐゴシック"/>
+        <a:font script="Hang" typeface="맑은 고딕"/>
+        <a:font script="Hans" typeface="宋体"/>
+        <a:font script="Hant" typeface="新細明體"/>
+        <a:font script="Arab" typeface="Arial"/>
+        <a:font script="Hebr" typeface="Arial"/>
+        <a:font script="Thai" typeface="Cordia New"/>
+        <a:font script="Ethi" typeface="Nyala"/>
+        <a:font script="Beng" typeface="Vrinda"/>
+        <a:font script="Gujr" typeface="Shruti"/>
+        <a:font script="Khmr" typeface="DaunPenh"/>
+        <a:font script="Knda" typeface="Tunga"/>
+        <a:font script="Guru" typeface="Raavi"/>
+        <a:font script="Cans" typeface="Euphemia"/>
+        <a:font script="Cher" typeface="Plantagenet Cherokee"/>
+        <a:font script="Yiii" typeface="Microsoft Yi Baiti"/>
+        <a:font script="Tibt" typeface="Microsoft Himalaya"/>
+        <a:font script="Thaa" typeface="MV Boli"/>
+        <a:font script="Deva" typeface="Mangal"/>
+        <a:font script="Telu" typeface="Gautami"/>
+        <a:font script="Taml" typeface="Latha"/>
+        <a:font script="Syrc" typeface="Estrangelo Edessa"/>
+        <a:font script="Orya" typeface="Kalinga"/>
+        <a:font script="Mlym" typeface="Kartika"/>
+        <a:font script="Laoo" typeface="DokChampa"/>
+        <a:font script="Sinh" typeface="Iskoola Pota"/>
+        <a:font script="Mong" typeface="Mongolian Baiti"/>
+        <a:font script="Viet" typeface="Arial"/>
+        <a:font script="Uigh" typeface="Microsoft Uighur"/>
+        <a:font script="Geor" typeface="Sylfaen"/>
+      </a:minorFont>
+    </a:fontScheme>
+    <a:fmtScheme name="Larissa">
+      <a:fillStyleLst>
+        <a:solidFill>
+          <a:schemeClr val="phClr"/>
+        </a:solidFill>
+        <a:gradFill rotWithShape="1">
+          <a:gsLst>
+            <a:gs pos="0">
+              <a:schemeClr val="phClr">
+                <a:tint val="50000"/>
+                <a:satMod val="300000"/>
+              </a:schemeClr>
+            </a:gs>
+            <a:gs pos="35000">
+              <a:schemeClr val="phClr">
+                <a:tint val="37000"/>
+                <a:satMod val="300000"/>
+              </a:schemeClr>
+            </a:gs>
+            <a:gs pos="100000">
+              <a:schemeClr val="phClr">
+                <a:tint val="15000"/>
+                <a:satMod val="350000"/>
+              </a:schemeClr>
+            </a:gs>
+          </a:gsLst>
+          <a:lin ang="16200000" scaled="1"/>
+        </a:gradFill>
+        <a:gradFill rotWithShape="1">
+          <a:gsLst>
+            <a:gs pos="0">
+              <a:schemeClr val="phClr">
+                <a:shade val="51000"/>
+                <a:satMod val="130000"/>
+              </a:schemeClr>
+            </a:gs>
+            <a:gs pos="80000">
+              <a:schemeClr val="phClr">
+                <a:shade val="93000"/>
+                <a:satMod val="130000"/>
+              </a:schemeClr>
+            </a:gs>
+            <a:gs pos="100000">
+              <a:schemeClr val="phClr">
+                <a:shade val="94000"/>
+                <a:satMod val="135000"/>
+              </a:schemeClr>
+            </a:gs>
+          </a:gsLst>
+          <a:lin ang="16200000" scaled="0"/>
+        </a:gradFill>
+      </a:fillStyleLst>
+      <a:lnStyleLst>
+        <a:ln w="9525" cap="flat" cmpd="sng" algn="ctr">
+          <a:solidFill>
+            <a:schemeClr val="phClr">
+              <a:shade val="95000"/>
+              <a:satMod val="105000"/>
+            </a:schemeClr>
+          </a:solidFill>
+          <a:prstDash val="solid"/>
+        </a:ln>
+        <a:ln w="25400" cap="flat" cmpd="sng" algn="ctr">
+          <a:solidFill>
+            <a:schemeClr val="phClr"/>
+          </a:solidFill>
+          <a:prstDash val="solid"/>
+        </a:ln>
+        <a:ln w="38100" cap="flat" cmpd="sng" algn="ctr">
+          <a:solidFill>
+            <a:schemeClr val="phClr"/>
+          </a:solidFill>
+          <a:prstDash val="solid"/>
+        </a:ln>
+      </a:lnStyleLst>
+      <a:effectStyleLst>
+        <a:effectStyle>
+          <a:effectLst>
+            <a:outerShdw blurRad="40000" dist="20000" dir="5400000" rotWithShape="0">
+              <a:srgbClr val="000000">
+                <a:alpha val="38000"/>
+              </a:srgbClr>
+            </a:outerShdw>
+          </a:effectLst>
+        </a:effectStyle>
+        <a:effectStyle>
+          <a:effectLst>
+            <a:outerShdw blurRad="40000" dist="23000" dir="5400000" rotWithShape="0">
+              <a:srgbClr val="000000">
+                <a:alpha val="35000"/>
+              </a:srgbClr>
+            </a:outerShdw>
+          </a:effectLst>
+        </a:effectStyle>
+        <a:effectStyle>
+          <a:effectLst>
+            <a:outerShdw blurRad="40000" dist="23000" dir="5400000" rotWithShape="0">
+              <a:srgbClr val="000000">
+                <a:alpha val="35000"/>
+              </a:srgbClr>
+            </a:outerShdw>
+          </a:effectLst>
+          <a:scene3d>
+            <a:camera prst="orthographicFront">
+              <a:rot lat="0" lon="0" rev="0"/>
+            </a:camera>
+            <a:lightRig rig="threePt" dir="t">
+              <a:rot lat="0" lon="0" rev="1200000"/>
+            </a:lightRig>
+          </a:scene3d>
+          <a:sp3d>
+            <a:bevelT w="63500" h="25400"/>
+          </a:sp3d>
+        </a:effectStyle>
+      </a:effectStyleLst>
+      <a:bgFillStyleLst>
+        <a:solidFill>
+          <a:schemeClr val="phClr"/>
+        </a:solidFill>
+        <a:gradFill rotWithShape="1">
+          <a:gsLst>
+            <a:gs pos="0">
+              <a:schemeClr val="phClr">
+                <a:tint val="40000"/>
+                <a:satMod val="350000"/>
+              </a:schemeClr>
+            </a:gs>
+            <a:gs pos="40000">
+              <a:schemeClr val="phClr">
+                <a:tint val="45000"/>
+                <a:shade val="99000"/>
+                <a:satMod val="350000"/>
+              </a:schemeClr>
+            </a:gs>
+            <a:gs pos="100000">
+              <a:schemeClr val="phClr">
+                <a:shade val="20000"/>
+                <a:satMod val="255000"/>
+              </a:schemeClr>
+            </a:gs>
+          </a:gsLst>
+          <a:path path="circle">
+            <a:fillToRect l="50000" t="-80000" r="50000" b="180000"/>
+          </a:path>
+        </a:gradFill>
+        <a:gradFill rotWithShape="1">
+          <a:gsLst>
+            <a:gs pos="0">
+              <a:schemeClr val="phClr">
+                <a:tint val="80000"/>
+                <a:satMod val="300000"/>
+              </a:schemeClr>
+            </a:gs>
+            <a:gs pos="100000">
+              <a:schemeClr val="phClr">
+                <a:shade val="30000"/>
+                <a:satMod val="200000"/>
+              </a:schemeClr>
+            </a:gs>
+          </a:gsLst>
+          <a:path path="circle">
+            <a:fillToRect l="50000" t="50000" r="50000" b="50000"/>
+          </a:path>
+        </a:gradFill>
+      </a:bgFillStyleLst>
+    </a:fmtScheme>
+  </a:themeElements>
+  <a:objectDefaults/>
+  <a:extraClrSchemeLst/>
+</a:theme>
 </file>
--- a/_Organisation/Präsentation/Voodoo.pptx
+++ b/_Organisation/Präsentation/Voodoo.pptx
@@ -949,6 +949,9 @@
         <a:p>
           <a:r>
             <a:rPr lang="de-DE" sz="1800" dirty="0">
+              <a:solidFill>
+                <a:schemeClr val="tx2"/>
+              </a:solidFill>
               <a:latin typeface="MV Boli" pitchFamily="2" charset="0"/>
               <a:cs typeface="MV Boli" pitchFamily="2" charset="0"/>
             </a:rPr>
@@ -988,12 +991,18 @@
         <a:p>
           <a:r>
             <a:rPr lang="de-DE" sz="1800" dirty="0" smtClean="0">
+              <a:solidFill>
+                <a:schemeClr val="tx2"/>
+              </a:solidFill>
               <a:latin typeface="MV Boli" pitchFamily="2" charset="0"/>
               <a:cs typeface="MV Boli" pitchFamily="2" charset="0"/>
             </a:rPr>
-            <a:t>Offering</a:t>
+            <a:t>Clairvoyance</a:t>
           </a:r>
           <a:endParaRPr lang="de-DE" sz="1800" dirty="0">
+            <a:solidFill>
+              <a:schemeClr val="tx2"/>
+            </a:solidFill>
             <a:latin typeface="MV Boli" pitchFamily="2" charset="0"/>
             <a:cs typeface="MV Boli" pitchFamily="2" charset="0"/>
           </a:endParaRPr>
@@ -1031,12 +1040,18 @@
         <a:p>
           <a:r>
             <a:rPr lang="de-DE" sz="1800" dirty="0" smtClean="0">
+              <a:solidFill>
+                <a:schemeClr val="tx2"/>
+              </a:solidFill>
               <a:latin typeface="MV Boli" pitchFamily="2" charset="0"/>
               <a:cs typeface="MV Boli" pitchFamily="2" charset="0"/>
             </a:rPr>
-            <a:t>Posession</a:t>
+            <a:t>Offering</a:t>
           </a:r>
           <a:endParaRPr lang="de-DE" sz="1800" dirty="0">
+            <a:solidFill>
+              <a:schemeClr val="tx2"/>
+            </a:solidFill>
             <a:latin typeface="MV Boli" pitchFamily="2" charset="0"/>
             <a:cs typeface="MV Boli" pitchFamily="2" charset="0"/>
           </a:endParaRPr>
@@ -1074,18 +1089,21 @@
         <a:p>
           <a:r>
             <a:rPr lang="de-DE" sz="1800" dirty="0" smtClean="0">
+              <a:solidFill>
+                <a:schemeClr val="tx2"/>
+              </a:solidFill>
               <a:latin typeface="MV Boli" pitchFamily="2" charset="0"/>
               <a:cs typeface="MV Boli" pitchFamily="2" charset="0"/>
             </a:rPr>
-            <a:t>Open </a:t>
+            <a:t>Posession</a:t>
           </a:r>
-          <a:r>
-            <a:rPr lang="de-DE" sz="1800" dirty="0">
-              <a:latin typeface="MV Boli" pitchFamily="2" charset="0"/>
-              <a:cs typeface="MV Boli" pitchFamily="2" charset="0"/>
-            </a:rPr>
-            <a:t>Door</a:t>
-          </a:r>
+          <a:endParaRPr lang="de-DE" sz="1800" dirty="0">
+            <a:solidFill>
+              <a:schemeClr val="tx2"/>
+            </a:solidFill>
+            <a:latin typeface="MV Boli" pitchFamily="2" charset="0"/>
+            <a:cs typeface="MV Boli" pitchFamily="2" charset="0"/>
+          </a:endParaRPr>
         </a:p>
       </dgm:t>
     </dgm:pt>
@@ -1176,7 +1194,7 @@
       </dgm:t>
     </dgm:pt>
     <dgm:pt modelId="{80BCFAE1-1161-4D0D-92C3-9CEB34B8EE0D}" type="pres">
-      <dgm:prSet presAssocID="{96628D2C-7EAB-4274-9837-8BDC1B87D12C}" presName="node" presStyleLbl="revTx" presStyleIdx="1" presStyleCnt="4">
+      <dgm:prSet presAssocID="{96628D2C-7EAB-4274-9837-8BDC1B87D12C}" presName="node" presStyleLbl="revTx" presStyleIdx="1" presStyleCnt="4" custScaleX="134420">
         <dgm:presLayoutVars>
           <dgm:bulletEnabled val="1"/>
         </dgm:presLayoutVars>
@@ -1250,7 +1268,7 @@
       </dgm:t>
     </dgm:pt>
     <dgm:pt modelId="{2A8129C4-1292-444A-AAD8-D66E8FFB695A}" type="pres">
-      <dgm:prSet presAssocID="{327738D1-4468-4C96-AE85-E76ED1488943}" presName="node" presStyleLbl="revTx" presStyleIdx="3" presStyleCnt="4">
+      <dgm:prSet presAssocID="{327738D1-4468-4C96-AE85-E76ED1488943}" presName="node" presStyleLbl="revTx" presStyleIdx="3" presStyleCnt="4" custScaleX="128688">
         <dgm:presLayoutVars>
           <dgm:bulletEnabled val="1"/>
         </dgm:presLayoutVars>
@@ -1328,7 +1346,7 @@
       </dsp:nvSpPr>
       <dsp:spPr>
         <a:xfrm>
-          <a:off x="2653077" y="62836"/>
+          <a:off x="2635835" y="62836"/>
           <a:ext cx="991235" cy="991235"/>
         </a:xfrm>
         <a:prstGeom prst="rect">
@@ -1371,6 +1389,9 @@
           </a:pPr>
           <a:r>
             <a:rPr lang="de-DE" sz="1800" kern="1200" dirty="0">
+              <a:solidFill>
+                <a:schemeClr val="tx2"/>
+              </a:solidFill>
               <a:latin typeface="MV Boli" pitchFamily="2" charset="0"/>
               <a:cs typeface="MV Boli" pitchFamily="2" charset="0"/>
             </a:rPr>
@@ -1379,7 +1400,7 @@
         </a:p>
       </dsp:txBody>
       <dsp:txXfrm>
-        <a:off x="2653077" y="62836"/>
+        <a:off x="2635835" y="62836"/>
         <a:ext cx="991235" cy="991235"/>
       </dsp:txXfrm>
     </dsp:sp>
@@ -1390,7 +1411,7 @@
       </dsp:nvSpPr>
       <dsp:spPr>
         <a:xfrm>
-          <a:off x="907973" y="535"/>
+          <a:off x="890731" y="535"/>
           <a:ext cx="2798639" cy="2798639"/>
         </a:xfrm>
         <a:prstGeom prst="circularArrow">
@@ -1472,8 +1493,8 @@
       </dsp:nvSpPr>
       <dsp:spPr>
         <a:xfrm>
-          <a:off x="2653077" y="1745638"/>
-          <a:ext cx="991235" cy="991235"/>
+          <a:off x="2465243" y="1745638"/>
+          <a:ext cx="1332418" cy="991235"/>
         </a:xfrm>
         <a:prstGeom prst="rect">
           <a:avLst/>
@@ -1515,20 +1536,26 @@
           </a:pPr>
           <a:r>
             <a:rPr lang="de-DE" sz="1800" kern="1200" dirty="0" smtClean="0">
+              <a:solidFill>
+                <a:schemeClr val="tx2"/>
+              </a:solidFill>
               <a:latin typeface="MV Boli" pitchFamily="2" charset="0"/>
               <a:cs typeface="MV Boli" pitchFamily="2" charset="0"/>
             </a:rPr>
-            <a:t>Offering</a:t>
+            <a:t>Clairvoyance</a:t>
           </a:r>
           <a:endParaRPr lang="de-DE" sz="1800" kern="1200" dirty="0">
+            <a:solidFill>
+              <a:schemeClr val="tx2"/>
+            </a:solidFill>
             <a:latin typeface="MV Boli" pitchFamily="2" charset="0"/>
             <a:cs typeface="MV Boli" pitchFamily="2" charset="0"/>
           </a:endParaRPr>
         </a:p>
       </dsp:txBody>
       <dsp:txXfrm>
-        <a:off x="2653077" y="1745638"/>
-        <a:ext cx="991235" cy="991235"/>
+        <a:off x="2465243" y="1745638"/>
+        <a:ext cx="1332418" cy="991235"/>
       </dsp:txXfrm>
     </dsp:sp>
     <dsp:sp modelId="{98E4E2C3-7BBD-46E1-9A48-23348DF1BE49}">
@@ -1538,7 +1565,7 @@
       </dsp:nvSpPr>
       <dsp:spPr>
         <a:xfrm>
-          <a:off x="907973" y="535"/>
+          <a:off x="890731" y="535"/>
           <a:ext cx="2798639" cy="2798639"/>
         </a:xfrm>
         <a:prstGeom prst="circularArrow">
@@ -1546,7 +1573,7 @@
             <a:gd name="adj1" fmla="val 6907"/>
             <a:gd name="adj2" fmla="val 465712"/>
             <a:gd name="adj3" fmla="val 5746860"/>
-            <a:gd name="adj4" fmla="val 4386389"/>
+            <a:gd name="adj4" fmla="val 4892013"/>
             <a:gd name="adj5" fmla="val 8058"/>
           </a:avLst>
         </a:prstGeom>
@@ -1620,7 +1647,7 @@
       </dsp:nvSpPr>
       <dsp:spPr>
         <a:xfrm>
-          <a:off x="903138" y="1745638"/>
+          <a:off x="885896" y="1745638"/>
           <a:ext cx="1125507" cy="991235"/>
         </a:xfrm>
         <a:prstGeom prst="rect">
@@ -1663,19 +1690,25 @@
           </a:pPr>
           <a:r>
             <a:rPr lang="de-DE" sz="1800" kern="1200" dirty="0" smtClean="0">
+              <a:solidFill>
+                <a:schemeClr val="tx2"/>
+              </a:solidFill>
               <a:latin typeface="MV Boli" pitchFamily="2" charset="0"/>
               <a:cs typeface="MV Boli" pitchFamily="2" charset="0"/>
             </a:rPr>
-            <a:t>Posession</a:t>
+            <a:t>Offering</a:t>
           </a:r>
           <a:endParaRPr lang="de-DE" sz="1800" kern="1200" dirty="0">
+            <a:solidFill>
+              <a:schemeClr val="tx2"/>
+            </a:solidFill>
             <a:latin typeface="MV Boli" pitchFamily="2" charset="0"/>
             <a:cs typeface="MV Boli" pitchFamily="2" charset="0"/>
           </a:endParaRPr>
         </a:p>
       </dsp:txBody>
       <dsp:txXfrm>
-        <a:off x="903138" y="1745638"/>
+        <a:off x="885896" y="1745638"/>
         <a:ext cx="1125507" cy="991235"/>
       </dsp:txXfrm>
     </dsp:sp>
@@ -1686,7 +1719,7 @@
       </dsp:nvSpPr>
       <dsp:spPr>
         <a:xfrm>
-          <a:off x="907973" y="535"/>
+          <a:off x="890731" y="535"/>
           <a:ext cx="2798639" cy="2798639"/>
         </a:xfrm>
         <a:prstGeom prst="circularArrow">
@@ -1768,8 +1801,8 @@
       </dsp:nvSpPr>
       <dsp:spPr>
         <a:xfrm>
-          <a:off x="970274" y="62836"/>
-          <a:ext cx="991235" cy="991235"/>
+          <a:off x="810849" y="62836"/>
+          <a:ext cx="1275600" cy="991235"/>
         </a:xfrm>
         <a:prstGeom prst="rect">
           <a:avLst/>
@@ -1811,23 +1844,26 @@
           </a:pPr>
           <a:r>
             <a:rPr lang="de-DE" sz="1800" kern="1200" dirty="0" smtClean="0">
+              <a:solidFill>
+                <a:schemeClr val="tx2"/>
+              </a:solidFill>
               <a:latin typeface="MV Boli" pitchFamily="2" charset="0"/>
               <a:cs typeface="MV Boli" pitchFamily="2" charset="0"/>
             </a:rPr>
-            <a:t>Open </a:t>
+            <a:t>Posession</a:t>
           </a:r>
-          <a:r>
-            <a:rPr lang="de-DE" sz="1800" kern="1200" dirty="0">
-              <a:latin typeface="MV Boli" pitchFamily="2" charset="0"/>
-              <a:cs typeface="MV Boli" pitchFamily="2" charset="0"/>
-            </a:rPr>
-            <a:t>Door</a:t>
-          </a:r>
+          <a:endParaRPr lang="de-DE" sz="1800" kern="1200" dirty="0">
+            <a:solidFill>
+              <a:schemeClr val="tx2"/>
+            </a:solidFill>
+            <a:latin typeface="MV Boli" pitchFamily="2" charset="0"/>
+            <a:cs typeface="MV Boli" pitchFamily="2" charset="0"/>
+          </a:endParaRPr>
         </a:p>
       </dsp:txBody>
       <dsp:txXfrm>
-        <a:off x="970274" y="62836"/>
-        <a:ext cx="991235" cy="991235"/>
+        <a:off x="810849" y="62836"/>
+        <a:ext cx="1275600" cy="991235"/>
       </dsp:txXfrm>
     </dsp:sp>
     <dsp:sp modelId="{2DB9D6A3-6E26-44E7-99BA-9B63DD6F9F61}">
@@ -1837,7 +1873,7 @@
       </dsp:nvSpPr>
       <dsp:spPr>
         <a:xfrm>
-          <a:off x="907973" y="535"/>
+          <a:off x="890731" y="535"/>
           <a:ext cx="2798639" cy="2798639"/>
         </a:xfrm>
         <a:prstGeom prst="circularArrow">
@@ -1845,7 +1881,7 @@
             <a:gd name="adj1" fmla="val 6907"/>
             <a:gd name="adj2" fmla="val 465712"/>
             <a:gd name="adj3" fmla="val 16747898"/>
-            <a:gd name="adj4" fmla="val 15186389"/>
+            <a:gd name="adj4" fmla="val 15608877"/>
             <a:gd name="adj5" fmla="val 8058"/>
           </a:avLst>
         </a:prstGeom>
@@ -13661,6 +13697,12 @@
             </a:pPr>
             <a:r>
               <a:rPr lang="en-GB" dirty="0" smtClean="0">
+                <a:solidFill>
+                  <a:schemeClr val="accent3">
+                    <a:lumMod val="20000"/>
+                    <a:lumOff val="80000"/>
+                  </a:schemeClr>
+                </a:solidFill>
                 <a:latin typeface="MV Boli" pitchFamily="2" charset="0"/>
                 <a:cs typeface="MV Boli" pitchFamily="2" charset="0"/>
               </a:rPr>
@@ -13678,7 +13720,35 @@
                 <a:latin typeface="MV Boli" pitchFamily="2" charset="0"/>
                 <a:cs typeface="MV Boli" pitchFamily="2" charset="0"/>
               </a:rPr>
-              <a:t> So he decides to find that flower and thus starts his journey through the bunker. </a:t>
+              <a:t> </a:t>
+            </a:r>
+            <a:r>
+              <a:rPr lang="en-GB" dirty="0" smtClean="0">
+                <a:latin typeface="MV Boli" pitchFamily="2" charset="0"/>
+                <a:cs typeface="MV Boli" pitchFamily="2" charset="0"/>
+              </a:rPr>
+              <a:t>		So </a:t>
+            </a:r>
+            <a:r>
+              <a:rPr lang="en-GB" dirty="0" smtClean="0">
+                <a:latin typeface="MV Boli" pitchFamily="2" charset="0"/>
+                <a:cs typeface="MV Boli" pitchFamily="2" charset="0"/>
+              </a:rPr>
+              <a:t>he decides to find that flower and thus </a:t>
+            </a:r>
+            <a:r>
+              <a:rPr lang="en-GB" dirty="0" smtClean="0">
+                <a:latin typeface="MV Boli" pitchFamily="2" charset="0"/>
+                <a:cs typeface="MV Boli" pitchFamily="2" charset="0"/>
+              </a:rPr>
+              <a:t>		starts </a:t>
+            </a:r>
+            <a:r>
+              <a:rPr lang="en-GB" dirty="0" smtClean="0">
+                <a:latin typeface="MV Boli" pitchFamily="2" charset="0"/>
+                <a:cs typeface="MV Boli" pitchFamily="2" charset="0"/>
+              </a:rPr>
+              <a:t>his journey through the bunker. </a:t>
             </a:r>
           </a:p>
           <a:p>
@@ -13689,15 +13759,17 @@
             </a:pPr>
             <a:r>
               <a:rPr lang="en-GB" dirty="0" smtClean="0">
+                <a:solidFill>
+                  <a:schemeClr val="accent3">
+                    <a:lumMod val="20000"/>
+                    <a:lumOff val="80000"/>
+                  </a:schemeClr>
+                </a:solidFill>
                 <a:latin typeface="MV Boli" pitchFamily="2" charset="0"/>
                 <a:cs typeface="MV Boli" pitchFamily="2" charset="0"/>
               </a:rPr>
               <a:t>He discovers new powers along the way and uses them to find his way out.</a:t>
             </a:r>
-            <a:endParaRPr lang="en-GB" dirty="0" smtClean="0">
-              <a:latin typeface="MV Boli" pitchFamily="2" charset="0"/>
-              <a:cs typeface="MV Boli" pitchFamily="2" charset="0"/>
-            </a:endParaRPr>
           </a:p>
         </p:txBody>
       </p:sp>
@@ -14264,7 +14336,7 @@
             <a:r>
               <a:rPr lang="de-DE" dirty="0" smtClean="0">
                 <a:solidFill>
-                  <a:schemeClr val="accent4">
+                  <a:schemeClr val="accent3">
                     <a:lumMod val="20000"/>
                     <a:lumOff val="80000"/>
                   </a:schemeClr>
@@ -14290,17 +14362,13 @@
             </a:r>
             <a:r>
               <a:rPr lang="de-DE" dirty="0" smtClean="0">
-                <a:solidFill>
-                  <a:schemeClr val="accent3">
-                    <a:lumMod val="20000"/>
-                    <a:lumOff val="80000"/>
-                  </a:schemeClr>
-                </a:solidFill>
                 <a:latin typeface="MV Boli" pitchFamily="2" charset="0"/>
                 <a:cs typeface="MV Boli" pitchFamily="2" charset="0"/>
               </a:rPr>
-              <a:t>The </a:t>
+              <a:t>The player discovers his surroundings from the 				perspective of a small puppet, finds different items to 		strenghten his voodoo-powers and posesses guards to 		ultimately flee from the underground bunker.</a:t>
             </a:r>
+          </a:p>
+          <a:p>
             <a:r>
               <a:rPr lang="de-DE" dirty="0" smtClean="0">
                 <a:solidFill>
@@ -14312,123 +14380,7 @@
                 <a:latin typeface="MV Boli" pitchFamily="2" charset="0"/>
                 <a:cs typeface="MV Boli" pitchFamily="2" charset="0"/>
               </a:rPr>
-              <a:t>player discovers his surroundings from the </a:t>
-            </a:r>
-            <a:r>
-              <a:rPr lang="de-DE" dirty="0" smtClean="0">
-                <a:solidFill>
-                  <a:schemeClr val="accent3">
-                    <a:lumMod val="20000"/>
-                    <a:lumOff val="80000"/>
-                  </a:schemeClr>
-                </a:solidFill>
-                <a:latin typeface="MV Boli" pitchFamily="2" charset="0"/>
-                <a:cs typeface="MV Boli" pitchFamily="2" charset="0"/>
-              </a:rPr>
-              <a:t>				perspective </a:t>
-            </a:r>
-            <a:r>
-              <a:rPr lang="de-DE" dirty="0" smtClean="0">
-                <a:solidFill>
-                  <a:schemeClr val="accent3">
-                    <a:lumMod val="20000"/>
-                    <a:lumOff val="80000"/>
-                  </a:schemeClr>
-                </a:solidFill>
-                <a:latin typeface="MV Boli" pitchFamily="2" charset="0"/>
-                <a:cs typeface="MV Boli" pitchFamily="2" charset="0"/>
-              </a:rPr>
-              <a:t>of a small puppet, finds different items to </a:t>
-            </a:r>
-            <a:r>
-              <a:rPr lang="de-DE" dirty="0" smtClean="0">
-                <a:solidFill>
-                  <a:schemeClr val="accent3">
-                    <a:lumMod val="20000"/>
-                    <a:lumOff val="80000"/>
-                  </a:schemeClr>
-                </a:solidFill>
-                <a:latin typeface="MV Boli" pitchFamily="2" charset="0"/>
-                <a:cs typeface="MV Boli" pitchFamily="2" charset="0"/>
-              </a:rPr>
-              <a:t>		strenghten </a:t>
-            </a:r>
-            <a:r>
-              <a:rPr lang="de-DE" dirty="0" smtClean="0">
-                <a:solidFill>
-                  <a:schemeClr val="accent3">
-                    <a:lumMod val="20000"/>
-                    <a:lumOff val="80000"/>
-                  </a:schemeClr>
-                </a:solidFill>
-                <a:latin typeface="MV Boli" pitchFamily="2" charset="0"/>
-                <a:cs typeface="MV Boli" pitchFamily="2" charset="0"/>
-              </a:rPr>
-              <a:t>his voodoo-powers and posesses guards to </a:t>
-            </a:r>
-            <a:r>
-              <a:rPr lang="de-DE" dirty="0" smtClean="0">
-                <a:solidFill>
-                  <a:schemeClr val="accent3">
-                    <a:lumMod val="20000"/>
-                    <a:lumOff val="80000"/>
-                  </a:schemeClr>
-                </a:solidFill>
-                <a:latin typeface="MV Boli" pitchFamily="2" charset="0"/>
-                <a:cs typeface="MV Boli" pitchFamily="2" charset="0"/>
-              </a:rPr>
-              <a:t>		ultimately </a:t>
-            </a:r>
-            <a:r>
-              <a:rPr lang="de-DE" dirty="0" smtClean="0">
-                <a:solidFill>
-                  <a:schemeClr val="accent3">
-                    <a:lumMod val="20000"/>
-                    <a:lumOff val="80000"/>
-                  </a:schemeClr>
-                </a:solidFill>
-                <a:latin typeface="MV Boli" pitchFamily="2" charset="0"/>
-                <a:cs typeface="MV Boli" pitchFamily="2" charset="0"/>
-              </a:rPr>
-              <a:t>flee from the underground bunker.</a:t>
-            </a:r>
-          </a:p>
-          <a:p>
-            <a:r>
-              <a:rPr lang="de-DE" dirty="0" smtClean="0">
-                <a:solidFill>
-                  <a:schemeClr val="tx1">
-                    <a:lumMod val="95000"/>
-                  </a:schemeClr>
-                </a:solidFill>
-                <a:latin typeface="MV Boli" pitchFamily="2" charset="0"/>
-                <a:cs typeface="MV Boli" pitchFamily="2" charset="0"/>
-              </a:rPr>
-              <a:t>The low camera perspective and dark atmosphere in the beginning make the player feel vulnerable but the </a:t>
-            </a:r>
-            <a:r>
-              <a:rPr lang="de-DE" dirty="0" smtClean="0">
-                <a:solidFill>
-                  <a:schemeClr val="tx1">
-                    <a:lumMod val="95000"/>
-                  </a:schemeClr>
-                </a:solidFill>
-                <a:latin typeface="MV Boli" pitchFamily="2" charset="0"/>
-                <a:cs typeface="MV Boli" pitchFamily="2" charset="0"/>
-              </a:rPr>
-              <a:t>interesting </a:t>
-            </a:r>
-            <a:r>
-              <a:rPr lang="de-DE" dirty="0" smtClean="0">
-                <a:solidFill>
-                  <a:schemeClr val="tx1">
-                    <a:lumMod val="95000"/>
-                  </a:schemeClr>
-                </a:solidFill>
-                <a:latin typeface="MV Boli" pitchFamily="2" charset="0"/>
-                <a:cs typeface="MV Boli" pitchFamily="2" charset="0"/>
-              </a:rPr>
-              <a:t>mechanics and fun elements within the game lighten up the mood.</a:t>
+              <a:t>The low camera perspective and dark atmosphere in the beginning make the player feel vulnerable but the interesting mechanics and fun elements within the game lighten up the mood.</a:t>
             </a:r>
           </a:p>
         </p:txBody>
@@ -15455,7 +15407,7 @@
           <p:nvPr>
             <p:extLst>
               <p:ext uri="{D42A27DB-BD31-4B8C-83A1-F6EECF244321}">
-                <p14:modId xmlns:p14="http://schemas.microsoft.com/office/powerpoint/2010/main" val="2542925082"/>
+                <p14:modId xmlns:p14="http://schemas.microsoft.com/office/powerpoint/2010/main" val="2471622560"/>
               </p:ext>
             </p:extLst>
           </p:nvPr>
@@ -15559,22 +15511,14 @@
             </a:pPr>
             <a:r>
               <a:rPr lang="de-DE" dirty="0" smtClean="0">
+                <a:solidFill>
+                  <a:schemeClr val="tx2"/>
+                </a:solidFill>
                 <a:latin typeface="MV Boli" pitchFamily="2" charset="0"/>
                 <a:cs typeface="MV Boli" pitchFamily="2" charset="0"/>
               </a:rPr>
-              <a:t>Clairvoyance – Watch the room from a </a:t>
+              <a:t>Clairvoyance – Watch the room from a static perspective</a:t>
             </a:r>
-            <a:r>
-              <a:rPr lang="de-DE" dirty="0" smtClean="0">
-                <a:latin typeface="MV Boli" pitchFamily="2" charset="0"/>
-                <a:cs typeface="MV Boli" pitchFamily="2" charset="0"/>
-              </a:rPr>
-              <a:t>static perspective</a:t>
-            </a:r>
-            <a:endParaRPr lang="de-DE" dirty="0" smtClean="0">
-              <a:latin typeface="MV Boli" pitchFamily="2" charset="0"/>
-              <a:cs typeface="MV Boli" pitchFamily="2" charset="0"/>
-            </a:endParaRPr>
           </a:p>
           <a:p>
             <a:pPr marL="285750" indent="-285750">
@@ -15586,15 +15530,14 @@
             </a:pPr>
             <a:r>
               <a:rPr lang="de-DE" dirty="0" smtClean="0">
+                <a:solidFill>
+                  <a:schemeClr val="tx2"/>
+                </a:solidFill>
                 <a:latin typeface="MV Boli" pitchFamily="2" charset="0"/>
                 <a:cs typeface="MV Boli" pitchFamily="2" charset="0"/>
               </a:rPr>
               <a:t>Posession – Posess a guard </a:t>
             </a:r>
-            <a:endParaRPr lang="de-DE" dirty="0" smtClean="0">
-              <a:latin typeface="MV Boli" pitchFamily="2" charset="0"/>
-              <a:cs typeface="MV Boli" pitchFamily="2" charset="0"/>
-            </a:endParaRPr>
           </a:p>
           <a:p>
             <a:pPr marL="285750" indent="-285750">
@@ -15620,14 +15563,7 @@
                 <a:latin typeface="MV Boli" pitchFamily="2" charset="0"/>
                 <a:cs typeface="MV Boli" pitchFamily="2" charset="0"/>
               </a:rPr>
-              <a:t>Camera</a:t>
-            </a:r>
-            <a:r>
-              <a:rPr lang="de-DE" sz="2400" dirty="0" smtClean="0">
-                <a:latin typeface="MV Boli" pitchFamily="2" charset="0"/>
-                <a:cs typeface="MV Boli" pitchFamily="2" charset="0"/>
-              </a:rPr>
-              <a:t>: </a:t>
+              <a:t>Camera: </a:t>
             </a:r>
           </a:p>
           <a:p>
@@ -15640,6 +15576,9 @@
             </a:pPr>
             <a:r>
               <a:rPr lang="de-DE" dirty="0" smtClean="0">
+                <a:solidFill>
+                  <a:schemeClr val="tx2"/>
+                </a:solidFill>
                 <a:latin typeface="MV Boli" pitchFamily="2" charset="0"/>
                 <a:cs typeface="MV Boli" pitchFamily="2" charset="0"/>
               </a:rPr>
@@ -16791,22 +16730,12 @@
                 <a:latin typeface="MV Boli" pitchFamily="2" charset="0"/>
                 <a:cs typeface="MV Boli" pitchFamily="2" charset="0"/>
               </a:rPr>
-              <a:t>Possession “Mini-Game” (</a:t>
+              <a:t>Possession (Quick-time event + using guard)</a:t>
             </a:r>
-            <a:r>
-              <a:rPr lang="en-GB" dirty="0">
-                <a:latin typeface="MV Boli" pitchFamily="2" charset="0"/>
-                <a:cs typeface="MV Boli" pitchFamily="2" charset="0"/>
-              </a:rPr>
-              <a:t>Open doors with possessed </a:t>
-            </a:r>
-            <a:r>
-              <a:rPr lang="en-GB" dirty="0" smtClean="0">
-                <a:latin typeface="MV Boli" pitchFamily="2" charset="0"/>
-                <a:cs typeface="MV Boli" pitchFamily="2" charset="0"/>
-              </a:rPr>
-              <a:t>guard)</a:t>
-            </a:r>
+            <a:endParaRPr lang="en-GB" dirty="0" smtClean="0">
+              <a:latin typeface="MV Boli" pitchFamily="2" charset="0"/>
+              <a:cs typeface="MV Boli" pitchFamily="2" charset="0"/>
+            </a:endParaRPr>
           </a:p>
           <a:p>
             <a:pPr lvl="0"/>
@@ -17305,8 +17234,8 @@
         </p:nvSpPr>
         <p:spPr>
           <a:xfrm>
-            <a:off x="1547664" y="915566"/>
-            <a:ext cx="5904656" cy="3456384"/>
+            <a:off x="899592" y="843558"/>
+            <a:ext cx="7488832" cy="3528392"/>
           </a:xfrm>
         </p:spPr>
         <p:txBody>
@@ -17350,38 +17279,16 @@
                 <a:latin typeface="MV Boli" pitchFamily="2" charset="0"/>
                 <a:cs typeface="MV Boli" pitchFamily="2" charset="0"/>
               </a:rPr>
-              <a:t>	</a:t>
+              <a:t>		</a:t>
             </a:r>
             <a:r>
               <a:rPr lang="en-GB" dirty="0" smtClean="0">
-                <a:solidFill>
-                  <a:schemeClr val="tx1">
-                    <a:lumMod val="95000"/>
-                  </a:schemeClr>
-                </a:solidFill>
                 <a:latin typeface="MV Boli" pitchFamily="2" charset="0"/>
                 <a:cs typeface="MV Boli" pitchFamily="2" charset="0"/>
               </a:rPr>
-              <a:t>	Sonja </a:t>
-            </a:r>
-            <a:r>
-              <a:rPr lang="en-GB" dirty="0" smtClean="0">
-                <a:solidFill>
-                  <a:schemeClr val="tx1">
-                    <a:lumMod val="95000"/>
-                  </a:schemeClr>
-                </a:solidFill>
-                <a:latin typeface="MV Boli" pitchFamily="2" charset="0"/>
-                <a:cs typeface="MV Boli" pitchFamily="2" charset="0"/>
-              </a:rPr>
-              <a:t>Köck</a:t>
+              <a:t>Sonja Köck</a:t>
             </a:r>
             <a:endParaRPr lang="de-DE" dirty="0">
-              <a:solidFill>
-                <a:schemeClr val="tx1">
-                  <a:lumMod val="95000"/>
-                </a:schemeClr>
-              </a:solidFill>
               <a:latin typeface="MV Boli" pitchFamily="2" charset="0"/>
               <a:cs typeface="MV Boli" pitchFamily="2" charset="0"/>
             </a:endParaRPr>
@@ -17426,34 +17333,12 @@
             </a:r>
             <a:r>
               <a:rPr lang="en-GB" dirty="0" smtClean="0">
-                <a:solidFill>
-                  <a:schemeClr val="tx1">
-                    <a:lumMod val="95000"/>
-                  </a:schemeClr>
-                </a:solidFill>
                 <a:latin typeface="MV Boli" pitchFamily="2" charset="0"/>
                 <a:cs typeface="MV Boli" pitchFamily="2" charset="0"/>
               </a:rPr>
-              <a:t>Artjom </a:t>
-            </a:r>
-            <a:r>
-              <a:rPr lang="en-GB" dirty="0" smtClean="0">
-                <a:solidFill>
-                  <a:schemeClr val="tx1">
-                    <a:lumMod val="95000"/>
-                  </a:schemeClr>
-                </a:solidFill>
-                <a:latin typeface="MV Boli" pitchFamily="2" charset="0"/>
-                <a:cs typeface="MV Boli" pitchFamily="2" charset="0"/>
-              </a:rPr>
-              <a:t>Schmitke</a:t>
+              <a:t>Artjom Schmitke</a:t>
             </a:r>
             <a:endParaRPr lang="de-DE" dirty="0">
-              <a:solidFill>
-                <a:schemeClr val="tx1">
-                  <a:lumMod val="95000"/>
-                </a:schemeClr>
-              </a:solidFill>
               <a:latin typeface="MV Boli" pitchFamily="2" charset="0"/>
               <a:cs typeface="MV Boli" pitchFamily="2" charset="0"/>
             </a:endParaRPr>
@@ -17498,6 +17383,16 @@
             </a:r>
             <a:r>
               <a:rPr lang="en-GB" dirty="0" smtClean="0">
+                <a:latin typeface="MV Boli" pitchFamily="2" charset="0"/>
+                <a:cs typeface="MV Boli" pitchFamily="2" charset="0"/>
+              </a:rPr>
+              <a:t>Tobias Schuster</a:t>
+            </a:r>
+          </a:p>
+          <a:p>
+            <a:pPr lvl="0"/>
+            <a:r>
+              <a:rPr lang="en-GB" b="1" dirty="0" smtClean="0">
                 <a:solidFill>
                   <a:schemeClr val="tx1">
                     <a:lumMod val="95000"/>
@@ -17506,23 +17401,8 @@
                 <a:latin typeface="MV Boli" pitchFamily="2" charset="0"/>
                 <a:cs typeface="MV Boli" pitchFamily="2" charset="0"/>
               </a:rPr>
-              <a:t>Tobias Schuster</a:t>
+              <a:t>	</a:t>
             </a:r>
-          </a:p>
-          <a:p>
-            <a:pPr lvl="0"/>
-            <a:endParaRPr lang="en-GB" dirty="0" smtClean="0">
-              <a:solidFill>
-                <a:schemeClr val="tx1">
-                  <a:lumMod val="95000"/>
-                </a:schemeClr>
-              </a:solidFill>
-              <a:latin typeface="MV Boli" pitchFamily="2" charset="0"/>
-              <a:cs typeface="MV Boli" pitchFamily="2" charset="0"/>
-            </a:endParaRPr>
-          </a:p>
-          <a:p>
-            <a:pPr lvl="0"/>
             <a:r>
               <a:rPr lang="en-GB" b="1" dirty="0" smtClean="0">
                 <a:solidFill>
@@ -17545,7 +17425,7 @@
                 <a:latin typeface="MV Boli" pitchFamily="2" charset="0"/>
                 <a:cs typeface="MV Boli" pitchFamily="2" charset="0"/>
               </a:rPr>
-              <a:t>Art</a:t>
+              <a:t>		Art</a:t>
             </a:r>
             <a:r>
               <a:rPr lang="en-GB" b="1" dirty="0" smtClean="0">
@@ -17573,27 +17453,10 @@
             </a:r>
             <a:r>
               <a:rPr lang="en-GB" dirty="0" smtClean="0">
-                <a:solidFill>
-                  <a:schemeClr val="tx1">
-                    <a:lumMod val="95000"/>
-                  </a:schemeClr>
-                </a:solidFill>
                 <a:latin typeface="MV Boli" pitchFamily="2" charset="0"/>
                 <a:cs typeface="MV Boli" pitchFamily="2" charset="0"/>
               </a:rPr>
-              <a:t>Marlou </a:t>
-            </a:r>
-            <a:r>
-              <a:rPr lang="en-GB" dirty="0" smtClean="0">
-                <a:solidFill>
-                  <a:schemeClr val="tx1">
-                    <a:lumMod val="95000"/>
-                  </a:schemeClr>
-                </a:solidFill>
-                <a:latin typeface="MV Boli" pitchFamily="2" charset="0"/>
-                <a:cs typeface="MV Boli" pitchFamily="2" charset="0"/>
-              </a:rPr>
-              <a:t>Nolting</a:t>
+              <a:t>Marlou Nolting</a:t>
             </a:r>
           </a:p>
           <a:p>
@@ -17620,7 +17483,36 @@
                 <a:latin typeface="MV Boli" pitchFamily="2" charset="0"/>
                 <a:cs typeface="MV Boli" pitchFamily="2" charset="0"/>
               </a:rPr>
+              <a:t>			</a:t>
+            </a:r>
+            <a:r>
+              <a:rPr lang="en-GB" dirty="0" smtClean="0">
+                <a:latin typeface="MV Boli" pitchFamily="2" charset="0"/>
+                <a:cs typeface="MV Boli" pitchFamily="2" charset="0"/>
+              </a:rPr>
               <a:t>Jesse </a:t>
+            </a:r>
+            <a:r>
+              <a:rPr lang="en-GB" dirty="0" smtClean="0">
+                <a:latin typeface="MV Boli" pitchFamily="2" charset="0"/>
+                <a:cs typeface="MV Boli" pitchFamily="2" charset="0"/>
+              </a:rPr>
+              <a:t>Haines</a:t>
+            </a:r>
+          </a:p>
+          <a:p>
+            <a:pPr lvl="0"/>
+            <a:r>
+              <a:rPr lang="en-GB" dirty="0" smtClean="0">
+                <a:solidFill>
+                  <a:schemeClr val="tx1">
+                    <a:lumMod val="95000"/>
+                  </a:schemeClr>
+                </a:solidFill>
+                <a:latin typeface="MV Boli" pitchFamily="2" charset="0"/>
+                <a:cs typeface="MV Boli" pitchFamily="2" charset="0"/>
+              </a:rPr>
+              <a:t>						</a:t>
             </a:r>
             <a:r>
               <a:rPr lang="en-GB" dirty="0" smtClean="0">
@@ -17632,7 +17524,26 @@
                 <a:latin typeface="MV Boli" pitchFamily="2" charset="0"/>
                 <a:cs typeface="MV Boli" pitchFamily="2" charset="0"/>
               </a:rPr>
-              <a:t>Haines</a:t>
+              <a:t>			</a:t>
+            </a:r>
+            <a:r>
+              <a:rPr lang="en-GB" dirty="0" smtClean="0">
+                <a:solidFill>
+                  <a:schemeClr val="tx1">
+                    <a:lumMod val="95000"/>
+                  </a:schemeClr>
+                </a:solidFill>
+                <a:latin typeface="MV Boli" pitchFamily="2" charset="0"/>
+                <a:cs typeface="MV Boli" pitchFamily="2" charset="0"/>
+              </a:rPr>
+              <a:t>	</a:t>
+            </a:r>
+            <a:r>
+              <a:rPr lang="en-GB" dirty="0" smtClean="0">
+                <a:latin typeface="MV Boli" pitchFamily="2" charset="0"/>
+                <a:cs typeface="MV Boli" pitchFamily="2" charset="0"/>
+              </a:rPr>
+              <a:t>Michelle Mohn</a:t>
             </a:r>
           </a:p>
           <a:p>
@@ -17659,19 +17570,21 @@
                 <a:latin typeface="MV Boli" pitchFamily="2" charset="0"/>
                 <a:cs typeface="MV Boli" pitchFamily="2" charset="0"/>
               </a:rPr>
-              <a:t>Michelle </a:t>
+              <a:t>		</a:t>
             </a:r>
             <a:r>
               <a:rPr lang="en-GB" dirty="0" smtClean="0">
-                <a:solidFill>
-                  <a:schemeClr val="tx1">
-                    <a:lumMod val="95000"/>
-                  </a:schemeClr>
-                </a:solidFill>
                 <a:latin typeface="MV Boli" pitchFamily="2" charset="0"/>
                 <a:cs typeface="MV Boli" pitchFamily="2" charset="0"/>
               </a:rPr>
-              <a:t>Mohn</a:t>
+              <a:t>	Levin </a:t>
+            </a:r>
+            <a:r>
+              <a:rPr lang="en-GB" dirty="0" smtClean="0">
+                <a:latin typeface="MV Boli" pitchFamily="2" charset="0"/>
+                <a:cs typeface="MV Boli" pitchFamily="2" charset="0"/>
+              </a:rPr>
+              <a:t>Lang</a:t>
             </a:r>
           </a:p>
           <a:p>
@@ -17698,42 +17611,10 @@
                 <a:latin typeface="MV Boli" pitchFamily="2" charset="0"/>
                 <a:cs typeface="MV Boli" pitchFamily="2" charset="0"/>
               </a:rPr>
-              <a:t>Levin </a:t>
+              <a:t>			</a:t>
             </a:r>
             <a:r>
               <a:rPr lang="en-GB" dirty="0" smtClean="0">
-                <a:solidFill>
-                  <a:schemeClr val="tx1">
-                    <a:lumMod val="95000"/>
-                  </a:schemeClr>
-                </a:solidFill>
-                <a:latin typeface="MV Boli" pitchFamily="2" charset="0"/>
-                <a:cs typeface="MV Boli" pitchFamily="2" charset="0"/>
-              </a:rPr>
-              <a:t>Lang</a:t>
-            </a:r>
-          </a:p>
-          <a:p>
-            <a:pPr lvl="0"/>
-            <a:r>
-              <a:rPr lang="en-GB" dirty="0" smtClean="0">
-                <a:solidFill>
-                  <a:schemeClr val="tx1">
-                    <a:lumMod val="95000"/>
-                  </a:schemeClr>
-                </a:solidFill>
-                <a:latin typeface="MV Boli" pitchFamily="2" charset="0"/>
-                <a:cs typeface="MV Boli" pitchFamily="2" charset="0"/>
-              </a:rPr>
-              <a:t>							</a:t>
-            </a:r>
-            <a:r>
-              <a:rPr lang="en-GB" dirty="0" smtClean="0">
-                <a:solidFill>
-                  <a:schemeClr val="tx1">
-                    <a:lumMod val="95000"/>
-                  </a:schemeClr>
-                </a:solidFill>
                 <a:latin typeface="MV Boli" pitchFamily="2" charset="0"/>
                 <a:cs typeface="MV Boli" pitchFamily="2" charset="0"/>
               </a:rPr>
@@ -17741,11 +17622,6 @@
             </a:r>
             <a:r>
               <a:rPr lang="en-GB" dirty="0" smtClean="0">
-                <a:solidFill>
-                  <a:schemeClr val="tx1">
-                    <a:lumMod val="95000"/>
-                  </a:schemeClr>
-                </a:solidFill>
                 <a:latin typeface="MV Boli" pitchFamily="2" charset="0"/>
                 <a:cs typeface="MV Boli" pitchFamily="2" charset="0"/>
               </a:rPr>
@@ -17753,11 +17629,6 @@
             </a:r>
             <a:r>
               <a:rPr lang="en-GB" sz="1800" dirty="0" smtClean="0">
-                <a:solidFill>
-                  <a:schemeClr val="tx1">
-                    <a:lumMod val="95000"/>
-                  </a:schemeClr>
-                </a:solidFill>
                 <a:latin typeface="MV Boli" pitchFamily="2" charset="0"/>
                 <a:cs typeface="MV Boli" pitchFamily="2" charset="0"/>
               </a:rPr>
@@ -18098,7 +17969,7 @@
                                         <p:tgtEl>
                                           <p:spTgt spid="3">
                                             <p:txEl>
-                                              <p:pRg st="4" end="4"/>
+                                              <p:pRg st="3" end="3"/>
                                             </p:txEl>
                                           </p:spTgt>
                                         </p:tgtEl>
@@ -18116,7 +17987,7 @@
                                         <p:tgtEl>
                                           <p:spTgt spid="3">
                                             <p:txEl>
-                                              <p:pRg st="4" end="4"/>
+                                              <p:pRg st="3" end="3"/>
                                             </p:txEl>
                                           </p:spTgt>
                                         </p:tgtEl>
@@ -18150,7 +18021,7 @@
                                         <p:tgtEl>
                                           <p:spTgt spid="3">
                                             <p:txEl>
-                                              <p:pRg st="5" end="5"/>
+                                              <p:pRg st="4" end="4"/>
                                             </p:txEl>
                                           </p:spTgt>
                                         </p:tgtEl>
@@ -18168,7 +18039,7 @@
                                         <p:tgtEl>
                                           <p:spTgt spid="3">
                                             <p:txEl>
-                                              <p:pRg st="5" end="5"/>
+                                              <p:pRg st="4" end="4"/>
                                             </p:txEl>
                                           </p:spTgt>
                                         </p:tgtEl>
@@ -18202,7 +18073,7 @@
                                         <p:tgtEl>
                                           <p:spTgt spid="3">
                                             <p:txEl>
-                                              <p:pRg st="6" end="6"/>
+                                              <p:pRg st="5" end="5"/>
                                             </p:txEl>
                                           </p:spTgt>
                                         </p:tgtEl>
@@ -18220,7 +18091,7 @@
                                         <p:tgtEl>
                                           <p:spTgt spid="3">
                                             <p:txEl>
-                                              <p:pRg st="6" end="6"/>
+                                              <p:pRg st="5" end="5"/>
                                             </p:txEl>
                                           </p:spTgt>
                                         </p:tgtEl>
@@ -18254,7 +18125,7 @@
                                         <p:tgtEl>
                                           <p:spTgt spid="3">
                                             <p:txEl>
-                                              <p:pRg st="7" end="7"/>
+                                              <p:pRg st="6" end="6"/>
                                             </p:txEl>
                                           </p:spTgt>
                                         </p:tgtEl>
@@ -18272,7 +18143,7 @@
                                         <p:tgtEl>
                                           <p:spTgt spid="3">
                                             <p:txEl>
-                                              <p:pRg st="7" end="7"/>
+                                              <p:pRg st="6" end="6"/>
                                             </p:txEl>
                                           </p:spTgt>
                                         </p:tgtEl>
@@ -18306,7 +18177,7 @@
                                         <p:tgtEl>
                                           <p:spTgt spid="3">
                                             <p:txEl>
-                                              <p:pRg st="8" end="8"/>
+                                              <p:pRg st="7" end="7"/>
                                             </p:txEl>
                                           </p:spTgt>
                                         </p:tgtEl>
@@ -18324,7 +18195,7 @@
                                         <p:tgtEl>
                                           <p:spTgt spid="3">
                                             <p:txEl>
-                                              <p:pRg st="8" end="8"/>
+                                              <p:pRg st="7" end="7"/>
                                             </p:txEl>
                                           </p:spTgt>
                                         </p:tgtEl>
